--- a/Dokumentation/Roboter.pptx
+++ b/Dokumentation/Roboter.pptx
@@ -8,19 +8,19 @@
     <p:notesMasterId r:id="rId19"/>
   </p:notesMasterIdLst>
   <p:sldIdLst>
-    <p:sldId id="256" r:id="rId2"/>
-    <p:sldId id="257" r:id="rId3"/>
+    <p:sldId id="278" r:id="rId2"/>
+    <p:sldId id="256" r:id="rId3"/>
     <p:sldId id="258" r:id="rId4"/>
-    <p:sldId id="259" r:id="rId5"/>
-    <p:sldId id="260" r:id="rId6"/>
-    <p:sldId id="261" r:id="rId7"/>
+    <p:sldId id="257" r:id="rId5"/>
+    <p:sldId id="263" r:id="rId6"/>
+    <p:sldId id="275" r:id="rId7"/>
     <p:sldId id="262" r:id="rId8"/>
-    <p:sldId id="263" r:id="rId9"/>
-    <p:sldId id="265" r:id="rId10"/>
-    <p:sldId id="264" r:id="rId11"/>
-    <p:sldId id="266" r:id="rId12"/>
-    <p:sldId id="267" r:id="rId13"/>
-    <p:sldId id="271" r:id="rId14"/>
+    <p:sldId id="273" r:id="rId9"/>
+    <p:sldId id="271" r:id="rId10"/>
+    <p:sldId id="260" r:id="rId11"/>
+    <p:sldId id="274" r:id="rId12"/>
+    <p:sldId id="276" r:id="rId13"/>
+    <p:sldId id="277" r:id="rId14"/>
     <p:sldId id="272" r:id="rId15"/>
     <p:sldId id="269" r:id="rId16"/>
     <p:sldId id="270" r:id="rId17"/>
@@ -123,6 +123,11 @@
       </a:defRPr>
     </a:lvl9pPr>
   </p:defaultTextStyle>
+  <p:extLst>
+    <p:ext uri="{EFAFB233-063F-42B5-8137-9DF3F51BA10A}">
+      <p15:sldGuideLst xmlns:p15="http://schemas.microsoft.com/office/powerpoint/2012/main"/>
+    </p:ext>
+  </p:extLst>
 </p:presentation>
 </file>
 
@@ -208,7 +213,7 @@
           <a:p>
             <a:fld id="{667D6E9C-FEFA-4AE6-9196-67D489BCC82C}" type="datetimeFigureOut">
               <a:rPr lang="de-DE" smtClean="0"/>
-              <a:t>20.01.2018</a:t>
+              <a:t>21.02.2018</a:t>
             </a:fld>
             <a:endParaRPr lang="de-DE"/>
           </a:p>
@@ -366,7 +371,7 @@
           <a:p>
             <a:fld id="{30FCFFD0-1C19-40D0-BB6D-B2352B27AFEB}" type="slidenum">
               <a:rPr lang="de-DE" smtClean="0"/>
-              <a:t>‹Nr.›</a:t>
+              <a:t>‹#›</a:t>
             </a:fld>
             <a:endParaRPr lang="de-DE"/>
           </a:p>
@@ -622,7 +627,7 @@
           <a:p>
             <a:fld id="{23EB666B-F6D4-4DC2-BA2B-5CF0827327F0}" type="datetime1">
               <a:rPr lang="de-DE" smtClean="0"/>
-              <a:t>20.01.2018</a:t>
+              <a:t>21.02.2018</a:t>
             </a:fld>
             <a:endParaRPr lang="de-DE"/>
           </a:p>
@@ -676,7 +681,7 @@
           <a:p>
             <a:fld id="{24C7E509-D680-4DB8-B87E-B8EC2E347686}" type="slidenum">
               <a:rPr lang="de-DE" smtClean="0"/>
-              <a:t>‹Nr.›</a:t>
+              <a:t>‹#›</a:t>
             </a:fld>
             <a:endParaRPr lang="de-DE"/>
           </a:p>
@@ -820,7 +825,7 @@
           <a:p>
             <a:fld id="{DDC6096B-34AB-48A6-8B0B-AA3C911221CC}" type="datetime1">
               <a:rPr lang="de-DE" smtClean="0"/>
-              <a:t>20.01.2018</a:t>
+              <a:t>21.02.2018</a:t>
             </a:fld>
             <a:endParaRPr lang="de-DE"/>
           </a:p>
@@ -874,7 +879,7 @@
           <a:p>
             <a:fld id="{24C7E509-D680-4DB8-B87E-B8EC2E347686}" type="slidenum">
               <a:rPr lang="de-DE" smtClean="0"/>
-              <a:t>‹Nr.›</a:t>
+              <a:t>‹#›</a:t>
             </a:fld>
             <a:endParaRPr lang="de-DE"/>
           </a:p>
@@ -1028,7 +1033,7 @@
           <a:p>
             <a:fld id="{407FD86E-BFFD-4661-835C-7D0E258F6D22}" type="datetime1">
               <a:rPr lang="de-DE" smtClean="0"/>
-              <a:t>20.01.2018</a:t>
+              <a:t>21.02.2018</a:t>
             </a:fld>
             <a:endParaRPr lang="de-DE"/>
           </a:p>
@@ -1082,7 +1087,7 @@
           <a:p>
             <a:fld id="{24C7E509-D680-4DB8-B87E-B8EC2E347686}" type="slidenum">
               <a:rPr lang="de-DE" smtClean="0"/>
-              <a:t>‹Nr.›</a:t>
+              <a:t>‹#›</a:t>
             </a:fld>
             <a:endParaRPr lang="de-DE"/>
           </a:p>
@@ -1226,7 +1231,7 @@
           <a:p>
             <a:fld id="{0060243F-1866-4F8D-A2B2-76D33461B3CF}" type="datetime1">
               <a:rPr lang="de-DE" smtClean="0"/>
-              <a:t>20.01.2018</a:t>
+              <a:t>21.02.2018</a:t>
             </a:fld>
             <a:endParaRPr lang="de-DE"/>
           </a:p>
@@ -1280,7 +1285,7 @@
           <a:p>
             <a:fld id="{24C7E509-D680-4DB8-B87E-B8EC2E347686}" type="slidenum">
               <a:rPr lang="de-DE" smtClean="0"/>
-              <a:t>‹Nr.›</a:t>
+              <a:t>‹#›</a:t>
             </a:fld>
             <a:endParaRPr lang="de-DE"/>
           </a:p>
@@ -1501,7 +1506,7 @@
           <a:p>
             <a:fld id="{30F3688E-8457-4C6B-8C67-700B1B4DC1E7}" type="datetime1">
               <a:rPr lang="de-DE" smtClean="0"/>
-              <a:t>20.01.2018</a:t>
+              <a:t>21.02.2018</a:t>
             </a:fld>
             <a:endParaRPr lang="de-DE"/>
           </a:p>
@@ -1555,7 +1560,7 @@
           <a:p>
             <a:fld id="{24C7E509-D680-4DB8-B87E-B8EC2E347686}" type="slidenum">
               <a:rPr lang="de-DE" smtClean="0"/>
-              <a:t>‹Nr.›</a:t>
+              <a:t>‹#›</a:t>
             </a:fld>
             <a:endParaRPr lang="de-DE"/>
           </a:p>
@@ -1766,7 +1771,7 @@
           <a:p>
             <a:fld id="{41230D57-A438-4C3F-9F84-4C5C291E5A5F}" type="datetime1">
               <a:rPr lang="de-DE" smtClean="0"/>
-              <a:t>20.01.2018</a:t>
+              <a:t>21.02.2018</a:t>
             </a:fld>
             <a:endParaRPr lang="de-DE"/>
           </a:p>
@@ -1820,7 +1825,7 @@
           <a:p>
             <a:fld id="{24C7E509-D680-4DB8-B87E-B8EC2E347686}" type="slidenum">
               <a:rPr lang="de-DE" smtClean="0"/>
-              <a:t>‹Nr.›</a:t>
+              <a:t>‹#›</a:t>
             </a:fld>
             <a:endParaRPr lang="de-DE"/>
           </a:p>
@@ -2178,7 +2183,7 @@
           <a:p>
             <a:fld id="{AF62F608-86F1-40CF-82FC-1C147C3DD224}" type="datetime1">
               <a:rPr lang="de-DE" smtClean="0"/>
-              <a:t>20.01.2018</a:t>
+              <a:t>21.02.2018</a:t>
             </a:fld>
             <a:endParaRPr lang="de-DE"/>
           </a:p>
@@ -2232,7 +2237,7 @@
           <a:p>
             <a:fld id="{24C7E509-D680-4DB8-B87E-B8EC2E347686}" type="slidenum">
               <a:rPr lang="de-DE" smtClean="0"/>
-              <a:t>‹Nr.›</a:t>
+              <a:t>‹#›</a:t>
             </a:fld>
             <a:endParaRPr lang="de-DE"/>
           </a:p>
@@ -2319,7 +2324,7 @@
           <a:p>
             <a:fld id="{A171A553-3517-40AF-B856-21919B4E6188}" type="datetime1">
               <a:rPr lang="de-DE" smtClean="0"/>
-              <a:t>20.01.2018</a:t>
+              <a:t>21.02.2018</a:t>
             </a:fld>
             <a:endParaRPr lang="de-DE"/>
           </a:p>
@@ -2373,7 +2378,7 @@
           <a:p>
             <a:fld id="{24C7E509-D680-4DB8-B87E-B8EC2E347686}" type="slidenum">
               <a:rPr lang="de-DE" smtClean="0"/>
-              <a:t>‹Nr.›</a:t>
+              <a:t>‹#›</a:t>
             </a:fld>
             <a:endParaRPr lang="de-DE"/>
           </a:p>
@@ -2432,7 +2437,7 @@
           <a:p>
             <a:fld id="{793C024D-9082-4157-A667-CF73921D3E21}" type="datetime1">
               <a:rPr lang="de-DE" smtClean="0"/>
-              <a:t>20.01.2018</a:t>
+              <a:t>21.02.2018</a:t>
             </a:fld>
             <a:endParaRPr lang="de-DE"/>
           </a:p>
@@ -2486,7 +2491,7 @@
           <a:p>
             <a:fld id="{24C7E509-D680-4DB8-B87E-B8EC2E347686}" type="slidenum">
               <a:rPr lang="de-DE" smtClean="0"/>
-              <a:t>‹Nr.›</a:t>
+              <a:t>‹#›</a:t>
             </a:fld>
             <a:endParaRPr lang="de-DE"/>
           </a:p>
@@ -2743,7 +2748,7 @@
           <a:p>
             <a:fld id="{CB9F0996-3986-4BD0-AC2D-F5F802D0DF4C}" type="datetime1">
               <a:rPr lang="de-DE" smtClean="0"/>
-              <a:t>20.01.2018</a:t>
+              <a:t>21.02.2018</a:t>
             </a:fld>
             <a:endParaRPr lang="de-DE"/>
           </a:p>
@@ -2797,7 +2802,7 @@
           <a:p>
             <a:fld id="{24C7E509-D680-4DB8-B87E-B8EC2E347686}" type="slidenum">
               <a:rPr lang="de-DE" smtClean="0"/>
-              <a:t>‹Nr.›</a:t>
+              <a:t>‹#›</a:t>
             </a:fld>
             <a:endParaRPr lang="de-DE"/>
           </a:p>
@@ -3031,7 +3036,7 @@
           <a:p>
             <a:fld id="{B53546CB-57F0-403A-9B11-F28CD8787C4F}" type="datetime1">
               <a:rPr lang="de-DE" smtClean="0"/>
-              <a:t>20.01.2018</a:t>
+              <a:t>21.02.2018</a:t>
             </a:fld>
             <a:endParaRPr lang="de-DE"/>
           </a:p>
@@ -3085,7 +3090,7 @@
           <a:p>
             <a:fld id="{24C7E509-D680-4DB8-B87E-B8EC2E347686}" type="slidenum">
               <a:rPr lang="de-DE" smtClean="0"/>
-              <a:t>‹Nr.›</a:t>
+              <a:t>‹#›</a:t>
             </a:fld>
             <a:endParaRPr lang="de-DE"/>
           </a:p>
@@ -3272,7 +3277,7 @@
           <a:p>
             <a:fld id="{1D3C1B12-7E54-4267-9D51-05EAB2BDC53B}" type="datetime1">
               <a:rPr lang="de-DE" smtClean="0"/>
-              <a:t>20.01.2018</a:t>
+              <a:t>21.02.2018</a:t>
             </a:fld>
             <a:endParaRPr lang="de-DE"/>
           </a:p>
@@ -3362,7 +3367,7 @@
           <a:p>
             <a:fld id="{24C7E509-D680-4DB8-B87E-B8EC2E347686}" type="slidenum">
               <a:rPr lang="de-DE" smtClean="0"/>
-              <a:t>‹Nr.›</a:t>
+              <a:t>‹#›</a:t>
             </a:fld>
             <a:endParaRPr lang="de-DE"/>
           </a:p>
@@ -3674,7 +3679,7 @@
 </file>
 
 <file path=ppt/slides/slide1.xml><?xml version="1.0" encoding="utf-8"?>
-<p:sld xmlns:a="http://schemas.openxmlformats.org/drawingml/2006/main" xmlns:r="http://schemas.openxmlformats.org/officeDocument/2006/relationships" xmlns:p="http://schemas.openxmlformats.org/presentationml/2006/main">
+<p:sld xmlns:a="http://schemas.openxmlformats.org/drawingml/2006/main" xmlns:r="http://schemas.openxmlformats.org/officeDocument/2006/relationships" xmlns:p="http://schemas.openxmlformats.org/presentationml/2006/main" show="0">
   <p:cSld>
     <p:spTree>
       <p:nvGrpSpPr>
@@ -3692,80 +3697,192 @@
       </p:grpSpPr>
       <p:sp>
         <p:nvSpPr>
-          <p:cNvPr id="2" name="Titel 1">
-            <a:extLst>
-              <a:ext uri="{FF2B5EF4-FFF2-40B4-BE49-F238E27FC236}">
-                <a16:creationId xmlns:a16="http://schemas.microsoft.com/office/drawing/2014/main" id="{AB797468-C3B3-4625-A645-4FF1498D3D36}"/>
-              </a:ext>
-            </a:extLst>
-          </p:cNvPr>
-          <p:cNvSpPr>
-            <a:spLocks noGrp="1"/>
-          </p:cNvSpPr>
-          <p:nvPr>
-            <p:ph type="ctrTitle"/>
-          </p:nvPr>
-        </p:nvSpPr>
-        <p:spPr/>
-        <p:txBody>
-          <a:bodyPr/>
-          <a:lstStyle/>
-          <a:p>
-            <a:r>
-              <a:rPr lang="de-DE" dirty="0"/>
-              <a:t>Formale Methoden</a:t>
-            </a:r>
-          </a:p>
-        </p:txBody>
-      </p:sp>
-      <p:sp>
-        <p:nvSpPr>
-          <p:cNvPr id="3" name="Untertitel 2">
-            <a:extLst>
-              <a:ext uri="{FF2B5EF4-FFF2-40B4-BE49-F238E27FC236}">
-                <a16:creationId xmlns:a16="http://schemas.microsoft.com/office/drawing/2014/main" id="{90F58143-0024-47BA-B87F-224EB2258D41}"/>
-              </a:ext>
-            </a:extLst>
-          </p:cNvPr>
-          <p:cNvSpPr>
-            <a:spLocks noGrp="1"/>
-          </p:cNvSpPr>
-          <p:nvPr>
-            <p:ph type="subTitle" idx="1"/>
-          </p:nvPr>
-        </p:nvSpPr>
-        <p:spPr/>
-        <p:txBody>
-          <a:bodyPr/>
-          <a:lstStyle/>
-          <a:p>
+          <p:cNvPr id="5" name="Title 4">
+            <a:extLst>
+              <a:ext uri="{FF2B5EF4-FFF2-40B4-BE49-F238E27FC236}">
+                <a16:creationId xmlns:a16="http://schemas.microsoft.com/office/drawing/2014/main" id="{3DB679FE-7AB8-452C-9056-DB9A71D8FBB7}"/>
+              </a:ext>
+            </a:extLst>
+          </p:cNvPr>
+          <p:cNvSpPr>
+            <a:spLocks noGrp="1"/>
+          </p:cNvSpPr>
+          <p:nvPr>
+            <p:ph type="title"/>
+          </p:nvPr>
+        </p:nvSpPr>
+        <p:spPr/>
+        <p:txBody>
+          <a:bodyPr/>
+          <a:lstStyle/>
+          <a:p>
+            <a:r>
+              <a:rPr lang="de-DE" dirty="0"/>
+              <a:t>Aufteilen Präsentation</a:t>
+            </a:r>
+          </a:p>
+        </p:txBody>
+      </p:sp>
+      <p:sp>
+        <p:nvSpPr>
+          <p:cNvPr id="6" name="Content Placeholder 5">
+            <a:extLst>
+              <a:ext uri="{FF2B5EF4-FFF2-40B4-BE49-F238E27FC236}">
+                <a16:creationId xmlns:a16="http://schemas.microsoft.com/office/drawing/2014/main" id="{6209D8CB-5E61-484E-9162-79AAB377D1C3}"/>
+              </a:ext>
+            </a:extLst>
+          </p:cNvPr>
+          <p:cNvSpPr>
+            <a:spLocks noGrp="1"/>
+          </p:cNvSpPr>
+          <p:nvPr>
+            <p:ph idx="1"/>
+          </p:nvPr>
+        </p:nvSpPr>
+        <p:spPr/>
+        <p:txBody>
+          <a:bodyPr>
+            <a:normAutofit fontScale="62500" lnSpcReduction="20000"/>
+          </a:bodyPr>
+          <a:lstStyle/>
+          <a:p>
+            <a:r>
+              <a:rPr lang="de-DE" dirty="0"/>
+              <a:t>Fabian:</a:t>
+            </a:r>
+          </a:p>
+          <a:p>
+            <a:pPr lvl="1"/>
+            <a:r>
+              <a:rPr lang="de-DE" dirty="0"/>
+              <a:t>EVA-Ansicht</a:t>
+            </a:r>
+          </a:p>
+          <a:p>
+            <a:pPr lvl="1"/>
+            <a:r>
+              <a:rPr lang="de-DE" dirty="0"/>
+              <a:t>Enforce Algorithmus</a:t>
+            </a:r>
+          </a:p>
+          <a:p>
+            <a:pPr lvl="1"/>
+            <a:r>
+              <a:rPr lang="de-DE" dirty="0"/>
+              <a:t>Optimierung</a:t>
+            </a:r>
+          </a:p>
+          <a:p>
+            <a:pPr lvl="1"/>
+            <a:r>
+              <a:rPr lang="de-DE" dirty="0"/>
+              <a:t>Einleitung</a:t>
+            </a:r>
+          </a:p>
+          <a:p>
+            <a:r>
+              <a:rPr lang="de-DE" dirty="0"/>
+              <a:t>Jan-Henrik</a:t>
+            </a:r>
+          </a:p>
+          <a:p>
+            <a:pPr lvl="1"/>
+            <a:r>
+              <a:rPr lang="de-DE" dirty="0"/>
+              <a:t>Graph generierung</a:t>
+            </a:r>
+          </a:p>
+          <a:p>
+            <a:pPr lvl="1"/>
+            <a:r>
+              <a:rPr lang="de-DE" dirty="0"/>
+              <a:t>Beispielgraph</a:t>
+            </a:r>
+          </a:p>
+          <a:p>
+            <a:pPr lvl="1"/>
+            <a:r>
+              <a:rPr lang="de-DE" dirty="0"/>
+              <a:t>Aufgetretene Fehler</a:t>
+            </a:r>
+          </a:p>
+          <a:p>
+            <a:pPr lvl="1"/>
+            <a:r>
+              <a:rPr lang="de-DE" dirty="0"/>
+              <a:t>Fazit</a:t>
+            </a:r>
+          </a:p>
+          <a:p>
+            <a:r>
+              <a:rPr lang="de-DE" dirty="0"/>
+              <a:t>Sven:</a:t>
+            </a:r>
+          </a:p>
+          <a:p>
+            <a:pPr lvl="1"/>
+            <a:r>
+              <a:rPr lang="de-DE" dirty="0"/>
+              <a:t>Layout</a:t>
+            </a:r>
+          </a:p>
+          <a:p>
+            <a:pPr lvl="1"/>
+            <a:r>
+              <a:rPr lang="de-DE" dirty="0"/>
+              <a:t>Gliederung </a:t>
+            </a:r>
+          </a:p>
+          <a:p>
+            <a:pPr lvl="1"/>
+            <a:r>
+              <a:rPr lang="de-DE" dirty="0"/>
+              <a:t>Spielfeld</a:t>
+            </a:r>
+          </a:p>
+          <a:p>
+            <a:pPr lvl="1"/>
+            <a:r>
+              <a:rPr lang="de-DE" dirty="0"/>
+              <a:t>Herausforderungen</a:t>
+            </a:r>
+          </a:p>
+          <a:p>
+            <a:pPr lvl="1"/>
+            <a:r>
+              <a:rPr lang="de-DE" dirty="0"/>
+              <a:t>Child Controller</a:t>
+            </a:r>
+          </a:p>
+          <a:p>
+            <a:pPr lvl="1"/>
+            <a:r>
+              <a:rPr lang="de-DE" dirty="0"/>
+              <a:t>Robot Controller</a:t>
+            </a:r>
+          </a:p>
+          <a:p>
+            <a:pPr lvl="1"/>
             <a:endParaRPr lang="de-DE" dirty="0"/>
           </a:p>
           <a:p>
+            <a:pPr lvl="1"/>
             <a:endParaRPr lang="de-DE" dirty="0"/>
           </a:p>
           <a:p>
-            <a:r>
-              <a:rPr lang="de-DE" dirty="0"/>
-              <a:t>Jan-Henrik Bruhn, Sven </a:t>
-            </a:r>
-            <a:r>
-              <a:rPr lang="de-DE" dirty="0" err="1"/>
-              <a:t>Mehlhop</a:t>
-            </a:r>
-            <a:r>
-              <a:rPr lang="de-DE" dirty="0"/>
-              <a:t> und Fabian Bruhns</a:t>
-            </a:r>
-          </a:p>
-        </p:txBody>
-      </p:sp>
-      <p:sp>
-        <p:nvSpPr>
-          <p:cNvPr id="4" name="Foliennummernplatzhalter 3">
-            <a:extLst>
-              <a:ext uri="{FF2B5EF4-FFF2-40B4-BE49-F238E27FC236}">
-                <a16:creationId xmlns:a16="http://schemas.microsoft.com/office/drawing/2014/main" id="{DE1C29E7-48F7-44B2-9F58-68C8DB0777C2}"/>
+            <a:pPr marL="457200" lvl="1" indent="0">
+              <a:buNone/>
+            </a:pPr>
+            <a:endParaRPr lang="de-DE" dirty="0"/>
+          </a:p>
+        </p:txBody>
+      </p:sp>
+      <p:sp>
+        <p:nvSpPr>
+          <p:cNvPr id="4" name="Slide Number Placeholder 3">
+            <a:extLst>
+              <a:ext uri="{FF2B5EF4-FFF2-40B4-BE49-F238E27FC236}">
+                <a16:creationId xmlns:a16="http://schemas.microsoft.com/office/drawing/2014/main" id="{88BB8228-97AC-4492-A356-F36497FBE06E}"/>
               </a:ext>
             </a:extLst>
           </p:cNvPr>
@@ -3792,7 +3909,7 @@
     </p:spTree>
     <p:extLst>
       <p:ext uri="{BB962C8B-B14F-4D97-AF65-F5344CB8AC3E}">
-        <p14:creationId xmlns:p14="http://schemas.microsoft.com/office/powerpoint/2010/main" val="4255181168"/>
+        <p14:creationId xmlns:p14="http://schemas.microsoft.com/office/powerpoint/2010/main" val="371797881"/>
       </p:ext>
     </p:extLst>
   </p:cSld>
@@ -3824,7 +3941,7 @@
           <p:cNvPr id="2" name="Titel 1">
             <a:extLst>
               <a:ext uri="{FF2B5EF4-FFF2-40B4-BE49-F238E27FC236}">
-                <a16:creationId xmlns:a16="http://schemas.microsoft.com/office/drawing/2014/main" id="{89A1F376-3331-4034-93CB-14000DC84F6C}"/>
+                <a16:creationId xmlns:a16="http://schemas.microsoft.com/office/drawing/2014/main" id="{95A3FC0A-3806-4A6C-8BAF-49105356BDEB}"/>
               </a:ext>
             </a:extLst>
           </p:cNvPr>
@@ -3843,7 +3960,7 @@
             <a:pPr algn="ctr"/>
             <a:r>
               <a:rPr lang="de-DE" dirty="0"/>
-              <a:t>Zielfelder – 1 Akzeptanz</a:t>
+              <a:t>Enforce Algorithmus</a:t>
             </a:r>
           </a:p>
         </p:txBody>
@@ -3853,7 +3970,7 @@
           <p:cNvPr id="3" name="Inhaltsplatzhalter 2">
             <a:extLst>
               <a:ext uri="{FF2B5EF4-FFF2-40B4-BE49-F238E27FC236}">
-                <a16:creationId xmlns:a16="http://schemas.microsoft.com/office/drawing/2014/main" id="{5C01DF5B-A593-477E-A406-C801B6C0BB9E}"/>
+                <a16:creationId xmlns:a16="http://schemas.microsoft.com/office/drawing/2014/main" id="{ED8FBAF4-21B7-41F9-87E3-AA4F613F4B28}"/>
               </a:ext>
             </a:extLst>
           </p:cNvPr>
@@ -3869,7 +3986,10 @@
           <a:bodyPr/>
           <a:lstStyle/>
           <a:p>
-            <a:endParaRPr lang="de-DE"/>
+            <a:r>
+              <a:rPr lang="de-DE" dirty="0"/>
+              <a:t>Mit Enforce auseinandersetzen</a:t>
+            </a:r>
           </a:p>
         </p:txBody>
       </p:sp>
@@ -3878,7 +3998,7 @@
           <p:cNvPr id="4" name="Foliennummernplatzhalter 3">
             <a:extLst>
               <a:ext uri="{FF2B5EF4-FFF2-40B4-BE49-F238E27FC236}">
-                <a16:creationId xmlns:a16="http://schemas.microsoft.com/office/drawing/2014/main" id="{15EA5B41-5160-456A-B6E4-0457905E3581}"/>
+                <a16:creationId xmlns:a16="http://schemas.microsoft.com/office/drawing/2014/main" id="{0DD1B6F9-E57D-4F76-917B-E6637BFB2A8E}"/>
               </a:ext>
             </a:extLst>
           </p:cNvPr>
@@ -3905,7 +4025,7 @@
     </p:spTree>
     <p:extLst>
       <p:ext uri="{BB962C8B-B14F-4D97-AF65-F5344CB8AC3E}">
-        <p14:creationId xmlns:p14="http://schemas.microsoft.com/office/powerpoint/2010/main" val="3654229194"/>
+        <p14:creationId xmlns:p14="http://schemas.microsoft.com/office/powerpoint/2010/main" val="1171065228"/>
       </p:ext>
     </p:extLst>
   </p:cSld>
@@ -3934,10 +4054,10 @@
       </p:grpSpPr>
       <p:sp>
         <p:nvSpPr>
-          <p:cNvPr id="2" name="Titel 1">
-            <a:extLst>
-              <a:ext uri="{FF2B5EF4-FFF2-40B4-BE49-F238E27FC236}">
-                <a16:creationId xmlns:a16="http://schemas.microsoft.com/office/drawing/2014/main" id="{BBEDD1F9-85AC-4402-BD9E-84F7680E8234}"/>
+          <p:cNvPr id="2" name="Title 1">
+            <a:extLst>
+              <a:ext uri="{FF2B5EF4-FFF2-40B4-BE49-F238E27FC236}">
+                <a16:creationId xmlns:a16="http://schemas.microsoft.com/office/drawing/2014/main" id="{3C939BD4-D9D8-457A-B76C-E3D1F62B16C2}"/>
               </a:ext>
             </a:extLst>
           </p:cNvPr>
@@ -3956,25 +4076,17 @@
             <a:pPr algn="ctr"/>
             <a:r>
               <a:rPr lang="de-DE" dirty="0"/>
-              <a:t>Zielfelder – </a:t>
-            </a:r>
-            <a:r>
-              <a:rPr lang="de-DE" dirty="0" err="1"/>
-              <a:t>Büchie</a:t>
-            </a:r>
-            <a:r>
-              <a:rPr lang="de-DE" dirty="0"/>
-              <a:t>-Akzeptanz</a:t>
-            </a:r>
-          </a:p>
-        </p:txBody>
-      </p:sp>
-      <p:sp>
-        <p:nvSpPr>
-          <p:cNvPr id="3" name="Inhaltsplatzhalter 2">
-            <a:extLst>
-              <a:ext uri="{FF2B5EF4-FFF2-40B4-BE49-F238E27FC236}">
-                <a16:creationId xmlns:a16="http://schemas.microsoft.com/office/drawing/2014/main" id="{CB19C0CF-EE31-47E5-84DE-EC40019C7582}"/>
+              <a:t>Child-Controller</a:t>
+            </a:r>
+          </a:p>
+        </p:txBody>
+      </p:sp>
+      <p:sp>
+        <p:nvSpPr>
+          <p:cNvPr id="3" name="Content Placeholder 2">
+            <a:extLst>
+              <a:ext uri="{FF2B5EF4-FFF2-40B4-BE49-F238E27FC236}">
+                <a16:creationId xmlns:a16="http://schemas.microsoft.com/office/drawing/2014/main" id="{59B6EF6F-C517-4C0C-A4C6-478E82E22FA9}"/>
               </a:ext>
             </a:extLst>
           </p:cNvPr>
@@ -3990,28 +4102,19 @@
           <a:bodyPr/>
           <a:lstStyle/>
           <a:p>
-            <a:endParaRPr lang="de-DE" dirty="0"/>
-          </a:p>
-          <a:p>
-            <a:endParaRPr lang="de-DE" dirty="0"/>
-          </a:p>
-          <a:p>
-            <a:endParaRPr lang="de-DE" dirty="0"/>
-          </a:p>
-          <a:p>
-            <a:r>
-              <a:rPr lang="de-DE" dirty="0"/>
-              <a:t>Er machts aber manchmal seltsamen Movement</a:t>
-            </a:r>
-          </a:p>
-        </p:txBody>
-      </p:sp>
-      <p:sp>
-        <p:nvSpPr>
-          <p:cNvPr id="4" name="Foliennummernplatzhalter 3">
-            <a:extLst>
-              <a:ext uri="{FF2B5EF4-FFF2-40B4-BE49-F238E27FC236}">
-                <a16:creationId xmlns:a16="http://schemas.microsoft.com/office/drawing/2014/main" id="{DD0A2085-0786-45C4-B269-027C1EB9828D}"/>
+            <a:r>
+              <a:rPr lang="de-DE" dirty="0"/>
+              <a:t>Moves aus dem Graphen ermitteln</a:t>
+            </a:r>
+          </a:p>
+        </p:txBody>
+      </p:sp>
+      <p:sp>
+        <p:nvSpPr>
+          <p:cNvPr id="4" name="Slide Number Placeholder 3">
+            <a:extLst>
+              <a:ext uri="{FF2B5EF4-FFF2-40B4-BE49-F238E27FC236}">
+                <a16:creationId xmlns:a16="http://schemas.microsoft.com/office/drawing/2014/main" id="{08BF1626-F459-4C91-A2D9-0E0413559529}"/>
               </a:ext>
             </a:extLst>
           </p:cNvPr>
@@ -4038,7 +4141,7 @@
     </p:spTree>
     <p:extLst>
       <p:ext uri="{BB962C8B-B14F-4D97-AF65-F5344CB8AC3E}">
-        <p14:creationId xmlns:p14="http://schemas.microsoft.com/office/powerpoint/2010/main" val="2881655563"/>
+        <p14:creationId xmlns:p14="http://schemas.microsoft.com/office/powerpoint/2010/main" val="494559891"/>
       </p:ext>
     </p:extLst>
   </p:cSld>
@@ -4067,10 +4170,10 @@
       </p:grpSpPr>
       <p:sp>
         <p:nvSpPr>
-          <p:cNvPr id="2" name="Titel 1">
-            <a:extLst>
-              <a:ext uri="{FF2B5EF4-FFF2-40B4-BE49-F238E27FC236}">
-                <a16:creationId xmlns:a16="http://schemas.microsoft.com/office/drawing/2014/main" id="{40B0EA4A-3386-4845-86BB-0A2B2A387027}"/>
+          <p:cNvPr id="2" name="Title 1">
+            <a:extLst>
+              <a:ext uri="{FF2B5EF4-FFF2-40B4-BE49-F238E27FC236}">
+                <a16:creationId xmlns:a16="http://schemas.microsoft.com/office/drawing/2014/main" id="{06BEDA57-7B6A-423A-A767-68DE43BD4B63}"/>
               </a:ext>
             </a:extLst>
           </p:cNvPr>
@@ -4089,17 +4192,17 @@
             <a:pPr algn="ctr"/>
             <a:r>
               <a:rPr lang="de-DE" dirty="0"/>
-              <a:t>Batterien / Ladestation</a:t>
-            </a:r>
-          </a:p>
-        </p:txBody>
-      </p:sp>
-      <p:sp>
-        <p:nvSpPr>
-          <p:cNvPr id="3" name="Inhaltsplatzhalter 2">
-            <a:extLst>
-              <a:ext uri="{FF2B5EF4-FFF2-40B4-BE49-F238E27FC236}">
-                <a16:creationId xmlns:a16="http://schemas.microsoft.com/office/drawing/2014/main" id="{625C531D-0E32-4EC0-99A1-58B198D9B34B}"/>
+              <a:t>Robot-Controller</a:t>
+            </a:r>
+          </a:p>
+        </p:txBody>
+      </p:sp>
+      <p:sp>
+        <p:nvSpPr>
+          <p:cNvPr id="3" name="Content Placeholder 2">
+            <a:extLst>
+              <a:ext uri="{FF2B5EF4-FFF2-40B4-BE49-F238E27FC236}">
+                <a16:creationId xmlns:a16="http://schemas.microsoft.com/office/drawing/2014/main" id="{1B228557-58FE-4B16-943F-3E3A18656556}"/>
               </a:ext>
             </a:extLst>
           </p:cNvPr>
@@ -4115,25 +4218,25 @@
           <a:bodyPr/>
           <a:lstStyle/>
           <a:p>
-            <a:endParaRPr lang="de-DE" dirty="0"/>
-          </a:p>
-          <a:p>
-            <a:endParaRPr lang="de-DE" dirty="0"/>
-          </a:p>
-          <a:p>
-            <a:r>
-              <a:rPr lang="de-DE" dirty="0"/>
-              <a:t>Probleme damit</a:t>
-            </a:r>
-          </a:p>
-        </p:txBody>
-      </p:sp>
-      <p:sp>
-        <p:nvSpPr>
-          <p:cNvPr id="4" name="Foliennummernplatzhalter 3">
-            <a:extLst>
-              <a:ext uri="{FF2B5EF4-FFF2-40B4-BE49-F238E27FC236}">
-                <a16:creationId xmlns:a16="http://schemas.microsoft.com/office/drawing/2014/main" id="{EFCE0F24-B1F5-400D-ABF0-C4F4C68BF8B7}"/>
+            <a:r>
+              <a:rPr lang="de-DE" dirty="0"/>
+              <a:t>Wie erreichen wir das Ziel</a:t>
+            </a:r>
+          </a:p>
+          <a:p>
+            <a:r>
+              <a:rPr lang="de-DE" dirty="0"/>
+              <a:t>On demand</a:t>
+            </a:r>
+          </a:p>
+        </p:txBody>
+      </p:sp>
+      <p:sp>
+        <p:nvSpPr>
+          <p:cNvPr id="4" name="Slide Number Placeholder 3">
+            <a:extLst>
+              <a:ext uri="{FF2B5EF4-FFF2-40B4-BE49-F238E27FC236}">
+                <a16:creationId xmlns:a16="http://schemas.microsoft.com/office/drawing/2014/main" id="{9E4F3BBA-350F-4622-BAC1-BFCAADEF46F0}"/>
               </a:ext>
             </a:extLst>
           </p:cNvPr>
@@ -4160,7 +4263,7 @@
     </p:spTree>
     <p:extLst>
       <p:ext uri="{BB962C8B-B14F-4D97-AF65-F5344CB8AC3E}">
-        <p14:creationId xmlns:p14="http://schemas.microsoft.com/office/powerpoint/2010/main" val="2242759266"/>
+        <p14:creationId xmlns:p14="http://schemas.microsoft.com/office/powerpoint/2010/main" val="2805305175"/>
       </p:ext>
     </p:extLst>
   </p:cSld>
@@ -4189,10 +4292,10 @@
       </p:grpSpPr>
       <p:sp>
         <p:nvSpPr>
-          <p:cNvPr id="2" name="Titel 1">
-            <a:extLst>
-              <a:ext uri="{FF2B5EF4-FFF2-40B4-BE49-F238E27FC236}">
-                <a16:creationId xmlns:a16="http://schemas.microsoft.com/office/drawing/2014/main" id="{270E6DA7-7E9F-416C-8BF7-49DA3B46A7E3}"/>
+          <p:cNvPr id="2" name="Title 1">
+            <a:extLst>
+              <a:ext uri="{FF2B5EF4-FFF2-40B4-BE49-F238E27FC236}">
+                <a16:creationId xmlns:a16="http://schemas.microsoft.com/office/drawing/2014/main" id="{06BEDA57-7B6A-423A-A767-68DE43BD4B63}"/>
               </a:ext>
             </a:extLst>
           </p:cNvPr>
@@ -4208,19 +4311,20 @@
           <a:bodyPr/>
           <a:lstStyle/>
           <a:p>
-            <a:r>
-              <a:rPr lang="de-DE" dirty="0"/>
-              <a:t>Graph anschauen</a:t>
-            </a:r>
-          </a:p>
-        </p:txBody>
-      </p:sp>
-      <p:sp>
-        <p:nvSpPr>
-          <p:cNvPr id="3" name="Inhaltsplatzhalter 2">
-            <a:extLst>
-              <a:ext uri="{FF2B5EF4-FFF2-40B4-BE49-F238E27FC236}">
-                <a16:creationId xmlns:a16="http://schemas.microsoft.com/office/drawing/2014/main" id="{D2EEAE80-11B6-4B94-8FA4-EECF75905D99}"/>
+            <a:pPr algn="ctr"/>
+            <a:r>
+              <a:rPr lang="de-DE" dirty="0"/>
+              <a:t>Robot-Controller</a:t>
+            </a:r>
+          </a:p>
+        </p:txBody>
+      </p:sp>
+      <p:sp>
+        <p:nvSpPr>
+          <p:cNvPr id="3" name="Content Placeholder 2">
+            <a:extLst>
+              <a:ext uri="{FF2B5EF4-FFF2-40B4-BE49-F238E27FC236}">
+                <a16:creationId xmlns:a16="http://schemas.microsoft.com/office/drawing/2014/main" id="{1B228557-58FE-4B16-943F-3E3A18656556}"/>
               </a:ext>
             </a:extLst>
           </p:cNvPr>
@@ -4238,17 +4342,17 @@
           <a:p>
             <a:r>
               <a:rPr lang="de-DE" dirty="0"/>
-              <a:t>Hier Graph einfügen</a:t>
-            </a:r>
-          </a:p>
-        </p:txBody>
-      </p:sp>
-      <p:sp>
-        <p:nvSpPr>
-          <p:cNvPr id="4" name="Foliennummernplatzhalter 3">
-            <a:extLst>
-              <a:ext uri="{FF2B5EF4-FFF2-40B4-BE49-F238E27FC236}">
-                <a16:creationId xmlns:a16="http://schemas.microsoft.com/office/drawing/2014/main" id="{7F69AB07-BCC7-4E3F-8A9E-FE017903336B}"/>
+              <a:t>Batterie Lösung</a:t>
+            </a:r>
+          </a:p>
+        </p:txBody>
+      </p:sp>
+      <p:sp>
+        <p:nvSpPr>
+          <p:cNvPr id="4" name="Slide Number Placeholder 3">
+            <a:extLst>
+              <a:ext uri="{FF2B5EF4-FFF2-40B4-BE49-F238E27FC236}">
+                <a16:creationId xmlns:a16="http://schemas.microsoft.com/office/drawing/2014/main" id="{9E4F3BBA-350F-4622-BAC1-BFCAADEF46F0}"/>
               </a:ext>
             </a:extLst>
           </p:cNvPr>
@@ -4275,7 +4379,7 @@
     </p:spTree>
     <p:extLst>
       <p:ext uri="{BB962C8B-B14F-4D97-AF65-F5344CB8AC3E}">
-        <p14:creationId xmlns:p14="http://schemas.microsoft.com/office/powerpoint/2010/main" val="4138637995"/>
+        <p14:creationId xmlns:p14="http://schemas.microsoft.com/office/powerpoint/2010/main" val="2837473609"/>
       </p:ext>
     </p:extLst>
   </p:cSld>
@@ -4352,7 +4456,13 @@
           <a:bodyPr/>
           <a:lstStyle/>
           <a:p>
-            <a:endParaRPr lang="de-DE"/>
+            <a:r>
+              <a:rPr lang="de-DE" dirty="0"/>
+              <a:t>Enforcealgorithmus falsch berechnet</a:t>
+            </a:r>
+          </a:p>
+          <a:p>
+            <a:endParaRPr lang="de-DE" dirty="0"/>
           </a:p>
         </p:txBody>
       </p:sp>
@@ -5692,52 +5802,68 @@
           <p:cNvPr id="2" name="Titel 1">
             <a:extLst>
               <a:ext uri="{FF2B5EF4-FFF2-40B4-BE49-F238E27FC236}">
-                <a16:creationId xmlns:a16="http://schemas.microsoft.com/office/drawing/2014/main" id="{A1F365B5-A939-445F-958E-D0579E7008B7}"/>
-              </a:ext>
-            </a:extLst>
-          </p:cNvPr>
-          <p:cNvSpPr>
-            <a:spLocks noGrp="1"/>
-          </p:cNvSpPr>
-          <p:nvPr>
-            <p:ph type="title"/>
-          </p:nvPr>
-        </p:nvSpPr>
-        <p:spPr/>
-        <p:txBody>
-          <a:bodyPr/>
-          <a:lstStyle/>
-          <a:p>
-            <a:pPr algn="ctr"/>
-            <a:r>
-              <a:rPr lang="de-DE" dirty="0"/>
-              <a:t>Einleitung</a:t>
-            </a:r>
-          </a:p>
-        </p:txBody>
-      </p:sp>
-      <p:sp>
-        <p:nvSpPr>
-          <p:cNvPr id="3" name="Inhaltsplatzhalter 2">
-            <a:extLst>
-              <a:ext uri="{FF2B5EF4-FFF2-40B4-BE49-F238E27FC236}">
-                <a16:creationId xmlns:a16="http://schemas.microsoft.com/office/drawing/2014/main" id="{4664686B-E363-454D-ABAA-3DB2FB5F692D}"/>
-              </a:ext>
-            </a:extLst>
-          </p:cNvPr>
-          <p:cNvSpPr>
-            <a:spLocks noGrp="1"/>
-          </p:cNvSpPr>
-          <p:nvPr>
-            <p:ph idx="1"/>
-          </p:nvPr>
-        </p:nvSpPr>
-        <p:spPr/>
-        <p:txBody>
-          <a:bodyPr/>
-          <a:lstStyle/>
-          <a:p>
-            <a:endParaRPr lang="de-DE"/>
+                <a16:creationId xmlns:a16="http://schemas.microsoft.com/office/drawing/2014/main" id="{AB797468-C3B3-4625-A645-4FF1498D3D36}"/>
+              </a:ext>
+            </a:extLst>
+          </p:cNvPr>
+          <p:cNvSpPr>
+            <a:spLocks noGrp="1"/>
+          </p:cNvSpPr>
+          <p:nvPr>
+            <p:ph type="ctrTitle"/>
+          </p:nvPr>
+        </p:nvSpPr>
+        <p:spPr/>
+        <p:txBody>
+          <a:bodyPr/>
+          <a:lstStyle/>
+          <a:p>
+            <a:r>
+              <a:rPr lang="de-DE" dirty="0"/>
+              <a:t>Formale Methoden</a:t>
+            </a:r>
+          </a:p>
+        </p:txBody>
+      </p:sp>
+      <p:sp>
+        <p:nvSpPr>
+          <p:cNvPr id="3" name="Untertitel 2">
+            <a:extLst>
+              <a:ext uri="{FF2B5EF4-FFF2-40B4-BE49-F238E27FC236}">
+                <a16:creationId xmlns:a16="http://schemas.microsoft.com/office/drawing/2014/main" id="{90F58143-0024-47BA-B87F-224EB2258D41}"/>
+              </a:ext>
+            </a:extLst>
+          </p:cNvPr>
+          <p:cNvSpPr>
+            <a:spLocks noGrp="1"/>
+          </p:cNvSpPr>
+          <p:nvPr>
+            <p:ph type="subTitle" idx="1"/>
+          </p:nvPr>
+        </p:nvSpPr>
+        <p:spPr/>
+        <p:txBody>
+          <a:bodyPr/>
+          <a:lstStyle/>
+          <a:p>
+            <a:endParaRPr lang="de-DE" dirty="0"/>
+          </a:p>
+          <a:p>
+            <a:endParaRPr lang="de-DE" dirty="0"/>
+          </a:p>
+          <a:p>
+            <a:r>
+              <a:rPr lang="de-DE" dirty="0"/>
+              <a:t>Jan-Henrik Bruhn, Sven </a:t>
+            </a:r>
+            <a:r>
+              <a:rPr lang="de-DE" dirty="0" err="1"/>
+              <a:t>Mehlhop</a:t>
+            </a:r>
+            <a:r>
+              <a:rPr lang="de-DE" dirty="0"/>
+              <a:t> und Fabian Bruhns</a:t>
+            </a:r>
           </a:p>
         </p:txBody>
       </p:sp>
@@ -5746,7 +5872,7 @@
           <p:cNvPr id="4" name="Foliennummernplatzhalter 3">
             <a:extLst>
               <a:ext uri="{FF2B5EF4-FFF2-40B4-BE49-F238E27FC236}">
-                <a16:creationId xmlns:a16="http://schemas.microsoft.com/office/drawing/2014/main" id="{5264A6CD-BC9E-4F42-BBFA-4192D47D444D}"/>
+                <a16:creationId xmlns:a16="http://schemas.microsoft.com/office/drawing/2014/main" id="{DE1C29E7-48F7-44B2-9F58-68C8DB0777C2}"/>
               </a:ext>
             </a:extLst>
           </p:cNvPr>
@@ -5773,7 +5899,7 @@
     </p:spTree>
     <p:extLst>
       <p:ext uri="{BB962C8B-B14F-4D97-AF65-F5344CB8AC3E}">
-        <p14:creationId xmlns:p14="http://schemas.microsoft.com/office/powerpoint/2010/main" val="3361109157"/>
+        <p14:creationId xmlns:p14="http://schemas.microsoft.com/office/powerpoint/2010/main" val="4255181168"/>
       </p:ext>
     </p:extLst>
   </p:cSld>
@@ -5918,7 +6044,7 @@
           <p:cNvPr id="2" name="Titel 1">
             <a:extLst>
               <a:ext uri="{FF2B5EF4-FFF2-40B4-BE49-F238E27FC236}">
-                <a16:creationId xmlns:a16="http://schemas.microsoft.com/office/drawing/2014/main" id="{83E43BFE-FBBD-416F-AD07-F86ED8CE52ED}"/>
+                <a16:creationId xmlns:a16="http://schemas.microsoft.com/office/drawing/2014/main" id="{A1F365B5-A939-445F-958E-D0579E7008B7}"/>
               </a:ext>
             </a:extLst>
           </p:cNvPr>
@@ -5937,7 +6063,7 @@
             <a:pPr algn="ctr"/>
             <a:r>
               <a:rPr lang="de-DE" dirty="0"/>
-              <a:t>Projekt überlegt</a:t>
+              <a:t>Einleitung</a:t>
             </a:r>
           </a:p>
         </p:txBody>
@@ -5947,7 +6073,7 @@
           <p:cNvPr id="3" name="Inhaltsplatzhalter 2">
             <a:extLst>
               <a:ext uri="{FF2B5EF4-FFF2-40B4-BE49-F238E27FC236}">
-                <a16:creationId xmlns:a16="http://schemas.microsoft.com/office/drawing/2014/main" id="{3A0ECD55-DD8F-4FEB-B218-BDBBBF4C79A9}"/>
+                <a16:creationId xmlns:a16="http://schemas.microsoft.com/office/drawing/2014/main" id="{4664686B-E363-454D-ABAA-3DB2FB5F692D}"/>
               </a:ext>
             </a:extLst>
           </p:cNvPr>
@@ -5963,7 +6089,19 @@
           <a:bodyPr/>
           <a:lstStyle/>
           <a:p>
-            <a:endParaRPr lang="de-DE"/>
+            <a:r>
+              <a:rPr lang="de-DE" dirty="0"/>
+              <a:t>Auswahl des Projektes</a:t>
+            </a:r>
+          </a:p>
+          <a:p>
+            <a:r>
+              <a:rPr lang="de-DE" dirty="0"/>
+              <a:t>Problemstellung</a:t>
+            </a:r>
+          </a:p>
+          <a:p>
+            <a:endParaRPr lang="de-DE" dirty="0"/>
           </a:p>
         </p:txBody>
       </p:sp>
@@ -5972,7 +6110,7 @@
           <p:cNvPr id="4" name="Foliennummernplatzhalter 3">
             <a:extLst>
               <a:ext uri="{FF2B5EF4-FFF2-40B4-BE49-F238E27FC236}">
-                <a16:creationId xmlns:a16="http://schemas.microsoft.com/office/drawing/2014/main" id="{E66C548B-900C-49C3-8D7A-370FB5248E8F}"/>
+                <a16:creationId xmlns:a16="http://schemas.microsoft.com/office/drawing/2014/main" id="{5264A6CD-BC9E-4F42-BBFA-4192D47D444D}"/>
               </a:ext>
             </a:extLst>
           </p:cNvPr>
@@ -5999,7 +6137,7 @@
     </p:spTree>
     <p:extLst>
       <p:ext uri="{BB962C8B-B14F-4D97-AF65-F5344CB8AC3E}">
-        <p14:creationId xmlns:p14="http://schemas.microsoft.com/office/powerpoint/2010/main" val="2561176902"/>
+        <p14:creationId xmlns:p14="http://schemas.microsoft.com/office/powerpoint/2010/main" val="3361109157"/>
       </p:ext>
     </p:extLst>
   </p:cSld>
@@ -6031,7 +6169,7 @@
           <p:cNvPr id="2" name="Titel 1">
             <a:extLst>
               <a:ext uri="{FF2B5EF4-FFF2-40B4-BE49-F238E27FC236}">
-                <a16:creationId xmlns:a16="http://schemas.microsoft.com/office/drawing/2014/main" id="{95A3FC0A-3806-4A6C-8BAF-49105356BDEB}"/>
+                <a16:creationId xmlns:a16="http://schemas.microsoft.com/office/drawing/2014/main" id="{D830302C-DA89-453C-9E9D-624506AE6BA3}"/>
               </a:ext>
             </a:extLst>
           </p:cNvPr>
@@ -6049,12 +6187,8 @@
           <a:p>
             <a:pPr algn="ctr"/>
             <a:r>
-              <a:rPr lang="de-DE" dirty="0" err="1"/>
-              <a:t>Enforce</a:t>
-            </a:r>
-            <a:r>
-              <a:rPr lang="de-DE" dirty="0"/>
-              <a:t> angeschaut</a:t>
+              <a:rPr lang="de-DE" dirty="0"/>
+              <a:t>Spielfeld</a:t>
             </a:r>
           </a:p>
         </p:txBody>
@@ -6064,7 +6198,7 @@
           <p:cNvPr id="3" name="Inhaltsplatzhalter 2">
             <a:extLst>
               <a:ext uri="{FF2B5EF4-FFF2-40B4-BE49-F238E27FC236}">
-                <a16:creationId xmlns:a16="http://schemas.microsoft.com/office/drawing/2014/main" id="{ED8FBAF4-21B7-41F9-87E3-AA4F613F4B28}"/>
+                <a16:creationId xmlns:a16="http://schemas.microsoft.com/office/drawing/2014/main" id="{A3E9EB45-91E9-45FF-B312-A8E7636840FB}"/>
               </a:ext>
             </a:extLst>
           </p:cNvPr>
@@ -6080,7 +6214,19 @@
           <a:bodyPr/>
           <a:lstStyle/>
           <a:p>
-            <a:endParaRPr lang="de-DE"/>
+            <a:r>
+              <a:rPr lang="de-DE" dirty="0"/>
+              <a:t>Roboter vs Kind Bewegungsmuster</a:t>
+            </a:r>
+          </a:p>
+          <a:p>
+            <a:r>
+              <a:rPr lang="de-DE" dirty="0"/>
+              <a:t>Spielfeld um Begrenzung und Mauern erweitert</a:t>
+            </a:r>
+          </a:p>
+          <a:p>
+            <a:endParaRPr lang="de-DE" dirty="0"/>
           </a:p>
         </p:txBody>
       </p:sp>
@@ -6089,7 +6235,7 @@
           <p:cNvPr id="4" name="Foliennummernplatzhalter 3">
             <a:extLst>
               <a:ext uri="{FF2B5EF4-FFF2-40B4-BE49-F238E27FC236}">
-                <a16:creationId xmlns:a16="http://schemas.microsoft.com/office/drawing/2014/main" id="{0DD1B6F9-E57D-4F76-917B-E6637BFB2A8E}"/>
+                <a16:creationId xmlns:a16="http://schemas.microsoft.com/office/drawing/2014/main" id="{6318C5D9-92EB-47E6-BBFE-6FA653933C38}"/>
               </a:ext>
             </a:extLst>
           </p:cNvPr>
@@ -6116,7 +6262,7 @@
     </p:spTree>
     <p:extLst>
       <p:ext uri="{BB962C8B-B14F-4D97-AF65-F5344CB8AC3E}">
-        <p14:creationId xmlns:p14="http://schemas.microsoft.com/office/powerpoint/2010/main" val="1171065228"/>
+        <p14:creationId xmlns:p14="http://schemas.microsoft.com/office/powerpoint/2010/main" val="2247924348"/>
       </p:ext>
     </p:extLst>
   </p:cSld>
@@ -6145,10 +6291,10 @@
       </p:grpSpPr>
       <p:sp>
         <p:nvSpPr>
-          <p:cNvPr id="2" name="Titel 1">
-            <a:extLst>
-              <a:ext uri="{FF2B5EF4-FFF2-40B4-BE49-F238E27FC236}">
-                <a16:creationId xmlns:a16="http://schemas.microsoft.com/office/drawing/2014/main" id="{38336A37-FF03-427B-BA31-5EE335347317}"/>
+          <p:cNvPr id="2" name="Title 1">
+            <a:extLst>
+              <a:ext uri="{FF2B5EF4-FFF2-40B4-BE49-F238E27FC236}">
+                <a16:creationId xmlns:a16="http://schemas.microsoft.com/office/drawing/2014/main" id="{132A757A-169E-4DF2-B061-2F78EA10A643}"/>
               </a:ext>
             </a:extLst>
           </p:cNvPr>
@@ -6167,17 +6313,17 @@
             <a:pPr algn="ctr"/>
             <a:r>
               <a:rPr lang="de-DE" dirty="0"/>
-              <a:t>Aufgaben aufgeteilt</a:t>
-            </a:r>
-          </a:p>
-        </p:txBody>
-      </p:sp>
-      <p:sp>
-        <p:nvSpPr>
-          <p:cNvPr id="3" name="Inhaltsplatzhalter 2">
-            <a:extLst>
-              <a:ext uri="{FF2B5EF4-FFF2-40B4-BE49-F238E27FC236}">
-                <a16:creationId xmlns:a16="http://schemas.microsoft.com/office/drawing/2014/main" id="{4EA97F15-A69A-43D4-812C-838EE4F4334F}"/>
+              <a:t>Herausforderungen</a:t>
+            </a:r>
+          </a:p>
+        </p:txBody>
+      </p:sp>
+      <p:sp>
+        <p:nvSpPr>
+          <p:cNvPr id="3" name="Content Placeholder 2">
+            <a:extLst>
+              <a:ext uri="{FF2B5EF4-FFF2-40B4-BE49-F238E27FC236}">
+                <a16:creationId xmlns:a16="http://schemas.microsoft.com/office/drawing/2014/main" id="{2801F26C-FB81-4294-B60C-5467A60EBFF5}"/>
               </a:ext>
             </a:extLst>
           </p:cNvPr>
@@ -6193,16 +6339,37 @@
           <a:bodyPr/>
           <a:lstStyle/>
           <a:p>
-            <a:endParaRPr lang="de-DE"/>
-          </a:p>
-        </p:txBody>
-      </p:sp>
-      <p:sp>
-        <p:nvSpPr>
-          <p:cNvPr id="4" name="Foliennummernplatzhalter 3">
-            <a:extLst>
-              <a:ext uri="{FF2B5EF4-FFF2-40B4-BE49-F238E27FC236}">
-                <a16:creationId xmlns:a16="http://schemas.microsoft.com/office/drawing/2014/main" id="{D158B921-4B33-4DD4-AB96-EE8F9220EC21}"/>
+            <a:r>
+              <a:rPr lang="de-DE" dirty="0"/>
+              <a:t>1-Akzeptanz</a:t>
+            </a:r>
+          </a:p>
+          <a:p>
+            <a:r>
+              <a:rPr lang="de-DE" dirty="0"/>
+              <a:t>Buechi-Akzeptanz</a:t>
+            </a:r>
+          </a:p>
+          <a:p>
+            <a:r>
+              <a:rPr lang="de-DE" dirty="0"/>
+              <a:t>Batterie/Ladestation</a:t>
+            </a:r>
+          </a:p>
+          <a:p>
+            <a:pPr marL="0" indent="0">
+              <a:buNone/>
+            </a:pPr>
+            <a:endParaRPr lang="de-DE" dirty="0"/>
+          </a:p>
+        </p:txBody>
+      </p:sp>
+      <p:sp>
+        <p:nvSpPr>
+          <p:cNvPr id="4" name="Slide Number Placeholder 3">
+            <a:extLst>
+              <a:ext uri="{FF2B5EF4-FFF2-40B4-BE49-F238E27FC236}">
+                <a16:creationId xmlns:a16="http://schemas.microsoft.com/office/drawing/2014/main" id="{D0D74A05-15E2-4D32-B99A-14F9102497F5}"/>
               </a:ext>
             </a:extLst>
           </p:cNvPr>
@@ -6229,7 +6396,7 @@
     </p:spTree>
     <p:extLst>
       <p:ext uri="{BB962C8B-B14F-4D97-AF65-F5344CB8AC3E}">
-        <p14:creationId xmlns:p14="http://schemas.microsoft.com/office/powerpoint/2010/main" val="2653889103"/>
+        <p14:creationId xmlns:p14="http://schemas.microsoft.com/office/powerpoint/2010/main" val="504402149"/>
       </p:ext>
     </p:extLst>
   </p:cSld>
@@ -6280,7 +6447,7 @@
             <a:pPr algn="ctr"/>
             <a:r>
               <a:rPr lang="de-DE" dirty="0"/>
-              <a:t>GUI</a:t>
+              <a:t>EVA Ansicht</a:t>
             </a:r>
           </a:p>
         </p:txBody>
@@ -6306,7 +6473,10 @@
           <a:bodyPr/>
           <a:lstStyle/>
           <a:p>
-            <a:endParaRPr lang="de-DE"/>
+            <a:r>
+              <a:rPr lang="de-DE" dirty="0"/>
+              <a:t>Kurzer Screenshot(wir erklären das in der Programmvorstellung)</a:t>
+            </a:r>
           </a:p>
         </p:txBody>
       </p:sp>
@@ -6371,10 +6541,10 @@
       </p:grpSpPr>
       <p:sp>
         <p:nvSpPr>
-          <p:cNvPr id="2" name="Titel 1">
-            <a:extLst>
-              <a:ext uri="{FF2B5EF4-FFF2-40B4-BE49-F238E27FC236}">
-                <a16:creationId xmlns:a16="http://schemas.microsoft.com/office/drawing/2014/main" id="{D830302C-DA89-453C-9E9D-624506AE6BA3}"/>
+          <p:cNvPr id="2" name="Title 1">
+            <a:extLst>
+              <a:ext uri="{FF2B5EF4-FFF2-40B4-BE49-F238E27FC236}">
+                <a16:creationId xmlns:a16="http://schemas.microsoft.com/office/drawing/2014/main" id="{BBFD2BFE-57E4-4A51-B59D-1A6DD4DAF801}"/>
               </a:ext>
             </a:extLst>
           </p:cNvPr>
@@ -6385,7 +6555,12 @@
             <p:ph type="title"/>
           </p:nvPr>
         </p:nvSpPr>
-        <p:spPr/>
+        <p:spPr>
+          <a:xfrm>
+            <a:off x="838200" y="365125"/>
+            <a:ext cx="10515600" cy="1325563"/>
+          </a:xfrm>
+        </p:spPr>
         <p:txBody>
           <a:bodyPr/>
           <a:lstStyle/>
@@ -6393,17 +6568,17 @@
             <a:pPr algn="ctr"/>
             <a:r>
               <a:rPr lang="de-DE" dirty="0"/>
-              <a:t>Roboter nicht vom Kind erwischt</a:t>
-            </a:r>
-          </a:p>
-        </p:txBody>
-      </p:sp>
-      <p:sp>
-        <p:nvSpPr>
-          <p:cNvPr id="3" name="Inhaltsplatzhalter 2">
-            <a:extLst>
-              <a:ext uri="{FF2B5EF4-FFF2-40B4-BE49-F238E27FC236}">
-                <a16:creationId xmlns:a16="http://schemas.microsoft.com/office/drawing/2014/main" id="{A3E9EB45-91E9-45FF-B312-A8E7636840FB}"/>
+              <a:t>Graphentheorie</a:t>
+            </a:r>
+          </a:p>
+        </p:txBody>
+      </p:sp>
+      <p:sp>
+        <p:nvSpPr>
+          <p:cNvPr id="3" name="Content Placeholder 2">
+            <a:extLst>
+              <a:ext uri="{FF2B5EF4-FFF2-40B4-BE49-F238E27FC236}">
+                <a16:creationId xmlns:a16="http://schemas.microsoft.com/office/drawing/2014/main" id="{B992D437-2AD8-4E4B-AA6B-03A5A0A0E9DB}"/>
               </a:ext>
             </a:extLst>
           </p:cNvPr>
@@ -6419,16 +6594,16 @@
           <a:bodyPr/>
           <a:lstStyle/>
           <a:p>
-            <a:endParaRPr lang="de-DE"/>
-          </a:p>
-        </p:txBody>
-      </p:sp>
-      <p:sp>
-        <p:nvSpPr>
-          <p:cNvPr id="4" name="Foliennummernplatzhalter 3">
-            <a:extLst>
-              <a:ext uri="{FF2B5EF4-FFF2-40B4-BE49-F238E27FC236}">
-                <a16:creationId xmlns:a16="http://schemas.microsoft.com/office/drawing/2014/main" id="{6318C5D9-92EB-47E6-BBFE-6FA653933C38}"/>
+            <a:endParaRPr lang="de-DE" dirty="0"/>
+          </a:p>
+        </p:txBody>
+      </p:sp>
+      <p:sp>
+        <p:nvSpPr>
+          <p:cNvPr id="4" name="Slide Number Placeholder 3">
+            <a:extLst>
+              <a:ext uri="{FF2B5EF4-FFF2-40B4-BE49-F238E27FC236}">
+                <a16:creationId xmlns:a16="http://schemas.microsoft.com/office/drawing/2014/main" id="{5E77F37A-6998-484B-B08C-6AF3769D347B}"/>
               </a:ext>
             </a:extLst>
           </p:cNvPr>
@@ -6455,7 +6630,7 @@
     </p:spTree>
     <p:extLst>
       <p:ext uri="{BB962C8B-B14F-4D97-AF65-F5344CB8AC3E}">
-        <p14:creationId xmlns:p14="http://schemas.microsoft.com/office/powerpoint/2010/main" val="2247924348"/>
+        <p14:creationId xmlns:p14="http://schemas.microsoft.com/office/powerpoint/2010/main" val="4276346423"/>
       </p:ext>
     </p:extLst>
   </p:cSld>
@@ -6487,7 +6662,7 @@
           <p:cNvPr id="2" name="Titel 1">
             <a:extLst>
               <a:ext uri="{FF2B5EF4-FFF2-40B4-BE49-F238E27FC236}">
-                <a16:creationId xmlns:a16="http://schemas.microsoft.com/office/drawing/2014/main" id="{9C381DC5-E117-4409-9837-92CA4515ED61}"/>
+                <a16:creationId xmlns:a16="http://schemas.microsoft.com/office/drawing/2014/main" id="{270E6DA7-7E9F-416C-8BF7-49DA3B46A7E3}"/>
               </a:ext>
             </a:extLst>
           </p:cNvPr>
@@ -6506,7 +6681,7 @@
             <a:pPr algn="ctr"/>
             <a:r>
               <a:rPr lang="de-DE" dirty="0"/>
-              <a:t>Mauern</a:t>
+              <a:t>Beispielgraph</a:t>
             </a:r>
           </a:p>
         </p:txBody>
@@ -6516,7 +6691,7 @@
           <p:cNvPr id="3" name="Inhaltsplatzhalter 2">
             <a:extLst>
               <a:ext uri="{FF2B5EF4-FFF2-40B4-BE49-F238E27FC236}">
-                <a16:creationId xmlns:a16="http://schemas.microsoft.com/office/drawing/2014/main" id="{DF5B7CB0-71E2-4B8C-A5C1-0F623407D167}"/>
+                <a16:creationId xmlns:a16="http://schemas.microsoft.com/office/drawing/2014/main" id="{D2EEAE80-11B6-4B94-8FA4-EECF75905D99}"/>
               </a:ext>
             </a:extLst>
           </p:cNvPr>
@@ -6532,7 +6707,10 @@
           <a:bodyPr/>
           <a:lstStyle/>
           <a:p>
-            <a:endParaRPr lang="de-DE"/>
+            <a:r>
+              <a:rPr lang="de-DE" dirty="0"/>
+              <a:t>Hier Graph einfügen</a:t>
+            </a:r>
           </a:p>
         </p:txBody>
       </p:sp>
@@ -6541,7 +6719,7 @@
           <p:cNvPr id="4" name="Foliennummernplatzhalter 3">
             <a:extLst>
               <a:ext uri="{FF2B5EF4-FFF2-40B4-BE49-F238E27FC236}">
-                <a16:creationId xmlns:a16="http://schemas.microsoft.com/office/drawing/2014/main" id="{BF61CFD3-2202-43C0-BF28-9748DBAAB165}"/>
+                <a16:creationId xmlns:a16="http://schemas.microsoft.com/office/drawing/2014/main" id="{7F69AB07-BCC7-4E3F-8A9E-FE017903336B}"/>
               </a:ext>
             </a:extLst>
           </p:cNvPr>
@@ -6568,7 +6746,7 @@
     </p:spTree>
     <p:extLst>
       <p:ext uri="{BB962C8B-B14F-4D97-AF65-F5344CB8AC3E}">
-        <p14:creationId xmlns:p14="http://schemas.microsoft.com/office/powerpoint/2010/main" val="508362136"/>
+        <p14:creationId xmlns:p14="http://schemas.microsoft.com/office/powerpoint/2010/main" val="4138637995"/>
       </p:ext>
     </p:extLst>
   </p:cSld>

--- a/Dokumentation/Roboter.pptx
+++ b/Dokumentation/Roboter.pptx
@@ -213,7 +213,7 @@
           <a:p>
             <a:fld id="{667D6E9C-FEFA-4AE6-9196-67D489BCC82C}" type="datetimeFigureOut">
               <a:rPr lang="de-DE" smtClean="0"/>
-              <a:t>21.02.2018</a:t>
+              <a:t>25.02.2018</a:t>
             </a:fld>
             <a:endParaRPr lang="de-DE"/>
           </a:p>
@@ -627,7 +627,7 @@
           <a:p>
             <a:fld id="{23EB666B-F6D4-4DC2-BA2B-5CF0827327F0}" type="datetime1">
               <a:rPr lang="de-DE" smtClean="0"/>
-              <a:t>21.02.2018</a:t>
+              <a:t>25.02.2018</a:t>
             </a:fld>
             <a:endParaRPr lang="de-DE"/>
           </a:p>
@@ -825,7 +825,7 @@
           <a:p>
             <a:fld id="{DDC6096B-34AB-48A6-8B0B-AA3C911221CC}" type="datetime1">
               <a:rPr lang="de-DE" smtClean="0"/>
-              <a:t>21.02.2018</a:t>
+              <a:t>25.02.2018</a:t>
             </a:fld>
             <a:endParaRPr lang="de-DE"/>
           </a:p>
@@ -1033,7 +1033,7 @@
           <a:p>
             <a:fld id="{407FD86E-BFFD-4661-835C-7D0E258F6D22}" type="datetime1">
               <a:rPr lang="de-DE" smtClean="0"/>
-              <a:t>21.02.2018</a:t>
+              <a:t>25.02.2018</a:t>
             </a:fld>
             <a:endParaRPr lang="de-DE"/>
           </a:p>
@@ -1231,7 +1231,7 @@
           <a:p>
             <a:fld id="{0060243F-1866-4F8D-A2B2-76D33461B3CF}" type="datetime1">
               <a:rPr lang="de-DE" smtClean="0"/>
-              <a:t>21.02.2018</a:t>
+              <a:t>25.02.2018</a:t>
             </a:fld>
             <a:endParaRPr lang="de-DE"/>
           </a:p>
@@ -1506,7 +1506,7 @@
           <a:p>
             <a:fld id="{30F3688E-8457-4C6B-8C67-700B1B4DC1E7}" type="datetime1">
               <a:rPr lang="de-DE" smtClean="0"/>
-              <a:t>21.02.2018</a:t>
+              <a:t>25.02.2018</a:t>
             </a:fld>
             <a:endParaRPr lang="de-DE"/>
           </a:p>
@@ -1771,7 +1771,7 @@
           <a:p>
             <a:fld id="{41230D57-A438-4C3F-9F84-4C5C291E5A5F}" type="datetime1">
               <a:rPr lang="de-DE" smtClean="0"/>
-              <a:t>21.02.2018</a:t>
+              <a:t>25.02.2018</a:t>
             </a:fld>
             <a:endParaRPr lang="de-DE"/>
           </a:p>
@@ -2183,7 +2183,7 @@
           <a:p>
             <a:fld id="{AF62F608-86F1-40CF-82FC-1C147C3DD224}" type="datetime1">
               <a:rPr lang="de-DE" smtClean="0"/>
-              <a:t>21.02.2018</a:t>
+              <a:t>25.02.2018</a:t>
             </a:fld>
             <a:endParaRPr lang="de-DE"/>
           </a:p>
@@ -2324,7 +2324,7 @@
           <a:p>
             <a:fld id="{A171A553-3517-40AF-B856-21919B4E6188}" type="datetime1">
               <a:rPr lang="de-DE" smtClean="0"/>
-              <a:t>21.02.2018</a:t>
+              <a:t>25.02.2018</a:t>
             </a:fld>
             <a:endParaRPr lang="de-DE"/>
           </a:p>
@@ -2437,7 +2437,7 @@
           <a:p>
             <a:fld id="{793C024D-9082-4157-A667-CF73921D3E21}" type="datetime1">
               <a:rPr lang="de-DE" smtClean="0"/>
-              <a:t>21.02.2018</a:t>
+              <a:t>25.02.2018</a:t>
             </a:fld>
             <a:endParaRPr lang="de-DE"/>
           </a:p>
@@ -2748,7 +2748,7 @@
           <a:p>
             <a:fld id="{CB9F0996-3986-4BD0-AC2D-F5F802D0DF4C}" type="datetime1">
               <a:rPr lang="de-DE" smtClean="0"/>
-              <a:t>21.02.2018</a:t>
+              <a:t>25.02.2018</a:t>
             </a:fld>
             <a:endParaRPr lang="de-DE"/>
           </a:p>
@@ -3036,7 +3036,7 @@
           <a:p>
             <a:fld id="{B53546CB-57F0-403A-9B11-F28CD8787C4F}" type="datetime1">
               <a:rPr lang="de-DE" smtClean="0"/>
-              <a:t>21.02.2018</a:t>
+              <a:t>25.02.2018</a:t>
             </a:fld>
             <a:endParaRPr lang="de-DE"/>
           </a:p>
@@ -3277,7 +3277,7 @@
           <a:p>
             <a:fld id="{1D3C1B12-7E54-4267-9D51-05EAB2BDC53B}" type="datetime1">
               <a:rPr lang="de-DE" smtClean="0"/>
-              <a:t>21.02.2018</a:t>
+              <a:t>25.02.2018</a:t>
             </a:fld>
             <a:endParaRPr lang="de-DE"/>
           </a:p>

--- a/Dokumentation/Roboter.pptx
+++ b/Dokumentation/Roboter.pptx
@@ -213,7 +213,7 @@
           <a:p>
             <a:fld id="{667D6E9C-FEFA-4AE6-9196-67D489BCC82C}" type="datetimeFigureOut">
               <a:rPr lang="de-DE" smtClean="0"/>
-              <a:t>25.02.2018</a:t>
+              <a:t>21.03.18</a:t>
             </a:fld>
             <a:endParaRPr lang="de-DE"/>
           </a:p>
@@ -371,7 +371,7 @@
           <a:p>
             <a:fld id="{30FCFFD0-1C19-40D0-BB6D-B2352B27AFEB}" type="slidenum">
               <a:rPr lang="de-DE" smtClean="0"/>
-              <a:t>‹#›</a:t>
+              <a:t>‹Nr.›</a:t>
             </a:fld>
             <a:endParaRPr lang="de-DE"/>
           </a:p>
@@ -502,7 +502,7 @@
           <p:cNvPr id="2" name="Titel 1">
             <a:extLst>
               <a:ext uri="{FF2B5EF4-FFF2-40B4-BE49-F238E27FC236}">
-                <a16:creationId xmlns:a16="http://schemas.microsoft.com/office/drawing/2014/main" id="{8DAA5488-17B1-45FF-81F3-21EFC66F5B3C}"/>
+                <a16:creationId xmlns:a16="http://schemas.microsoft.com/office/drawing/2014/main" xmlns="" id="{8DAA5488-17B1-45FF-81F3-21EFC66F5B3C}"/>
               </a:ext>
             </a:extLst>
           </p:cNvPr>
@@ -539,7 +539,7 @@
           <p:cNvPr id="3" name="Untertitel 2">
             <a:extLst>
               <a:ext uri="{FF2B5EF4-FFF2-40B4-BE49-F238E27FC236}">
-                <a16:creationId xmlns:a16="http://schemas.microsoft.com/office/drawing/2014/main" id="{49EA3FCD-3D43-4ACA-99B4-E4B07D493937}"/>
+                <a16:creationId xmlns:a16="http://schemas.microsoft.com/office/drawing/2014/main" xmlns="" id="{49EA3FCD-3D43-4ACA-99B4-E4B07D493937}"/>
               </a:ext>
             </a:extLst>
           </p:cNvPr>
@@ -609,7 +609,7 @@
           <p:cNvPr id="4" name="Datumsplatzhalter 3">
             <a:extLst>
               <a:ext uri="{FF2B5EF4-FFF2-40B4-BE49-F238E27FC236}">
-                <a16:creationId xmlns:a16="http://schemas.microsoft.com/office/drawing/2014/main" id="{CDADDD12-B82E-4C5A-B3F4-24C4B3B8EC3D}"/>
+                <a16:creationId xmlns:a16="http://schemas.microsoft.com/office/drawing/2014/main" xmlns="" id="{CDADDD12-B82E-4C5A-B3F4-24C4B3B8EC3D}"/>
               </a:ext>
             </a:extLst>
           </p:cNvPr>
@@ -627,7 +627,7 @@
           <a:p>
             <a:fld id="{23EB666B-F6D4-4DC2-BA2B-5CF0827327F0}" type="datetime1">
               <a:rPr lang="de-DE" smtClean="0"/>
-              <a:t>25.02.2018</a:t>
+              <a:t>21.03.18</a:t>
             </a:fld>
             <a:endParaRPr lang="de-DE"/>
           </a:p>
@@ -638,7 +638,7 @@
           <p:cNvPr id="5" name="Fußzeilenplatzhalter 4">
             <a:extLst>
               <a:ext uri="{FF2B5EF4-FFF2-40B4-BE49-F238E27FC236}">
-                <a16:creationId xmlns:a16="http://schemas.microsoft.com/office/drawing/2014/main" id="{002B6804-B339-4589-A7B1-0F2319C47445}"/>
+                <a16:creationId xmlns:a16="http://schemas.microsoft.com/office/drawing/2014/main" xmlns="" id="{002B6804-B339-4589-A7B1-0F2319C47445}"/>
               </a:ext>
             </a:extLst>
           </p:cNvPr>
@@ -663,7 +663,7 @@
           <p:cNvPr id="6" name="Foliennummernplatzhalter 5">
             <a:extLst>
               <a:ext uri="{FF2B5EF4-FFF2-40B4-BE49-F238E27FC236}">
-                <a16:creationId xmlns:a16="http://schemas.microsoft.com/office/drawing/2014/main" id="{74E8F7EA-C9B6-492F-A528-122410219F45}"/>
+                <a16:creationId xmlns:a16="http://schemas.microsoft.com/office/drawing/2014/main" xmlns="" id="{74E8F7EA-C9B6-492F-A528-122410219F45}"/>
               </a:ext>
             </a:extLst>
           </p:cNvPr>
@@ -681,7 +681,7 @@
           <a:p>
             <a:fld id="{24C7E509-D680-4DB8-B87E-B8EC2E347686}" type="slidenum">
               <a:rPr lang="de-DE" smtClean="0"/>
-              <a:t>‹#›</a:t>
+              <a:t>‹Nr.›</a:t>
             </a:fld>
             <a:endParaRPr lang="de-DE"/>
           </a:p>
@@ -722,7 +722,7 @@
           <p:cNvPr id="2" name="Titel 1">
             <a:extLst>
               <a:ext uri="{FF2B5EF4-FFF2-40B4-BE49-F238E27FC236}">
-                <a16:creationId xmlns:a16="http://schemas.microsoft.com/office/drawing/2014/main" id="{EC8EB34A-6CA8-4518-B918-0B6FD7FBFD74}"/>
+                <a16:creationId xmlns:a16="http://schemas.microsoft.com/office/drawing/2014/main" xmlns="" id="{EC8EB34A-6CA8-4518-B918-0B6FD7FBFD74}"/>
               </a:ext>
             </a:extLst>
           </p:cNvPr>
@@ -750,7 +750,7 @@
           <p:cNvPr id="3" name="Vertikaler Textplatzhalter 2">
             <a:extLst>
               <a:ext uri="{FF2B5EF4-FFF2-40B4-BE49-F238E27FC236}">
-                <a16:creationId xmlns:a16="http://schemas.microsoft.com/office/drawing/2014/main" id="{09A5460F-5D03-4E09-8AD5-D8FA54A87B9E}"/>
+                <a16:creationId xmlns:a16="http://schemas.microsoft.com/office/drawing/2014/main" xmlns="" id="{09A5460F-5D03-4E09-8AD5-D8FA54A87B9E}"/>
               </a:ext>
             </a:extLst>
           </p:cNvPr>
@@ -807,7 +807,7 @@
           <p:cNvPr id="4" name="Datumsplatzhalter 3">
             <a:extLst>
               <a:ext uri="{FF2B5EF4-FFF2-40B4-BE49-F238E27FC236}">
-                <a16:creationId xmlns:a16="http://schemas.microsoft.com/office/drawing/2014/main" id="{54BF5B18-4CD6-47A7-906B-54B05584FBC3}"/>
+                <a16:creationId xmlns:a16="http://schemas.microsoft.com/office/drawing/2014/main" xmlns="" id="{54BF5B18-4CD6-47A7-906B-54B05584FBC3}"/>
               </a:ext>
             </a:extLst>
           </p:cNvPr>
@@ -825,7 +825,7 @@
           <a:p>
             <a:fld id="{DDC6096B-34AB-48A6-8B0B-AA3C911221CC}" type="datetime1">
               <a:rPr lang="de-DE" smtClean="0"/>
-              <a:t>25.02.2018</a:t>
+              <a:t>21.03.18</a:t>
             </a:fld>
             <a:endParaRPr lang="de-DE"/>
           </a:p>
@@ -836,7 +836,7 @@
           <p:cNvPr id="5" name="Fußzeilenplatzhalter 4">
             <a:extLst>
               <a:ext uri="{FF2B5EF4-FFF2-40B4-BE49-F238E27FC236}">
-                <a16:creationId xmlns:a16="http://schemas.microsoft.com/office/drawing/2014/main" id="{025004E2-97DF-4EF0-88CC-0B9930F3FAC7}"/>
+                <a16:creationId xmlns:a16="http://schemas.microsoft.com/office/drawing/2014/main" xmlns="" id="{025004E2-97DF-4EF0-88CC-0B9930F3FAC7}"/>
               </a:ext>
             </a:extLst>
           </p:cNvPr>
@@ -861,7 +861,7 @@
           <p:cNvPr id="6" name="Foliennummernplatzhalter 5">
             <a:extLst>
               <a:ext uri="{FF2B5EF4-FFF2-40B4-BE49-F238E27FC236}">
-                <a16:creationId xmlns:a16="http://schemas.microsoft.com/office/drawing/2014/main" id="{F78CAB8B-4EE1-4261-9262-994E8D389456}"/>
+                <a16:creationId xmlns:a16="http://schemas.microsoft.com/office/drawing/2014/main" xmlns="" id="{F78CAB8B-4EE1-4261-9262-994E8D389456}"/>
               </a:ext>
             </a:extLst>
           </p:cNvPr>
@@ -879,7 +879,7 @@
           <a:p>
             <a:fld id="{24C7E509-D680-4DB8-B87E-B8EC2E347686}" type="slidenum">
               <a:rPr lang="de-DE" smtClean="0"/>
-              <a:t>‹#›</a:t>
+              <a:t>‹Nr.›</a:t>
             </a:fld>
             <a:endParaRPr lang="de-DE"/>
           </a:p>
@@ -920,7 +920,7 @@
           <p:cNvPr id="2" name="Vertikaler Titel 1">
             <a:extLst>
               <a:ext uri="{FF2B5EF4-FFF2-40B4-BE49-F238E27FC236}">
-                <a16:creationId xmlns:a16="http://schemas.microsoft.com/office/drawing/2014/main" id="{B8EF1F10-3DD2-4400-A9ED-FC248A55D9D7}"/>
+                <a16:creationId xmlns:a16="http://schemas.microsoft.com/office/drawing/2014/main" xmlns="" id="{B8EF1F10-3DD2-4400-A9ED-FC248A55D9D7}"/>
               </a:ext>
             </a:extLst>
           </p:cNvPr>
@@ -953,7 +953,7 @@
           <p:cNvPr id="3" name="Vertikaler Textplatzhalter 2">
             <a:extLst>
               <a:ext uri="{FF2B5EF4-FFF2-40B4-BE49-F238E27FC236}">
-                <a16:creationId xmlns:a16="http://schemas.microsoft.com/office/drawing/2014/main" id="{F3444A10-1E2C-4191-B026-84BCCC9D81D4}"/>
+                <a16:creationId xmlns:a16="http://schemas.microsoft.com/office/drawing/2014/main" xmlns="" id="{F3444A10-1E2C-4191-B026-84BCCC9D81D4}"/>
               </a:ext>
             </a:extLst>
           </p:cNvPr>
@@ -1015,7 +1015,7 @@
           <p:cNvPr id="4" name="Datumsplatzhalter 3">
             <a:extLst>
               <a:ext uri="{FF2B5EF4-FFF2-40B4-BE49-F238E27FC236}">
-                <a16:creationId xmlns:a16="http://schemas.microsoft.com/office/drawing/2014/main" id="{1E1E074D-5C0D-48DA-B42D-17BB41F2E87E}"/>
+                <a16:creationId xmlns:a16="http://schemas.microsoft.com/office/drawing/2014/main" xmlns="" id="{1E1E074D-5C0D-48DA-B42D-17BB41F2E87E}"/>
               </a:ext>
             </a:extLst>
           </p:cNvPr>
@@ -1033,7 +1033,7 @@
           <a:p>
             <a:fld id="{407FD86E-BFFD-4661-835C-7D0E258F6D22}" type="datetime1">
               <a:rPr lang="de-DE" smtClean="0"/>
-              <a:t>25.02.2018</a:t>
+              <a:t>21.03.18</a:t>
             </a:fld>
             <a:endParaRPr lang="de-DE"/>
           </a:p>
@@ -1044,7 +1044,7 @@
           <p:cNvPr id="5" name="Fußzeilenplatzhalter 4">
             <a:extLst>
               <a:ext uri="{FF2B5EF4-FFF2-40B4-BE49-F238E27FC236}">
-                <a16:creationId xmlns:a16="http://schemas.microsoft.com/office/drawing/2014/main" id="{A2B4BF41-463C-4311-9EFC-BA708AFAFB0A}"/>
+                <a16:creationId xmlns:a16="http://schemas.microsoft.com/office/drawing/2014/main" xmlns="" id="{A2B4BF41-463C-4311-9EFC-BA708AFAFB0A}"/>
               </a:ext>
             </a:extLst>
           </p:cNvPr>
@@ -1069,7 +1069,7 @@
           <p:cNvPr id="6" name="Foliennummernplatzhalter 5">
             <a:extLst>
               <a:ext uri="{FF2B5EF4-FFF2-40B4-BE49-F238E27FC236}">
-                <a16:creationId xmlns:a16="http://schemas.microsoft.com/office/drawing/2014/main" id="{BBF93051-75E2-4C4C-A973-BD100EC29035}"/>
+                <a16:creationId xmlns:a16="http://schemas.microsoft.com/office/drawing/2014/main" xmlns="" id="{BBF93051-75E2-4C4C-A973-BD100EC29035}"/>
               </a:ext>
             </a:extLst>
           </p:cNvPr>
@@ -1087,7 +1087,7 @@
           <a:p>
             <a:fld id="{24C7E509-D680-4DB8-B87E-B8EC2E347686}" type="slidenum">
               <a:rPr lang="de-DE" smtClean="0"/>
-              <a:t>‹#›</a:t>
+              <a:t>‹Nr.›</a:t>
             </a:fld>
             <a:endParaRPr lang="de-DE"/>
           </a:p>
@@ -1128,7 +1128,7 @@
           <p:cNvPr id="2" name="Titel 1">
             <a:extLst>
               <a:ext uri="{FF2B5EF4-FFF2-40B4-BE49-F238E27FC236}">
-                <a16:creationId xmlns:a16="http://schemas.microsoft.com/office/drawing/2014/main" id="{C4EE41AB-8BD2-4C18-B8AF-7D3A12497695}"/>
+                <a16:creationId xmlns:a16="http://schemas.microsoft.com/office/drawing/2014/main" xmlns="" id="{C4EE41AB-8BD2-4C18-B8AF-7D3A12497695}"/>
               </a:ext>
             </a:extLst>
           </p:cNvPr>
@@ -1156,7 +1156,7 @@
           <p:cNvPr id="3" name="Inhaltsplatzhalter 2">
             <a:extLst>
               <a:ext uri="{FF2B5EF4-FFF2-40B4-BE49-F238E27FC236}">
-                <a16:creationId xmlns:a16="http://schemas.microsoft.com/office/drawing/2014/main" id="{7BB11243-D225-48CD-AFF9-64186D43EC1E}"/>
+                <a16:creationId xmlns:a16="http://schemas.microsoft.com/office/drawing/2014/main" xmlns="" id="{7BB11243-D225-48CD-AFF9-64186D43EC1E}"/>
               </a:ext>
             </a:extLst>
           </p:cNvPr>
@@ -1213,7 +1213,7 @@
           <p:cNvPr id="4" name="Datumsplatzhalter 3">
             <a:extLst>
               <a:ext uri="{FF2B5EF4-FFF2-40B4-BE49-F238E27FC236}">
-                <a16:creationId xmlns:a16="http://schemas.microsoft.com/office/drawing/2014/main" id="{F3CC708E-F96F-425F-867B-53523F205809}"/>
+                <a16:creationId xmlns:a16="http://schemas.microsoft.com/office/drawing/2014/main" xmlns="" id="{F3CC708E-F96F-425F-867B-53523F205809}"/>
               </a:ext>
             </a:extLst>
           </p:cNvPr>
@@ -1231,7 +1231,7 @@
           <a:p>
             <a:fld id="{0060243F-1866-4F8D-A2B2-76D33461B3CF}" type="datetime1">
               <a:rPr lang="de-DE" smtClean="0"/>
-              <a:t>25.02.2018</a:t>
+              <a:t>21.03.18</a:t>
             </a:fld>
             <a:endParaRPr lang="de-DE"/>
           </a:p>
@@ -1242,7 +1242,7 @@
           <p:cNvPr id="5" name="Fußzeilenplatzhalter 4">
             <a:extLst>
               <a:ext uri="{FF2B5EF4-FFF2-40B4-BE49-F238E27FC236}">
-                <a16:creationId xmlns:a16="http://schemas.microsoft.com/office/drawing/2014/main" id="{EC9383E3-AE45-4B1B-9706-67C370C4DE78}"/>
+                <a16:creationId xmlns:a16="http://schemas.microsoft.com/office/drawing/2014/main" xmlns="" id="{EC9383E3-AE45-4B1B-9706-67C370C4DE78}"/>
               </a:ext>
             </a:extLst>
           </p:cNvPr>
@@ -1267,7 +1267,7 @@
           <p:cNvPr id="6" name="Foliennummernplatzhalter 5">
             <a:extLst>
               <a:ext uri="{FF2B5EF4-FFF2-40B4-BE49-F238E27FC236}">
-                <a16:creationId xmlns:a16="http://schemas.microsoft.com/office/drawing/2014/main" id="{82BB7911-EA6D-448A-9055-381FFA87FD15}"/>
+                <a16:creationId xmlns:a16="http://schemas.microsoft.com/office/drawing/2014/main" xmlns="" id="{82BB7911-EA6D-448A-9055-381FFA87FD15}"/>
               </a:ext>
             </a:extLst>
           </p:cNvPr>
@@ -1285,7 +1285,7 @@
           <a:p>
             <a:fld id="{24C7E509-D680-4DB8-B87E-B8EC2E347686}" type="slidenum">
               <a:rPr lang="de-DE" smtClean="0"/>
-              <a:t>‹#›</a:t>
+              <a:t>‹Nr.›</a:t>
             </a:fld>
             <a:endParaRPr lang="de-DE"/>
           </a:p>
@@ -1326,7 +1326,7 @@
           <p:cNvPr id="2" name="Titel 1">
             <a:extLst>
               <a:ext uri="{FF2B5EF4-FFF2-40B4-BE49-F238E27FC236}">
-                <a16:creationId xmlns:a16="http://schemas.microsoft.com/office/drawing/2014/main" id="{F7EB64A0-A73B-4BD6-A5E9-EF5EB171158A}"/>
+                <a16:creationId xmlns:a16="http://schemas.microsoft.com/office/drawing/2014/main" xmlns="" id="{F7EB64A0-A73B-4BD6-A5E9-EF5EB171158A}"/>
               </a:ext>
             </a:extLst>
           </p:cNvPr>
@@ -1363,7 +1363,7 @@
           <p:cNvPr id="3" name="Textplatzhalter 2">
             <a:extLst>
               <a:ext uri="{FF2B5EF4-FFF2-40B4-BE49-F238E27FC236}">
-                <a16:creationId xmlns:a16="http://schemas.microsoft.com/office/drawing/2014/main" id="{6DB1B29C-1182-479E-825E-76F4FF413657}"/>
+                <a16:creationId xmlns:a16="http://schemas.microsoft.com/office/drawing/2014/main" xmlns="" id="{6DB1B29C-1182-479E-825E-76F4FF413657}"/>
               </a:ext>
             </a:extLst>
           </p:cNvPr>
@@ -1488,7 +1488,7 @@
           <p:cNvPr id="4" name="Datumsplatzhalter 3">
             <a:extLst>
               <a:ext uri="{FF2B5EF4-FFF2-40B4-BE49-F238E27FC236}">
-                <a16:creationId xmlns:a16="http://schemas.microsoft.com/office/drawing/2014/main" id="{F6B250BD-425E-4186-B40B-5594FF9C2697}"/>
+                <a16:creationId xmlns:a16="http://schemas.microsoft.com/office/drawing/2014/main" xmlns="" id="{F6B250BD-425E-4186-B40B-5594FF9C2697}"/>
               </a:ext>
             </a:extLst>
           </p:cNvPr>
@@ -1506,7 +1506,7 @@
           <a:p>
             <a:fld id="{30F3688E-8457-4C6B-8C67-700B1B4DC1E7}" type="datetime1">
               <a:rPr lang="de-DE" smtClean="0"/>
-              <a:t>25.02.2018</a:t>
+              <a:t>21.03.18</a:t>
             </a:fld>
             <a:endParaRPr lang="de-DE"/>
           </a:p>
@@ -1517,7 +1517,7 @@
           <p:cNvPr id="5" name="Fußzeilenplatzhalter 4">
             <a:extLst>
               <a:ext uri="{FF2B5EF4-FFF2-40B4-BE49-F238E27FC236}">
-                <a16:creationId xmlns:a16="http://schemas.microsoft.com/office/drawing/2014/main" id="{A64762E0-B1B9-4BCD-8C3D-B6AB09DAFF3E}"/>
+                <a16:creationId xmlns:a16="http://schemas.microsoft.com/office/drawing/2014/main" xmlns="" id="{A64762E0-B1B9-4BCD-8C3D-B6AB09DAFF3E}"/>
               </a:ext>
             </a:extLst>
           </p:cNvPr>
@@ -1542,7 +1542,7 @@
           <p:cNvPr id="6" name="Foliennummernplatzhalter 5">
             <a:extLst>
               <a:ext uri="{FF2B5EF4-FFF2-40B4-BE49-F238E27FC236}">
-                <a16:creationId xmlns:a16="http://schemas.microsoft.com/office/drawing/2014/main" id="{08248617-91F7-4D23-872F-952F226380E4}"/>
+                <a16:creationId xmlns:a16="http://schemas.microsoft.com/office/drawing/2014/main" xmlns="" id="{08248617-91F7-4D23-872F-952F226380E4}"/>
               </a:ext>
             </a:extLst>
           </p:cNvPr>
@@ -1560,7 +1560,7 @@
           <a:p>
             <a:fld id="{24C7E509-D680-4DB8-B87E-B8EC2E347686}" type="slidenum">
               <a:rPr lang="de-DE" smtClean="0"/>
-              <a:t>‹#›</a:t>
+              <a:t>‹Nr.›</a:t>
             </a:fld>
             <a:endParaRPr lang="de-DE"/>
           </a:p>
@@ -1601,7 +1601,7 @@
           <p:cNvPr id="2" name="Titel 1">
             <a:extLst>
               <a:ext uri="{FF2B5EF4-FFF2-40B4-BE49-F238E27FC236}">
-                <a16:creationId xmlns:a16="http://schemas.microsoft.com/office/drawing/2014/main" id="{65A955DD-42A8-4F89-BB48-220A47174945}"/>
+                <a16:creationId xmlns:a16="http://schemas.microsoft.com/office/drawing/2014/main" xmlns="" id="{65A955DD-42A8-4F89-BB48-220A47174945}"/>
               </a:ext>
             </a:extLst>
           </p:cNvPr>
@@ -1629,7 +1629,7 @@
           <p:cNvPr id="3" name="Inhaltsplatzhalter 2">
             <a:extLst>
               <a:ext uri="{FF2B5EF4-FFF2-40B4-BE49-F238E27FC236}">
-                <a16:creationId xmlns:a16="http://schemas.microsoft.com/office/drawing/2014/main" id="{63E73B94-2695-4767-94E6-E546AE2D73A2}"/>
+                <a16:creationId xmlns:a16="http://schemas.microsoft.com/office/drawing/2014/main" xmlns="" id="{63E73B94-2695-4767-94E6-E546AE2D73A2}"/>
               </a:ext>
             </a:extLst>
           </p:cNvPr>
@@ -1691,7 +1691,7 @@
           <p:cNvPr id="4" name="Inhaltsplatzhalter 3">
             <a:extLst>
               <a:ext uri="{FF2B5EF4-FFF2-40B4-BE49-F238E27FC236}">
-                <a16:creationId xmlns:a16="http://schemas.microsoft.com/office/drawing/2014/main" id="{12F70BFE-CDD9-4F3F-95D1-87CD1D696576}"/>
+                <a16:creationId xmlns:a16="http://schemas.microsoft.com/office/drawing/2014/main" xmlns="" id="{12F70BFE-CDD9-4F3F-95D1-87CD1D696576}"/>
               </a:ext>
             </a:extLst>
           </p:cNvPr>
@@ -1753,7 +1753,7 @@
           <p:cNvPr id="5" name="Datumsplatzhalter 4">
             <a:extLst>
               <a:ext uri="{FF2B5EF4-FFF2-40B4-BE49-F238E27FC236}">
-                <a16:creationId xmlns:a16="http://schemas.microsoft.com/office/drawing/2014/main" id="{8A565719-570F-4D90-AB57-9A538F0BDBC6}"/>
+                <a16:creationId xmlns:a16="http://schemas.microsoft.com/office/drawing/2014/main" xmlns="" id="{8A565719-570F-4D90-AB57-9A538F0BDBC6}"/>
               </a:ext>
             </a:extLst>
           </p:cNvPr>
@@ -1771,7 +1771,7 @@
           <a:p>
             <a:fld id="{41230D57-A438-4C3F-9F84-4C5C291E5A5F}" type="datetime1">
               <a:rPr lang="de-DE" smtClean="0"/>
-              <a:t>25.02.2018</a:t>
+              <a:t>21.03.18</a:t>
             </a:fld>
             <a:endParaRPr lang="de-DE"/>
           </a:p>
@@ -1782,7 +1782,7 @@
           <p:cNvPr id="6" name="Fußzeilenplatzhalter 5">
             <a:extLst>
               <a:ext uri="{FF2B5EF4-FFF2-40B4-BE49-F238E27FC236}">
-                <a16:creationId xmlns:a16="http://schemas.microsoft.com/office/drawing/2014/main" id="{72A0590A-8068-4022-B0D6-18311A8E7421}"/>
+                <a16:creationId xmlns:a16="http://schemas.microsoft.com/office/drawing/2014/main" xmlns="" id="{72A0590A-8068-4022-B0D6-18311A8E7421}"/>
               </a:ext>
             </a:extLst>
           </p:cNvPr>
@@ -1807,7 +1807,7 @@
           <p:cNvPr id="7" name="Foliennummernplatzhalter 6">
             <a:extLst>
               <a:ext uri="{FF2B5EF4-FFF2-40B4-BE49-F238E27FC236}">
-                <a16:creationId xmlns:a16="http://schemas.microsoft.com/office/drawing/2014/main" id="{C83166D0-9F64-495C-9E4F-5A65927073B3}"/>
+                <a16:creationId xmlns:a16="http://schemas.microsoft.com/office/drawing/2014/main" xmlns="" id="{C83166D0-9F64-495C-9E4F-5A65927073B3}"/>
               </a:ext>
             </a:extLst>
           </p:cNvPr>
@@ -1825,7 +1825,7 @@
           <a:p>
             <a:fld id="{24C7E509-D680-4DB8-B87E-B8EC2E347686}" type="slidenum">
               <a:rPr lang="de-DE" smtClean="0"/>
-              <a:t>‹#›</a:t>
+              <a:t>‹Nr.›</a:t>
             </a:fld>
             <a:endParaRPr lang="de-DE"/>
           </a:p>
@@ -1866,7 +1866,7 @@
           <p:cNvPr id="2" name="Titel 1">
             <a:extLst>
               <a:ext uri="{FF2B5EF4-FFF2-40B4-BE49-F238E27FC236}">
-                <a16:creationId xmlns:a16="http://schemas.microsoft.com/office/drawing/2014/main" id="{1C417242-0BDC-4FFF-852D-6284D0A90826}"/>
+                <a16:creationId xmlns:a16="http://schemas.microsoft.com/office/drawing/2014/main" xmlns="" id="{1C417242-0BDC-4FFF-852D-6284D0A90826}"/>
               </a:ext>
             </a:extLst>
           </p:cNvPr>
@@ -1899,7 +1899,7 @@
           <p:cNvPr id="3" name="Textplatzhalter 2">
             <a:extLst>
               <a:ext uri="{FF2B5EF4-FFF2-40B4-BE49-F238E27FC236}">
-                <a16:creationId xmlns:a16="http://schemas.microsoft.com/office/drawing/2014/main" id="{1B30064E-271D-47A2-BC0C-925A7546C475}"/>
+                <a16:creationId xmlns:a16="http://schemas.microsoft.com/office/drawing/2014/main" xmlns="" id="{1B30064E-271D-47A2-BC0C-925A7546C475}"/>
               </a:ext>
             </a:extLst>
           </p:cNvPr>
@@ -1970,7 +1970,7 @@
           <p:cNvPr id="4" name="Inhaltsplatzhalter 3">
             <a:extLst>
               <a:ext uri="{FF2B5EF4-FFF2-40B4-BE49-F238E27FC236}">
-                <a16:creationId xmlns:a16="http://schemas.microsoft.com/office/drawing/2014/main" id="{6F27B6C5-5982-4A68-91FD-06F07638CEA6}"/>
+                <a16:creationId xmlns:a16="http://schemas.microsoft.com/office/drawing/2014/main" xmlns="" id="{6F27B6C5-5982-4A68-91FD-06F07638CEA6}"/>
               </a:ext>
             </a:extLst>
           </p:cNvPr>
@@ -2032,7 +2032,7 @@
           <p:cNvPr id="5" name="Textplatzhalter 4">
             <a:extLst>
               <a:ext uri="{FF2B5EF4-FFF2-40B4-BE49-F238E27FC236}">
-                <a16:creationId xmlns:a16="http://schemas.microsoft.com/office/drawing/2014/main" id="{C7604F73-6C89-4198-BB8F-B837C02FC668}"/>
+                <a16:creationId xmlns:a16="http://schemas.microsoft.com/office/drawing/2014/main" xmlns="" id="{C7604F73-6C89-4198-BB8F-B837C02FC668}"/>
               </a:ext>
             </a:extLst>
           </p:cNvPr>
@@ -2103,7 +2103,7 @@
           <p:cNvPr id="6" name="Inhaltsplatzhalter 5">
             <a:extLst>
               <a:ext uri="{FF2B5EF4-FFF2-40B4-BE49-F238E27FC236}">
-                <a16:creationId xmlns:a16="http://schemas.microsoft.com/office/drawing/2014/main" id="{325AA58D-18A1-4DA7-934F-612D75CE806F}"/>
+                <a16:creationId xmlns:a16="http://schemas.microsoft.com/office/drawing/2014/main" xmlns="" id="{325AA58D-18A1-4DA7-934F-612D75CE806F}"/>
               </a:ext>
             </a:extLst>
           </p:cNvPr>
@@ -2165,7 +2165,7 @@
           <p:cNvPr id="7" name="Datumsplatzhalter 6">
             <a:extLst>
               <a:ext uri="{FF2B5EF4-FFF2-40B4-BE49-F238E27FC236}">
-                <a16:creationId xmlns:a16="http://schemas.microsoft.com/office/drawing/2014/main" id="{9F15F3D8-5C2F-417C-B257-549166BA28AE}"/>
+                <a16:creationId xmlns:a16="http://schemas.microsoft.com/office/drawing/2014/main" xmlns="" id="{9F15F3D8-5C2F-417C-B257-549166BA28AE}"/>
               </a:ext>
             </a:extLst>
           </p:cNvPr>
@@ -2183,7 +2183,7 @@
           <a:p>
             <a:fld id="{AF62F608-86F1-40CF-82FC-1C147C3DD224}" type="datetime1">
               <a:rPr lang="de-DE" smtClean="0"/>
-              <a:t>25.02.2018</a:t>
+              <a:t>21.03.18</a:t>
             </a:fld>
             <a:endParaRPr lang="de-DE"/>
           </a:p>
@@ -2194,7 +2194,7 @@
           <p:cNvPr id="8" name="Fußzeilenplatzhalter 7">
             <a:extLst>
               <a:ext uri="{FF2B5EF4-FFF2-40B4-BE49-F238E27FC236}">
-                <a16:creationId xmlns:a16="http://schemas.microsoft.com/office/drawing/2014/main" id="{475FF603-B123-4D53-95C9-BC1941CFEF51}"/>
+                <a16:creationId xmlns:a16="http://schemas.microsoft.com/office/drawing/2014/main" xmlns="" id="{475FF603-B123-4D53-95C9-BC1941CFEF51}"/>
               </a:ext>
             </a:extLst>
           </p:cNvPr>
@@ -2219,7 +2219,7 @@
           <p:cNvPr id="9" name="Foliennummernplatzhalter 8">
             <a:extLst>
               <a:ext uri="{FF2B5EF4-FFF2-40B4-BE49-F238E27FC236}">
-                <a16:creationId xmlns:a16="http://schemas.microsoft.com/office/drawing/2014/main" id="{5DF1DD4F-A8A7-4D67-AD7E-9EF2D2190292}"/>
+                <a16:creationId xmlns:a16="http://schemas.microsoft.com/office/drawing/2014/main" xmlns="" id="{5DF1DD4F-A8A7-4D67-AD7E-9EF2D2190292}"/>
               </a:ext>
             </a:extLst>
           </p:cNvPr>
@@ -2237,7 +2237,7 @@
           <a:p>
             <a:fld id="{24C7E509-D680-4DB8-B87E-B8EC2E347686}" type="slidenum">
               <a:rPr lang="de-DE" smtClean="0"/>
-              <a:t>‹#›</a:t>
+              <a:t>‹Nr.›</a:t>
             </a:fld>
             <a:endParaRPr lang="de-DE"/>
           </a:p>
@@ -2278,7 +2278,7 @@
           <p:cNvPr id="2" name="Titel 1">
             <a:extLst>
               <a:ext uri="{FF2B5EF4-FFF2-40B4-BE49-F238E27FC236}">
-                <a16:creationId xmlns:a16="http://schemas.microsoft.com/office/drawing/2014/main" id="{93F79F45-E779-4E72-89D3-932934929361}"/>
+                <a16:creationId xmlns:a16="http://schemas.microsoft.com/office/drawing/2014/main" xmlns="" id="{93F79F45-E779-4E72-89D3-932934929361}"/>
               </a:ext>
             </a:extLst>
           </p:cNvPr>
@@ -2306,7 +2306,7 @@
           <p:cNvPr id="3" name="Datumsplatzhalter 2">
             <a:extLst>
               <a:ext uri="{FF2B5EF4-FFF2-40B4-BE49-F238E27FC236}">
-                <a16:creationId xmlns:a16="http://schemas.microsoft.com/office/drawing/2014/main" id="{557E0A61-9814-4B3F-ABB5-BA450BD4068D}"/>
+                <a16:creationId xmlns:a16="http://schemas.microsoft.com/office/drawing/2014/main" xmlns="" id="{557E0A61-9814-4B3F-ABB5-BA450BD4068D}"/>
               </a:ext>
             </a:extLst>
           </p:cNvPr>
@@ -2324,7 +2324,7 @@
           <a:p>
             <a:fld id="{A171A553-3517-40AF-B856-21919B4E6188}" type="datetime1">
               <a:rPr lang="de-DE" smtClean="0"/>
-              <a:t>25.02.2018</a:t>
+              <a:t>21.03.18</a:t>
             </a:fld>
             <a:endParaRPr lang="de-DE"/>
           </a:p>
@@ -2335,7 +2335,7 @@
           <p:cNvPr id="4" name="Fußzeilenplatzhalter 3">
             <a:extLst>
               <a:ext uri="{FF2B5EF4-FFF2-40B4-BE49-F238E27FC236}">
-                <a16:creationId xmlns:a16="http://schemas.microsoft.com/office/drawing/2014/main" id="{A87ACCDF-3E97-4BD5-B604-C724D5F158A3}"/>
+                <a16:creationId xmlns:a16="http://schemas.microsoft.com/office/drawing/2014/main" xmlns="" id="{A87ACCDF-3E97-4BD5-B604-C724D5F158A3}"/>
               </a:ext>
             </a:extLst>
           </p:cNvPr>
@@ -2360,7 +2360,7 @@
           <p:cNvPr id="5" name="Foliennummernplatzhalter 4">
             <a:extLst>
               <a:ext uri="{FF2B5EF4-FFF2-40B4-BE49-F238E27FC236}">
-                <a16:creationId xmlns:a16="http://schemas.microsoft.com/office/drawing/2014/main" id="{EF38A0D8-245A-4FB4-AA78-4A88E3E23565}"/>
+                <a16:creationId xmlns:a16="http://schemas.microsoft.com/office/drawing/2014/main" xmlns="" id="{EF38A0D8-245A-4FB4-AA78-4A88E3E23565}"/>
               </a:ext>
             </a:extLst>
           </p:cNvPr>
@@ -2378,7 +2378,7 @@
           <a:p>
             <a:fld id="{24C7E509-D680-4DB8-B87E-B8EC2E347686}" type="slidenum">
               <a:rPr lang="de-DE" smtClean="0"/>
-              <a:t>‹#›</a:t>
+              <a:t>‹Nr.›</a:t>
             </a:fld>
             <a:endParaRPr lang="de-DE"/>
           </a:p>
@@ -2419,7 +2419,7 @@
           <p:cNvPr id="2" name="Datumsplatzhalter 1">
             <a:extLst>
               <a:ext uri="{FF2B5EF4-FFF2-40B4-BE49-F238E27FC236}">
-                <a16:creationId xmlns:a16="http://schemas.microsoft.com/office/drawing/2014/main" id="{F1D8BBAD-C5C8-46E0-9976-5F920E34DD7E}"/>
+                <a16:creationId xmlns:a16="http://schemas.microsoft.com/office/drawing/2014/main" xmlns="" id="{F1D8BBAD-C5C8-46E0-9976-5F920E34DD7E}"/>
               </a:ext>
             </a:extLst>
           </p:cNvPr>
@@ -2437,7 +2437,7 @@
           <a:p>
             <a:fld id="{793C024D-9082-4157-A667-CF73921D3E21}" type="datetime1">
               <a:rPr lang="de-DE" smtClean="0"/>
-              <a:t>25.02.2018</a:t>
+              <a:t>21.03.18</a:t>
             </a:fld>
             <a:endParaRPr lang="de-DE"/>
           </a:p>
@@ -2448,7 +2448,7 @@
           <p:cNvPr id="3" name="Fußzeilenplatzhalter 2">
             <a:extLst>
               <a:ext uri="{FF2B5EF4-FFF2-40B4-BE49-F238E27FC236}">
-                <a16:creationId xmlns:a16="http://schemas.microsoft.com/office/drawing/2014/main" id="{EA926F46-ACF0-410A-8472-6D818E306994}"/>
+                <a16:creationId xmlns:a16="http://schemas.microsoft.com/office/drawing/2014/main" xmlns="" id="{EA926F46-ACF0-410A-8472-6D818E306994}"/>
               </a:ext>
             </a:extLst>
           </p:cNvPr>
@@ -2473,7 +2473,7 @@
           <p:cNvPr id="4" name="Foliennummernplatzhalter 3">
             <a:extLst>
               <a:ext uri="{FF2B5EF4-FFF2-40B4-BE49-F238E27FC236}">
-                <a16:creationId xmlns:a16="http://schemas.microsoft.com/office/drawing/2014/main" id="{E8EE1B76-7EA0-4153-B9B3-C7FAC9E2E38E}"/>
+                <a16:creationId xmlns:a16="http://schemas.microsoft.com/office/drawing/2014/main" xmlns="" id="{E8EE1B76-7EA0-4153-B9B3-C7FAC9E2E38E}"/>
               </a:ext>
             </a:extLst>
           </p:cNvPr>
@@ -2491,7 +2491,7 @@
           <a:p>
             <a:fld id="{24C7E509-D680-4DB8-B87E-B8EC2E347686}" type="slidenum">
               <a:rPr lang="de-DE" smtClean="0"/>
-              <a:t>‹#›</a:t>
+              <a:t>‹Nr.›</a:t>
             </a:fld>
             <a:endParaRPr lang="de-DE"/>
           </a:p>
@@ -2532,7 +2532,7 @@
           <p:cNvPr id="2" name="Titel 1">
             <a:extLst>
               <a:ext uri="{FF2B5EF4-FFF2-40B4-BE49-F238E27FC236}">
-                <a16:creationId xmlns:a16="http://schemas.microsoft.com/office/drawing/2014/main" id="{E7DFF31F-2E58-4CFC-89ED-0CD1719642AB}"/>
+                <a16:creationId xmlns:a16="http://schemas.microsoft.com/office/drawing/2014/main" xmlns="" id="{E7DFF31F-2E58-4CFC-89ED-0CD1719642AB}"/>
               </a:ext>
             </a:extLst>
           </p:cNvPr>
@@ -2569,7 +2569,7 @@
           <p:cNvPr id="3" name="Inhaltsplatzhalter 2">
             <a:extLst>
               <a:ext uri="{FF2B5EF4-FFF2-40B4-BE49-F238E27FC236}">
-                <a16:creationId xmlns:a16="http://schemas.microsoft.com/office/drawing/2014/main" id="{8212DCFE-5A6E-4AB1-B413-7D1A81EC5A5B}"/>
+                <a16:creationId xmlns:a16="http://schemas.microsoft.com/office/drawing/2014/main" xmlns="" id="{8212DCFE-5A6E-4AB1-B413-7D1A81EC5A5B}"/>
               </a:ext>
             </a:extLst>
           </p:cNvPr>
@@ -2659,7 +2659,7 @@
           <p:cNvPr id="4" name="Textplatzhalter 3">
             <a:extLst>
               <a:ext uri="{FF2B5EF4-FFF2-40B4-BE49-F238E27FC236}">
-                <a16:creationId xmlns:a16="http://schemas.microsoft.com/office/drawing/2014/main" id="{D013B7DF-6A86-4B2A-87B0-C088184D3DC9}"/>
+                <a16:creationId xmlns:a16="http://schemas.microsoft.com/office/drawing/2014/main" xmlns="" id="{D013B7DF-6A86-4B2A-87B0-C088184D3DC9}"/>
               </a:ext>
             </a:extLst>
           </p:cNvPr>
@@ -2730,7 +2730,7 @@
           <p:cNvPr id="5" name="Datumsplatzhalter 4">
             <a:extLst>
               <a:ext uri="{FF2B5EF4-FFF2-40B4-BE49-F238E27FC236}">
-                <a16:creationId xmlns:a16="http://schemas.microsoft.com/office/drawing/2014/main" id="{4A933A87-552D-4B49-B6AF-5C3504349897}"/>
+                <a16:creationId xmlns:a16="http://schemas.microsoft.com/office/drawing/2014/main" xmlns="" id="{4A933A87-552D-4B49-B6AF-5C3504349897}"/>
               </a:ext>
             </a:extLst>
           </p:cNvPr>
@@ -2748,7 +2748,7 @@
           <a:p>
             <a:fld id="{CB9F0996-3986-4BD0-AC2D-F5F802D0DF4C}" type="datetime1">
               <a:rPr lang="de-DE" smtClean="0"/>
-              <a:t>25.02.2018</a:t>
+              <a:t>21.03.18</a:t>
             </a:fld>
             <a:endParaRPr lang="de-DE"/>
           </a:p>
@@ -2759,7 +2759,7 @@
           <p:cNvPr id="6" name="Fußzeilenplatzhalter 5">
             <a:extLst>
               <a:ext uri="{FF2B5EF4-FFF2-40B4-BE49-F238E27FC236}">
-                <a16:creationId xmlns:a16="http://schemas.microsoft.com/office/drawing/2014/main" id="{E4837E9A-470C-4E90-B748-2EBC9AF2FBCF}"/>
+                <a16:creationId xmlns:a16="http://schemas.microsoft.com/office/drawing/2014/main" xmlns="" id="{E4837E9A-470C-4E90-B748-2EBC9AF2FBCF}"/>
               </a:ext>
             </a:extLst>
           </p:cNvPr>
@@ -2784,7 +2784,7 @@
           <p:cNvPr id="7" name="Foliennummernplatzhalter 6">
             <a:extLst>
               <a:ext uri="{FF2B5EF4-FFF2-40B4-BE49-F238E27FC236}">
-                <a16:creationId xmlns:a16="http://schemas.microsoft.com/office/drawing/2014/main" id="{1E9F074A-452F-4A0D-9C3C-766560CC2776}"/>
+                <a16:creationId xmlns:a16="http://schemas.microsoft.com/office/drawing/2014/main" xmlns="" id="{1E9F074A-452F-4A0D-9C3C-766560CC2776}"/>
               </a:ext>
             </a:extLst>
           </p:cNvPr>
@@ -2802,7 +2802,7 @@
           <a:p>
             <a:fld id="{24C7E509-D680-4DB8-B87E-B8EC2E347686}" type="slidenum">
               <a:rPr lang="de-DE" smtClean="0"/>
-              <a:t>‹#›</a:t>
+              <a:t>‹Nr.›</a:t>
             </a:fld>
             <a:endParaRPr lang="de-DE"/>
           </a:p>
@@ -2843,7 +2843,7 @@
           <p:cNvPr id="2" name="Titel 1">
             <a:extLst>
               <a:ext uri="{FF2B5EF4-FFF2-40B4-BE49-F238E27FC236}">
-                <a16:creationId xmlns:a16="http://schemas.microsoft.com/office/drawing/2014/main" id="{5759C210-72B7-40E9-BCCE-7F2CD288D111}"/>
+                <a16:creationId xmlns:a16="http://schemas.microsoft.com/office/drawing/2014/main" xmlns="" id="{5759C210-72B7-40E9-BCCE-7F2CD288D111}"/>
               </a:ext>
             </a:extLst>
           </p:cNvPr>
@@ -2880,7 +2880,7 @@
           <p:cNvPr id="3" name="Bildplatzhalter 2">
             <a:extLst>
               <a:ext uri="{FF2B5EF4-FFF2-40B4-BE49-F238E27FC236}">
-                <a16:creationId xmlns:a16="http://schemas.microsoft.com/office/drawing/2014/main" id="{A855A97A-E73E-4799-B44D-4C7542A492D8}"/>
+                <a16:creationId xmlns:a16="http://schemas.microsoft.com/office/drawing/2014/main" xmlns="" id="{A855A97A-E73E-4799-B44D-4C7542A492D8}"/>
               </a:ext>
             </a:extLst>
           </p:cNvPr>
@@ -2947,7 +2947,7 @@
           <p:cNvPr id="4" name="Textplatzhalter 3">
             <a:extLst>
               <a:ext uri="{FF2B5EF4-FFF2-40B4-BE49-F238E27FC236}">
-                <a16:creationId xmlns:a16="http://schemas.microsoft.com/office/drawing/2014/main" id="{7255A853-78E3-4163-B55A-CC8EC226F808}"/>
+                <a16:creationId xmlns:a16="http://schemas.microsoft.com/office/drawing/2014/main" xmlns="" id="{7255A853-78E3-4163-B55A-CC8EC226F808}"/>
               </a:ext>
             </a:extLst>
           </p:cNvPr>
@@ -3018,7 +3018,7 @@
           <p:cNvPr id="5" name="Datumsplatzhalter 4">
             <a:extLst>
               <a:ext uri="{FF2B5EF4-FFF2-40B4-BE49-F238E27FC236}">
-                <a16:creationId xmlns:a16="http://schemas.microsoft.com/office/drawing/2014/main" id="{9D40D17D-F70E-4544-85A0-FCF3746AE954}"/>
+                <a16:creationId xmlns:a16="http://schemas.microsoft.com/office/drawing/2014/main" xmlns="" id="{9D40D17D-F70E-4544-85A0-FCF3746AE954}"/>
               </a:ext>
             </a:extLst>
           </p:cNvPr>
@@ -3036,7 +3036,7 @@
           <a:p>
             <a:fld id="{B53546CB-57F0-403A-9B11-F28CD8787C4F}" type="datetime1">
               <a:rPr lang="de-DE" smtClean="0"/>
-              <a:t>25.02.2018</a:t>
+              <a:t>21.03.18</a:t>
             </a:fld>
             <a:endParaRPr lang="de-DE"/>
           </a:p>
@@ -3047,7 +3047,7 @@
           <p:cNvPr id="6" name="Fußzeilenplatzhalter 5">
             <a:extLst>
               <a:ext uri="{FF2B5EF4-FFF2-40B4-BE49-F238E27FC236}">
-                <a16:creationId xmlns:a16="http://schemas.microsoft.com/office/drawing/2014/main" id="{82D42832-B50B-45A6-BB41-75BA707E4D6D}"/>
+                <a16:creationId xmlns:a16="http://schemas.microsoft.com/office/drawing/2014/main" xmlns="" id="{82D42832-B50B-45A6-BB41-75BA707E4D6D}"/>
               </a:ext>
             </a:extLst>
           </p:cNvPr>
@@ -3072,7 +3072,7 @@
           <p:cNvPr id="7" name="Foliennummernplatzhalter 6">
             <a:extLst>
               <a:ext uri="{FF2B5EF4-FFF2-40B4-BE49-F238E27FC236}">
-                <a16:creationId xmlns:a16="http://schemas.microsoft.com/office/drawing/2014/main" id="{EF370A13-2AD6-42F3-82DD-A8915D68F84F}"/>
+                <a16:creationId xmlns:a16="http://schemas.microsoft.com/office/drawing/2014/main" xmlns="" id="{EF370A13-2AD6-42F3-82DD-A8915D68F84F}"/>
               </a:ext>
             </a:extLst>
           </p:cNvPr>
@@ -3090,7 +3090,7 @@
           <a:p>
             <a:fld id="{24C7E509-D680-4DB8-B87E-B8EC2E347686}" type="slidenum">
               <a:rPr lang="de-DE" smtClean="0"/>
-              <a:t>‹#›</a:t>
+              <a:t>‹Nr.›</a:t>
             </a:fld>
             <a:endParaRPr lang="de-DE"/>
           </a:p>
@@ -3136,7 +3136,7 @@
           <p:cNvPr id="2" name="Titelplatzhalter 1">
             <a:extLst>
               <a:ext uri="{FF2B5EF4-FFF2-40B4-BE49-F238E27FC236}">
-                <a16:creationId xmlns:a16="http://schemas.microsoft.com/office/drawing/2014/main" id="{FF15E65D-7224-4547-A8B7-E018D79D5167}"/>
+                <a16:creationId xmlns:a16="http://schemas.microsoft.com/office/drawing/2014/main" xmlns="" id="{FF15E65D-7224-4547-A8B7-E018D79D5167}"/>
               </a:ext>
             </a:extLst>
           </p:cNvPr>
@@ -3174,7 +3174,7 @@
           <p:cNvPr id="3" name="Textplatzhalter 2">
             <a:extLst>
               <a:ext uri="{FF2B5EF4-FFF2-40B4-BE49-F238E27FC236}">
-                <a16:creationId xmlns:a16="http://schemas.microsoft.com/office/drawing/2014/main" id="{8E2E0B7E-1806-4C10-B430-114E71BCA475}"/>
+                <a16:creationId xmlns:a16="http://schemas.microsoft.com/office/drawing/2014/main" xmlns="" id="{8E2E0B7E-1806-4C10-B430-114E71BCA475}"/>
               </a:ext>
             </a:extLst>
           </p:cNvPr>
@@ -3241,7 +3241,7 @@
           <p:cNvPr id="4" name="Datumsplatzhalter 3">
             <a:extLst>
               <a:ext uri="{FF2B5EF4-FFF2-40B4-BE49-F238E27FC236}">
-                <a16:creationId xmlns:a16="http://schemas.microsoft.com/office/drawing/2014/main" id="{12E9677D-D9AF-4D85-9076-FB6608EF8D05}"/>
+                <a16:creationId xmlns:a16="http://schemas.microsoft.com/office/drawing/2014/main" xmlns="" id="{12E9677D-D9AF-4D85-9076-FB6608EF8D05}"/>
               </a:ext>
             </a:extLst>
           </p:cNvPr>
@@ -3277,7 +3277,7 @@
           <a:p>
             <a:fld id="{1D3C1B12-7E54-4267-9D51-05EAB2BDC53B}" type="datetime1">
               <a:rPr lang="de-DE" smtClean="0"/>
-              <a:t>25.02.2018</a:t>
+              <a:t>21.03.18</a:t>
             </a:fld>
             <a:endParaRPr lang="de-DE"/>
           </a:p>
@@ -3288,7 +3288,7 @@
           <p:cNvPr id="5" name="Fußzeilenplatzhalter 4">
             <a:extLst>
               <a:ext uri="{FF2B5EF4-FFF2-40B4-BE49-F238E27FC236}">
-                <a16:creationId xmlns:a16="http://schemas.microsoft.com/office/drawing/2014/main" id="{DEB9152B-6562-474B-911B-6C7817AC474B}"/>
+                <a16:creationId xmlns:a16="http://schemas.microsoft.com/office/drawing/2014/main" xmlns="" id="{DEB9152B-6562-474B-911B-6C7817AC474B}"/>
               </a:ext>
             </a:extLst>
           </p:cNvPr>
@@ -3331,7 +3331,7 @@
           <p:cNvPr id="6" name="Foliennummernplatzhalter 5">
             <a:extLst>
               <a:ext uri="{FF2B5EF4-FFF2-40B4-BE49-F238E27FC236}">
-                <a16:creationId xmlns:a16="http://schemas.microsoft.com/office/drawing/2014/main" id="{31DE64A8-71CB-4F9B-9C42-378CEF45D891}"/>
+                <a16:creationId xmlns:a16="http://schemas.microsoft.com/office/drawing/2014/main" xmlns="" id="{31DE64A8-71CB-4F9B-9C42-378CEF45D891}"/>
               </a:ext>
             </a:extLst>
           </p:cNvPr>
@@ -3367,7 +3367,7 @@
           <a:p>
             <a:fld id="{24C7E509-D680-4DB8-B87E-B8EC2E347686}" type="slidenum">
               <a:rPr lang="de-DE" smtClean="0"/>
-              <a:t>‹#›</a:t>
+              <a:t>‹Nr.›</a:t>
             </a:fld>
             <a:endParaRPr lang="de-DE"/>
           </a:p>
@@ -3700,7 +3700,7 @@
           <p:cNvPr id="5" name="Title 4">
             <a:extLst>
               <a:ext uri="{FF2B5EF4-FFF2-40B4-BE49-F238E27FC236}">
-                <a16:creationId xmlns:a16="http://schemas.microsoft.com/office/drawing/2014/main" id="{3DB679FE-7AB8-452C-9056-DB9A71D8FBB7}"/>
+                <a16:creationId xmlns:a16="http://schemas.microsoft.com/office/drawing/2014/main" xmlns="" id="{3DB679FE-7AB8-452C-9056-DB9A71D8FBB7}"/>
               </a:ext>
             </a:extLst>
           </p:cNvPr>
@@ -3728,7 +3728,7 @@
           <p:cNvPr id="6" name="Content Placeholder 5">
             <a:extLst>
               <a:ext uri="{FF2B5EF4-FFF2-40B4-BE49-F238E27FC236}">
-                <a16:creationId xmlns:a16="http://schemas.microsoft.com/office/drawing/2014/main" id="{6209D8CB-5E61-484E-9162-79AAB377D1C3}"/>
+                <a16:creationId xmlns:a16="http://schemas.microsoft.com/office/drawing/2014/main" xmlns="" id="{6209D8CB-5E61-484E-9162-79AAB377D1C3}"/>
               </a:ext>
             </a:extLst>
           </p:cNvPr>
@@ -3882,7 +3882,7 @@
           <p:cNvPr id="4" name="Slide Number Placeholder 3">
             <a:extLst>
               <a:ext uri="{FF2B5EF4-FFF2-40B4-BE49-F238E27FC236}">
-                <a16:creationId xmlns:a16="http://schemas.microsoft.com/office/drawing/2014/main" id="{88BB8228-97AC-4492-A356-F36497FBE06E}"/>
+                <a16:creationId xmlns:a16="http://schemas.microsoft.com/office/drawing/2014/main" xmlns="" id="{88BB8228-97AC-4492-A356-F36497FBE06E}"/>
               </a:ext>
             </a:extLst>
           </p:cNvPr>
@@ -3916,6 +3916,14 @@
   <p:clrMapOvr>
     <a:masterClrMapping/>
   </p:clrMapOvr>
+  <mc:AlternateContent xmlns:mc="http://schemas.openxmlformats.org/markup-compatibility/2006">
+    <mc:Choice xmlns:p14="http://schemas.microsoft.com/office/powerpoint/2010/main" Requires="p14">
+      <p:transition spd="slow" p14:dur="2000"/>
+    </mc:Choice>
+    <mc:Fallback>
+      <p:transition spd="slow"/>
+    </mc:Fallback>
+  </mc:AlternateContent>
 </p:sld>
 </file>
 
@@ -3941,7 +3949,7 @@
           <p:cNvPr id="2" name="Titel 1">
             <a:extLst>
               <a:ext uri="{FF2B5EF4-FFF2-40B4-BE49-F238E27FC236}">
-                <a16:creationId xmlns:a16="http://schemas.microsoft.com/office/drawing/2014/main" id="{95A3FC0A-3806-4A6C-8BAF-49105356BDEB}"/>
+                <a16:creationId xmlns:a16="http://schemas.microsoft.com/office/drawing/2014/main" xmlns="" id="{95A3FC0A-3806-4A6C-8BAF-49105356BDEB}"/>
               </a:ext>
             </a:extLst>
           </p:cNvPr>
@@ -3970,7 +3978,7 @@
           <p:cNvPr id="3" name="Inhaltsplatzhalter 2">
             <a:extLst>
               <a:ext uri="{FF2B5EF4-FFF2-40B4-BE49-F238E27FC236}">
-                <a16:creationId xmlns:a16="http://schemas.microsoft.com/office/drawing/2014/main" id="{ED8FBAF4-21B7-41F9-87E3-AA4F613F4B28}"/>
+                <a16:creationId xmlns:a16="http://schemas.microsoft.com/office/drawing/2014/main" xmlns="" id="{ED8FBAF4-21B7-41F9-87E3-AA4F613F4B28}"/>
               </a:ext>
             </a:extLst>
           </p:cNvPr>
@@ -3987,9 +3995,43 @@
           <a:lstStyle/>
           <a:p>
             <a:r>
-              <a:rPr lang="de-DE" dirty="0"/>
-              <a:t>Mit Enforce auseinandersetzen</a:t>
-            </a:r>
+              <a:rPr lang="de-DE" dirty="0" smtClean="0"/>
+              <a:t>Was ist </a:t>
+            </a:r>
+            <a:r>
+              <a:rPr lang="de-DE" dirty="0" err="1" smtClean="0"/>
+              <a:t>Enforce</a:t>
+            </a:r>
+            <a:r>
+              <a:rPr lang="de-DE" dirty="0" smtClean="0"/>
+              <a:t>?</a:t>
+            </a:r>
+          </a:p>
+          <a:p>
+            <a:r>
+              <a:rPr lang="de-DE" dirty="0" err="1" smtClean="0"/>
+              <a:t>Allquantor</a:t>
+            </a:r>
+            <a:r>
+              <a:rPr lang="de-DE" dirty="0" smtClean="0"/>
+              <a:t> gegen </a:t>
+            </a:r>
+            <a:r>
+              <a:rPr lang="de-DE" dirty="0" err="1" smtClean="0"/>
+              <a:t>Existenzquantor</a:t>
+            </a:r>
+            <a:endParaRPr lang="de-DE" dirty="0" smtClean="0"/>
+          </a:p>
+          <a:p>
+            <a:r>
+              <a:rPr lang="de-DE" dirty="0" err="1" smtClean="0"/>
+              <a:t>Enforce</a:t>
+            </a:r>
+            <a:r>
+              <a:rPr lang="de-DE" dirty="0" smtClean="0"/>
+              <a:t>+</a:t>
+            </a:r>
+            <a:endParaRPr lang="de-DE" dirty="0"/>
           </a:p>
         </p:txBody>
       </p:sp>
@@ -3998,7 +4040,7 @@
           <p:cNvPr id="4" name="Foliennummernplatzhalter 3">
             <a:extLst>
               <a:ext uri="{FF2B5EF4-FFF2-40B4-BE49-F238E27FC236}">
-                <a16:creationId xmlns:a16="http://schemas.microsoft.com/office/drawing/2014/main" id="{0DD1B6F9-E57D-4F76-917B-E6637BFB2A8E}"/>
+                <a16:creationId xmlns:a16="http://schemas.microsoft.com/office/drawing/2014/main" xmlns="" id="{0DD1B6F9-E57D-4F76-917B-E6637BFB2A8E}"/>
               </a:ext>
             </a:extLst>
           </p:cNvPr>
@@ -4022,6 +4064,30 @@
           </a:p>
         </p:txBody>
       </p:sp>
+      <p:pic>
+        <p:nvPicPr>
+          <p:cNvPr id="5" name="Bild 4"/>
+          <p:cNvPicPr>
+            <a:picLocks noChangeAspect="1"/>
+          </p:cNvPicPr>
+          <p:nvPr/>
+        </p:nvPicPr>
+        <p:blipFill>
+          <a:blip r:embed="rId2"/>
+          <a:stretch>
+            <a:fillRect/>
+          </a:stretch>
+        </p:blipFill>
+        <p:spPr>
+          <a:xfrm>
+            <a:off x="7543800" y="3001963"/>
+            <a:ext cx="3810000" cy="3175000"/>
+          </a:xfrm>
+          <a:prstGeom prst="rect">
+            <a:avLst/>
+          </a:prstGeom>
+        </p:spPr>
+      </p:pic>
     </p:spTree>
     <p:extLst>
       <p:ext uri="{BB962C8B-B14F-4D97-AF65-F5344CB8AC3E}">
@@ -4032,6 +4098,13 @@
   <p:clrMapOvr>
     <a:masterClrMapping/>
   </p:clrMapOvr>
+  <p:timing>
+    <p:tnLst>
+      <p:par>
+        <p:cTn id="1" dur="indefinite" restart="never" nodeType="tmRoot"/>
+      </p:par>
+    </p:tnLst>
+  </p:timing>
 </p:sld>
 </file>
 
@@ -4057,7 +4130,7 @@
           <p:cNvPr id="2" name="Title 1">
             <a:extLst>
               <a:ext uri="{FF2B5EF4-FFF2-40B4-BE49-F238E27FC236}">
-                <a16:creationId xmlns:a16="http://schemas.microsoft.com/office/drawing/2014/main" id="{3C939BD4-D9D8-457A-B76C-E3D1F62B16C2}"/>
+                <a16:creationId xmlns:a16="http://schemas.microsoft.com/office/drawing/2014/main" xmlns="" id="{3C939BD4-D9D8-457A-B76C-E3D1F62B16C2}"/>
               </a:ext>
             </a:extLst>
           </p:cNvPr>
@@ -4086,7 +4159,7 @@
           <p:cNvPr id="3" name="Content Placeholder 2">
             <a:extLst>
               <a:ext uri="{FF2B5EF4-FFF2-40B4-BE49-F238E27FC236}">
-                <a16:creationId xmlns:a16="http://schemas.microsoft.com/office/drawing/2014/main" id="{59B6EF6F-C517-4C0C-A4C6-478E82E22FA9}"/>
+                <a16:creationId xmlns:a16="http://schemas.microsoft.com/office/drawing/2014/main" xmlns="" id="{59B6EF6F-C517-4C0C-A4C6-478E82E22FA9}"/>
               </a:ext>
             </a:extLst>
           </p:cNvPr>
@@ -4114,7 +4187,7 @@
           <p:cNvPr id="4" name="Slide Number Placeholder 3">
             <a:extLst>
               <a:ext uri="{FF2B5EF4-FFF2-40B4-BE49-F238E27FC236}">
-                <a16:creationId xmlns:a16="http://schemas.microsoft.com/office/drawing/2014/main" id="{08BF1626-F459-4C91-A2D9-0E0413559529}"/>
+                <a16:creationId xmlns:a16="http://schemas.microsoft.com/office/drawing/2014/main" xmlns="" id="{08BF1626-F459-4C91-A2D9-0E0413559529}"/>
               </a:ext>
             </a:extLst>
           </p:cNvPr>
@@ -4173,7 +4246,7 @@
           <p:cNvPr id="2" name="Title 1">
             <a:extLst>
               <a:ext uri="{FF2B5EF4-FFF2-40B4-BE49-F238E27FC236}">
-                <a16:creationId xmlns:a16="http://schemas.microsoft.com/office/drawing/2014/main" id="{06BEDA57-7B6A-423A-A767-68DE43BD4B63}"/>
+                <a16:creationId xmlns:a16="http://schemas.microsoft.com/office/drawing/2014/main" xmlns="" id="{06BEDA57-7B6A-423A-A767-68DE43BD4B63}"/>
               </a:ext>
             </a:extLst>
           </p:cNvPr>
@@ -4202,7 +4275,7 @@
           <p:cNvPr id="3" name="Content Placeholder 2">
             <a:extLst>
               <a:ext uri="{FF2B5EF4-FFF2-40B4-BE49-F238E27FC236}">
-                <a16:creationId xmlns:a16="http://schemas.microsoft.com/office/drawing/2014/main" id="{1B228557-58FE-4B16-943F-3E3A18656556}"/>
+                <a16:creationId xmlns:a16="http://schemas.microsoft.com/office/drawing/2014/main" xmlns="" id="{1B228557-58FE-4B16-943F-3E3A18656556}"/>
               </a:ext>
             </a:extLst>
           </p:cNvPr>
@@ -4236,7 +4309,7 @@
           <p:cNvPr id="4" name="Slide Number Placeholder 3">
             <a:extLst>
               <a:ext uri="{FF2B5EF4-FFF2-40B4-BE49-F238E27FC236}">
-                <a16:creationId xmlns:a16="http://schemas.microsoft.com/office/drawing/2014/main" id="{9E4F3BBA-350F-4622-BAC1-BFCAADEF46F0}"/>
+                <a16:creationId xmlns:a16="http://schemas.microsoft.com/office/drawing/2014/main" xmlns="" id="{9E4F3BBA-350F-4622-BAC1-BFCAADEF46F0}"/>
               </a:ext>
             </a:extLst>
           </p:cNvPr>
@@ -4295,7 +4368,7 @@
           <p:cNvPr id="2" name="Title 1">
             <a:extLst>
               <a:ext uri="{FF2B5EF4-FFF2-40B4-BE49-F238E27FC236}">
-                <a16:creationId xmlns:a16="http://schemas.microsoft.com/office/drawing/2014/main" id="{06BEDA57-7B6A-423A-A767-68DE43BD4B63}"/>
+                <a16:creationId xmlns:a16="http://schemas.microsoft.com/office/drawing/2014/main" xmlns="" id="{06BEDA57-7B6A-423A-A767-68DE43BD4B63}"/>
               </a:ext>
             </a:extLst>
           </p:cNvPr>
@@ -4324,7 +4397,7 @@
           <p:cNvPr id="3" name="Content Placeholder 2">
             <a:extLst>
               <a:ext uri="{FF2B5EF4-FFF2-40B4-BE49-F238E27FC236}">
-                <a16:creationId xmlns:a16="http://schemas.microsoft.com/office/drawing/2014/main" id="{1B228557-58FE-4B16-943F-3E3A18656556}"/>
+                <a16:creationId xmlns:a16="http://schemas.microsoft.com/office/drawing/2014/main" xmlns="" id="{1B228557-58FE-4B16-943F-3E3A18656556}"/>
               </a:ext>
             </a:extLst>
           </p:cNvPr>
@@ -4352,7 +4425,7 @@
           <p:cNvPr id="4" name="Slide Number Placeholder 3">
             <a:extLst>
               <a:ext uri="{FF2B5EF4-FFF2-40B4-BE49-F238E27FC236}">
-                <a16:creationId xmlns:a16="http://schemas.microsoft.com/office/drawing/2014/main" id="{9E4F3BBA-350F-4622-BAC1-BFCAADEF46F0}"/>
+                <a16:creationId xmlns:a16="http://schemas.microsoft.com/office/drawing/2014/main" xmlns="" id="{9E4F3BBA-350F-4622-BAC1-BFCAADEF46F0}"/>
               </a:ext>
             </a:extLst>
           </p:cNvPr>
@@ -4411,7 +4484,7 @@
           <p:cNvPr id="2" name="Titel 1">
             <a:extLst>
               <a:ext uri="{FF2B5EF4-FFF2-40B4-BE49-F238E27FC236}">
-                <a16:creationId xmlns:a16="http://schemas.microsoft.com/office/drawing/2014/main" id="{5D10B3B2-98CE-4A76-8F3B-AC87D7970181}"/>
+                <a16:creationId xmlns:a16="http://schemas.microsoft.com/office/drawing/2014/main" xmlns="" id="{5D10B3B2-98CE-4A76-8F3B-AC87D7970181}"/>
               </a:ext>
             </a:extLst>
           </p:cNvPr>
@@ -4440,7 +4513,7 @@
           <p:cNvPr id="3" name="Inhaltsplatzhalter 2">
             <a:extLst>
               <a:ext uri="{FF2B5EF4-FFF2-40B4-BE49-F238E27FC236}">
-                <a16:creationId xmlns:a16="http://schemas.microsoft.com/office/drawing/2014/main" id="{DF549B9E-E429-455E-9CCB-4C382D186DA1}"/>
+                <a16:creationId xmlns:a16="http://schemas.microsoft.com/office/drawing/2014/main" xmlns="" id="{DF549B9E-E429-455E-9CCB-4C382D186DA1}"/>
               </a:ext>
             </a:extLst>
           </p:cNvPr>
@@ -4457,13 +4530,61 @@
           <a:lstStyle/>
           <a:p>
             <a:r>
+              <a:rPr lang="de-DE" dirty="0" smtClean="0"/>
+              <a:t>Graph falsch generiert </a:t>
+            </a:r>
+          </a:p>
+          <a:p>
+            <a:pPr lvl="1"/>
+            <a:r>
+              <a:rPr lang="de-DE" dirty="0" smtClean="0"/>
+              <a:t>Kind ist ausgewichen</a:t>
+            </a:r>
+          </a:p>
+          <a:p>
+            <a:pPr lvl="1"/>
+            <a:r>
+              <a:rPr lang="de-DE" dirty="0" smtClean="0"/>
+              <a:t>jetzt berechnet die </a:t>
+            </a:r>
+            <a:r>
+              <a:rPr lang="de-DE" dirty="0" err="1" smtClean="0"/>
+              <a:t>Graphgenerierung</a:t>
+            </a:r>
+            <a:r>
+              <a:rPr lang="de-DE" dirty="0" smtClean="0"/>
+              <a:t> bei jedem Roboterzug die darauf folgenden Kindeszüge und verwirft bei Inkorrektheit den aktuellen Roboterzug</a:t>
+            </a:r>
+          </a:p>
+          <a:p>
+            <a:r>
+              <a:rPr lang="de-DE" dirty="0" err="1" smtClean="0"/>
+              <a:t>Enforce</a:t>
+            </a:r>
+            <a:r>
+              <a:rPr lang="de-DE" dirty="0" smtClean="0"/>
+              <a:t>-Algorithmus </a:t>
+            </a:r>
+            <a:r>
               <a:rPr lang="de-DE" dirty="0"/>
-              <a:t>Enforcealgorithmus falsch berechnet</a:t>
-            </a:r>
-          </a:p>
-          <a:p>
+              <a:t>falsch </a:t>
+            </a:r>
+            <a:r>
+              <a:rPr lang="de-DE" dirty="0" smtClean="0"/>
+              <a:t>berechnet</a:t>
+            </a:r>
+          </a:p>
+          <a:p>
+            <a:pPr lvl="1"/>
+            <a:r>
+              <a:rPr lang="de-DE" dirty="0" smtClean="0"/>
+              <a:t>Implementierung war anfangs falsch</a:t>
+            </a:r>
             <a:endParaRPr lang="de-DE" dirty="0"/>
           </a:p>
+          <a:p>
+            <a:endParaRPr lang="de-DE" dirty="0"/>
+          </a:p>
         </p:txBody>
       </p:sp>
       <p:sp>
@@ -4471,7 +4592,7 @@
           <p:cNvPr id="4" name="Foliennummernplatzhalter 3">
             <a:extLst>
               <a:ext uri="{FF2B5EF4-FFF2-40B4-BE49-F238E27FC236}">
-                <a16:creationId xmlns:a16="http://schemas.microsoft.com/office/drawing/2014/main" id="{10CA8FA4-8DBF-4853-9008-56DB49403505}"/>
+                <a16:creationId xmlns:a16="http://schemas.microsoft.com/office/drawing/2014/main" xmlns="" id="{10CA8FA4-8DBF-4853-9008-56DB49403505}"/>
               </a:ext>
             </a:extLst>
           </p:cNvPr>
@@ -4530,7 +4651,7 @@
           <p:cNvPr id="2" name="Titel 1">
             <a:extLst>
               <a:ext uri="{FF2B5EF4-FFF2-40B4-BE49-F238E27FC236}">
-                <a16:creationId xmlns:a16="http://schemas.microsoft.com/office/drawing/2014/main" id="{3A7BB2F4-FCC1-4DE5-B708-3CFD0CD6AE2E}"/>
+                <a16:creationId xmlns:a16="http://schemas.microsoft.com/office/drawing/2014/main" xmlns="" id="{3A7BB2F4-FCC1-4DE5-B708-3CFD0CD6AE2E}"/>
               </a:ext>
             </a:extLst>
           </p:cNvPr>
@@ -4559,7 +4680,7 @@
           <p:cNvPr id="3" name="Inhaltsplatzhalter 2">
             <a:extLst>
               <a:ext uri="{FF2B5EF4-FFF2-40B4-BE49-F238E27FC236}">
-                <a16:creationId xmlns:a16="http://schemas.microsoft.com/office/drawing/2014/main" id="{A44C6831-89D7-4EA9-AA4D-054654C37D3B}"/>
+                <a16:creationId xmlns:a16="http://schemas.microsoft.com/office/drawing/2014/main" xmlns="" id="{A44C6831-89D7-4EA9-AA4D-054654C37D3B}"/>
               </a:ext>
             </a:extLst>
           </p:cNvPr>
@@ -4668,7 +4789,7 @@
           <p:cNvPr id="4" name="Foliennummernplatzhalter 3">
             <a:extLst>
               <a:ext uri="{FF2B5EF4-FFF2-40B4-BE49-F238E27FC236}">
-                <a16:creationId xmlns:a16="http://schemas.microsoft.com/office/drawing/2014/main" id="{256B3083-294C-4EB3-A324-509DB8EA66E4}"/>
+                <a16:creationId xmlns:a16="http://schemas.microsoft.com/office/drawing/2014/main" xmlns="" id="{256B3083-294C-4EB3-A324-509DB8EA66E4}"/>
               </a:ext>
             </a:extLst>
           </p:cNvPr>
@@ -4727,7 +4848,7 @@
           <p:cNvPr id="4" name="Rechteck 3">
             <a:extLst>
               <a:ext uri="{FF2B5EF4-FFF2-40B4-BE49-F238E27FC236}">
-                <a16:creationId xmlns:a16="http://schemas.microsoft.com/office/drawing/2014/main" id="{D73FED10-72DC-481B-B3B2-828AF37ADFF7}"/>
+                <a16:creationId xmlns:a16="http://schemas.microsoft.com/office/drawing/2014/main" xmlns="" id="{D73FED10-72DC-481B-B3B2-828AF37ADFF7}"/>
               </a:ext>
             </a:extLst>
           </p:cNvPr>
@@ -4776,7 +4897,7 @@
           <p:cNvPr id="5" name="Rechteck 4">
             <a:extLst>
               <a:ext uri="{FF2B5EF4-FFF2-40B4-BE49-F238E27FC236}">
-                <a16:creationId xmlns:a16="http://schemas.microsoft.com/office/drawing/2014/main" id="{C34D8871-8351-4853-9007-BAF79871654E}"/>
+                <a16:creationId xmlns:a16="http://schemas.microsoft.com/office/drawing/2014/main" xmlns="" id="{C34D8871-8351-4853-9007-BAF79871654E}"/>
               </a:ext>
             </a:extLst>
           </p:cNvPr>
@@ -4825,7 +4946,7 @@
           <p:cNvPr id="9" name="Rechteck 8">
             <a:extLst>
               <a:ext uri="{FF2B5EF4-FFF2-40B4-BE49-F238E27FC236}">
-                <a16:creationId xmlns:a16="http://schemas.microsoft.com/office/drawing/2014/main" id="{D74FEB83-FA0A-4617-994A-6A1964C05A73}"/>
+                <a16:creationId xmlns:a16="http://schemas.microsoft.com/office/drawing/2014/main" xmlns="" id="{D74FEB83-FA0A-4617-994A-6A1964C05A73}"/>
               </a:ext>
             </a:extLst>
           </p:cNvPr>
@@ -4874,7 +4995,7 @@
           <p:cNvPr id="10" name="Ellipse 9">
             <a:extLst>
               <a:ext uri="{FF2B5EF4-FFF2-40B4-BE49-F238E27FC236}">
-                <a16:creationId xmlns:a16="http://schemas.microsoft.com/office/drawing/2014/main" id="{82AE9F3B-D926-41F5-8792-63E9941B6182}"/>
+                <a16:creationId xmlns:a16="http://schemas.microsoft.com/office/drawing/2014/main" xmlns="" id="{82AE9F3B-D926-41F5-8792-63E9941B6182}"/>
               </a:ext>
             </a:extLst>
           </p:cNvPr>
@@ -4923,7 +5044,7 @@
           <p:cNvPr id="11" name="Sechseck 10">
             <a:extLst>
               <a:ext uri="{FF2B5EF4-FFF2-40B4-BE49-F238E27FC236}">
-                <a16:creationId xmlns:a16="http://schemas.microsoft.com/office/drawing/2014/main" id="{99E638A5-59E2-495D-979A-EADA77656E43}"/>
+                <a16:creationId xmlns:a16="http://schemas.microsoft.com/office/drawing/2014/main" xmlns="" id="{99E638A5-59E2-495D-979A-EADA77656E43}"/>
               </a:ext>
             </a:extLst>
           </p:cNvPr>
@@ -4972,7 +5093,7 @@
           <p:cNvPr id="13" name="Gerade Verbindung mit Pfeil 12">
             <a:extLst>
               <a:ext uri="{FF2B5EF4-FFF2-40B4-BE49-F238E27FC236}">
-                <a16:creationId xmlns:a16="http://schemas.microsoft.com/office/drawing/2014/main" id="{160BD4FC-BC5D-48AF-BD55-A0C482D25F5F}"/>
+                <a16:creationId xmlns:a16="http://schemas.microsoft.com/office/drawing/2014/main" xmlns="" id="{160BD4FC-BC5D-48AF-BD55-A0C482D25F5F}"/>
               </a:ext>
             </a:extLst>
           </p:cNvPr>
@@ -5016,7 +5137,7 @@
           <p:cNvPr id="14" name="Gerade Verbindung mit Pfeil 13">
             <a:extLst>
               <a:ext uri="{FF2B5EF4-FFF2-40B4-BE49-F238E27FC236}">
-                <a16:creationId xmlns:a16="http://schemas.microsoft.com/office/drawing/2014/main" id="{0F744E52-1CFC-437A-AEB4-8E3A2DF8EBB7}"/>
+                <a16:creationId xmlns:a16="http://schemas.microsoft.com/office/drawing/2014/main" xmlns="" id="{0F744E52-1CFC-437A-AEB4-8E3A2DF8EBB7}"/>
               </a:ext>
             </a:extLst>
           </p:cNvPr>
@@ -5060,7 +5181,7 @@
           <p:cNvPr id="21" name="Gerade Verbindung mit Pfeil 20">
             <a:extLst>
               <a:ext uri="{FF2B5EF4-FFF2-40B4-BE49-F238E27FC236}">
-                <a16:creationId xmlns:a16="http://schemas.microsoft.com/office/drawing/2014/main" id="{76990AF8-2E77-4B37-B0CA-2B7395D82A9D}"/>
+                <a16:creationId xmlns:a16="http://schemas.microsoft.com/office/drawing/2014/main" xmlns="" id="{76990AF8-2E77-4B37-B0CA-2B7395D82A9D}"/>
               </a:ext>
             </a:extLst>
           </p:cNvPr>
@@ -5104,7 +5225,7 @@
           <p:cNvPr id="24" name="Gerade Verbindung mit Pfeil 23">
             <a:extLst>
               <a:ext uri="{FF2B5EF4-FFF2-40B4-BE49-F238E27FC236}">
-                <a16:creationId xmlns:a16="http://schemas.microsoft.com/office/drawing/2014/main" id="{C22EE68F-968D-4481-82EF-73BE7DEFA2A4}"/>
+                <a16:creationId xmlns:a16="http://schemas.microsoft.com/office/drawing/2014/main" xmlns="" id="{C22EE68F-968D-4481-82EF-73BE7DEFA2A4}"/>
               </a:ext>
             </a:extLst>
           </p:cNvPr>
@@ -5148,7 +5269,7 @@
           <p:cNvPr id="27" name="Gerade Verbindung mit Pfeil 26">
             <a:extLst>
               <a:ext uri="{FF2B5EF4-FFF2-40B4-BE49-F238E27FC236}">
-                <a16:creationId xmlns:a16="http://schemas.microsoft.com/office/drawing/2014/main" id="{B74F0518-0D5B-4835-9FE0-6C05FA3E9AD5}"/>
+                <a16:creationId xmlns:a16="http://schemas.microsoft.com/office/drawing/2014/main" xmlns="" id="{B74F0518-0D5B-4835-9FE0-6C05FA3E9AD5}"/>
               </a:ext>
             </a:extLst>
           </p:cNvPr>
@@ -5192,7 +5313,7 @@
           <p:cNvPr id="30" name="Gerade Verbindung mit Pfeil 29">
             <a:extLst>
               <a:ext uri="{FF2B5EF4-FFF2-40B4-BE49-F238E27FC236}">
-                <a16:creationId xmlns:a16="http://schemas.microsoft.com/office/drawing/2014/main" id="{DB4807CA-CE35-4073-8BB7-645ECE5E9BC3}"/>
+                <a16:creationId xmlns:a16="http://schemas.microsoft.com/office/drawing/2014/main" xmlns="" id="{DB4807CA-CE35-4073-8BB7-645ECE5E9BC3}"/>
               </a:ext>
             </a:extLst>
           </p:cNvPr>
@@ -5236,7 +5357,7 @@
           <p:cNvPr id="33" name="Gerade Verbindung mit Pfeil 32">
             <a:extLst>
               <a:ext uri="{FF2B5EF4-FFF2-40B4-BE49-F238E27FC236}">
-                <a16:creationId xmlns:a16="http://schemas.microsoft.com/office/drawing/2014/main" id="{C6DC9FE2-BD85-40A7-85CD-FAFADF0446F8}"/>
+                <a16:creationId xmlns:a16="http://schemas.microsoft.com/office/drawing/2014/main" xmlns="" id="{C6DC9FE2-BD85-40A7-85CD-FAFADF0446F8}"/>
               </a:ext>
             </a:extLst>
           </p:cNvPr>
@@ -5280,7 +5401,7 @@
           <p:cNvPr id="36" name="Textfeld 35">
             <a:extLst>
               <a:ext uri="{FF2B5EF4-FFF2-40B4-BE49-F238E27FC236}">
-                <a16:creationId xmlns:a16="http://schemas.microsoft.com/office/drawing/2014/main" id="{7DA9A3AE-402A-4836-8EA9-5CF57E1B1A96}"/>
+                <a16:creationId xmlns:a16="http://schemas.microsoft.com/office/drawing/2014/main" xmlns="" id="{7DA9A3AE-402A-4836-8EA9-5CF57E1B1A96}"/>
               </a:ext>
             </a:extLst>
           </p:cNvPr>
@@ -5315,7 +5436,7 @@
           <p:cNvPr id="37" name="Textfeld 36">
             <a:extLst>
               <a:ext uri="{FF2B5EF4-FFF2-40B4-BE49-F238E27FC236}">
-                <a16:creationId xmlns:a16="http://schemas.microsoft.com/office/drawing/2014/main" id="{0570975D-06BD-4403-A5D8-90D29EE44D90}"/>
+                <a16:creationId xmlns:a16="http://schemas.microsoft.com/office/drawing/2014/main" xmlns="" id="{0570975D-06BD-4403-A5D8-90D29EE44D90}"/>
               </a:ext>
             </a:extLst>
           </p:cNvPr>
@@ -5350,7 +5471,7 @@
           <p:cNvPr id="38" name="Textfeld 37">
             <a:extLst>
               <a:ext uri="{FF2B5EF4-FFF2-40B4-BE49-F238E27FC236}">
-                <a16:creationId xmlns:a16="http://schemas.microsoft.com/office/drawing/2014/main" id="{03CDC848-6357-4E1B-A3E8-49F619B9F93C}"/>
+                <a16:creationId xmlns:a16="http://schemas.microsoft.com/office/drawing/2014/main" xmlns="" id="{03CDC848-6357-4E1B-A3E8-49F619B9F93C}"/>
               </a:ext>
             </a:extLst>
           </p:cNvPr>
@@ -5385,7 +5506,7 @@
           <p:cNvPr id="39" name="Textfeld 38">
             <a:extLst>
               <a:ext uri="{FF2B5EF4-FFF2-40B4-BE49-F238E27FC236}">
-                <a16:creationId xmlns:a16="http://schemas.microsoft.com/office/drawing/2014/main" id="{85DE17B8-CA60-4EC9-A6AC-AC080DDE1281}"/>
+                <a16:creationId xmlns:a16="http://schemas.microsoft.com/office/drawing/2014/main" xmlns="" id="{85DE17B8-CA60-4EC9-A6AC-AC080DDE1281}"/>
               </a:ext>
             </a:extLst>
           </p:cNvPr>
@@ -5420,7 +5541,7 @@
           <p:cNvPr id="40" name="Textfeld 39">
             <a:extLst>
               <a:ext uri="{FF2B5EF4-FFF2-40B4-BE49-F238E27FC236}">
-                <a16:creationId xmlns:a16="http://schemas.microsoft.com/office/drawing/2014/main" id="{B5FC16D5-842E-4352-8D37-4752AC951703}"/>
+                <a16:creationId xmlns:a16="http://schemas.microsoft.com/office/drawing/2014/main" xmlns="" id="{B5FC16D5-842E-4352-8D37-4752AC951703}"/>
               </a:ext>
             </a:extLst>
           </p:cNvPr>
@@ -5455,7 +5576,7 @@
           <p:cNvPr id="41" name="Textfeld 40">
             <a:extLst>
               <a:ext uri="{FF2B5EF4-FFF2-40B4-BE49-F238E27FC236}">
-                <a16:creationId xmlns:a16="http://schemas.microsoft.com/office/drawing/2014/main" id="{3B7CF91D-ADC1-4182-9EEA-97DAF86D5624}"/>
+                <a16:creationId xmlns:a16="http://schemas.microsoft.com/office/drawing/2014/main" xmlns="" id="{3B7CF91D-ADC1-4182-9EEA-97DAF86D5624}"/>
               </a:ext>
             </a:extLst>
           </p:cNvPr>
@@ -5490,7 +5611,7 @@
           <p:cNvPr id="42" name="Textfeld 41">
             <a:extLst>
               <a:ext uri="{FF2B5EF4-FFF2-40B4-BE49-F238E27FC236}">
-                <a16:creationId xmlns:a16="http://schemas.microsoft.com/office/drawing/2014/main" id="{1C500370-3E59-476C-9411-543770E261D6}"/>
+                <a16:creationId xmlns:a16="http://schemas.microsoft.com/office/drawing/2014/main" xmlns="" id="{1C500370-3E59-476C-9411-543770E261D6}"/>
               </a:ext>
             </a:extLst>
           </p:cNvPr>
@@ -5525,7 +5646,7 @@
           <p:cNvPr id="43" name="Textfeld 42">
             <a:extLst>
               <a:ext uri="{FF2B5EF4-FFF2-40B4-BE49-F238E27FC236}">
-                <a16:creationId xmlns:a16="http://schemas.microsoft.com/office/drawing/2014/main" id="{BD6B08D4-7E4A-4309-9848-A7A423DE4529}"/>
+                <a16:creationId xmlns:a16="http://schemas.microsoft.com/office/drawing/2014/main" xmlns="" id="{BD6B08D4-7E4A-4309-9848-A7A423DE4529}"/>
               </a:ext>
             </a:extLst>
           </p:cNvPr>
@@ -5560,7 +5681,7 @@
           <p:cNvPr id="44" name="Textfeld 43">
             <a:extLst>
               <a:ext uri="{FF2B5EF4-FFF2-40B4-BE49-F238E27FC236}">
-                <a16:creationId xmlns:a16="http://schemas.microsoft.com/office/drawing/2014/main" id="{56F7D731-EFF7-4318-A1BB-4C228AD80E10}"/>
+                <a16:creationId xmlns:a16="http://schemas.microsoft.com/office/drawing/2014/main" xmlns="" id="{56F7D731-EFF7-4318-A1BB-4C228AD80E10}"/>
               </a:ext>
             </a:extLst>
           </p:cNvPr>
@@ -5595,7 +5716,7 @@
           <p:cNvPr id="45" name="Textfeld 44">
             <a:extLst>
               <a:ext uri="{FF2B5EF4-FFF2-40B4-BE49-F238E27FC236}">
-                <a16:creationId xmlns:a16="http://schemas.microsoft.com/office/drawing/2014/main" id="{78161AAE-EBF4-458C-AF63-F56DE7E40683}"/>
+                <a16:creationId xmlns:a16="http://schemas.microsoft.com/office/drawing/2014/main" xmlns="" id="{78161AAE-EBF4-458C-AF63-F56DE7E40683}"/>
               </a:ext>
             </a:extLst>
           </p:cNvPr>
@@ -5630,7 +5751,7 @@
           <p:cNvPr id="46" name="Foliennummernplatzhalter 45">
             <a:extLst>
               <a:ext uri="{FF2B5EF4-FFF2-40B4-BE49-F238E27FC236}">
-                <a16:creationId xmlns:a16="http://schemas.microsoft.com/office/drawing/2014/main" id="{C8736086-FF43-4F11-B163-935F1CA54CB9}"/>
+                <a16:creationId xmlns:a16="http://schemas.microsoft.com/office/drawing/2014/main" xmlns="" id="{C8736086-FF43-4F11-B163-935F1CA54CB9}"/>
               </a:ext>
             </a:extLst>
           </p:cNvPr>
@@ -5689,7 +5810,7 @@
           <p:cNvPr id="2" name="Titel 1">
             <a:extLst>
               <a:ext uri="{FF2B5EF4-FFF2-40B4-BE49-F238E27FC236}">
-                <a16:creationId xmlns:a16="http://schemas.microsoft.com/office/drawing/2014/main" id="{BC5612AC-6411-4142-AED7-C162557AFFAD}"/>
+                <a16:creationId xmlns:a16="http://schemas.microsoft.com/office/drawing/2014/main" xmlns="" id="{BC5612AC-6411-4142-AED7-C162557AFFAD}"/>
               </a:ext>
             </a:extLst>
           </p:cNvPr>
@@ -5718,7 +5839,7 @@
           <p:cNvPr id="3" name="Inhaltsplatzhalter 2">
             <a:extLst>
               <a:ext uri="{FF2B5EF4-FFF2-40B4-BE49-F238E27FC236}">
-                <a16:creationId xmlns:a16="http://schemas.microsoft.com/office/drawing/2014/main" id="{50710A65-BC45-4F3B-ABA3-CBBBFBBA6513}"/>
+                <a16:creationId xmlns:a16="http://schemas.microsoft.com/office/drawing/2014/main" xmlns="" id="{50710A65-BC45-4F3B-ABA3-CBBBFBBA6513}"/>
               </a:ext>
             </a:extLst>
           </p:cNvPr>
@@ -5743,7 +5864,7 @@
           <p:cNvPr id="4" name="Foliennummernplatzhalter 3">
             <a:extLst>
               <a:ext uri="{FF2B5EF4-FFF2-40B4-BE49-F238E27FC236}">
-                <a16:creationId xmlns:a16="http://schemas.microsoft.com/office/drawing/2014/main" id="{19788284-BBE6-4885-96DA-A705A3D1CEE9}"/>
+                <a16:creationId xmlns:a16="http://schemas.microsoft.com/office/drawing/2014/main" xmlns="" id="{19788284-BBE6-4885-96DA-A705A3D1CEE9}"/>
               </a:ext>
             </a:extLst>
           </p:cNvPr>
@@ -5802,7 +5923,7 @@
           <p:cNvPr id="2" name="Titel 1">
             <a:extLst>
               <a:ext uri="{FF2B5EF4-FFF2-40B4-BE49-F238E27FC236}">
-                <a16:creationId xmlns:a16="http://schemas.microsoft.com/office/drawing/2014/main" id="{AB797468-C3B3-4625-A645-4FF1498D3D36}"/>
+                <a16:creationId xmlns:a16="http://schemas.microsoft.com/office/drawing/2014/main" xmlns="" id="{AB797468-C3B3-4625-A645-4FF1498D3D36}"/>
               </a:ext>
             </a:extLst>
           </p:cNvPr>
@@ -5830,7 +5951,7 @@
           <p:cNvPr id="3" name="Untertitel 2">
             <a:extLst>
               <a:ext uri="{FF2B5EF4-FFF2-40B4-BE49-F238E27FC236}">
-                <a16:creationId xmlns:a16="http://schemas.microsoft.com/office/drawing/2014/main" id="{90F58143-0024-47BA-B87F-224EB2258D41}"/>
+                <a16:creationId xmlns:a16="http://schemas.microsoft.com/office/drawing/2014/main" xmlns="" id="{90F58143-0024-47BA-B87F-224EB2258D41}"/>
               </a:ext>
             </a:extLst>
           </p:cNvPr>
@@ -5872,7 +5993,7 @@
           <p:cNvPr id="4" name="Foliennummernplatzhalter 3">
             <a:extLst>
               <a:ext uri="{FF2B5EF4-FFF2-40B4-BE49-F238E27FC236}">
-                <a16:creationId xmlns:a16="http://schemas.microsoft.com/office/drawing/2014/main" id="{DE1C29E7-48F7-44B2-9F58-68C8DB0777C2}"/>
+                <a16:creationId xmlns:a16="http://schemas.microsoft.com/office/drawing/2014/main" xmlns="" id="{DE1C29E7-48F7-44B2-9F58-68C8DB0777C2}"/>
               </a:ext>
             </a:extLst>
           </p:cNvPr>
@@ -5906,6 +6027,13 @@
   <p:clrMapOvr>
     <a:masterClrMapping/>
   </p:clrMapOvr>
+  <p:timing>
+    <p:tnLst>
+      <p:par>
+        <p:cTn id="1" dur="indefinite" restart="never" nodeType="tmRoot"/>
+      </p:par>
+    </p:tnLst>
+  </p:timing>
 </p:sld>
 </file>
 
@@ -5931,7 +6059,7 @@
           <p:cNvPr id="2" name="Titel 1">
             <a:extLst>
               <a:ext uri="{FF2B5EF4-FFF2-40B4-BE49-F238E27FC236}">
-                <a16:creationId xmlns:a16="http://schemas.microsoft.com/office/drawing/2014/main" id="{26825D3A-6CEE-4F9F-81E5-3E804EAA612A}"/>
+                <a16:creationId xmlns:a16="http://schemas.microsoft.com/office/drawing/2014/main" xmlns="" id="{26825D3A-6CEE-4F9F-81E5-3E804EAA612A}"/>
               </a:ext>
             </a:extLst>
           </p:cNvPr>
@@ -5960,7 +6088,7 @@
           <p:cNvPr id="3" name="Inhaltsplatzhalter 2">
             <a:extLst>
               <a:ext uri="{FF2B5EF4-FFF2-40B4-BE49-F238E27FC236}">
-                <a16:creationId xmlns:a16="http://schemas.microsoft.com/office/drawing/2014/main" id="{B8B215CE-79DD-4E8A-9F51-760A69740D50}"/>
+                <a16:creationId xmlns:a16="http://schemas.microsoft.com/office/drawing/2014/main" xmlns="" id="{B8B215CE-79DD-4E8A-9F51-760A69740D50}"/>
               </a:ext>
             </a:extLst>
           </p:cNvPr>
@@ -5985,7 +6113,7 @@
           <p:cNvPr id="4" name="Foliennummernplatzhalter 3">
             <a:extLst>
               <a:ext uri="{FF2B5EF4-FFF2-40B4-BE49-F238E27FC236}">
-                <a16:creationId xmlns:a16="http://schemas.microsoft.com/office/drawing/2014/main" id="{93BF2E14-94DF-403B-969C-E3660F2321D1}"/>
+                <a16:creationId xmlns:a16="http://schemas.microsoft.com/office/drawing/2014/main" xmlns="" id="{93BF2E14-94DF-403B-969C-E3660F2321D1}"/>
               </a:ext>
             </a:extLst>
           </p:cNvPr>
@@ -6019,6 +6147,13 @@
   <p:clrMapOvr>
     <a:masterClrMapping/>
   </p:clrMapOvr>
+  <p:timing>
+    <p:tnLst>
+      <p:par>
+        <p:cTn id="1" dur="indefinite" restart="never" nodeType="tmRoot"/>
+      </p:par>
+    </p:tnLst>
+  </p:timing>
 </p:sld>
 </file>
 
@@ -6044,7 +6179,7 @@
           <p:cNvPr id="2" name="Titel 1">
             <a:extLst>
               <a:ext uri="{FF2B5EF4-FFF2-40B4-BE49-F238E27FC236}">
-                <a16:creationId xmlns:a16="http://schemas.microsoft.com/office/drawing/2014/main" id="{A1F365B5-A939-445F-958E-D0579E7008B7}"/>
+                <a16:creationId xmlns:a16="http://schemas.microsoft.com/office/drawing/2014/main" xmlns="" id="{A1F365B5-A939-445F-958E-D0579E7008B7}"/>
               </a:ext>
             </a:extLst>
           </p:cNvPr>
@@ -6073,7 +6208,7 @@
           <p:cNvPr id="3" name="Inhaltsplatzhalter 2">
             <a:extLst>
               <a:ext uri="{FF2B5EF4-FFF2-40B4-BE49-F238E27FC236}">
-                <a16:creationId xmlns:a16="http://schemas.microsoft.com/office/drawing/2014/main" id="{4664686B-E363-454D-ABAA-3DB2FB5F692D}"/>
+                <a16:creationId xmlns:a16="http://schemas.microsoft.com/office/drawing/2014/main" xmlns="" id="{4664686B-E363-454D-ABAA-3DB2FB5F692D}"/>
               </a:ext>
             </a:extLst>
           </p:cNvPr>
@@ -6089,18 +6224,57 @@
           <a:bodyPr/>
           <a:lstStyle/>
           <a:p>
-            <a:r>
-              <a:rPr lang="de-DE" dirty="0"/>
+            <a:endParaRPr lang="de-DE" dirty="0" smtClean="0"/>
+          </a:p>
+          <a:p>
+            <a:r>
+              <a:rPr lang="de-DE" dirty="0" smtClean="0"/>
               <a:t>Auswahl des Projektes</a:t>
             </a:r>
           </a:p>
           <a:p>
-            <a:r>
-              <a:rPr lang="de-DE" dirty="0"/>
+            <a:pPr lvl="1"/>
+            <a:r>
+              <a:rPr lang="de-DE" dirty="0" smtClean="0"/>
+              <a:t>Warum war das Projekt so toll und UPPAAL nicht?</a:t>
+            </a:r>
+          </a:p>
+          <a:p>
+            <a:r>
+              <a:rPr lang="de-DE" dirty="0" smtClean="0"/>
+              <a:t>Aufgaben-/</a:t>
+            </a:r>
+            <a:r>
+              <a:rPr lang="de-DE" dirty="0" smtClean="0"/>
               <a:t>Problemstellung</a:t>
             </a:r>
           </a:p>
           <a:p>
+            <a:pPr lvl="1"/>
+            <a:r>
+              <a:rPr lang="de-DE" dirty="0" smtClean="0"/>
+              <a:t>Roboter und Kind auf Raster die abwechselnd Spielzüge machen und nicht kollidieren dürfen. Roboter kann auch aufladen </a:t>
+            </a:r>
+            <a:r>
+              <a:rPr lang="de-DE" dirty="0" err="1" smtClean="0"/>
+              <a:t>pi</a:t>
+            </a:r>
+            <a:r>
+              <a:rPr lang="de-DE" dirty="0" smtClean="0"/>
+              <a:t> </a:t>
+            </a:r>
+            <a:r>
+              <a:rPr lang="de-DE" dirty="0" err="1" smtClean="0"/>
+              <a:t>pa</a:t>
+            </a:r>
+            <a:r>
+              <a:rPr lang="de-DE" dirty="0" smtClean="0"/>
+              <a:t> </a:t>
+            </a:r>
+            <a:r>
+              <a:rPr lang="de-DE" dirty="0" err="1" smtClean="0"/>
+              <a:t>po</a:t>
+            </a:r>
             <a:endParaRPr lang="de-DE" dirty="0"/>
           </a:p>
         </p:txBody>
@@ -6110,7 +6284,7 @@
           <p:cNvPr id="4" name="Foliennummernplatzhalter 3">
             <a:extLst>
               <a:ext uri="{FF2B5EF4-FFF2-40B4-BE49-F238E27FC236}">
-                <a16:creationId xmlns:a16="http://schemas.microsoft.com/office/drawing/2014/main" id="{5264A6CD-BC9E-4F42-BBFA-4192D47D444D}"/>
+                <a16:creationId xmlns:a16="http://schemas.microsoft.com/office/drawing/2014/main" xmlns="" id="{5264A6CD-BC9E-4F42-BBFA-4192D47D444D}"/>
               </a:ext>
             </a:extLst>
           </p:cNvPr>
@@ -6169,7 +6343,7 @@
           <p:cNvPr id="2" name="Titel 1">
             <a:extLst>
               <a:ext uri="{FF2B5EF4-FFF2-40B4-BE49-F238E27FC236}">
-                <a16:creationId xmlns:a16="http://schemas.microsoft.com/office/drawing/2014/main" id="{D830302C-DA89-453C-9E9D-624506AE6BA3}"/>
+                <a16:creationId xmlns:a16="http://schemas.microsoft.com/office/drawing/2014/main" xmlns="" id="{D830302C-DA89-453C-9E9D-624506AE6BA3}"/>
               </a:ext>
             </a:extLst>
           </p:cNvPr>
@@ -6198,7 +6372,7 @@
           <p:cNvPr id="3" name="Inhaltsplatzhalter 2">
             <a:extLst>
               <a:ext uri="{FF2B5EF4-FFF2-40B4-BE49-F238E27FC236}">
-                <a16:creationId xmlns:a16="http://schemas.microsoft.com/office/drawing/2014/main" id="{A3E9EB45-91E9-45FF-B312-A8E7636840FB}"/>
+                <a16:creationId xmlns:a16="http://schemas.microsoft.com/office/drawing/2014/main" xmlns="" id="{A3E9EB45-91E9-45FF-B312-A8E7636840FB}"/>
               </a:ext>
             </a:extLst>
           </p:cNvPr>
@@ -6235,7 +6409,7 @@
           <p:cNvPr id="4" name="Foliennummernplatzhalter 3">
             <a:extLst>
               <a:ext uri="{FF2B5EF4-FFF2-40B4-BE49-F238E27FC236}">
-                <a16:creationId xmlns:a16="http://schemas.microsoft.com/office/drawing/2014/main" id="{6318C5D9-92EB-47E6-BBFE-6FA653933C38}"/>
+                <a16:creationId xmlns:a16="http://schemas.microsoft.com/office/drawing/2014/main" xmlns="" id="{6318C5D9-92EB-47E6-BBFE-6FA653933C38}"/>
               </a:ext>
             </a:extLst>
           </p:cNvPr>
@@ -6294,7 +6468,7 @@
           <p:cNvPr id="2" name="Title 1">
             <a:extLst>
               <a:ext uri="{FF2B5EF4-FFF2-40B4-BE49-F238E27FC236}">
-                <a16:creationId xmlns:a16="http://schemas.microsoft.com/office/drawing/2014/main" id="{132A757A-169E-4DF2-B061-2F78EA10A643}"/>
+                <a16:creationId xmlns:a16="http://schemas.microsoft.com/office/drawing/2014/main" xmlns="" id="{132A757A-169E-4DF2-B061-2F78EA10A643}"/>
               </a:ext>
             </a:extLst>
           </p:cNvPr>
@@ -6323,7 +6497,7 @@
           <p:cNvPr id="3" name="Content Placeholder 2">
             <a:extLst>
               <a:ext uri="{FF2B5EF4-FFF2-40B4-BE49-F238E27FC236}">
-                <a16:creationId xmlns:a16="http://schemas.microsoft.com/office/drawing/2014/main" id="{2801F26C-FB81-4294-B60C-5467A60EBFF5}"/>
+                <a16:creationId xmlns:a16="http://schemas.microsoft.com/office/drawing/2014/main" xmlns="" id="{2801F26C-FB81-4294-B60C-5467A60EBFF5}"/>
               </a:ext>
             </a:extLst>
           </p:cNvPr>
@@ -6369,7 +6543,7 @@
           <p:cNvPr id="4" name="Slide Number Placeholder 3">
             <a:extLst>
               <a:ext uri="{FF2B5EF4-FFF2-40B4-BE49-F238E27FC236}">
-                <a16:creationId xmlns:a16="http://schemas.microsoft.com/office/drawing/2014/main" id="{D0D74A05-15E2-4D32-B99A-14F9102497F5}"/>
+                <a16:creationId xmlns:a16="http://schemas.microsoft.com/office/drawing/2014/main" xmlns="" id="{D0D74A05-15E2-4D32-B99A-14F9102497F5}"/>
               </a:ext>
             </a:extLst>
           </p:cNvPr>
@@ -6428,7 +6602,7 @@
           <p:cNvPr id="2" name="Titel 1">
             <a:extLst>
               <a:ext uri="{FF2B5EF4-FFF2-40B4-BE49-F238E27FC236}">
-                <a16:creationId xmlns:a16="http://schemas.microsoft.com/office/drawing/2014/main" id="{36292C0A-460E-4498-A826-3CE1D1AA0A9C}"/>
+                <a16:creationId xmlns:a16="http://schemas.microsoft.com/office/drawing/2014/main" xmlns="" id="{36292C0A-460E-4498-A826-3CE1D1AA0A9C}"/>
               </a:ext>
             </a:extLst>
           </p:cNvPr>
@@ -6457,7 +6631,7 @@
           <p:cNvPr id="3" name="Inhaltsplatzhalter 2">
             <a:extLst>
               <a:ext uri="{FF2B5EF4-FFF2-40B4-BE49-F238E27FC236}">
-                <a16:creationId xmlns:a16="http://schemas.microsoft.com/office/drawing/2014/main" id="{75383B49-FE22-4427-A01A-013920E6F2D9}"/>
+                <a16:creationId xmlns:a16="http://schemas.microsoft.com/office/drawing/2014/main" xmlns="" id="{75383B49-FE22-4427-A01A-013920E6F2D9}"/>
               </a:ext>
             </a:extLst>
           </p:cNvPr>
@@ -6485,7 +6659,7 @@
           <p:cNvPr id="4" name="Foliennummernplatzhalter 3">
             <a:extLst>
               <a:ext uri="{FF2B5EF4-FFF2-40B4-BE49-F238E27FC236}">
-                <a16:creationId xmlns:a16="http://schemas.microsoft.com/office/drawing/2014/main" id="{3BC8CC53-32C8-455D-ABE8-88D5FA9AA18D}"/>
+                <a16:creationId xmlns:a16="http://schemas.microsoft.com/office/drawing/2014/main" xmlns="" id="{3BC8CC53-32C8-455D-ABE8-88D5FA9AA18D}"/>
               </a:ext>
             </a:extLst>
           </p:cNvPr>
@@ -6509,6 +6683,36 @@
           </a:p>
         </p:txBody>
       </p:sp>
+      <p:pic>
+        <p:nvPicPr>
+          <p:cNvPr id="5" name="Bild 4"/>
+          <p:cNvPicPr>
+            <a:picLocks noChangeAspect="1"/>
+          </p:cNvPicPr>
+          <p:nvPr/>
+        </p:nvPicPr>
+        <p:blipFill>
+          <a:blip r:embed="rId2">
+            <a:extLst>
+              <a:ext uri="{28A0092B-C50C-407E-A947-70E740481C1C}">
+                <a14:useLocalDpi xmlns:a14="http://schemas.microsoft.com/office/drawing/2010/main" val="0"/>
+              </a:ext>
+            </a:extLst>
+          </a:blip>
+          <a:stretch>
+            <a:fillRect/>
+          </a:stretch>
+        </p:blipFill>
+        <p:spPr>
+          <a:xfrm>
+            <a:off x="368300" y="0"/>
+            <a:ext cx="11432798" cy="6858000"/>
+          </a:xfrm>
+          <a:prstGeom prst="rect">
+            <a:avLst/>
+          </a:prstGeom>
+        </p:spPr>
+      </p:pic>
     </p:spTree>
     <p:extLst>
       <p:ext uri="{BB962C8B-B14F-4D97-AF65-F5344CB8AC3E}">
@@ -6544,7 +6748,7 @@
           <p:cNvPr id="2" name="Title 1">
             <a:extLst>
               <a:ext uri="{FF2B5EF4-FFF2-40B4-BE49-F238E27FC236}">
-                <a16:creationId xmlns:a16="http://schemas.microsoft.com/office/drawing/2014/main" id="{BBFD2BFE-57E4-4A51-B59D-1A6DD4DAF801}"/>
+                <a16:creationId xmlns:a16="http://schemas.microsoft.com/office/drawing/2014/main" xmlns="" id="{BBFD2BFE-57E4-4A51-B59D-1A6DD4DAF801}"/>
               </a:ext>
             </a:extLst>
           </p:cNvPr>
@@ -6567,9 +6771,10 @@
           <a:p>
             <a:pPr algn="ctr"/>
             <a:r>
-              <a:rPr lang="de-DE" dirty="0"/>
-              <a:t>Graphentheorie</a:t>
-            </a:r>
+              <a:rPr lang="de-DE" dirty="0" smtClean="0"/>
+              <a:t>Graphentheorie und -erzeugung</a:t>
+            </a:r>
+            <a:endParaRPr lang="de-DE" dirty="0"/>
           </a:p>
         </p:txBody>
       </p:sp>
@@ -6578,7 +6783,7 @@
           <p:cNvPr id="3" name="Content Placeholder 2">
             <a:extLst>
               <a:ext uri="{FF2B5EF4-FFF2-40B4-BE49-F238E27FC236}">
-                <a16:creationId xmlns:a16="http://schemas.microsoft.com/office/drawing/2014/main" id="{B992D437-2AD8-4E4B-AA6B-03A5A0A0E9DB}"/>
+                <a16:creationId xmlns:a16="http://schemas.microsoft.com/office/drawing/2014/main" xmlns="" id="{B992D437-2AD8-4E4B-AA6B-03A5A0A0E9DB}"/>
               </a:ext>
             </a:extLst>
           </p:cNvPr>
@@ -6594,8 +6799,54 @@
           <a:bodyPr/>
           <a:lstStyle/>
           <a:p>
+            <a:r>
+              <a:rPr lang="de-DE" dirty="0" smtClean="0"/>
+              <a:t>Mögliche Spielzustände werden in Graphen dargestellt</a:t>
+            </a:r>
+          </a:p>
+          <a:p>
+            <a:r>
+              <a:rPr lang="de-DE" dirty="0" smtClean="0"/>
+              <a:t>Zustand:</a:t>
+            </a:r>
+          </a:p>
+          <a:p>
+            <a:pPr lvl="1"/>
+            <a:r>
+              <a:rPr lang="de-DE" dirty="0" smtClean="0"/>
+              <a:t>Roboter oder Umgebung (Kind) am Zug?</a:t>
+            </a:r>
+          </a:p>
+          <a:p>
+            <a:pPr lvl="1"/>
+            <a:r>
+              <a:rPr lang="de-DE" dirty="0" smtClean="0"/>
+              <a:t>Position des Roboters</a:t>
+            </a:r>
+          </a:p>
+          <a:p>
+            <a:pPr lvl="1"/>
+            <a:r>
+              <a:rPr lang="de-DE" dirty="0" smtClean="0"/>
+              <a:t>Position des Kindes</a:t>
+            </a:r>
             <a:endParaRPr lang="de-DE" dirty="0"/>
           </a:p>
+          <a:p>
+            <a:r>
+              <a:rPr lang="de-DE" dirty="0" smtClean="0"/>
+              <a:t>Übergänge: Spielzüge Roboter/Kind</a:t>
+            </a:r>
+          </a:p>
+          <a:p>
+            <a:r>
+              <a:rPr lang="de-DE" dirty="0" smtClean="0"/>
+              <a:t>Generierung?????????</a:t>
+            </a:r>
+          </a:p>
+          <a:p>
+            <a:endParaRPr lang="de-DE" dirty="0" smtClean="0"/>
+          </a:p>
         </p:txBody>
       </p:sp>
       <p:sp>
@@ -6603,7 +6854,7 @@
           <p:cNvPr id="4" name="Slide Number Placeholder 3">
             <a:extLst>
               <a:ext uri="{FF2B5EF4-FFF2-40B4-BE49-F238E27FC236}">
-                <a16:creationId xmlns:a16="http://schemas.microsoft.com/office/drawing/2014/main" id="{5E77F37A-6998-484B-B08C-6AF3769D347B}"/>
+                <a16:creationId xmlns:a16="http://schemas.microsoft.com/office/drawing/2014/main" xmlns="" id="{5E77F37A-6998-484B-B08C-6AF3769D347B}"/>
               </a:ext>
             </a:extLst>
           </p:cNvPr>
@@ -6637,6 +6888,13 @@
   <p:clrMapOvr>
     <a:masterClrMapping/>
   </p:clrMapOvr>
+  <p:timing>
+    <p:tnLst>
+      <p:par>
+        <p:cTn id="1" dur="indefinite" restart="never" nodeType="tmRoot"/>
+      </p:par>
+    </p:tnLst>
+  </p:timing>
 </p:sld>
 </file>
 
@@ -6662,7 +6920,7 @@
           <p:cNvPr id="2" name="Titel 1">
             <a:extLst>
               <a:ext uri="{FF2B5EF4-FFF2-40B4-BE49-F238E27FC236}">
-                <a16:creationId xmlns:a16="http://schemas.microsoft.com/office/drawing/2014/main" id="{270E6DA7-7E9F-416C-8BF7-49DA3B46A7E3}"/>
+                <a16:creationId xmlns:a16="http://schemas.microsoft.com/office/drawing/2014/main" xmlns="" id="{270E6DA7-7E9F-416C-8BF7-49DA3B46A7E3}"/>
               </a:ext>
             </a:extLst>
           </p:cNvPr>
@@ -6691,7 +6949,7 @@
           <p:cNvPr id="3" name="Inhaltsplatzhalter 2">
             <a:extLst>
               <a:ext uri="{FF2B5EF4-FFF2-40B4-BE49-F238E27FC236}">
-                <a16:creationId xmlns:a16="http://schemas.microsoft.com/office/drawing/2014/main" id="{D2EEAE80-11B6-4B94-8FA4-EECF75905D99}"/>
+                <a16:creationId xmlns:a16="http://schemas.microsoft.com/office/drawing/2014/main" xmlns="" id="{D2EEAE80-11B6-4B94-8FA4-EECF75905D99}"/>
               </a:ext>
             </a:extLst>
           </p:cNvPr>
@@ -6702,7 +6960,12 @@
             <p:ph idx="1"/>
           </p:nvPr>
         </p:nvSpPr>
-        <p:spPr/>
+        <p:spPr>
+          <a:xfrm>
+            <a:off x="1380066" y="2005012"/>
+            <a:ext cx="10515600" cy="4351338"/>
+          </a:xfrm>
+        </p:spPr>
         <p:txBody>
           <a:bodyPr/>
           <a:lstStyle/>
@@ -6719,7 +6982,7 @@
           <p:cNvPr id="4" name="Foliennummernplatzhalter 3">
             <a:extLst>
               <a:ext uri="{FF2B5EF4-FFF2-40B4-BE49-F238E27FC236}">
-                <a16:creationId xmlns:a16="http://schemas.microsoft.com/office/drawing/2014/main" id="{7F69AB07-BCC7-4E3F-8A9E-FE017903336B}"/>
+                <a16:creationId xmlns:a16="http://schemas.microsoft.com/office/drawing/2014/main" xmlns="" id="{7F69AB07-BCC7-4E3F-8A9E-FE017903336B}"/>
               </a:ext>
             </a:extLst>
           </p:cNvPr>
@@ -6743,6 +7006,36 @@
           </a:p>
         </p:txBody>
       </p:sp>
+      <p:pic>
+        <p:nvPicPr>
+          <p:cNvPr id="6" name="Bild 5"/>
+          <p:cNvPicPr>
+            <a:picLocks noChangeAspect="1"/>
+          </p:cNvPicPr>
+          <p:nvPr/>
+        </p:nvPicPr>
+        <p:blipFill>
+          <a:blip r:embed="rId2">
+            <a:extLst>
+              <a:ext uri="{28A0092B-C50C-407E-A947-70E740481C1C}">
+                <a14:useLocalDpi xmlns:a14="http://schemas.microsoft.com/office/drawing/2010/main" val="0"/>
+              </a:ext>
+            </a:extLst>
+          </a:blip>
+          <a:stretch>
+            <a:fillRect/>
+          </a:stretch>
+        </p:blipFill>
+        <p:spPr>
+          <a:xfrm rot="16200000">
+            <a:off x="2671832" y="-2649637"/>
+            <a:ext cx="6870532" cy="12169803"/>
+          </a:xfrm>
+          <a:prstGeom prst="rect">
+            <a:avLst/>
+          </a:prstGeom>
+        </p:spPr>
+      </p:pic>
     </p:spTree>
     <p:extLst>
       <p:ext uri="{BB962C8B-B14F-4D97-AF65-F5344CB8AC3E}">
@@ -6753,6 +7046,13 @@
   <p:clrMapOvr>
     <a:masterClrMapping/>
   </p:clrMapOvr>
+  <p:timing>
+    <p:tnLst>
+      <p:par>
+        <p:cTn id="1" dur="indefinite" restart="never" nodeType="tmRoot"/>
+      </p:par>
+    </p:tnLst>
+  </p:timing>
 </p:sld>
 </file>
 

--- a/Dokumentation/Roboter.pptx
+++ b/Dokumentation/Roboter.pptx
@@ -13,8 +13,8 @@
     <p:sldId id="258" r:id="rId4"/>
     <p:sldId id="257" r:id="rId5"/>
     <p:sldId id="263" r:id="rId6"/>
-    <p:sldId id="275" r:id="rId7"/>
-    <p:sldId id="262" r:id="rId8"/>
+    <p:sldId id="279" r:id="rId7"/>
+    <p:sldId id="275" r:id="rId8"/>
     <p:sldId id="273" r:id="rId9"/>
     <p:sldId id="271" r:id="rId10"/>
     <p:sldId id="260" r:id="rId11"/>
@@ -213,7 +213,7 @@
           <a:p>
             <a:fld id="{667D6E9C-FEFA-4AE6-9196-67D489BCC82C}" type="datetimeFigureOut">
               <a:rPr lang="de-DE" smtClean="0"/>
-              <a:t>21.03.18</a:t>
+              <a:t>22.03.2018</a:t>
             </a:fld>
             <a:endParaRPr lang="de-DE"/>
           </a:p>
@@ -371,7 +371,7 @@
           <a:p>
             <a:fld id="{30FCFFD0-1C19-40D0-BB6D-B2352B27AFEB}" type="slidenum">
               <a:rPr lang="de-DE" smtClean="0"/>
-              <a:t>‹Nr.›</a:t>
+              <a:t>‹#›</a:t>
             </a:fld>
             <a:endParaRPr lang="de-DE"/>
           </a:p>
@@ -502,7 +502,7 @@
           <p:cNvPr id="2" name="Titel 1">
             <a:extLst>
               <a:ext uri="{FF2B5EF4-FFF2-40B4-BE49-F238E27FC236}">
-                <a16:creationId xmlns:a16="http://schemas.microsoft.com/office/drawing/2014/main" xmlns="" id="{8DAA5488-17B1-45FF-81F3-21EFC66F5B3C}"/>
+                <a16:creationId xmlns:a16="http://schemas.microsoft.com/office/drawing/2014/main" id="{8DAA5488-17B1-45FF-81F3-21EFC66F5B3C}"/>
               </a:ext>
             </a:extLst>
           </p:cNvPr>
@@ -539,7 +539,7 @@
           <p:cNvPr id="3" name="Untertitel 2">
             <a:extLst>
               <a:ext uri="{FF2B5EF4-FFF2-40B4-BE49-F238E27FC236}">
-                <a16:creationId xmlns:a16="http://schemas.microsoft.com/office/drawing/2014/main" xmlns="" id="{49EA3FCD-3D43-4ACA-99B4-E4B07D493937}"/>
+                <a16:creationId xmlns:a16="http://schemas.microsoft.com/office/drawing/2014/main" id="{49EA3FCD-3D43-4ACA-99B4-E4B07D493937}"/>
               </a:ext>
             </a:extLst>
           </p:cNvPr>
@@ -609,7 +609,7 @@
           <p:cNvPr id="4" name="Datumsplatzhalter 3">
             <a:extLst>
               <a:ext uri="{FF2B5EF4-FFF2-40B4-BE49-F238E27FC236}">
-                <a16:creationId xmlns:a16="http://schemas.microsoft.com/office/drawing/2014/main" xmlns="" id="{CDADDD12-B82E-4C5A-B3F4-24C4B3B8EC3D}"/>
+                <a16:creationId xmlns:a16="http://schemas.microsoft.com/office/drawing/2014/main" id="{CDADDD12-B82E-4C5A-B3F4-24C4B3B8EC3D}"/>
               </a:ext>
             </a:extLst>
           </p:cNvPr>
@@ -627,7 +627,7 @@
           <a:p>
             <a:fld id="{23EB666B-F6D4-4DC2-BA2B-5CF0827327F0}" type="datetime1">
               <a:rPr lang="de-DE" smtClean="0"/>
-              <a:t>21.03.18</a:t>
+              <a:t>22.03.2018</a:t>
             </a:fld>
             <a:endParaRPr lang="de-DE"/>
           </a:p>
@@ -638,7 +638,7 @@
           <p:cNvPr id="5" name="Fußzeilenplatzhalter 4">
             <a:extLst>
               <a:ext uri="{FF2B5EF4-FFF2-40B4-BE49-F238E27FC236}">
-                <a16:creationId xmlns:a16="http://schemas.microsoft.com/office/drawing/2014/main" xmlns="" id="{002B6804-B339-4589-A7B1-0F2319C47445}"/>
+                <a16:creationId xmlns:a16="http://schemas.microsoft.com/office/drawing/2014/main" id="{002B6804-B339-4589-A7B1-0F2319C47445}"/>
               </a:ext>
             </a:extLst>
           </p:cNvPr>
@@ -663,7 +663,7 @@
           <p:cNvPr id="6" name="Foliennummernplatzhalter 5">
             <a:extLst>
               <a:ext uri="{FF2B5EF4-FFF2-40B4-BE49-F238E27FC236}">
-                <a16:creationId xmlns:a16="http://schemas.microsoft.com/office/drawing/2014/main" xmlns="" id="{74E8F7EA-C9B6-492F-A528-122410219F45}"/>
+                <a16:creationId xmlns:a16="http://schemas.microsoft.com/office/drawing/2014/main" id="{74E8F7EA-C9B6-492F-A528-122410219F45}"/>
               </a:ext>
             </a:extLst>
           </p:cNvPr>
@@ -681,7 +681,7 @@
           <a:p>
             <a:fld id="{24C7E509-D680-4DB8-B87E-B8EC2E347686}" type="slidenum">
               <a:rPr lang="de-DE" smtClean="0"/>
-              <a:t>‹Nr.›</a:t>
+              <a:t>‹#›</a:t>
             </a:fld>
             <a:endParaRPr lang="de-DE"/>
           </a:p>
@@ -722,7 +722,7 @@
           <p:cNvPr id="2" name="Titel 1">
             <a:extLst>
               <a:ext uri="{FF2B5EF4-FFF2-40B4-BE49-F238E27FC236}">
-                <a16:creationId xmlns:a16="http://schemas.microsoft.com/office/drawing/2014/main" xmlns="" id="{EC8EB34A-6CA8-4518-B918-0B6FD7FBFD74}"/>
+                <a16:creationId xmlns:a16="http://schemas.microsoft.com/office/drawing/2014/main" id="{EC8EB34A-6CA8-4518-B918-0B6FD7FBFD74}"/>
               </a:ext>
             </a:extLst>
           </p:cNvPr>
@@ -750,7 +750,7 @@
           <p:cNvPr id="3" name="Vertikaler Textplatzhalter 2">
             <a:extLst>
               <a:ext uri="{FF2B5EF4-FFF2-40B4-BE49-F238E27FC236}">
-                <a16:creationId xmlns:a16="http://schemas.microsoft.com/office/drawing/2014/main" xmlns="" id="{09A5460F-5D03-4E09-8AD5-D8FA54A87B9E}"/>
+                <a16:creationId xmlns:a16="http://schemas.microsoft.com/office/drawing/2014/main" id="{09A5460F-5D03-4E09-8AD5-D8FA54A87B9E}"/>
               </a:ext>
             </a:extLst>
           </p:cNvPr>
@@ -807,7 +807,7 @@
           <p:cNvPr id="4" name="Datumsplatzhalter 3">
             <a:extLst>
               <a:ext uri="{FF2B5EF4-FFF2-40B4-BE49-F238E27FC236}">
-                <a16:creationId xmlns:a16="http://schemas.microsoft.com/office/drawing/2014/main" xmlns="" id="{54BF5B18-4CD6-47A7-906B-54B05584FBC3}"/>
+                <a16:creationId xmlns:a16="http://schemas.microsoft.com/office/drawing/2014/main" id="{54BF5B18-4CD6-47A7-906B-54B05584FBC3}"/>
               </a:ext>
             </a:extLst>
           </p:cNvPr>
@@ -825,7 +825,7 @@
           <a:p>
             <a:fld id="{DDC6096B-34AB-48A6-8B0B-AA3C911221CC}" type="datetime1">
               <a:rPr lang="de-DE" smtClean="0"/>
-              <a:t>21.03.18</a:t>
+              <a:t>22.03.2018</a:t>
             </a:fld>
             <a:endParaRPr lang="de-DE"/>
           </a:p>
@@ -836,7 +836,7 @@
           <p:cNvPr id="5" name="Fußzeilenplatzhalter 4">
             <a:extLst>
               <a:ext uri="{FF2B5EF4-FFF2-40B4-BE49-F238E27FC236}">
-                <a16:creationId xmlns:a16="http://schemas.microsoft.com/office/drawing/2014/main" xmlns="" id="{025004E2-97DF-4EF0-88CC-0B9930F3FAC7}"/>
+                <a16:creationId xmlns:a16="http://schemas.microsoft.com/office/drawing/2014/main" id="{025004E2-97DF-4EF0-88CC-0B9930F3FAC7}"/>
               </a:ext>
             </a:extLst>
           </p:cNvPr>
@@ -861,7 +861,7 @@
           <p:cNvPr id="6" name="Foliennummernplatzhalter 5">
             <a:extLst>
               <a:ext uri="{FF2B5EF4-FFF2-40B4-BE49-F238E27FC236}">
-                <a16:creationId xmlns:a16="http://schemas.microsoft.com/office/drawing/2014/main" xmlns="" id="{F78CAB8B-4EE1-4261-9262-994E8D389456}"/>
+                <a16:creationId xmlns:a16="http://schemas.microsoft.com/office/drawing/2014/main" id="{F78CAB8B-4EE1-4261-9262-994E8D389456}"/>
               </a:ext>
             </a:extLst>
           </p:cNvPr>
@@ -879,7 +879,7 @@
           <a:p>
             <a:fld id="{24C7E509-D680-4DB8-B87E-B8EC2E347686}" type="slidenum">
               <a:rPr lang="de-DE" smtClean="0"/>
-              <a:t>‹Nr.›</a:t>
+              <a:t>‹#›</a:t>
             </a:fld>
             <a:endParaRPr lang="de-DE"/>
           </a:p>
@@ -920,7 +920,7 @@
           <p:cNvPr id="2" name="Vertikaler Titel 1">
             <a:extLst>
               <a:ext uri="{FF2B5EF4-FFF2-40B4-BE49-F238E27FC236}">
-                <a16:creationId xmlns:a16="http://schemas.microsoft.com/office/drawing/2014/main" xmlns="" id="{B8EF1F10-3DD2-4400-A9ED-FC248A55D9D7}"/>
+                <a16:creationId xmlns:a16="http://schemas.microsoft.com/office/drawing/2014/main" id="{B8EF1F10-3DD2-4400-A9ED-FC248A55D9D7}"/>
               </a:ext>
             </a:extLst>
           </p:cNvPr>
@@ -953,7 +953,7 @@
           <p:cNvPr id="3" name="Vertikaler Textplatzhalter 2">
             <a:extLst>
               <a:ext uri="{FF2B5EF4-FFF2-40B4-BE49-F238E27FC236}">
-                <a16:creationId xmlns:a16="http://schemas.microsoft.com/office/drawing/2014/main" xmlns="" id="{F3444A10-1E2C-4191-B026-84BCCC9D81D4}"/>
+                <a16:creationId xmlns:a16="http://schemas.microsoft.com/office/drawing/2014/main" id="{F3444A10-1E2C-4191-B026-84BCCC9D81D4}"/>
               </a:ext>
             </a:extLst>
           </p:cNvPr>
@@ -1015,7 +1015,7 @@
           <p:cNvPr id="4" name="Datumsplatzhalter 3">
             <a:extLst>
               <a:ext uri="{FF2B5EF4-FFF2-40B4-BE49-F238E27FC236}">
-                <a16:creationId xmlns:a16="http://schemas.microsoft.com/office/drawing/2014/main" xmlns="" id="{1E1E074D-5C0D-48DA-B42D-17BB41F2E87E}"/>
+                <a16:creationId xmlns:a16="http://schemas.microsoft.com/office/drawing/2014/main" id="{1E1E074D-5C0D-48DA-B42D-17BB41F2E87E}"/>
               </a:ext>
             </a:extLst>
           </p:cNvPr>
@@ -1033,7 +1033,7 @@
           <a:p>
             <a:fld id="{407FD86E-BFFD-4661-835C-7D0E258F6D22}" type="datetime1">
               <a:rPr lang="de-DE" smtClean="0"/>
-              <a:t>21.03.18</a:t>
+              <a:t>22.03.2018</a:t>
             </a:fld>
             <a:endParaRPr lang="de-DE"/>
           </a:p>
@@ -1044,7 +1044,7 @@
           <p:cNvPr id="5" name="Fußzeilenplatzhalter 4">
             <a:extLst>
               <a:ext uri="{FF2B5EF4-FFF2-40B4-BE49-F238E27FC236}">
-                <a16:creationId xmlns:a16="http://schemas.microsoft.com/office/drawing/2014/main" xmlns="" id="{A2B4BF41-463C-4311-9EFC-BA708AFAFB0A}"/>
+                <a16:creationId xmlns:a16="http://schemas.microsoft.com/office/drawing/2014/main" id="{A2B4BF41-463C-4311-9EFC-BA708AFAFB0A}"/>
               </a:ext>
             </a:extLst>
           </p:cNvPr>
@@ -1069,7 +1069,7 @@
           <p:cNvPr id="6" name="Foliennummernplatzhalter 5">
             <a:extLst>
               <a:ext uri="{FF2B5EF4-FFF2-40B4-BE49-F238E27FC236}">
-                <a16:creationId xmlns:a16="http://schemas.microsoft.com/office/drawing/2014/main" xmlns="" id="{BBF93051-75E2-4C4C-A973-BD100EC29035}"/>
+                <a16:creationId xmlns:a16="http://schemas.microsoft.com/office/drawing/2014/main" id="{BBF93051-75E2-4C4C-A973-BD100EC29035}"/>
               </a:ext>
             </a:extLst>
           </p:cNvPr>
@@ -1087,7 +1087,7 @@
           <a:p>
             <a:fld id="{24C7E509-D680-4DB8-B87E-B8EC2E347686}" type="slidenum">
               <a:rPr lang="de-DE" smtClean="0"/>
-              <a:t>‹Nr.›</a:t>
+              <a:t>‹#›</a:t>
             </a:fld>
             <a:endParaRPr lang="de-DE"/>
           </a:p>
@@ -1128,7 +1128,7 @@
           <p:cNvPr id="2" name="Titel 1">
             <a:extLst>
               <a:ext uri="{FF2B5EF4-FFF2-40B4-BE49-F238E27FC236}">
-                <a16:creationId xmlns:a16="http://schemas.microsoft.com/office/drawing/2014/main" xmlns="" id="{C4EE41AB-8BD2-4C18-B8AF-7D3A12497695}"/>
+                <a16:creationId xmlns:a16="http://schemas.microsoft.com/office/drawing/2014/main" id="{C4EE41AB-8BD2-4C18-B8AF-7D3A12497695}"/>
               </a:ext>
             </a:extLst>
           </p:cNvPr>
@@ -1156,7 +1156,7 @@
           <p:cNvPr id="3" name="Inhaltsplatzhalter 2">
             <a:extLst>
               <a:ext uri="{FF2B5EF4-FFF2-40B4-BE49-F238E27FC236}">
-                <a16:creationId xmlns:a16="http://schemas.microsoft.com/office/drawing/2014/main" xmlns="" id="{7BB11243-D225-48CD-AFF9-64186D43EC1E}"/>
+                <a16:creationId xmlns:a16="http://schemas.microsoft.com/office/drawing/2014/main" id="{7BB11243-D225-48CD-AFF9-64186D43EC1E}"/>
               </a:ext>
             </a:extLst>
           </p:cNvPr>
@@ -1213,7 +1213,7 @@
           <p:cNvPr id="4" name="Datumsplatzhalter 3">
             <a:extLst>
               <a:ext uri="{FF2B5EF4-FFF2-40B4-BE49-F238E27FC236}">
-                <a16:creationId xmlns:a16="http://schemas.microsoft.com/office/drawing/2014/main" xmlns="" id="{F3CC708E-F96F-425F-867B-53523F205809}"/>
+                <a16:creationId xmlns:a16="http://schemas.microsoft.com/office/drawing/2014/main" id="{F3CC708E-F96F-425F-867B-53523F205809}"/>
               </a:ext>
             </a:extLst>
           </p:cNvPr>
@@ -1231,7 +1231,7 @@
           <a:p>
             <a:fld id="{0060243F-1866-4F8D-A2B2-76D33461B3CF}" type="datetime1">
               <a:rPr lang="de-DE" smtClean="0"/>
-              <a:t>21.03.18</a:t>
+              <a:t>22.03.2018</a:t>
             </a:fld>
             <a:endParaRPr lang="de-DE"/>
           </a:p>
@@ -1242,7 +1242,7 @@
           <p:cNvPr id="5" name="Fußzeilenplatzhalter 4">
             <a:extLst>
               <a:ext uri="{FF2B5EF4-FFF2-40B4-BE49-F238E27FC236}">
-                <a16:creationId xmlns:a16="http://schemas.microsoft.com/office/drawing/2014/main" xmlns="" id="{EC9383E3-AE45-4B1B-9706-67C370C4DE78}"/>
+                <a16:creationId xmlns:a16="http://schemas.microsoft.com/office/drawing/2014/main" id="{EC9383E3-AE45-4B1B-9706-67C370C4DE78}"/>
               </a:ext>
             </a:extLst>
           </p:cNvPr>
@@ -1267,7 +1267,7 @@
           <p:cNvPr id="6" name="Foliennummernplatzhalter 5">
             <a:extLst>
               <a:ext uri="{FF2B5EF4-FFF2-40B4-BE49-F238E27FC236}">
-                <a16:creationId xmlns:a16="http://schemas.microsoft.com/office/drawing/2014/main" xmlns="" id="{82BB7911-EA6D-448A-9055-381FFA87FD15}"/>
+                <a16:creationId xmlns:a16="http://schemas.microsoft.com/office/drawing/2014/main" id="{82BB7911-EA6D-448A-9055-381FFA87FD15}"/>
               </a:ext>
             </a:extLst>
           </p:cNvPr>
@@ -1285,7 +1285,7 @@
           <a:p>
             <a:fld id="{24C7E509-D680-4DB8-B87E-B8EC2E347686}" type="slidenum">
               <a:rPr lang="de-DE" smtClean="0"/>
-              <a:t>‹Nr.›</a:t>
+              <a:t>‹#›</a:t>
             </a:fld>
             <a:endParaRPr lang="de-DE"/>
           </a:p>
@@ -1326,7 +1326,7 @@
           <p:cNvPr id="2" name="Titel 1">
             <a:extLst>
               <a:ext uri="{FF2B5EF4-FFF2-40B4-BE49-F238E27FC236}">
-                <a16:creationId xmlns:a16="http://schemas.microsoft.com/office/drawing/2014/main" xmlns="" id="{F7EB64A0-A73B-4BD6-A5E9-EF5EB171158A}"/>
+                <a16:creationId xmlns:a16="http://schemas.microsoft.com/office/drawing/2014/main" id="{F7EB64A0-A73B-4BD6-A5E9-EF5EB171158A}"/>
               </a:ext>
             </a:extLst>
           </p:cNvPr>
@@ -1363,7 +1363,7 @@
           <p:cNvPr id="3" name="Textplatzhalter 2">
             <a:extLst>
               <a:ext uri="{FF2B5EF4-FFF2-40B4-BE49-F238E27FC236}">
-                <a16:creationId xmlns:a16="http://schemas.microsoft.com/office/drawing/2014/main" xmlns="" id="{6DB1B29C-1182-479E-825E-76F4FF413657}"/>
+                <a16:creationId xmlns:a16="http://schemas.microsoft.com/office/drawing/2014/main" id="{6DB1B29C-1182-479E-825E-76F4FF413657}"/>
               </a:ext>
             </a:extLst>
           </p:cNvPr>
@@ -1488,7 +1488,7 @@
           <p:cNvPr id="4" name="Datumsplatzhalter 3">
             <a:extLst>
               <a:ext uri="{FF2B5EF4-FFF2-40B4-BE49-F238E27FC236}">
-                <a16:creationId xmlns:a16="http://schemas.microsoft.com/office/drawing/2014/main" xmlns="" id="{F6B250BD-425E-4186-B40B-5594FF9C2697}"/>
+                <a16:creationId xmlns:a16="http://schemas.microsoft.com/office/drawing/2014/main" id="{F6B250BD-425E-4186-B40B-5594FF9C2697}"/>
               </a:ext>
             </a:extLst>
           </p:cNvPr>
@@ -1506,7 +1506,7 @@
           <a:p>
             <a:fld id="{30F3688E-8457-4C6B-8C67-700B1B4DC1E7}" type="datetime1">
               <a:rPr lang="de-DE" smtClean="0"/>
-              <a:t>21.03.18</a:t>
+              <a:t>22.03.2018</a:t>
             </a:fld>
             <a:endParaRPr lang="de-DE"/>
           </a:p>
@@ -1517,7 +1517,7 @@
           <p:cNvPr id="5" name="Fußzeilenplatzhalter 4">
             <a:extLst>
               <a:ext uri="{FF2B5EF4-FFF2-40B4-BE49-F238E27FC236}">
-                <a16:creationId xmlns:a16="http://schemas.microsoft.com/office/drawing/2014/main" xmlns="" id="{A64762E0-B1B9-4BCD-8C3D-B6AB09DAFF3E}"/>
+                <a16:creationId xmlns:a16="http://schemas.microsoft.com/office/drawing/2014/main" id="{A64762E0-B1B9-4BCD-8C3D-B6AB09DAFF3E}"/>
               </a:ext>
             </a:extLst>
           </p:cNvPr>
@@ -1542,7 +1542,7 @@
           <p:cNvPr id="6" name="Foliennummernplatzhalter 5">
             <a:extLst>
               <a:ext uri="{FF2B5EF4-FFF2-40B4-BE49-F238E27FC236}">
-                <a16:creationId xmlns:a16="http://schemas.microsoft.com/office/drawing/2014/main" xmlns="" id="{08248617-91F7-4D23-872F-952F226380E4}"/>
+                <a16:creationId xmlns:a16="http://schemas.microsoft.com/office/drawing/2014/main" id="{08248617-91F7-4D23-872F-952F226380E4}"/>
               </a:ext>
             </a:extLst>
           </p:cNvPr>
@@ -1560,7 +1560,7 @@
           <a:p>
             <a:fld id="{24C7E509-D680-4DB8-B87E-B8EC2E347686}" type="slidenum">
               <a:rPr lang="de-DE" smtClean="0"/>
-              <a:t>‹Nr.›</a:t>
+              <a:t>‹#›</a:t>
             </a:fld>
             <a:endParaRPr lang="de-DE"/>
           </a:p>
@@ -1601,7 +1601,7 @@
           <p:cNvPr id="2" name="Titel 1">
             <a:extLst>
               <a:ext uri="{FF2B5EF4-FFF2-40B4-BE49-F238E27FC236}">
-                <a16:creationId xmlns:a16="http://schemas.microsoft.com/office/drawing/2014/main" xmlns="" id="{65A955DD-42A8-4F89-BB48-220A47174945}"/>
+                <a16:creationId xmlns:a16="http://schemas.microsoft.com/office/drawing/2014/main" id="{65A955DD-42A8-4F89-BB48-220A47174945}"/>
               </a:ext>
             </a:extLst>
           </p:cNvPr>
@@ -1629,7 +1629,7 @@
           <p:cNvPr id="3" name="Inhaltsplatzhalter 2">
             <a:extLst>
               <a:ext uri="{FF2B5EF4-FFF2-40B4-BE49-F238E27FC236}">
-                <a16:creationId xmlns:a16="http://schemas.microsoft.com/office/drawing/2014/main" xmlns="" id="{63E73B94-2695-4767-94E6-E546AE2D73A2}"/>
+                <a16:creationId xmlns:a16="http://schemas.microsoft.com/office/drawing/2014/main" id="{63E73B94-2695-4767-94E6-E546AE2D73A2}"/>
               </a:ext>
             </a:extLst>
           </p:cNvPr>
@@ -1691,7 +1691,7 @@
           <p:cNvPr id="4" name="Inhaltsplatzhalter 3">
             <a:extLst>
               <a:ext uri="{FF2B5EF4-FFF2-40B4-BE49-F238E27FC236}">
-                <a16:creationId xmlns:a16="http://schemas.microsoft.com/office/drawing/2014/main" xmlns="" id="{12F70BFE-CDD9-4F3F-95D1-87CD1D696576}"/>
+                <a16:creationId xmlns:a16="http://schemas.microsoft.com/office/drawing/2014/main" id="{12F70BFE-CDD9-4F3F-95D1-87CD1D696576}"/>
               </a:ext>
             </a:extLst>
           </p:cNvPr>
@@ -1753,7 +1753,7 @@
           <p:cNvPr id="5" name="Datumsplatzhalter 4">
             <a:extLst>
               <a:ext uri="{FF2B5EF4-FFF2-40B4-BE49-F238E27FC236}">
-                <a16:creationId xmlns:a16="http://schemas.microsoft.com/office/drawing/2014/main" xmlns="" id="{8A565719-570F-4D90-AB57-9A538F0BDBC6}"/>
+                <a16:creationId xmlns:a16="http://schemas.microsoft.com/office/drawing/2014/main" id="{8A565719-570F-4D90-AB57-9A538F0BDBC6}"/>
               </a:ext>
             </a:extLst>
           </p:cNvPr>
@@ -1771,7 +1771,7 @@
           <a:p>
             <a:fld id="{41230D57-A438-4C3F-9F84-4C5C291E5A5F}" type="datetime1">
               <a:rPr lang="de-DE" smtClean="0"/>
-              <a:t>21.03.18</a:t>
+              <a:t>22.03.2018</a:t>
             </a:fld>
             <a:endParaRPr lang="de-DE"/>
           </a:p>
@@ -1782,7 +1782,7 @@
           <p:cNvPr id="6" name="Fußzeilenplatzhalter 5">
             <a:extLst>
               <a:ext uri="{FF2B5EF4-FFF2-40B4-BE49-F238E27FC236}">
-                <a16:creationId xmlns:a16="http://schemas.microsoft.com/office/drawing/2014/main" xmlns="" id="{72A0590A-8068-4022-B0D6-18311A8E7421}"/>
+                <a16:creationId xmlns:a16="http://schemas.microsoft.com/office/drawing/2014/main" id="{72A0590A-8068-4022-B0D6-18311A8E7421}"/>
               </a:ext>
             </a:extLst>
           </p:cNvPr>
@@ -1807,7 +1807,7 @@
           <p:cNvPr id="7" name="Foliennummernplatzhalter 6">
             <a:extLst>
               <a:ext uri="{FF2B5EF4-FFF2-40B4-BE49-F238E27FC236}">
-                <a16:creationId xmlns:a16="http://schemas.microsoft.com/office/drawing/2014/main" xmlns="" id="{C83166D0-9F64-495C-9E4F-5A65927073B3}"/>
+                <a16:creationId xmlns:a16="http://schemas.microsoft.com/office/drawing/2014/main" id="{C83166D0-9F64-495C-9E4F-5A65927073B3}"/>
               </a:ext>
             </a:extLst>
           </p:cNvPr>
@@ -1825,7 +1825,7 @@
           <a:p>
             <a:fld id="{24C7E509-D680-4DB8-B87E-B8EC2E347686}" type="slidenum">
               <a:rPr lang="de-DE" smtClean="0"/>
-              <a:t>‹Nr.›</a:t>
+              <a:t>‹#›</a:t>
             </a:fld>
             <a:endParaRPr lang="de-DE"/>
           </a:p>
@@ -1866,7 +1866,7 @@
           <p:cNvPr id="2" name="Titel 1">
             <a:extLst>
               <a:ext uri="{FF2B5EF4-FFF2-40B4-BE49-F238E27FC236}">
-                <a16:creationId xmlns:a16="http://schemas.microsoft.com/office/drawing/2014/main" xmlns="" id="{1C417242-0BDC-4FFF-852D-6284D0A90826}"/>
+                <a16:creationId xmlns:a16="http://schemas.microsoft.com/office/drawing/2014/main" id="{1C417242-0BDC-4FFF-852D-6284D0A90826}"/>
               </a:ext>
             </a:extLst>
           </p:cNvPr>
@@ -1899,7 +1899,7 @@
           <p:cNvPr id="3" name="Textplatzhalter 2">
             <a:extLst>
               <a:ext uri="{FF2B5EF4-FFF2-40B4-BE49-F238E27FC236}">
-                <a16:creationId xmlns:a16="http://schemas.microsoft.com/office/drawing/2014/main" xmlns="" id="{1B30064E-271D-47A2-BC0C-925A7546C475}"/>
+                <a16:creationId xmlns:a16="http://schemas.microsoft.com/office/drawing/2014/main" id="{1B30064E-271D-47A2-BC0C-925A7546C475}"/>
               </a:ext>
             </a:extLst>
           </p:cNvPr>
@@ -1970,7 +1970,7 @@
           <p:cNvPr id="4" name="Inhaltsplatzhalter 3">
             <a:extLst>
               <a:ext uri="{FF2B5EF4-FFF2-40B4-BE49-F238E27FC236}">
-                <a16:creationId xmlns:a16="http://schemas.microsoft.com/office/drawing/2014/main" xmlns="" id="{6F27B6C5-5982-4A68-91FD-06F07638CEA6}"/>
+                <a16:creationId xmlns:a16="http://schemas.microsoft.com/office/drawing/2014/main" id="{6F27B6C5-5982-4A68-91FD-06F07638CEA6}"/>
               </a:ext>
             </a:extLst>
           </p:cNvPr>
@@ -2032,7 +2032,7 @@
           <p:cNvPr id="5" name="Textplatzhalter 4">
             <a:extLst>
               <a:ext uri="{FF2B5EF4-FFF2-40B4-BE49-F238E27FC236}">
-                <a16:creationId xmlns:a16="http://schemas.microsoft.com/office/drawing/2014/main" xmlns="" id="{C7604F73-6C89-4198-BB8F-B837C02FC668}"/>
+                <a16:creationId xmlns:a16="http://schemas.microsoft.com/office/drawing/2014/main" id="{C7604F73-6C89-4198-BB8F-B837C02FC668}"/>
               </a:ext>
             </a:extLst>
           </p:cNvPr>
@@ -2103,7 +2103,7 @@
           <p:cNvPr id="6" name="Inhaltsplatzhalter 5">
             <a:extLst>
               <a:ext uri="{FF2B5EF4-FFF2-40B4-BE49-F238E27FC236}">
-                <a16:creationId xmlns:a16="http://schemas.microsoft.com/office/drawing/2014/main" xmlns="" id="{325AA58D-18A1-4DA7-934F-612D75CE806F}"/>
+                <a16:creationId xmlns:a16="http://schemas.microsoft.com/office/drawing/2014/main" id="{325AA58D-18A1-4DA7-934F-612D75CE806F}"/>
               </a:ext>
             </a:extLst>
           </p:cNvPr>
@@ -2165,7 +2165,7 @@
           <p:cNvPr id="7" name="Datumsplatzhalter 6">
             <a:extLst>
               <a:ext uri="{FF2B5EF4-FFF2-40B4-BE49-F238E27FC236}">
-                <a16:creationId xmlns:a16="http://schemas.microsoft.com/office/drawing/2014/main" xmlns="" id="{9F15F3D8-5C2F-417C-B257-549166BA28AE}"/>
+                <a16:creationId xmlns:a16="http://schemas.microsoft.com/office/drawing/2014/main" id="{9F15F3D8-5C2F-417C-B257-549166BA28AE}"/>
               </a:ext>
             </a:extLst>
           </p:cNvPr>
@@ -2183,7 +2183,7 @@
           <a:p>
             <a:fld id="{AF62F608-86F1-40CF-82FC-1C147C3DD224}" type="datetime1">
               <a:rPr lang="de-DE" smtClean="0"/>
-              <a:t>21.03.18</a:t>
+              <a:t>22.03.2018</a:t>
             </a:fld>
             <a:endParaRPr lang="de-DE"/>
           </a:p>
@@ -2194,7 +2194,7 @@
           <p:cNvPr id="8" name="Fußzeilenplatzhalter 7">
             <a:extLst>
               <a:ext uri="{FF2B5EF4-FFF2-40B4-BE49-F238E27FC236}">
-                <a16:creationId xmlns:a16="http://schemas.microsoft.com/office/drawing/2014/main" xmlns="" id="{475FF603-B123-4D53-95C9-BC1941CFEF51}"/>
+                <a16:creationId xmlns:a16="http://schemas.microsoft.com/office/drawing/2014/main" id="{475FF603-B123-4D53-95C9-BC1941CFEF51}"/>
               </a:ext>
             </a:extLst>
           </p:cNvPr>
@@ -2219,7 +2219,7 @@
           <p:cNvPr id="9" name="Foliennummernplatzhalter 8">
             <a:extLst>
               <a:ext uri="{FF2B5EF4-FFF2-40B4-BE49-F238E27FC236}">
-                <a16:creationId xmlns:a16="http://schemas.microsoft.com/office/drawing/2014/main" xmlns="" id="{5DF1DD4F-A8A7-4D67-AD7E-9EF2D2190292}"/>
+                <a16:creationId xmlns:a16="http://schemas.microsoft.com/office/drawing/2014/main" id="{5DF1DD4F-A8A7-4D67-AD7E-9EF2D2190292}"/>
               </a:ext>
             </a:extLst>
           </p:cNvPr>
@@ -2237,7 +2237,7 @@
           <a:p>
             <a:fld id="{24C7E509-D680-4DB8-B87E-B8EC2E347686}" type="slidenum">
               <a:rPr lang="de-DE" smtClean="0"/>
-              <a:t>‹Nr.›</a:t>
+              <a:t>‹#›</a:t>
             </a:fld>
             <a:endParaRPr lang="de-DE"/>
           </a:p>
@@ -2278,7 +2278,7 @@
           <p:cNvPr id="2" name="Titel 1">
             <a:extLst>
               <a:ext uri="{FF2B5EF4-FFF2-40B4-BE49-F238E27FC236}">
-                <a16:creationId xmlns:a16="http://schemas.microsoft.com/office/drawing/2014/main" xmlns="" id="{93F79F45-E779-4E72-89D3-932934929361}"/>
+                <a16:creationId xmlns:a16="http://schemas.microsoft.com/office/drawing/2014/main" id="{93F79F45-E779-4E72-89D3-932934929361}"/>
               </a:ext>
             </a:extLst>
           </p:cNvPr>
@@ -2306,7 +2306,7 @@
           <p:cNvPr id="3" name="Datumsplatzhalter 2">
             <a:extLst>
               <a:ext uri="{FF2B5EF4-FFF2-40B4-BE49-F238E27FC236}">
-                <a16:creationId xmlns:a16="http://schemas.microsoft.com/office/drawing/2014/main" xmlns="" id="{557E0A61-9814-4B3F-ABB5-BA450BD4068D}"/>
+                <a16:creationId xmlns:a16="http://schemas.microsoft.com/office/drawing/2014/main" id="{557E0A61-9814-4B3F-ABB5-BA450BD4068D}"/>
               </a:ext>
             </a:extLst>
           </p:cNvPr>
@@ -2324,7 +2324,7 @@
           <a:p>
             <a:fld id="{A171A553-3517-40AF-B856-21919B4E6188}" type="datetime1">
               <a:rPr lang="de-DE" smtClean="0"/>
-              <a:t>21.03.18</a:t>
+              <a:t>22.03.2018</a:t>
             </a:fld>
             <a:endParaRPr lang="de-DE"/>
           </a:p>
@@ -2335,7 +2335,7 @@
           <p:cNvPr id="4" name="Fußzeilenplatzhalter 3">
             <a:extLst>
               <a:ext uri="{FF2B5EF4-FFF2-40B4-BE49-F238E27FC236}">
-                <a16:creationId xmlns:a16="http://schemas.microsoft.com/office/drawing/2014/main" xmlns="" id="{A87ACCDF-3E97-4BD5-B604-C724D5F158A3}"/>
+                <a16:creationId xmlns:a16="http://schemas.microsoft.com/office/drawing/2014/main" id="{A87ACCDF-3E97-4BD5-B604-C724D5F158A3}"/>
               </a:ext>
             </a:extLst>
           </p:cNvPr>
@@ -2360,7 +2360,7 @@
           <p:cNvPr id="5" name="Foliennummernplatzhalter 4">
             <a:extLst>
               <a:ext uri="{FF2B5EF4-FFF2-40B4-BE49-F238E27FC236}">
-                <a16:creationId xmlns:a16="http://schemas.microsoft.com/office/drawing/2014/main" xmlns="" id="{EF38A0D8-245A-4FB4-AA78-4A88E3E23565}"/>
+                <a16:creationId xmlns:a16="http://schemas.microsoft.com/office/drawing/2014/main" id="{EF38A0D8-245A-4FB4-AA78-4A88E3E23565}"/>
               </a:ext>
             </a:extLst>
           </p:cNvPr>
@@ -2378,7 +2378,7 @@
           <a:p>
             <a:fld id="{24C7E509-D680-4DB8-B87E-B8EC2E347686}" type="slidenum">
               <a:rPr lang="de-DE" smtClean="0"/>
-              <a:t>‹Nr.›</a:t>
+              <a:t>‹#›</a:t>
             </a:fld>
             <a:endParaRPr lang="de-DE"/>
           </a:p>
@@ -2419,7 +2419,7 @@
           <p:cNvPr id="2" name="Datumsplatzhalter 1">
             <a:extLst>
               <a:ext uri="{FF2B5EF4-FFF2-40B4-BE49-F238E27FC236}">
-                <a16:creationId xmlns:a16="http://schemas.microsoft.com/office/drawing/2014/main" xmlns="" id="{F1D8BBAD-C5C8-46E0-9976-5F920E34DD7E}"/>
+                <a16:creationId xmlns:a16="http://schemas.microsoft.com/office/drawing/2014/main" id="{F1D8BBAD-C5C8-46E0-9976-5F920E34DD7E}"/>
               </a:ext>
             </a:extLst>
           </p:cNvPr>
@@ -2437,7 +2437,7 @@
           <a:p>
             <a:fld id="{793C024D-9082-4157-A667-CF73921D3E21}" type="datetime1">
               <a:rPr lang="de-DE" smtClean="0"/>
-              <a:t>21.03.18</a:t>
+              <a:t>22.03.2018</a:t>
             </a:fld>
             <a:endParaRPr lang="de-DE"/>
           </a:p>
@@ -2448,7 +2448,7 @@
           <p:cNvPr id="3" name="Fußzeilenplatzhalter 2">
             <a:extLst>
               <a:ext uri="{FF2B5EF4-FFF2-40B4-BE49-F238E27FC236}">
-                <a16:creationId xmlns:a16="http://schemas.microsoft.com/office/drawing/2014/main" xmlns="" id="{EA926F46-ACF0-410A-8472-6D818E306994}"/>
+                <a16:creationId xmlns:a16="http://schemas.microsoft.com/office/drawing/2014/main" id="{EA926F46-ACF0-410A-8472-6D818E306994}"/>
               </a:ext>
             </a:extLst>
           </p:cNvPr>
@@ -2473,7 +2473,7 @@
           <p:cNvPr id="4" name="Foliennummernplatzhalter 3">
             <a:extLst>
               <a:ext uri="{FF2B5EF4-FFF2-40B4-BE49-F238E27FC236}">
-                <a16:creationId xmlns:a16="http://schemas.microsoft.com/office/drawing/2014/main" xmlns="" id="{E8EE1B76-7EA0-4153-B9B3-C7FAC9E2E38E}"/>
+                <a16:creationId xmlns:a16="http://schemas.microsoft.com/office/drawing/2014/main" id="{E8EE1B76-7EA0-4153-B9B3-C7FAC9E2E38E}"/>
               </a:ext>
             </a:extLst>
           </p:cNvPr>
@@ -2491,7 +2491,7 @@
           <a:p>
             <a:fld id="{24C7E509-D680-4DB8-B87E-B8EC2E347686}" type="slidenum">
               <a:rPr lang="de-DE" smtClean="0"/>
-              <a:t>‹Nr.›</a:t>
+              <a:t>‹#›</a:t>
             </a:fld>
             <a:endParaRPr lang="de-DE"/>
           </a:p>
@@ -2532,7 +2532,7 @@
           <p:cNvPr id="2" name="Titel 1">
             <a:extLst>
               <a:ext uri="{FF2B5EF4-FFF2-40B4-BE49-F238E27FC236}">
-                <a16:creationId xmlns:a16="http://schemas.microsoft.com/office/drawing/2014/main" xmlns="" id="{E7DFF31F-2E58-4CFC-89ED-0CD1719642AB}"/>
+                <a16:creationId xmlns:a16="http://schemas.microsoft.com/office/drawing/2014/main" id="{E7DFF31F-2E58-4CFC-89ED-0CD1719642AB}"/>
               </a:ext>
             </a:extLst>
           </p:cNvPr>
@@ -2569,7 +2569,7 @@
           <p:cNvPr id="3" name="Inhaltsplatzhalter 2">
             <a:extLst>
               <a:ext uri="{FF2B5EF4-FFF2-40B4-BE49-F238E27FC236}">
-                <a16:creationId xmlns:a16="http://schemas.microsoft.com/office/drawing/2014/main" xmlns="" id="{8212DCFE-5A6E-4AB1-B413-7D1A81EC5A5B}"/>
+                <a16:creationId xmlns:a16="http://schemas.microsoft.com/office/drawing/2014/main" id="{8212DCFE-5A6E-4AB1-B413-7D1A81EC5A5B}"/>
               </a:ext>
             </a:extLst>
           </p:cNvPr>
@@ -2659,7 +2659,7 @@
           <p:cNvPr id="4" name="Textplatzhalter 3">
             <a:extLst>
               <a:ext uri="{FF2B5EF4-FFF2-40B4-BE49-F238E27FC236}">
-                <a16:creationId xmlns:a16="http://schemas.microsoft.com/office/drawing/2014/main" xmlns="" id="{D013B7DF-6A86-4B2A-87B0-C088184D3DC9}"/>
+                <a16:creationId xmlns:a16="http://schemas.microsoft.com/office/drawing/2014/main" id="{D013B7DF-6A86-4B2A-87B0-C088184D3DC9}"/>
               </a:ext>
             </a:extLst>
           </p:cNvPr>
@@ -2730,7 +2730,7 @@
           <p:cNvPr id="5" name="Datumsplatzhalter 4">
             <a:extLst>
               <a:ext uri="{FF2B5EF4-FFF2-40B4-BE49-F238E27FC236}">
-                <a16:creationId xmlns:a16="http://schemas.microsoft.com/office/drawing/2014/main" xmlns="" id="{4A933A87-552D-4B49-B6AF-5C3504349897}"/>
+                <a16:creationId xmlns:a16="http://schemas.microsoft.com/office/drawing/2014/main" id="{4A933A87-552D-4B49-B6AF-5C3504349897}"/>
               </a:ext>
             </a:extLst>
           </p:cNvPr>
@@ -2748,7 +2748,7 @@
           <a:p>
             <a:fld id="{CB9F0996-3986-4BD0-AC2D-F5F802D0DF4C}" type="datetime1">
               <a:rPr lang="de-DE" smtClean="0"/>
-              <a:t>21.03.18</a:t>
+              <a:t>22.03.2018</a:t>
             </a:fld>
             <a:endParaRPr lang="de-DE"/>
           </a:p>
@@ -2759,7 +2759,7 @@
           <p:cNvPr id="6" name="Fußzeilenplatzhalter 5">
             <a:extLst>
               <a:ext uri="{FF2B5EF4-FFF2-40B4-BE49-F238E27FC236}">
-                <a16:creationId xmlns:a16="http://schemas.microsoft.com/office/drawing/2014/main" xmlns="" id="{E4837E9A-470C-4E90-B748-2EBC9AF2FBCF}"/>
+                <a16:creationId xmlns:a16="http://schemas.microsoft.com/office/drawing/2014/main" id="{E4837E9A-470C-4E90-B748-2EBC9AF2FBCF}"/>
               </a:ext>
             </a:extLst>
           </p:cNvPr>
@@ -2784,7 +2784,7 @@
           <p:cNvPr id="7" name="Foliennummernplatzhalter 6">
             <a:extLst>
               <a:ext uri="{FF2B5EF4-FFF2-40B4-BE49-F238E27FC236}">
-                <a16:creationId xmlns:a16="http://schemas.microsoft.com/office/drawing/2014/main" xmlns="" id="{1E9F074A-452F-4A0D-9C3C-766560CC2776}"/>
+                <a16:creationId xmlns:a16="http://schemas.microsoft.com/office/drawing/2014/main" id="{1E9F074A-452F-4A0D-9C3C-766560CC2776}"/>
               </a:ext>
             </a:extLst>
           </p:cNvPr>
@@ -2802,7 +2802,7 @@
           <a:p>
             <a:fld id="{24C7E509-D680-4DB8-B87E-B8EC2E347686}" type="slidenum">
               <a:rPr lang="de-DE" smtClean="0"/>
-              <a:t>‹Nr.›</a:t>
+              <a:t>‹#›</a:t>
             </a:fld>
             <a:endParaRPr lang="de-DE"/>
           </a:p>
@@ -2843,7 +2843,7 @@
           <p:cNvPr id="2" name="Titel 1">
             <a:extLst>
               <a:ext uri="{FF2B5EF4-FFF2-40B4-BE49-F238E27FC236}">
-                <a16:creationId xmlns:a16="http://schemas.microsoft.com/office/drawing/2014/main" xmlns="" id="{5759C210-72B7-40E9-BCCE-7F2CD288D111}"/>
+                <a16:creationId xmlns:a16="http://schemas.microsoft.com/office/drawing/2014/main" id="{5759C210-72B7-40E9-BCCE-7F2CD288D111}"/>
               </a:ext>
             </a:extLst>
           </p:cNvPr>
@@ -2880,7 +2880,7 @@
           <p:cNvPr id="3" name="Bildplatzhalter 2">
             <a:extLst>
               <a:ext uri="{FF2B5EF4-FFF2-40B4-BE49-F238E27FC236}">
-                <a16:creationId xmlns:a16="http://schemas.microsoft.com/office/drawing/2014/main" xmlns="" id="{A855A97A-E73E-4799-B44D-4C7542A492D8}"/>
+                <a16:creationId xmlns:a16="http://schemas.microsoft.com/office/drawing/2014/main" id="{A855A97A-E73E-4799-B44D-4C7542A492D8}"/>
               </a:ext>
             </a:extLst>
           </p:cNvPr>
@@ -2947,7 +2947,7 @@
           <p:cNvPr id="4" name="Textplatzhalter 3">
             <a:extLst>
               <a:ext uri="{FF2B5EF4-FFF2-40B4-BE49-F238E27FC236}">
-                <a16:creationId xmlns:a16="http://schemas.microsoft.com/office/drawing/2014/main" xmlns="" id="{7255A853-78E3-4163-B55A-CC8EC226F808}"/>
+                <a16:creationId xmlns:a16="http://schemas.microsoft.com/office/drawing/2014/main" id="{7255A853-78E3-4163-B55A-CC8EC226F808}"/>
               </a:ext>
             </a:extLst>
           </p:cNvPr>
@@ -3018,7 +3018,7 @@
           <p:cNvPr id="5" name="Datumsplatzhalter 4">
             <a:extLst>
               <a:ext uri="{FF2B5EF4-FFF2-40B4-BE49-F238E27FC236}">
-                <a16:creationId xmlns:a16="http://schemas.microsoft.com/office/drawing/2014/main" xmlns="" id="{9D40D17D-F70E-4544-85A0-FCF3746AE954}"/>
+                <a16:creationId xmlns:a16="http://schemas.microsoft.com/office/drawing/2014/main" id="{9D40D17D-F70E-4544-85A0-FCF3746AE954}"/>
               </a:ext>
             </a:extLst>
           </p:cNvPr>
@@ -3036,7 +3036,7 @@
           <a:p>
             <a:fld id="{B53546CB-57F0-403A-9B11-F28CD8787C4F}" type="datetime1">
               <a:rPr lang="de-DE" smtClean="0"/>
-              <a:t>21.03.18</a:t>
+              <a:t>22.03.2018</a:t>
             </a:fld>
             <a:endParaRPr lang="de-DE"/>
           </a:p>
@@ -3047,7 +3047,7 @@
           <p:cNvPr id="6" name="Fußzeilenplatzhalter 5">
             <a:extLst>
               <a:ext uri="{FF2B5EF4-FFF2-40B4-BE49-F238E27FC236}">
-                <a16:creationId xmlns:a16="http://schemas.microsoft.com/office/drawing/2014/main" xmlns="" id="{82D42832-B50B-45A6-BB41-75BA707E4D6D}"/>
+                <a16:creationId xmlns:a16="http://schemas.microsoft.com/office/drawing/2014/main" id="{82D42832-B50B-45A6-BB41-75BA707E4D6D}"/>
               </a:ext>
             </a:extLst>
           </p:cNvPr>
@@ -3072,7 +3072,7 @@
           <p:cNvPr id="7" name="Foliennummernplatzhalter 6">
             <a:extLst>
               <a:ext uri="{FF2B5EF4-FFF2-40B4-BE49-F238E27FC236}">
-                <a16:creationId xmlns:a16="http://schemas.microsoft.com/office/drawing/2014/main" xmlns="" id="{EF370A13-2AD6-42F3-82DD-A8915D68F84F}"/>
+                <a16:creationId xmlns:a16="http://schemas.microsoft.com/office/drawing/2014/main" id="{EF370A13-2AD6-42F3-82DD-A8915D68F84F}"/>
               </a:ext>
             </a:extLst>
           </p:cNvPr>
@@ -3090,7 +3090,7 @@
           <a:p>
             <a:fld id="{24C7E509-D680-4DB8-B87E-B8EC2E347686}" type="slidenum">
               <a:rPr lang="de-DE" smtClean="0"/>
-              <a:t>‹Nr.›</a:t>
+              <a:t>‹#›</a:t>
             </a:fld>
             <a:endParaRPr lang="de-DE"/>
           </a:p>
@@ -3136,7 +3136,7 @@
           <p:cNvPr id="2" name="Titelplatzhalter 1">
             <a:extLst>
               <a:ext uri="{FF2B5EF4-FFF2-40B4-BE49-F238E27FC236}">
-                <a16:creationId xmlns:a16="http://schemas.microsoft.com/office/drawing/2014/main" xmlns="" id="{FF15E65D-7224-4547-A8B7-E018D79D5167}"/>
+                <a16:creationId xmlns:a16="http://schemas.microsoft.com/office/drawing/2014/main" id="{FF15E65D-7224-4547-A8B7-E018D79D5167}"/>
               </a:ext>
             </a:extLst>
           </p:cNvPr>
@@ -3174,7 +3174,7 @@
           <p:cNvPr id="3" name="Textplatzhalter 2">
             <a:extLst>
               <a:ext uri="{FF2B5EF4-FFF2-40B4-BE49-F238E27FC236}">
-                <a16:creationId xmlns:a16="http://schemas.microsoft.com/office/drawing/2014/main" xmlns="" id="{8E2E0B7E-1806-4C10-B430-114E71BCA475}"/>
+                <a16:creationId xmlns:a16="http://schemas.microsoft.com/office/drawing/2014/main" id="{8E2E0B7E-1806-4C10-B430-114E71BCA475}"/>
               </a:ext>
             </a:extLst>
           </p:cNvPr>
@@ -3241,7 +3241,7 @@
           <p:cNvPr id="4" name="Datumsplatzhalter 3">
             <a:extLst>
               <a:ext uri="{FF2B5EF4-FFF2-40B4-BE49-F238E27FC236}">
-                <a16:creationId xmlns:a16="http://schemas.microsoft.com/office/drawing/2014/main" xmlns="" id="{12E9677D-D9AF-4D85-9076-FB6608EF8D05}"/>
+                <a16:creationId xmlns:a16="http://schemas.microsoft.com/office/drawing/2014/main" id="{12E9677D-D9AF-4D85-9076-FB6608EF8D05}"/>
               </a:ext>
             </a:extLst>
           </p:cNvPr>
@@ -3277,7 +3277,7 @@
           <a:p>
             <a:fld id="{1D3C1B12-7E54-4267-9D51-05EAB2BDC53B}" type="datetime1">
               <a:rPr lang="de-DE" smtClean="0"/>
-              <a:t>21.03.18</a:t>
+              <a:t>22.03.2018</a:t>
             </a:fld>
             <a:endParaRPr lang="de-DE"/>
           </a:p>
@@ -3288,7 +3288,7 @@
           <p:cNvPr id="5" name="Fußzeilenplatzhalter 4">
             <a:extLst>
               <a:ext uri="{FF2B5EF4-FFF2-40B4-BE49-F238E27FC236}">
-                <a16:creationId xmlns:a16="http://schemas.microsoft.com/office/drawing/2014/main" xmlns="" id="{DEB9152B-6562-474B-911B-6C7817AC474B}"/>
+                <a16:creationId xmlns:a16="http://schemas.microsoft.com/office/drawing/2014/main" id="{DEB9152B-6562-474B-911B-6C7817AC474B}"/>
               </a:ext>
             </a:extLst>
           </p:cNvPr>
@@ -3331,7 +3331,7 @@
           <p:cNvPr id="6" name="Foliennummernplatzhalter 5">
             <a:extLst>
               <a:ext uri="{FF2B5EF4-FFF2-40B4-BE49-F238E27FC236}">
-                <a16:creationId xmlns:a16="http://schemas.microsoft.com/office/drawing/2014/main" xmlns="" id="{31DE64A8-71CB-4F9B-9C42-378CEF45D891}"/>
+                <a16:creationId xmlns:a16="http://schemas.microsoft.com/office/drawing/2014/main" id="{31DE64A8-71CB-4F9B-9C42-378CEF45D891}"/>
               </a:ext>
             </a:extLst>
           </p:cNvPr>
@@ -3367,7 +3367,7 @@
           <a:p>
             <a:fld id="{24C7E509-D680-4DB8-B87E-B8EC2E347686}" type="slidenum">
               <a:rPr lang="de-DE" smtClean="0"/>
-              <a:t>‹Nr.›</a:t>
+              <a:t>‹#›</a:t>
             </a:fld>
             <a:endParaRPr lang="de-DE"/>
           </a:p>
@@ -3700,7 +3700,7 @@
           <p:cNvPr id="5" name="Title 4">
             <a:extLst>
               <a:ext uri="{FF2B5EF4-FFF2-40B4-BE49-F238E27FC236}">
-                <a16:creationId xmlns:a16="http://schemas.microsoft.com/office/drawing/2014/main" xmlns="" id="{3DB679FE-7AB8-452C-9056-DB9A71D8FBB7}"/>
+                <a16:creationId xmlns:a16="http://schemas.microsoft.com/office/drawing/2014/main" id="{3DB679FE-7AB8-452C-9056-DB9A71D8FBB7}"/>
               </a:ext>
             </a:extLst>
           </p:cNvPr>
@@ -3728,7 +3728,7 @@
           <p:cNvPr id="6" name="Content Placeholder 5">
             <a:extLst>
               <a:ext uri="{FF2B5EF4-FFF2-40B4-BE49-F238E27FC236}">
-                <a16:creationId xmlns:a16="http://schemas.microsoft.com/office/drawing/2014/main" xmlns="" id="{6209D8CB-5E61-484E-9162-79AAB377D1C3}"/>
+                <a16:creationId xmlns:a16="http://schemas.microsoft.com/office/drawing/2014/main" id="{6209D8CB-5E61-484E-9162-79AAB377D1C3}"/>
               </a:ext>
             </a:extLst>
           </p:cNvPr>
@@ -3882,7 +3882,7 @@
           <p:cNvPr id="4" name="Slide Number Placeholder 3">
             <a:extLst>
               <a:ext uri="{FF2B5EF4-FFF2-40B4-BE49-F238E27FC236}">
-                <a16:creationId xmlns:a16="http://schemas.microsoft.com/office/drawing/2014/main" xmlns="" id="{88BB8228-97AC-4492-A356-F36497FBE06E}"/>
+                <a16:creationId xmlns:a16="http://schemas.microsoft.com/office/drawing/2014/main" id="{88BB8228-97AC-4492-A356-F36497FBE06E}"/>
               </a:ext>
             </a:extLst>
           </p:cNvPr>
@@ -3916,14 +3916,6 @@
   <p:clrMapOvr>
     <a:masterClrMapping/>
   </p:clrMapOvr>
-  <mc:AlternateContent xmlns:mc="http://schemas.openxmlformats.org/markup-compatibility/2006">
-    <mc:Choice xmlns:p14="http://schemas.microsoft.com/office/powerpoint/2010/main" Requires="p14">
-      <p:transition spd="slow" p14:dur="2000"/>
-    </mc:Choice>
-    <mc:Fallback>
-      <p:transition spd="slow"/>
-    </mc:Fallback>
-  </mc:AlternateContent>
 </p:sld>
 </file>
 
@@ -3949,7 +3941,7 @@
           <p:cNvPr id="2" name="Titel 1">
             <a:extLst>
               <a:ext uri="{FF2B5EF4-FFF2-40B4-BE49-F238E27FC236}">
-                <a16:creationId xmlns:a16="http://schemas.microsoft.com/office/drawing/2014/main" xmlns="" id="{95A3FC0A-3806-4A6C-8BAF-49105356BDEB}"/>
+                <a16:creationId xmlns:a16="http://schemas.microsoft.com/office/drawing/2014/main" id="{95A3FC0A-3806-4A6C-8BAF-49105356BDEB}"/>
               </a:ext>
             </a:extLst>
           </p:cNvPr>
@@ -3978,7 +3970,7 @@
           <p:cNvPr id="3" name="Inhaltsplatzhalter 2">
             <a:extLst>
               <a:ext uri="{FF2B5EF4-FFF2-40B4-BE49-F238E27FC236}">
-                <a16:creationId xmlns:a16="http://schemas.microsoft.com/office/drawing/2014/main" xmlns="" id="{ED8FBAF4-21B7-41F9-87E3-AA4F613F4B28}"/>
+                <a16:creationId xmlns:a16="http://schemas.microsoft.com/office/drawing/2014/main" id="{ED8FBAF4-21B7-41F9-87E3-AA4F613F4B28}"/>
               </a:ext>
             </a:extLst>
           </p:cNvPr>
@@ -3995,43 +3987,42 @@
           <a:lstStyle/>
           <a:p>
             <a:r>
-              <a:rPr lang="de-DE" dirty="0" smtClean="0"/>
+              <a:rPr lang="de-DE" dirty="0"/>
               <a:t>Was ist </a:t>
             </a:r>
             <a:r>
-              <a:rPr lang="de-DE" dirty="0" err="1" smtClean="0"/>
+              <a:rPr lang="de-DE" dirty="0" err="1"/>
               <a:t>Enforce</a:t>
             </a:r>
             <a:r>
-              <a:rPr lang="de-DE" dirty="0" smtClean="0"/>
+              <a:rPr lang="de-DE" dirty="0"/>
               <a:t>?</a:t>
             </a:r>
           </a:p>
           <a:p>
             <a:r>
-              <a:rPr lang="de-DE" dirty="0" err="1" smtClean="0"/>
+              <a:rPr lang="de-DE" dirty="0" err="1"/>
               <a:t>Allquantor</a:t>
             </a:r>
             <a:r>
-              <a:rPr lang="de-DE" dirty="0" smtClean="0"/>
+              <a:rPr lang="de-DE" dirty="0"/>
               <a:t> gegen </a:t>
             </a:r>
             <a:r>
-              <a:rPr lang="de-DE" dirty="0" err="1" smtClean="0"/>
+              <a:rPr lang="de-DE" dirty="0" err="1"/>
               <a:t>Existenzquantor</a:t>
             </a:r>
-            <a:endParaRPr lang="de-DE" dirty="0" smtClean="0"/>
-          </a:p>
-          <a:p>
-            <a:r>
-              <a:rPr lang="de-DE" dirty="0" err="1" smtClean="0"/>
+            <a:endParaRPr lang="de-DE" dirty="0"/>
+          </a:p>
+          <a:p>
+            <a:r>
+              <a:rPr lang="de-DE" dirty="0" err="1"/>
               <a:t>Enforce</a:t>
             </a:r>
             <a:r>
-              <a:rPr lang="de-DE" dirty="0" smtClean="0"/>
+              <a:rPr lang="de-DE" dirty="0"/>
               <a:t>+</a:t>
             </a:r>
-            <a:endParaRPr lang="de-DE" dirty="0"/>
           </a:p>
         </p:txBody>
       </p:sp>
@@ -4040,7 +4031,7 @@
           <p:cNvPr id="4" name="Foliennummernplatzhalter 3">
             <a:extLst>
               <a:ext uri="{FF2B5EF4-FFF2-40B4-BE49-F238E27FC236}">
-                <a16:creationId xmlns:a16="http://schemas.microsoft.com/office/drawing/2014/main" xmlns="" id="{0DD1B6F9-E57D-4F76-917B-E6637BFB2A8E}"/>
+                <a16:creationId xmlns:a16="http://schemas.microsoft.com/office/drawing/2014/main" id="{0DD1B6F9-E57D-4F76-917B-E6637BFB2A8E}"/>
               </a:ext>
             </a:extLst>
           </p:cNvPr>
@@ -4098,13 +4089,6 @@
   <p:clrMapOvr>
     <a:masterClrMapping/>
   </p:clrMapOvr>
-  <p:timing>
-    <p:tnLst>
-      <p:par>
-        <p:cTn id="1" dur="indefinite" restart="never" nodeType="tmRoot"/>
-      </p:par>
-    </p:tnLst>
-  </p:timing>
 </p:sld>
 </file>
 
@@ -4130,7 +4114,7 @@
           <p:cNvPr id="2" name="Title 1">
             <a:extLst>
               <a:ext uri="{FF2B5EF4-FFF2-40B4-BE49-F238E27FC236}">
-                <a16:creationId xmlns:a16="http://schemas.microsoft.com/office/drawing/2014/main" xmlns="" id="{3C939BD4-D9D8-457A-B76C-E3D1F62B16C2}"/>
+                <a16:creationId xmlns:a16="http://schemas.microsoft.com/office/drawing/2014/main" id="{3C939BD4-D9D8-457A-B76C-E3D1F62B16C2}"/>
               </a:ext>
             </a:extLst>
           </p:cNvPr>
@@ -4159,7 +4143,7 @@
           <p:cNvPr id="3" name="Content Placeholder 2">
             <a:extLst>
               <a:ext uri="{FF2B5EF4-FFF2-40B4-BE49-F238E27FC236}">
-                <a16:creationId xmlns:a16="http://schemas.microsoft.com/office/drawing/2014/main" xmlns="" id="{59B6EF6F-C517-4C0C-A4C6-478E82E22FA9}"/>
+                <a16:creationId xmlns:a16="http://schemas.microsoft.com/office/drawing/2014/main" id="{59B6EF6F-C517-4C0C-A4C6-478E82E22FA9}"/>
               </a:ext>
             </a:extLst>
           </p:cNvPr>
@@ -4187,7 +4171,7 @@
           <p:cNvPr id="4" name="Slide Number Placeholder 3">
             <a:extLst>
               <a:ext uri="{FF2B5EF4-FFF2-40B4-BE49-F238E27FC236}">
-                <a16:creationId xmlns:a16="http://schemas.microsoft.com/office/drawing/2014/main" xmlns="" id="{08BF1626-F459-4C91-A2D9-0E0413559529}"/>
+                <a16:creationId xmlns:a16="http://schemas.microsoft.com/office/drawing/2014/main" id="{08BF1626-F459-4C91-A2D9-0E0413559529}"/>
               </a:ext>
             </a:extLst>
           </p:cNvPr>
@@ -4246,7 +4230,7 @@
           <p:cNvPr id="2" name="Title 1">
             <a:extLst>
               <a:ext uri="{FF2B5EF4-FFF2-40B4-BE49-F238E27FC236}">
-                <a16:creationId xmlns:a16="http://schemas.microsoft.com/office/drawing/2014/main" xmlns="" id="{06BEDA57-7B6A-423A-A767-68DE43BD4B63}"/>
+                <a16:creationId xmlns:a16="http://schemas.microsoft.com/office/drawing/2014/main" id="{06BEDA57-7B6A-423A-A767-68DE43BD4B63}"/>
               </a:ext>
             </a:extLst>
           </p:cNvPr>
@@ -4275,7 +4259,7 @@
           <p:cNvPr id="3" name="Content Placeholder 2">
             <a:extLst>
               <a:ext uri="{FF2B5EF4-FFF2-40B4-BE49-F238E27FC236}">
-                <a16:creationId xmlns:a16="http://schemas.microsoft.com/office/drawing/2014/main" xmlns="" id="{1B228557-58FE-4B16-943F-3E3A18656556}"/>
+                <a16:creationId xmlns:a16="http://schemas.microsoft.com/office/drawing/2014/main" id="{1B228557-58FE-4B16-943F-3E3A18656556}"/>
               </a:ext>
             </a:extLst>
           </p:cNvPr>
@@ -4309,7 +4293,7 @@
           <p:cNvPr id="4" name="Slide Number Placeholder 3">
             <a:extLst>
               <a:ext uri="{FF2B5EF4-FFF2-40B4-BE49-F238E27FC236}">
-                <a16:creationId xmlns:a16="http://schemas.microsoft.com/office/drawing/2014/main" xmlns="" id="{9E4F3BBA-350F-4622-BAC1-BFCAADEF46F0}"/>
+                <a16:creationId xmlns:a16="http://schemas.microsoft.com/office/drawing/2014/main" id="{9E4F3BBA-350F-4622-BAC1-BFCAADEF46F0}"/>
               </a:ext>
             </a:extLst>
           </p:cNvPr>
@@ -4368,7 +4352,7 @@
           <p:cNvPr id="2" name="Title 1">
             <a:extLst>
               <a:ext uri="{FF2B5EF4-FFF2-40B4-BE49-F238E27FC236}">
-                <a16:creationId xmlns:a16="http://schemas.microsoft.com/office/drawing/2014/main" xmlns="" id="{06BEDA57-7B6A-423A-A767-68DE43BD4B63}"/>
+                <a16:creationId xmlns:a16="http://schemas.microsoft.com/office/drawing/2014/main" id="{06BEDA57-7B6A-423A-A767-68DE43BD4B63}"/>
               </a:ext>
             </a:extLst>
           </p:cNvPr>
@@ -4397,7 +4381,7 @@
           <p:cNvPr id="3" name="Content Placeholder 2">
             <a:extLst>
               <a:ext uri="{FF2B5EF4-FFF2-40B4-BE49-F238E27FC236}">
-                <a16:creationId xmlns:a16="http://schemas.microsoft.com/office/drawing/2014/main" xmlns="" id="{1B228557-58FE-4B16-943F-3E3A18656556}"/>
+                <a16:creationId xmlns:a16="http://schemas.microsoft.com/office/drawing/2014/main" id="{1B228557-58FE-4B16-943F-3E3A18656556}"/>
               </a:ext>
             </a:extLst>
           </p:cNvPr>
@@ -4425,7 +4409,7 @@
           <p:cNvPr id="4" name="Slide Number Placeholder 3">
             <a:extLst>
               <a:ext uri="{FF2B5EF4-FFF2-40B4-BE49-F238E27FC236}">
-                <a16:creationId xmlns:a16="http://schemas.microsoft.com/office/drawing/2014/main" xmlns="" id="{9E4F3BBA-350F-4622-BAC1-BFCAADEF46F0}"/>
+                <a16:creationId xmlns:a16="http://schemas.microsoft.com/office/drawing/2014/main" id="{9E4F3BBA-350F-4622-BAC1-BFCAADEF46F0}"/>
               </a:ext>
             </a:extLst>
           </p:cNvPr>
@@ -4484,7 +4468,7 @@
           <p:cNvPr id="2" name="Titel 1">
             <a:extLst>
               <a:ext uri="{FF2B5EF4-FFF2-40B4-BE49-F238E27FC236}">
-                <a16:creationId xmlns:a16="http://schemas.microsoft.com/office/drawing/2014/main" xmlns="" id="{5D10B3B2-98CE-4A76-8F3B-AC87D7970181}"/>
+                <a16:creationId xmlns:a16="http://schemas.microsoft.com/office/drawing/2014/main" id="{5D10B3B2-98CE-4A76-8F3B-AC87D7970181}"/>
               </a:ext>
             </a:extLst>
           </p:cNvPr>
@@ -4513,7 +4497,7 @@
           <p:cNvPr id="3" name="Inhaltsplatzhalter 2">
             <a:extLst>
               <a:ext uri="{FF2B5EF4-FFF2-40B4-BE49-F238E27FC236}">
-                <a16:creationId xmlns:a16="http://schemas.microsoft.com/office/drawing/2014/main" xmlns="" id="{DF549B9E-E429-455E-9CCB-4C382D186DA1}"/>
+                <a16:creationId xmlns:a16="http://schemas.microsoft.com/office/drawing/2014/main" id="{DF549B9E-E429-455E-9CCB-4C382D186DA1}"/>
               </a:ext>
             </a:extLst>
           </p:cNvPr>
@@ -4530,61 +4514,52 @@
           <a:lstStyle/>
           <a:p>
             <a:r>
-              <a:rPr lang="de-DE" dirty="0" smtClean="0"/>
+              <a:rPr lang="de-DE" dirty="0"/>
               <a:t>Graph falsch generiert </a:t>
             </a:r>
           </a:p>
           <a:p>
             <a:pPr lvl="1"/>
             <a:r>
-              <a:rPr lang="de-DE" dirty="0" smtClean="0"/>
+              <a:rPr lang="de-DE" dirty="0"/>
               <a:t>Kind ist ausgewichen</a:t>
             </a:r>
           </a:p>
           <a:p>
             <a:pPr lvl="1"/>
             <a:r>
-              <a:rPr lang="de-DE" dirty="0" smtClean="0"/>
+              <a:rPr lang="de-DE" dirty="0"/>
               <a:t>jetzt berechnet die </a:t>
             </a:r>
             <a:r>
-              <a:rPr lang="de-DE" dirty="0" err="1" smtClean="0"/>
+              <a:rPr lang="de-DE" dirty="0" err="1"/>
               <a:t>Graphgenerierung</a:t>
             </a:r>
             <a:r>
-              <a:rPr lang="de-DE" dirty="0" smtClean="0"/>
+              <a:rPr lang="de-DE" dirty="0"/>
               <a:t> bei jedem Roboterzug die darauf folgenden Kindeszüge und verwirft bei Inkorrektheit den aktuellen Roboterzug</a:t>
             </a:r>
           </a:p>
           <a:p>
             <a:r>
-              <a:rPr lang="de-DE" dirty="0" err="1" smtClean="0"/>
+              <a:rPr lang="de-DE" dirty="0" err="1"/>
               <a:t>Enforce</a:t>
             </a:r>
             <a:r>
-              <a:rPr lang="de-DE" dirty="0" smtClean="0"/>
-              <a:t>-Algorithmus </a:t>
-            </a:r>
-            <a:r>
-              <a:rPr lang="de-DE" dirty="0"/>
-              <a:t>falsch </a:t>
-            </a:r>
-            <a:r>
-              <a:rPr lang="de-DE" dirty="0" smtClean="0"/>
-              <a:t>berechnet</a:t>
+              <a:rPr lang="de-DE" dirty="0"/>
+              <a:t>-Algorithmus falsch berechnet</a:t>
             </a:r>
           </a:p>
           <a:p>
             <a:pPr lvl="1"/>
             <a:r>
-              <a:rPr lang="de-DE" dirty="0" smtClean="0"/>
+              <a:rPr lang="de-DE" dirty="0"/>
               <a:t>Implementierung war anfangs falsch</a:t>
             </a:r>
+          </a:p>
+          <a:p>
             <a:endParaRPr lang="de-DE" dirty="0"/>
           </a:p>
-          <a:p>
-            <a:endParaRPr lang="de-DE" dirty="0"/>
-          </a:p>
         </p:txBody>
       </p:sp>
       <p:sp>
@@ -4592,7 +4567,7 @@
           <p:cNvPr id="4" name="Foliennummernplatzhalter 3">
             <a:extLst>
               <a:ext uri="{FF2B5EF4-FFF2-40B4-BE49-F238E27FC236}">
-                <a16:creationId xmlns:a16="http://schemas.microsoft.com/office/drawing/2014/main" xmlns="" id="{10CA8FA4-8DBF-4853-9008-56DB49403505}"/>
+                <a16:creationId xmlns:a16="http://schemas.microsoft.com/office/drawing/2014/main" id="{10CA8FA4-8DBF-4853-9008-56DB49403505}"/>
               </a:ext>
             </a:extLst>
           </p:cNvPr>
@@ -4651,7 +4626,7 @@
           <p:cNvPr id="2" name="Titel 1">
             <a:extLst>
               <a:ext uri="{FF2B5EF4-FFF2-40B4-BE49-F238E27FC236}">
-                <a16:creationId xmlns:a16="http://schemas.microsoft.com/office/drawing/2014/main" xmlns="" id="{3A7BB2F4-FCC1-4DE5-B708-3CFD0CD6AE2E}"/>
+                <a16:creationId xmlns:a16="http://schemas.microsoft.com/office/drawing/2014/main" id="{3A7BB2F4-FCC1-4DE5-B708-3CFD0CD6AE2E}"/>
               </a:ext>
             </a:extLst>
           </p:cNvPr>
@@ -4680,7 +4655,7 @@
           <p:cNvPr id="3" name="Inhaltsplatzhalter 2">
             <a:extLst>
               <a:ext uri="{FF2B5EF4-FFF2-40B4-BE49-F238E27FC236}">
-                <a16:creationId xmlns:a16="http://schemas.microsoft.com/office/drawing/2014/main" xmlns="" id="{A44C6831-89D7-4EA9-AA4D-054654C37D3B}"/>
+                <a16:creationId xmlns:a16="http://schemas.microsoft.com/office/drawing/2014/main" id="{A44C6831-89D7-4EA9-AA4D-054654C37D3B}"/>
               </a:ext>
             </a:extLst>
           </p:cNvPr>
@@ -4789,7 +4764,7 @@
           <p:cNvPr id="4" name="Foliennummernplatzhalter 3">
             <a:extLst>
               <a:ext uri="{FF2B5EF4-FFF2-40B4-BE49-F238E27FC236}">
-                <a16:creationId xmlns:a16="http://schemas.microsoft.com/office/drawing/2014/main" xmlns="" id="{256B3083-294C-4EB3-A324-509DB8EA66E4}"/>
+                <a16:creationId xmlns:a16="http://schemas.microsoft.com/office/drawing/2014/main" id="{256B3083-294C-4EB3-A324-509DB8EA66E4}"/>
               </a:ext>
             </a:extLst>
           </p:cNvPr>
@@ -4848,7 +4823,7 @@
           <p:cNvPr id="4" name="Rechteck 3">
             <a:extLst>
               <a:ext uri="{FF2B5EF4-FFF2-40B4-BE49-F238E27FC236}">
-                <a16:creationId xmlns:a16="http://schemas.microsoft.com/office/drawing/2014/main" xmlns="" id="{D73FED10-72DC-481B-B3B2-828AF37ADFF7}"/>
+                <a16:creationId xmlns:a16="http://schemas.microsoft.com/office/drawing/2014/main" id="{D73FED10-72DC-481B-B3B2-828AF37ADFF7}"/>
               </a:ext>
             </a:extLst>
           </p:cNvPr>
@@ -4897,7 +4872,7 @@
           <p:cNvPr id="5" name="Rechteck 4">
             <a:extLst>
               <a:ext uri="{FF2B5EF4-FFF2-40B4-BE49-F238E27FC236}">
-                <a16:creationId xmlns:a16="http://schemas.microsoft.com/office/drawing/2014/main" xmlns="" id="{C34D8871-8351-4853-9007-BAF79871654E}"/>
+                <a16:creationId xmlns:a16="http://schemas.microsoft.com/office/drawing/2014/main" id="{C34D8871-8351-4853-9007-BAF79871654E}"/>
               </a:ext>
             </a:extLst>
           </p:cNvPr>
@@ -4946,7 +4921,7 @@
           <p:cNvPr id="9" name="Rechteck 8">
             <a:extLst>
               <a:ext uri="{FF2B5EF4-FFF2-40B4-BE49-F238E27FC236}">
-                <a16:creationId xmlns:a16="http://schemas.microsoft.com/office/drawing/2014/main" xmlns="" id="{D74FEB83-FA0A-4617-994A-6A1964C05A73}"/>
+                <a16:creationId xmlns:a16="http://schemas.microsoft.com/office/drawing/2014/main" id="{D74FEB83-FA0A-4617-994A-6A1964C05A73}"/>
               </a:ext>
             </a:extLst>
           </p:cNvPr>
@@ -4995,7 +4970,7 @@
           <p:cNvPr id="10" name="Ellipse 9">
             <a:extLst>
               <a:ext uri="{FF2B5EF4-FFF2-40B4-BE49-F238E27FC236}">
-                <a16:creationId xmlns:a16="http://schemas.microsoft.com/office/drawing/2014/main" xmlns="" id="{82AE9F3B-D926-41F5-8792-63E9941B6182}"/>
+                <a16:creationId xmlns:a16="http://schemas.microsoft.com/office/drawing/2014/main" id="{82AE9F3B-D926-41F5-8792-63E9941B6182}"/>
               </a:ext>
             </a:extLst>
           </p:cNvPr>
@@ -5044,7 +5019,7 @@
           <p:cNvPr id="11" name="Sechseck 10">
             <a:extLst>
               <a:ext uri="{FF2B5EF4-FFF2-40B4-BE49-F238E27FC236}">
-                <a16:creationId xmlns:a16="http://schemas.microsoft.com/office/drawing/2014/main" xmlns="" id="{99E638A5-59E2-495D-979A-EADA77656E43}"/>
+                <a16:creationId xmlns:a16="http://schemas.microsoft.com/office/drawing/2014/main" id="{99E638A5-59E2-495D-979A-EADA77656E43}"/>
               </a:ext>
             </a:extLst>
           </p:cNvPr>
@@ -5093,7 +5068,7 @@
           <p:cNvPr id="13" name="Gerade Verbindung mit Pfeil 12">
             <a:extLst>
               <a:ext uri="{FF2B5EF4-FFF2-40B4-BE49-F238E27FC236}">
-                <a16:creationId xmlns:a16="http://schemas.microsoft.com/office/drawing/2014/main" xmlns="" id="{160BD4FC-BC5D-48AF-BD55-A0C482D25F5F}"/>
+                <a16:creationId xmlns:a16="http://schemas.microsoft.com/office/drawing/2014/main" id="{160BD4FC-BC5D-48AF-BD55-A0C482D25F5F}"/>
               </a:ext>
             </a:extLst>
           </p:cNvPr>
@@ -5137,7 +5112,7 @@
           <p:cNvPr id="14" name="Gerade Verbindung mit Pfeil 13">
             <a:extLst>
               <a:ext uri="{FF2B5EF4-FFF2-40B4-BE49-F238E27FC236}">
-                <a16:creationId xmlns:a16="http://schemas.microsoft.com/office/drawing/2014/main" xmlns="" id="{0F744E52-1CFC-437A-AEB4-8E3A2DF8EBB7}"/>
+                <a16:creationId xmlns:a16="http://schemas.microsoft.com/office/drawing/2014/main" id="{0F744E52-1CFC-437A-AEB4-8E3A2DF8EBB7}"/>
               </a:ext>
             </a:extLst>
           </p:cNvPr>
@@ -5181,7 +5156,7 @@
           <p:cNvPr id="21" name="Gerade Verbindung mit Pfeil 20">
             <a:extLst>
               <a:ext uri="{FF2B5EF4-FFF2-40B4-BE49-F238E27FC236}">
-                <a16:creationId xmlns:a16="http://schemas.microsoft.com/office/drawing/2014/main" xmlns="" id="{76990AF8-2E77-4B37-B0CA-2B7395D82A9D}"/>
+                <a16:creationId xmlns:a16="http://schemas.microsoft.com/office/drawing/2014/main" id="{76990AF8-2E77-4B37-B0CA-2B7395D82A9D}"/>
               </a:ext>
             </a:extLst>
           </p:cNvPr>
@@ -5225,7 +5200,7 @@
           <p:cNvPr id="24" name="Gerade Verbindung mit Pfeil 23">
             <a:extLst>
               <a:ext uri="{FF2B5EF4-FFF2-40B4-BE49-F238E27FC236}">
-                <a16:creationId xmlns:a16="http://schemas.microsoft.com/office/drawing/2014/main" xmlns="" id="{C22EE68F-968D-4481-82EF-73BE7DEFA2A4}"/>
+                <a16:creationId xmlns:a16="http://schemas.microsoft.com/office/drawing/2014/main" id="{C22EE68F-968D-4481-82EF-73BE7DEFA2A4}"/>
               </a:ext>
             </a:extLst>
           </p:cNvPr>
@@ -5269,7 +5244,7 @@
           <p:cNvPr id="27" name="Gerade Verbindung mit Pfeil 26">
             <a:extLst>
               <a:ext uri="{FF2B5EF4-FFF2-40B4-BE49-F238E27FC236}">
-                <a16:creationId xmlns:a16="http://schemas.microsoft.com/office/drawing/2014/main" xmlns="" id="{B74F0518-0D5B-4835-9FE0-6C05FA3E9AD5}"/>
+                <a16:creationId xmlns:a16="http://schemas.microsoft.com/office/drawing/2014/main" id="{B74F0518-0D5B-4835-9FE0-6C05FA3E9AD5}"/>
               </a:ext>
             </a:extLst>
           </p:cNvPr>
@@ -5313,7 +5288,7 @@
           <p:cNvPr id="30" name="Gerade Verbindung mit Pfeil 29">
             <a:extLst>
               <a:ext uri="{FF2B5EF4-FFF2-40B4-BE49-F238E27FC236}">
-                <a16:creationId xmlns:a16="http://schemas.microsoft.com/office/drawing/2014/main" xmlns="" id="{DB4807CA-CE35-4073-8BB7-645ECE5E9BC3}"/>
+                <a16:creationId xmlns:a16="http://schemas.microsoft.com/office/drawing/2014/main" id="{DB4807CA-CE35-4073-8BB7-645ECE5E9BC3}"/>
               </a:ext>
             </a:extLst>
           </p:cNvPr>
@@ -5357,7 +5332,7 @@
           <p:cNvPr id="33" name="Gerade Verbindung mit Pfeil 32">
             <a:extLst>
               <a:ext uri="{FF2B5EF4-FFF2-40B4-BE49-F238E27FC236}">
-                <a16:creationId xmlns:a16="http://schemas.microsoft.com/office/drawing/2014/main" xmlns="" id="{C6DC9FE2-BD85-40A7-85CD-FAFADF0446F8}"/>
+                <a16:creationId xmlns:a16="http://schemas.microsoft.com/office/drawing/2014/main" id="{C6DC9FE2-BD85-40A7-85CD-FAFADF0446F8}"/>
               </a:ext>
             </a:extLst>
           </p:cNvPr>
@@ -5401,7 +5376,7 @@
           <p:cNvPr id="36" name="Textfeld 35">
             <a:extLst>
               <a:ext uri="{FF2B5EF4-FFF2-40B4-BE49-F238E27FC236}">
-                <a16:creationId xmlns:a16="http://schemas.microsoft.com/office/drawing/2014/main" xmlns="" id="{7DA9A3AE-402A-4836-8EA9-5CF57E1B1A96}"/>
+                <a16:creationId xmlns:a16="http://schemas.microsoft.com/office/drawing/2014/main" id="{7DA9A3AE-402A-4836-8EA9-5CF57E1B1A96}"/>
               </a:ext>
             </a:extLst>
           </p:cNvPr>
@@ -5436,7 +5411,7 @@
           <p:cNvPr id="37" name="Textfeld 36">
             <a:extLst>
               <a:ext uri="{FF2B5EF4-FFF2-40B4-BE49-F238E27FC236}">
-                <a16:creationId xmlns:a16="http://schemas.microsoft.com/office/drawing/2014/main" xmlns="" id="{0570975D-06BD-4403-A5D8-90D29EE44D90}"/>
+                <a16:creationId xmlns:a16="http://schemas.microsoft.com/office/drawing/2014/main" id="{0570975D-06BD-4403-A5D8-90D29EE44D90}"/>
               </a:ext>
             </a:extLst>
           </p:cNvPr>
@@ -5471,7 +5446,7 @@
           <p:cNvPr id="38" name="Textfeld 37">
             <a:extLst>
               <a:ext uri="{FF2B5EF4-FFF2-40B4-BE49-F238E27FC236}">
-                <a16:creationId xmlns:a16="http://schemas.microsoft.com/office/drawing/2014/main" xmlns="" id="{03CDC848-6357-4E1B-A3E8-49F619B9F93C}"/>
+                <a16:creationId xmlns:a16="http://schemas.microsoft.com/office/drawing/2014/main" id="{03CDC848-6357-4E1B-A3E8-49F619B9F93C}"/>
               </a:ext>
             </a:extLst>
           </p:cNvPr>
@@ -5506,7 +5481,7 @@
           <p:cNvPr id="39" name="Textfeld 38">
             <a:extLst>
               <a:ext uri="{FF2B5EF4-FFF2-40B4-BE49-F238E27FC236}">
-                <a16:creationId xmlns:a16="http://schemas.microsoft.com/office/drawing/2014/main" xmlns="" id="{85DE17B8-CA60-4EC9-A6AC-AC080DDE1281}"/>
+                <a16:creationId xmlns:a16="http://schemas.microsoft.com/office/drawing/2014/main" id="{85DE17B8-CA60-4EC9-A6AC-AC080DDE1281}"/>
               </a:ext>
             </a:extLst>
           </p:cNvPr>
@@ -5541,7 +5516,7 @@
           <p:cNvPr id="40" name="Textfeld 39">
             <a:extLst>
               <a:ext uri="{FF2B5EF4-FFF2-40B4-BE49-F238E27FC236}">
-                <a16:creationId xmlns:a16="http://schemas.microsoft.com/office/drawing/2014/main" xmlns="" id="{B5FC16D5-842E-4352-8D37-4752AC951703}"/>
+                <a16:creationId xmlns:a16="http://schemas.microsoft.com/office/drawing/2014/main" id="{B5FC16D5-842E-4352-8D37-4752AC951703}"/>
               </a:ext>
             </a:extLst>
           </p:cNvPr>
@@ -5576,7 +5551,7 @@
           <p:cNvPr id="41" name="Textfeld 40">
             <a:extLst>
               <a:ext uri="{FF2B5EF4-FFF2-40B4-BE49-F238E27FC236}">
-                <a16:creationId xmlns:a16="http://schemas.microsoft.com/office/drawing/2014/main" xmlns="" id="{3B7CF91D-ADC1-4182-9EEA-97DAF86D5624}"/>
+                <a16:creationId xmlns:a16="http://schemas.microsoft.com/office/drawing/2014/main" id="{3B7CF91D-ADC1-4182-9EEA-97DAF86D5624}"/>
               </a:ext>
             </a:extLst>
           </p:cNvPr>
@@ -5611,7 +5586,7 @@
           <p:cNvPr id="42" name="Textfeld 41">
             <a:extLst>
               <a:ext uri="{FF2B5EF4-FFF2-40B4-BE49-F238E27FC236}">
-                <a16:creationId xmlns:a16="http://schemas.microsoft.com/office/drawing/2014/main" xmlns="" id="{1C500370-3E59-476C-9411-543770E261D6}"/>
+                <a16:creationId xmlns:a16="http://schemas.microsoft.com/office/drawing/2014/main" id="{1C500370-3E59-476C-9411-543770E261D6}"/>
               </a:ext>
             </a:extLst>
           </p:cNvPr>
@@ -5646,7 +5621,7 @@
           <p:cNvPr id="43" name="Textfeld 42">
             <a:extLst>
               <a:ext uri="{FF2B5EF4-FFF2-40B4-BE49-F238E27FC236}">
-                <a16:creationId xmlns:a16="http://schemas.microsoft.com/office/drawing/2014/main" xmlns="" id="{BD6B08D4-7E4A-4309-9848-A7A423DE4529}"/>
+                <a16:creationId xmlns:a16="http://schemas.microsoft.com/office/drawing/2014/main" id="{BD6B08D4-7E4A-4309-9848-A7A423DE4529}"/>
               </a:ext>
             </a:extLst>
           </p:cNvPr>
@@ -5681,7 +5656,7 @@
           <p:cNvPr id="44" name="Textfeld 43">
             <a:extLst>
               <a:ext uri="{FF2B5EF4-FFF2-40B4-BE49-F238E27FC236}">
-                <a16:creationId xmlns:a16="http://schemas.microsoft.com/office/drawing/2014/main" xmlns="" id="{56F7D731-EFF7-4318-A1BB-4C228AD80E10}"/>
+                <a16:creationId xmlns:a16="http://schemas.microsoft.com/office/drawing/2014/main" id="{56F7D731-EFF7-4318-A1BB-4C228AD80E10}"/>
               </a:ext>
             </a:extLst>
           </p:cNvPr>
@@ -5716,7 +5691,7 @@
           <p:cNvPr id="45" name="Textfeld 44">
             <a:extLst>
               <a:ext uri="{FF2B5EF4-FFF2-40B4-BE49-F238E27FC236}">
-                <a16:creationId xmlns:a16="http://schemas.microsoft.com/office/drawing/2014/main" xmlns="" id="{78161AAE-EBF4-458C-AF63-F56DE7E40683}"/>
+                <a16:creationId xmlns:a16="http://schemas.microsoft.com/office/drawing/2014/main" id="{78161AAE-EBF4-458C-AF63-F56DE7E40683}"/>
               </a:ext>
             </a:extLst>
           </p:cNvPr>
@@ -5751,7 +5726,7 @@
           <p:cNvPr id="46" name="Foliennummernplatzhalter 45">
             <a:extLst>
               <a:ext uri="{FF2B5EF4-FFF2-40B4-BE49-F238E27FC236}">
-                <a16:creationId xmlns:a16="http://schemas.microsoft.com/office/drawing/2014/main" xmlns="" id="{C8736086-FF43-4F11-B163-935F1CA54CB9}"/>
+                <a16:creationId xmlns:a16="http://schemas.microsoft.com/office/drawing/2014/main" id="{C8736086-FF43-4F11-B163-935F1CA54CB9}"/>
               </a:ext>
             </a:extLst>
           </p:cNvPr>
@@ -5810,7 +5785,7 @@
           <p:cNvPr id="2" name="Titel 1">
             <a:extLst>
               <a:ext uri="{FF2B5EF4-FFF2-40B4-BE49-F238E27FC236}">
-                <a16:creationId xmlns:a16="http://schemas.microsoft.com/office/drawing/2014/main" xmlns="" id="{BC5612AC-6411-4142-AED7-C162557AFFAD}"/>
+                <a16:creationId xmlns:a16="http://schemas.microsoft.com/office/drawing/2014/main" id="{BC5612AC-6411-4142-AED7-C162557AFFAD}"/>
               </a:ext>
             </a:extLst>
           </p:cNvPr>
@@ -5839,7 +5814,7 @@
           <p:cNvPr id="3" name="Inhaltsplatzhalter 2">
             <a:extLst>
               <a:ext uri="{FF2B5EF4-FFF2-40B4-BE49-F238E27FC236}">
-                <a16:creationId xmlns:a16="http://schemas.microsoft.com/office/drawing/2014/main" xmlns="" id="{50710A65-BC45-4F3B-ABA3-CBBBFBBA6513}"/>
+                <a16:creationId xmlns:a16="http://schemas.microsoft.com/office/drawing/2014/main" id="{50710A65-BC45-4F3B-ABA3-CBBBFBBA6513}"/>
               </a:ext>
             </a:extLst>
           </p:cNvPr>
@@ -5864,7 +5839,7 @@
           <p:cNvPr id="4" name="Foliennummernplatzhalter 3">
             <a:extLst>
               <a:ext uri="{FF2B5EF4-FFF2-40B4-BE49-F238E27FC236}">
-                <a16:creationId xmlns:a16="http://schemas.microsoft.com/office/drawing/2014/main" xmlns="" id="{19788284-BBE6-4885-96DA-A705A3D1CEE9}"/>
+                <a16:creationId xmlns:a16="http://schemas.microsoft.com/office/drawing/2014/main" id="{19788284-BBE6-4885-96DA-A705A3D1CEE9}"/>
               </a:ext>
             </a:extLst>
           </p:cNvPr>
@@ -5923,7 +5898,7 @@
           <p:cNvPr id="2" name="Titel 1">
             <a:extLst>
               <a:ext uri="{FF2B5EF4-FFF2-40B4-BE49-F238E27FC236}">
-                <a16:creationId xmlns:a16="http://schemas.microsoft.com/office/drawing/2014/main" xmlns="" id="{AB797468-C3B3-4625-A645-4FF1498D3D36}"/>
+                <a16:creationId xmlns:a16="http://schemas.microsoft.com/office/drawing/2014/main" id="{AB797468-C3B3-4625-A645-4FF1498D3D36}"/>
               </a:ext>
             </a:extLst>
           </p:cNvPr>
@@ -5951,7 +5926,7 @@
           <p:cNvPr id="3" name="Untertitel 2">
             <a:extLst>
               <a:ext uri="{FF2B5EF4-FFF2-40B4-BE49-F238E27FC236}">
-                <a16:creationId xmlns:a16="http://schemas.microsoft.com/office/drawing/2014/main" xmlns="" id="{90F58143-0024-47BA-B87F-224EB2258D41}"/>
+                <a16:creationId xmlns:a16="http://schemas.microsoft.com/office/drawing/2014/main" id="{90F58143-0024-47BA-B87F-224EB2258D41}"/>
               </a:ext>
             </a:extLst>
           </p:cNvPr>
@@ -5993,7 +5968,7 @@
           <p:cNvPr id="4" name="Foliennummernplatzhalter 3">
             <a:extLst>
               <a:ext uri="{FF2B5EF4-FFF2-40B4-BE49-F238E27FC236}">
-                <a16:creationId xmlns:a16="http://schemas.microsoft.com/office/drawing/2014/main" xmlns="" id="{DE1C29E7-48F7-44B2-9F58-68C8DB0777C2}"/>
+                <a16:creationId xmlns:a16="http://schemas.microsoft.com/office/drawing/2014/main" id="{DE1C29E7-48F7-44B2-9F58-68C8DB0777C2}"/>
               </a:ext>
             </a:extLst>
           </p:cNvPr>
@@ -6027,13 +6002,6 @@
   <p:clrMapOvr>
     <a:masterClrMapping/>
   </p:clrMapOvr>
-  <p:timing>
-    <p:tnLst>
-      <p:par>
-        <p:cTn id="1" dur="indefinite" restart="never" nodeType="tmRoot"/>
-      </p:par>
-    </p:tnLst>
-  </p:timing>
 </p:sld>
 </file>
 
@@ -6059,7 +6027,7 @@
           <p:cNvPr id="2" name="Titel 1">
             <a:extLst>
               <a:ext uri="{FF2B5EF4-FFF2-40B4-BE49-F238E27FC236}">
-                <a16:creationId xmlns:a16="http://schemas.microsoft.com/office/drawing/2014/main" xmlns="" id="{26825D3A-6CEE-4F9F-81E5-3E804EAA612A}"/>
+                <a16:creationId xmlns:a16="http://schemas.microsoft.com/office/drawing/2014/main" id="{26825D3A-6CEE-4F9F-81E5-3E804EAA612A}"/>
               </a:ext>
             </a:extLst>
           </p:cNvPr>
@@ -6088,7 +6056,7 @@
           <p:cNvPr id="3" name="Inhaltsplatzhalter 2">
             <a:extLst>
               <a:ext uri="{FF2B5EF4-FFF2-40B4-BE49-F238E27FC236}">
-                <a16:creationId xmlns:a16="http://schemas.microsoft.com/office/drawing/2014/main" xmlns="" id="{B8B215CE-79DD-4E8A-9F51-760A69740D50}"/>
+                <a16:creationId xmlns:a16="http://schemas.microsoft.com/office/drawing/2014/main" id="{B8B215CE-79DD-4E8A-9F51-760A69740D50}"/>
               </a:ext>
             </a:extLst>
           </p:cNvPr>
@@ -6101,10 +6069,72 @@
         </p:nvSpPr>
         <p:spPr/>
         <p:txBody>
-          <a:bodyPr/>
-          <a:lstStyle/>
-          <a:p>
-            <a:endParaRPr lang="de-DE"/>
+          <a:bodyPr>
+            <a:normAutofit lnSpcReduction="10000"/>
+          </a:bodyPr>
+          <a:lstStyle/>
+          <a:p>
+            <a:r>
+              <a:rPr lang="de-DE" dirty="0"/>
+              <a:t>Einleitung</a:t>
+            </a:r>
+          </a:p>
+          <a:p>
+            <a:r>
+              <a:rPr lang="de-DE" dirty="0"/>
+              <a:t>Spielfeld</a:t>
+            </a:r>
+          </a:p>
+          <a:p>
+            <a:r>
+              <a:rPr lang="de-DE" dirty="0"/>
+              <a:t>Herausforderungen</a:t>
+            </a:r>
+          </a:p>
+          <a:p>
+            <a:r>
+              <a:rPr lang="de-DE" dirty="0"/>
+              <a:t>Graphentheorie und –erzeugung</a:t>
+            </a:r>
+          </a:p>
+          <a:p>
+            <a:r>
+              <a:rPr lang="de-DE" dirty="0"/>
+              <a:t>Enforce Algorithmus</a:t>
+            </a:r>
+          </a:p>
+          <a:p>
+            <a:r>
+              <a:rPr lang="de-DE" dirty="0"/>
+              <a:t>Child-Controller</a:t>
+            </a:r>
+          </a:p>
+          <a:p>
+            <a:r>
+              <a:rPr lang="de-DE" dirty="0"/>
+              <a:t>Robot-Controller</a:t>
+            </a:r>
+          </a:p>
+          <a:p>
+            <a:r>
+              <a:rPr lang="de-DE" dirty="0"/>
+              <a:t>Aufgetretene Fehler</a:t>
+            </a:r>
+          </a:p>
+          <a:p>
+            <a:r>
+              <a:rPr lang="de-DE" dirty="0"/>
+              <a:t>Optimierung</a:t>
+            </a:r>
+          </a:p>
+          <a:p>
+            <a:endParaRPr lang="de-DE" dirty="0"/>
+          </a:p>
+          <a:p>
+            <a:endParaRPr lang="de-DE" dirty="0"/>
+          </a:p>
+          <a:p>
+            <a:endParaRPr lang="de-DE" dirty="0"/>
           </a:p>
         </p:txBody>
       </p:sp>
@@ -6113,7 +6143,7 @@
           <p:cNvPr id="4" name="Foliennummernplatzhalter 3">
             <a:extLst>
               <a:ext uri="{FF2B5EF4-FFF2-40B4-BE49-F238E27FC236}">
-                <a16:creationId xmlns:a16="http://schemas.microsoft.com/office/drawing/2014/main" xmlns="" id="{93BF2E14-94DF-403B-969C-E3660F2321D1}"/>
+                <a16:creationId xmlns:a16="http://schemas.microsoft.com/office/drawing/2014/main" id="{93BF2E14-94DF-403B-969C-E3660F2321D1}"/>
               </a:ext>
             </a:extLst>
           </p:cNvPr>
@@ -6147,13 +6177,6 @@
   <p:clrMapOvr>
     <a:masterClrMapping/>
   </p:clrMapOvr>
-  <p:timing>
-    <p:tnLst>
-      <p:par>
-        <p:cTn id="1" dur="indefinite" restart="never" nodeType="tmRoot"/>
-      </p:par>
-    </p:tnLst>
-  </p:timing>
 </p:sld>
 </file>
 
@@ -6179,7 +6202,7 @@
           <p:cNvPr id="2" name="Titel 1">
             <a:extLst>
               <a:ext uri="{FF2B5EF4-FFF2-40B4-BE49-F238E27FC236}">
-                <a16:creationId xmlns:a16="http://schemas.microsoft.com/office/drawing/2014/main" xmlns="" id="{A1F365B5-A939-445F-958E-D0579E7008B7}"/>
+                <a16:creationId xmlns:a16="http://schemas.microsoft.com/office/drawing/2014/main" id="{A1F365B5-A939-445F-958E-D0579E7008B7}"/>
               </a:ext>
             </a:extLst>
           </p:cNvPr>
@@ -6208,7 +6231,7 @@
           <p:cNvPr id="3" name="Inhaltsplatzhalter 2">
             <a:extLst>
               <a:ext uri="{FF2B5EF4-FFF2-40B4-BE49-F238E27FC236}">
-                <a16:creationId xmlns:a16="http://schemas.microsoft.com/office/drawing/2014/main" xmlns="" id="{4664686B-E363-454D-ABAA-3DB2FB5F692D}"/>
+                <a16:creationId xmlns:a16="http://schemas.microsoft.com/office/drawing/2014/main" id="{4664686B-E363-454D-ABAA-3DB2FB5F692D}"/>
               </a:ext>
             </a:extLst>
           </p:cNvPr>
@@ -6224,55 +6247,51 @@
           <a:bodyPr/>
           <a:lstStyle/>
           <a:p>
-            <a:endParaRPr lang="de-DE" dirty="0" smtClean="0"/>
-          </a:p>
-          <a:p>
-            <a:r>
-              <a:rPr lang="de-DE" dirty="0" smtClean="0"/>
+            <a:endParaRPr lang="de-DE" dirty="0"/>
+          </a:p>
+          <a:p>
+            <a:r>
+              <a:rPr lang="de-DE" dirty="0"/>
               <a:t>Auswahl des Projektes</a:t>
             </a:r>
           </a:p>
           <a:p>
             <a:pPr lvl="1"/>
             <a:r>
-              <a:rPr lang="de-DE" dirty="0" smtClean="0"/>
+              <a:rPr lang="de-DE" dirty="0"/>
               <a:t>Warum war das Projekt so toll und UPPAAL nicht?</a:t>
             </a:r>
           </a:p>
           <a:p>
             <a:r>
-              <a:rPr lang="de-DE" dirty="0" smtClean="0"/>
-              <a:t>Aufgaben-/</a:t>
-            </a:r>
-            <a:r>
-              <a:rPr lang="de-DE" dirty="0" smtClean="0"/>
-              <a:t>Problemstellung</a:t>
+              <a:rPr lang="de-DE" dirty="0"/>
+              <a:t>Aufgaben-/Problemstellung</a:t>
             </a:r>
           </a:p>
           <a:p>
             <a:pPr lvl="1"/>
             <a:r>
-              <a:rPr lang="de-DE" dirty="0" smtClean="0"/>
+              <a:rPr lang="de-DE" dirty="0"/>
               <a:t>Roboter und Kind auf Raster die abwechselnd Spielzüge machen und nicht kollidieren dürfen. Roboter kann auch aufladen </a:t>
             </a:r>
             <a:r>
-              <a:rPr lang="de-DE" dirty="0" err="1" smtClean="0"/>
+              <a:rPr lang="de-DE" dirty="0" err="1"/>
               <a:t>pi</a:t>
             </a:r>
             <a:r>
-              <a:rPr lang="de-DE" dirty="0" smtClean="0"/>
+              <a:rPr lang="de-DE" dirty="0"/>
               <a:t> </a:t>
             </a:r>
             <a:r>
-              <a:rPr lang="de-DE" dirty="0" err="1" smtClean="0"/>
+              <a:rPr lang="de-DE" dirty="0" err="1"/>
               <a:t>pa</a:t>
             </a:r>
             <a:r>
-              <a:rPr lang="de-DE" dirty="0" smtClean="0"/>
+              <a:rPr lang="de-DE" dirty="0"/>
               <a:t> </a:t>
             </a:r>
             <a:r>
-              <a:rPr lang="de-DE" dirty="0" err="1" smtClean="0"/>
+              <a:rPr lang="de-DE" dirty="0" err="1"/>
               <a:t>po</a:t>
             </a:r>
             <a:endParaRPr lang="de-DE" dirty="0"/>
@@ -6284,7 +6303,7 @@
           <p:cNvPr id="4" name="Foliennummernplatzhalter 3">
             <a:extLst>
               <a:ext uri="{FF2B5EF4-FFF2-40B4-BE49-F238E27FC236}">
-                <a16:creationId xmlns:a16="http://schemas.microsoft.com/office/drawing/2014/main" xmlns="" id="{5264A6CD-BC9E-4F42-BBFA-4192D47D444D}"/>
+                <a16:creationId xmlns:a16="http://schemas.microsoft.com/office/drawing/2014/main" id="{5264A6CD-BC9E-4F42-BBFA-4192D47D444D}"/>
               </a:ext>
             </a:extLst>
           </p:cNvPr>
@@ -6322,7 +6341,7 @@
 </file>
 
 <file path=ppt/slides/slide5.xml><?xml version="1.0" encoding="utf-8"?>
-<p:sld xmlns:a="http://schemas.openxmlformats.org/drawingml/2006/main" xmlns:r="http://schemas.openxmlformats.org/officeDocument/2006/relationships" xmlns:p="http://schemas.openxmlformats.org/presentationml/2006/main">
+<p:sld xmlns:a="http://schemas.openxmlformats.org/drawingml/2006/main" xmlns:r="http://schemas.openxmlformats.org/officeDocument/2006/relationships" xmlns:p="http://schemas.openxmlformats.org/presentationml/2006/main" show="0">
   <p:cSld>
     <p:spTree>
       <p:nvGrpSpPr>
@@ -6343,7 +6362,7 @@
           <p:cNvPr id="2" name="Titel 1">
             <a:extLst>
               <a:ext uri="{FF2B5EF4-FFF2-40B4-BE49-F238E27FC236}">
-                <a16:creationId xmlns:a16="http://schemas.microsoft.com/office/drawing/2014/main" xmlns="" id="{D830302C-DA89-453C-9E9D-624506AE6BA3}"/>
+                <a16:creationId xmlns:a16="http://schemas.microsoft.com/office/drawing/2014/main" id="{D830302C-DA89-453C-9E9D-624506AE6BA3}"/>
               </a:ext>
             </a:extLst>
           </p:cNvPr>
@@ -6372,7 +6391,7 @@
           <p:cNvPr id="3" name="Inhaltsplatzhalter 2">
             <a:extLst>
               <a:ext uri="{FF2B5EF4-FFF2-40B4-BE49-F238E27FC236}">
-                <a16:creationId xmlns:a16="http://schemas.microsoft.com/office/drawing/2014/main" xmlns="" id="{A3E9EB45-91E9-45FF-B312-A8E7636840FB}"/>
+                <a16:creationId xmlns:a16="http://schemas.microsoft.com/office/drawing/2014/main" id="{A3E9EB45-91E9-45FF-B312-A8E7636840FB}"/>
               </a:ext>
             </a:extLst>
           </p:cNvPr>
@@ -6390,17 +6409,18 @@
           <a:p>
             <a:r>
               <a:rPr lang="de-DE" dirty="0"/>
-              <a:t>Roboter vs Kind Bewegungsmuster</a:t>
-            </a:r>
-          </a:p>
-          <a:p>
-            <a:r>
-              <a:rPr lang="de-DE" dirty="0"/>
-              <a:t>Spielfeld um Begrenzung und Mauern erweitert</a:t>
-            </a:r>
-          </a:p>
-          <a:p>
-            <a:endParaRPr lang="de-DE" dirty="0"/>
+              <a:t>Roboter Kind (allg. Spielfeld) etc... Am Bild erklären</a:t>
+            </a:r>
+          </a:p>
+          <a:p>
+            <a:r>
+              <a:rPr lang="de-DE"/>
+              <a:t>Roboter und </a:t>
+            </a:r>
+            <a:r>
+              <a:rPr lang="de-DE" dirty="0"/>
+              <a:t>Kind Bewegungsmuster Beispiel Tafel oder Backup Folie</a:t>
+            </a:r>
           </a:p>
         </p:txBody>
       </p:sp>
@@ -6409,7 +6429,7 @@
           <p:cNvPr id="4" name="Foliennummernplatzhalter 3">
             <a:extLst>
               <a:ext uri="{FF2B5EF4-FFF2-40B4-BE49-F238E27FC236}">
-                <a16:creationId xmlns:a16="http://schemas.microsoft.com/office/drawing/2014/main" xmlns="" id="{6318C5D9-92EB-47E6-BBFE-6FA653933C38}"/>
+                <a16:creationId xmlns:a16="http://schemas.microsoft.com/office/drawing/2014/main" id="{6318C5D9-92EB-47E6-BBFE-6FA653933C38}"/>
               </a:ext>
             </a:extLst>
           </p:cNvPr>
@@ -6465,10 +6485,10 @@
       </p:grpSpPr>
       <p:sp>
         <p:nvSpPr>
-          <p:cNvPr id="2" name="Title 1">
-            <a:extLst>
-              <a:ext uri="{FF2B5EF4-FFF2-40B4-BE49-F238E27FC236}">
-                <a16:creationId xmlns:a16="http://schemas.microsoft.com/office/drawing/2014/main" xmlns="" id="{132A757A-169E-4DF2-B061-2F78EA10A643}"/>
+          <p:cNvPr id="2" name="Titel 1">
+            <a:extLst>
+              <a:ext uri="{FF2B5EF4-FFF2-40B4-BE49-F238E27FC236}">
+                <a16:creationId xmlns:a16="http://schemas.microsoft.com/office/drawing/2014/main" id="{D830302C-DA89-453C-9E9D-624506AE6BA3}"/>
               </a:ext>
             </a:extLst>
           </p:cNvPr>
@@ -6487,63 +6507,17 @@
             <a:pPr algn="ctr"/>
             <a:r>
               <a:rPr lang="de-DE" dirty="0"/>
-              <a:t>Herausforderungen</a:t>
-            </a:r>
-          </a:p>
-        </p:txBody>
-      </p:sp>
-      <p:sp>
-        <p:nvSpPr>
-          <p:cNvPr id="3" name="Content Placeholder 2">
-            <a:extLst>
-              <a:ext uri="{FF2B5EF4-FFF2-40B4-BE49-F238E27FC236}">
-                <a16:creationId xmlns:a16="http://schemas.microsoft.com/office/drawing/2014/main" xmlns="" id="{2801F26C-FB81-4294-B60C-5467A60EBFF5}"/>
-              </a:ext>
-            </a:extLst>
-          </p:cNvPr>
-          <p:cNvSpPr>
-            <a:spLocks noGrp="1"/>
-          </p:cNvSpPr>
-          <p:nvPr>
-            <p:ph idx="1"/>
-          </p:nvPr>
-        </p:nvSpPr>
-        <p:spPr/>
-        <p:txBody>
-          <a:bodyPr/>
-          <a:lstStyle/>
-          <a:p>
-            <a:r>
-              <a:rPr lang="de-DE" dirty="0"/>
-              <a:t>1-Akzeptanz</a:t>
-            </a:r>
-          </a:p>
-          <a:p>
-            <a:r>
-              <a:rPr lang="de-DE" dirty="0"/>
-              <a:t>Buechi-Akzeptanz</a:t>
-            </a:r>
-          </a:p>
-          <a:p>
-            <a:r>
-              <a:rPr lang="de-DE" dirty="0"/>
-              <a:t>Batterie/Ladestation</a:t>
-            </a:r>
-          </a:p>
-          <a:p>
-            <a:pPr marL="0" indent="0">
-              <a:buNone/>
-            </a:pPr>
-            <a:endParaRPr lang="de-DE" dirty="0"/>
-          </a:p>
-        </p:txBody>
-      </p:sp>
-      <p:sp>
-        <p:nvSpPr>
-          <p:cNvPr id="4" name="Slide Number Placeholder 3">
-            <a:extLst>
-              <a:ext uri="{FF2B5EF4-FFF2-40B4-BE49-F238E27FC236}">
-                <a16:creationId xmlns:a16="http://schemas.microsoft.com/office/drawing/2014/main" xmlns="" id="{D0D74A05-15E2-4D32-B99A-14F9102497F5}"/>
+              <a:t>Spielfeld</a:t>
+            </a:r>
+          </a:p>
+        </p:txBody>
+      </p:sp>
+      <p:sp>
+        <p:nvSpPr>
+          <p:cNvPr id="4" name="Foliennummernplatzhalter 3">
+            <a:extLst>
+              <a:ext uri="{FF2B5EF4-FFF2-40B4-BE49-F238E27FC236}">
+                <a16:creationId xmlns:a16="http://schemas.microsoft.com/office/drawing/2014/main" id="{6318C5D9-92EB-47E6-BBFE-6FA653933C38}"/>
               </a:ext>
             </a:extLst>
           </p:cNvPr>
@@ -6567,10 +6541,48 @@
           </a:p>
         </p:txBody>
       </p:sp>
+      <p:pic>
+        <p:nvPicPr>
+          <p:cNvPr id="7" name="Bild 4">
+            <a:extLst>
+              <a:ext uri="{FF2B5EF4-FFF2-40B4-BE49-F238E27FC236}">
+                <a16:creationId xmlns:a16="http://schemas.microsoft.com/office/drawing/2014/main" id="{E0FAF2E6-9064-48B8-8F4E-D1CFCBBDAECE}"/>
+              </a:ext>
+            </a:extLst>
+          </p:cNvPr>
+          <p:cNvPicPr>
+            <a:picLocks noGrp="1" noChangeAspect="1"/>
+          </p:cNvPicPr>
+          <p:nvPr>
+            <p:ph idx="1"/>
+          </p:nvPr>
+        </p:nvPicPr>
+        <p:blipFill>
+          <a:blip r:embed="rId2">
+            <a:extLst>
+              <a:ext uri="{28A0092B-C50C-407E-A947-70E740481C1C}">
+                <a14:useLocalDpi xmlns:a14="http://schemas.microsoft.com/office/drawing/2010/main" val="0"/>
+              </a:ext>
+            </a:extLst>
+          </a:blip>
+          <a:stretch>
+            <a:fillRect/>
+          </a:stretch>
+        </p:blipFill>
+        <p:spPr>
+          <a:xfrm>
+            <a:off x="1138410" y="1246520"/>
+            <a:ext cx="9915180" cy="5947653"/>
+          </a:xfrm>
+          <a:prstGeom prst="rect">
+            <a:avLst/>
+          </a:prstGeom>
+        </p:spPr>
+      </p:pic>
     </p:spTree>
     <p:extLst>
       <p:ext uri="{BB962C8B-B14F-4D97-AF65-F5344CB8AC3E}">
-        <p14:creationId xmlns:p14="http://schemas.microsoft.com/office/powerpoint/2010/main" val="504402149"/>
+        <p14:creationId xmlns:p14="http://schemas.microsoft.com/office/powerpoint/2010/main" val="2111025345"/>
       </p:ext>
     </p:extLst>
   </p:cSld>
@@ -6599,10 +6611,10 @@
       </p:grpSpPr>
       <p:sp>
         <p:nvSpPr>
-          <p:cNvPr id="2" name="Titel 1">
-            <a:extLst>
-              <a:ext uri="{FF2B5EF4-FFF2-40B4-BE49-F238E27FC236}">
-                <a16:creationId xmlns:a16="http://schemas.microsoft.com/office/drawing/2014/main" xmlns="" id="{36292C0A-460E-4498-A826-3CE1D1AA0A9C}"/>
+          <p:cNvPr id="2" name="Title 1">
+            <a:extLst>
+              <a:ext uri="{FF2B5EF4-FFF2-40B4-BE49-F238E27FC236}">
+                <a16:creationId xmlns:a16="http://schemas.microsoft.com/office/drawing/2014/main" id="{132A757A-169E-4DF2-B061-2F78EA10A643}"/>
               </a:ext>
             </a:extLst>
           </p:cNvPr>
@@ -6621,17 +6633,17 @@
             <a:pPr algn="ctr"/>
             <a:r>
               <a:rPr lang="de-DE" dirty="0"/>
-              <a:t>EVA Ansicht</a:t>
-            </a:r>
-          </a:p>
-        </p:txBody>
-      </p:sp>
-      <p:sp>
-        <p:nvSpPr>
-          <p:cNvPr id="3" name="Inhaltsplatzhalter 2">
-            <a:extLst>
-              <a:ext uri="{FF2B5EF4-FFF2-40B4-BE49-F238E27FC236}">
-                <a16:creationId xmlns:a16="http://schemas.microsoft.com/office/drawing/2014/main" xmlns="" id="{75383B49-FE22-4427-A01A-013920E6F2D9}"/>
+              <a:t>Herausforderungen</a:t>
+            </a:r>
+          </a:p>
+        </p:txBody>
+      </p:sp>
+      <p:sp>
+        <p:nvSpPr>
+          <p:cNvPr id="3" name="Content Placeholder 2">
+            <a:extLst>
+              <a:ext uri="{FF2B5EF4-FFF2-40B4-BE49-F238E27FC236}">
+                <a16:creationId xmlns:a16="http://schemas.microsoft.com/office/drawing/2014/main" id="{2801F26C-FB81-4294-B60C-5467A60EBFF5}"/>
               </a:ext>
             </a:extLst>
           </p:cNvPr>
@@ -6649,17 +6661,35 @@
           <a:p>
             <a:r>
               <a:rPr lang="de-DE" dirty="0"/>
-              <a:t>Kurzer Screenshot(wir erklären das in der Programmvorstellung)</a:t>
-            </a:r>
-          </a:p>
-        </p:txBody>
-      </p:sp>
-      <p:sp>
-        <p:nvSpPr>
-          <p:cNvPr id="4" name="Foliennummernplatzhalter 3">
-            <a:extLst>
-              <a:ext uri="{FF2B5EF4-FFF2-40B4-BE49-F238E27FC236}">
-                <a16:creationId xmlns:a16="http://schemas.microsoft.com/office/drawing/2014/main" xmlns="" id="{3BC8CC53-32C8-455D-ABE8-88D5FA9AA18D}"/>
+              <a:t>1-Akzeptanz</a:t>
+            </a:r>
+          </a:p>
+          <a:p>
+            <a:r>
+              <a:rPr lang="de-DE" dirty="0"/>
+              <a:t>Buechi-Akzeptanz</a:t>
+            </a:r>
+          </a:p>
+          <a:p>
+            <a:r>
+              <a:rPr lang="de-DE" dirty="0"/>
+              <a:t>Batterie/Ladestation</a:t>
+            </a:r>
+          </a:p>
+          <a:p>
+            <a:pPr marL="0" indent="0">
+              <a:buNone/>
+            </a:pPr>
+            <a:endParaRPr lang="de-DE" dirty="0"/>
+          </a:p>
+        </p:txBody>
+      </p:sp>
+      <p:sp>
+        <p:nvSpPr>
+          <p:cNvPr id="4" name="Slide Number Placeholder 3">
+            <a:extLst>
+              <a:ext uri="{FF2B5EF4-FFF2-40B4-BE49-F238E27FC236}">
+                <a16:creationId xmlns:a16="http://schemas.microsoft.com/office/drawing/2014/main" id="{D0D74A05-15E2-4D32-B99A-14F9102497F5}"/>
               </a:ext>
             </a:extLst>
           </p:cNvPr>
@@ -6683,40 +6713,10 @@
           </a:p>
         </p:txBody>
       </p:sp>
-      <p:pic>
-        <p:nvPicPr>
-          <p:cNvPr id="5" name="Bild 4"/>
-          <p:cNvPicPr>
-            <a:picLocks noChangeAspect="1"/>
-          </p:cNvPicPr>
-          <p:nvPr/>
-        </p:nvPicPr>
-        <p:blipFill>
-          <a:blip r:embed="rId2">
-            <a:extLst>
-              <a:ext uri="{28A0092B-C50C-407E-A947-70E740481C1C}">
-                <a14:useLocalDpi xmlns:a14="http://schemas.microsoft.com/office/drawing/2010/main" val="0"/>
-              </a:ext>
-            </a:extLst>
-          </a:blip>
-          <a:stretch>
-            <a:fillRect/>
-          </a:stretch>
-        </p:blipFill>
-        <p:spPr>
-          <a:xfrm>
-            <a:off x="368300" y="0"/>
-            <a:ext cx="11432798" cy="6858000"/>
-          </a:xfrm>
-          <a:prstGeom prst="rect">
-            <a:avLst/>
-          </a:prstGeom>
-        </p:spPr>
-      </p:pic>
     </p:spTree>
     <p:extLst>
       <p:ext uri="{BB962C8B-B14F-4D97-AF65-F5344CB8AC3E}">
-        <p14:creationId xmlns:p14="http://schemas.microsoft.com/office/powerpoint/2010/main" val="2702348787"/>
+        <p14:creationId xmlns:p14="http://schemas.microsoft.com/office/powerpoint/2010/main" val="504402149"/>
       </p:ext>
     </p:extLst>
   </p:cSld>
@@ -6748,7 +6748,7 @@
           <p:cNvPr id="2" name="Title 1">
             <a:extLst>
               <a:ext uri="{FF2B5EF4-FFF2-40B4-BE49-F238E27FC236}">
-                <a16:creationId xmlns:a16="http://schemas.microsoft.com/office/drawing/2014/main" xmlns="" id="{BBFD2BFE-57E4-4A51-B59D-1A6DD4DAF801}"/>
+                <a16:creationId xmlns:a16="http://schemas.microsoft.com/office/drawing/2014/main" id="{BBFD2BFE-57E4-4A51-B59D-1A6DD4DAF801}"/>
               </a:ext>
             </a:extLst>
           </p:cNvPr>
@@ -6771,90 +6771,88 @@
           <a:p>
             <a:pPr algn="ctr"/>
             <a:r>
-              <a:rPr lang="de-DE" dirty="0" smtClean="0"/>
+              <a:rPr lang="de-DE" dirty="0"/>
               <a:t>Graphentheorie und -erzeugung</a:t>
             </a:r>
+          </a:p>
+        </p:txBody>
+      </p:sp>
+      <p:sp>
+        <p:nvSpPr>
+          <p:cNvPr id="3" name="Content Placeholder 2">
+            <a:extLst>
+              <a:ext uri="{FF2B5EF4-FFF2-40B4-BE49-F238E27FC236}">
+                <a16:creationId xmlns:a16="http://schemas.microsoft.com/office/drawing/2014/main" id="{B992D437-2AD8-4E4B-AA6B-03A5A0A0E9DB}"/>
+              </a:ext>
+            </a:extLst>
+          </p:cNvPr>
+          <p:cNvSpPr>
+            <a:spLocks noGrp="1"/>
+          </p:cNvSpPr>
+          <p:nvPr>
+            <p:ph idx="1"/>
+          </p:nvPr>
+        </p:nvSpPr>
+        <p:spPr/>
+        <p:txBody>
+          <a:bodyPr/>
+          <a:lstStyle/>
+          <a:p>
+            <a:r>
+              <a:rPr lang="de-DE" dirty="0"/>
+              <a:t>Mögliche Spielzustände werden in Graphen dargestellt</a:t>
+            </a:r>
+          </a:p>
+          <a:p>
+            <a:r>
+              <a:rPr lang="de-DE" dirty="0"/>
+              <a:t>Zustand:</a:t>
+            </a:r>
+          </a:p>
+          <a:p>
+            <a:pPr lvl="1"/>
+            <a:r>
+              <a:rPr lang="de-DE" dirty="0"/>
+              <a:t>Roboter oder Umgebung (Kind) am Zug?</a:t>
+            </a:r>
+          </a:p>
+          <a:p>
+            <a:pPr lvl="1"/>
+            <a:r>
+              <a:rPr lang="de-DE" dirty="0"/>
+              <a:t>Position des Roboters</a:t>
+            </a:r>
+          </a:p>
+          <a:p>
+            <a:pPr lvl="1"/>
+            <a:r>
+              <a:rPr lang="de-DE" dirty="0"/>
+              <a:t>Position des Kindes</a:t>
+            </a:r>
+          </a:p>
+          <a:p>
+            <a:r>
+              <a:rPr lang="de-DE" dirty="0"/>
+              <a:t>Übergänge: Spielzüge Roboter/Kind</a:t>
+            </a:r>
+          </a:p>
+          <a:p>
+            <a:r>
+              <a:rPr lang="de-DE" dirty="0"/>
+              <a:t>Generierung?????????</a:t>
+            </a:r>
+          </a:p>
+          <a:p>
             <a:endParaRPr lang="de-DE" dirty="0"/>
           </a:p>
         </p:txBody>
       </p:sp>
       <p:sp>
         <p:nvSpPr>
-          <p:cNvPr id="3" name="Content Placeholder 2">
-            <a:extLst>
-              <a:ext uri="{FF2B5EF4-FFF2-40B4-BE49-F238E27FC236}">
-                <a16:creationId xmlns:a16="http://schemas.microsoft.com/office/drawing/2014/main" xmlns="" id="{B992D437-2AD8-4E4B-AA6B-03A5A0A0E9DB}"/>
-              </a:ext>
-            </a:extLst>
-          </p:cNvPr>
-          <p:cNvSpPr>
-            <a:spLocks noGrp="1"/>
-          </p:cNvSpPr>
-          <p:nvPr>
-            <p:ph idx="1"/>
-          </p:nvPr>
-        </p:nvSpPr>
-        <p:spPr/>
-        <p:txBody>
-          <a:bodyPr/>
-          <a:lstStyle/>
-          <a:p>
-            <a:r>
-              <a:rPr lang="de-DE" dirty="0" smtClean="0"/>
-              <a:t>Mögliche Spielzustände werden in Graphen dargestellt</a:t>
-            </a:r>
-          </a:p>
-          <a:p>
-            <a:r>
-              <a:rPr lang="de-DE" dirty="0" smtClean="0"/>
-              <a:t>Zustand:</a:t>
-            </a:r>
-          </a:p>
-          <a:p>
-            <a:pPr lvl="1"/>
-            <a:r>
-              <a:rPr lang="de-DE" dirty="0" smtClean="0"/>
-              <a:t>Roboter oder Umgebung (Kind) am Zug?</a:t>
-            </a:r>
-          </a:p>
-          <a:p>
-            <a:pPr lvl="1"/>
-            <a:r>
-              <a:rPr lang="de-DE" dirty="0" smtClean="0"/>
-              <a:t>Position des Roboters</a:t>
-            </a:r>
-          </a:p>
-          <a:p>
-            <a:pPr lvl="1"/>
-            <a:r>
-              <a:rPr lang="de-DE" dirty="0" smtClean="0"/>
-              <a:t>Position des Kindes</a:t>
-            </a:r>
-            <a:endParaRPr lang="de-DE" dirty="0"/>
-          </a:p>
-          <a:p>
-            <a:r>
-              <a:rPr lang="de-DE" dirty="0" smtClean="0"/>
-              <a:t>Übergänge: Spielzüge Roboter/Kind</a:t>
-            </a:r>
-          </a:p>
-          <a:p>
-            <a:r>
-              <a:rPr lang="de-DE" dirty="0" smtClean="0"/>
-              <a:t>Generierung?????????</a:t>
-            </a:r>
-          </a:p>
-          <a:p>
-            <a:endParaRPr lang="de-DE" dirty="0" smtClean="0"/>
-          </a:p>
-        </p:txBody>
-      </p:sp>
-      <p:sp>
-        <p:nvSpPr>
           <p:cNvPr id="4" name="Slide Number Placeholder 3">
             <a:extLst>
               <a:ext uri="{FF2B5EF4-FFF2-40B4-BE49-F238E27FC236}">
-                <a16:creationId xmlns:a16="http://schemas.microsoft.com/office/drawing/2014/main" xmlns="" id="{5E77F37A-6998-484B-B08C-6AF3769D347B}"/>
+                <a16:creationId xmlns:a16="http://schemas.microsoft.com/office/drawing/2014/main" id="{5E77F37A-6998-484B-B08C-6AF3769D347B}"/>
               </a:ext>
             </a:extLst>
           </p:cNvPr>
@@ -6888,13 +6886,6 @@
   <p:clrMapOvr>
     <a:masterClrMapping/>
   </p:clrMapOvr>
-  <p:timing>
-    <p:tnLst>
-      <p:par>
-        <p:cTn id="1" dur="indefinite" restart="never" nodeType="tmRoot"/>
-      </p:par>
-    </p:tnLst>
-  </p:timing>
 </p:sld>
 </file>
 
@@ -6920,7 +6911,7 @@
           <p:cNvPr id="2" name="Titel 1">
             <a:extLst>
               <a:ext uri="{FF2B5EF4-FFF2-40B4-BE49-F238E27FC236}">
-                <a16:creationId xmlns:a16="http://schemas.microsoft.com/office/drawing/2014/main" xmlns="" id="{270E6DA7-7E9F-416C-8BF7-49DA3B46A7E3}"/>
+                <a16:creationId xmlns:a16="http://schemas.microsoft.com/office/drawing/2014/main" id="{270E6DA7-7E9F-416C-8BF7-49DA3B46A7E3}"/>
               </a:ext>
             </a:extLst>
           </p:cNvPr>
@@ -6949,7 +6940,7 @@
           <p:cNvPr id="3" name="Inhaltsplatzhalter 2">
             <a:extLst>
               <a:ext uri="{FF2B5EF4-FFF2-40B4-BE49-F238E27FC236}">
-                <a16:creationId xmlns:a16="http://schemas.microsoft.com/office/drawing/2014/main" xmlns="" id="{D2EEAE80-11B6-4B94-8FA4-EECF75905D99}"/>
+                <a16:creationId xmlns:a16="http://schemas.microsoft.com/office/drawing/2014/main" id="{D2EEAE80-11B6-4B94-8FA4-EECF75905D99}"/>
               </a:ext>
             </a:extLst>
           </p:cNvPr>
@@ -6982,7 +6973,7 @@
           <p:cNvPr id="4" name="Foliennummernplatzhalter 3">
             <a:extLst>
               <a:ext uri="{FF2B5EF4-FFF2-40B4-BE49-F238E27FC236}">
-                <a16:creationId xmlns:a16="http://schemas.microsoft.com/office/drawing/2014/main" xmlns="" id="{7F69AB07-BCC7-4E3F-8A9E-FE017903336B}"/>
+                <a16:creationId xmlns:a16="http://schemas.microsoft.com/office/drawing/2014/main" id="{7F69AB07-BCC7-4E3F-8A9E-FE017903336B}"/>
               </a:ext>
             </a:extLst>
           </p:cNvPr>
@@ -7046,13 +7037,6 @@
   <p:clrMapOvr>
     <a:masterClrMapping/>
   </p:clrMapOvr>
-  <p:timing>
-    <p:tnLst>
-      <p:par>
-        <p:cTn id="1" dur="indefinite" restart="never" nodeType="tmRoot"/>
-      </p:par>
-    </p:tnLst>
-  </p:timing>
 </p:sld>
 </file>
 

--- a/Dokumentation/Roboter.pptx
+++ b/Dokumentation/Roboter.pptx
@@ -5,7 +5,7 @@
     <p:sldMasterId id="2147483648" r:id="rId1"/>
   </p:sldMasterIdLst>
   <p:notesMasterIdLst>
-    <p:notesMasterId r:id="rId26"/>
+    <p:notesMasterId r:id="rId28"/>
   </p:notesMasterIdLst>
   <p:sldIdLst>
     <p:sldId id="278" r:id="rId2"/>
@@ -22,16 +22,18 @@
     <p:sldId id="284" r:id="rId13"/>
     <p:sldId id="286" r:id="rId14"/>
     <p:sldId id="275" r:id="rId15"/>
-    <p:sldId id="273" r:id="rId16"/>
-    <p:sldId id="271" r:id="rId17"/>
-    <p:sldId id="260" r:id="rId18"/>
-    <p:sldId id="274" r:id="rId19"/>
-    <p:sldId id="276" r:id="rId20"/>
-    <p:sldId id="277" r:id="rId21"/>
-    <p:sldId id="272" r:id="rId22"/>
-    <p:sldId id="269" r:id="rId23"/>
-    <p:sldId id="270" r:id="rId24"/>
-    <p:sldId id="268" r:id="rId25"/>
+    <p:sldId id="288" r:id="rId16"/>
+    <p:sldId id="273" r:id="rId17"/>
+    <p:sldId id="271" r:id="rId18"/>
+    <p:sldId id="260" r:id="rId19"/>
+    <p:sldId id="274" r:id="rId20"/>
+    <p:sldId id="289" r:id="rId21"/>
+    <p:sldId id="276" r:id="rId22"/>
+    <p:sldId id="277" r:id="rId23"/>
+    <p:sldId id="272" r:id="rId24"/>
+    <p:sldId id="269" r:id="rId25"/>
+    <p:sldId id="270" r:id="rId26"/>
+    <p:sldId id="268" r:id="rId27"/>
   </p:sldIdLst>
   <p:sldSz cx="12192000" cy="6858000"/>
   <p:notesSz cx="6858000" cy="9144000"/>
@@ -8934,7 +8936,7 @@
 </file>
 
 <file path=ppt/slides/slide14.xml><?xml version="1.0" encoding="utf-8"?>
-<p:sld xmlns:a="http://schemas.openxmlformats.org/drawingml/2006/main" xmlns:r="http://schemas.openxmlformats.org/officeDocument/2006/relationships" xmlns:p="http://schemas.openxmlformats.org/presentationml/2006/main">
+<p:sld xmlns:a="http://schemas.openxmlformats.org/drawingml/2006/main" xmlns:r="http://schemas.openxmlformats.org/officeDocument/2006/relationships" xmlns:p="http://schemas.openxmlformats.org/presentationml/2006/main" show="0">
   <p:cSld>
     <p:spTree>
       <p:nvGrpSpPr>
@@ -9002,19 +9004,21 @@
           <a:p>
             <a:r>
               <a:rPr lang="de-DE" dirty="0"/>
-              <a:t>1-Akzeptanz</a:t>
+              <a:t>1-Akzeptanz und Buechi Akzeptanz </a:t>
             </a:r>
           </a:p>
           <a:p>
             <a:r>
               <a:rPr lang="de-DE" dirty="0"/>
-              <a:t>Buechi-Akzeptanz</a:t>
-            </a:r>
-          </a:p>
-          <a:p>
-            <a:r>
-              <a:rPr lang="de-DE" dirty="0"/>
-              <a:t>Batterie/Ladestation</a:t>
+              <a:t>Batterie/Ladestation erklären </a:t>
+            </a:r>
+            <a:r>
+              <a:rPr lang="de-DE" dirty="0">
+                <a:highlight>
+                  <a:srgbClr val="FF0000"/>
+                </a:highlight>
+              </a:rPr>
+              <a:t>?Richtige Stelle?</a:t>
             </a:r>
           </a:p>
           <a:p>
@@ -9089,7 +9093,7 @@
           <p:cNvPr id="2" name="Title 1">
             <a:extLst>
               <a:ext uri="{FF2B5EF4-FFF2-40B4-BE49-F238E27FC236}">
-                <a16:creationId xmlns:a16="http://schemas.microsoft.com/office/drawing/2014/main" id="{BBFD2BFE-57E4-4A51-B59D-1A6DD4DAF801}"/>
+                <a16:creationId xmlns:a16="http://schemas.microsoft.com/office/drawing/2014/main" id="{132A757A-169E-4DF2-B061-2F78EA10A643}"/>
               </a:ext>
             </a:extLst>
           </p:cNvPr>
@@ -9100,12 +9104,7 @@
             <p:ph type="title"/>
           </p:nvPr>
         </p:nvSpPr>
-        <p:spPr>
-          <a:xfrm>
-            <a:off x="838200" y="365125"/>
-            <a:ext cx="10515600" cy="1325563"/>
-          </a:xfrm>
-        </p:spPr>
+        <p:spPr/>
         <p:txBody>
           <a:bodyPr/>
           <a:lstStyle/>
@@ -9113,78 +9112,8 @@
             <a:pPr algn="ctr"/>
             <a:r>
               <a:rPr lang="de-DE" dirty="0"/>
-              <a:t>Graphentheorie und -erzeugung</a:t>
-            </a:r>
-          </a:p>
-        </p:txBody>
-      </p:sp>
-      <p:sp>
-        <p:nvSpPr>
-          <p:cNvPr id="3" name="Content Placeholder 2">
-            <a:extLst>
-              <a:ext uri="{FF2B5EF4-FFF2-40B4-BE49-F238E27FC236}">
-                <a16:creationId xmlns:a16="http://schemas.microsoft.com/office/drawing/2014/main" id="{B992D437-2AD8-4E4B-AA6B-03A5A0A0E9DB}"/>
-              </a:ext>
-            </a:extLst>
-          </p:cNvPr>
-          <p:cNvSpPr>
-            <a:spLocks noGrp="1"/>
-          </p:cNvSpPr>
-          <p:nvPr>
-            <p:ph idx="1"/>
-          </p:nvPr>
-        </p:nvSpPr>
-        <p:spPr/>
-        <p:txBody>
-          <a:bodyPr/>
-          <a:lstStyle/>
-          <a:p>
-            <a:r>
-              <a:rPr lang="de-DE" dirty="0"/>
-              <a:t>Mögliche Spielzustände werden in Graphen dargestellt</a:t>
-            </a:r>
-          </a:p>
-          <a:p>
-            <a:r>
-              <a:rPr lang="de-DE" dirty="0"/>
-              <a:t>Zustand:</a:t>
-            </a:r>
-          </a:p>
-          <a:p>
-            <a:pPr lvl="1"/>
-            <a:r>
-              <a:rPr lang="de-DE" dirty="0"/>
-              <a:t>Roboter oder Umgebung (Kind) am Zug?</a:t>
-            </a:r>
-          </a:p>
-          <a:p>
-            <a:pPr lvl="1"/>
-            <a:r>
-              <a:rPr lang="de-DE" dirty="0"/>
-              <a:t>Position des Roboters</a:t>
-            </a:r>
-          </a:p>
-          <a:p>
-            <a:pPr lvl="1"/>
-            <a:r>
-              <a:rPr lang="de-DE" dirty="0"/>
-              <a:t>Position des Kindes</a:t>
-            </a:r>
-          </a:p>
-          <a:p>
-            <a:r>
-              <a:rPr lang="de-DE" dirty="0"/>
-              <a:t>Übergänge: Spielzüge Roboter/Kind</a:t>
-            </a:r>
-          </a:p>
-          <a:p>
-            <a:r>
-              <a:rPr lang="de-DE" dirty="0"/>
-              <a:t>Generierung?????????</a:t>
-            </a:r>
-          </a:p>
-          <a:p>
-            <a:endParaRPr lang="de-DE" dirty="0"/>
+              <a:t>Herausforderungen</a:t>
+            </a:r>
           </a:p>
         </p:txBody>
       </p:sp>
@@ -9193,7 +9122,7 @@
           <p:cNvPr id="4" name="Slide Number Placeholder 3">
             <a:extLst>
               <a:ext uri="{FF2B5EF4-FFF2-40B4-BE49-F238E27FC236}">
-                <a16:creationId xmlns:a16="http://schemas.microsoft.com/office/drawing/2014/main" id="{5E77F37A-6998-484B-B08C-6AF3769D347B}"/>
+                <a16:creationId xmlns:a16="http://schemas.microsoft.com/office/drawing/2014/main" id="{D0D74A05-15E2-4D32-B99A-14F9102497F5}"/>
               </a:ext>
             </a:extLst>
           </p:cNvPr>
@@ -9217,10 +9146,359 @@
           </a:p>
         </p:txBody>
       </p:sp>
+      <p:sp>
+        <p:nvSpPr>
+          <p:cNvPr id="6" name="Rectangle: Rounded Corners 5">
+            <a:extLst>
+              <a:ext uri="{FF2B5EF4-FFF2-40B4-BE49-F238E27FC236}">
+                <a16:creationId xmlns:a16="http://schemas.microsoft.com/office/drawing/2014/main" id="{7C70509A-789A-4162-9451-DBAD31EF31EF}"/>
+              </a:ext>
+            </a:extLst>
+          </p:cNvPr>
+          <p:cNvSpPr/>
+          <p:nvPr/>
+        </p:nvSpPr>
+        <p:spPr>
+          <a:xfrm>
+            <a:off x="3289738" y="2375338"/>
+            <a:ext cx="2806262" cy="609600"/>
+          </a:xfrm>
+          <a:prstGeom prst="roundRect">
+            <a:avLst/>
+          </a:prstGeom>
+          <a:solidFill>
+            <a:schemeClr val="bg1"/>
+          </a:solidFill>
+          <a:ln>
+            <a:solidFill>
+              <a:schemeClr val="tx1"/>
+            </a:solidFill>
+          </a:ln>
+        </p:spPr>
+        <p:style>
+          <a:lnRef idx="2">
+            <a:schemeClr val="accent1">
+              <a:shade val="50000"/>
+            </a:schemeClr>
+          </a:lnRef>
+          <a:fillRef idx="1">
+            <a:schemeClr val="accent1"/>
+          </a:fillRef>
+          <a:effectRef idx="0">
+            <a:schemeClr val="accent1"/>
+          </a:effectRef>
+          <a:fontRef idx="minor">
+            <a:schemeClr val="lt1"/>
+          </a:fontRef>
+        </p:style>
+        <p:txBody>
+          <a:bodyPr rtlCol="0" anchor="ctr"/>
+          <a:lstStyle/>
+          <a:p>
+            <a:pPr algn="ctr"/>
+            <a:r>
+              <a:rPr lang="de-DE" sz="2800" dirty="0">
+                <a:solidFill>
+                  <a:schemeClr val="tx1"/>
+                </a:solidFill>
+              </a:rPr>
+              <a:t>1-Akzeptanz</a:t>
+            </a:r>
+          </a:p>
+        </p:txBody>
+      </p:sp>
+      <p:sp>
+        <p:nvSpPr>
+          <p:cNvPr id="7" name="Rectangle: Rounded Corners 6">
+            <a:extLst>
+              <a:ext uri="{FF2B5EF4-FFF2-40B4-BE49-F238E27FC236}">
+                <a16:creationId xmlns:a16="http://schemas.microsoft.com/office/drawing/2014/main" id="{B13430B5-839B-4BD3-9483-0EEAC9F030F8}"/>
+              </a:ext>
+            </a:extLst>
+          </p:cNvPr>
+          <p:cNvSpPr/>
+          <p:nvPr/>
+        </p:nvSpPr>
+        <p:spPr>
+          <a:xfrm>
+            <a:off x="3289738" y="4276150"/>
+            <a:ext cx="2806262" cy="609600"/>
+          </a:xfrm>
+          <a:prstGeom prst="roundRect">
+            <a:avLst/>
+          </a:prstGeom>
+          <a:solidFill>
+            <a:schemeClr val="bg1"/>
+          </a:solidFill>
+          <a:ln>
+            <a:solidFill>
+              <a:schemeClr val="tx1"/>
+            </a:solidFill>
+          </a:ln>
+        </p:spPr>
+        <p:style>
+          <a:lnRef idx="2">
+            <a:schemeClr val="accent1">
+              <a:shade val="50000"/>
+            </a:schemeClr>
+          </a:lnRef>
+          <a:fillRef idx="1">
+            <a:schemeClr val="accent1"/>
+          </a:fillRef>
+          <a:effectRef idx="0">
+            <a:schemeClr val="accent1"/>
+          </a:effectRef>
+          <a:fontRef idx="minor">
+            <a:schemeClr val="lt1"/>
+          </a:fontRef>
+        </p:style>
+        <p:txBody>
+          <a:bodyPr rtlCol="0" anchor="ctr"/>
+          <a:lstStyle/>
+          <a:p>
+            <a:pPr algn="ctr"/>
+            <a:r>
+              <a:rPr lang="de-DE" sz="2800" dirty="0">
+                <a:solidFill>
+                  <a:schemeClr val="tx1"/>
+                </a:solidFill>
+              </a:rPr>
+              <a:t>Buechi-Akzeptanz</a:t>
+            </a:r>
+          </a:p>
+        </p:txBody>
+      </p:sp>
+      <p:sp>
+        <p:nvSpPr>
+          <p:cNvPr id="8" name="TextBox 7">
+            <a:extLst>
+              <a:ext uri="{FF2B5EF4-FFF2-40B4-BE49-F238E27FC236}">
+                <a16:creationId xmlns:a16="http://schemas.microsoft.com/office/drawing/2014/main" id="{04F897F3-567B-4871-96B4-AE7D59EE860A}"/>
+              </a:ext>
+            </a:extLst>
+          </p:cNvPr>
+          <p:cNvSpPr txBox="1"/>
+          <p:nvPr/>
+        </p:nvSpPr>
+        <p:spPr>
+          <a:xfrm>
+            <a:off x="7346731" y="1987640"/>
+            <a:ext cx="3816045" cy="1384995"/>
+          </a:xfrm>
+          <a:prstGeom prst="rect">
+            <a:avLst/>
+          </a:prstGeom>
+          <a:noFill/>
+        </p:spPr>
+        <p:txBody>
+          <a:bodyPr wrap="none" rtlCol="0">
+            <a:spAutoFit/>
+          </a:bodyPr>
+          <a:lstStyle/>
+          <a:p>
+            <a:r>
+              <a:rPr lang="de-DE" sz="2800" dirty="0"/>
+              <a:t>Alle Ziele einmal </a:t>
+            </a:r>
+          </a:p>
+          <a:p>
+            <a:r>
+              <a:rPr lang="de-DE" sz="2800" dirty="0"/>
+              <a:t>in der richtigen</a:t>
+            </a:r>
+          </a:p>
+          <a:p>
+            <a:r>
+              <a:rPr lang="de-DE" sz="2800" dirty="0"/>
+              <a:t> Reihenfolge durchlaufen</a:t>
+            </a:r>
+          </a:p>
+        </p:txBody>
+      </p:sp>
+      <p:sp>
+        <p:nvSpPr>
+          <p:cNvPr id="9" name="Arrow: Down 8">
+            <a:extLst>
+              <a:ext uri="{FF2B5EF4-FFF2-40B4-BE49-F238E27FC236}">
+                <a16:creationId xmlns:a16="http://schemas.microsoft.com/office/drawing/2014/main" id="{1898FDFC-5D86-4051-87C5-8397E6F89BEB}"/>
+              </a:ext>
+            </a:extLst>
+          </p:cNvPr>
+          <p:cNvSpPr/>
+          <p:nvPr/>
+        </p:nvSpPr>
+        <p:spPr>
+          <a:xfrm>
+            <a:off x="4540469" y="2981900"/>
+            <a:ext cx="430924" cy="1294250"/>
+          </a:xfrm>
+          <a:prstGeom prst="downArrow">
+            <a:avLst/>
+          </a:prstGeom>
+          <a:solidFill>
+            <a:schemeClr val="tx1"/>
+          </a:solidFill>
+          <a:ln>
+            <a:solidFill>
+              <a:schemeClr val="tx1"/>
+            </a:solidFill>
+          </a:ln>
+        </p:spPr>
+        <p:style>
+          <a:lnRef idx="2">
+            <a:schemeClr val="accent1">
+              <a:shade val="50000"/>
+            </a:schemeClr>
+          </a:lnRef>
+          <a:fillRef idx="1">
+            <a:schemeClr val="accent1"/>
+          </a:fillRef>
+          <a:effectRef idx="0">
+            <a:schemeClr val="accent1"/>
+          </a:effectRef>
+          <a:fontRef idx="minor">
+            <a:schemeClr val="lt1"/>
+          </a:fontRef>
+        </p:style>
+        <p:txBody>
+          <a:bodyPr rtlCol="0" anchor="ctr"/>
+          <a:lstStyle/>
+          <a:p>
+            <a:pPr algn="ctr"/>
+            <a:endParaRPr lang="de-DE"/>
+          </a:p>
+        </p:txBody>
+      </p:sp>
+      <p:cxnSp>
+        <p:nvCxnSpPr>
+          <p:cNvPr id="11" name="Straight Connector 10">
+            <a:extLst>
+              <a:ext uri="{FF2B5EF4-FFF2-40B4-BE49-F238E27FC236}">
+                <a16:creationId xmlns:a16="http://schemas.microsoft.com/office/drawing/2014/main" id="{EAD10B8C-23E0-4173-ABA9-2656558830E4}"/>
+              </a:ext>
+            </a:extLst>
+          </p:cNvPr>
+          <p:cNvCxnSpPr>
+            <a:stCxn id="8" idx="1"/>
+            <a:endCxn id="6" idx="3"/>
+          </p:cNvCxnSpPr>
+          <p:nvPr/>
+        </p:nvCxnSpPr>
+        <p:spPr>
+          <a:xfrm flipH="1">
+            <a:off x="6096000" y="2680138"/>
+            <a:ext cx="1250731" cy="0"/>
+          </a:xfrm>
+          <a:prstGeom prst="line">
+            <a:avLst/>
+          </a:prstGeom>
+          <a:ln/>
+        </p:spPr>
+        <p:style>
+          <a:lnRef idx="3">
+            <a:schemeClr val="dk1"/>
+          </a:lnRef>
+          <a:fillRef idx="0">
+            <a:schemeClr val="dk1"/>
+          </a:fillRef>
+          <a:effectRef idx="2">
+            <a:schemeClr val="dk1"/>
+          </a:effectRef>
+          <a:fontRef idx="minor">
+            <a:schemeClr val="tx1"/>
+          </a:fontRef>
+        </p:style>
+      </p:cxnSp>
+      <p:sp>
+        <p:nvSpPr>
+          <p:cNvPr id="12" name="TextBox 11">
+            <a:extLst>
+              <a:ext uri="{FF2B5EF4-FFF2-40B4-BE49-F238E27FC236}">
+                <a16:creationId xmlns:a16="http://schemas.microsoft.com/office/drawing/2014/main" id="{022E76B3-201D-407D-8BCA-BA1A5C48EF71}"/>
+              </a:ext>
+            </a:extLst>
+          </p:cNvPr>
+          <p:cNvSpPr txBox="1"/>
+          <p:nvPr/>
+        </p:nvSpPr>
+        <p:spPr>
+          <a:xfrm>
+            <a:off x="7346731" y="3981905"/>
+            <a:ext cx="3493649" cy="1384995"/>
+          </a:xfrm>
+          <a:prstGeom prst="rect">
+            <a:avLst/>
+          </a:prstGeom>
+          <a:noFill/>
+        </p:spPr>
+        <p:txBody>
+          <a:bodyPr wrap="none" rtlCol="0">
+            <a:spAutoFit/>
+          </a:bodyPr>
+          <a:lstStyle/>
+          <a:p>
+            <a:r>
+              <a:rPr lang="de-DE" sz="2800" dirty="0"/>
+              <a:t>Erstes Ziel als Ziel nach</a:t>
+            </a:r>
+          </a:p>
+          <a:p>
+            <a:r>
+              <a:rPr lang="de-DE" sz="2800" dirty="0"/>
+              <a:t>dem letzten Ziel -&gt;</a:t>
+            </a:r>
+          </a:p>
+          <a:p>
+            <a:r>
+              <a:rPr lang="de-DE" sz="2800" dirty="0"/>
+              <a:t>Endlosschleife</a:t>
+            </a:r>
+          </a:p>
+        </p:txBody>
+      </p:sp>
+      <p:cxnSp>
+        <p:nvCxnSpPr>
+          <p:cNvPr id="13" name="Straight Connector 12">
+            <a:extLst>
+              <a:ext uri="{FF2B5EF4-FFF2-40B4-BE49-F238E27FC236}">
+                <a16:creationId xmlns:a16="http://schemas.microsoft.com/office/drawing/2014/main" id="{F6C24DE6-D0C9-4DB6-AA8C-1DA6DCB18C9F}"/>
+              </a:ext>
+            </a:extLst>
+          </p:cNvPr>
+          <p:cNvCxnSpPr>
+            <a:stCxn id="12" idx="1"/>
+          </p:cNvCxnSpPr>
+          <p:nvPr/>
+        </p:nvCxnSpPr>
+        <p:spPr>
+          <a:xfrm flipH="1">
+            <a:off x="6096001" y="4674403"/>
+            <a:ext cx="1250730" cy="0"/>
+          </a:xfrm>
+          <a:prstGeom prst="line">
+            <a:avLst/>
+          </a:prstGeom>
+          <a:ln/>
+        </p:spPr>
+        <p:style>
+          <a:lnRef idx="3">
+            <a:schemeClr val="dk1"/>
+          </a:lnRef>
+          <a:fillRef idx="0">
+            <a:schemeClr val="dk1"/>
+          </a:fillRef>
+          <a:effectRef idx="2">
+            <a:schemeClr val="dk1"/>
+          </a:effectRef>
+          <a:fontRef idx="minor">
+            <a:schemeClr val="tx1"/>
+          </a:fontRef>
+        </p:style>
+      </p:cxnSp>
     </p:spTree>
     <p:extLst>
       <p:ext uri="{BB962C8B-B14F-4D97-AF65-F5344CB8AC3E}">
-        <p14:creationId xmlns:p14="http://schemas.microsoft.com/office/powerpoint/2010/main" val="4276346423"/>
+        <p14:creationId xmlns:p14="http://schemas.microsoft.com/office/powerpoint/2010/main" val="2596360835"/>
       </p:ext>
     </p:extLst>
   </p:cSld>
@@ -9249,10 +9527,10 @@
       </p:grpSpPr>
       <p:sp>
         <p:nvSpPr>
-          <p:cNvPr id="2" name="Titel 1">
-            <a:extLst>
-              <a:ext uri="{FF2B5EF4-FFF2-40B4-BE49-F238E27FC236}">
-                <a16:creationId xmlns:a16="http://schemas.microsoft.com/office/drawing/2014/main" id="{270E6DA7-7E9F-416C-8BF7-49DA3B46A7E3}"/>
+          <p:cNvPr id="2" name="Title 1">
+            <a:extLst>
+              <a:ext uri="{FF2B5EF4-FFF2-40B4-BE49-F238E27FC236}">
+                <a16:creationId xmlns:a16="http://schemas.microsoft.com/office/drawing/2014/main" id="{BBFD2BFE-57E4-4A51-B59D-1A6DD4DAF801}"/>
               </a:ext>
             </a:extLst>
           </p:cNvPr>
@@ -9263,7 +9541,12 @@
             <p:ph type="title"/>
           </p:nvPr>
         </p:nvSpPr>
-        <p:spPr/>
+        <p:spPr>
+          <a:xfrm>
+            <a:off x="838200" y="365125"/>
+            <a:ext cx="10515600" cy="1325563"/>
+          </a:xfrm>
+        </p:spPr>
         <p:txBody>
           <a:bodyPr/>
           <a:lstStyle/>
@@ -9271,17 +9554,17 @@
             <a:pPr algn="ctr"/>
             <a:r>
               <a:rPr lang="de-DE" dirty="0"/>
-              <a:t>Beispielgraph</a:t>
-            </a:r>
-          </a:p>
-        </p:txBody>
-      </p:sp>
-      <p:sp>
-        <p:nvSpPr>
-          <p:cNvPr id="3" name="Inhaltsplatzhalter 2">
-            <a:extLst>
-              <a:ext uri="{FF2B5EF4-FFF2-40B4-BE49-F238E27FC236}">
-                <a16:creationId xmlns:a16="http://schemas.microsoft.com/office/drawing/2014/main" id="{D2EEAE80-11B6-4B94-8FA4-EECF75905D99}"/>
+              <a:t>Graphentheorie und -erzeugung</a:t>
+            </a:r>
+          </a:p>
+        </p:txBody>
+      </p:sp>
+      <p:sp>
+        <p:nvSpPr>
+          <p:cNvPr id="3" name="Content Placeholder 2">
+            <a:extLst>
+              <a:ext uri="{FF2B5EF4-FFF2-40B4-BE49-F238E27FC236}">
+                <a16:creationId xmlns:a16="http://schemas.microsoft.com/office/drawing/2014/main" id="{B992D437-2AD8-4E4B-AA6B-03A5A0A0E9DB}"/>
               </a:ext>
             </a:extLst>
           </p:cNvPr>
@@ -9292,6 +9575,164 @@
             <p:ph idx="1"/>
           </p:nvPr>
         </p:nvSpPr>
+        <p:spPr/>
+        <p:txBody>
+          <a:bodyPr/>
+          <a:lstStyle/>
+          <a:p>
+            <a:r>
+              <a:rPr lang="de-DE" dirty="0"/>
+              <a:t>Mögliche Spielzustände werden in Graphen dargestellt</a:t>
+            </a:r>
+          </a:p>
+          <a:p>
+            <a:r>
+              <a:rPr lang="de-DE" dirty="0"/>
+              <a:t>Zustand:</a:t>
+            </a:r>
+          </a:p>
+          <a:p>
+            <a:pPr lvl="1"/>
+            <a:r>
+              <a:rPr lang="de-DE" dirty="0"/>
+              <a:t>Roboter oder Umgebung (Kind) am Zug?</a:t>
+            </a:r>
+          </a:p>
+          <a:p>
+            <a:pPr lvl="1"/>
+            <a:r>
+              <a:rPr lang="de-DE" dirty="0"/>
+              <a:t>Position des Roboters</a:t>
+            </a:r>
+          </a:p>
+          <a:p>
+            <a:pPr lvl="1"/>
+            <a:r>
+              <a:rPr lang="de-DE" dirty="0"/>
+              <a:t>Position des Kindes</a:t>
+            </a:r>
+          </a:p>
+          <a:p>
+            <a:r>
+              <a:rPr lang="de-DE" dirty="0"/>
+              <a:t>Übergänge: Spielzüge Roboter/Kind</a:t>
+            </a:r>
+          </a:p>
+          <a:p>
+            <a:r>
+              <a:rPr lang="de-DE" dirty="0"/>
+              <a:t>Generierung?????????</a:t>
+            </a:r>
+          </a:p>
+          <a:p>
+            <a:endParaRPr lang="de-DE" dirty="0"/>
+          </a:p>
+        </p:txBody>
+      </p:sp>
+      <p:sp>
+        <p:nvSpPr>
+          <p:cNvPr id="4" name="Slide Number Placeholder 3">
+            <a:extLst>
+              <a:ext uri="{FF2B5EF4-FFF2-40B4-BE49-F238E27FC236}">
+                <a16:creationId xmlns:a16="http://schemas.microsoft.com/office/drawing/2014/main" id="{5E77F37A-6998-484B-B08C-6AF3769D347B}"/>
+              </a:ext>
+            </a:extLst>
+          </p:cNvPr>
+          <p:cNvSpPr>
+            <a:spLocks noGrp="1"/>
+          </p:cNvSpPr>
+          <p:nvPr>
+            <p:ph type="sldNum" sz="quarter" idx="12"/>
+          </p:nvPr>
+        </p:nvSpPr>
+        <p:spPr/>
+        <p:txBody>
+          <a:bodyPr/>
+          <a:lstStyle/>
+          <a:p>
+            <a:fld id="{24C7E509-D680-4DB8-B87E-B8EC2E347686}" type="slidenum">
+              <a:rPr lang="de-DE" smtClean="0"/>
+              <a:t>16</a:t>
+            </a:fld>
+            <a:endParaRPr lang="de-DE"/>
+          </a:p>
+        </p:txBody>
+      </p:sp>
+    </p:spTree>
+    <p:extLst>
+      <p:ext uri="{BB962C8B-B14F-4D97-AF65-F5344CB8AC3E}">
+        <p14:creationId xmlns:p14="http://schemas.microsoft.com/office/powerpoint/2010/main" val="4276346423"/>
+      </p:ext>
+    </p:extLst>
+  </p:cSld>
+  <p:clrMapOvr>
+    <a:masterClrMapping/>
+  </p:clrMapOvr>
+</p:sld>
+</file>
+
+<file path=ppt/slides/slide17.xml><?xml version="1.0" encoding="utf-8"?>
+<p:sld xmlns:a="http://schemas.openxmlformats.org/drawingml/2006/main" xmlns:r="http://schemas.openxmlformats.org/officeDocument/2006/relationships" xmlns:p="http://schemas.openxmlformats.org/presentationml/2006/main">
+  <p:cSld>
+    <p:spTree>
+      <p:nvGrpSpPr>
+        <p:cNvPr id="1" name=""/>
+        <p:cNvGrpSpPr/>
+        <p:nvPr/>
+      </p:nvGrpSpPr>
+      <p:grpSpPr>
+        <a:xfrm>
+          <a:off x="0" y="0"/>
+          <a:ext cx="0" cy="0"/>
+          <a:chOff x="0" y="0"/>
+          <a:chExt cx="0" cy="0"/>
+        </a:xfrm>
+      </p:grpSpPr>
+      <p:sp>
+        <p:nvSpPr>
+          <p:cNvPr id="2" name="Titel 1">
+            <a:extLst>
+              <a:ext uri="{FF2B5EF4-FFF2-40B4-BE49-F238E27FC236}">
+                <a16:creationId xmlns:a16="http://schemas.microsoft.com/office/drawing/2014/main" id="{270E6DA7-7E9F-416C-8BF7-49DA3B46A7E3}"/>
+              </a:ext>
+            </a:extLst>
+          </p:cNvPr>
+          <p:cNvSpPr>
+            <a:spLocks noGrp="1"/>
+          </p:cNvSpPr>
+          <p:nvPr>
+            <p:ph type="title"/>
+          </p:nvPr>
+        </p:nvSpPr>
+        <p:spPr/>
+        <p:txBody>
+          <a:bodyPr/>
+          <a:lstStyle/>
+          <a:p>
+            <a:pPr algn="ctr"/>
+            <a:r>
+              <a:rPr lang="de-DE" dirty="0"/>
+              <a:t>Beispielgraph</a:t>
+            </a:r>
+          </a:p>
+        </p:txBody>
+      </p:sp>
+      <p:sp>
+        <p:nvSpPr>
+          <p:cNvPr id="3" name="Inhaltsplatzhalter 2">
+            <a:extLst>
+              <a:ext uri="{FF2B5EF4-FFF2-40B4-BE49-F238E27FC236}">
+                <a16:creationId xmlns:a16="http://schemas.microsoft.com/office/drawing/2014/main" id="{D2EEAE80-11B6-4B94-8FA4-EECF75905D99}"/>
+              </a:ext>
+            </a:extLst>
+          </p:cNvPr>
+          <p:cNvSpPr>
+            <a:spLocks noGrp="1"/>
+          </p:cNvSpPr>
+          <p:nvPr>
+            <p:ph idx="1"/>
+          </p:nvPr>
+        </p:nvSpPr>
         <p:spPr>
           <a:xfrm>
             <a:off x="1380066" y="2005012"/>
@@ -9332,7 +9773,7 @@
           <a:p>
             <a:fld id="{24C7E509-D680-4DB8-B87E-B8EC2E347686}" type="slidenum">
               <a:rPr lang="de-DE" smtClean="0"/>
-              <a:t>16</a:t>
+              <a:t>17</a:t>
             </a:fld>
             <a:endParaRPr lang="de-DE"/>
           </a:p>
@@ -9381,7 +9822,7 @@
 </p:sld>
 </file>
 
-<file path=ppt/slides/slide17.xml><?xml version="1.0" encoding="utf-8"?>
+<file path=ppt/slides/slide18.xml><?xml version="1.0" encoding="utf-8"?>
 <p:sld xmlns:a="http://schemas.openxmlformats.org/drawingml/2006/main" xmlns:r="http://schemas.openxmlformats.org/officeDocument/2006/relationships" xmlns:p="http://schemas.openxmlformats.org/presentationml/2006/main">
   <p:cSld>
     <p:spTree>
@@ -9511,7 +9952,7 @@
           <a:p>
             <a:fld id="{24C7E509-D680-4DB8-B87E-B8EC2E347686}" type="slidenum">
               <a:rPr lang="de-DE" smtClean="0"/>
-              <a:t>17</a:t>
+              <a:t>18</a:t>
             </a:fld>
             <a:endParaRPr lang="de-DE"/>
           </a:p>
@@ -9554,8 +9995,8 @@
 </p:sld>
 </file>
 
-<file path=ppt/slides/slide18.xml><?xml version="1.0" encoding="utf-8"?>
-<p:sld xmlns:a="http://schemas.openxmlformats.org/drawingml/2006/main" xmlns:r="http://schemas.openxmlformats.org/officeDocument/2006/relationships" xmlns:p="http://schemas.openxmlformats.org/presentationml/2006/main">
+<file path=ppt/slides/slide19.xml><?xml version="1.0" encoding="utf-8"?>
+<p:sld xmlns:a="http://schemas.openxmlformats.org/drawingml/2006/main" xmlns:r="http://schemas.openxmlformats.org/officeDocument/2006/relationships" xmlns:p="http://schemas.openxmlformats.org/presentationml/2006/main" show="0">
   <p:cSld>
     <p:spTree>
       <p:nvGrpSpPr>
@@ -9626,6 +10067,16 @@
               <a:t>Moves aus dem Graphen ermitteln</a:t>
             </a:r>
           </a:p>
+          <a:p>
+            <a:r>
+              <a:rPr lang="de-DE" dirty="0">
+                <a:highlight>
+                  <a:srgbClr val="FF0000"/>
+                </a:highlight>
+              </a:rPr>
+              <a:t>?ZU wenig?</a:t>
+            </a:r>
+          </a:p>
         </p:txBody>
       </p:sp>
       <p:sp>
@@ -9651,7 +10102,7 @@
           <a:p>
             <a:fld id="{24C7E509-D680-4DB8-B87E-B8EC2E347686}" type="slidenum">
               <a:rPr lang="de-DE" smtClean="0"/>
-              <a:t>18</a:t>
+              <a:t>19</a:t>
             </a:fld>
             <a:endParaRPr lang="de-DE"/>
           </a:p>
@@ -9661,128 +10112,6 @@
     <p:extLst>
       <p:ext uri="{BB962C8B-B14F-4D97-AF65-F5344CB8AC3E}">
         <p14:creationId xmlns:p14="http://schemas.microsoft.com/office/powerpoint/2010/main" val="494559891"/>
-      </p:ext>
-    </p:extLst>
-  </p:cSld>
-  <p:clrMapOvr>
-    <a:masterClrMapping/>
-  </p:clrMapOvr>
-</p:sld>
-</file>
-
-<file path=ppt/slides/slide19.xml><?xml version="1.0" encoding="utf-8"?>
-<p:sld xmlns:a="http://schemas.openxmlformats.org/drawingml/2006/main" xmlns:r="http://schemas.openxmlformats.org/officeDocument/2006/relationships" xmlns:p="http://schemas.openxmlformats.org/presentationml/2006/main">
-  <p:cSld>
-    <p:spTree>
-      <p:nvGrpSpPr>
-        <p:cNvPr id="1" name=""/>
-        <p:cNvGrpSpPr/>
-        <p:nvPr/>
-      </p:nvGrpSpPr>
-      <p:grpSpPr>
-        <a:xfrm>
-          <a:off x="0" y="0"/>
-          <a:ext cx="0" cy="0"/>
-          <a:chOff x="0" y="0"/>
-          <a:chExt cx="0" cy="0"/>
-        </a:xfrm>
-      </p:grpSpPr>
-      <p:sp>
-        <p:nvSpPr>
-          <p:cNvPr id="2" name="Title 1">
-            <a:extLst>
-              <a:ext uri="{FF2B5EF4-FFF2-40B4-BE49-F238E27FC236}">
-                <a16:creationId xmlns:a16="http://schemas.microsoft.com/office/drawing/2014/main" id="{06BEDA57-7B6A-423A-A767-68DE43BD4B63}"/>
-              </a:ext>
-            </a:extLst>
-          </p:cNvPr>
-          <p:cNvSpPr>
-            <a:spLocks noGrp="1"/>
-          </p:cNvSpPr>
-          <p:nvPr>
-            <p:ph type="title"/>
-          </p:nvPr>
-        </p:nvSpPr>
-        <p:spPr/>
-        <p:txBody>
-          <a:bodyPr/>
-          <a:lstStyle/>
-          <a:p>
-            <a:pPr algn="ctr"/>
-            <a:r>
-              <a:rPr lang="de-DE" dirty="0"/>
-              <a:t>Robot-Controller</a:t>
-            </a:r>
-          </a:p>
-        </p:txBody>
-      </p:sp>
-      <p:sp>
-        <p:nvSpPr>
-          <p:cNvPr id="3" name="Content Placeholder 2">
-            <a:extLst>
-              <a:ext uri="{FF2B5EF4-FFF2-40B4-BE49-F238E27FC236}">
-                <a16:creationId xmlns:a16="http://schemas.microsoft.com/office/drawing/2014/main" id="{1B228557-58FE-4B16-943F-3E3A18656556}"/>
-              </a:ext>
-            </a:extLst>
-          </p:cNvPr>
-          <p:cNvSpPr>
-            <a:spLocks noGrp="1"/>
-          </p:cNvSpPr>
-          <p:nvPr>
-            <p:ph idx="1"/>
-          </p:nvPr>
-        </p:nvSpPr>
-        <p:spPr/>
-        <p:txBody>
-          <a:bodyPr/>
-          <a:lstStyle/>
-          <a:p>
-            <a:r>
-              <a:rPr lang="de-DE" dirty="0"/>
-              <a:t>Wie erreichen wir das Ziel</a:t>
-            </a:r>
-          </a:p>
-          <a:p>
-            <a:r>
-              <a:rPr lang="de-DE" dirty="0"/>
-              <a:t>On demand</a:t>
-            </a:r>
-          </a:p>
-        </p:txBody>
-      </p:sp>
-      <p:sp>
-        <p:nvSpPr>
-          <p:cNvPr id="4" name="Slide Number Placeholder 3">
-            <a:extLst>
-              <a:ext uri="{FF2B5EF4-FFF2-40B4-BE49-F238E27FC236}">
-                <a16:creationId xmlns:a16="http://schemas.microsoft.com/office/drawing/2014/main" id="{9E4F3BBA-350F-4622-BAC1-BFCAADEF46F0}"/>
-              </a:ext>
-            </a:extLst>
-          </p:cNvPr>
-          <p:cNvSpPr>
-            <a:spLocks noGrp="1"/>
-          </p:cNvSpPr>
-          <p:nvPr>
-            <p:ph type="sldNum" sz="quarter" idx="12"/>
-          </p:nvPr>
-        </p:nvSpPr>
-        <p:spPr/>
-        <p:txBody>
-          <a:bodyPr/>
-          <a:lstStyle/>
-          <a:p>
-            <a:fld id="{24C7E509-D680-4DB8-B87E-B8EC2E347686}" type="slidenum">
-              <a:rPr lang="de-DE" smtClean="0"/>
-              <a:t>19</a:t>
-            </a:fld>
-            <a:endParaRPr lang="de-DE"/>
-          </a:p>
-        </p:txBody>
-      </p:sp>
-    </p:spTree>
-    <p:extLst>
-      <p:ext uri="{BB962C8B-B14F-4D97-AF65-F5344CB8AC3E}">
-        <p14:creationId xmlns:p14="http://schemas.microsoft.com/office/powerpoint/2010/main" val="2805305175"/>
       </p:ext>
     </p:extLst>
   </p:cSld>
@@ -9943,7 +10272,7 @@
           <p:cNvPr id="2" name="Title 1">
             <a:extLst>
               <a:ext uri="{FF2B5EF4-FFF2-40B4-BE49-F238E27FC236}">
-                <a16:creationId xmlns:a16="http://schemas.microsoft.com/office/drawing/2014/main" id="{06BEDA57-7B6A-423A-A767-68DE43BD4B63}"/>
+                <a16:creationId xmlns:a16="http://schemas.microsoft.com/office/drawing/2014/main" id="{3C939BD4-D9D8-457A-B76C-E3D1F62B16C2}"/>
               </a:ext>
             </a:extLst>
           </p:cNvPr>
@@ -9962,17 +10291,46 @@
             <a:pPr algn="ctr"/>
             <a:r>
               <a:rPr lang="de-DE" dirty="0"/>
-              <a:t>Robot-Controller</a:t>
-            </a:r>
-          </a:p>
-        </p:txBody>
-      </p:sp>
-      <p:sp>
-        <p:nvSpPr>
-          <p:cNvPr id="3" name="Content Placeholder 2">
-            <a:extLst>
-              <a:ext uri="{FF2B5EF4-FFF2-40B4-BE49-F238E27FC236}">
-                <a16:creationId xmlns:a16="http://schemas.microsoft.com/office/drawing/2014/main" id="{1B228557-58FE-4B16-943F-3E3A18656556}"/>
+              <a:t>Child-Controller</a:t>
+            </a:r>
+          </a:p>
+        </p:txBody>
+      </p:sp>
+      <p:sp>
+        <p:nvSpPr>
+          <p:cNvPr id="4" name="Slide Number Placeholder 3">
+            <a:extLst>
+              <a:ext uri="{FF2B5EF4-FFF2-40B4-BE49-F238E27FC236}">
+                <a16:creationId xmlns:a16="http://schemas.microsoft.com/office/drawing/2014/main" id="{08BF1626-F459-4C91-A2D9-0E0413559529}"/>
+              </a:ext>
+            </a:extLst>
+          </p:cNvPr>
+          <p:cNvSpPr>
+            <a:spLocks noGrp="1"/>
+          </p:cNvSpPr>
+          <p:nvPr>
+            <p:ph type="sldNum" sz="quarter" idx="12"/>
+          </p:nvPr>
+        </p:nvSpPr>
+        <p:spPr/>
+        <p:txBody>
+          <a:bodyPr/>
+          <a:lstStyle/>
+          <a:p>
+            <a:fld id="{24C7E509-D680-4DB8-B87E-B8EC2E347686}" type="slidenum">
+              <a:rPr lang="de-DE" smtClean="0"/>
+              <a:t>20</a:t>
+            </a:fld>
+            <a:endParaRPr lang="de-DE"/>
+          </a:p>
+        </p:txBody>
+      </p:sp>
+      <p:sp>
+        <p:nvSpPr>
+          <p:cNvPr id="6" name="Content Placeholder 5">
+            <a:extLst>
+              <a:ext uri="{FF2B5EF4-FFF2-40B4-BE49-F238E27FC236}">
+                <a16:creationId xmlns:a16="http://schemas.microsoft.com/office/drawing/2014/main" id="{8ABBAD17-D195-4A08-896B-9DCA682344EE}"/>
               </a:ext>
             </a:extLst>
           </p:cNvPr>
@@ -9988,46 +10346,31 @@
           <a:bodyPr/>
           <a:lstStyle/>
           <a:p>
+            <a:pPr marL="514350" indent="-514350">
+              <a:buFont typeface="+mj-lt"/>
+              <a:buAutoNum type="arabicPeriod"/>
+            </a:pPr>
             <a:r>
               <a:rPr lang="de-DE" dirty="0"/>
-              <a:t>Batterie Lösung</a:t>
-            </a:r>
-          </a:p>
-        </p:txBody>
-      </p:sp>
-      <p:sp>
-        <p:nvSpPr>
-          <p:cNvPr id="4" name="Slide Number Placeholder 3">
-            <a:extLst>
-              <a:ext uri="{FF2B5EF4-FFF2-40B4-BE49-F238E27FC236}">
-                <a16:creationId xmlns:a16="http://schemas.microsoft.com/office/drawing/2014/main" id="{9E4F3BBA-350F-4622-BAC1-BFCAADEF46F0}"/>
-              </a:ext>
-            </a:extLst>
-          </p:cNvPr>
-          <p:cNvSpPr>
-            <a:spLocks noGrp="1"/>
-          </p:cNvSpPr>
-          <p:nvPr>
-            <p:ph type="sldNum" sz="quarter" idx="12"/>
-          </p:nvPr>
-        </p:nvSpPr>
-        <p:spPr/>
-        <p:txBody>
-          <a:bodyPr/>
-          <a:lstStyle/>
-          <a:p>
-            <a:fld id="{24C7E509-D680-4DB8-B87E-B8EC2E347686}" type="slidenum">
-              <a:rPr lang="de-DE" smtClean="0"/>
-              <a:t>20</a:t>
-            </a:fld>
-            <a:endParaRPr lang="de-DE"/>
+              <a:t>Mögliche Steps aus dem Graphen ermitteln</a:t>
+            </a:r>
+          </a:p>
+          <a:p>
+            <a:pPr marL="514350" indent="-514350">
+              <a:buFont typeface="+mj-lt"/>
+              <a:buAutoNum type="arabicPeriod"/>
+            </a:pPr>
+            <a:r>
+              <a:rPr lang="de-DE" dirty="0"/>
+              <a:t>Step ausführen</a:t>
+            </a:r>
           </a:p>
         </p:txBody>
       </p:sp>
     </p:spTree>
     <p:extLst>
       <p:ext uri="{BB962C8B-B14F-4D97-AF65-F5344CB8AC3E}">
-        <p14:creationId xmlns:p14="http://schemas.microsoft.com/office/powerpoint/2010/main" val="2837473609"/>
+        <p14:creationId xmlns:p14="http://schemas.microsoft.com/office/powerpoint/2010/main" val="4180756261"/>
       </p:ext>
     </p:extLst>
   </p:cSld>
@@ -10038,7 +10381,7 @@
 </file>
 
 <file path=ppt/slides/slide21.xml><?xml version="1.0" encoding="utf-8"?>
-<p:sld xmlns:a="http://schemas.openxmlformats.org/drawingml/2006/main" xmlns:r="http://schemas.openxmlformats.org/officeDocument/2006/relationships" xmlns:p="http://schemas.openxmlformats.org/presentationml/2006/main">
+<p:sld xmlns:a="http://schemas.openxmlformats.org/drawingml/2006/main" xmlns:r="http://schemas.openxmlformats.org/officeDocument/2006/relationships" xmlns:p="http://schemas.openxmlformats.org/presentationml/2006/main" show="0">
   <p:cSld>
     <p:spTree>
       <p:nvGrpSpPr>
@@ -10056,10 +10399,10 @@
       </p:grpSpPr>
       <p:sp>
         <p:nvSpPr>
-          <p:cNvPr id="2" name="Titel 1">
-            <a:extLst>
-              <a:ext uri="{FF2B5EF4-FFF2-40B4-BE49-F238E27FC236}">
-                <a16:creationId xmlns:a16="http://schemas.microsoft.com/office/drawing/2014/main" id="{5D10B3B2-98CE-4A76-8F3B-AC87D7970181}"/>
+          <p:cNvPr id="2" name="Title 1">
+            <a:extLst>
+              <a:ext uri="{FF2B5EF4-FFF2-40B4-BE49-F238E27FC236}">
+                <a16:creationId xmlns:a16="http://schemas.microsoft.com/office/drawing/2014/main" id="{06BEDA57-7B6A-423A-A767-68DE43BD4B63}"/>
               </a:ext>
             </a:extLst>
           </p:cNvPr>
@@ -10078,17 +10421,17 @@
             <a:pPr algn="ctr"/>
             <a:r>
               <a:rPr lang="de-DE" dirty="0"/>
-              <a:t>Aufgetretene Fehler</a:t>
-            </a:r>
-          </a:p>
-        </p:txBody>
-      </p:sp>
-      <p:sp>
-        <p:nvSpPr>
-          <p:cNvPr id="3" name="Inhaltsplatzhalter 2">
-            <a:extLst>
-              <a:ext uri="{FF2B5EF4-FFF2-40B4-BE49-F238E27FC236}">
-                <a16:creationId xmlns:a16="http://schemas.microsoft.com/office/drawing/2014/main" id="{DF549B9E-E429-455E-9CCB-4C382D186DA1}"/>
+              <a:t>Robot-Controller</a:t>
+            </a:r>
+          </a:p>
+        </p:txBody>
+      </p:sp>
+      <p:sp>
+        <p:nvSpPr>
+          <p:cNvPr id="3" name="Content Placeholder 2">
+            <a:extLst>
+              <a:ext uri="{FF2B5EF4-FFF2-40B4-BE49-F238E27FC236}">
+                <a16:creationId xmlns:a16="http://schemas.microsoft.com/office/drawing/2014/main" id="{1B228557-58FE-4B16-943F-3E3A18656556}"/>
               </a:ext>
             </a:extLst>
           </p:cNvPr>
@@ -10106,59 +10449,29 @@
           <a:p>
             <a:r>
               <a:rPr lang="de-DE" dirty="0"/>
-              <a:t>Graph falsch generiert </a:t>
-            </a:r>
-          </a:p>
-          <a:p>
-            <a:pPr lvl="1"/>
+              <a:t>Wie erreichen wir das Ziel</a:t>
+            </a:r>
+          </a:p>
+          <a:p>
             <a:r>
               <a:rPr lang="de-DE" dirty="0"/>
-              <a:t>Kind ist ausgewichen</a:t>
-            </a:r>
-          </a:p>
-          <a:p>
-            <a:pPr lvl="1"/>
+              <a:t>On demand</a:t>
+            </a:r>
+          </a:p>
+          <a:p>
             <a:r>
               <a:rPr lang="de-DE" dirty="0"/>
-              <a:t>jetzt berechnet die </a:t>
-            </a:r>
-            <a:r>
-              <a:rPr lang="de-DE" dirty="0" err="1"/>
-              <a:t>Graphgenerierung</a:t>
-            </a:r>
-            <a:r>
-              <a:rPr lang="de-DE" dirty="0"/>
-              <a:t> bei jedem Roboterzug die darauf folgenden Kindeszüge und verwirft bei Inkorrektheit den aktuellen Roboterzug</a:t>
-            </a:r>
-          </a:p>
-          <a:p>
-            <a:r>
-              <a:rPr lang="de-DE" dirty="0" err="1"/>
-              <a:t>Enforce</a:t>
-            </a:r>
-            <a:r>
-              <a:rPr lang="de-DE" dirty="0"/>
-              <a:t>-Algorithmus falsch berechnet</a:t>
-            </a:r>
-          </a:p>
-          <a:p>
-            <a:pPr lvl="1"/>
-            <a:r>
-              <a:rPr lang="de-DE" dirty="0"/>
-              <a:t>Implementierung war anfangs falsch</a:t>
-            </a:r>
-          </a:p>
-          <a:p>
-            <a:endParaRPr lang="de-DE" dirty="0"/>
-          </a:p>
-        </p:txBody>
-      </p:sp>
-      <p:sp>
-        <p:nvSpPr>
-          <p:cNvPr id="4" name="Foliennummernplatzhalter 3">
-            <a:extLst>
-              <a:ext uri="{FF2B5EF4-FFF2-40B4-BE49-F238E27FC236}">
-                <a16:creationId xmlns:a16="http://schemas.microsoft.com/office/drawing/2014/main" id="{10CA8FA4-8DBF-4853-9008-56DB49403505}"/>
+              <a:t>Batterie Lösung</a:t>
+            </a:r>
+          </a:p>
+        </p:txBody>
+      </p:sp>
+      <p:sp>
+        <p:nvSpPr>
+          <p:cNvPr id="4" name="Slide Number Placeholder 3">
+            <a:extLst>
+              <a:ext uri="{FF2B5EF4-FFF2-40B4-BE49-F238E27FC236}">
+                <a16:creationId xmlns:a16="http://schemas.microsoft.com/office/drawing/2014/main" id="{9E4F3BBA-350F-4622-BAC1-BFCAADEF46F0}"/>
               </a:ext>
             </a:extLst>
           </p:cNvPr>
@@ -10185,7 +10498,7 @@
     </p:spTree>
     <p:extLst>
       <p:ext uri="{BB962C8B-B14F-4D97-AF65-F5344CB8AC3E}">
-        <p14:creationId xmlns:p14="http://schemas.microsoft.com/office/powerpoint/2010/main" val="3752044732"/>
+        <p14:creationId xmlns:p14="http://schemas.microsoft.com/office/powerpoint/2010/main" val="2805305175"/>
       </p:ext>
     </p:extLst>
   </p:cSld>
@@ -10214,10 +10527,10 @@
       </p:grpSpPr>
       <p:sp>
         <p:nvSpPr>
-          <p:cNvPr id="2" name="Titel 1">
-            <a:extLst>
-              <a:ext uri="{FF2B5EF4-FFF2-40B4-BE49-F238E27FC236}">
-                <a16:creationId xmlns:a16="http://schemas.microsoft.com/office/drawing/2014/main" id="{3A7BB2F4-FCC1-4DE5-B708-3CFD0CD6AE2E}"/>
+          <p:cNvPr id="2" name="Title 1">
+            <a:extLst>
+              <a:ext uri="{FF2B5EF4-FFF2-40B4-BE49-F238E27FC236}">
+                <a16:creationId xmlns:a16="http://schemas.microsoft.com/office/drawing/2014/main" id="{06BEDA57-7B6A-423A-A767-68DE43BD4B63}"/>
               </a:ext>
             </a:extLst>
           </p:cNvPr>
@@ -10236,17 +10549,46 @@
             <a:pPr algn="ctr"/>
             <a:r>
               <a:rPr lang="de-DE" dirty="0"/>
-              <a:t>Optimierung?</a:t>
-            </a:r>
-          </a:p>
-        </p:txBody>
-      </p:sp>
-      <p:sp>
-        <p:nvSpPr>
-          <p:cNvPr id="3" name="Inhaltsplatzhalter 2">
-            <a:extLst>
-              <a:ext uri="{FF2B5EF4-FFF2-40B4-BE49-F238E27FC236}">
-                <a16:creationId xmlns:a16="http://schemas.microsoft.com/office/drawing/2014/main" id="{A44C6831-89D7-4EA9-AA4D-054654C37D3B}"/>
+              <a:t>Robot-Controller</a:t>
+            </a:r>
+          </a:p>
+        </p:txBody>
+      </p:sp>
+      <p:sp>
+        <p:nvSpPr>
+          <p:cNvPr id="4" name="Slide Number Placeholder 3">
+            <a:extLst>
+              <a:ext uri="{FF2B5EF4-FFF2-40B4-BE49-F238E27FC236}">
+                <a16:creationId xmlns:a16="http://schemas.microsoft.com/office/drawing/2014/main" id="{9E4F3BBA-350F-4622-BAC1-BFCAADEF46F0}"/>
+              </a:ext>
+            </a:extLst>
+          </p:cNvPr>
+          <p:cNvSpPr>
+            <a:spLocks noGrp="1"/>
+          </p:cNvSpPr>
+          <p:nvPr>
+            <p:ph type="sldNum" sz="quarter" idx="12"/>
+          </p:nvPr>
+        </p:nvSpPr>
+        <p:spPr/>
+        <p:txBody>
+          <a:bodyPr/>
+          <a:lstStyle/>
+          <a:p>
+            <a:fld id="{24C7E509-D680-4DB8-B87E-B8EC2E347686}" type="slidenum">
+              <a:rPr lang="de-DE" smtClean="0"/>
+              <a:t>22</a:t>
+            </a:fld>
+            <a:endParaRPr lang="de-DE"/>
+          </a:p>
+        </p:txBody>
+      </p:sp>
+      <p:sp>
+        <p:nvSpPr>
+          <p:cNvPr id="6" name="Content Placeholder 5">
+            <a:extLst>
+              <a:ext uri="{FF2B5EF4-FFF2-40B4-BE49-F238E27FC236}">
+                <a16:creationId xmlns:a16="http://schemas.microsoft.com/office/drawing/2014/main" id="{F3AAA2AA-570A-42F5-AD34-74BDEA51AD02}"/>
               </a:ext>
             </a:extLst>
           </p:cNvPr>
@@ -10262,91 +10604,166 @@
           <a:bodyPr/>
           <a:lstStyle/>
           <a:p>
-            <a:pPr marL="0" indent="0">
-              <a:buNone/>
-            </a:pPr>
+            <a:endParaRPr lang="de-DE"/>
+          </a:p>
+        </p:txBody>
+      </p:sp>
+      <p:pic>
+        <p:nvPicPr>
+          <p:cNvPr id="7" name="Picture 6">
+            <a:extLst>
+              <a:ext uri="{FF2B5EF4-FFF2-40B4-BE49-F238E27FC236}">
+                <a16:creationId xmlns:a16="http://schemas.microsoft.com/office/drawing/2014/main" id="{78208436-60CA-416D-BE2D-4E100756D999}"/>
+              </a:ext>
+            </a:extLst>
+          </p:cNvPr>
+          <p:cNvPicPr>
+            <a:picLocks noChangeAspect="1"/>
+          </p:cNvPicPr>
+          <p:nvPr/>
+        </p:nvPicPr>
+        <p:blipFill>
+          <a:blip r:embed="rId2"/>
+          <a:stretch>
+            <a:fillRect/>
+          </a:stretch>
+        </p:blipFill>
+        <p:spPr>
+          <a:xfrm>
+            <a:off x="3045392" y="1706631"/>
+            <a:ext cx="6101216" cy="4832281"/>
+          </a:xfrm>
+          <a:prstGeom prst="rect">
+            <a:avLst/>
+          </a:prstGeom>
+        </p:spPr>
+      </p:pic>
+    </p:spTree>
+    <p:extLst>
+      <p:ext uri="{BB962C8B-B14F-4D97-AF65-F5344CB8AC3E}">
+        <p14:creationId xmlns:p14="http://schemas.microsoft.com/office/powerpoint/2010/main" val="2837473609"/>
+      </p:ext>
+    </p:extLst>
+  </p:cSld>
+  <p:clrMapOvr>
+    <a:masterClrMapping/>
+  </p:clrMapOvr>
+</p:sld>
+</file>
+
+<file path=ppt/slides/slide23.xml><?xml version="1.0" encoding="utf-8"?>
+<p:sld xmlns:a="http://schemas.openxmlformats.org/drawingml/2006/main" xmlns:r="http://schemas.openxmlformats.org/officeDocument/2006/relationships" xmlns:p="http://schemas.openxmlformats.org/presentationml/2006/main">
+  <p:cSld>
+    <p:spTree>
+      <p:nvGrpSpPr>
+        <p:cNvPr id="1" name=""/>
+        <p:cNvGrpSpPr/>
+        <p:nvPr/>
+      </p:nvGrpSpPr>
+      <p:grpSpPr>
+        <a:xfrm>
+          <a:off x="0" y="0"/>
+          <a:ext cx="0" cy="0"/>
+          <a:chOff x="0" y="0"/>
+          <a:chExt cx="0" cy="0"/>
+        </a:xfrm>
+      </p:grpSpPr>
+      <p:sp>
+        <p:nvSpPr>
+          <p:cNvPr id="2" name="Titel 1">
+            <a:extLst>
+              <a:ext uri="{FF2B5EF4-FFF2-40B4-BE49-F238E27FC236}">
+                <a16:creationId xmlns:a16="http://schemas.microsoft.com/office/drawing/2014/main" id="{5D10B3B2-98CE-4A76-8F3B-AC87D7970181}"/>
+              </a:ext>
+            </a:extLst>
+          </p:cNvPr>
+          <p:cNvSpPr>
+            <a:spLocks noGrp="1"/>
+          </p:cNvSpPr>
+          <p:nvPr>
+            <p:ph type="title"/>
+          </p:nvPr>
+        </p:nvSpPr>
+        <p:spPr/>
+        <p:txBody>
+          <a:bodyPr/>
+          <a:lstStyle/>
+          <a:p>
+            <a:pPr algn="ctr"/>
             <a:r>
               <a:rPr lang="de-DE" dirty="0"/>
-              <a:t>Wenn ( </a:t>
+              <a:t>Aufgetretene Fehler</a:t>
+            </a:r>
+          </a:p>
+        </p:txBody>
+      </p:sp>
+      <p:sp>
+        <p:nvSpPr>
+          <p:cNvPr id="3" name="Inhaltsplatzhalter 2">
+            <a:extLst>
+              <a:ext uri="{FF2B5EF4-FFF2-40B4-BE49-F238E27FC236}">
+                <a16:creationId xmlns:a16="http://schemas.microsoft.com/office/drawing/2014/main" id="{DF549B9E-E429-455E-9CCB-4C382D186DA1}"/>
+              </a:ext>
+            </a:extLst>
+          </p:cNvPr>
+          <p:cNvSpPr>
+            <a:spLocks noGrp="1"/>
+          </p:cNvSpPr>
+          <p:nvPr>
+            <p:ph idx="1"/>
+          </p:nvPr>
+        </p:nvSpPr>
+        <p:spPr/>
+        <p:txBody>
+          <a:bodyPr/>
+          <a:lstStyle/>
+          <a:p>
+            <a:r>
+              <a:rPr lang="de-DE" dirty="0"/>
+              <a:t>Graph falsch generiert </a:t>
+            </a:r>
+          </a:p>
+          <a:p>
+            <a:pPr lvl="1"/>
+            <a:r>
+              <a:rPr lang="de-DE" dirty="0"/>
+              <a:t>Kind ist ausgewichen</a:t>
+            </a:r>
+          </a:p>
+          <a:p>
+            <a:pPr lvl="1"/>
+            <a:r>
+              <a:rPr lang="de-DE" dirty="0"/>
+              <a:t>jetzt berechnet die </a:t>
             </a:r>
             <a:r>
               <a:rPr lang="de-DE" dirty="0" err="1"/>
-              <a:t>bisZieleld</a:t>
+              <a:t>Graphgenerierung</a:t>
             </a:r>
             <a:r>
               <a:rPr lang="de-DE" dirty="0"/>
-              <a:t> + </a:t>
-            </a:r>
+              <a:t> bei jedem Roboterzug die darauf folgenden Kindeszüge und verwirft bei Inkorrektheit den aktuellen Roboterzug</a:t>
+            </a:r>
+          </a:p>
+          <a:p>
             <a:r>
               <a:rPr lang="de-DE" dirty="0" err="1"/>
-              <a:t>bisBatterie</a:t>
+              <a:t>Enforce</a:t>
             </a:r>
             <a:r>
               <a:rPr lang="de-DE" dirty="0"/>
-              <a:t> &lt; Tankfüllung ) {</a:t>
-            </a:r>
-          </a:p>
-          <a:p>
-            <a:pPr marL="0" indent="0">
-              <a:buNone/>
-            </a:pPr>
+              <a:t>-Algorithmus falsch berechnet</a:t>
+            </a:r>
+          </a:p>
+          <a:p>
+            <a:pPr lvl="1"/>
             <a:r>
               <a:rPr lang="de-DE" dirty="0"/>
-              <a:t>	gehe zum Zielfeld		&lt;- Optimierbar?</a:t>
-            </a:r>
-          </a:p>
-          <a:p>
-            <a:pPr marL="0" indent="0">
-              <a:buNone/>
-            </a:pPr>
-            <a:r>
-              <a:rPr lang="de-DE" dirty="0"/>
-              <a:t>} Sonst Wenn ( </a:t>
-            </a:r>
-            <a:r>
-              <a:rPr lang="de-DE" dirty="0" err="1"/>
-              <a:t>bisBatterie</a:t>
-            </a:r>
-            <a:r>
-              <a:rPr lang="de-DE" dirty="0"/>
-              <a:t> &lt; Tankfüllung ) {</a:t>
-            </a:r>
-          </a:p>
-          <a:p>
-            <a:pPr marL="0" indent="0">
-              <a:buNone/>
-            </a:pPr>
-            <a:r>
-              <a:rPr lang="de-DE" dirty="0"/>
-              <a:t>	Gehe zur Batterie</a:t>
-            </a:r>
-          </a:p>
-          <a:p>
-            <a:pPr marL="0" indent="0">
-              <a:buNone/>
-            </a:pPr>
-            <a:r>
-              <a:rPr lang="de-DE" dirty="0"/>
-              <a:t>} Sonst {</a:t>
-            </a:r>
-          </a:p>
-          <a:p>
-            <a:pPr marL="0" indent="0">
-              <a:buNone/>
-            </a:pPr>
-            <a:r>
-              <a:rPr lang="de-DE" dirty="0"/>
-              <a:t>	Game Over</a:t>
-            </a:r>
-          </a:p>
-          <a:p>
-            <a:pPr marL="0" indent="0">
-              <a:buNone/>
-            </a:pPr>
-            <a:r>
-              <a:rPr lang="de-DE" dirty="0"/>
-              <a:t>}</a:t>
-            </a:r>
+              <a:t>Implementierung war anfangs falsch</a:t>
+            </a:r>
+          </a:p>
+          <a:p>
+            <a:endParaRPr lang="de-DE" dirty="0"/>
           </a:p>
         </p:txBody>
       </p:sp>
@@ -10355,7 +10772,7 @@
           <p:cNvPr id="4" name="Foliennummernplatzhalter 3">
             <a:extLst>
               <a:ext uri="{FF2B5EF4-FFF2-40B4-BE49-F238E27FC236}">
-                <a16:creationId xmlns:a16="http://schemas.microsoft.com/office/drawing/2014/main" id="{256B3083-294C-4EB3-A324-509DB8EA66E4}"/>
+                <a16:creationId xmlns:a16="http://schemas.microsoft.com/office/drawing/2014/main" id="{10CA8FA4-8DBF-4853-9008-56DB49403505}"/>
               </a:ext>
             </a:extLst>
           </p:cNvPr>
@@ -10373,7 +10790,204 @@
           <a:p>
             <a:fld id="{24C7E509-D680-4DB8-B87E-B8EC2E347686}" type="slidenum">
               <a:rPr lang="de-DE" smtClean="0"/>
-              <a:t>22</a:t>
+              <a:t>23</a:t>
+            </a:fld>
+            <a:endParaRPr lang="de-DE"/>
+          </a:p>
+        </p:txBody>
+      </p:sp>
+    </p:spTree>
+    <p:extLst>
+      <p:ext uri="{BB962C8B-B14F-4D97-AF65-F5344CB8AC3E}">
+        <p14:creationId xmlns:p14="http://schemas.microsoft.com/office/powerpoint/2010/main" val="3752044732"/>
+      </p:ext>
+    </p:extLst>
+  </p:cSld>
+  <p:clrMapOvr>
+    <a:masterClrMapping/>
+  </p:clrMapOvr>
+</p:sld>
+</file>
+
+<file path=ppt/slides/slide24.xml><?xml version="1.0" encoding="utf-8"?>
+<p:sld xmlns:a="http://schemas.openxmlformats.org/drawingml/2006/main" xmlns:r="http://schemas.openxmlformats.org/officeDocument/2006/relationships" xmlns:p="http://schemas.openxmlformats.org/presentationml/2006/main">
+  <p:cSld>
+    <p:spTree>
+      <p:nvGrpSpPr>
+        <p:cNvPr id="1" name=""/>
+        <p:cNvGrpSpPr/>
+        <p:nvPr/>
+      </p:nvGrpSpPr>
+      <p:grpSpPr>
+        <a:xfrm>
+          <a:off x="0" y="0"/>
+          <a:ext cx="0" cy="0"/>
+          <a:chOff x="0" y="0"/>
+          <a:chExt cx="0" cy="0"/>
+        </a:xfrm>
+      </p:grpSpPr>
+      <p:sp>
+        <p:nvSpPr>
+          <p:cNvPr id="2" name="Titel 1">
+            <a:extLst>
+              <a:ext uri="{FF2B5EF4-FFF2-40B4-BE49-F238E27FC236}">
+                <a16:creationId xmlns:a16="http://schemas.microsoft.com/office/drawing/2014/main" id="{3A7BB2F4-FCC1-4DE5-B708-3CFD0CD6AE2E}"/>
+              </a:ext>
+            </a:extLst>
+          </p:cNvPr>
+          <p:cNvSpPr>
+            <a:spLocks noGrp="1"/>
+          </p:cNvSpPr>
+          <p:nvPr>
+            <p:ph type="title"/>
+          </p:nvPr>
+        </p:nvSpPr>
+        <p:spPr/>
+        <p:txBody>
+          <a:bodyPr/>
+          <a:lstStyle/>
+          <a:p>
+            <a:pPr algn="ctr"/>
+            <a:r>
+              <a:rPr lang="de-DE" dirty="0"/>
+              <a:t>Optimierung?</a:t>
+            </a:r>
+          </a:p>
+        </p:txBody>
+      </p:sp>
+      <p:sp>
+        <p:nvSpPr>
+          <p:cNvPr id="3" name="Inhaltsplatzhalter 2">
+            <a:extLst>
+              <a:ext uri="{FF2B5EF4-FFF2-40B4-BE49-F238E27FC236}">
+                <a16:creationId xmlns:a16="http://schemas.microsoft.com/office/drawing/2014/main" id="{A44C6831-89D7-4EA9-AA4D-054654C37D3B}"/>
+              </a:ext>
+            </a:extLst>
+          </p:cNvPr>
+          <p:cNvSpPr>
+            <a:spLocks noGrp="1"/>
+          </p:cNvSpPr>
+          <p:nvPr>
+            <p:ph idx="1"/>
+          </p:nvPr>
+        </p:nvSpPr>
+        <p:spPr/>
+        <p:txBody>
+          <a:bodyPr/>
+          <a:lstStyle/>
+          <a:p>
+            <a:pPr marL="0" indent="0">
+              <a:buNone/>
+            </a:pPr>
+            <a:r>
+              <a:rPr lang="de-DE" dirty="0"/>
+              <a:t>Wenn ( </a:t>
+            </a:r>
+            <a:r>
+              <a:rPr lang="de-DE" dirty="0" err="1"/>
+              <a:t>bisZieleld</a:t>
+            </a:r>
+            <a:r>
+              <a:rPr lang="de-DE" dirty="0"/>
+              <a:t> + </a:t>
+            </a:r>
+            <a:r>
+              <a:rPr lang="de-DE" dirty="0" err="1"/>
+              <a:t>bisBatterie</a:t>
+            </a:r>
+            <a:r>
+              <a:rPr lang="de-DE" dirty="0"/>
+              <a:t> &lt; Tankfüllung ) {</a:t>
+            </a:r>
+          </a:p>
+          <a:p>
+            <a:pPr marL="0" indent="0">
+              <a:buNone/>
+            </a:pPr>
+            <a:r>
+              <a:rPr lang="de-DE" dirty="0"/>
+              <a:t>	gehe zum Zielfeld		&lt;- Optimierbar?</a:t>
+            </a:r>
+          </a:p>
+          <a:p>
+            <a:pPr marL="0" indent="0">
+              <a:buNone/>
+            </a:pPr>
+            <a:r>
+              <a:rPr lang="de-DE" dirty="0"/>
+              <a:t>} Sonst Wenn ( </a:t>
+            </a:r>
+            <a:r>
+              <a:rPr lang="de-DE" dirty="0" err="1"/>
+              <a:t>bisBatterie</a:t>
+            </a:r>
+            <a:r>
+              <a:rPr lang="de-DE" dirty="0"/>
+              <a:t> &lt; Tankfüllung ) {</a:t>
+            </a:r>
+          </a:p>
+          <a:p>
+            <a:pPr marL="0" indent="0">
+              <a:buNone/>
+            </a:pPr>
+            <a:r>
+              <a:rPr lang="de-DE" dirty="0"/>
+              <a:t>	Gehe zur Batterie</a:t>
+            </a:r>
+          </a:p>
+          <a:p>
+            <a:pPr marL="0" indent="0">
+              <a:buNone/>
+            </a:pPr>
+            <a:r>
+              <a:rPr lang="de-DE" dirty="0"/>
+              <a:t>} Sonst {</a:t>
+            </a:r>
+          </a:p>
+          <a:p>
+            <a:pPr marL="0" indent="0">
+              <a:buNone/>
+            </a:pPr>
+            <a:r>
+              <a:rPr lang="de-DE" dirty="0"/>
+              <a:t>	Game Over</a:t>
+            </a:r>
+          </a:p>
+          <a:p>
+            <a:pPr marL="0" indent="0">
+              <a:buNone/>
+            </a:pPr>
+            <a:r>
+              <a:rPr lang="de-DE" dirty="0"/>
+              <a:t>}</a:t>
+            </a:r>
+          </a:p>
+        </p:txBody>
+      </p:sp>
+      <p:sp>
+        <p:nvSpPr>
+          <p:cNvPr id="4" name="Foliennummernplatzhalter 3">
+            <a:extLst>
+              <a:ext uri="{FF2B5EF4-FFF2-40B4-BE49-F238E27FC236}">
+                <a16:creationId xmlns:a16="http://schemas.microsoft.com/office/drawing/2014/main" id="{256B3083-294C-4EB3-A324-509DB8EA66E4}"/>
+              </a:ext>
+            </a:extLst>
+          </p:cNvPr>
+          <p:cNvSpPr>
+            <a:spLocks noGrp="1"/>
+          </p:cNvSpPr>
+          <p:nvPr>
+            <p:ph type="sldNum" sz="quarter" idx="12"/>
+          </p:nvPr>
+        </p:nvSpPr>
+        <p:spPr/>
+        <p:txBody>
+          <a:bodyPr/>
+          <a:lstStyle/>
+          <a:p>
+            <a:fld id="{24C7E509-D680-4DB8-B87E-B8EC2E347686}" type="slidenum">
+              <a:rPr lang="de-DE" smtClean="0"/>
+              <a:t>24</a:t>
             </a:fld>
             <a:endParaRPr lang="de-DE"/>
           </a:p>
@@ -10392,7 +11006,7 @@
 </p:sld>
 </file>
 
-<file path=ppt/slides/slide23.xml><?xml version="1.0" encoding="utf-8"?>
+<file path=ppt/slides/slide25.xml><?xml version="1.0" encoding="utf-8"?>
 <p:sld xmlns:a="http://schemas.openxmlformats.org/drawingml/2006/main" xmlns:r="http://schemas.openxmlformats.org/officeDocument/2006/relationships" xmlns:p="http://schemas.openxmlformats.org/presentationml/2006/main">
   <p:cSld>
     <p:spTree>
@@ -11335,7 +11949,7 @@
           <a:p>
             <a:fld id="{24C7E509-D680-4DB8-B87E-B8EC2E347686}" type="slidenum">
               <a:rPr lang="de-DE" smtClean="0"/>
-              <a:t>23</a:t>
+              <a:t>25</a:t>
             </a:fld>
             <a:endParaRPr lang="de-DE"/>
           </a:p>
@@ -11354,7 +11968,7 @@
 </p:sld>
 </file>
 
-<file path=ppt/slides/slide24.xml><?xml version="1.0" encoding="utf-8"?>
+<file path=ppt/slides/slide26.xml><?xml version="1.0" encoding="utf-8"?>
 <p:sld xmlns:a="http://schemas.openxmlformats.org/drawingml/2006/main" xmlns:r="http://schemas.openxmlformats.org/officeDocument/2006/relationships" xmlns:p="http://schemas.openxmlformats.org/presentationml/2006/main">
   <p:cSld>
     <p:spTree>
@@ -11448,7 +12062,7 @@
           <a:p>
             <a:fld id="{24C7E509-D680-4DB8-B87E-B8EC2E347686}" type="slidenum">
               <a:rPr lang="de-DE" smtClean="0"/>
-              <a:t>24</a:t>
+              <a:t>26</a:t>
             </a:fld>
             <a:endParaRPr lang="de-DE"/>
           </a:p>

--- a/Dokumentation/Roboter.pptx
+++ b/Dokumentation/Roboter.pptx
@@ -222,7 +222,7 @@
           <a:p>
             <a:fld id="{667D6E9C-FEFA-4AE6-9196-67D489BCC82C}" type="datetimeFigureOut">
               <a:rPr lang="de-DE" smtClean="0"/>
-              <a:t>22.03.2018</a:t>
+              <a:t>25.03.2018</a:t>
             </a:fld>
             <a:endParaRPr lang="de-DE"/>
           </a:p>
@@ -380,7 +380,7 @@
           <a:p>
             <a:fld id="{30FCFFD0-1C19-40D0-BB6D-B2352B27AFEB}" type="slidenum">
               <a:rPr lang="de-DE" smtClean="0"/>
-              <a:t>‹#›</a:t>
+              <a:t>‹Nr.›</a:t>
             </a:fld>
             <a:endParaRPr lang="de-DE"/>
           </a:p>
@@ -636,7 +636,7 @@
           <a:p>
             <a:fld id="{23EB666B-F6D4-4DC2-BA2B-5CF0827327F0}" type="datetime1">
               <a:rPr lang="de-DE" smtClean="0"/>
-              <a:t>22.03.2018</a:t>
+              <a:t>25.03.2018</a:t>
             </a:fld>
             <a:endParaRPr lang="de-DE"/>
           </a:p>
@@ -690,7 +690,7 @@
           <a:p>
             <a:fld id="{24C7E509-D680-4DB8-B87E-B8EC2E347686}" type="slidenum">
               <a:rPr lang="de-DE" smtClean="0"/>
-              <a:t>‹#›</a:t>
+              <a:t>‹Nr.›</a:t>
             </a:fld>
             <a:endParaRPr lang="de-DE"/>
           </a:p>
@@ -834,7 +834,7 @@
           <a:p>
             <a:fld id="{DDC6096B-34AB-48A6-8B0B-AA3C911221CC}" type="datetime1">
               <a:rPr lang="de-DE" smtClean="0"/>
-              <a:t>22.03.2018</a:t>
+              <a:t>25.03.2018</a:t>
             </a:fld>
             <a:endParaRPr lang="de-DE"/>
           </a:p>
@@ -888,7 +888,7 @@
           <a:p>
             <a:fld id="{24C7E509-D680-4DB8-B87E-B8EC2E347686}" type="slidenum">
               <a:rPr lang="de-DE" smtClean="0"/>
-              <a:t>‹#›</a:t>
+              <a:t>‹Nr.›</a:t>
             </a:fld>
             <a:endParaRPr lang="de-DE"/>
           </a:p>
@@ -1042,7 +1042,7 @@
           <a:p>
             <a:fld id="{407FD86E-BFFD-4661-835C-7D0E258F6D22}" type="datetime1">
               <a:rPr lang="de-DE" smtClean="0"/>
-              <a:t>22.03.2018</a:t>
+              <a:t>25.03.2018</a:t>
             </a:fld>
             <a:endParaRPr lang="de-DE"/>
           </a:p>
@@ -1096,7 +1096,7 @@
           <a:p>
             <a:fld id="{24C7E509-D680-4DB8-B87E-B8EC2E347686}" type="slidenum">
               <a:rPr lang="de-DE" smtClean="0"/>
-              <a:t>‹#›</a:t>
+              <a:t>‹Nr.›</a:t>
             </a:fld>
             <a:endParaRPr lang="de-DE"/>
           </a:p>
@@ -1240,7 +1240,7 @@
           <a:p>
             <a:fld id="{0060243F-1866-4F8D-A2B2-76D33461B3CF}" type="datetime1">
               <a:rPr lang="de-DE" smtClean="0"/>
-              <a:t>22.03.2018</a:t>
+              <a:t>25.03.2018</a:t>
             </a:fld>
             <a:endParaRPr lang="de-DE"/>
           </a:p>
@@ -1294,7 +1294,7 @@
           <a:p>
             <a:fld id="{24C7E509-D680-4DB8-B87E-B8EC2E347686}" type="slidenum">
               <a:rPr lang="de-DE" smtClean="0"/>
-              <a:t>‹#›</a:t>
+              <a:t>‹Nr.›</a:t>
             </a:fld>
             <a:endParaRPr lang="de-DE"/>
           </a:p>
@@ -1515,7 +1515,7 @@
           <a:p>
             <a:fld id="{30F3688E-8457-4C6B-8C67-700B1B4DC1E7}" type="datetime1">
               <a:rPr lang="de-DE" smtClean="0"/>
-              <a:t>22.03.2018</a:t>
+              <a:t>25.03.2018</a:t>
             </a:fld>
             <a:endParaRPr lang="de-DE"/>
           </a:p>
@@ -1569,7 +1569,7 @@
           <a:p>
             <a:fld id="{24C7E509-D680-4DB8-B87E-B8EC2E347686}" type="slidenum">
               <a:rPr lang="de-DE" smtClean="0"/>
-              <a:t>‹#›</a:t>
+              <a:t>‹Nr.›</a:t>
             </a:fld>
             <a:endParaRPr lang="de-DE"/>
           </a:p>
@@ -1780,7 +1780,7 @@
           <a:p>
             <a:fld id="{41230D57-A438-4C3F-9F84-4C5C291E5A5F}" type="datetime1">
               <a:rPr lang="de-DE" smtClean="0"/>
-              <a:t>22.03.2018</a:t>
+              <a:t>25.03.2018</a:t>
             </a:fld>
             <a:endParaRPr lang="de-DE"/>
           </a:p>
@@ -1834,7 +1834,7 @@
           <a:p>
             <a:fld id="{24C7E509-D680-4DB8-B87E-B8EC2E347686}" type="slidenum">
               <a:rPr lang="de-DE" smtClean="0"/>
-              <a:t>‹#›</a:t>
+              <a:t>‹Nr.›</a:t>
             </a:fld>
             <a:endParaRPr lang="de-DE"/>
           </a:p>
@@ -2192,7 +2192,7 @@
           <a:p>
             <a:fld id="{AF62F608-86F1-40CF-82FC-1C147C3DD224}" type="datetime1">
               <a:rPr lang="de-DE" smtClean="0"/>
-              <a:t>22.03.2018</a:t>
+              <a:t>25.03.2018</a:t>
             </a:fld>
             <a:endParaRPr lang="de-DE"/>
           </a:p>
@@ -2246,7 +2246,7 @@
           <a:p>
             <a:fld id="{24C7E509-D680-4DB8-B87E-B8EC2E347686}" type="slidenum">
               <a:rPr lang="de-DE" smtClean="0"/>
-              <a:t>‹#›</a:t>
+              <a:t>‹Nr.›</a:t>
             </a:fld>
             <a:endParaRPr lang="de-DE"/>
           </a:p>
@@ -2333,7 +2333,7 @@
           <a:p>
             <a:fld id="{A171A553-3517-40AF-B856-21919B4E6188}" type="datetime1">
               <a:rPr lang="de-DE" smtClean="0"/>
-              <a:t>22.03.2018</a:t>
+              <a:t>25.03.2018</a:t>
             </a:fld>
             <a:endParaRPr lang="de-DE"/>
           </a:p>
@@ -2387,7 +2387,7 @@
           <a:p>
             <a:fld id="{24C7E509-D680-4DB8-B87E-B8EC2E347686}" type="slidenum">
               <a:rPr lang="de-DE" smtClean="0"/>
-              <a:t>‹#›</a:t>
+              <a:t>‹Nr.›</a:t>
             </a:fld>
             <a:endParaRPr lang="de-DE"/>
           </a:p>
@@ -2446,7 +2446,7 @@
           <a:p>
             <a:fld id="{793C024D-9082-4157-A667-CF73921D3E21}" type="datetime1">
               <a:rPr lang="de-DE" smtClean="0"/>
-              <a:t>22.03.2018</a:t>
+              <a:t>25.03.2018</a:t>
             </a:fld>
             <a:endParaRPr lang="de-DE"/>
           </a:p>
@@ -2500,7 +2500,7 @@
           <a:p>
             <a:fld id="{24C7E509-D680-4DB8-B87E-B8EC2E347686}" type="slidenum">
               <a:rPr lang="de-DE" smtClean="0"/>
-              <a:t>‹#›</a:t>
+              <a:t>‹Nr.›</a:t>
             </a:fld>
             <a:endParaRPr lang="de-DE"/>
           </a:p>
@@ -2757,7 +2757,7 @@
           <a:p>
             <a:fld id="{CB9F0996-3986-4BD0-AC2D-F5F802D0DF4C}" type="datetime1">
               <a:rPr lang="de-DE" smtClean="0"/>
-              <a:t>22.03.2018</a:t>
+              <a:t>25.03.2018</a:t>
             </a:fld>
             <a:endParaRPr lang="de-DE"/>
           </a:p>
@@ -2811,7 +2811,7 @@
           <a:p>
             <a:fld id="{24C7E509-D680-4DB8-B87E-B8EC2E347686}" type="slidenum">
               <a:rPr lang="de-DE" smtClean="0"/>
-              <a:t>‹#›</a:t>
+              <a:t>‹Nr.›</a:t>
             </a:fld>
             <a:endParaRPr lang="de-DE"/>
           </a:p>
@@ -3045,7 +3045,7 @@
           <a:p>
             <a:fld id="{B53546CB-57F0-403A-9B11-F28CD8787C4F}" type="datetime1">
               <a:rPr lang="de-DE" smtClean="0"/>
-              <a:t>22.03.2018</a:t>
+              <a:t>25.03.2018</a:t>
             </a:fld>
             <a:endParaRPr lang="de-DE"/>
           </a:p>
@@ -3099,7 +3099,7 @@
           <a:p>
             <a:fld id="{24C7E509-D680-4DB8-B87E-B8EC2E347686}" type="slidenum">
               <a:rPr lang="de-DE" smtClean="0"/>
-              <a:t>‹#›</a:t>
+              <a:t>‹Nr.›</a:t>
             </a:fld>
             <a:endParaRPr lang="de-DE"/>
           </a:p>
@@ -3286,7 +3286,7 @@
           <a:p>
             <a:fld id="{1D3C1B12-7E54-4267-9D51-05EAB2BDC53B}" type="datetime1">
               <a:rPr lang="de-DE" smtClean="0"/>
-              <a:t>22.03.2018</a:t>
+              <a:t>25.03.2018</a:t>
             </a:fld>
             <a:endParaRPr lang="de-DE"/>
           </a:p>
@@ -3376,7 +3376,7 @@
           <a:p>
             <a:fld id="{24C7E509-D680-4DB8-B87E-B8EC2E347686}" type="slidenum">
               <a:rPr lang="de-DE" smtClean="0"/>
-              <a:t>‹#›</a:t>
+              <a:t>‹Nr.›</a:t>
             </a:fld>
             <a:endParaRPr lang="de-DE"/>
           </a:p>
@@ -12318,7 +12318,12 @@
             <p:ph idx="1"/>
           </p:nvPr>
         </p:nvSpPr>
-        <p:spPr/>
+        <p:spPr>
+          <a:xfrm>
+            <a:off x="838200" y="1832940"/>
+            <a:ext cx="10515600" cy="4351338"/>
+          </a:xfrm>
+        </p:spPr>
         <p:txBody>
           <a:bodyPr/>
           <a:lstStyle/>
@@ -12335,7 +12340,7 @@
             <a:pPr lvl="1"/>
             <a:r>
               <a:rPr lang="de-DE" dirty="0"/>
-              <a:t>Warum war das Projekt so toll und UPPAAL nicht?</a:t>
+              <a:t>Expertenprinzip</a:t>
             </a:r>
           </a:p>
           <a:p>
@@ -12348,29 +12353,15 @@
             <a:pPr lvl="1"/>
             <a:r>
               <a:rPr lang="de-DE" dirty="0"/>
-              <a:t>Roboter und Kind auf Raster die abwechselnd Spielzüge machen und nicht kollidieren dürfen. Roboter kann auch aufladen </a:t>
-            </a:r>
-            <a:r>
-              <a:rPr lang="de-DE" dirty="0" err="1"/>
-              <a:t>pi</a:t>
-            </a:r>
+              <a:t>Roboter erfüllt Aufgaben auf dem Feld</a:t>
+            </a:r>
+          </a:p>
+          <a:p>
+            <a:pPr lvl="1"/>
             <a:r>
               <a:rPr lang="de-DE" dirty="0"/>
-              <a:t> </a:t>
-            </a:r>
-            <a:r>
-              <a:rPr lang="de-DE" dirty="0" err="1"/>
-              <a:t>pa</a:t>
-            </a:r>
-            <a:r>
-              <a:rPr lang="de-DE" dirty="0"/>
-              <a:t> </a:t>
-            </a:r>
-            <a:r>
-              <a:rPr lang="de-DE" dirty="0" err="1"/>
-              <a:t>po</a:t>
-            </a:r>
-            <a:endParaRPr lang="de-DE" dirty="0"/>
+              <a:t>Erschwernisse die mit eingerechnet werden müssen</a:t>
+            </a:r>
           </a:p>
         </p:txBody>
       </p:sp>

--- a/Dokumentation/Roboter.pptx
+++ b/Dokumentation/Roboter.pptx
@@ -5,7 +5,7 @@
     <p:sldMasterId id="2147483648" r:id="rId1"/>
   </p:sldMasterIdLst>
   <p:notesMasterIdLst>
-    <p:notesMasterId r:id="rId28"/>
+    <p:notesMasterId r:id="rId30"/>
   </p:notesMasterIdLst>
   <p:sldIdLst>
     <p:sldId id="278" r:id="rId2"/>
@@ -13,7 +13,7 @@
     <p:sldId id="258" r:id="rId4"/>
     <p:sldId id="257" r:id="rId5"/>
     <p:sldId id="263" r:id="rId6"/>
-    <p:sldId id="279" r:id="rId7"/>
+    <p:sldId id="290" r:id="rId7"/>
     <p:sldId id="280" r:id="rId8"/>
     <p:sldId id="287" r:id="rId9"/>
     <p:sldId id="281" r:id="rId10"/>
@@ -21,19 +21,21 @@
     <p:sldId id="283" r:id="rId12"/>
     <p:sldId id="284" r:id="rId13"/>
     <p:sldId id="286" r:id="rId14"/>
-    <p:sldId id="275" r:id="rId15"/>
-    <p:sldId id="288" r:id="rId16"/>
-    <p:sldId id="273" r:id="rId17"/>
-    <p:sldId id="271" r:id="rId18"/>
-    <p:sldId id="260" r:id="rId19"/>
-    <p:sldId id="274" r:id="rId20"/>
-    <p:sldId id="289" r:id="rId21"/>
-    <p:sldId id="276" r:id="rId22"/>
-    <p:sldId id="277" r:id="rId23"/>
-    <p:sldId id="272" r:id="rId24"/>
-    <p:sldId id="269" r:id="rId25"/>
-    <p:sldId id="270" r:id="rId26"/>
-    <p:sldId id="268" r:id="rId27"/>
+    <p:sldId id="279" r:id="rId15"/>
+    <p:sldId id="275" r:id="rId16"/>
+    <p:sldId id="288" r:id="rId17"/>
+    <p:sldId id="273" r:id="rId18"/>
+    <p:sldId id="291" r:id="rId19"/>
+    <p:sldId id="271" r:id="rId20"/>
+    <p:sldId id="260" r:id="rId21"/>
+    <p:sldId id="274" r:id="rId22"/>
+    <p:sldId id="289" r:id="rId23"/>
+    <p:sldId id="276" r:id="rId24"/>
+    <p:sldId id="277" r:id="rId25"/>
+    <p:sldId id="272" r:id="rId26"/>
+    <p:sldId id="269" r:id="rId27"/>
+    <p:sldId id="270" r:id="rId28"/>
+    <p:sldId id="268" r:id="rId29"/>
   </p:sldIdLst>
   <p:sldSz cx="12192000" cy="6858000"/>
   <p:notesSz cx="6858000" cy="9144000"/>
@@ -134,7 +136,7 @@
   </p:defaultTextStyle>
   <p:extLst>
     <p:ext uri="{EFAFB233-063F-42B5-8137-9DF3F51BA10A}">
-      <p15:sldGuideLst xmlns:p15="http://schemas.microsoft.com/office/powerpoint/2012/main"/>
+      <p15:sldGuideLst xmlns:p15="http://schemas.microsoft.com/office/powerpoint/2012/main" xmlns=""/>
     </p:ext>
   </p:extLst>
 </p:presentation>
@@ -222,7 +224,7 @@
           <a:p>
             <a:fld id="{667D6E9C-FEFA-4AE6-9196-67D489BCC82C}" type="datetimeFigureOut">
               <a:rPr lang="de-DE" smtClean="0"/>
-              <a:t>25.03.2018</a:t>
+              <a:t>26.03.18</a:t>
             </a:fld>
             <a:endParaRPr lang="de-DE"/>
           </a:p>
@@ -511,7 +513,7 @@
           <p:cNvPr id="2" name="Titel 1">
             <a:extLst>
               <a:ext uri="{FF2B5EF4-FFF2-40B4-BE49-F238E27FC236}">
-                <a16:creationId xmlns:a16="http://schemas.microsoft.com/office/drawing/2014/main" id="{8DAA5488-17B1-45FF-81F3-21EFC66F5B3C}"/>
+                <a16:creationId xmlns:a16="http://schemas.microsoft.com/office/drawing/2014/main" xmlns="" id="{8DAA5488-17B1-45FF-81F3-21EFC66F5B3C}"/>
               </a:ext>
             </a:extLst>
           </p:cNvPr>
@@ -548,7 +550,7 @@
           <p:cNvPr id="3" name="Untertitel 2">
             <a:extLst>
               <a:ext uri="{FF2B5EF4-FFF2-40B4-BE49-F238E27FC236}">
-                <a16:creationId xmlns:a16="http://schemas.microsoft.com/office/drawing/2014/main" id="{49EA3FCD-3D43-4ACA-99B4-E4B07D493937}"/>
+                <a16:creationId xmlns:a16="http://schemas.microsoft.com/office/drawing/2014/main" xmlns="" id="{49EA3FCD-3D43-4ACA-99B4-E4B07D493937}"/>
               </a:ext>
             </a:extLst>
           </p:cNvPr>
@@ -618,7 +620,7 @@
           <p:cNvPr id="4" name="Datumsplatzhalter 3">
             <a:extLst>
               <a:ext uri="{FF2B5EF4-FFF2-40B4-BE49-F238E27FC236}">
-                <a16:creationId xmlns:a16="http://schemas.microsoft.com/office/drawing/2014/main" id="{CDADDD12-B82E-4C5A-B3F4-24C4B3B8EC3D}"/>
+                <a16:creationId xmlns:a16="http://schemas.microsoft.com/office/drawing/2014/main" xmlns="" id="{CDADDD12-B82E-4C5A-B3F4-24C4B3B8EC3D}"/>
               </a:ext>
             </a:extLst>
           </p:cNvPr>
@@ -636,7 +638,7 @@
           <a:p>
             <a:fld id="{23EB666B-F6D4-4DC2-BA2B-5CF0827327F0}" type="datetime1">
               <a:rPr lang="de-DE" smtClean="0"/>
-              <a:t>25.03.2018</a:t>
+              <a:t>26.03.18</a:t>
             </a:fld>
             <a:endParaRPr lang="de-DE"/>
           </a:p>
@@ -647,7 +649,7 @@
           <p:cNvPr id="5" name="Fußzeilenplatzhalter 4">
             <a:extLst>
               <a:ext uri="{FF2B5EF4-FFF2-40B4-BE49-F238E27FC236}">
-                <a16:creationId xmlns:a16="http://schemas.microsoft.com/office/drawing/2014/main" id="{002B6804-B339-4589-A7B1-0F2319C47445}"/>
+                <a16:creationId xmlns:a16="http://schemas.microsoft.com/office/drawing/2014/main" xmlns="" id="{002B6804-B339-4589-A7B1-0F2319C47445}"/>
               </a:ext>
             </a:extLst>
           </p:cNvPr>
@@ -672,7 +674,7 @@
           <p:cNvPr id="6" name="Foliennummernplatzhalter 5">
             <a:extLst>
               <a:ext uri="{FF2B5EF4-FFF2-40B4-BE49-F238E27FC236}">
-                <a16:creationId xmlns:a16="http://schemas.microsoft.com/office/drawing/2014/main" id="{74E8F7EA-C9B6-492F-A528-122410219F45}"/>
+                <a16:creationId xmlns:a16="http://schemas.microsoft.com/office/drawing/2014/main" xmlns="" id="{74E8F7EA-C9B6-492F-A528-122410219F45}"/>
               </a:ext>
             </a:extLst>
           </p:cNvPr>
@@ -731,7 +733,7 @@
           <p:cNvPr id="2" name="Titel 1">
             <a:extLst>
               <a:ext uri="{FF2B5EF4-FFF2-40B4-BE49-F238E27FC236}">
-                <a16:creationId xmlns:a16="http://schemas.microsoft.com/office/drawing/2014/main" id="{EC8EB34A-6CA8-4518-B918-0B6FD7FBFD74}"/>
+                <a16:creationId xmlns:a16="http://schemas.microsoft.com/office/drawing/2014/main" xmlns="" id="{EC8EB34A-6CA8-4518-B918-0B6FD7FBFD74}"/>
               </a:ext>
             </a:extLst>
           </p:cNvPr>
@@ -759,7 +761,7 @@
           <p:cNvPr id="3" name="Vertikaler Textplatzhalter 2">
             <a:extLst>
               <a:ext uri="{FF2B5EF4-FFF2-40B4-BE49-F238E27FC236}">
-                <a16:creationId xmlns:a16="http://schemas.microsoft.com/office/drawing/2014/main" id="{09A5460F-5D03-4E09-8AD5-D8FA54A87B9E}"/>
+                <a16:creationId xmlns:a16="http://schemas.microsoft.com/office/drawing/2014/main" xmlns="" id="{09A5460F-5D03-4E09-8AD5-D8FA54A87B9E}"/>
               </a:ext>
             </a:extLst>
           </p:cNvPr>
@@ -816,7 +818,7 @@
           <p:cNvPr id="4" name="Datumsplatzhalter 3">
             <a:extLst>
               <a:ext uri="{FF2B5EF4-FFF2-40B4-BE49-F238E27FC236}">
-                <a16:creationId xmlns:a16="http://schemas.microsoft.com/office/drawing/2014/main" id="{54BF5B18-4CD6-47A7-906B-54B05584FBC3}"/>
+                <a16:creationId xmlns:a16="http://schemas.microsoft.com/office/drawing/2014/main" xmlns="" id="{54BF5B18-4CD6-47A7-906B-54B05584FBC3}"/>
               </a:ext>
             </a:extLst>
           </p:cNvPr>
@@ -834,7 +836,7 @@
           <a:p>
             <a:fld id="{DDC6096B-34AB-48A6-8B0B-AA3C911221CC}" type="datetime1">
               <a:rPr lang="de-DE" smtClean="0"/>
-              <a:t>25.03.2018</a:t>
+              <a:t>26.03.18</a:t>
             </a:fld>
             <a:endParaRPr lang="de-DE"/>
           </a:p>
@@ -845,7 +847,7 @@
           <p:cNvPr id="5" name="Fußzeilenplatzhalter 4">
             <a:extLst>
               <a:ext uri="{FF2B5EF4-FFF2-40B4-BE49-F238E27FC236}">
-                <a16:creationId xmlns:a16="http://schemas.microsoft.com/office/drawing/2014/main" id="{025004E2-97DF-4EF0-88CC-0B9930F3FAC7}"/>
+                <a16:creationId xmlns:a16="http://schemas.microsoft.com/office/drawing/2014/main" xmlns="" id="{025004E2-97DF-4EF0-88CC-0B9930F3FAC7}"/>
               </a:ext>
             </a:extLst>
           </p:cNvPr>
@@ -870,7 +872,7 @@
           <p:cNvPr id="6" name="Foliennummernplatzhalter 5">
             <a:extLst>
               <a:ext uri="{FF2B5EF4-FFF2-40B4-BE49-F238E27FC236}">
-                <a16:creationId xmlns:a16="http://schemas.microsoft.com/office/drawing/2014/main" id="{F78CAB8B-4EE1-4261-9262-994E8D389456}"/>
+                <a16:creationId xmlns:a16="http://schemas.microsoft.com/office/drawing/2014/main" xmlns="" id="{F78CAB8B-4EE1-4261-9262-994E8D389456}"/>
               </a:ext>
             </a:extLst>
           </p:cNvPr>
@@ -929,7 +931,7 @@
           <p:cNvPr id="2" name="Vertikaler Titel 1">
             <a:extLst>
               <a:ext uri="{FF2B5EF4-FFF2-40B4-BE49-F238E27FC236}">
-                <a16:creationId xmlns:a16="http://schemas.microsoft.com/office/drawing/2014/main" id="{B8EF1F10-3DD2-4400-A9ED-FC248A55D9D7}"/>
+                <a16:creationId xmlns:a16="http://schemas.microsoft.com/office/drawing/2014/main" xmlns="" id="{B8EF1F10-3DD2-4400-A9ED-FC248A55D9D7}"/>
               </a:ext>
             </a:extLst>
           </p:cNvPr>
@@ -962,7 +964,7 @@
           <p:cNvPr id="3" name="Vertikaler Textplatzhalter 2">
             <a:extLst>
               <a:ext uri="{FF2B5EF4-FFF2-40B4-BE49-F238E27FC236}">
-                <a16:creationId xmlns:a16="http://schemas.microsoft.com/office/drawing/2014/main" id="{F3444A10-1E2C-4191-B026-84BCCC9D81D4}"/>
+                <a16:creationId xmlns:a16="http://schemas.microsoft.com/office/drawing/2014/main" xmlns="" id="{F3444A10-1E2C-4191-B026-84BCCC9D81D4}"/>
               </a:ext>
             </a:extLst>
           </p:cNvPr>
@@ -1024,7 +1026,7 @@
           <p:cNvPr id="4" name="Datumsplatzhalter 3">
             <a:extLst>
               <a:ext uri="{FF2B5EF4-FFF2-40B4-BE49-F238E27FC236}">
-                <a16:creationId xmlns:a16="http://schemas.microsoft.com/office/drawing/2014/main" id="{1E1E074D-5C0D-48DA-B42D-17BB41F2E87E}"/>
+                <a16:creationId xmlns:a16="http://schemas.microsoft.com/office/drawing/2014/main" xmlns="" id="{1E1E074D-5C0D-48DA-B42D-17BB41F2E87E}"/>
               </a:ext>
             </a:extLst>
           </p:cNvPr>
@@ -1042,7 +1044,7 @@
           <a:p>
             <a:fld id="{407FD86E-BFFD-4661-835C-7D0E258F6D22}" type="datetime1">
               <a:rPr lang="de-DE" smtClean="0"/>
-              <a:t>25.03.2018</a:t>
+              <a:t>26.03.18</a:t>
             </a:fld>
             <a:endParaRPr lang="de-DE"/>
           </a:p>
@@ -1053,7 +1055,7 @@
           <p:cNvPr id="5" name="Fußzeilenplatzhalter 4">
             <a:extLst>
               <a:ext uri="{FF2B5EF4-FFF2-40B4-BE49-F238E27FC236}">
-                <a16:creationId xmlns:a16="http://schemas.microsoft.com/office/drawing/2014/main" id="{A2B4BF41-463C-4311-9EFC-BA708AFAFB0A}"/>
+                <a16:creationId xmlns:a16="http://schemas.microsoft.com/office/drawing/2014/main" xmlns="" id="{A2B4BF41-463C-4311-9EFC-BA708AFAFB0A}"/>
               </a:ext>
             </a:extLst>
           </p:cNvPr>
@@ -1078,7 +1080,7 @@
           <p:cNvPr id="6" name="Foliennummernplatzhalter 5">
             <a:extLst>
               <a:ext uri="{FF2B5EF4-FFF2-40B4-BE49-F238E27FC236}">
-                <a16:creationId xmlns:a16="http://schemas.microsoft.com/office/drawing/2014/main" id="{BBF93051-75E2-4C4C-A973-BD100EC29035}"/>
+                <a16:creationId xmlns:a16="http://schemas.microsoft.com/office/drawing/2014/main" xmlns="" id="{BBF93051-75E2-4C4C-A973-BD100EC29035}"/>
               </a:ext>
             </a:extLst>
           </p:cNvPr>
@@ -1137,7 +1139,7 @@
           <p:cNvPr id="2" name="Titel 1">
             <a:extLst>
               <a:ext uri="{FF2B5EF4-FFF2-40B4-BE49-F238E27FC236}">
-                <a16:creationId xmlns:a16="http://schemas.microsoft.com/office/drawing/2014/main" id="{C4EE41AB-8BD2-4C18-B8AF-7D3A12497695}"/>
+                <a16:creationId xmlns:a16="http://schemas.microsoft.com/office/drawing/2014/main" xmlns="" id="{C4EE41AB-8BD2-4C18-B8AF-7D3A12497695}"/>
               </a:ext>
             </a:extLst>
           </p:cNvPr>
@@ -1165,7 +1167,7 @@
           <p:cNvPr id="3" name="Inhaltsplatzhalter 2">
             <a:extLst>
               <a:ext uri="{FF2B5EF4-FFF2-40B4-BE49-F238E27FC236}">
-                <a16:creationId xmlns:a16="http://schemas.microsoft.com/office/drawing/2014/main" id="{7BB11243-D225-48CD-AFF9-64186D43EC1E}"/>
+                <a16:creationId xmlns:a16="http://schemas.microsoft.com/office/drawing/2014/main" xmlns="" id="{7BB11243-D225-48CD-AFF9-64186D43EC1E}"/>
               </a:ext>
             </a:extLst>
           </p:cNvPr>
@@ -1222,7 +1224,7 @@
           <p:cNvPr id="4" name="Datumsplatzhalter 3">
             <a:extLst>
               <a:ext uri="{FF2B5EF4-FFF2-40B4-BE49-F238E27FC236}">
-                <a16:creationId xmlns:a16="http://schemas.microsoft.com/office/drawing/2014/main" id="{F3CC708E-F96F-425F-867B-53523F205809}"/>
+                <a16:creationId xmlns:a16="http://schemas.microsoft.com/office/drawing/2014/main" xmlns="" id="{F3CC708E-F96F-425F-867B-53523F205809}"/>
               </a:ext>
             </a:extLst>
           </p:cNvPr>
@@ -1240,7 +1242,7 @@
           <a:p>
             <a:fld id="{0060243F-1866-4F8D-A2B2-76D33461B3CF}" type="datetime1">
               <a:rPr lang="de-DE" smtClean="0"/>
-              <a:t>25.03.2018</a:t>
+              <a:t>26.03.18</a:t>
             </a:fld>
             <a:endParaRPr lang="de-DE"/>
           </a:p>
@@ -1251,7 +1253,7 @@
           <p:cNvPr id="5" name="Fußzeilenplatzhalter 4">
             <a:extLst>
               <a:ext uri="{FF2B5EF4-FFF2-40B4-BE49-F238E27FC236}">
-                <a16:creationId xmlns:a16="http://schemas.microsoft.com/office/drawing/2014/main" id="{EC9383E3-AE45-4B1B-9706-67C370C4DE78}"/>
+                <a16:creationId xmlns:a16="http://schemas.microsoft.com/office/drawing/2014/main" xmlns="" id="{EC9383E3-AE45-4B1B-9706-67C370C4DE78}"/>
               </a:ext>
             </a:extLst>
           </p:cNvPr>
@@ -1276,7 +1278,7 @@
           <p:cNvPr id="6" name="Foliennummernplatzhalter 5">
             <a:extLst>
               <a:ext uri="{FF2B5EF4-FFF2-40B4-BE49-F238E27FC236}">
-                <a16:creationId xmlns:a16="http://schemas.microsoft.com/office/drawing/2014/main" id="{82BB7911-EA6D-448A-9055-381FFA87FD15}"/>
+                <a16:creationId xmlns:a16="http://schemas.microsoft.com/office/drawing/2014/main" xmlns="" id="{82BB7911-EA6D-448A-9055-381FFA87FD15}"/>
               </a:ext>
             </a:extLst>
           </p:cNvPr>
@@ -1335,7 +1337,7 @@
           <p:cNvPr id="2" name="Titel 1">
             <a:extLst>
               <a:ext uri="{FF2B5EF4-FFF2-40B4-BE49-F238E27FC236}">
-                <a16:creationId xmlns:a16="http://schemas.microsoft.com/office/drawing/2014/main" id="{F7EB64A0-A73B-4BD6-A5E9-EF5EB171158A}"/>
+                <a16:creationId xmlns:a16="http://schemas.microsoft.com/office/drawing/2014/main" xmlns="" id="{F7EB64A0-A73B-4BD6-A5E9-EF5EB171158A}"/>
               </a:ext>
             </a:extLst>
           </p:cNvPr>
@@ -1372,7 +1374,7 @@
           <p:cNvPr id="3" name="Textplatzhalter 2">
             <a:extLst>
               <a:ext uri="{FF2B5EF4-FFF2-40B4-BE49-F238E27FC236}">
-                <a16:creationId xmlns:a16="http://schemas.microsoft.com/office/drawing/2014/main" id="{6DB1B29C-1182-479E-825E-76F4FF413657}"/>
+                <a16:creationId xmlns:a16="http://schemas.microsoft.com/office/drawing/2014/main" xmlns="" id="{6DB1B29C-1182-479E-825E-76F4FF413657}"/>
               </a:ext>
             </a:extLst>
           </p:cNvPr>
@@ -1497,7 +1499,7 @@
           <p:cNvPr id="4" name="Datumsplatzhalter 3">
             <a:extLst>
               <a:ext uri="{FF2B5EF4-FFF2-40B4-BE49-F238E27FC236}">
-                <a16:creationId xmlns:a16="http://schemas.microsoft.com/office/drawing/2014/main" id="{F6B250BD-425E-4186-B40B-5594FF9C2697}"/>
+                <a16:creationId xmlns:a16="http://schemas.microsoft.com/office/drawing/2014/main" xmlns="" id="{F6B250BD-425E-4186-B40B-5594FF9C2697}"/>
               </a:ext>
             </a:extLst>
           </p:cNvPr>
@@ -1515,7 +1517,7 @@
           <a:p>
             <a:fld id="{30F3688E-8457-4C6B-8C67-700B1B4DC1E7}" type="datetime1">
               <a:rPr lang="de-DE" smtClean="0"/>
-              <a:t>25.03.2018</a:t>
+              <a:t>26.03.18</a:t>
             </a:fld>
             <a:endParaRPr lang="de-DE"/>
           </a:p>
@@ -1526,7 +1528,7 @@
           <p:cNvPr id="5" name="Fußzeilenplatzhalter 4">
             <a:extLst>
               <a:ext uri="{FF2B5EF4-FFF2-40B4-BE49-F238E27FC236}">
-                <a16:creationId xmlns:a16="http://schemas.microsoft.com/office/drawing/2014/main" id="{A64762E0-B1B9-4BCD-8C3D-B6AB09DAFF3E}"/>
+                <a16:creationId xmlns:a16="http://schemas.microsoft.com/office/drawing/2014/main" xmlns="" id="{A64762E0-B1B9-4BCD-8C3D-B6AB09DAFF3E}"/>
               </a:ext>
             </a:extLst>
           </p:cNvPr>
@@ -1551,7 +1553,7 @@
           <p:cNvPr id="6" name="Foliennummernplatzhalter 5">
             <a:extLst>
               <a:ext uri="{FF2B5EF4-FFF2-40B4-BE49-F238E27FC236}">
-                <a16:creationId xmlns:a16="http://schemas.microsoft.com/office/drawing/2014/main" id="{08248617-91F7-4D23-872F-952F226380E4}"/>
+                <a16:creationId xmlns:a16="http://schemas.microsoft.com/office/drawing/2014/main" xmlns="" id="{08248617-91F7-4D23-872F-952F226380E4}"/>
               </a:ext>
             </a:extLst>
           </p:cNvPr>
@@ -1610,7 +1612,7 @@
           <p:cNvPr id="2" name="Titel 1">
             <a:extLst>
               <a:ext uri="{FF2B5EF4-FFF2-40B4-BE49-F238E27FC236}">
-                <a16:creationId xmlns:a16="http://schemas.microsoft.com/office/drawing/2014/main" id="{65A955DD-42A8-4F89-BB48-220A47174945}"/>
+                <a16:creationId xmlns:a16="http://schemas.microsoft.com/office/drawing/2014/main" xmlns="" id="{65A955DD-42A8-4F89-BB48-220A47174945}"/>
               </a:ext>
             </a:extLst>
           </p:cNvPr>
@@ -1638,7 +1640,7 @@
           <p:cNvPr id="3" name="Inhaltsplatzhalter 2">
             <a:extLst>
               <a:ext uri="{FF2B5EF4-FFF2-40B4-BE49-F238E27FC236}">
-                <a16:creationId xmlns:a16="http://schemas.microsoft.com/office/drawing/2014/main" id="{63E73B94-2695-4767-94E6-E546AE2D73A2}"/>
+                <a16:creationId xmlns:a16="http://schemas.microsoft.com/office/drawing/2014/main" xmlns="" id="{63E73B94-2695-4767-94E6-E546AE2D73A2}"/>
               </a:ext>
             </a:extLst>
           </p:cNvPr>
@@ -1700,7 +1702,7 @@
           <p:cNvPr id="4" name="Inhaltsplatzhalter 3">
             <a:extLst>
               <a:ext uri="{FF2B5EF4-FFF2-40B4-BE49-F238E27FC236}">
-                <a16:creationId xmlns:a16="http://schemas.microsoft.com/office/drawing/2014/main" id="{12F70BFE-CDD9-4F3F-95D1-87CD1D696576}"/>
+                <a16:creationId xmlns:a16="http://schemas.microsoft.com/office/drawing/2014/main" xmlns="" id="{12F70BFE-CDD9-4F3F-95D1-87CD1D696576}"/>
               </a:ext>
             </a:extLst>
           </p:cNvPr>
@@ -1762,7 +1764,7 @@
           <p:cNvPr id="5" name="Datumsplatzhalter 4">
             <a:extLst>
               <a:ext uri="{FF2B5EF4-FFF2-40B4-BE49-F238E27FC236}">
-                <a16:creationId xmlns:a16="http://schemas.microsoft.com/office/drawing/2014/main" id="{8A565719-570F-4D90-AB57-9A538F0BDBC6}"/>
+                <a16:creationId xmlns:a16="http://schemas.microsoft.com/office/drawing/2014/main" xmlns="" id="{8A565719-570F-4D90-AB57-9A538F0BDBC6}"/>
               </a:ext>
             </a:extLst>
           </p:cNvPr>
@@ -1780,7 +1782,7 @@
           <a:p>
             <a:fld id="{41230D57-A438-4C3F-9F84-4C5C291E5A5F}" type="datetime1">
               <a:rPr lang="de-DE" smtClean="0"/>
-              <a:t>25.03.2018</a:t>
+              <a:t>26.03.18</a:t>
             </a:fld>
             <a:endParaRPr lang="de-DE"/>
           </a:p>
@@ -1791,7 +1793,7 @@
           <p:cNvPr id="6" name="Fußzeilenplatzhalter 5">
             <a:extLst>
               <a:ext uri="{FF2B5EF4-FFF2-40B4-BE49-F238E27FC236}">
-                <a16:creationId xmlns:a16="http://schemas.microsoft.com/office/drawing/2014/main" id="{72A0590A-8068-4022-B0D6-18311A8E7421}"/>
+                <a16:creationId xmlns:a16="http://schemas.microsoft.com/office/drawing/2014/main" xmlns="" id="{72A0590A-8068-4022-B0D6-18311A8E7421}"/>
               </a:ext>
             </a:extLst>
           </p:cNvPr>
@@ -1816,7 +1818,7 @@
           <p:cNvPr id="7" name="Foliennummernplatzhalter 6">
             <a:extLst>
               <a:ext uri="{FF2B5EF4-FFF2-40B4-BE49-F238E27FC236}">
-                <a16:creationId xmlns:a16="http://schemas.microsoft.com/office/drawing/2014/main" id="{C83166D0-9F64-495C-9E4F-5A65927073B3}"/>
+                <a16:creationId xmlns:a16="http://schemas.microsoft.com/office/drawing/2014/main" xmlns="" id="{C83166D0-9F64-495C-9E4F-5A65927073B3}"/>
               </a:ext>
             </a:extLst>
           </p:cNvPr>
@@ -1875,7 +1877,7 @@
           <p:cNvPr id="2" name="Titel 1">
             <a:extLst>
               <a:ext uri="{FF2B5EF4-FFF2-40B4-BE49-F238E27FC236}">
-                <a16:creationId xmlns:a16="http://schemas.microsoft.com/office/drawing/2014/main" id="{1C417242-0BDC-4FFF-852D-6284D0A90826}"/>
+                <a16:creationId xmlns:a16="http://schemas.microsoft.com/office/drawing/2014/main" xmlns="" id="{1C417242-0BDC-4FFF-852D-6284D0A90826}"/>
               </a:ext>
             </a:extLst>
           </p:cNvPr>
@@ -1908,7 +1910,7 @@
           <p:cNvPr id="3" name="Textplatzhalter 2">
             <a:extLst>
               <a:ext uri="{FF2B5EF4-FFF2-40B4-BE49-F238E27FC236}">
-                <a16:creationId xmlns:a16="http://schemas.microsoft.com/office/drawing/2014/main" id="{1B30064E-271D-47A2-BC0C-925A7546C475}"/>
+                <a16:creationId xmlns:a16="http://schemas.microsoft.com/office/drawing/2014/main" xmlns="" id="{1B30064E-271D-47A2-BC0C-925A7546C475}"/>
               </a:ext>
             </a:extLst>
           </p:cNvPr>
@@ -1979,7 +1981,7 @@
           <p:cNvPr id="4" name="Inhaltsplatzhalter 3">
             <a:extLst>
               <a:ext uri="{FF2B5EF4-FFF2-40B4-BE49-F238E27FC236}">
-                <a16:creationId xmlns:a16="http://schemas.microsoft.com/office/drawing/2014/main" id="{6F27B6C5-5982-4A68-91FD-06F07638CEA6}"/>
+                <a16:creationId xmlns:a16="http://schemas.microsoft.com/office/drawing/2014/main" xmlns="" id="{6F27B6C5-5982-4A68-91FD-06F07638CEA6}"/>
               </a:ext>
             </a:extLst>
           </p:cNvPr>
@@ -2041,7 +2043,7 @@
           <p:cNvPr id="5" name="Textplatzhalter 4">
             <a:extLst>
               <a:ext uri="{FF2B5EF4-FFF2-40B4-BE49-F238E27FC236}">
-                <a16:creationId xmlns:a16="http://schemas.microsoft.com/office/drawing/2014/main" id="{C7604F73-6C89-4198-BB8F-B837C02FC668}"/>
+                <a16:creationId xmlns:a16="http://schemas.microsoft.com/office/drawing/2014/main" xmlns="" id="{C7604F73-6C89-4198-BB8F-B837C02FC668}"/>
               </a:ext>
             </a:extLst>
           </p:cNvPr>
@@ -2112,7 +2114,7 @@
           <p:cNvPr id="6" name="Inhaltsplatzhalter 5">
             <a:extLst>
               <a:ext uri="{FF2B5EF4-FFF2-40B4-BE49-F238E27FC236}">
-                <a16:creationId xmlns:a16="http://schemas.microsoft.com/office/drawing/2014/main" id="{325AA58D-18A1-4DA7-934F-612D75CE806F}"/>
+                <a16:creationId xmlns:a16="http://schemas.microsoft.com/office/drawing/2014/main" xmlns="" id="{325AA58D-18A1-4DA7-934F-612D75CE806F}"/>
               </a:ext>
             </a:extLst>
           </p:cNvPr>
@@ -2174,7 +2176,7 @@
           <p:cNvPr id="7" name="Datumsplatzhalter 6">
             <a:extLst>
               <a:ext uri="{FF2B5EF4-FFF2-40B4-BE49-F238E27FC236}">
-                <a16:creationId xmlns:a16="http://schemas.microsoft.com/office/drawing/2014/main" id="{9F15F3D8-5C2F-417C-B257-549166BA28AE}"/>
+                <a16:creationId xmlns:a16="http://schemas.microsoft.com/office/drawing/2014/main" xmlns="" id="{9F15F3D8-5C2F-417C-B257-549166BA28AE}"/>
               </a:ext>
             </a:extLst>
           </p:cNvPr>
@@ -2192,7 +2194,7 @@
           <a:p>
             <a:fld id="{AF62F608-86F1-40CF-82FC-1C147C3DD224}" type="datetime1">
               <a:rPr lang="de-DE" smtClean="0"/>
-              <a:t>25.03.2018</a:t>
+              <a:t>26.03.18</a:t>
             </a:fld>
             <a:endParaRPr lang="de-DE"/>
           </a:p>
@@ -2203,7 +2205,7 @@
           <p:cNvPr id="8" name="Fußzeilenplatzhalter 7">
             <a:extLst>
               <a:ext uri="{FF2B5EF4-FFF2-40B4-BE49-F238E27FC236}">
-                <a16:creationId xmlns:a16="http://schemas.microsoft.com/office/drawing/2014/main" id="{475FF603-B123-4D53-95C9-BC1941CFEF51}"/>
+                <a16:creationId xmlns:a16="http://schemas.microsoft.com/office/drawing/2014/main" xmlns="" id="{475FF603-B123-4D53-95C9-BC1941CFEF51}"/>
               </a:ext>
             </a:extLst>
           </p:cNvPr>
@@ -2228,7 +2230,7 @@
           <p:cNvPr id="9" name="Foliennummernplatzhalter 8">
             <a:extLst>
               <a:ext uri="{FF2B5EF4-FFF2-40B4-BE49-F238E27FC236}">
-                <a16:creationId xmlns:a16="http://schemas.microsoft.com/office/drawing/2014/main" id="{5DF1DD4F-A8A7-4D67-AD7E-9EF2D2190292}"/>
+                <a16:creationId xmlns:a16="http://schemas.microsoft.com/office/drawing/2014/main" xmlns="" id="{5DF1DD4F-A8A7-4D67-AD7E-9EF2D2190292}"/>
               </a:ext>
             </a:extLst>
           </p:cNvPr>
@@ -2287,7 +2289,7 @@
           <p:cNvPr id="2" name="Titel 1">
             <a:extLst>
               <a:ext uri="{FF2B5EF4-FFF2-40B4-BE49-F238E27FC236}">
-                <a16:creationId xmlns:a16="http://schemas.microsoft.com/office/drawing/2014/main" id="{93F79F45-E779-4E72-89D3-932934929361}"/>
+                <a16:creationId xmlns:a16="http://schemas.microsoft.com/office/drawing/2014/main" xmlns="" id="{93F79F45-E779-4E72-89D3-932934929361}"/>
               </a:ext>
             </a:extLst>
           </p:cNvPr>
@@ -2315,7 +2317,7 @@
           <p:cNvPr id="3" name="Datumsplatzhalter 2">
             <a:extLst>
               <a:ext uri="{FF2B5EF4-FFF2-40B4-BE49-F238E27FC236}">
-                <a16:creationId xmlns:a16="http://schemas.microsoft.com/office/drawing/2014/main" id="{557E0A61-9814-4B3F-ABB5-BA450BD4068D}"/>
+                <a16:creationId xmlns:a16="http://schemas.microsoft.com/office/drawing/2014/main" xmlns="" id="{557E0A61-9814-4B3F-ABB5-BA450BD4068D}"/>
               </a:ext>
             </a:extLst>
           </p:cNvPr>
@@ -2333,7 +2335,7 @@
           <a:p>
             <a:fld id="{A171A553-3517-40AF-B856-21919B4E6188}" type="datetime1">
               <a:rPr lang="de-DE" smtClean="0"/>
-              <a:t>25.03.2018</a:t>
+              <a:t>26.03.18</a:t>
             </a:fld>
             <a:endParaRPr lang="de-DE"/>
           </a:p>
@@ -2344,7 +2346,7 @@
           <p:cNvPr id="4" name="Fußzeilenplatzhalter 3">
             <a:extLst>
               <a:ext uri="{FF2B5EF4-FFF2-40B4-BE49-F238E27FC236}">
-                <a16:creationId xmlns:a16="http://schemas.microsoft.com/office/drawing/2014/main" id="{A87ACCDF-3E97-4BD5-B604-C724D5F158A3}"/>
+                <a16:creationId xmlns:a16="http://schemas.microsoft.com/office/drawing/2014/main" xmlns="" id="{A87ACCDF-3E97-4BD5-B604-C724D5F158A3}"/>
               </a:ext>
             </a:extLst>
           </p:cNvPr>
@@ -2369,7 +2371,7 @@
           <p:cNvPr id="5" name="Foliennummernplatzhalter 4">
             <a:extLst>
               <a:ext uri="{FF2B5EF4-FFF2-40B4-BE49-F238E27FC236}">
-                <a16:creationId xmlns:a16="http://schemas.microsoft.com/office/drawing/2014/main" id="{EF38A0D8-245A-4FB4-AA78-4A88E3E23565}"/>
+                <a16:creationId xmlns:a16="http://schemas.microsoft.com/office/drawing/2014/main" xmlns="" id="{EF38A0D8-245A-4FB4-AA78-4A88E3E23565}"/>
               </a:ext>
             </a:extLst>
           </p:cNvPr>
@@ -2428,7 +2430,7 @@
           <p:cNvPr id="2" name="Datumsplatzhalter 1">
             <a:extLst>
               <a:ext uri="{FF2B5EF4-FFF2-40B4-BE49-F238E27FC236}">
-                <a16:creationId xmlns:a16="http://schemas.microsoft.com/office/drawing/2014/main" id="{F1D8BBAD-C5C8-46E0-9976-5F920E34DD7E}"/>
+                <a16:creationId xmlns:a16="http://schemas.microsoft.com/office/drawing/2014/main" xmlns="" id="{F1D8BBAD-C5C8-46E0-9976-5F920E34DD7E}"/>
               </a:ext>
             </a:extLst>
           </p:cNvPr>
@@ -2446,7 +2448,7 @@
           <a:p>
             <a:fld id="{793C024D-9082-4157-A667-CF73921D3E21}" type="datetime1">
               <a:rPr lang="de-DE" smtClean="0"/>
-              <a:t>25.03.2018</a:t>
+              <a:t>26.03.18</a:t>
             </a:fld>
             <a:endParaRPr lang="de-DE"/>
           </a:p>
@@ -2457,7 +2459,7 @@
           <p:cNvPr id="3" name="Fußzeilenplatzhalter 2">
             <a:extLst>
               <a:ext uri="{FF2B5EF4-FFF2-40B4-BE49-F238E27FC236}">
-                <a16:creationId xmlns:a16="http://schemas.microsoft.com/office/drawing/2014/main" id="{EA926F46-ACF0-410A-8472-6D818E306994}"/>
+                <a16:creationId xmlns:a16="http://schemas.microsoft.com/office/drawing/2014/main" xmlns="" id="{EA926F46-ACF0-410A-8472-6D818E306994}"/>
               </a:ext>
             </a:extLst>
           </p:cNvPr>
@@ -2482,7 +2484,7 @@
           <p:cNvPr id="4" name="Foliennummernplatzhalter 3">
             <a:extLst>
               <a:ext uri="{FF2B5EF4-FFF2-40B4-BE49-F238E27FC236}">
-                <a16:creationId xmlns:a16="http://schemas.microsoft.com/office/drawing/2014/main" id="{E8EE1B76-7EA0-4153-B9B3-C7FAC9E2E38E}"/>
+                <a16:creationId xmlns:a16="http://schemas.microsoft.com/office/drawing/2014/main" xmlns="" id="{E8EE1B76-7EA0-4153-B9B3-C7FAC9E2E38E}"/>
               </a:ext>
             </a:extLst>
           </p:cNvPr>
@@ -2541,7 +2543,7 @@
           <p:cNvPr id="2" name="Titel 1">
             <a:extLst>
               <a:ext uri="{FF2B5EF4-FFF2-40B4-BE49-F238E27FC236}">
-                <a16:creationId xmlns:a16="http://schemas.microsoft.com/office/drawing/2014/main" id="{E7DFF31F-2E58-4CFC-89ED-0CD1719642AB}"/>
+                <a16:creationId xmlns:a16="http://schemas.microsoft.com/office/drawing/2014/main" xmlns="" id="{E7DFF31F-2E58-4CFC-89ED-0CD1719642AB}"/>
               </a:ext>
             </a:extLst>
           </p:cNvPr>
@@ -2578,7 +2580,7 @@
           <p:cNvPr id="3" name="Inhaltsplatzhalter 2">
             <a:extLst>
               <a:ext uri="{FF2B5EF4-FFF2-40B4-BE49-F238E27FC236}">
-                <a16:creationId xmlns:a16="http://schemas.microsoft.com/office/drawing/2014/main" id="{8212DCFE-5A6E-4AB1-B413-7D1A81EC5A5B}"/>
+                <a16:creationId xmlns:a16="http://schemas.microsoft.com/office/drawing/2014/main" xmlns="" id="{8212DCFE-5A6E-4AB1-B413-7D1A81EC5A5B}"/>
               </a:ext>
             </a:extLst>
           </p:cNvPr>
@@ -2668,7 +2670,7 @@
           <p:cNvPr id="4" name="Textplatzhalter 3">
             <a:extLst>
               <a:ext uri="{FF2B5EF4-FFF2-40B4-BE49-F238E27FC236}">
-                <a16:creationId xmlns:a16="http://schemas.microsoft.com/office/drawing/2014/main" id="{D013B7DF-6A86-4B2A-87B0-C088184D3DC9}"/>
+                <a16:creationId xmlns:a16="http://schemas.microsoft.com/office/drawing/2014/main" xmlns="" id="{D013B7DF-6A86-4B2A-87B0-C088184D3DC9}"/>
               </a:ext>
             </a:extLst>
           </p:cNvPr>
@@ -2739,7 +2741,7 @@
           <p:cNvPr id="5" name="Datumsplatzhalter 4">
             <a:extLst>
               <a:ext uri="{FF2B5EF4-FFF2-40B4-BE49-F238E27FC236}">
-                <a16:creationId xmlns:a16="http://schemas.microsoft.com/office/drawing/2014/main" id="{4A933A87-552D-4B49-B6AF-5C3504349897}"/>
+                <a16:creationId xmlns:a16="http://schemas.microsoft.com/office/drawing/2014/main" xmlns="" id="{4A933A87-552D-4B49-B6AF-5C3504349897}"/>
               </a:ext>
             </a:extLst>
           </p:cNvPr>
@@ -2757,7 +2759,7 @@
           <a:p>
             <a:fld id="{CB9F0996-3986-4BD0-AC2D-F5F802D0DF4C}" type="datetime1">
               <a:rPr lang="de-DE" smtClean="0"/>
-              <a:t>25.03.2018</a:t>
+              <a:t>26.03.18</a:t>
             </a:fld>
             <a:endParaRPr lang="de-DE"/>
           </a:p>
@@ -2768,7 +2770,7 @@
           <p:cNvPr id="6" name="Fußzeilenplatzhalter 5">
             <a:extLst>
               <a:ext uri="{FF2B5EF4-FFF2-40B4-BE49-F238E27FC236}">
-                <a16:creationId xmlns:a16="http://schemas.microsoft.com/office/drawing/2014/main" id="{E4837E9A-470C-4E90-B748-2EBC9AF2FBCF}"/>
+                <a16:creationId xmlns:a16="http://schemas.microsoft.com/office/drawing/2014/main" xmlns="" id="{E4837E9A-470C-4E90-B748-2EBC9AF2FBCF}"/>
               </a:ext>
             </a:extLst>
           </p:cNvPr>
@@ -2793,7 +2795,7 @@
           <p:cNvPr id="7" name="Foliennummernplatzhalter 6">
             <a:extLst>
               <a:ext uri="{FF2B5EF4-FFF2-40B4-BE49-F238E27FC236}">
-                <a16:creationId xmlns:a16="http://schemas.microsoft.com/office/drawing/2014/main" id="{1E9F074A-452F-4A0D-9C3C-766560CC2776}"/>
+                <a16:creationId xmlns:a16="http://schemas.microsoft.com/office/drawing/2014/main" xmlns="" id="{1E9F074A-452F-4A0D-9C3C-766560CC2776}"/>
               </a:ext>
             </a:extLst>
           </p:cNvPr>
@@ -2852,7 +2854,7 @@
           <p:cNvPr id="2" name="Titel 1">
             <a:extLst>
               <a:ext uri="{FF2B5EF4-FFF2-40B4-BE49-F238E27FC236}">
-                <a16:creationId xmlns:a16="http://schemas.microsoft.com/office/drawing/2014/main" id="{5759C210-72B7-40E9-BCCE-7F2CD288D111}"/>
+                <a16:creationId xmlns:a16="http://schemas.microsoft.com/office/drawing/2014/main" xmlns="" id="{5759C210-72B7-40E9-BCCE-7F2CD288D111}"/>
               </a:ext>
             </a:extLst>
           </p:cNvPr>
@@ -2889,7 +2891,7 @@
           <p:cNvPr id="3" name="Bildplatzhalter 2">
             <a:extLst>
               <a:ext uri="{FF2B5EF4-FFF2-40B4-BE49-F238E27FC236}">
-                <a16:creationId xmlns:a16="http://schemas.microsoft.com/office/drawing/2014/main" id="{A855A97A-E73E-4799-B44D-4C7542A492D8}"/>
+                <a16:creationId xmlns:a16="http://schemas.microsoft.com/office/drawing/2014/main" xmlns="" id="{A855A97A-E73E-4799-B44D-4C7542A492D8}"/>
               </a:ext>
             </a:extLst>
           </p:cNvPr>
@@ -2956,7 +2958,7 @@
           <p:cNvPr id="4" name="Textplatzhalter 3">
             <a:extLst>
               <a:ext uri="{FF2B5EF4-FFF2-40B4-BE49-F238E27FC236}">
-                <a16:creationId xmlns:a16="http://schemas.microsoft.com/office/drawing/2014/main" id="{7255A853-78E3-4163-B55A-CC8EC226F808}"/>
+                <a16:creationId xmlns:a16="http://schemas.microsoft.com/office/drawing/2014/main" xmlns="" id="{7255A853-78E3-4163-B55A-CC8EC226F808}"/>
               </a:ext>
             </a:extLst>
           </p:cNvPr>
@@ -3027,7 +3029,7 @@
           <p:cNvPr id="5" name="Datumsplatzhalter 4">
             <a:extLst>
               <a:ext uri="{FF2B5EF4-FFF2-40B4-BE49-F238E27FC236}">
-                <a16:creationId xmlns:a16="http://schemas.microsoft.com/office/drawing/2014/main" id="{9D40D17D-F70E-4544-85A0-FCF3746AE954}"/>
+                <a16:creationId xmlns:a16="http://schemas.microsoft.com/office/drawing/2014/main" xmlns="" id="{9D40D17D-F70E-4544-85A0-FCF3746AE954}"/>
               </a:ext>
             </a:extLst>
           </p:cNvPr>
@@ -3045,7 +3047,7 @@
           <a:p>
             <a:fld id="{B53546CB-57F0-403A-9B11-F28CD8787C4F}" type="datetime1">
               <a:rPr lang="de-DE" smtClean="0"/>
-              <a:t>25.03.2018</a:t>
+              <a:t>26.03.18</a:t>
             </a:fld>
             <a:endParaRPr lang="de-DE"/>
           </a:p>
@@ -3056,7 +3058,7 @@
           <p:cNvPr id="6" name="Fußzeilenplatzhalter 5">
             <a:extLst>
               <a:ext uri="{FF2B5EF4-FFF2-40B4-BE49-F238E27FC236}">
-                <a16:creationId xmlns:a16="http://schemas.microsoft.com/office/drawing/2014/main" id="{82D42832-B50B-45A6-BB41-75BA707E4D6D}"/>
+                <a16:creationId xmlns:a16="http://schemas.microsoft.com/office/drawing/2014/main" xmlns="" id="{82D42832-B50B-45A6-BB41-75BA707E4D6D}"/>
               </a:ext>
             </a:extLst>
           </p:cNvPr>
@@ -3081,7 +3083,7 @@
           <p:cNvPr id="7" name="Foliennummernplatzhalter 6">
             <a:extLst>
               <a:ext uri="{FF2B5EF4-FFF2-40B4-BE49-F238E27FC236}">
-                <a16:creationId xmlns:a16="http://schemas.microsoft.com/office/drawing/2014/main" id="{EF370A13-2AD6-42F3-82DD-A8915D68F84F}"/>
+                <a16:creationId xmlns:a16="http://schemas.microsoft.com/office/drawing/2014/main" xmlns="" id="{EF370A13-2AD6-42F3-82DD-A8915D68F84F}"/>
               </a:ext>
             </a:extLst>
           </p:cNvPr>
@@ -3145,7 +3147,7 @@
           <p:cNvPr id="2" name="Titelplatzhalter 1">
             <a:extLst>
               <a:ext uri="{FF2B5EF4-FFF2-40B4-BE49-F238E27FC236}">
-                <a16:creationId xmlns:a16="http://schemas.microsoft.com/office/drawing/2014/main" id="{FF15E65D-7224-4547-A8B7-E018D79D5167}"/>
+                <a16:creationId xmlns:a16="http://schemas.microsoft.com/office/drawing/2014/main" xmlns="" id="{FF15E65D-7224-4547-A8B7-E018D79D5167}"/>
               </a:ext>
             </a:extLst>
           </p:cNvPr>
@@ -3183,7 +3185,7 @@
           <p:cNvPr id="3" name="Textplatzhalter 2">
             <a:extLst>
               <a:ext uri="{FF2B5EF4-FFF2-40B4-BE49-F238E27FC236}">
-                <a16:creationId xmlns:a16="http://schemas.microsoft.com/office/drawing/2014/main" id="{8E2E0B7E-1806-4C10-B430-114E71BCA475}"/>
+                <a16:creationId xmlns:a16="http://schemas.microsoft.com/office/drawing/2014/main" xmlns="" id="{8E2E0B7E-1806-4C10-B430-114E71BCA475}"/>
               </a:ext>
             </a:extLst>
           </p:cNvPr>
@@ -3250,7 +3252,7 @@
           <p:cNvPr id="4" name="Datumsplatzhalter 3">
             <a:extLst>
               <a:ext uri="{FF2B5EF4-FFF2-40B4-BE49-F238E27FC236}">
-                <a16:creationId xmlns:a16="http://schemas.microsoft.com/office/drawing/2014/main" id="{12E9677D-D9AF-4D85-9076-FB6608EF8D05}"/>
+                <a16:creationId xmlns:a16="http://schemas.microsoft.com/office/drawing/2014/main" xmlns="" id="{12E9677D-D9AF-4D85-9076-FB6608EF8D05}"/>
               </a:ext>
             </a:extLst>
           </p:cNvPr>
@@ -3286,7 +3288,7 @@
           <a:p>
             <a:fld id="{1D3C1B12-7E54-4267-9D51-05EAB2BDC53B}" type="datetime1">
               <a:rPr lang="de-DE" smtClean="0"/>
-              <a:t>25.03.2018</a:t>
+              <a:t>26.03.18</a:t>
             </a:fld>
             <a:endParaRPr lang="de-DE"/>
           </a:p>
@@ -3297,7 +3299,7 @@
           <p:cNvPr id="5" name="Fußzeilenplatzhalter 4">
             <a:extLst>
               <a:ext uri="{FF2B5EF4-FFF2-40B4-BE49-F238E27FC236}">
-                <a16:creationId xmlns:a16="http://schemas.microsoft.com/office/drawing/2014/main" id="{DEB9152B-6562-474B-911B-6C7817AC474B}"/>
+                <a16:creationId xmlns:a16="http://schemas.microsoft.com/office/drawing/2014/main" xmlns="" id="{DEB9152B-6562-474B-911B-6C7817AC474B}"/>
               </a:ext>
             </a:extLst>
           </p:cNvPr>
@@ -3340,7 +3342,7 @@
           <p:cNvPr id="6" name="Foliennummernplatzhalter 5">
             <a:extLst>
               <a:ext uri="{FF2B5EF4-FFF2-40B4-BE49-F238E27FC236}">
-                <a16:creationId xmlns:a16="http://schemas.microsoft.com/office/drawing/2014/main" id="{31DE64A8-71CB-4F9B-9C42-378CEF45D891}"/>
+                <a16:creationId xmlns:a16="http://schemas.microsoft.com/office/drawing/2014/main" xmlns="" id="{31DE64A8-71CB-4F9B-9C42-378CEF45D891}"/>
               </a:ext>
             </a:extLst>
           </p:cNvPr>
@@ -3709,7 +3711,7 @@
           <p:cNvPr id="5" name="Title 4">
             <a:extLst>
               <a:ext uri="{FF2B5EF4-FFF2-40B4-BE49-F238E27FC236}">
-                <a16:creationId xmlns:a16="http://schemas.microsoft.com/office/drawing/2014/main" id="{3DB679FE-7AB8-452C-9056-DB9A71D8FBB7}"/>
+                <a16:creationId xmlns:a16="http://schemas.microsoft.com/office/drawing/2014/main" xmlns="" id="{3DB679FE-7AB8-452C-9056-DB9A71D8FBB7}"/>
               </a:ext>
             </a:extLst>
           </p:cNvPr>
@@ -3737,7 +3739,7 @@
           <p:cNvPr id="6" name="Content Placeholder 5">
             <a:extLst>
               <a:ext uri="{FF2B5EF4-FFF2-40B4-BE49-F238E27FC236}">
-                <a16:creationId xmlns:a16="http://schemas.microsoft.com/office/drawing/2014/main" id="{6209D8CB-5E61-484E-9162-79AAB377D1C3}"/>
+                <a16:creationId xmlns:a16="http://schemas.microsoft.com/office/drawing/2014/main" xmlns="" id="{6209D8CB-5E61-484E-9162-79AAB377D1C3}"/>
               </a:ext>
             </a:extLst>
           </p:cNvPr>
@@ -3891,7 +3893,7 @@
           <p:cNvPr id="4" name="Slide Number Placeholder 3">
             <a:extLst>
               <a:ext uri="{FF2B5EF4-FFF2-40B4-BE49-F238E27FC236}">
-                <a16:creationId xmlns:a16="http://schemas.microsoft.com/office/drawing/2014/main" id="{88BB8228-97AC-4492-A356-F36497FBE06E}"/>
+                <a16:creationId xmlns:a16="http://schemas.microsoft.com/office/drawing/2014/main" xmlns="" id="{88BB8228-97AC-4492-A356-F36497FBE06E}"/>
               </a:ext>
             </a:extLst>
           </p:cNvPr>
@@ -3925,6 +3927,14 @@
   <p:clrMapOvr>
     <a:masterClrMapping/>
   </p:clrMapOvr>
+  <mc:AlternateContent xmlns:mc="http://schemas.openxmlformats.org/markup-compatibility/2006">
+    <mc:Choice xmlns:p14="http://schemas.microsoft.com/office/powerpoint/2010/main" Requires="p14">
+      <p:transition spd="slow" p14:dur="2000"/>
+    </mc:Choice>
+    <mc:Fallback>
+      <p:transition xmlns:p14="http://schemas.microsoft.com/office/powerpoint/2010/main" spd="slow"/>
+    </mc:Fallback>
+  </mc:AlternateContent>
 </p:sld>
 </file>
 
@@ -3950,7 +3960,7 @@
           <p:cNvPr id="2" name="Title 1">
             <a:extLst>
               <a:ext uri="{FF2B5EF4-FFF2-40B4-BE49-F238E27FC236}">
-                <a16:creationId xmlns:a16="http://schemas.microsoft.com/office/drawing/2014/main" id="{EC71ED69-ECE5-4FEA-BAAC-2D3FD4AEF4CF}"/>
+                <a16:creationId xmlns:a16="http://schemas.microsoft.com/office/drawing/2014/main" xmlns="" id="{EC71ED69-ECE5-4FEA-BAAC-2D3FD4AEF4CF}"/>
               </a:ext>
             </a:extLst>
           </p:cNvPr>
@@ -3968,9 +3978,10 @@
           <a:p>
             <a:pPr algn="ctr"/>
             <a:r>
-              <a:rPr lang="de-DE" dirty="0"/>
-              <a:t>Backup Bewegungsmuster</a:t>
-            </a:r>
+              <a:rPr lang="de-DE" dirty="0" smtClean="0"/>
+              <a:t>Bewegungsmuster</a:t>
+            </a:r>
+            <a:endParaRPr lang="de-DE" dirty="0"/>
           </a:p>
         </p:txBody>
       </p:sp>
@@ -3979,7 +3990,7 @@
           <p:cNvPr id="5" name="Content Placeholder 4">
             <a:extLst>
               <a:ext uri="{FF2B5EF4-FFF2-40B4-BE49-F238E27FC236}">
-                <a16:creationId xmlns:a16="http://schemas.microsoft.com/office/drawing/2014/main" id="{556F42A2-DCA4-4B1C-A056-51A3547A9BE0}"/>
+                <a16:creationId xmlns:a16="http://schemas.microsoft.com/office/drawing/2014/main" xmlns="" id="{556F42A2-DCA4-4B1C-A056-51A3547A9BE0}"/>
               </a:ext>
             </a:extLst>
           </p:cNvPr>
@@ -4004,56 +4015,56 @@
                 <a:gridCol w="563946">
                   <a:extLst>
                     <a:ext uri="{9D8B030D-6E8A-4147-A177-3AD203B41FA5}">
-                      <a16:colId xmlns:a16="http://schemas.microsoft.com/office/drawing/2014/main" val="3909669187"/>
+                      <a16:colId xmlns:a16="http://schemas.microsoft.com/office/drawing/2014/main" xmlns="" val="3909669187"/>
                     </a:ext>
                   </a:extLst>
                 </a:gridCol>
                 <a:gridCol w="563946">
                   <a:extLst>
                     <a:ext uri="{9D8B030D-6E8A-4147-A177-3AD203B41FA5}">
-                      <a16:colId xmlns:a16="http://schemas.microsoft.com/office/drawing/2014/main" val="2081033052"/>
+                      <a16:colId xmlns:a16="http://schemas.microsoft.com/office/drawing/2014/main" xmlns="" val="2081033052"/>
                     </a:ext>
                   </a:extLst>
                 </a:gridCol>
                 <a:gridCol w="563946">
                   <a:extLst>
                     <a:ext uri="{9D8B030D-6E8A-4147-A177-3AD203B41FA5}">
-                      <a16:colId xmlns:a16="http://schemas.microsoft.com/office/drawing/2014/main" val="2759415750"/>
+                      <a16:colId xmlns:a16="http://schemas.microsoft.com/office/drawing/2014/main" xmlns="" val="2759415750"/>
                     </a:ext>
                   </a:extLst>
                 </a:gridCol>
                 <a:gridCol w="563946">
                   <a:extLst>
                     <a:ext uri="{9D8B030D-6E8A-4147-A177-3AD203B41FA5}">
-                      <a16:colId xmlns:a16="http://schemas.microsoft.com/office/drawing/2014/main" val="1013666482"/>
+                      <a16:colId xmlns:a16="http://schemas.microsoft.com/office/drawing/2014/main" xmlns="" val="1013666482"/>
                     </a:ext>
                   </a:extLst>
                 </a:gridCol>
                 <a:gridCol w="563946">
                   <a:extLst>
                     <a:ext uri="{9D8B030D-6E8A-4147-A177-3AD203B41FA5}">
-                      <a16:colId xmlns:a16="http://schemas.microsoft.com/office/drawing/2014/main" val="4052377547"/>
+                      <a16:colId xmlns:a16="http://schemas.microsoft.com/office/drawing/2014/main" xmlns="" val="4052377547"/>
                     </a:ext>
                   </a:extLst>
                 </a:gridCol>
                 <a:gridCol w="563946">
                   <a:extLst>
                     <a:ext uri="{9D8B030D-6E8A-4147-A177-3AD203B41FA5}">
-                      <a16:colId xmlns:a16="http://schemas.microsoft.com/office/drawing/2014/main" val="86987426"/>
+                      <a16:colId xmlns:a16="http://schemas.microsoft.com/office/drawing/2014/main" xmlns="" val="86987426"/>
                     </a:ext>
                   </a:extLst>
                 </a:gridCol>
                 <a:gridCol w="563946">
                   <a:extLst>
                     <a:ext uri="{9D8B030D-6E8A-4147-A177-3AD203B41FA5}">
-                      <a16:colId xmlns:a16="http://schemas.microsoft.com/office/drawing/2014/main" val="4112314039"/>
+                      <a16:colId xmlns:a16="http://schemas.microsoft.com/office/drawing/2014/main" xmlns="" val="4112314039"/>
                     </a:ext>
                   </a:extLst>
                 </a:gridCol>
                 <a:gridCol w="563946">
                   <a:extLst>
                     <a:ext uri="{9D8B030D-6E8A-4147-A177-3AD203B41FA5}">
-                      <a16:colId xmlns:a16="http://schemas.microsoft.com/office/drawing/2014/main" val="2352200665"/>
+                      <a16:colId xmlns:a16="http://schemas.microsoft.com/office/drawing/2014/main" xmlns="" val="2352200665"/>
                     </a:ext>
                   </a:extLst>
                 </a:gridCol>
@@ -4141,7 +4152,7 @@
                 </a:tc>
                 <a:extLst>
                   <a:ext uri="{0D108BD9-81ED-4DB2-BD59-A6C34878D82A}">
-                    <a16:rowId xmlns:a16="http://schemas.microsoft.com/office/drawing/2014/main" val="3901103587"/>
+                    <a16:rowId xmlns:a16="http://schemas.microsoft.com/office/drawing/2014/main" xmlns="" val="3901103587"/>
                   </a:ext>
                 </a:extLst>
               </a:tr>
@@ -4228,7 +4239,7 @@
                 </a:tc>
                 <a:extLst>
                   <a:ext uri="{0D108BD9-81ED-4DB2-BD59-A6C34878D82A}">
-                    <a16:rowId xmlns:a16="http://schemas.microsoft.com/office/drawing/2014/main" val="810655840"/>
+                    <a16:rowId xmlns:a16="http://schemas.microsoft.com/office/drawing/2014/main" xmlns="" val="810655840"/>
                   </a:ext>
                 </a:extLst>
               </a:tr>
@@ -4315,7 +4326,7 @@
                 </a:tc>
                 <a:extLst>
                   <a:ext uri="{0D108BD9-81ED-4DB2-BD59-A6C34878D82A}">
-                    <a16:rowId xmlns:a16="http://schemas.microsoft.com/office/drawing/2014/main" val="2107368300"/>
+                    <a16:rowId xmlns:a16="http://schemas.microsoft.com/office/drawing/2014/main" xmlns="" val="2107368300"/>
                   </a:ext>
                 </a:extLst>
               </a:tr>
@@ -4402,7 +4413,7 @@
                 </a:tc>
                 <a:extLst>
                   <a:ext uri="{0D108BD9-81ED-4DB2-BD59-A6C34878D82A}">
-                    <a16:rowId xmlns:a16="http://schemas.microsoft.com/office/drawing/2014/main" val="1259991857"/>
+                    <a16:rowId xmlns:a16="http://schemas.microsoft.com/office/drawing/2014/main" xmlns="" val="1259991857"/>
                   </a:ext>
                 </a:extLst>
               </a:tr>
@@ -4489,7 +4500,7 @@
                 </a:tc>
                 <a:extLst>
                   <a:ext uri="{0D108BD9-81ED-4DB2-BD59-A6C34878D82A}">
-                    <a16:rowId xmlns:a16="http://schemas.microsoft.com/office/drawing/2014/main" val="1705778076"/>
+                    <a16:rowId xmlns:a16="http://schemas.microsoft.com/office/drawing/2014/main" xmlns="" val="1705778076"/>
                   </a:ext>
                 </a:extLst>
               </a:tr>
@@ -4576,7 +4587,7 @@
                 </a:tc>
                 <a:extLst>
                   <a:ext uri="{0D108BD9-81ED-4DB2-BD59-A6C34878D82A}">
-                    <a16:rowId xmlns:a16="http://schemas.microsoft.com/office/drawing/2014/main" val="3593844036"/>
+                    <a16:rowId xmlns:a16="http://schemas.microsoft.com/office/drawing/2014/main" xmlns="" val="3593844036"/>
                   </a:ext>
                 </a:extLst>
               </a:tr>
@@ -4663,7 +4674,7 @@
                 </a:tc>
                 <a:extLst>
                   <a:ext uri="{0D108BD9-81ED-4DB2-BD59-A6C34878D82A}">
-                    <a16:rowId xmlns:a16="http://schemas.microsoft.com/office/drawing/2014/main" val="2725860628"/>
+                    <a16:rowId xmlns:a16="http://schemas.microsoft.com/office/drawing/2014/main" xmlns="" val="2725860628"/>
                   </a:ext>
                 </a:extLst>
               </a:tr>
@@ -4750,7 +4761,7 @@
                 </a:tc>
                 <a:extLst>
                   <a:ext uri="{0D108BD9-81ED-4DB2-BD59-A6C34878D82A}">
-                    <a16:rowId xmlns:a16="http://schemas.microsoft.com/office/drawing/2014/main" val="3598242446"/>
+                    <a16:rowId xmlns:a16="http://schemas.microsoft.com/office/drawing/2014/main" xmlns="" val="3598242446"/>
                   </a:ext>
                 </a:extLst>
               </a:tr>
@@ -4763,7 +4774,7 @@
           <p:cNvPr id="4" name="Slide Number Placeholder 3">
             <a:extLst>
               <a:ext uri="{FF2B5EF4-FFF2-40B4-BE49-F238E27FC236}">
-                <a16:creationId xmlns:a16="http://schemas.microsoft.com/office/drawing/2014/main" id="{97D82D7D-618B-4FC6-9B8D-AF076B248E3B}"/>
+                <a16:creationId xmlns:a16="http://schemas.microsoft.com/office/drawing/2014/main" xmlns="" id="{97D82D7D-618B-4FC6-9B8D-AF076B248E3B}"/>
               </a:ext>
             </a:extLst>
           </p:cNvPr>
@@ -4792,7 +4803,7 @@
           <p:cNvPr id="6" name="Multiplication Sign 5">
             <a:extLst>
               <a:ext uri="{FF2B5EF4-FFF2-40B4-BE49-F238E27FC236}">
-                <a16:creationId xmlns:a16="http://schemas.microsoft.com/office/drawing/2014/main" id="{38108A66-6254-422A-831E-1095BB8DE301}"/>
+                <a16:creationId xmlns:a16="http://schemas.microsoft.com/office/drawing/2014/main" xmlns="" id="{38108A66-6254-422A-831E-1095BB8DE301}"/>
               </a:ext>
             </a:extLst>
           </p:cNvPr>
@@ -4846,7 +4857,7 @@
           <p:cNvPr id="7" name="TextBox 6">
             <a:extLst>
               <a:ext uri="{FF2B5EF4-FFF2-40B4-BE49-F238E27FC236}">
-                <a16:creationId xmlns:a16="http://schemas.microsoft.com/office/drawing/2014/main" id="{AAB138A2-4672-41FA-B1A3-1BCF77A65C1E}"/>
+                <a16:creationId xmlns:a16="http://schemas.microsoft.com/office/drawing/2014/main" xmlns="" id="{AAB138A2-4672-41FA-B1A3-1BCF77A65C1E}"/>
               </a:ext>
             </a:extLst>
           </p:cNvPr>
@@ -4895,7 +4906,7 @@
           <p:cNvPr id="8" name="TextBox 7">
             <a:extLst>
               <a:ext uri="{FF2B5EF4-FFF2-40B4-BE49-F238E27FC236}">
-                <a16:creationId xmlns:a16="http://schemas.microsoft.com/office/drawing/2014/main" id="{834ADA7A-0E97-41A2-AA02-F570FA699361}"/>
+                <a16:creationId xmlns:a16="http://schemas.microsoft.com/office/drawing/2014/main" xmlns="" id="{834ADA7A-0E97-41A2-AA02-F570FA699361}"/>
               </a:ext>
             </a:extLst>
           </p:cNvPr>
@@ -4944,7 +4955,7 @@
           <p:cNvPr id="9" name="Multiplication Sign 8">
             <a:extLst>
               <a:ext uri="{FF2B5EF4-FFF2-40B4-BE49-F238E27FC236}">
-                <a16:creationId xmlns:a16="http://schemas.microsoft.com/office/drawing/2014/main" id="{F7361447-BB27-4ADC-84D0-A4BAC0BC306E}"/>
+                <a16:creationId xmlns:a16="http://schemas.microsoft.com/office/drawing/2014/main" xmlns="" id="{F7361447-BB27-4ADC-84D0-A4BAC0BC306E}"/>
               </a:ext>
             </a:extLst>
           </p:cNvPr>
@@ -4998,7 +5009,7 @@
           <p:cNvPr id="10" name="TextBox 9">
             <a:extLst>
               <a:ext uri="{FF2B5EF4-FFF2-40B4-BE49-F238E27FC236}">
-                <a16:creationId xmlns:a16="http://schemas.microsoft.com/office/drawing/2014/main" id="{641F9E26-7091-49A7-85FD-BE26B7A11674}"/>
+                <a16:creationId xmlns:a16="http://schemas.microsoft.com/office/drawing/2014/main" xmlns="" id="{641F9E26-7091-49A7-85FD-BE26B7A11674}"/>
               </a:ext>
             </a:extLst>
           </p:cNvPr>
@@ -5033,7 +5044,7 @@
           <p:cNvPr id="11" name="Star: 5 Points 10">
             <a:extLst>
               <a:ext uri="{FF2B5EF4-FFF2-40B4-BE49-F238E27FC236}">
-                <a16:creationId xmlns:a16="http://schemas.microsoft.com/office/drawing/2014/main" id="{7A1FC458-B0D5-4718-8044-8530CD4DB6B5}"/>
+                <a16:creationId xmlns:a16="http://schemas.microsoft.com/office/drawing/2014/main" xmlns="" id="{7A1FC458-B0D5-4718-8044-8530CD4DB6B5}"/>
               </a:ext>
             </a:extLst>
           </p:cNvPr>
@@ -5112,7 +5123,7 @@
           <p:cNvPr id="2" name="Title 1">
             <a:extLst>
               <a:ext uri="{FF2B5EF4-FFF2-40B4-BE49-F238E27FC236}">
-                <a16:creationId xmlns:a16="http://schemas.microsoft.com/office/drawing/2014/main" id="{EC71ED69-ECE5-4FEA-BAAC-2D3FD4AEF4CF}"/>
+                <a16:creationId xmlns:a16="http://schemas.microsoft.com/office/drawing/2014/main" xmlns="" id="{EC71ED69-ECE5-4FEA-BAAC-2D3FD4AEF4CF}"/>
               </a:ext>
             </a:extLst>
           </p:cNvPr>
@@ -5130,9 +5141,10 @@
           <a:p>
             <a:pPr algn="ctr"/>
             <a:r>
-              <a:rPr lang="de-DE" dirty="0"/>
-              <a:t>Backup Bewegungsmuster</a:t>
-            </a:r>
+              <a:rPr lang="de-DE" dirty="0" smtClean="0"/>
+              <a:t>Bewegungsmuster</a:t>
+            </a:r>
+            <a:endParaRPr lang="de-DE" dirty="0"/>
           </a:p>
         </p:txBody>
       </p:sp>
@@ -5141,7 +5153,7 @@
           <p:cNvPr id="5" name="Content Placeholder 4">
             <a:extLst>
               <a:ext uri="{FF2B5EF4-FFF2-40B4-BE49-F238E27FC236}">
-                <a16:creationId xmlns:a16="http://schemas.microsoft.com/office/drawing/2014/main" id="{556F42A2-DCA4-4B1C-A056-51A3547A9BE0}"/>
+                <a16:creationId xmlns:a16="http://schemas.microsoft.com/office/drawing/2014/main" xmlns="" id="{556F42A2-DCA4-4B1C-A056-51A3547A9BE0}"/>
               </a:ext>
             </a:extLst>
           </p:cNvPr>
@@ -5166,56 +5178,56 @@
                 <a:gridCol w="563946">
                   <a:extLst>
                     <a:ext uri="{9D8B030D-6E8A-4147-A177-3AD203B41FA5}">
-                      <a16:colId xmlns:a16="http://schemas.microsoft.com/office/drawing/2014/main" val="3909669187"/>
+                      <a16:colId xmlns:a16="http://schemas.microsoft.com/office/drawing/2014/main" xmlns="" val="3909669187"/>
                     </a:ext>
                   </a:extLst>
                 </a:gridCol>
                 <a:gridCol w="563946">
                   <a:extLst>
                     <a:ext uri="{9D8B030D-6E8A-4147-A177-3AD203B41FA5}">
-                      <a16:colId xmlns:a16="http://schemas.microsoft.com/office/drawing/2014/main" val="2081033052"/>
+                      <a16:colId xmlns:a16="http://schemas.microsoft.com/office/drawing/2014/main" xmlns="" val="2081033052"/>
                     </a:ext>
                   </a:extLst>
                 </a:gridCol>
                 <a:gridCol w="563946">
                   <a:extLst>
                     <a:ext uri="{9D8B030D-6E8A-4147-A177-3AD203B41FA5}">
-                      <a16:colId xmlns:a16="http://schemas.microsoft.com/office/drawing/2014/main" val="2759415750"/>
+                      <a16:colId xmlns:a16="http://schemas.microsoft.com/office/drawing/2014/main" xmlns="" val="2759415750"/>
                     </a:ext>
                   </a:extLst>
                 </a:gridCol>
                 <a:gridCol w="563946">
                   <a:extLst>
                     <a:ext uri="{9D8B030D-6E8A-4147-A177-3AD203B41FA5}">
-                      <a16:colId xmlns:a16="http://schemas.microsoft.com/office/drawing/2014/main" val="1013666482"/>
+                      <a16:colId xmlns:a16="http://schemas.microsoft.com/office/drawing/2014/main" xmlns="" val="1013666482"/>
                     </a:ext>
                   </a:extLst>
                 </a:gridCol>
                 <a:gridCol w="563946">
                   <a:extLst>
                     <a:ext uri="{9D8B030D-6E8A-4147-A177-3AD203B41FA5}">
-                      <a16:colId xmlns:a16="http://schemas.microsoft.com/office/drawing/2014/main" val="4052377547"/>
+                      <a16:colId xmlns:a16="http://schemas.microsoft.com/office/drawing/2014/main" xmlns="" val="4052377547"/>
                     </a:ext>
                   </a:extLst>
                 </a:gridCol>
                 <a:gridCol w="563946">
                   <a:extLst>
                     <a:ext uri="{9D8B030D-6E8A-4147-A177-3AD203B41FA5}">
-                      <a16:colId xmlns:a16="http://schemas.microsoft.com/office/drawing/2014/main" val="86987426"/>
+                      <a16:colId xmlns:a16="http://schemas.microsoft.com/office/drawing/2014/main" xmlns="" val="86987426"/>
                     </a:ext>
                   </a:extLst>
                 </a:gridCol>
                 <a:gridCol w="563946">
                   <a:extLst>
                     <a:ext uri="{9D8B030D-6E8A-4147-A177-3AD203B41FA5}">
-                      <a16:colId xmlns:a16="http://schemas.microsoft.com/office/drawing/2014/main" val="4112314039"/>
+                      <a16:colId xmlns:a16="http://schemas.microsoft.com/office/drawing/2014/main" xmlns="" val="4112314039"/>
                     </a:ext>
                   </a:extLst>
                 </a:gridCol>
                 <a:gridCol w="563946">
                   <a:extLst>
                     <a:ext uri="{9D8B030D-6E8A-4147-A177-3AD203B41FA5}">
-                      <a16:colId xmlns:a16="http://schemas.microsoft.com/office/drawing/2014/main" val="2352200665"/>
+                      <a16:colId xmlns:a16="http://schemas.microsoft.com/office/drawing/2014/main" xmlns="" val="2352200665"/>
                     </a:ext>
                   </a:extLst>
                 </a:gridCol>
@@ -5303,7 +5315,7 @@
                 </a:tc>
                 <a:extLst>
                   <a:ext uri="{0D108BD9-81ED-4DB2-BD59-A6C34878D82A}">
-                    <a16:rowId xmlns:a16="http://schemas.microsoft.com/office/drawing/2014/main" val="3901103587"/>
+                    <a16:rowId xmlns:a16="http://schemas.microsoft.com/office/drawing/2014/main" xmlns="" val="3901103587"/>
                   </a:ext>
                 </a:extLst>
               </a:tr>
@@ -5390,7 +5402,7 @@
                 </a:tc>
                 <a:extLst>
                   <a:ext uri="{0D108BD9-81ED-4DB2-BD59-A6C34878D82A}">
-                    <a16:rowId xmlns:a16="http://schemas.microsoft.com/office/drawing/2014/main" val="810655840"/>
+                    <a16:rowId xmlns:a16="http://schemas.microsoft.com/office/drawing/2014/main" xmlns="" val="810655840"/>
                   </a:ext>
                 </a:extLst>
               </a:tr>
@@ -5477,7 +5489,7 @@
                 </a:tc>
                 <a:extLst>
                   <a:ext uri="{0D108BD9-81ED-4DB2-BD59-A6C34878D82A}">
-                    <a16:rowId xmlns:a16="http://schemas.microsoft.com/office/drawing/2014/main" val="2107368300"/>
+                    <a16:rowId xmlns:a16="http://schemas.microsoft.com/office/drawing/2014/main" xmlns="" val="2107368300"/>
                   </a:ext>
                 </a:extLst>
               </a:tr>
@@ -5564,7 +5576,7 @@
                 </a:tc>
                 <a:extLst>
                   <a:ext uri="{0D108BD9-81ED-4DB2-BD59-A6C34878D82A}">
-                    <a16:rowId xmlns:a16="http://schemas.microsoft.com/office/drawing/2014/main" val="1259991857"/>
+                    <a16:rowId xmlns:a16="http://schemas.microsoft.com/office/drawing/2014/main" xmlns="" val="1259991857"/>
                   </a:ext>
                 </a:extLst>
               </a:tr>
@@ -5651,7 +5663,7 @@
                 </a:tc>
                 <a:extLst>
                   <a:ext uri="{0D108BD9-81ED-4DB2-BD59-A6C34878D82A}">
-                    <a16:rowId xmlns:a16="http://schemas.microsoft.com/office/drawing/2014/main" val="1705778076"/>
+                    <a16:rowId xmlns:a16="http://schemas.microsoft.com/office/drawing/2014/main" xmlns="" val="1705778076"/>
                   </a:ext>
                 </a:extLst>
               </a:tr>
@@ -5738,7 +5750,7 @@
                 </a:tc>
                 <a:extLst>
                   <a:ext uri="{0D108BD9-81ED-4DB2-BD59-A6C34878D82A}">
-                    <a16:rowId xmlns:a16="http://schemas.microsoft.com/office/drawing/2014/main" val="3593844036"/>
+                    <a16:rowId xmlns:a16="http://schemas.microsoft.com/office/drawing/2014/main" xmlns="" val="3593844036"/>
                   </a:ext>
                 </a:extLst>
               </a:tr>
@@ -5825,7 +5837,7 @@
                 </a:tc>
                 <a:extLst>
                   <a:ext uri="{0D108BD9-81ED-4DB2-BD59-A6C34878D82A}">
-                    <a16:rowId xmlns:a16="http://schemas.microsoft.com/office/drawing/2014/main" val="2725860628"/>
+                    <a16:rowId xmlns:a16="http://schemas.microsoft.com/office/drawing/2014/main" xmlns="" val="2725860628"/>
                   </a:ext>
                 </a:extLst>
               </a:tr>
@@ -5912,7 +5924,7 @@
                 </a:tc>
                 <a:extLst>
                   <a:ext uri="{0D108BD9-81ED-4DB2-BD59-A6C34878D82A}">
-                    <a16:rowId xmlns:a16="http://schemas.microsoft.com/office/drawing/2014/main" val="3598242446"/>
+                    <a16:rowId xmlns:a16="http://schemas.microsoft.com/office/drawing/2014/main" xmlns="" val="3598242446"/>
                   </a:ext>
                 </a:extLst>
               </a:tr>
@@ -5925,7 +5937,7 @@
           <p:cNvPr id="4" name="Slide Number Placeholder 3">
             <a:extLst>
               <a:ext uri="{FF2B5EF4-FFF2-40B4-BE49-F238E27FC236}">
-                <a16:creationId xmlns:a16="http://schemas.microsoft.com/office/drawing/2014/main" id="{97D82D7D-618B-4FC6-9B8D-AF076B248E3B}"/>
+                <a16:creationId xmlns:a16="http://schemas.microsoft.com/office/drawing/2014/main" xmlns="" id="{97D82D7D-618B-4FC6-9B8D-AF076B248E3B}"/>
               </a:ext>
             </a:extLst>
           </p:cNvPr>
@@ -5954,7 +5966,7 @@
           <p:cNvPr id="6" name="Multiplication Sign 5">
             <a:extLst>
               <a:ext uri="{FF2B5EF4-FFF2-40B4-BE49-F238E27FC236}">
-                <a16:creationId xmlns:a16="http://schemas.microsoft.com/office/drawing/2014/main" id="{38108A66-6254-422A-831E-1095BB8DE301}"/>
+                <a16:creationId xmlns:a16="http://schemas.microsoft.com/office/drawing/2014/main" xmlns="" id="{38108A66-6254-422A-831E-1095BB8DE301}"/>
               </a:ext>
             </a:extLst>
           </p:cNvPr>
@@ -6008,7 +6020,7 @@
           <p:cNvPr id="7" name="TextBox 6">
             <a:extLst>
               <a:ext uri="{FF2B5EF4-FFF2-40B4-BE49-F238E27FC236}">
-                <a16:creationId xmlns:a16="http://schemas.microsoft.com/office/drawing/2014/main" id="{AAB138A2-4672-41FA-B1A3-1BCF77A65C1E}"/>
+                <a16:creationId xmlns:a16="http://schemas.microsoft.com/office/drawing/2014/main" xmlns="" id="{AAB138A2-4672-41FA-B1A3-1BCF77A65C1E}"/>
               </a:ext>
             </a:extLst>
           </p:cNvPr>
@@ -6065,7 +6077,7 @@
           <p:cNvPr id="8" name="TextBox 7">
             <a:extLst>
               <a:ext uri="{FF2B5EF4-FFF2-40B4-BE49-F238E27FC236}">
-                <a16:creationId xmlns:a16="http://schemas.microsoft.com/office/drawing/2014/main" id="{834ADA7A-0E97-41A2-AA02-F570FA699361}"/>
+                <a16:creationId xmlns:a16="http://schemas.microsoft.com/office/drawing/2014/main" xmlns="" id="{834ADA7A-0E97-41A2-AA02-F570FA699361}"/>
               </a:ext>
             </a:extLst>
           </p:cNvPr>
@@ -6114,7 +6126,7 @@
           <p:cNvPr id="9" name="Multiplication Sign 8">
             <a:extLst>
               <a:ext uri="{FF2B5EF4-FFF2-40B4-BE49-F238E27FC236}">
-                <a16:creationId xmlns:a16="http://schemas.microsoft.com/office/drawing/2014/main" id="{F7361447-BB27-4ADC-84D0-A4BAC0BC306E}"/>
+                <a16:creationId xmlns:a16="http://schemas.microsoft.com/office/drawing/2014/main" xmlns="" id="{F7361447-BB27-4ADC-84D0-A4BAC0BC306E}"/>
               </a:ext>
             </a:extLst>
           </p:cNvPr>
@@ -6168,7 +6180,7 @@
           <p:cNvPr id="10" name="TextBox 9">
             <a:extLst>
               <a:ext uri="{FF2B5EF4-FFF2-40B4-BE49-F238E27FC236}">
-                <a16:creationId xmlns:a16="http://schemas.microsoft.com/office/drawing/2014/main" id="{641F9E26-7091-49A7-85FD-BE26B7A11674}"/>
+                <a16:creationId xmlns:a16="http://schemas.microsoft.com/office/drawing/2014/main" xmlns="" id="{641F9E26-7091-49A7-85FD-BE26B7A11674}"/>
               </a:ext>
             </a:extLst>
           </p:cNvPr>
@@ -6203,7 +6215,7 @@
           <p:cNvPr id="11" name="Star: 5 Points 10">
             <a:extLst>
               <a:ext uri="{FF2B5EF4-FFF2-40B4-BE49-F238E27FC236}">
-                <a16:creationId xmlns:a16="http://schemas.microsoft.com/office/drawing/2014/main" id="{7A1FC458-B0D5-4718-8044-8530CD4DB6B5}"/>
+                <a16:creationId xmlns:a16="http://schemas.microsoft.com/office/drawing/2014/main" xmlns="" id="{7A1FC458-B0D5-4718-8044-8530CD4DB6B5}"/>
               </a:ext>
             </a:extLst>
           </p:cNvPr>
@@ -6252,7 +6264,7 @@
           <p:cNvPr id="12" name="Arrow: Right 11">
             <a:extLst>
               <a:ext uri="{FF2B5EF4-FFF2-40B4-BE49-F238E27FC236}">
-                <a16:creationId xmlns:a16="http://schemas.microsoft.com/office/drawing/2014/main" id="{2756CF90-4297-4F7C-A804-310CEDEE4385}"/>
+                <a16:creationId xmlns:a16="http://schemas.microsoft.com/office/drawing/2014/main" xmlns="" id="{2756CF90-4297-4F7C-A804-310CEDEE4385}"/>
               </a:ext>
             </a:extLst>
           </p:cNvPr>
@@ -6301,7 +6313,7 @@
           <p:cNvPr id="13" name="Arrow: Right 12">
             <a:extLst>
               <a:ext uri="{FF2B5EF4-FFF2-40B4-BE49-F238E27FC236}">
-                <a16:creationId xmlns:a16="http://schemas.microsoft.com/office/drawing/2014/main" id="{45D601F1-0253-471D-A018-983C3D763EB7}"/>
+                <a16:creationId xmlns:a16="http://schemas.microsoft.com/office/drawing/2014/main" xmlns="" id="{45D601F1-0253-471D-A018-983C3D763EB7}"/>
               </a:ext>
             </a:extLst>
           </p:cNvPr>
@@ -6350,7 +6362,7 @@
           <p:cNvPr id="14" name="Arrow: Right 13">
             <a:extLst>
               <a:ext uri="{FF2B5EF4-FFF2-40B4-BE49-F238E27FC236}">
-                <a16:creationId xmlns:a16="http://schemas.microsoft.com/office/drawing/2014/main" id="{D5B7F4CD-F355-4A4C-9FCB-6C9195FEAE6A}"/>
+                <a16:creationId xmlns:a16="http://schemas.microsoft.com/office/drawing/2014/main" xmlns="" id="{D5B7F4CD-F355-4A4C-9FCB-6C9195FEAE6A}"/>
               </a:ext>
             </a:extLst>
           </p:cNvPr>
@@ -6399,7 +6411,7 @@
           <p:cNvPr id="15" name="Arrow: Right 14">
             <a:extLst>
               <a:ext uri="{FF2B5EF4-FFF2-40B4-BE49-F238E27FC236}">
-                <a16:creationId xmlns:a16="http://schemas.microsoft.com/office/drawing/2014/main" id="{50377EFF-BCCA-41AA-8A31-7E840817C265}"/>
+                <a16:creationId xmlns:a16="http://schemas.microsoft.com/office/drawing/2014/main" xmlns="" id="{50377EFF-BCCA-41AA-8A31-7E840817C265}"/>
               </a:ext>
             </a:extLst>
           </p:cNvPr>
@@ -6478,7 +6490,7 @@
           <p:cNvPr id="2" name="Title 1">
             <a:extLst>
               <a:ext uri="{FF2B5EF4-FFF2-40B4-BE49-F238E27FC236}">
-                <a16:creationId xmlns:a16="http://schemas.microsoft.com/office/drawing/2014/main" id="{EC71ED69-ECE5-4FEA-BAAC-2D3FD4AEF4CF}"/>
+                <a16:creationId xmlns:a16="http://schemas.microsoft.com/office/drawing/2014/main" xmlns="" id="{EC71ED69-ECE5-4FEA-BAAC-2D3FD4AEF4CF}"/>
               </a:ext>
             </a:extLst>
           </p:cNvPr>
@@ -6496,9 +6508,10 @@
           <a:p>
             <a:pPr algn="ctr"/>
             <a:r>
-              <a:rPr lang="de-DE" dirty="0"/>
-              <a:t>Backup Bewegungsmuster</a:t>
-            </a:r>
+              <a:rPr lang="de-DE" dirty="0" smtClean="0"/>
+              <a:t>Bewegungsmuster</a:t>
+            </a:r>
+            <a:endParaRPr lang="de-DE" dirty="0"/>
           </a:p>
         </p:txBody>
       </p:sp>
@@ -6507,7 +6520,7 @@
           <p:cNvPr id="5" name="Content Placeholder 4">
             <a:extLst>
               <a:ext uri="{FF2B5EF4-FFF2-40B4-BE49-F238E27FC236}">
-                <a16:creationId xmlns:a16="http://schemas.microsoft.com/office/drawing/2014/main" id="{556F42A2-DCA4-4B1C-A056-51A3547A9BE0}"/>
+                <a16:creationId xmlns:a16="http://schemas.microsoft.com/office/drawing/2014/main" xmlns="" id="{556F42A2-DCA4-4B1C-A056-51A3547A9BE0}"/>
               </a:ext>
             </a:extLst>
           </p:cNvPr>
@@ -6532,56 +6545,56 @@
                 <a:gridCol w="563946">
                   <a:extLst>
                     <a:ext uri="{9D8B030D-6E8A-4147-A177-3AD203B41FA5}">
-                      <a16:colId xmlns:a16="http://schemas.microsoft.com/office/drawing/2014/main" val="3909669187"/>
+                      <a16:colId xmlns:a16="http://schemas.microsoft.com/office/drawing/2014/main" xmlns="" val="3909669187"/>
                     </a:ext>
                   </a:extLst>
                 </a:gridCol>
                 <a:gridCol w="563946">
                   <a:extLst>
                     <a:ext uri="{9D8B030D-6E8A-4147-A177-3AD203B41FA5}">
-                      <a16:colId xmlns:a16="http://schemas.microsoft.com/office/drawing/2014/main" val="2081033052"/>
+                      <a16:colId xmlns:a16="http://schemas.microsoft.com/office/drawing/2014/main" xmlns="" val="2081033052"/>
                     </a:ext>
                   </a:extLst>
                 </a:gridCol>
                 <a:gridCol w="563946">
                   <a:extLst>
                     <a:ext uri="{9D8B030D-6E8A-4147-A177-3AD203B41FA5}">
-                      <a16:colId xmlns:a16="http://schemas.microsoft.com/office/drawing/2014/main" val="2759415750"/>
+                      <a16:colId xmlns:a16="http://schemas.microsoft.com/office/drawing/2014/main" xmlns="" val="2759415750"/>
                     </a:ext>
                   </a:extLst>
                 </a:gridCol>
                 <a:gridCol w="563946">
                   <a:extLst>
                     <a:ext uri="{9D8B030D-6E8A-4147-A177-3AD203B41FA5}">
-                      <a16:colId xmlns:a16="http://schemas.microsoft.com/office/drawing/2014/main" val="1013666482"/>
+                      <a16:colId xmlns:a16="http://schemas.microsoft.com/office/drawing/2014/main" xmlns="" val="1013666482"/>
                     </a:ext>
                   </a:extLst>
                 </a:gridCol>
                 <a:gridCol w="563946">
                   <a:extLst>
                     <a:ext uri="{9D8B030D-6E8A-4147-A177-3AD203B41FA5}">
-                      <a16:colId xmlns:a16="http://schemas.microsoft.com/office/drawing/2014/main" val="4052377547"/>
+                      <a16:colId xmlns:a16="http://schemas.microsoft.com/office/drawing/2014/main" xmlns="" val="4052377547"/>
                     </a:ext>
                   </a:extLst>
                 </a:gridCol>
                 <a:gridCol w="563946">
                   <a:extLst>
                     <a:ext uri="{9D8B030D-6E8A-4147-A177-3AD203B41FA5}">
-                      <a16:colId xmlns:a16="http://schemas.microsoft.com/office/drawing/2014/main" val="86987426"/>
+                      <a16:colId xmlns:a16="http://schemas.microsoft.com/office/drawing/2014/main" xmlns="" val="86987426"/>
                     </a:ext>
                   </a:extLst>
                 </a:gridCol>
                 <a:gridCol w="563946">
                   <a:extLst>
                     <a:ext uri="{9D8B030D-6E8A-4147-A177-3AD203B41FA5}">
-                      <a16:colId xmlns:a16="http://schemas.microsoft.com/office/drawing/2014/main" val="4112314039"/>
+                      <a16:colId xmlns:a16="http://schemas.microsoft.com/office/drawing/2014/main" xmlns="" val="4112314039"/>
                     </a:ext>
                   </a:extLst>
                 </a:gridCol>
                 <a:gridCol w="563946">
                   <a:extLst>
                     <a:ext uri="{9D8B030D-6E8A-4147-A177-3AD203B41FA5}">
-                      <a16:colId xmlns:a16="http://schemas.microsoft.com/office/drawing/2014/main" val="2352200665"/>
+                      <a16:colId xmlns:a16="http://schemas.microsoft.com/office/drawing/2014/main" xmlns="" val="2352200665"/>
                     </a:ext>
                   </a:extLst>
                 </a:gridCol>
@@ -6669,7 +6682,7 @@
                 </a:tc>
                 <a:extLst>
                   <a:ext uri="{0D108BD9-81ED-4DB2-BD59-A6C34878D82A}">
-                    <a16:rowId xmlns:a16="http://schemas.microsoft.com/office/drawing/2014/main" val="3901103587"/>
+                    <a16:rowId xmlns:a16="http://schemas.microsoft.com/office/drawing/2014/main" xmlns="" val="3901103587"/>
                   </a:ext>
                 </a:extLst>
               </a:tr>
@@ -6756,7 +6769,7 @@
                 </a:tc>
                 <a:extLst>
                   <a:ext uri="{0D108BD9-81ED-4DB2-BD59-A6C34878D82A}">
-                    <a16:rowId xmlns:a16="http://schemas.microsoft.com/office/drawing/2014/main" val="810655840"/>
+                    <a16:rowId xmlns:a16="http://schemas.microsoft.com/office/drawing/2014/main" xmlns="" val="810655840"/>
                   </a:ext>
                 </a:extLst>
               </a:tr>
@@ -6843,7 +6856,7 @@
                 </a:tc>
                 <a:extLst>
                   <a:ext uri="{0D108BD9-81ED-4DB2-BD59-A6C34878D82A}">
-                    <a16:rowId xmlns:a16="http://schemas.microsoft.com/office/drawing/2014/main" val="2107368300"/>
+                    <a16:rowId xmlns:a16="http://schemas.microsoft.com/office/drawing/2014/main" xmlns="" val="2107368300"/>
                   </a:ext>
                 </a:extLst>
               </a:tr>
@@ -6930,7 +6943,7 @@
                 </a:tc>
                 <a:extLst>
                   <a:ext uri="{0D108BD9-81ED-4DB2-BD59-A6C34878D82A}">
-                    <a16:rowId xmlns:a16="http://schemas.microsoft.com/office/drawing/2014/main" val="1259991857"/>
+                    <a16:rowId xmlns:a16="http://schemas.microsoft.com/office/drawing/2014/main" xmlns="" val="1259991857"/>
                   </a:ext>
                 </a:extLst>
               </a:tr>
@@ -7017,7 +7030,7 @@
                 </a:tc>
                 <a:extLst>
                   <a:ext uri="{0D108BD9-81ED-4DB2-BD59-A6C34878D82A}">
-                    <a16:rowId xmlns:a16="http://schemas.microsoft.com/office/drawing/2014/main" val="1705778076"/>
+                    <a16:rowId xmlns:a16="http://schemas.microsoft.com/office/drawing/2014/main" xmlns="" val="1705778076"/>
                   </a:ext>
                 </a:extLst>
               </a:tr>
@@ -7104,7 +7117,7 @@
                 </a:tc>
                 <a:extLst>
                   <a:ext uri="{0D108BD9-81ED-4DB2-BD59-A6C34878D82A}">
-                    <a16:rowId xmlns:a16="http://schemas.microsoft.com/office/drawing/2014/main" val="3593844036"/>
+                    <a16:rowId xmlns:a16="http://schemas.microsoft.com/office/drawing/2014/main" xmlns="" val="3593844036"/>
                   </a:ext>
                 </a:extLst>
               </a:tr>
@@ -7191,7 +7204,7 @@
                 </a:tc>
                 <a:extLst>
                   <a:ext uri="{0D108BD9-81ED-4DB2-BD59-A6C34878D82A}">
-                    <a16:rowId xmlns:a16="http://schemas.microsoft.com/office/drawing/2014/main" val="2725860628"/>
+                    <a16:rowId xmlns:a16="http://schemas.microsoft.com/office/drawing/2014/main" xmlns="" val="2725860628"/>
                   </a:ext>
                 </a:extLst>
               </a:tr>
@@ -7278,7 +7291,7 @@
                 </a:tc>
                 <a:extLst>
                   <a:ext uri="{0D108BD9-81ED-4DB2-BD59-A6C34878D82A}">
-                    <a16:rowId xmlns:a16="http://schemas.microsoft.com/office/drawing/2014/main" val="3598242446"/>
+                    <a16:rowId xmlns:a16="http://schemas.microsoft.com/office/drawing/2014/main" xmlns="" val="3598242446"/>
                   </a:ext>
                 </a:extLst>
               </a:tr>
@@ -7291,7 +7304,7 @@
           <p:cNvPr id="4" name="Slide Number Placeholder 3">
             <a:extLst>
               <a:ext uri="{FF2B5EF4-FFF2-40B4-BE49-F238E27FC236}">
-                <a16:creationId xmlns:a16="http://schemas.microsoft.com/office/drawing/2014/main" id="{97D82D7D-618B-4FC6-9B8D-AF076B248E3B}"/>
+                <a16:creationId xmlns:a16="http://schemas.microsoft.com/office/drawing/2014/main" xmlns="" id="{97D82D7D-618B-4FC6-9B8D-AF076B248E3B}"/>
               </a:ext>
             </a:extLst>
           </p:cNvPr>
@@ -7320,7 +7333,7 @@
           <p:cNvPr id="6" name="Multiplication Sign 5">
             <a:extLst>
               <a:ext uri="{FF2B5EF4-FFF2-40B4-BE49-F238E27FC236}">
-                <a16:creationId xmlns:a16="http://schemas.microsoft.com/office/drawing/2014/main" id="{38108A66-6254-422A-831E-1095BB8DE301}"/>
+                <a16:creationId xmlns:a16="http://schemas.microsoft.com/office/drawing/2014/main" xmlns="" id="{38108A66-6254-422A-831E-1095BB8DE301}"/>
               </a:ext>
             </a:extLst>
           </p:cNvPr>
@@ -7374,7 +7387,7 @@
           <p:cNvPr id="7" name="TextBox 6">
             <a:extLst>
               <a:ext uri="{FF2B5EF4-FFF2-40B4-BE49-F238E27FC236}">
-                <a16:creationId xmlns:a16="http://schemas.microsoft.com/office/drawing/2014/main" id="{AAB138A2-4672-41FA-B1A3-1BCF77A65C1E}"/>
+                <a16:creationId xmlns:a16="http://schemas.microsoft.com/office/drawing/2014/main" xmlns="" id="{AAB138A2-4672-41FA-B1A3-1BCF77A65C1E}"/>
               </a:ext>
             </a:extLst>
           </p:cNvPr>
@@ -7423,7 +7436,7 @@
           <p:cNvPr id="8" name="TextBox 7">
             <a:extLst>
               <a:ext uri="{FF2B5EF4-FFF2-40B4-BE49-F238E27FC236}">
-                <a16:creationId xmlns:a16="http://schemas.microsoft.com/office/drawing/2014/main" id="{834ADA7A-0E97-41A2-AA02-F570FA699361}"/>
+                <a16:creationId xmlns:a16="http://schemas.microsoft.com/office/drawing/2014/main" xmlns="" id="{834ADA7A-0E97-41A2-AA02-F570FA699361}"/>
               </a:ext>
             </a:extLst>
           </p:cNvPr>
@@ -7472,7 +7485,7 @@
           <p:cNvPr id="9" name="Multiplication Sign 8">
             <a:extLst>
               <a:ext uri="{FF2B5EF4-FFF2-40B4-BE49-F238E27FC236}">
-                <a16:creationId xmlns:a16="http://schemas.microsoft.com/office/drawing/2014/main" id="{F7361447-BB27-4ADC-84D0-A4BAC0BC306E}"/>
+                <a16:creationId xmlns:a16="http://schemas.microsoft.com/office/drawing/2014/main" xmlns="" id="{F7361447-BB27-4ADC-84D0-A4BAC0BC306E}"/>
               </a:ext>
             </a:extLst>
           </p:cNvPr>
@@ -7526,7 +7539,7 @@
           <p:cNvPr id="10" name="TextBox 9">
             <a:extLst>
               <a:ext uri="{FF2B5EF4-FFF2-40B4-BE49-F238E27FC236}">
-                <a16:creationId xmlns:a16="http://schemas.microsoft.com/office/drawing/2014/main" id="{641F9E26-7091-49A7-85FD-BE26B7A11674}"/>
+                <a16:creationId xmlns:a16="http://schemas.microsoft.com/office/drawing/2014/main" xmlns="" id="{641F9E26-7091-49A7-85FD-BE26B7A11674}"/>
               </a:ext>
             </a:extLst>
           </p:cNvPr>
@@ -7561,7 +7574,7 @@
           <p:cNvPr id="11" name="Star: 5 Points 10">
             <a:extLst>
               <a:ext uri="{FF2B5EF4-FFF2-40B4-BE49-F238E27FC236}">
-                <a16:creationId xmlns:a16="http://schemas.microsoft.com/office/drawing/2014/main" id="{7A1FC458-B0D5-4718-8044-8530CD4DB6B5}"/>
+                <a16:creationId xmlns:a16="http://schemas.microsoft.com/office/drawing/2014/main" xmlns="" id="{7A1FC458-B0D5-4718-8044-8530CD4DB6B5}"/>
               </a:ext>
             </a:extLst>
           </p:cNvPr>
@@ -7640,7 +7653,7 @@
           <p:cNvPr id="2" name="Title 1">
             <a:extLst>
               <a:ext uri="{FF2B5EF4-FFF2-40B4-BE49-F238E27FC236}">
-                <a16:creationId xmlns:a16="http://schemas.microsoft.com/office/drawing/2014/main" id="{EC71ED69-ECE5-4FEA-BAAC-2D3FD4AEF4CF}"/>
+                <a16:creationId xmlns:a16="http://schemas.microsoft.com/office/drawing/2014/main" xmlns="" id="{EC71ED69-ECE5-4FEA-BAAC-2D3FD4AEF4CF}"/>
               </a:ext>
             </a:extLst>
           </p:cNvPr>
@@ -7658,9 +7671,10 @@
           <a:p>
             <a:pPr algn="ctr"/>
             <a:r>
-              <a:rPr lang="de-DE" dirty="0"/>
-              <a:t>Backup Bewegungsmuster</a:t>
-            </a:r>
+              <a:rPr lang="de-DE" dirty="0" smtClean="0"/>
+              <a:t>Bewegungsmuster</a:t>
+            </a:r>
+            <a:endParaRPr lang="de-DE" dirty="0"/>
           </a:p>
         </p:txBody>
       </p:sp>
@@ -7669,7 +7683,7 @@
           <p:cNvPr id="5" name="Content Placeholder 4">
             <a:extLst>
               <a:ext uri="{FF2B5EF4-FFF2-40B4-BE49-F238E27FC236}">
-                <a16:creationId xmlns:a16="http://schemas.microsoft.com/office/drawing/2014/main" id="{556F42A2-DCA4-4B1C-A056-51A3547A9BE0}"/>
+                <a16:creationId xmlns:a16="http://schemas.microsoft.com/office/drawing/2014/main" xmlns="" id="{556F42A2-DCA4-4B1C-A056-51A3547A9BE0}"/>
               </a:ext>
             </a:extLst>
           </p:cNvPr>
@@ -7694,56 +7708,56 @@
                 <a:gridCol w="563946">
                   <a:extLst>
                     <a:ext uri="{9D8B030D-6E8A-4147-A177-3AD203B41FA5}">
-                      <a16:colId xmlns:a16="http://schemas.microsoft.com/office/drawing/2014/main" val="3909669187"/>
+                      <a16:colId xmlns:a16="http://schemas.microsoft.com/office/drawing/2014/main" xmlns="" val="3909669187"/>
                     </a:ext>
                   </a:extLst>
                 </a:gridCol>
                 <a:gridCol w="563946">
                   <a:extLst>
                     <a:ext uri="{9D8B030D-6E8A-4147-A177-3AD203B41FA5}">
-                      <a16:colId xmlns:a16="http://schemas.microsoft.com/office/drawing/2014/main" val="2081033052"/>
+                      <a16:colId xmlns:a16="http://schemas.microsoft.com/office/drawing/2014/main" xmlns="" val="2081033052"/>
                     </a:ext>
                   </a:extLst>
                 </a:gridCol>
                 <a:gridCol w="563946">
                   <a:extLst>
                     <a:ext uri="{9D8B030D-6E8A-4147-A177-3AD203B41FA5}">
-                      <a16:colId xmlns:a16="http://schemas.microsoft.com/office/drawing/2014/main" val="2759415750"/>
+                      <a16:colId xmlns:a16="http://schemas.microsoft.com/office/drawing/2014/main" xmlns="" val="2759415750"/>
                     </a:ext>
                   </a:extLst>
                 </a:gridCol>
                 <a:gridCol w="563946">
                   <a:extLst>
                     <a:ext uri="{9D8B030D-6E8A-4147-A177-3AD203B41FA5}">
-                      <a16:colId xmlns:a16="http://schemas.microsoft.com/office/drawing/2014/main" val="1013666482"/>
+                      <a16:colId xmlns:a16="http://schemas.microsoft.com/office/drawing/2014/main" xmlns="" val="1013666482"/>
                     </a:ext>
                   </a:extLst>
                 </a:gridCol>
                 <a:gridCol w="563946">
                   <a:extLst>
                     <a:ext uri="{9D8B030D-6E8A-4147-A177-3AD203B41FA5}">
-                      <a16:colId xmlns:a16="http://schemas.microsoft.com/office/drawing/2014/main" val="4052377547"/>
+                      <a16:colId xmlns:a16="http://schemas.microsoft.com/office/drawing/2014/main" xmlns="" val="4052377547"/>
                     </a:ext>
                   </a:extLst>
                 </a:gridCol>
                 <a:gridCol w="563946">
                   <a:extLst>
                     <a:ext uri="{9D8B030D-6E8A-4147-A177-3AD203B41FA5}">
-                      <a16:colId xmlns:a16="http://schemas.microsoft.com/office/drawing/2014/main" val="86987426"/>
+                      <a16:colId xmlns:a16="http://schemas.microsoft.com/office/drawing/2014/main" xmlns="" val="86987426"/>
                     </a:ext>
                   </a:extLst>
                 </a:gridCol>
                 <a:gridCol w="563946">
                   <a:extLst>
                     <a:ext uri="{9D8B030D-6E8A-4147-A177-3AD203B41FA5}">
-                      <a16:colId xmlns:a16="http://schemas.microsoft.com/office/drawing/2014/main" val="4112314039"/>
+                      <a16:colId xmlns:a16="http://schemas.microsoft.com/office/drawing/2014/main" xmlns="" val="4112314039"/>
                     </a:ext>
                   </a:extLst>
                 </a:gridCol>
                 <a:gridCol w="563946">
                   <a:extLst>
                     <a:ext uri="{9D8B030D-6E8A-4147-A177-3AD203B41FA5}">
-                      <a16:colId xmlns:a16="http://schemas.microsoft.com/office/drawing/2014/main" val="2352200665"/>
+                      <a16:colId xmlns:a16="http://schemas.microsoft.com/office/drawing/2014/main" xmlns="" val="2352200665"/>
                     </a:ext>
                   </a:extLst>
                 </a:gridCol>
@@ -7831,7 +7845,7 @@
                 </a:tc>
                 <a:extLst>
                   <a:ext uri="{0D108BD9-81ED-4DB2-BD59-A6C34878D82A}">
-                    <a16:rowId xmlns:a16="http://schemas.microsoft.com/office/drawing/2014/main" val="3901103587"/>
+                    <a16:rowId xmlns:a16="http://schemas.microsoft.com/office/drawing/2014/main" xmlns="" val="3901103587"/>
                   </a:ext>
                 </a:extLst>
               </a:tr>
@@ -7918,7 +7932,7 @@
                 </a:tc>
                 <a:extLst>
                   <a:ext uri="{0D108BD9-81ED-4DB2-BD59-A6C34878D82A}">
-                    <a16:rowId xmlns:a16="http://schemas.microsoft.com/office/drawing/2014/main" val="810655840"/>
+                    <a16:rowId xmlns:a16="http://schemas.microsoft.com/office/drawing/2014/main" xmlns="" val="810655840"/>
                   </a:ext>
                 </a:extLst>
               </a:tr>
@@ -8005,7 +8019,7 @@
                 </a:tc>
                 <a:extLst>
                   <a:ext uri="{0D108BD9-81ED-4DB2-BD59-A6C34878D82A}">
-                    <a16:rowId xmlns:a16="http://schemas.microsoft.com/office/drawing/2014/main" val="2107368300"/>
+                    <a16:rowId xmlns:a16="http://schemas.microsoft.com/office/drawing/2014/main" xmlns="" val="2107368300"/>
                   </a:ext>
                 </a:extLst>
               </a:tr>
@@ -8092,7 +8106,7 @@
                 </a:tc>
                 <a:extLst>
                   <a:ext uri="{0D108BD9-81ED-4DB2-BD59-A6C34878D82A}">
-                    <a16:rowId xmlns:a16="http://schemas.microsoft.com/office/drawing/2014/main" val="1259991857"/>
+                    <a16:rowId xmlns:a16="http://schemas.microsoft.com/office/drawing/2014/main" xmlns="" val="1259991857"/>
                   </a:ext>
                 </a:extLst>
               </a:tr>
@@ -8179,7 +8193,7 @@
                 </a:tc>
                 <a:extLst>
                   <a:ext uri="{0D108BD9-81ED-4DB2-BD59-A6C34878D82A}">
-                    <a16:rowId xmlns:a16="http://schemas.microsoft.com/office/drawing/2014/main" val="1705778076"/>
+                    <a16:rowId xmlns:a16="http://schemas.microsoft.com/office/drawing/2014/main" xmlns="" val="1705778076"/>
                   </a:ext>
                 </a:extLst>
               </a:tr>
@@ -8266,7 +8280,7 @@
                 </a:tc>
                 <a:extLst>
                   <a:ext uri="{0D108BD9-81ED-4DB2-BD59-A6C34878D82A}">
-                    <a16:rowId xmlns:a16="http://schemas.microsoft.com/office/drawing/2014/main" val="3593844036"/>
+                    <a16:rowId xmlns:a16="http://schemas.microsoft.com/office/drawing/2014/main" xmlns="" val="3593844036"/>
                   </a:ext>
                 </a:extLst>
               </a:tr>
@@ -8353,7 +8367,7 @@
                 </a:tc>
                 <a:extLst>
                   <a:ext uri="{0D108BD9-81ED-4DB2-BD59-A6C34878D82A}">
-                    <a16:rowId xmlns:a16="http://schemas.microsoft.com/office/drawing/2014/main" val="2725860628"/>
+                    <a16:rowId xmlns:a16="http://schemas.microsoft.com/office/drawing/2014/main" xmlns="" val="2725860628"/>
                   </a:ext>
                 </a:extLst>
               </a:tr>
@@ -8440,7 +8454,7 @@
                 </a:tc>
                 <a:extLst>
                   <a:ext uri="{0D108BD9-81ED-4DB2-BD59-A6C34878D82A}">
-                    <a16:rowId xmlns:a16="http://schemas.microsoft.com/office/drawing/2014/main" val="3598242446"/>
+                    <a16:rowId xmlns:a16="http://schemas.microsoft.com/office/drawing/2014/main" xmlns="" val="3598242446"/>
                   </a:ext>
                 </a:extLst>
               </a:tr>
@@ -8453,7 +8467,7 @@
           <p:cNvPr id="4" name="Slide Number Placeholder 3">
             <a:extLst>
               <a:ext uri="{FF2B5EF4-FFF2-40B4-BE49-F238E27FC236}">
-                <a16:creationId xmlns:a16="http://schemas.microsoft.com/office/drawing/2014/main" id="{97D82D7D-618B-4FC6-9B8D-AF076B248E3B}"/>
+                <a16:creationId xmlns:a16="http://schemas.microsoft.com/office/drawing/2014/main" xmlns="" id="{97D82D7D-618B-4FC6-9B8D-AF076B248E3B}"/>
               </a:ext>
             </a:extLst>
           </p:cNvPr>
@@ -8482,7 +8496,7 @@
           <p:cNvPr id="6" name="Multiplication Sign 5">
             <a:extLst>
               <a:ext uri="{FF2B5EF4-FFF2-40B4-BE49-F238E27FC236}">
-                <a16:creationId xmlns:a16="http://schemas.microsoft.com/office/drawing/2014/main" id="{38108A66-6254-422A-831E-1095BB8DE301}"/>
+                <a16:creationId xmlns:a16="http://schemas.microsoft.com/office/drawing/2014/main" xmlns="" id="{38108A66-6254-422A-831E-1095BB8DE301}"/>
               </a:ext>
             </a:extLst>
           </p:cNvPr>
@@ -8536,7 +8550,7 @@
           <p:cNvPr id="7" name="TextBox 6">
             <a:extLst>
               <a:ext uri="{FF2B5EF4-FFF2-40B4-BE49-F238E27FC236}">
-                <a16:creationId xmlns:a16="http://schemas.microsoft.com/office/drawing/2014/main" id="{AAB138A2-4672-41FA-B1A3-1BCF77A65C1E}"/>
+                <a16:creationId xmlns:a16="http://schemas.microsoft.com/office/drawing/2014/main" xmlns="" id="{AAB138A2-4672-41FA-B1A3-1BCF77A65C1E}"/>
               </a:ext>
             </a:extLst>
           </p:cNvPr>
@@ -8585,7 +8599,7 @@
           <p:cNvPr id="8" name="TextBox 7">
             <a:extLst>
               <a:ext uri="{FF2B5EF4-FFF2-40B4-BE49-F238E27FC236}">
-                <a16:creationId xmlns:a16="http://schemas.microsoft.com/office/drawing/2014/main" id="{834ADA7A-0E97-41A2-AA02-F570FA699361}"/>
+                <a16:creationId xmlns:a16="http://schemas.microsoft.com/office/drawing/2014/main" xmlns="" id="{834ADA7A-0E97-41A2-AA02-F570FA699361}"/>
               </a:ext>
             </a:extLst>
           </p:cNvPr>
@@ -8642,7 +8656,7 @@
           <p:cNvPr id="9" name="Multiplication Sign 8">
             <a:extLst>
               <a:ext uri="{FF2B5EF4-FFF2-40B4-BE49-F238E27FC236}">
-                <a16:creationId xmlns:a16="http://schemas.microsoft.com/office/drawing/2014/main" id="{F7361447-BB27-4ADC-84D0-A4BAC0BC306E}"/>
+                <a16:creationId xmlns:a16="http://schemas.microsoft.com/office/drawing/2014/main" xmlns="" id="{F7361447-BB27-4ADC-84D0-A4BAC0BC306E}"/>
               </a:ext>
             </a:extLst>
           </p:cNvPr>
@@ -8696,7 +8710,7 @@
           <p:cNvPr id="10" name="TextBox 9">
             <a:extLst>
               <a:ext uri="{FF2B5EF4-FFF2-40B4-BE49-F238E27FC236}">
-                <a16:creationId xmlns:a16="http://schemas.microsoft.com/office/drawing/2014/main" id="{641F9E26-7091-49A7-85FD-BE26B7A11674}"/>
+                <a16:creationId xmlns:a16="http://schemas.microsoft.com/office/drawing/2014/main" xmlns="" id="{641F9E26-7091-49A7-85FD-BE26B7A11674}"/>
               </a:ext>
             </a:extLst>
           </p:cNvPr>
@@ -8731,7 +8745,7 @@
           <p:cNvPr id="11" name="Star: 5 Points 10">
             <a:extLst>
               <a:ext uri="{FF2B5EF4-FFF2-40B4-BE49-F238E27FC236}">
-                <a16:creationId xmlns:a16="http://schemas.microsoft.com/office/drawing/2014/main" id="{7A1FC458-B0D5-4718-8044-8530CD4DB6B5}"/>
+                <a16:creationId xmlns:a16="http://schemas.microsoft.com/office/drawing/2014/main" xmlns="" id="{7A1FC458-B0D5-4718-8044-8530CD4DB6B5}"/>
               </a:ext>
             </a:extLst>
           </p:cNvPr>
@@ -8780,7 +8794,7 @@
           <p:cNvPr id="12" name="Arrow: Right 11">
             <a:extLst>
               <a:ext uri="{FF2B5EF4-FFF2-40B4-BE49-F238E27FC236}">
-                <a16:creationId xmlns:a16="http://schemas.microsoft.com/office/drawing/2014/main" id="{613088F8-9901-4703-92B1-605E382D41A0}"/>
+                <a16:creationId xmlns:a16="http://schemas.microsoft.com/office/drawing/2014/main" xmlns="" id="{613088F8-9901-4703-92B1-605E382D41A0}"/>
               </a:ext>
             </a:extLst>
           </p:cNvPr>
@@ -8829,7 +8843,7 @@
           <p:cNvPr id="13" name="Arrow: Right 12">
             <a:extLst>
               <a:ext uri="{FF2B5EF4-FFF2-40B4-BE49-F238E27FC236}">
-                <a16:creationId xmlns:a16="http://schemas.microsoft.com/office/drawing/2014/main" id="{DA921B65-C924-4394-964E-0F6CDA3052B6}"/>
+                <a16:creationId xmlns:a16="http://schemas.microsoft.com/office/drawing/2014/main" xmlns="" id="{DA921B65-C924-4394-964E-0F6CDA3052B6}"/>
               </a:ext>
             </a:extLst>
           </p:cNvPr>
@@ -8878,7 +8892,7 @@
           <p:cNvPr id="14" name="Arrow: Right 13">
             <a:extLst>
               <a:ext uri="{FF2B5EF4-FFF2-40B4-BE49-F238E27FC236}">
-                <a16:creationId xmlns:a16="http://schemas.microsoft.com/office/drawing/2014/main" id="{A3769C37-5722-4B99-AAEA-B6E4EFB15057}"/>
+                <a16:creationId xmlns:a16="http://schemas.microsoft.com/office/drawing/2014/main" xmlns="" id="{A3769C37-5722-4B99-AAEA-B6E4EFB15057}"/>
               </a:ext>
             </a:extLst>
           </p:cNvPr>
@@ -8936,6 +8950,133 @@
 </file>
 
 <file path=ppt/slides/slide14.xml><?xml version="1.0" encoding="utf-8"?>
+<p:sld xmlns:a="http://schemas.openxmlformats.org/drawingml/2006/main" xmlns:r="http://schemas.openxmlformats.org/officeDocument/2006/relationships" xmlns:p="http://schemas.openxmlformats.org/presentationml/2006/main">
+  <p:cSld>
+    <p:spTree>
+      <p:nvGrpSpPr>
+        <p:cNvPr id="1" name=""/>
+        <p:cNvGrpSpPr/>
+        <p:nvPr/>
+      </p:nvGrpSpPr>
+      <p:grpSpPr>
+        <a:xfrm>
+          <a:off x="0" y="0"/>
+          <a:ext cx="0" cy="0"/>
+          <a:chOff x="0" y="0"/>
+          <a:chExt cx="0" cy="0"/>
+        </a:xfrm>
+      </p:grpSpPr>
+      <p:sp>
+        <p:nvSpPr>
+          <p:cNvPr id="2" name="Titel 1">
+            <a:extLst>
+              <a:ext uri="{FF2B5EF4-FFF2-40B4-BE49-F238E27FC236}">
+                <a16:creationId xmlns:a16="http://schemas.microsoft.com/office/drawing/2014/main" xmlns="" id="{D830302C-DA89-453C-9E9D-624506AE6BA3}"/>
+              </a:ext>
+            </a:extLst>
+          </p:cNvPr>
+          <p:cNvSpPr>
+            <a:spLocks noGrp="1"/>
+          </p:cNvSpPr>
+          <p:nvPr>
+            <p:ph type="title"/>
+          </p:nvPr>
+        </p:nvSpPr>
+        <p:spPr/>
+        <p:txBody>
+          <a:bodyPr/>
+          <a:lstStyle/>
+          <a:p>
+            <a:pPr algn="ctr"/>
+            <a:r>
+              <a:rPr lang="de-DE" dirty="0" smtClean="0"/>
+              <a:t>EVA</a:t>
+            </a:r>
+            <a:endParaRPr lang="de-DE" dirty="0"/>
+          </a:p>
+        </p:txBody>
+      </p:sp>
+      <p:sp>
+        <p:nvSpPr>
+          <p:cNvPr id="4" name="Foliennummernplatzhalter 3">
+            <a:extLst>
+              <a:ext uri="{FF2B5EF4-FFF2-40B4-BE49-F238E27FC236}">
+                <a16:creationId xmlns:a16="http://schemas.microsoft.com/office/drawing/2014/main" xmlns="" id="{6318C5D9-92EB-47E6-BBFE-6FA653933C38}"/>
+              </a:ext>
+            </a:extLst>
+          </p:cNvPr>
+          <p:cNvSpPr>
+            <a:spLocks noGrp="1"/>
+          </p:cNvSpPr>
+          <p:nvPr>
+            <p:ph type="sldNum" sz="quarter" idx="12"/>
+          </p:nvPr>
+        </p:nvSpPr>
+        <p:spPr/>
+        <p:txBody>
+          <a:bodyPr/>
+          <a:lstStyle/>
+          <a:p>
+            <a:fld id="{24C7E509-D680-4DB8-B87E-B8EC2E347686}" type="slidenum">
+              <a:rPr lang="de-DE" smtClean="0"/>
+              <a:t>14</a:t>
+            </a:fld>
+            <a:endParaRPr lang="de-DE"/>
+          </a:p>
+        </p:txBody>
+      </p:sp>
+      <p:pic>
+        <p:nvPicPr>
+          <p:cNvPr id="7" name="Bild 4">
+            <a:extLst>
+              <a:ext uri="{FF2B5EF4-FFF2-40B4-BE49-F238E27FC236}">
+                <a16:creationId xmlns:a16="http://schemas.microsoft.com/office/drawing/2014/main" xmlns="" id="{E0FAF2E6-9064-48B8-8F4E-D1CFCBBDAECE}"/>
+              </a:ext>
+            </a:extLst>
+          </p:cNvPr>
+          <p:cNvPicPr>
+            <a:picLocks noGrp="1" noChangeAspect="1"/>
+          </p:cNvPicPr>
+          <p:nvPr>
+            <p:ph idx="1"/>
+          </p:nvPr>
+        </p:nvPicPr>
+        <p:blipFill>
+          <a:blip r:embed="rId2">
+            <a:extLst>
+              <a:ext uri="{28A0092B-C50C-407E-A947-70E740481C1C}">
+                <a14:useLocalDpi xmlns:a14="http://schemas.microsoft.com/office/drawing/2010/main" val="0"/>
+              </a:ext>
+            </a:extLst>
+          </a:blip>
+          <a:stretch>
+            <a:fillRect/>
+          </a:stretch>
+        </p:blipFill>
+        <p:spPr>
+          <a:xfrm>
+            <a:off x="1138410" y="1246520"/>
+            <a:ext cx="9915180" cy="5947653"/>
+          </a:xfrm>
+          <a:prstGeom prst="rect">
+            <a:avLst/>
+          </a:prstGeom>
+        </p:spPr>
+      </p:pic>
+    </p:spTree>
+    <p:extLst>
+      <p:ext uri="{BB962C8B-B14F-4D97-AF65-F5344CB8AC3E}">
+        <p14:creationId xmlns:p14="http://schemas.microsoft.com/office/powerpoint/2010/main" val="2111025345"/>
+      </p:ext>
+    </p:extLst>
+  </p:cSld>
+  <p:clrMapOvr>
+    <a:masterClrMapping/>
+  </p:clrMapOvr>
+</p:sld>
+</file>
+
+<file path=ppt/slides/slide15.xml><?xml version="1.0" encoding="utf-8"?>
 <p:sld xmlns:a="http://schemas.openxmlformats.org/drawingml/2006/main" xmlns:r="http://schemas.openxmlformats.org/officeDocument/2006/relationships" xmlns:p="http://schemas.openxmlformats.org/presentationml/2006/main" show="0">
   <p:cSld>
     <p:spTree>
@@ -8957,7 +9098,7 @@
           <p:cNvPr id="2" name="Title 1">
             <a:extLst>
               <a:ext uri="{FF2B5EF4-FFF2-40B4-BE49-F238E27FC236}">
-                <a16:creationId xmlns:a16="http://schemas.microsoft.com/office/drawing/2014/main" id="{132A757A-169E-4DF2-B061-2F78EA10A643}"/>
+                <a16:creationId xmlns:a16="http://schemas.microsoft.com/office/drawing/2014/main" xmlns="" id="{132A757A-169E-4DF2-B061-2F78EA10A643}"/>
               </a:ext>
             </a:extLst>
           </p:cNvPr>
@@ -8986,7 +9127,7 @@
           <p:cNvPr id="3" name="Content Placeholder 2">
             <a:extLst>
               <a:ext uri="{FF2B5EF4-FFF2-40B4-BE49-F238E27FC236}">
-                <a16:creationId xmlns:a16="http://schemas.microsoft.com/office/drawing/2014/main" id="{2801F26C-FB81-4294-B60C-5467A60EBFF5}"/>
+                <a16:creationId xmlns:a16="http://schemas.microsoft.com/office/drawing/2014/main" xmlns="" id="{2801F26C-FB81-4294-B60C-5467A60EBFF5}"/>
               </a:ext>
             </a:extLst>
           </p:cNvPr>
@@ -9034,7 +9175,7 @@
           <p:cNvPr id="4" name="Slide Number Placeholder 3">
             <a:extLst>
               <a:ext uri="{FF2B5EF4-FFF2-40B4-BE49-F238E27FC236}">
-                <a16:creationId xmlns:a16="http://schemas.microsoft.com/office/drawing/2014/main" id="{D0D74A05-15E2-4D32-B99A-14F9102497F5}"/>
+                <a16:creationId xmlns:a16="http://schemas.microsoft.com/office/drawing/2014/main" xmlns="" id="{D0D74A05-15E2-4D32-B99A-14F9102497F5}"/>
               </a:ext>
             </a:extLst>
           </p:cNvPr>
@@ -9052,7 +9193,7 @@
           <a:p>
             <a:fld id="{24C7E509-D680-4DB8-B87E-B8EC2E347686}" type="slidenum">
               <a:rPr lang="de-DE" smtClean="0"/>
-              <a:t>14</a:t>
+              <a:t>15</a:t>
             </a:fld>
             <a:endParaRPr lang="de-DE"/>
           </a:p>
@@ -9068,10 +9209,18 @@
   <p:clrMapOvr>
     <a:masterClrMapping/>
   </p:clrMapOvr>
+  <mc:AlternateContent xmlns:mc="http://schemas.openxmlformats.org/markup-compatibility/2006">
+    <mc:Choice xmlns:p14="http://schemas.microsoft.com/office/powerpoint/2010/main" Requires="p14">
+      <p:transition spd="slow" p14:dur="2000"/>
+    </mc:Choice>
+    <mc:Fallback>
+      <p:transition xmlns:p14="http://schemas.microsoft.com/office/powerpoint/2010/main" spd="slow"/>
+    </mc:Fallback>
+  </mc:AlternateContent>
 </p:sld>
 </file>
 
-<file path=ppt/slides/slide15.xml><?xml version="1.0" encoding="utf-8"?>
+<file path=ppt/slides/slide16.xml><?xml version="1.0" encoding="utf-8"?>
 <p:sld xmlns:a="http://schemas.openxmlformats.org/drawingml/2006/main" xmlns:r="http://schemas.openxmlformats.org/officeDocument/2006/relationships" xmlns:p="http://schemas.openxmlformats.org/presentationml/2006/main">
   <p:cSld>
     <p:spTree>
@@ -9093,7 +9242,7 @@
           <p:cNvPr id="2" name="Title 1">
             <a:extLst>
               <a:ext uri="{FF2B5EF4-FFF2-40B4-BE49-F238E27FC236}">
-                <a16:creationId xmlns:a16="http://schemas.microsoft.com/office/drawing/2014/main" id="{132A757A-169E-4DF2-B061-2F78EA10A643}"/>
+                <a16:creationId xmlns:a16="http://schemas.microsoft.com/office/drawing/2014/main" xmlns="" id="{132A757A-169E-4DF2-B061-2F78EA10A643}"/>
               </a:ext>
             </a:extLst>
           </p:cNvPr>
@@ -9122,7 +9271,7 @@
           <p:cNvPr id="4" name="Slide Number Placeholder 3">
             <a:extLst>
               <a:ext uri="{FF2B5EF4-FFF2-40B4-BE49-F238E27FC236}">
-                <a16:creationId xmlns:a16="http://schemas.microsoft.com/office/drawing/2014/main" id="{D0D74A05-15E2-4D32-B99A-14F9102497F5}"/>
+                <a16:creationId xmlns:a16="http://schemas.microsoft.com/office/drawing/2014/main" xmlns="" id="{D0D74A05-15E2-4D32-B99A-14F9102497F5}"/>
               </a:ext>
             </a:extLst>
           </p:cNvPr>
@@ -9140,7 +9289,7 @@
           <a:p>
             <a:fld id="{24C7E509-D680-4DB8-B87E-B8EC2E347686}" type="slidenum">
               <a:rPr lang="de-DE" smtClean="0"/>
-              <a:t>15</a:t>
+              <a:t>16</a:t>
             </a:fld>
             <a:endParaRPr lang="de-DE"/>
           </a:p>
@@ -9151,7 +9300,7 @@
           <p:cNvPr id="6" name="Rectangle: Rounded Corners 5">
             <a:extLst>
               <a:ext uri="{FF2B5EF4-FFF2-40B4-BE49-F238E27FC236}">
-                <a16:creationId xmlns:a16="http://schemas.microsoft.com/office/drawing/2014/main" id="{7C70509A-789A-4162-9451-DBAD31EF31EF}"/>
+                <a16:creationId xmlns:a16="http://schemas.microsoft.com/office/drawing/2014/main" xmlns="" id="{7C70509A-789A-4162-9451-DBAD31EF31EF}"/>
               </a:ext>
             </a:extLst>
           </p:cNvPr>
@@ -9160,8 +9309,8 @@
         </p:nvSpPr>
         <p:spPr>
           <a:xfrm>
-            <a:off x="3289738" y="2375338"/>
-            <a:ext cx="2806262" cy="609600"/>
+            <a:off x="2756119" y="2375338"/>
+            <a:ext cx="3339881" cy="609600"/>
           </a:xfrm>
           <a:prstGeom prst="roundRect">
             <a:avLst/>
@@ -9212,7 +9361,7 @@
           <p:cNvPr id="7" name="Rectangle: Rounded Corners 6">
             <a:extLst>
               <a:ext uri="{FF2B5EF4-FFF2-40B4-BE49-F238E27FC236}">
-                <a16:creationId xmlns:a16="http://schemas.microsoft.com/office/drawing/2014/main" id="{B13430B5-839B-4BD3-9483-0EEAC9F030F8}"/>
+                <a16:creationId xmlns:a16="http://schemas.microsoft.com/office/drawing/2014/main" xmlns="" id="{B13430B5-839B-4BD3-9483-0EEAC9F030F8}"/>
               </a:ext>
             </a:extLst>
           </p:cNvPr>
@@ -9221,8 +9370,8 @@
         </p:nvSpPr>
         <p:spPr>
           <a:xfrm>
-            <a:off x="3289738" y="4276150"/>
-            <a:ext cx="2806262" cy="609600"/>
+            <a:off x="2756119" y="4276150"/>
+            <a:ext cx="3339881" cy="609600"/>
           </a:xfrm>
           <a:prstGeom prst="roundRect">
             <a:avLst/>
@@ -9273,7 +9422,7 @@
           <p:cNvPr id="8" name="TextBox 7">
             <a:extLst>
               <a:ext uri="{FF2B5EF4-FFF2-40B4-BE49-F238E27FC236}">
-                <a16:creationId xmlns:a16="http://schemas.microsoft.com/office/drawing/2014/main" id="{04F897F3-567B-4871-96B4-AE7D59EE860A}"/>
+                <a16:creationId xmlns:a16="http://schemas.microsoft.com/office/drawing/2014/main" xmlns="" id="{04F897F3-567B-4871-96B4-AE7D59EE860A}"/>
               </a:ext>
             </a:extLst>
           </p:cNvPr>
@@ -9309,8 +9458,12 @@
           </a:p>
           <a:p>
             <a:r>
+              <a:rPr lang="de-DE" sz="2800" dirty="0" smtClean="0"/>
+              <a:t>Reihenfolge </a:t>
+            </a:r>
+            <a:r>
               <a:rPr lang="de-DE" sz="2800" dirty="0"/>
-              <a:t> Reihenfolge durchlaufen</a:t>
+              <a:t>durchlaufen</a:t>
             </a:r>
           </a:p>
         </p:txBody>
@@ -9320,7 +9473,7 @@
           <p:cNvPr id="9" name="Arrow: Down 8">
             <a:extLst>
               <a:ext uri="{FF2B5EF4-FFF2-40B4-BE49-F238E27FC236}">
-                <a16:creationId xmlns:a16="http://schemas.microsoft.com/office/drawing/2014/main" id="{1898FDFC-5D86-4051-87C5-8397E6F89BEB}"/>
+                <a16:creationId xmlns:a16="http://schemas.microsoft.com/office/drawing/2014/main" xmlns="" id="{1898FDFC-5D86-4051-87C5-8397E6F89BEB}"/>
               </a:ext>
             </a:extLst>
           </p:cNvPr>
@@ -9329,8 +9482,8 @@
         </p:nvSpPr>
         <p:spPr>
           <a:xfrm>
-            <a:off x="4540469" y="2981900"/>
-            <a:ext cx="430924" cy="1294250"/>
+            <a:off x="4207212" y="2999915"/>
+            <a:ext cx="430924" cy="1242565"/>
           </a:xfrm>
           <a:prstGeom prst="downArrow">
             <a:avLst/>
@@ -9374,7 +9527,7 @@
           <p:cNvPr id="11" name="Straight Connector 10">
             <a:extLst>
               <a:ext uri="{FF2B5EF4-FFF2-40B4-BE49-F238E27FC236}">
-                <a16:creationId xmlns:a16="http://schemas.microsoft.com/office/drawing/2014/main" id="{EAD10B8C-23E0-4173-ABA9-2656558830E4}"/>
+                <a16:creationId xmlns:a16="http://schemas.microsoft.com/office/drawing/2014/main" xmlns="" id="{EAD10B8C-23E0-4173-ABA9-2656558830E4}"/>
               </a:ext>
             </a:extLst>
           </p:cNvPr>
@@ -9414,7 +9567,7 @@
           <p:cNvPr id="12" name="TextBox 11">
             <a:extLst>
               <a:ext uri="{FF2B5EF4-FFF2-40B4-BE49-F238E27FC236}">
-                <a16:creationId xmlns:a16="http://schemas.microsoft.com/office/drawing/2014/main" id="{022E76B3-201D-407D-8BCA-BA1A5C48EF71}"/>
+                <a16:creationId xmlns:a16="http://schemas.microsoft.com/office/drawing/2014/main" xmlns="" id="{022E76B3-201D-407D-8BCA-BA1A5C48EF71}"/>
               </a:ext>
             </a:extLst>
           </p:cNvPr>
@@ -9461,18 +9614,16 @@
           <p:cNvPr id="13" name="Straight Connector 12">
             <a:extLst>
               <a:ext uri="{FF2B5EF4-FFF2-40B4-BE49-F238E27FC236}">
-                <a16:creationId xmlns:a16="http://schemas.microsoft.com/office/drawing/2014/main" id="{F6C24DE6-D0C9-4DB6-AA8C-1DA6DCB18C9F}"/>
-              </a:ext>
-            </a:extLst>
-          </p:cNvPr>
-          <p:cNvCxnSpPr>
-            <a:stCxn id="12" idx="1"/>
-          </p:cNvCxnSpPr>
+                <a16:creationId xmlns:a16="http://schemas.microsoft.com/office/drawing/2014/main" xmlns="" id="{F6C24DE6-D0C9-4DB6-AA8C-1DA6DCB18C9F}"/>
+              </a:ext>
+            </a:extLst>
+          </p:cNvPr>
+          <p:cNvCxnSpPr/>
           <p:nvPr/>
         </p:nvCxnSpPr>
         <p:spPr>
           <a:xfrm flipH="1">
-            <a:off x="6096001" y="4674403"/>
+            <a:off x="6086994" y="4575321"/>
             <a:ext cx="1250730" cy="0"/>
           </a:xfrm>
           <a:prstGeom prst="line">
@@ -9508,169 +9659,6 @@
 </p:sld>
 </file>
 
-<file path=ppt/slides/slide16.xml><?xml version="1.0" encoding="utf-8"?>
-<p:sld xmlns:a="http://schemas.openxmlformats.org/drawingml/2006/main" xmlns:r="http://schemas.openxmlformats.org/officeDocument/2006/relationships" xmlns:p="http://schemas.openxmlformats.org/presentationml/2006/main">
-  <p:cSld>
-    <p:spTree>
-      <p:nvGrpSpPr>
-        <p:cNvPr id="1" name=""/>
-        <p:cNvGrpSpPr/>
-        <p:nvPr/>
-      </p:nvGrpSpPr>
-      <p:grpSpPr>
-        <a:xfrm>
-          <a:off x="0" y="0"/>
-          <a:ext cx="0" cy="0"/>
-          <a:chOff x="0" y="0"/>
-          <a:chExt cx="0" cy="0"/>
-        </a:xfrm>
-      </p:grpSpPr>
-      <p:sp>
-        <p:nvSpPr>
-          <p:cNvPr id="2" name="Title 1">
-            <a:extLst>
-              <a:ext uri="{FF2B5EF4-FFF2-40B4-BE49-F238E27FC236}">
-                <a16:creationId xmlns:a16="http://schemas.microsoft.com/office/drawing/2014/main" id="{BBFD2BFE-57E4-4A51-B59D-1A6DD4DAF801}"/>
-              </a:ext>
-            </a:extLst>
-          </p:cNvPr>
-          <p:cNvSpPr>
-            <a:spLocks noGrp="1"/>
-          </p:cNvSpPr>
-          <p:nvPr>
-            <p:ph type="title"/>
-          </p:nvPr>
-        </p:nvSpPr>
-        <p:spPr>
-          <a:xfrm>
-            <a:off x="838200" y="365125"/>
-            <a:ext cx="10515600" cy="1325563"/>
-          </a:xfrm>
-        </p:spPr>
-        <p:txBody>
-          <a:bodyPr/>
-          <a:lstStyle/>
-          <a:p>
-            <a:pPr algn="ctr"/>
-            <a:r>
-              <a:rPr lang="de-DE" dirty="0"/>
-              <a:t>Graphentheorie und -erzeugung</a:t>
-            </a:r>
-          </a:p>
-        </p:txBody>
-      </p:sp>
-      <p:sp>
-        <p:nvSpPr>
-          <p:cNvPr id="3" name="Content Placeholder 2">
-            <a:extLst>
-              <a:ext uri="{FF2B5EF4-FFF2-40B4-BE49-F238E27FC236}">
-                <a16:creationId xmlns:a16="http://schemas.microsoft.com/office/drawing/2014/main" id="{B992D437-2AD8-4E4B-AA6B-03A5A0A0E9DB}"/>
-              </a:ext>
-            </a:extLst>
-          </p:cNvPr>
-          <p:cNvSpPr>
-            <a:spLocks noGrp="1"/>
-          </p:cNvSpPr>
-          <p:nvPr>
-            <p:ph idx="1"/>
-          </p:nvPr>
-        </p:nvSpPr>
-        <p:spPr/>
-        <p:txBody>
-          <a:bodyPr/>
-          <a:lstStyle/>
-          <a:p>
-            <a:r>
-              <a:rPr lang="de-DE" dirty="0"/>
-              <a:t>Mögliche Spielzustände werden in Graphen dargestellt</a:t>
-            </a:r>
-          </a:p>
-          <a:p>
-            <a:r>
-              <a:rPr lang="de-DE" dirty="0"/>
-              <a:t>Zustand:</a:t>
-            </a:r>
-          </a:p>
-          <a:p>
-            <a:pPr lvl="1"/>
-            <a:r>
-              <a:rPr lang="de-DE" dirty="0"/>
-              <a:t>Roboter oder Umgebung (Kind) am Zug?</a:t>
-            </a:r>
-          </a:p>
-          <a:p>
-            <a:pPr lvl="1"/>
-            <a:r>
-              <a:rPr lang="de-DE" dirty="0"/>
-              <a:t>Position des Roboters</a:t>
-            </a:r>
-          </a:p>
-          <a:p>
-            <a:pPr lvl="1"/>
-            <a:r>
-              <a:rPr lang="de-DE" dirty="0"/>
-              <a:t>Position des Kindes</a:t>
-            </a:r>
-          </a:p>
-          <a:p>
-            <a:r>
-              <a:rPr lang="de-DE" dirty="0"/>
-              <a:t>Übergänge: Spielzüge Roboter/Kind</a:t>
-            </a:r>
-          </a:p>
-          <a:p>
-            <a:r>
-              <a:rPr lang="de-DE" dirty="0"/>
-              <a:t>Generierung?????????</a:t>
-            </a:r>
-          </a:p>
-          <a:p>
-            <a:endParaRPr lang="de-DE" dirty="0"/>
-          </a:p>
-        </p:txBody>
-      </p:sp>
-      <p:sp>
-        <p:nvSpPr>
-          <p:cNvPr id="4" name="Slide Number Placeholder 3">
-            <a:extLst>
-              <a:ext uri="{FF2B5EF4-FFF2-40B4-BE49-F238E27FC236}">
-                <a16:creationId xmlns:a16="http://schemas.microsoft.com/office/drawing/2014/main" id="{5E77F37A-6998-484B-B08C-6AF3769D347B}"/>
-              </a:ext>
-            </a:extLst>
-          </p:cNvPr>
-          <p:cNvSpPr>
-            <a:spLocks noGrp="1"/>
-          </p:cNvSpPr>
-          <p:nvPr>
-            <p:ph type="sldNum" sz="quarter" idx="12"/>
-          </p:nvPr>
-        </p:nvSpPr>
-        <p:spPr/>
-        <p:txBody>
-          <a:bodyPr/>
-          <a:lstStyle/>
-          <a:p>
-            <a:fld id="{24C7E509-D680-4DB8-B87E-B8EC2E347686}" type="slidenum">
-              <a:rPr lang="de-DE" smtClean="0"/>
-              <a:t>16</a:t>
-            </a:fld>
-            <a:endParaRPr lang="de-DE"/>
-          </a:p>
-        </p:txBody>
-      </p:sp>
-    </p:spTree>
-    <p:extLst>
-      <p:ext uri="{BB962C8B-B14F-4D97-AF65-F5344CB8AC3E}">
-        <p14:creationId xmlns:p14="http://schemas.microsoft.com/office/powerpoint/2010/main" val="4276346423"/>
-      </p:ext>
-    </p:extLst>
-  </p:cSld>
-  <p:clrMapOvr>
-    <a:masterClrMapping/>
-  </p:clrMapOvr>
-</p:sld>
-</file>
-
 <file path=ppt/slides/slide17.xml><?xml version="1.0" encoding="utf-8"?>
 <p:sld xmlns:a="http://schemas.openxmlformats.org/drawingml/2006/main" xmlns:r="http://schemas.openxmlformats.org/officeDocument/2006/relationships" xmlns:p="http://schemas.openxmlformats.org/presentationml/2006/main">
   <p:cSld>
@@ -9690,10 +9678,10 @@
       </p:grpSpPr>
       <p:sp>
         <p:nvSpPr>
-          <p:cNvPr id="2" name="Titel 1">
-            <a:extLst>
-              <a:ext uri="{FF2B5EF4-FFF2-40B4-BE49-F238E27FC236}">
-                <a16:creationId xmlns:a16="http://schemas.microsoft.com/office/drawing/2014/main" id="{270E6DA7-7E9F-416C-8BF7-49DA3B46A7E3}"/>
+          <p:cNvPr id="2" name="Title 1">
+            <a:extLst>
+              <a:ext uri="{FF2B5EF4-FFF2-40B4-BE49-F238E27FC236}">
+                <a16:creationId xmlns:a16="http://schemas.microsoft.com/office/drawing/2014/main" xmlns="" id="{BBFD2BFE-57E4-4A51-B59D-1A6DD4DAF801}"/>
               </a:ext>
             </a:extLst>
           </p:cNvPr>
@@ -9704,25 +9692,31 @@
             <p:ph type="title"/>
           </p:nvPr>
         </p:nvSpPr>
-        <p:spPr/>
+        <p:spPr>
+          <a:xfrm>
+            <a:off x="838200" y="365125"/>
+            <a:ext cx="10515600" cy="1325563"/>
+          </a:xfrm>
+        </p:spPr>
         <p:txBody>
           <a:bodyPr/>
           <a:lstStyle/>
           <a:p>
             <a:pPr algn="ctr"/>
             <a:r>
-              <a:rPr lang="de-DE" dirty="0"/>
-              <a:t>Beispielgraph</a:t>
-            </a:r>
-          </a:p>
-        </p:txBody>
-      </p:sp>
-      <p:sp>
-        <p:nvSpPr>
-          <p:cNvPr id="3" name="Inhaltsplatzhalter 2">
-            <a:extLst>
-              <a:ext uri="{FF2B5EF4-FFF2-40B4-BE49-F238E27FC236}">
-                <a16:creationId xmlns:a16="http://schemas.microsoft.com/office/drawing/2014/main" id="{D2EEAE80-11B6-4B94-8FA4-EECF75905D99}"/>
+              <a:rPr lang="de-DE" dirty="0" err="1" smtClean="0"/>
+              <a:t>Graphenaufbau</a:t>
+            </a:r>
+            <a:endParaRPr lang="de-DE" dirty="0"/>
+          </a:p>
+        </p:txBody>
+      </p:sp>
+      <p:sp>
+        <p:nvSpPr>
+          <p:cNvPr id="3" name="Content Placeholder 2">
+            <a:extLst>
+              <a:ext uri="{FF2B5EF4-FFF2-40B4-BE49-F238E27FC236}">
+                <a16:creationId xmlns:a16="http://schemas.microsoft.com/office/drawing/2014/main" xmlns="" id="{B992D437-2AD8-4E4B-AA6B-03A5A0A0E9DB}"/>
               </a:ext>
             </a:extLst>
           </p:cNvPr>
@@ -9733,6 +9727,364 @@
             <p:ph idx="1"/>
           </p:nvPr>
         </p:nvSpPr>
+        <p:spPr/>
+        <p:txBody>
+          <a:bodyPr/>
+          <a:lstStyle/>
+          <a:p>
+            <a:r>
+              <a:rPr lang="de-DE" dirty="0"/>
+              <a:t>Mögliche Spielzustände werden in Graphen dargestellt</a:t>
+            </a:r>
+          </a:p>
+          <a:p>
+            <a:r>
+              <a:rPr lang="de-DE" dirty="0"/>
+              <a:t>Zustand:</a:t>
+            </a:r>
+          </a:p>
+          <a:p>
+            <a:pPr lvl="1"/>
+            <a:r>
+              <a:rPr lang="de-DE" dirty="0"/>
+              <a:t>Roboter oder Umgebung (Kind) am Zug?</a:t>
+            </a:r>
+          </a:p>
+          <a:p>
+            <a:pPr lvl="1"/>
+            <a:r>
+              <a:rPr lang="de-DE" dirty="0"/>
+              <a:t>Position des Roboters</a:t>
+            </a:r>
+          </a:p>
+          <a:p>
+            <a:pPr lvl="1"/>
+            <a:r>
+              <a:rPr lang="de-DE" dirty="0"/>
+              <a:t>Position des Kindes</a:t>
+            </a:r>
+          </a:p>
+          <a:p>
+            <a:r>
+              <a:rPr lang="de-DE" dirty="0"/>
+              <a:t>Übergänge: Spielzüge Roboter/</a:t>
+            </a:r>
+            <a:r>
+              <a:rPr lang="de-DE" dirty="0" smtClean="0"/>
+              <a:t>Kind</a:t>
+            </a:r>
+            <a:endParaRPr lang="de-DE" dirty="0"/>
+          </a:p>
+        </p:txBody>
+      </p:sp>
+      <p:sp>
+        <p:nvSpPr>
+          <p:cNvPr id="4" name="Slide Number Placeholder 3">
+            <a:extLst>
+              <a:ext uri="{FF2B5EF4-FFF2-40B4-BE49-F238E27FC236}">
+                <a16:creationId xmlns:a16="http://schemas.microsoft.com/office/drawing/2014/main" xmlns="" id="{5E77F37A-6998-484B-B08C-6AF3769D347B}"/>
+              </a:ext>
+            </a:extLst>
+          </p:cNvPr>
+          <p:cNvSpPr>
+            <a:spLocks noGrp="1"/>
+          </p:cNvSpPr>
+          <p:nvPr>
+            <p:ph type="sldNum" sz="quarter" idx="12"/>
+          </p:nvPr>
+        </p:nvSpPr>
+        <p:spPr/>
+        <p:txBody>
+          <a:bodyPr/>
+          <a:lstStyle/>
+          <a:p>
+            <a:fld id="{24C7E509-D680-4DB8-B87E-B8EC2E347686}" type="slidenum">
+              <a:rPr lang="de-DE" smtClean="0"/>
+              <a:t>17</a:t>
+            </a:fld>
+            <a:endParaRPr lang="de-DE"/>
+          </a:p>
+        </p:txBody>
+      </p:sp>
+    </p:spTree>
+    <p:extLst>
+      <p:ext uri="{BB962C8B-B14F-4D97-AF65-F5344CB8AC3E}">
+        <p14:creationId xmlns:p14="http://schemas.microsoft.com/office/powerpoint/2010/main" val="4276346423"/>
+      </p:ext>
+    </p:extLst>
+  </p:cSld>
+  <p:clrMapOvr>
+    <a:masterClrMapping/>
+  </p:clrMapOvr>
+</p:sld>
+</file>
+
+<file path=ppt/slides/slide18.xml><?xml version="1.0" encoding="utf-8"?>
+<p:sld xmlns:a="http://schemas.openxmlformats.org/drawingml/2006/main" xmlns:r="http://schemas.openxmlformats.org/officeDocument/2006/relationships" xmlns:p="http://schemas.openxmlformats.org/presentationml/2006/main">
+  <p:cSld>
+    <p:spTree>
+      <p:nvGrpSpPr>
+        <p:cNvPr id="1" name=""/>
+        <p:cNvGrpSpPr/>
+        <p:nvPr/>
+      </p:nvGrpSpPr>
+      <p:grpSpPr>
+        <a:xfrm>
+          <a:off x="0" y="0"/>
+          <a:ext cx="0" cy="0"/>
+          <a:chOff x="0" y="0"/>
+          <a:chExt cx="0" cy="0"/>
+        </a:xfrm>
+      </p:grpSpPr>
+      <p:sp>
+        <p:nvSpPr>
+          <p:cNvPr id="2" name="Titel 1"/>
+          <p:cNvSpPr>
+            <a:spLocks noGrp="1"/>
+          </p:cNvSpPr>
+          <p:nvPr>
+            <p:ph type="title"/>
+          </p:nvPr>
+        </p:nvSpPr>
+        <p:spPr/>
+        <p:txBody>
+          <a:bodyPr/>
+          <a:lstStyle/>
+          <a:p>
+            <a:pPr algn="ctr"/>
+            <a:r>
+              <a:rPr lang="de-DE" dirty="0" err="1" smtClean="0"/>
+              <a:t>Graphengenerierung</a:t>
+            </a:r>
+            <a:endParaRPr lang="de-DE" dirty="0"/>
+          </a:p>
+        </p:txBody>
+      </p:sp>
+      <p:sp>
+        <p:nvSpPr>
+          <p:cNvPr id="3" name="Inhaltsplatzhalter 2"/>
+          <p:cNvSpPr>
+            <a:spLocks noGrp="1"/>
+          </p:cNvSpPr>
+          <p:nvPr>
+            <p:ph idx="1"/>
+          </p:nvPr>
+        </p:nvSpPr>
+        <p:spPr/>
+        <p:txBody>
+          <a:bodyPr/>
+          <a:lstStyle/>
+          <a:p>
+            <a:pPr marL="514350" indent="-514350">
+              <a:buFont typeface="+mj-lt"/>
+              <a:buAutoNum type="arabicPeriod"/>
+            </a:pPr>
+            <a:r>
+              <a:rPr lang="de-DE" dirty="0" smtClean="0"/>
+              <a:t>Startzustand aus </a:t>
+            </a:r>
+            <a:r>
+              <a:rPr lang="de-DE" dirty="0" err="1" smtClean="0"/>
+              <a:t>initialen</a:t>
+            </a:r>
+            <a:r>
+              <a:rPr lang="de-DE" dirty="0" smtClean="0"/>
+              <a:t> Positionen</a:t>
+            </a:r>
+          </a:p>
+          <a:p>
+            <a:pPr marL="514350" indent="-514350">
+              <a:buFont typeface="+mj-lt"/>
+              <a:buAutoNum type="arabicPeriod"/>
+            </a:pPr>
+            <a:r>
+              <a:rPr lang="de-DE" dirty="0" smtClean="0"/>
+              <a:t>Roboterzüge berechnen</a:t>
+            </a:r>
+          </a:p>
+          <a:p>
+            <a:pPr marL="914400" lvl="1" indent="-457200">
+              <a:buFont typeface="+mj-lt"/>
+              <a:buAutoNum type="arabicPeriod"/>
+            </a:pPr>
+            <a:r>
+              <a:rPr lang="de-DE" dirty="0" smtClean="0"/>
+              <a:t>Darauffolgende </a:t>
+            </a:r>
+            <a:r>
+              <a:rPr lang="de-DE" dirty="0" err="1" smtClean="0"/>
+              <a:t>Kindzüge</a:t>
+            </a:r>
+            <a:r>
+              <a:rPr lang="de-DE" dirty="0" smtClean="0"/>
+              <a:t> für alle berechneten Zustände berechnen und schauen ob mindestens ein ungültiger dabei ist</a:t>
+            </a:r>
+          </a:p>
+          <a:p>
+            <a:pPr marL="1371600" lvl="2" indent="-457200">
+              <a:buFont typeface="+mj-lt"/>
+              <a:buAutoNum type="arabicPeriod"/>
+            </a:pPr>
+            <a:r>
+              <a:rPr lang="de-DE" dirty="0" smtClean="0"/>
+              <a:t>Wenn ja: Zustand verwerfen</a:t>
+            </a:r>
+          </a:p>
+          <a:p>
+            <a:pPr marL="1371600" lvl="2" indent="-457200">
+              <a:buFont typeface="+mj-lt"/>
+              <a:buAutoNum type="arabicPeriod"/>
+            </a:pPr>
+            <a:r>
+              <a:rPr lang="de-DE" dirty="0" smtClean="0"/>
+              <a:t>Alle nicht vorhandenen in Warteschlange einreihen</a:t>
+            </a:r>
+          </a:p>
+          <a:p>
+            <a:pPr marL="514350" indent="-514350">
+              <a:buFont typeface="+mj-lt"/>
+              <a:buAutoNum type="arabicPeriod"/>
+            </a:pPr>
+            <a:r>
+              <a:rPr lang="de-DE" dirty="0" err="1" smtClean="0"/>
+              <a:t>Kindzüge</a:t>
+            </a:r>
+            <a:r>
+              <a:rPr lang="de-DE" dirty="0" smtClean="0"/>
+              <a:t> berechnen</a:t>
+            </a:r>
+          </a:p>
+          <a:p>
+            <a:pPr marL="914400" lvl="1" indent="-457200">
+              <a:buFont typeface="+mj-lt"/>
+              <a:buAutoNum type="arabicPeriod"/>
+            </a:pPr>
+            <a:r>
+              <a:rPr lang="de-DE" dirty="0"/>
+              <a:t>Alle nicht vorhandenen in Warteschlange </a:t>
+            </a:r>
+            <a:r>
+              <a:rPr lang="de-DE" dirty="0" smtClean="0"/>
+              <a:t>einreihen</a:t>
+            </a:r>
+          </a:p>
+          <a:p>
+            <a:pPr marL="514350" indent="-514350">
+              <a:buFont typeface="+mj-lt"/>
+              <a:buAutoNum type="arabicPeriod"/>
+            </a:pPr>
+            <a:r>
+              <a:rPr lang="de-DE" dirty="0" err="1" smtClean="0"/>
+              <a:t>goto</a:t>
+            </a:r>
+            <a:r>
+              <a:rPr lang="de-DE" dirty="0" smtClean="0"/>
+              <a:t> 2 bis Warteschlange leer</a:t>
+            </a:r>
+          </a:p>
+          <a:p>
+            <a:endParaRPr lang="de-DE" dirty="0"/>
+          </a:p>
+        </p:txBody>
+      </p:sp>
+      <p:sp>
+        <p:nvSpPr>
+          <p:cNvPr id="4" name="Foliennummernplatzhalter 3"/>
+          <p:cNvSpPr>
+            <a:spLocks noGrp="1"/>
+          </p:cNvSpPr>
+          <p:nvPr>
+            <p:ph type="sldNum" sz="quarter" idx="12"/>
+          </p:nvPr>
+        </p:nvSpPr>
+        <p:spPr/>
+        <p:txBody>
+          <a:bodyPr/>
+          <a:lstStyle/>
+          <a:p>
+            <a:fld id="{24C7E509-D680-4DB8-B87E-B8EC2E347686}" type="slidenum">
+              <a:rPr lang="de-DE" smtClean="0"/>
+              <a:t>18</a:t>
+            </a:fld>
+            <a:endParaRPr lang="de-DE"/>
+          </a:p>
+        </p:txBody>
+      </p:sp>
+    </p:spTree>
+    <p:extLst>
+      <p:ext uri="{BB962C8B-B14F-4D97-AF65-F5344CB8AC3E}">
+        <p14:creationId xmlns:p14="http://schemas.microsoft.com/office/powerpoint/2010/main" val="2781570196"/>
+      </p:ext>
+    </p:extLst>
+  </p:cSld>
+  <p:clrMapOvr>
+    <a:masterClrMapping/>
+  </p:clrMapOvr>
+</p:sld>
+</file>
+
+<file path=ppt/slides/slide19.xml><?xml version="1.0" encoding="utf-8"?>
+<p:sld xmlns:a="http://schemas.openxmlformats.org/drawingml/2006/main" xmlns:r="http://schemas.openxmlformats.org/officeDocument/2006/relationships" xmlns:p="http://schemas.openxmlformats.org/presentationml/2006/main">
+  <p:cSld>
+    <p:spTree>
+      <p:nvGrpSpPr>
+        <p:cNvPr id="1" name=""/>
+        <p:cNvGrpSpPr/>
+        <p:nvPr/>
+      </p:nvGrpSpPr>
+      <p:grpSpPr>
+        <a:xfrm>
+          <a:off x="0" y="0"/>
+          <a:ext cx="0" cy="0"/>
+          <a:chOff x="0" y="0"/>
+          <a:chExt cx="0" cy="0"/>
+        </a:xfrm>
+      </p:grpSpPr>
+      <p:sp>
+        <p:nvSpPr>
+          <p:cNvPr id="2" name="Titel 1">
+            <a:extLst>
+              <a:ext uri="{FF2B5EF4-FFF2-40B4-BE49-F238E27FC236}">
+                <a16:creationId xmlns:a16="http://schemas.microsoft.com/office/drawing/2014/main" xmlns="" id="{270E6DA7-7E9F-416C-8BF7-49DA3B46A7E3}"/>
+              </a:ext>
+            </a:extLst>
+          </p:cNvPr>
+          <p:cNvSpPr>
+            <a:spLocks noGrp="1"/>
+          </p:cNvSpPr>
+          <p:nvPr>
+            <p:ph type="title"/>
+          </p:nvPr>
+        </p:nvSpPr>
+        <p:spPr/>
+        <p:txBody>
+          <a:bodyPr/>
+          <a:lstStyle/>
+          <a:p>
+            <a:pPr algn="ctr"/>
+            <a:r>
+              <a:rPr lang="de-DE" dirty="0"/>
+              <a:t>Beispielgraph</a:t>
+            </a:r>
+          </a:p>
+        </p:txBody>
+      </p:sp>
+      <p:sp>
+        <p:nvSpPr>
+          <p:cNvPr id="3" name="Inhaltsplatzhalter 2">
+            <a:extLst>
+              <a:ext uri="{FF2B5EF4-FFF2-40B4-BE49-F238E27FC236}">
+                <a16:creationId xmlns:a16="http://schemas.microsoft.com/office/drawing/2014/main" xmlns="" id="{D2EEAE80-11B6-4B94-8FA4-EECF75905D99}"/>
+              </a:ext>
+            </a:extLst>
+          </p:cNvPr>
+          <p:cNvSpPr>
+            <a:spLocks noGrp="1"/>
+          </p:cNvSpPr>
+          <p:nvPr>
+            <p:ph idx="1"/>
+          </p:nvPr>
+        </p:nvSpPr>
         <p:spPr>
           <a:xfrm>
             <a:off x="1380066" y="2005012"/>
@@ -9755,7 +10107,7 @@
           <p:cNvPr id="4" name="Foliennummernplatzhalter 3">
             <a:extLst>
               <a:ext uri="{FF2B5EF4-FFF2-40B4-BE49-F238E27FC236}">
-                <a16:creationId xmlns:a16="http://schemas.microsoft.com/office/drawing/2014/main" id="{7F69AB07-BCC7-4E3F-8A9E-FE017903336B}"/>
+                <a16:creationId xmlns:a16="http://schemas.microsoft.com/office/drawing/2014/main" xmlns="" id="{7F69AB07-BCC7-4E3F-8A9E-FE017903336B}"/>
               </a:ext>
             </a:extLst>
           </p:cNvPr>
@@ -9773,7 +10125,7 @@
           <a:p>
             <a:fld id="{24C7E509-D680-4DB8-B87E-B8EC2E347686}" type="slidenum">
               <a:rPr lang="de-DE" smtClean="0"/>
-              <a:t>17</a:t>
+              <a:t>19</a:t>
             </a:fld>
             <a:endParaRPr lang="de-DE"/>
           </a:p>
@@ -9822,305 +10174,6 @@
 </p:sld>
 </file>
 
-<file path=ppt/slides/slide18.xml><?xml version="1.0" encoding="utf-8"?>
-<p:sld xmlns:a="http://schemas.openxmlformats.org/drawingml/2006/main" xmlns:r="http://schemas.openxmlformats.org/officeDocument/2006/relationships" xmlns:p="http://schemas.openxmlformats.org/presentationml/2006/main">
-  <p:cSld>
-    <p:spTree>
-      <p:nvGrpSpPr>
-        <p:cNvPr id="1" name=""/>
-        <p:cNvGrpSpPr/>
-        <p:nvPr/>
-      </p:nvGrpSpPr>
-      <p:grpSpPr>
-        <a:xfrm>
-          <a:off x="0" y="0"/>
-          <a:ext cx="0" cy="0"/>
-          <a:chOff x="0" y="0"/>
-          <a:chExt cx="0" cy="0"/>
-        </a:xfrm>
-      </p:grpSpPr>
-      <p:sp>
-        <p:nvSpPr>
-          <p:cNvPr id="2" name="Titel 1">
-            <a:extLst>
-              <a:ext uri="{FF2B5EF4-FFF2-40B4-BE49-F238E27FC236}">
-                <a16:creationId xmlns:a16="http://schemas.microsoft.com/office/drawing/2014/main" id="{95A3FC0A-3806-4A6C-8BAF-49105356BDEB}"/>
-              </a:ext>
-            </a:extLst>
-          </p:cNvPr>
-          <p:cNvSpPr>
-            <a:spLocks noGrp="1"/>
-          </p:cNvSpPr>
-          <p:nvPr>
-            <p:ph type="title"/>
-          </p:nvPr>
-        </p:nvSpPr>
-        <p:spPr/>
-        <p:txBody>
-          <a:bodyPr/>
-          <a:lstStyle/>
-          <a:p>
-            <a:pPr algn="ctr"/>
-            <a:r>
-              <a:rPr lang="de-DE" dirty="0"/>
-              <a:t>Enforce Algorithmus</a:t>
-            </a:r>
-          </a:p>
-        </p:txBody>
-      </p:sp>
-      <p:sp>
-        <p:nvSpPr>
-          <p:cNvPr id="3" name="Inhaltsplatzhalter 2">
-            <a:extLst>
-              <a:ext uri="{FF2B5EF4-FFF2-40B4-BE49-F238E27FC236}">
-                <a16:creationId xmlns:a16="http://schemas.microsoft.com/office/drawing/2014/main" id="{ED8FBAF4-21B7-41F9-87E3-AA4F613F4B28}"/>
-              </a:ext>
-            </a:extLst>
-          </p:cNvPr>
-          <p:cNvSpPr>
-            <a:spLocks noGrp="1"/>
-          </p:cNvSpPr>
-          <p:nvPr>
-            <p:ph idx="1"/>
-          </p:nvPr>
-        </p:nvSpPr>
-        <p:spPr/>
-        <p:txBody>
-          <a:bodyPr/>
-          <a:lstStyle/>
-          <a:p>
-            <a:r>
-              <a:rPr lang="de-DE" dirty="0"/>
-              <a:t>Was ist </a:t>
-            </a:r>
-            <a:r>
-              <a:rPr lang="de-DE" dirty="0" err="1"/>
-              <a:t>Enforce</a:t>
-            </a:r>
-            <a:r>
-              <a:rPr lang="de-DE" dirty="0"/>
-              <a:t>?</a:t>
-            </a:r>
-          </a:p>
-          <a:p>
-            <a:r>
-              <a:rPr lang="de-DE" dirty="0" err="1"/>
-              <a:t>Allquantor</a:t>
-            </a:r>
-            <a:r>
-              <a:rPr lang="de-DE" dirty="0"/>
-              <a:t> gegen </a:t>
-            </a:r>
-            <a:r>
-              <a:rPr lang="de-DE" dirty="0" err="1"/>
-              <a:t>Existenzquantor</a:t>
-            </a:r>
-            <a:endParaRPr lang="de-DE" dirty="0"/>
-          </a:p>
-          <a:p>
-            <a:r>
-              <a:rPr lang="de-DE" dirty="0" err="1"/>
-              <a:t>Enforce</a:t>
-            </a:r>
-            <a:r>
-              <a:rPr lang="de-DE" dirty="0"/>
-              <a:t>+</a:t>
-            </a:r>
-          </a:p>
-        </p:txBody>
-      </p:sp>
-      <p:sp>
-        <p:nvSpPr>
-          <p:cNvPr id="4" name="Foliennummernplatzhalter 3">
-            <a:extLst>
-              <a:ext uri="{FF2B5EF4-FFF2-40B4-BE49-F238E27FC236}">
-                <a16:creationId xmlns:a16="http://schemas.microsoft.com/office/drawing/2014/main" id="{0DD1B6F9-E57D-4F76-917B-E6637BFB2A8E}"/>
-              </a:ext>
-            </a:extLst>
-          </p:cNvPr>
-          <p:cNvSpPr>
-            <a:spLocks noGrp="1"/>
-          </p:cNvSpPr>
-          <p:nvPr>
-            <p:ph type="sldNum" sz="quarter" idx="12"/>
-          </p:nvPr>
-        </p:nvSpPr>
-        <p:spPr/>
-        <p:txBody>
-          <a:bodyPr/>
-          <a:lstStyle/>
-          <a:p>
-            <a:fld id="{24C7E509-D680-4DB8-B87E-B8EC2E347686}" type="slidenum">
-              <a:rPr lang="de-DE" smtClean="0"/>
-              <a:t>18</a:t>
-            </a:fld>
-            <a:endParaRPr lang="de-DE"/>
-          </a:p>
-        </p:txBody>
-      </p:sp>
-      <p:pic>
-        <p:nvPicPr>
-          <p:cNvPr id="5" name="Bild 4"/>
-          <p:cNvPicPr>
-            <a:picLocks noChangeAspect="1"/>
-          </p:cNvPicPr>
-          <p:nvPr/>
-        </p:nvPicPr>
-        <p:blipFill>
-          <a:blip r:embed="rId2"/>
-          <a:stretch>
-            <a:fillRect/>
-          </a:stretch>
-        </p:blipFill>
-        <p:spPr>
-          <a:xfrm>
-            <a:off x="7543800" y="3001963"/>
-            <a:ext cx="3810000" cy="3175000"/>
-          </a:xfrm>
-          <a:prstGeom prst="rect">
-            <a:avLst/>
-          </a:prstGeom>
-        </p:spPr>
-      </p:pic>
-    </p:spTree>
-    <p:extLst>
-      <p:ext uri="{BB962C8B-B14F-4D97-AF65-F5344CB8AC3E}">
-        <p14:creationId xmlns:p14="http://schemas.microsoft.com/office/powerpoint/2010/main" val="1171065228"/>
-      </p:ext>
-    </p:extLst>
-  </p:cSld>
-  <p:clrMapOvr>
-    <a:masterClrMapping/>
-  </p:clrMapOvr>
-</p:sld>
-</file>
-
-<file path=ppt/slides/slide19.xml><?xml version="1.0" encoding="utf-8"?>
-<p:sld xmlns:a="http://schemas.openxmlformats.org/drawingml/2006/main" xmlns:r="http://schemas.openxmlformats.org/officeDocument/2006/relationships" xmlns:p="http://schemas.openxmlformats.org/presentationml/2006/main" show="0">
-  <p:cSld>
-    <p:spTree>
-      <p:nvGrpSpPr>
-        <p:cNvPr id="1" name=""/>
-        <p:cNvGrpSpPr/>
-        <p:nvPr/>
-      </p:nvGrpSpPr>
-      <p:grpSpPr>
-        <a:xfrm>
-          <a:off x="0" y="0"/>
-          <a:ext cx="0" cy="0"/>
-          <a:chOff x="0" y="0"/>
-          <a:chExt cx="0" cy="0"/>
-        </a:xfrm>
-      </p:grpSpPr>
-      <p:sp>
-        <p:nvSpPr>
-          <p:cNvPr id="2" name="Title 1">
-            <a:extLst>
-              <a:ext uri="{FF2B5EF4-FFF2-40B4-BE49-F238E27FC236}">
-                <a16:creationId xmlns:a16="http://schemas.microsoft.com/office/drawing/2014/main" id="{3C939BD4-D9D8-457A-B76C-E3D1F62B16C2}"/>
-              </a:ext>
-            </a:extLst>
-          </p:cNvPr>
-          <p:cNvSpPr>
-            <a:spLocks noGrp="1"/>
-          </p:cNvSpPr>
-          <p:nvPr>
-            <p:ph type="title"/>
-          </p:nvPr>
-        </p:nvSpPr>
-        <p:spPr/>
-        <p:txBody>
-          <a:bodyPr/>
-          <a:lstStyle/>
-          <a:p>
-            <a:pPr algn="ctr"/>
-            <a:r>
-              <a:rPr lang="de-DE" dirty="0"/>
-              <a:t>Child-Controller</a:t>
-            </a:r>
-          </a:p>
-        </p:txBody>
-      </p:sp>
-      <p:sp>
-        <p:nvSpPr>
-          <p:cNvPr id="3" name="Content Placeholder 2">
-            <a:extLst>
-              <a:ext uri="{FF2B5EF4-FFF2-40B4-BE49-F238E27FC236}">
-                <a16:creationId xmlns:a16="http://schemas.microsoft.com/office/drawing/2014/main" id="{59B6EF6F-C517-4C0C-A4C6-478E82E22FA9}"/>
-              </a:ext>
-            </a:extLst>
-          </p:cNvPr>
-          <p:cNvSpPr>
-            <a:spLocks noGrp="1"/>
-          </p:cNvSpPr>
-          <p:nvPr>
-            <p:ph idx="1"/>
-          </p:nvPr>
-        </p:nvSpPr>
-        <p:spPr/>
-        <p:txBody>
-          <a:bodyPr/>
-          <a:lstStyle/>
-          <a:p>
-            <a:r>
-              <a:rPr lang="de-DE" dirty="0"/>
-              <a:t>Moves aus dem Graphen ermitteln</a:t>
-            </a:r>
-          </a:p>
-          <a:p>
-            <a:r>
-              <a:rPr lang="de-DE" dirty="0">
-                <a:highlight>
-                  <a:srgbClr val="FF0000"/>
-                </a:highlight>
-              </a:rPr>
-              <a:t>?ZU wenig?</a:t>
-            </a:r>
-          </a:p>
-        </p:txBody>
-      </p:sp>
-      <p:sp>
-        <p:nvSpPr>
-          <p:cNvPr id="4" name="Slide Number Placeholder 3">
-            <a:extLst>
-              <a:ext uri="{FF2B5EF4-FFF2-40B4-BE49-F238E27FC236}">
-                <a16:creationId xmlns:a16="http://schemas.microsoft.com/office/drawing/2014/main" id="{08BF1626-F459-4C91-A2D9-0E0413559529}"/>
-              </a:ext>
-            </a:extLst>
-          </p:cNvPr>
-          <p:cNvSpPr>
-            <a:spLocks noGrp="1"/>
-          </p:cNvSpPr>
-          <p:nvPr>
-            <p:ph type="sldNum" sz="quarter" idx="12"/>
-          </p:nvPr>
-        </p:nvSpPr>
-        <p:spPr/>
-        <p:txBody>
-          <a:bodyPr/>
-          <a:lstStyle/>
-          <a:p>
-            <a:fld id="{24C7E509-D680-4DB8-B87E-B8EC2E347686}" type="slidenum">
-              <a:rPr lang="de-DE" smtClean="0"/>
-              <a:t>19</a:t>
-            </a:fld>
-            <a:endParaRPr lang="de-DE"/>
-          </a:p>
-        </p:txBody>
-      </p:sp>
-    </p:spTree>
-    <p:extLst>
-      <p:ext uri="{BB962C8B-B14F-4D97-AF65-F5344CB8AC3E}">
-        <p14:creationId xmlns:p14="http://schemas.microsoft.com/office/powerpoint/2010/main" val="494559891"/>
-      </p:ext>
-    </p:extLst>
-  </p:cSld>
-  <p:clrMapOvr>
-    <a:masterClrMapping/>
-  </p:clrMapOvr>
-</p:sld>
-</file>
-
 <file path=ppt/slides/slide2.xml><?xml version="1.0" encoding="utf-8"?>
 <p:sld xmlns:a="http://schemas.openxmlformats.org/drawingml/2006/main" xmlns:r="http://schemas.openxmlformats.org/officeDocument/2006/relationships" xmlns:p="http://schemas.openxmlformats.org/presentationml/2006/main">
   <p:cSld>
@@ -10143,7 +10196,7 @@
           <p:cNvPr id="2" name="Titel 1">
             <a:extLst>
               <a:ext uri="{FF2B5EF4-FFF2-40B4-BE49-F238E27FC236}">
-                <a16:creationId xmlns:a16="http://schemas.microsoft.com/office/drawing/2014/main" id="{AB797468-C3B3-4625-A645-4FF1498D3D36}"/>
+                <a16:creationId xmlns:a16="http://schemas.microsoft.com/office/drawing/2014/main" xmlns="" id="{AB797468-C3B3-4625-A645-4FF1498D3D36}"/>
               </a:ext>
             </a:extLst>
           </p:cNvPr>
@@ -10171,7 +10224,7 @@
           <p:cNvPr id="3" name="Untertitel 2">
             <a:extLst>
               <a:ext uri="{FF2B5EF4-FFF2-40B4-BE49-F238E27FC236}">
-                <a16:creationId xmlns:a16="http://schemas.microsoft.com/office/drawing/2014/main" id="{90F58143-0024-47BA-B87F-224EB2258D41}"/>
+                <a16:creationId xmlns:a16="http://schemas.microsoft.com/office/drawing/2014/main" xmlns="" id="{90F58143-0024-47BA-B87F-224EB2258D41}"/>
               </a:ext>
             </a:extLst>
           </p:cNvPr>
@@ -10213,7 +10266,7 @@
           <p:cNvPr id="4" name="Foliennummernplatzhalter 3">
             <a:extLst>
               <a:ext uri="{FF2B5EF4-FFF2-40B4-BE49-F238E27FC236}">
-                <a16:creationId xmlns:a16="http://schemas.microsoft.com/office/drawing/2014/main" id="{DE1C29E7-48F7-44B2-9F58-68C8DB0777C2}"/>
+                <a16:creationId xmlns:a16="http://schemas.microsoft.com/office/drawing/2014/main" xmlns="" id="{DE1C29E7-48F7-44B2-9F58-68C8DB0777C2}"/>
               </a:ext>
             </a:extLst>
           </p:cNvPr>
@@ -10269,10 +10322,10 @@
       </p:grpSpPr>
       <p:sp>
         <p:nvSpPr>
-          <p:cNvPr id="2" name="Title 1">
-            <a:extLst>
-              <a:ext uri="{FF2B5EF4-FFF2-40B4-BE49-F238E27FC236}">
-                <a16:creationId xmlns:a16="http://schemas.microsoft.com/office/drawing/2014/main" id="{3C939BD4-D9D8-457A-B76C-E3D1F62B16C2}"/>
+          <p:cNvPr id="2" name="Titel 1">
+            <a:extLst>
+              <a:ext uri="{FF2B5EF4-FFF2-40B4-BE49-F238E27FC236}">
+                <a16:creationId xmlns:a16="http://schemas.microsoft.com/office/drawing/2014/main" xmlns="" id="{95A3FC0A-3806-4A6C-8BAF-49105356BDEB}"/>
               </a:ext>
             </a:extLst>
           </p:cNvPr>
@@ -10291,17 +10344,78 @@
             <a:pPr algn="ctr"/>
             <a:r>
               <a:rPr lang="de-DE" dirty="0"/>
-              <a:t>Child-Controller</a:t>
-            </a:r>
-          </a:p>
-        </p:txBody>
-      </p:sp>
-      <p:sp>
-        <p:nvSpPr>
-          <p:cNvPr id="4" name="Slide Number Placeholder 3">
-            <a:extLst>
-              <a:ext uri="{FF2B5EF4-FFF2-40B4-BE49-F238E27FC236}">
-                <a16:creationId xmlns:a16="http://schemas.microsoft.com/office/drawing/2014/main" id="{08BF1626-F459-4C91-A2D9-0E0413559529}"/>
+              <a:t>Enforce Algorithmus</a:t>
+            </a:r>
+          </a:p>
+        </p:txBody>
+      </p:sp>
+      <p:sp>
+        <p:nvSpPr>
+          <p:cNvPr id="3" name="Inhaltsplatzhalter 2">
+            <a:extLst>
+              <a:ext uri="{FF2B5EF4-FFF2-40B4-BE49-F238E27FC236}">
+                <a16:creationId xmlns:a16="http://schemas.microsoft.com/office/drawing/2014/main" xmlns="" id="{ED8FBAF4-21B7-41F9-87E3-AA4F613F4B28}"/>
+              </a:ext>
+            </a:extLst>
+          </p:cNvPr>
+          <p:cNvSpPr>
+            <a:spLocks noGrp="1"/>
+          </p:cNvSpPr>
+          <p:nvPr>
+            <p:ph idx="1"/>
+          </p:nvPr>
+        </p:nvSpPr>
+        <p:spPr/>
+        <p:txBody>
+          <a:bodyPr/>
+          <a:lstStyle/>
+          <a:p>
+            <a:r>
+              <a:rPr lang="de-DE" dirty="0"/>
+              <a:t>Was ist </a:t>
+            </a:r>
+            <a:r>
+              <a:rPr lang="de-DE" dirty="0" err="1"/>
+              <a:t>Enforce</a:t>
+            </a:r>
+            <a:r>
+              <a:rPr lang="de-DE" dirty="0"/>
+              <a:t>?</a:t>
+            </a:r>
+          </a:p>
+          <a:p>
+            <a:r>
+              <a:rPr lang="de-DE" dirty="0" err="1"/>
+              <a:t>Allquantor</a:t>
+            </a:r>
+            <a:r>
+              <a:rPr lang="de-DE" dirty="0"/>
+              <a:t> gegen </a:t>
+            </a:r>
+            <a:r>
+              <a:rPr lang="de-DE" dirty="0" err="1"/>
+              <a:t>Existenzquantor</a:t>
+            </a:r>
+            <a:endParaRPr lang="de-DE" dirty="0"/>
+          </a:p>
+          <a:p>
+            <a:r>
+              <a:rPr lang="de-DE" dirty="0" err="1"/>
+              <a:t>Enforce</a:t>
+            </a:r>
+            <a:r>
+              <a:rPr lang="de-DE" dirty="0"/>
+              <a:t>+</a:t>
+            </a:r>
+          </a:p>
+        </p:txBody>
+      </p:sp>
+      <p:sp>
+        <p:nvSpPr>
+          <p:cNvPr id="4" name="Foliennummernplatzhalter 3">
+            <a:extLst>
+              <a:ext uri="{FF2B5EF4-FFF2-40B4-BE49-F238E27FC236}">
+                <a16:creationId xmlns:a16="http://schemas.microsoft.com/office/drawing/2014/main" xmlns="" id="{0DD1B6F9-E57D-4F76-917B-E6637BFB2A8E}"/>
               </a:ext>
             </a:extLst>
           </p:cNvPr>
@@ -10325,52 +10439,34 @@
           </a:p>
         </p:txBody>
       </p:sp>
-      <p:sp>
-        <p:nvSpPr>
-          <p:cNvPr id="6" name="Content Placeholder 5">
-            <a:extLst>
-              <a:ext uri="{FF2B5EF4-FFF2-40B4-BE49-F238E27FC236}">
-                <a16:creationId xmlns:a16="http://schemas.microsoft.com/office/drawing/2014/main" id="{8ABBAD17-D195-4A08-896B-9DCA682344EE}"/>
-              </a:ext>
-            </a:extLst>
-          </p:cNvPr>
-          <p:cNvSpPr>
-            <a:spLocks noGrp="1"/>
-          </p:cNvSpPr>
-          <p:nvPr>
-            <p:ph idx="1"/>
-          </p:nvPr>
-        </p:nvSpPr>
-        <p:spPr/>
-        <p:txBody>
-          <a:bodyPr/>
-          <a:lstStyle/>
-          <a:p>
-            <a:pPr marL="514350" indent="-514350">
-              <a:buFont typeface="+mj-lt"/>
-              <a:buAutoNum type="arabicPeriod"/>
-            </a:pPr>
-            <a:r>
-              <a:rPr lang="de-DE" dirty="0"/>
-              <a:t>Mögliche Steps aus dem Graphen ermitteln</a:t>
-            </a:r>
-          </a:p>
-          <a:p>
-            <a:pPr marL="514350" indent="-514350">
-              <a:buFont typeface="+mj-lt"/>
-              <a:buAutoNum type="arabicPeriod"/>
-            </a:pPr>
-            <a:r>
-              <a:rPr lang="de-DE" dirty="0"/>
-              <a:t>Step ausführen</a:t>
-            </a:r>
-          </a:p>
-        </p:txBody>
-      </p:sp>
+      <p:pic>
+        <p:nvPicPr>
+          <p:cNvPr id="5" name="Bild 4"/>
+          <p:cNvPicPr>
+            <a:picLocks noChangeAspect="1"/>
+          </p:cNvPicPr>
+          <p:nvPr/>
+        </p:nvPicPr>
+        <p:blipFill>
+          <a:blip r:embed="rId2"/>
+          <a:stretch>
+            <a:fillRect/>
+          </a:stretch>
+        </p:blipFill>
+        <p:spPr>
+          <a:xfrm>
+            <a:off x="8935140" y="4161413"/>
+            <a:ext cx="2418660" cy="2015550"/>
+          </a:xfrm>
+          <a:prstGeom prst="rect">
+            <a:avLst/>
+          </a:prstGeom>
+        </p:spPr>
+      </p:pic>
     </p:spTree>
     <p:extLst>
       <p:ext uri="{BB962C8B-B14F-4D97-AF65-F5344CB8AC3E}">
-        <p14:creationId xmlns:p14="http://schemas.microsoft.com/office/powerpoint/2010/main" val="4180756261"/>
+        <p14:creationId xmlns:p14="http://schemas.microsoft.com/office/powerpoint/2010/main" val="1171065228"/>
       </p:ext>
     </p:extLst>
   </p:cSld>
@@ -10402,7 +10498,7 @@
           <p:cNvPr id="2" name="Title 1">
             <a:extLst>
               <a:ext uri="{FF2B5EF4-FFF2-40B4-BE49-F238E27FC236}">
-                <a16:creationId xmlns:a16="http://schemas.microsoft.com/office/drawing/2014/main" id="{06BEDA57-7B6A-423A-A767-68DE43BD4B63}"/>
+                <a16:creationId xmlns:a16="http://schemas.microsoft.com/office/drawing/2014/main" xmlns="" id="{3C939BD4-D9D8-457A-B76C-E3D1F62B16C2}"/>
               </a:ext>
             </a:extLst>
           </p:cNvPr>
@@ -10421,7 +10517,7 @@
             <a:pPr algn="ctr"/>
             <a:r>
               <a:rPr lang="de-DE" dirty="0"/>
-              <a:t>Robot-Controller</a:t>
+              <a:t>Child-Controller</a:t>
             </a:r>
           </a:p>
         </p:txBody>
@@ -10431,7 +10527,7 @@
           <p:cNvPr id="3" name="Content Placeholder 2">
             <a:extLst>
               <a:ext uri="{FF2B5EF4-FFF2-40B4-BE49-F238E27FC236}">
-                <a16:creationId xmlns:a16="http://schemas.microsoft.com/office/drawing/2014/main" id="{1B228557-58FE-4B16-943F-3E3A18656556}"/>
+                <a16:creationId xmlns:a16="http://schemas.microsoft.com/office/drawing/2014/main" xmlns="" id="{59B6EF6F-C517-4C0C-A4C6-478E82E22FA9}"/>
               </a:ext>
             </a:extLst>
           </p:cNvPr>
@@ -10449,19 +10545,17 @@
           <a:p>
             <a:r>
               <a:rPr lang="de-DE" dirty="0"/>
-              <a:t>Wie erreichen wir das Ziel</a:t>
-            </a:r>
-          </a:p>
-          <a:p>
-            <a:r>
-              <a:rPr lang="de-DE" dirty="0"/>
-              <a:t>On demand</a:t>
-            </a:r>
-          </a:p>
-          <a:p>
-            <a:r>
-              <a:rPr lang="de-DE" dirty="0"/>
-              <a:t>Batterie Lösung</a:t>
+              <a:t>Moves aus dem Graphen ermitteln</a:t>
+            </a:r>
+          </a:p>
+          <a:p>
+            <a:r>
+              <a:rPr lang="de-DE" dirty="0">
+                <a:highlight>
+                  <a:srgbClr val="FF0000"/>
+                </a:highlight>
+              </a:rPr>
+              <a:t>?ZU wenig?</a:t>
             </a:r>
           </a:p>
         </p:txBody>
@@ -10471,7 +10565,7 @@
           <p:cNvPr id="4" name="Slide Number Placeholder 3">
             <a:extLst>
               <a:ext uri="{FF2B5EF4-FFF2-40B4-BE49-F238E27FC236}">
-                <a16:creationId xmlns:a16="http://schemas.microsoft.com/office/drawing/2014/main" id="{9E4F3BBA-350F-4622-BAC1-BFCAADEF46F0}"/>
+                <a16:creationId xmlns:a16="http://schemas.microsoft.com/office/drawing/2014/main" xmlns="" id="{08BF1626-F459-4C91-A2D9-0E0413559529}"/>
               </a:ext>
             </a:extLst>
           </p:cNvPr>
@@ -10498,13 +10592,21 @@
     </p:spTree>
     <p:extLst>
       <p:ext uri="{BB962C8B-B14F-4D97-AF65-F5344CB8AC3E}">
-        <p14:creationId xmlns:p14="http://schemas.microsoft.com/office/powerpoint/2010/main" val="2805305175"/>
+        <p14:creationId xmlns:p14="http://schemas.microsoft.com/office/powerpoint/2010/main" val="494559891"/>
       </p:ext>
     </p:extLst>
   </p:cSld>
   <p:clrMapOvr>
     <a:masterClrMapping/>
   </p:clrMapOvr>
+  <mc:AlternateContent xmlns:mc="http://schemas.openxmlformats.org/markup-compatibility/2006">
+    <mc:Choice xmlns:p14="http://schemas.microsoft.com/office/powerpoint/2010/main" Requires="p14">
+      <p:transition spd="slow" p14:dur="2000"/>
+    </mc:Choice>
+    <mc:Fallback>
+      <p:transition xmlns:p14="http://schemas.microsoft.com/office/powerpoint/2010/main" spd="slow"/>
+    </mc:Fallback>
+  </mc:AlternateContent>
 </p:sld>
 </file>
 
@@ -10530,7 +10632,7 @@
           <p:cNvPr id="2" name="Title 1">
             <a:extLst>
               <a:ext uri="{FF2B5EF4-FFF2-40B4-BE49-F238E27FC236}">
-                <a16:creationId xmlns:a16="http://schemas.microsoft.com/office/drawing/2014/main" id="{06BEDA57-7B6A-423A-A767-68DE43BD4B63}"/>
+                <a16:creationId xmlns:a16="http://schemas.microsoft.com/office/drawing/2014/main" xmlns="" id="{3C939BD4-D9D8-457A-B76C-E3D1F62B16C2}"/>
               </a:ext>
             </a:extLst>
           </p:cNvPr>
@@ -10549,7 +10651,7 @@
             <a:pPr algn="ctr"/>
             <a:r>
               <a:rPr lang="de-DE" dirty="0"/>
-              <a:t>Robot-Controller</a:t>
+              <a:t>Child-Controller</a:t>
             </a:r>
           </a:p>
         </p:txBody>
@@ -10559,7 +10661,7 @@
           <p:cNvPr id="4" name="Slide Number Placeholder 3">
             <a:extLst>
               <a:ext uri="{FF2B5EF4-FFF2-40B4-BE49-F238E27FC236}">
-                <a16:creationId xmlns:a16="http://schemas.microsoft.com/office/drawing/2014/main" id="{9E4F3BBA-350F-4622-BAC1-BFCAADEF46F0}"/>
+                <a16:creationId xmlns:a16="http://schemas.microsoft.com/office/drawing/2014/main" xmlns="" id="{08BF1626-F459-4C91-A2D9-0E0413559529}"/>
               </a:ext>
             </a:extLst>
           </p:cNvPr>
@@ -10588,7 +10690,7 @@
           <p:cNvPr id="6" name="Content Placeholder 5">
             <a:extLst>
               <a:ext uri="{FF2B5EF4-FFF2-40B4-BE49-F238E27FC236}">
-                <a16:creationId xmlns:a16="http://schemas.microsoft.com/office/drawing/2014/main" id="{F3AAA2AA-570A-42F5-AD34-74BDEA51AD02}"/>
+                <a16:creationId xmlns:a16="http://schemas.microsoft.com/office/drawing/2014/main" xmlns="" id="{8ABBAD17-D195-4A08-896B-9DCA682344EE}"/>
               </a:ext>
             </a:extLst>
           </p:cNvPr>
@@ -10604,6 +10706,291 @@
           <a:bodyPr/>
           <a:lstStyle/>
           <a:p>
+            <a:pPr marL="514350" indent="-514350">
+              <a:buFont typeface="+mj-lt"/>
+              <a:buAutoNum type="arabicPeriod"/>
+            </a:pPr>
+            <a:r>
+              <a:rPr lang="de-DE" dirty="0"/>
+              <a:t>Mögliche Steps aus dem Graphen ermitteln</a:t>
+            </a:r>
+          </a:p>
+          <a:p>
+            <a:pPr marL="514350" indent="-514350">
+              <a:buFont typeface="+mj-lt"/>
+              <a:buAutoNum type="arabicPeriod"/>
+            </a:pPr>
+            <a:r>
+              <a:rPr lang="de-DE" dirty="0"/>
+              <a:t>Step ausführen</a:t>
+            </a:r>
+          </a:p>
+        </p:txBody>
+      </p:sp>
+    </p:spTree>
+    <p:extLst>
+      <p:ext uri="{BB962C8B-B14F-4D97-AF65-F5344CB8AC3E}">
+        <p14:creationId xmlns:p14="http://schemas.microsoft.com/office/powerpoint/2010/main" val="4180756261"/>
+      </p:ext>
+    </p:extLst>
+  </p:cSld>
+  <p:clrMapOvr>
+    <a:masterClrMapping/>
+  </p:clrMapOvr>
+</p:sld>
+</file>
+
+<file path=ppt/slides/slide23.xml><?xml version="1.0" encoding="utf-8"?>
+<p:sld xmlns:a="http://schemas.openxmlformats.org/drawingml/2006/main" xmlns:r="http://schemas.openxmlformats.org/officeDocument/2006/relationships" xmlns:p="http://schemas.openxmlformats.org/presentationml/2006/main" show="0">
+  <p:cSld>
+    <p:spTree>
+      <p:nvGrpSpPr>
+        <p:cNvPr id="1" name=""/>
+        <p:cNvGrpSpPr/>
+        <p:nvPr/>
+      </p:nvGrpSpPr>
+      <p:grpSpPr>
+        <a:xfrm>
+          <a:off x="0" y="0"/>
+          <a:ext cx="0" cy="0"/>
+          <a:chOff x="0" y="0"/>
+          <a:chExt cx="0" cy="0"/>
+        </a:xfrm>
+      </p:grpSpPr>
+      <p:sp>
+        <p:nvSpPr>
+          <p:cNvPr id="2" name="Title 1">
+            <a:extLst>
+              <a:ext uri="{FF2B5EF4-FFF2-40B4-BE49-F238E27FC236}">
+                <a16:creationId xmlns:a16="http://schemas.microsoft.com/office/drawing/2014/main" xmlns="" id="{06BEDA57-7B6A-423A-A767-68DE43BD4B63}"/>
+              </a:ext>
+            </a:extLst>
+          </p:cNvPr>
+          <p:cNvSpPr>
+            <a:spLocks noGrp="1"/>
+          </p:cNvSpPr>
+          <p:nvPr>
+            <p:ph type="title"/>
+          </p:nvPr>
+        </p:nvSpPr>
+        <p:spPr/>
+        <p:txBody>
+          <a:bodyPr/>
+          <a:lstStyle/>
+          <a:p>
+            <a:pPr algn="ctr"/>
+            <a:r>
+              <a:rPr lang="de-DE" dirty="0"/>
+              <a:t>Robot-Controller</a:t>
+            </a:r>
+          </a:p>
+        </p:txBody>
+      </p:sp>
+      <p:sp>
+        <p:nvSpPr>
+          <p:cNvPr id="3" name="Content Placeholder 2">
+            <a:extLst>
+              <a:ext uri="{FF2B5EF4-FFF2-40B4-BE49-F238E27FC236}">
+                <a16:creationId xmlns:a16="http://schemas.microsoft.com/office/drawing/2014/main" xmlns="" id="{1B228557-58FE-4B16-943F-3E3A18656556}"/>
+              </a:ext>
+            </a:extLst>
+          </p:cNvPr>
+          <p:cNvSpPr>
+            <a:spLocks noGrp="1"/>
+          </p:cNvSpPr>
+          <p:nvPr>
+            <p:ph idx="1"/>
+          </p:nvPr>
+        </p:nvSpPr>
+        <p:spPr/>
+        <p:txBody>
+          <a:bodyPr/>
+          <a:lstStyle/>
+          <a:p>
+            <a:r>
+              <a:rPr lang="de-DE" dirty="0"/>
+              <a:t>Wie erreichen wir das Ziel</a:t>
+            </a:r>
+          </a:p>
+          <a:p>
+            <a:r>
+              <a:rPr lang="de-DE" dirty="0"/>
+              <a:t>On demand</a:t>
+            </a:r>
+          </a:p>
+          <a:p>
+            <a:r>
+              <a:rPr lang="de-DE" dirty="0"/>
+              <a:t>Batterie </a:t>
+            </a:r>
+            <a:r>
+              <a:rPr lang="de-DE" dirty="0" smtClean="0"/>
+              <a:t>Lösung</a:t>
+            </a:r>
+          </a:p>
+          <a:p>
+            <a:r>
+              <a:rPr lang="de-DE" dirty="0" smtClean="0"/>
+              <a:t>Codeschnipsel einzeln </a:t>
+            </a:r>
+            <a:r>
+              <a:rPr lang="de-DE" dirty="0" err="1" smtClean="0"/>
+              <a:t>splitscreen</a:t>
+            </a:r>
+            <a:r>
+              <a:rPr lang="de-DE" dirty="0" smtClean="0"/>
+              <a:t>.</a:t>
+            </a:r>
+            <a:endParaRPr lang="de-DE" dirty="0"/>
+          </a:p>
+        </p:txBody>
+      </p:sp>
+      <p:sp>
+        <p:nvSpPr>
+          <p:cNvPr id="4" name="Slide Number Placeholder 3">
+            <a:extLst>
+              <a:ext uri="{FF2B5EF4-FFF2-40B4-BE49-F238E27FC236}">
+                <a16:creationId xmlns:a16="http://schemas.microsoft.com/office/drawing/2014/main" xmlns="" id="{9E4F3BBA-350F-4622-BAC1-BFCAADEF46F0}"/>
+              </a:ext>
+            </a:extLst>
+          </p:cNvPr>
+          <p:cNvSpPr>
+            <a:spLocks noGrp="1"/>
+          </p:cNvSpPr>
+          <p:nvPr>
+            <p:ph type="sldNum" sz="quarter" idx="12"/>
+          </p:nvPr>
+        </p:nvSpPr>
+        <p:spPr/>
+        <p:txBody>
+          <a:bodyPr/>
+          <a:lstStyle/>
+          <a:p>
+            <a:fld id="{24C7E509-D680-4DB8-B87E-B8EC2E347686}" type="slidenum">
+              <a:rPr lang="de-DE" smtClean="0"/>
+              <a:t>23</a:t>
+            </a:fld>
+            <a:endParaRPr lang="de-DE"/>
+          </a:p>
+        </p:txBody>
+      </p:sp>
+    </p:spTree>
+    <p:extLst>
+      <p:ext uri="{BB962C8B-B14F-4D97-AF65-F5344CB8AC3E}">
+        <p14:creationId xmlns:p14="http://schemas.microsoft.com/office/powerpoint/2010/main" val="2805305175"/>
+      </p:ext>
+    </p:extLst>
+  </p:cSld>
+  <p:clrMapOvr>
+    <a:masterClrMapping/>
+  </p:clrMapOvr>
+  <mc:AlternateContent xmlns:mc="http://schemas.openxmlformats.org/markup-compatibility/2006">
+    <mc:Choice xmlns:p14="http://schemas.microsoft.com/office/powerpoint/2010/main" Requires="p14">
+      <p:transition spd="slow" p14:dur="2000"/>
+    </mc:Choice>
+    <mc:Fallback>
+      <p:transition xmlns:p14="http://schemas.microsoft.com/office/powerpoint/2010/main" spd="slow"/>
+    </mc:Fallback>
+  </mc:AlternateContent>
+</p:sld>
+</file>
+
+<file path=ppt/slides/slide24.xml><?xml version="1.0" encoding="utf-8"?>
+<p:sld xmlns:a="http://schemas.openxmlformats.org/drawingml/2006/main" xmlns:r="http://schemas.openxmlformats.org/officeDocument/2006/relationships" xmlns:p="http://schemas.openxmlformats.org/presentationml/2006/main">
+  <p:cSld>
+    <p:spTree>
+      <p:nvGrpSpPr>
+        <p:cNvPr id="1" name=""/>
+        <p:cNvGrpSpPr/>
+        <p:nvPr/>
+      </p:nvGrpSpPr>
+      <p:grpSpPr>
+        <a:xfrm>
+          <a:off x="0" y="0"/>
+          <a:ext cx="0" cy="0"/>
+          <a:chOff x="0" y="0"/>
+          <a:chExt cx="0" cy="0"/>
+        </a:xfrm>
+      </p:grpSpPr>
+      <p:sp>
+        <p:nvSpPr>
+          <p:cNvPr id="2" name="Title 1">
+            <a:extLst>
+              <a:ext uri="{FF2B5EF4-FFF2-40B4-BE49-F238E27FC236}">
+                <a16:creationId xmlns:a16="http://schemas.microsoft.com/office/drawing/2014/main" xmlns="" id="{06BEDA57-7B6A-423A-A767-68DE43BD4B63}"/>
+              </a:ext>
+            </a:extLst>
+          </p:cNvPr>
+          <p:cNvSpPr>
+            <a:spLocks noGrp="1"/>
+          </p:cNvSpPr>
+          <p:nvPr>
+            <p:ph type="title"/>
+          </p:nvPr>
+        </p:nvSpPr>
+        <p:spPr/>
+        <p:txBody>
+          <a:bodyPr/>
+          <a:lstStyle/>
+          <a:p>
+            <a:pPr algn="ctr"/>
+            <a:r>
+              <a:rPr lang="de-DE" dirty="0"/>
+              <a:t>Robot-Controller</a:t>
+            </a:r>
+          </a:p>
+        </p:txBody>
+      </p:sp>
+      <p:sp>
+        <p:nvSpPr>
+          <p:cNvPr id="4" name="Slide Number Placeholder 3">
+            <a:extLst>
+              <a:ext uri="{FF2B5EF4-FFF2-40B4-BE49-F238E27FC236}">
+                <a16:creationId xmlns:a16="http://schemas.microsoft.com/office/drawing/2014/main" xmlns="" id="{9E4F3BBA-350F-4622-BAC1-BFCAADEF46F0}"/>
+              </a:ext>
+            </a:extLst>
+          </p:cNvPr>
+          <p:cNvSpPr>
+            <a:spLocks noGrp="1"/>
+          </p:cNvSpPr>
+          <p:nvPr>
+            <p:ph type="sldNum" sz="quarter" idx="12"/>
+          </p:nvPr>
+        </p:nvSpPr>
+        <p:spPr/>
+        <p:txBody>
+          <a:bodyPr/>
+          <a:lstStyle/>
+          <a:p>
+            <a:fld id="{24C7E509-D680-4DB8-B87E-B8EC2E347686}" type="slidenum">
+              <a:rPr lang="de-DE" smtClean="0"/>
+              <a:t>24</a:t>
+            </a:fld>
+            <a:endParaRPr lang="de-DE"/>
+          </a:p>
+        </p:txBody>
+      </p:sp>
+      <p:sp>
+        <p:nvSpPr>
+          <p:cNvPr id="6" name="Content Placeholder 5">
+            <a:extLst>
+              <a:ext uri="{FF2B5EF4-FFF2-40B4-BE49-F238E27FC236}">
+                <a16:creationId xmlns:a16="http://schemas.microsoft.com/office/drawing/2014/main" xmlns="" id="{F3AAA2AA-570A-42F5-AD34-74BDEA51AD02}"/>
+              </a:ext>
+            </a:extLst>
+          </p:cNvPr>
+          <p:cNvSpPr>
+            <a:spLocks noGrp="1"/>
+          </p:cNvSpPr>
+          <p:nvPr>
+            <p:ph idx="1"/>
+          </p:nvPr>
+        </p:nvSpPr>
+        <p:spPr/>
+        <p:txBody>
+          <a:bodyPr/>
+          <a:lstStyle/>
+          <a:p>
             <a:endParaRPr lang="de-DE"/>
           </a:p>
         </p:txBody>
@@ -10613,7 +11000,7 @@
           <p:cNvPr id="7" name="Picture 6">
             <a:extLst>
               <a:ext uri="{FF2B5EF4-FFF2-40B4-BE49-F238E27FC236}">
-                <a16:creationId xmlns:a16="http://schemas.microsoft.com/office/drawing/2014/main" id="{78208436-60CA-416D-BE2D-4E100756D999}"/>
+                <a16:creationId xmlns:a16="http://schemas.microsoft.com/office/drawing/2014/main" xmlns="" id="{78208436-60CA-416D-BE2D-4E100756D999}"/>
               </a:ext>
             </a:extLst>
           </p:cNvPr>
@@ -10651,361 +11038,6 @@
 </p:sld>
 </file>
 
-<file path=ppt/slides/slide23.xml><?xml version="1.0" encoding="utf-8"?>
-<p:sld xmlns:a="http://schemas.openxmlformats.org/drawingml/2006/main" xmlns:r="http://schemas.openxmlformats.org/officeDocument/2006/relationships" xmlns:p="http://schemas.openxmlformats.org/presentationml/2006/main">
-  <p:cSld>
-    <p:spTree>
-      <p:nvGrpSpPr>
-        <p:cNvPr id="1" name=""/>
-        <p:cNvGrpSpPr/>
-        <p:nvPr/>
-      </p:nvGrpSpPr>
-      <p:grpSpPr>
-        <a:xfrm>
-          <a:off x="0" y="0"/>
-          <a:ext cx="0" cy="0"/>
-          <a:chOff x="0" y="0"/>
-          <a:chExt cx="0" cy="0"/>
-        </a:xfrm>
-      </p:grpSpPr>
-      <p:sp>
-        <p:nvSpPr>
-          <p:cNvPr id="2" name="Titel 1">
-            <a:extLst>
-              <a:ext uri="{FF2B5EF4-FFF2-40B4-BE49-F238E27FC236}">
-                <a16:creationId xmlns:a16="http://schemas.microsoft.com/office/drawing/2014/main" id="{5D10B3B2-98CE-4A76-8F3B-AC87D7970181}"/>
-              </a:ext>
-            </a:extLst>
-          </p:cNvPr>
-          <p:cNvSpPr>
-            <a:spLocks noGrp="1"/>
-          </p:cNvSpPr>
-          <p:nvPr>
-            <p:ph type="title"/>
-          </p:nvPr>
-        </p:nvSpPr>
-        <p:spPr/>
-        <p:txBody>
-          <a:bodyPr/>
-          <a:lstStyle/>
-          <a:p>
-            <a:pPr algn="ctr"/>
-            <a:r>
-              <a:rPr lang="de-DE" dirty="0"/>
-              <a:t>Aufgetretene Fehler</a:t>
-            </a:r>
-          </a:p>
-        </p:txBody>
-      </p:sp>
-      <p:sp>
-        <p:nvSpPr>
-          <p:cNvPr id="3" name="Inhaltsplatzhalter 2">
-            <a:extLst>
-              <a:ext uri="{FF2B5EF4-FFF2-40B4-BE49-F238E27FC236}">
-                <a16:creationId xmlns:a16="http://schemas.microsoft.com/office/drawing/2014/main" id="{DF549B9E-E429-455E-9CCB-4C382D186DA1}"/>
-              </a:ext>
-            </a:extLst>
-          </p:cNvPr>
-          <p:cNvSpPr>
-            <a:spLocks noGrp="1"/>
-          </p:cNvSpPr>
-          <p:nvPr>
-            <p:ph idx="1"/>
-          </p:nvPr>
-        </p:nvSpPr>
-        <p:spPr/>
-        <p:txBody>
-          <a:bodyPr/>
-          <a:lstStyle/>
-          <a:p>
-            <a:r>
-              <a:rPr lang="de-DE" dirty="0"/>
-              <a:t>Graph falsch generiert </a:t>
-            </a:r>
-          </a:p>
-          <a:p>
-            <a:pPr lvl="1"/>
-            <a:r>
-              <a:rPr lang="de-DE" dirty="0"/>
-              <a:t>Kind ist ausgewichen</a:t>
-            </a:r>
-          </a:p>
-          <a:p>
-            <a:pPr lvl="1"/>
-            <a:r>
-              <a:rPr lang="de-DE" dirty="0"/>
-              <a:t>jetzt berechnet die </a:t>
-            </a:r>
-            <a:r>
-              <a:rPr lang="de-DE" dirty="0" err="1"/>
-              <a:t>Graphgenerierung</a:t>
-            </a:r>
-            <a:r>
-              <a:rPr lang="de-DE" dirty="0"/>
-              <a:t> bei jedem Roboterzug die darauf folgenden Kindeszüge und verwirft bei Inkorrektheit den aktuellen Roboterzug</a:t>
-            </a:r>
-          </a:p>
-          <a:p>
-            <a:r>
-              <a:rPr lang="de-DE" dirty="0" err="1"/>
-              <a:t>Enforce</a:t>
-            </a:r>
-            <a:r>
-              <a:rPr lang="de-DE" dirty="0"/>
-              <a:t>-Algorithmus falsch berechnet</a:t>
-            </a:r>
-          </a:p>
-          <a:p>
-            <a:pPr lvl="1"/>
-            <a:r>
-              <a:rPr lang="de-DE" dirty="0"/>
-              <a:t>Implementierung war anfangs falsch</a:t>
-            </a:r>
-          </a:p>
-          <a:p>
-            <a:endParaRPr lang="de-DE" dirty="0"/>
-          </a:p>
-        </p:txBody>
-      </p:sp>
-      <p:sp>
-        <p:nvSpPr>
-          <p:cNvPr id="4" name="Foliennummernplatzhalter 3">
-            <a:extLst>
-              <a:ext uri="{FF2B5EF4-FFF2-40B4-BE49-F238E27FC236}">
-                <a16:creationId xmlns:a16="http://schemas.microsoft.com/office/drawing/2014/main" id="{10CA8FA4-8DBF-4853-9008-56DB49403505}"/>
-              </a:ext>
-            </a:extLst>
-          </p:cNvPr>
-          <p:cNvSpPr>
-            <a:spLocks noGrp="1"/>
-          </p:cNvSpPr>
-          <p:nvPr>
-            <p:ph type="sldNum" sz="quarter" idx="12"/>
-          </p:nvPr>
-        </p:nvSpPr>
-        <p:spPr/>
-        <p:txBody>
-          <a:bodyPr/>
-          <a:lstStyle/>
-          <a:p>
-            <a:fld id="{24C7E509-D680-4DB8-B87E-B8EC2E347686}" type="slidenum">
-              <a:rPr lang="de-DE" smtClean="0"/>
-              <a:t>23</a:t>
-            </a:fld>
-            <a:endParaRPr lang="de-DE"/>
-          </a:p>
-        </p:txBody>
-      </p:sp>
-    </p:spTree>
-    <p:extLst>
-      <p:ext uri="{BB962C8B-B14F-4D97-AF65-F5344CB8AC3E}">
-        <p14:creationId xmlns:p14="http://schemas.microsoft.com/office/powerpoint/2010/main" val="3752044732"/>
-      </p:ext>
-    </p:extLst>
-  </p:cSld>
-  <p:clrMapOvr>
-    <a:masterClrMapping/>
-  </p:clrMapOvr>
-</p:sld>
-</file>
-
-<file path=ppt/slides/slide24.xml><?xml version="1.0" encoding="utf-8"?>
-<p:sld xmlns:a="http://schemas.openxmlformats.org/drawingml/2006/main" xmlns:r="http://schemas.openxmlformats.org/officeDocument/2006/relationships" xmlns:p="http://schemas.openxmlformats.org/presentationml/2006/main">
-  <p:cSld>
-    <p:spTree>
-      <p:nvGrpSpPr>
-        <p:cNvPr id="1" name=""/>
-        <p:cNvGrpSpPr/>
-        <p:nvPr/>
-      </p:nvGrpSpPr>
-      <p:grpSpPr>
-        <a:xfrm>
-          <a:off x="0" y="0"/>
-          <a:ext cx="0" cy="0"/>
-          <a:chOff x="0" y="0"/>
-          <a:chExt cx="0" cy="0"/>
-        </a:xfrm>
-      </p:grpSpPr>
-      <p:sp>
-        <p:nvSpPr>
-          <p:cNvPr id="2" name="Titel 1">
-            <a:extLst>
-              <a:ext uri="{FF2B5EF4-FFF2-40B4-BE49-F238E27FC236}">
-                <a16:creationId xmlns:a16="http://schemas.microsoft.com/office/drawing/2014/main" id="{3A7BB2F4-FCC1-4DE5-B708-3CFD0CD6AE2E}"/>
-              </a:ext>
-            </a:extLst>
-          </p:cNvPr>
-          <p:cNvSpPr>
-            <a:spLocks noGrp="1"/>
-          </p:cNvSpPr>
-          <p:nvPr>
-            <p:ph type="title"/>
-          </p:nvPr>
-        </p:nvSpPr>
-        <p:spPr/>
-        <p:txBody>
-          <a:bodyPr/>
-          <a:lstStyle/>
-          <a:p>
-            <a:pPr algn="ctr"/>
-            <a:r>
-              <a:rPr lang="de-DE" dirty="0"/>
-              <a:t>Optimierung?</a:t>
-            </a:r>
-          </a:p>
-        </p:txBody>
-      </p:sp>
-      <p:sp>
-        <p:nvSpPr>
-          <p:cNvPr id="3" name="Inhaltsplatzhalter 2">
-            <a:extLst>
-              <a:ext uri="{FF2B5EF4-FFF2-40B4-BE49-F238E27FC236}">
-                <a16:creationId xmlns:a16="http://schemas.microsoft.com/office/drawing/2014/main" id="{A44C6831-89D7-4EA9-AA4D-054654C37D3B}"/>
-              </a:ext>
-            </a:extLst>
-          </p:cNvPr>
-          <p:cNvSpPr>
-            <a:spLocks noGrp="1"/>
-          </p:cNvSpPr>
-          <p:nvPr>
-            <p:ph idx="1"/>
-          </p:nvPr>
-        </p:nvSpPr>
-        <p:spPr/>
-        <p:txBody>
-          <a:bodyPr/>
-          <a:lstStyle/>
-          <a:p>
-            <a:pPr marL="0" indent="0">
-              <a:buNone/>
-            </a:pPr>
-            <a:r>
-              <a:rPr lang="de-DE" dirty="0"/>
-              <a:t>Wenn ( </a:t>
-            </a:r>
-            <a:r>
-              <a:rPr lang="de-DE" dirty="0" err="1"/>
-              <a:t>bisZieleld</a:t>
-            </a:r>
-            <a:r>
-              <a:rPr lang="de-DE" dirty="0"/>
-              <a:t> + </a:t>
-            </a:r>
-            <a:r>
-              <a:rPr lang="de-DE" dirty="0" err="1"/>
-              <a:t>bisBatterie</a:t>
-            </a:r>
-            <a:r>
-              <a:rPr lang="de-DE" dirty="0"/>
-              <a:t> &lt; Tankfüllung ) {</a:t>
-            </a:r>
-          </a:p>
-          <a:p>
-            <a:pPr marL="0" indent="0">
-              <a:buNone/>
-            </a:pPr>
-            <a:r>
-              <a:rPr lang="de-DE" dirty="0"/>
-              <a:t>	gehe zum Zielfeld		&lt;- Optimierbar?</a:t>
-            </a:r>
-          </a:p>
-          <a:p>
-            <a:pPr marL="0" indent="0">
-              <a:buNone/>
-            </a:pPr>
-            <a:r>
-              <a:rPr lang="de-DE" dirty="0"/>
-              <a:t>} Sonst Wenn ( </a:t>
-            </a:r>
-            <a:r>
-              <a:rPr lang="de-DE" dirty="0" err="1"/>
-              <a:t>bisBatterie</a:t>
-            </a:r>
-            <a:r>
-              <a:rPr lang="de-DE" dirty="0"/>
-              <a:t> &lt; Tankfüllung ) {</a:t>
-            </a:r>
-          </a:p>
-          <a:p>
-            <a:pPr marL="0" indent="0">
-              <a:buNone/>
-            </a:pPr>
-            <a:r>
-              <a:rPr lang="de-DE" dirty="0"/>
-              <a:t>	Gehe zur Batterie</a:t>
-            </a:r>
-          </a:p>
-          <a:p>
-            <a:pPr marL="0" indent="0">
-              <a:buNone/>
-            </a:pPr>
-            <a:r>
-              <a:rPr lang="de-DE" dirty="0"/>
-              <a:t>} Sonst {</a:t>
-            </a:r>
-          </a:p>
-          <a:p>
-            <a:pPr marL="0" indent="0">
-              <a:buNone/>
-            </a:pPr>
-            <a:r>
-              <a:rPr lang="de-DE" dirty="0"/>
-              <a:t>	Game Over</a:t>
-            </a:r>
-          </a:p>
-          <a:p>
-            <a:pPr marL="0" indent="0">
-              <a:buNone/>
-            </a:pPr>
-            <a:r>
-              <a:rPr lang="de-DE" dirty="0"/>
-              <a:t>}</a:t>
-            </a:r>
-          </a:p>
-        </p:txBody>
-      </p:sp>
-      <p:sp>
-        <p:nvSpPr>
-          <p:cNvPr id="4" name="Foliennummernplatzhalter 3">
-            <a:extLst>
-              <a:ext uri="{FF2B5EF4-FFF2-40B4-BE49-F238E27FC236}">
-                <a16:creationId xmlns:a16="http://schemas.microsoft.com/office/drawing/2014/main" id="{256B3083-294C-4EB3-A324-509DB8EA66E4}"/>
-              </a:ext>
-            </a:extLst>
-          </p:cNvPr>
-          <p:cNvSpPr>
-            <a:spLocks noGrp="1"/>
-          </p:cNvSpPr>
-          <p:nvPr>
-            <p:ph type="sldNum" sz="quarter" idx="12"/>
-          </p:nvPr>
-        </p:nvSpPr>
-        <p:spPr/>
-        <p:txBody>
-          <a:bodyPr/>
-          <a:lstStyle/>
-          <a:p>
-            <a:fld id="{24C7E509-D680-4DB8-B87E-B8EC2E347686}" type="slidenum">
-              <a:rPr lang="de-DE" smtClean="0"/>
-              <a:t>24</a:t>
-            </a:fld>
-            <a:endParaRPr lang="de-DE"/>
-          </a:p>
-        </p:txBody>
-      </p:sp>
-    </p:spTree>
-    <p:extLst>
-      <p:ext uri="{BB962C8B-B14F-4D97-AF65-F5344CB8AC3E}">
-        <p14:creationId xmlns:p14="http://schemas.microsoft.com/office/powerpoint/2010/main" val="3414494423"/>
-      </p:ext>
-    </p:extLst>
-  </p:cSld>
-  <p:clrMapOvr>
-    <a:masterClrMapping/>
-  </p:clrMapOvr>
-</p:sld>
-</file>
-
 <file path=ppt/slides/slide25.xml><?xml version="1.0" encoding="utf-8"?>
 <p:sld xmlns:a="http://schemas.openxmlformats.org/drawingml/2006/main" xmlns:r="http://schemas.openxmlformats.org/officeDocument/2006/relationships" xmlns:p="http://schemas.openxmlformats.org/presentationml/2006/main">
   <p:cSld>
@@ -11025,10 +11057,369 @@
       </p:grpSpPr>
       <p:sp>
         <p:nvSpPr>
+          <p:cNvPr id="2" name="Titel 1">
+            <a:extLst>
+              <a:ext uri="{FF2B5EF4-FFF2-40B4-BE49-F238E27FC236}">
+                <a16:creationId xmlns:a16="http://schemas.microsoft.com/office/drawing/2014/main" xmlns="" id="{5D10B3B2-98CE-4A76-8F3B-AC87D7970181}"/>
+              </a:ext>
+            </a:extLst>
+          </p:cNvPr>
+          <p:cNvSpPr>
+            <a:spLocks noGrp="1"/>
+          </p:cNvSpPr>
+          <p:nvPr>
+            <p:ph type="title"/>
+          </p:nvPr>
+        </p:nvSpPr>
+        <p:spPr/>
+        <p:txBody>
+          <a:bodyPr/>
+          <a:lstStyle/>
+          <a:p>
+            <a:pPr algn="ctr"/>
+            <a:r>
+              <a:rPr lang="de-DE" dirty="0"/>
+              <a:t>Aufgetretene Fehler</a:t>
+            </a:r>
+          </a:p>
+        </p:txBody>
+      </p:sp>
+      <p:sp>
+        <p:nvSpPr>
+          <p:cNvPr id="3" name="Inhaltsplatzhalter 2">
+            <a:extLst>
+              <a:ext uri="{FF2B5EF4-FFF2-40B4-BE49-F238E27FC236}">
+                <a16:creationId xmlns:a16="http://schemas.microsoft.com/office/drawing/2014/main" xmlns="" id="{DF549B9E-E429-455E-9CCB-4C382D186DA1}"/>
+              </a:ext>
+            </a:extLst>
+          </p:cNvPr>
+          <p:cNvSpPr>
+            <a:spLocks noGrp="1"/>
+          </p:cNvSpPr>
+          <p:nvPr>
+            <p:ph idx="1"/>
+          </p:nvPr>
+        </p:nvSpPr>
+        <p:spPr/>
+        <p:txBody>
+          <a:bodyPr/>
+          <a:lstStyle/>
+          <a:p>
+            <a:r>
+              <a:rPr lang="de-DE" dirty="0"/>
+              <a:t>Graph falsch generiert </a:t>
+            </a:r>
+          </a:p>
+          <a:p>
+            <a:pPr lvl="1"/>
+            <a:r>
+              <a:rPr lang="de-DE" dirty="0"/>
+              <a:t>Kind ist ausgewichen</a:t>
+            </a:r>
+          </a:p>
+          <a:p>
+            <a:pPr lvl="1"/>
+            <a:r>
+              <a:rPr lang="de-DE" dirty="0"/>
+              <a:t>jetzt berechnet die </a:t>
+            </a:r>
+            <a:r>
+              <a:rPr lang="de-DE" dirty="0" err="1"/>
+              <a:t>Graphgenerierung</a:t>
+            </a:r>
+            <a:r>
+              <a:rPr lang="de-DE" dirty="0"/>
+              <a:t> bei jedem Roboterzug die darauf folgenden Kindeszüge und verwirft bei Inkorrektheit den aktuellen Roboterzug</a:t>
+            </a:r>
+          </a:p>
+          <a:p>
+            <a:r>
+              <a:rPr lang="de-DE" dirty="0" err="1"/>
+              <a:t>Enforce</a:t>
+            </a:r>
+            <a:r>
+              <a:rPr lang="de-DE" dirty="0"/>
+              <a:t>-Algorithmus falsch berechnet</a:t>
+            </a:r>
+          </a:p>
+          <a:p>
+            <a:pPr lvl="1"/>
+            <a:r>
+              <a:rPr lang="de-DE" dirty="0"/>
+              <a:t>Implementierung war anfangs falsch</a:t>
+            </a:r>
+          </a:p>
+          <a:p>
+            <a:r>
+              <a:rPr lang="de-DE" dirty="0" smtClean="0"/>
+              <a:t>Noch vorhanden: Wenn Batterieladung nicht betrachtet werden soll muss Startladung auf hohen Wert gesetzt werden</a:t>
+            </a:r>
+            <a:endParaRPr lang="de-DE" dirty="0"/>
+          </a:p>
+        </p:txBody>
+      </p:sp>
+      <p:sp>
+        <p:nvSpPr>
+          <p:cNvPr id="4" name="Foliennummernplatzhalter 3">
+            <a:extLst>
+              <a:ext uri="{FF2B5EF4-FFF2-40B4-BE49-F238E27FC236}">
+                <a16:creationId xmlns:a16="http://schemas.microsoft.com/office/drawing/2014/main" xmlns="" id="{10CA8FA4-8DBF-4853-9008-56DB49403505}"/>
+              </a:ext>
+            </a:extLst>
+          </p:cNvPr>
+          <p:cNvSpPr>
+            <a:spLocks noGrp="1"/>
+          </p:cNvSpPr>
+          <p:nvPr>
+            <p:ph type="sldNum" sz="quarter" idx="12"/>
+          </p:nvPr>
+        </p:nvSpPr>
+        <p:spPr/>
+        <p:txBody>
+          <a:bodyPr/>
+          <a:lstStyle/>
+          <a:p>
+            <a:fld id="{24C7E509-D680-4DB8-B87E-B8EC2E347686}" type="slidenum">
+              <a:rPr lang="de-DE" smtClean="0"/>
+              <a:t>25</a:t>
+            </a:fld>
+            <a:endParaRPr lang="de-DE"/>
+          </a:p>
+        </p:txBody>
+      </p:sp>
+    </p:spTree>
+    <p:extLst>
+      <p:ext uri="{BB962C8B-B14F-4D97-AF65-F5344CB8AC3E}">
+        <p14:creationId xmlns:p14="http://schemas.microsoft.com/office/powerpoint/2010/main" val="3752044732"/>
+      </p:ext>
+    </p:extLst>
+  </p:cSld>
+  <p:clrMapOvr>
+    <a:masterClrMapping/>
+  </p:clrMapOvr>
+</p:sld>
+</file>
+
+<file path=ppt/slides/slide26.xml><?xml version="1.0" encoding="utf-8"?>
+<p:sld xmlns:a="http://schemas.openxmlformats.org/drawingml/2006/main" xmlns:r="http://schemas.openxmlformats.org/officeDocument/2006/relationships" xmlns:p="http://schemas.openxmlformats.org/presentationml/2006/main">
+  <p:cSld>
+    <p:spTree>
+      <p:nvGrpSpPr>
+        <p:cNvPr id="1" name=""/>
+        <p:cNvGrpSpPr/>
+        <p:nvPr/>
+      </p:nvGrpSpPr>
+      <p:grpSpPr>
+        <a:xfrm>
+          <a:off x="0" y="0"/>
+          <a:ext cx="0" cy="0"/>
+          <a:chOff x="0" y="0"/>
+          <a:chExt cx="0" cy="0"/>
+        </a:xfrm>
+      </p:grpSpPr>
+      <p:sp>
+        <p:nvSpPr>
+          <p:cNvPr id="2" name="Titel 1">
+            <a:extLst>
+              <a:ext uri="{FF2B5EF4-FFF2-40B4-BE49-F238E27FC236}">
+                <a16:creationId xmlns:a16="http://schemas.microsoft.com/office/drawing/2014/main" xmlns="" id="{3A7BB2F4-FCC1-4DE5-B708-3CFD0CD6AE2E}"/>
+              </a:ext>
+            </a:extLst>
+          </p:cNvPr>
+          <p:cNvSpPr>
+            <a:spLocks noGrp="1"/>
+          </p:cNvSpPr>
+          <p:nvPr>
+            <p:ph type="title"/>
+          </p:nvPr>
+        </p:nvSpPr>
+        <p:spPr/>
+        <p:txBody>
+          <a:bodyPr/>
+          <a:lstStyle/>
+          <a:p>
+            <a:pPr algn="ctr"/>
+            <a:r>
+              <a:rPr lang="de-DE" dirty="0"/>
+              <a:t>Optimierung?</a:t>
+            </a:r>
+          </a:p>
+        </p:txBody>
+      </p:sp>
+      <p:sp>
+        <p:nvSpPr>
+          <p:cNvPr id="3" name="Inhaltsplatzhalter 2">
+            <a:extLst>
+              <a:ext uri="{FF2B5EF4-FFF2-40B4-BE49-F238E27FC236}">
+                <a16:creationId xmlns:a16="http://schemas.microsoft.com/office/drawing/2014/main" xmlns="" id="{A44C6831-89D7-4EA9-AA4D-054654C37D3B}"/>
+              </a:ext>
+            </a:extLst>
+          </p:cNvPr>
+          <p:cNvSpPr>
+            <a:spLocks noGrp="1"/>
+          </p:cNvSpPr>
+          <p:nvPr>
+            <p:ph idx="1"/>
+          </p:nvPr>
+        </p:nvSpPr>
+        <p:spPr/>
+        <p:txBody>
+          <a:bodyPr/>
+          <a:lstStyle/>
+          <a:p>
+            <a:pPr marL="0" indent="0">
+              <a:buNone/>
+            </a:pPr>
+            <a:r>
+              <a:rPr lang="de-DE" dirty="0"/>
+              <a:t>Wenn ( </a:t>
+            </a:r>
+            <a:r>
+              <a:rPr lang="de-DE" dirty="0" err="1"/>
+              <a:t>bisZieleld</a:t>
+            </a:r>
+            <a:r>
+              <a:rPr lang="de-DE" dirty="0"/>
+              <a:t> + </a:t>
+            </a:r>
+            <a:r>
+              <a:rPr lang="de-DE" dirty="0" err="1"/>
+              <a:t>bisBatterie</a:t>
+            </a:r>
+            <a:r>
+              <a:rPr lang="de-DE" dirty="0"/>
+              <a:t> &lt; Tankfüllung ) {</a:t>
+            </a:r>
+          </a:p>
+          <a:p>
+            <a:pPr marL="0" indent="0">
+              <a:buNone/>
+            </a:pPr>
+            <a:r>
+              <a:rPr lang="de-DE" dirty="0"/>
+              <a:t>	gehe zum Zielfeld		&lt;- Optimierbar?</a:t>
+            </a:r>
+          </a:p>
+          <a:p>
+            <a:pPr marL="0" indent="0">
+              <a:buNone/>
+            </a:pPr>
+            <a:r>
+              <a:rPr lang="de-DE" dirty="0"/>
+              <a:t>} Sonst Wenn ( </a:t>
+            </a:r>
+            <a:r>
+              <a:rPr lang="de-DE" dirty="0" err="1"/>
+              <a:t>bisBatterie</a:t>
+            </a:r>
+            <a:r>
+              <a:rPr lang="de-DE" dirty="0"/>
+              <a:t> &lt; Tankfüllung ) {</a:t>
+            </a:r>
+          </a:p>
+          <a:p>
+            <a:pPr marL="0" indent="0">
+              <a:buNone/>
+            </a:pPr>
+            <a:r>
+              <a:rPr lang="de-DE" dirty="0"/>
+              <a:t>	Gehe zur Batterie</a:t>
+            </a:r>
+          </a:p>
+          <a:p>
+            <a:pPr marL="0" indent="0">
+              <a:buNone/>
+            </a:pPr>
+            <a:r>
+              <a:rPr lang="de-DE" dirty="0"/>
+              <a:t>} Sonst {</a:t>
+            </a:r>
+          </a:p>
+          <a:p>
+            <a:pPr marL="0" indent="0">
+              <a:buNone/>
+            </a:pPr>
+            <a:r>
+              <a:rPr lang="de-DE" dirty="0"/>
+              <a:t>	Game Over</a:t>
+            </a:r>
+          </a:p>
+          <a:p>
+            <a:pPr marL="0" indent="0">
+              <a:buNone/>
+            </a:pPr>
+            <a:r>
+              <a:rPr lang="de-DE" dirty="0"/>
+              <a:t>}</a:t>
+            </a:r>
+          </a:p>
+        </p:txBody>
+      </p:sp>
+      <p:sp>
+        <p:nvSpPr>
+          <p:cNvPr id="4" name="Foliennummernplatzhalter 3">
+            <a:extLst>
+              <a:ext uri="{FF2B5EF4-FFF2-40B4-BE49-F238E27FC236}">
+                <a16:creationId xmlns:a16="http://schemas.microsoft.com/office/drawing/2014/main" xmlns="" id="{256B3083-294C-4EB3-A324-509DB8EA66E4}"/>
+              </a:ext>
+            </a:extLst>
+          </p:cNvPr>
+          <p:cNvSpPr>
+            <a:spLocks noGrp="1"/>
+          </p:cNvSpPr>
+          <p:nvPr>
+            <p:ph type="sldNum" sz="quarter" idx="12"/>
+          </p:nvPr>
+        </p:nvSpPr>
+        <p:spPr/>
+        <p:txBody>
+          <a:bodyPr/>
+          <a:lstStyle/>
+          <a:p>
+            <a:fld id="{24C7E509-D680-4DB8-B87E-B8EC2E347686}" type="slidenum">
+              <a:rPr lang="de-DE" smtClean="0"/>
+              <a:t>26</a:t>
+            </a:fld>
+            <a:endParaRPr lang="de-DE"/>
+          </a:p>
+        </p:txBody>
+      </p:sp>
+    </p:spTree>
+    <p:extLst>
+      <p:ext uri="{BB962C8B-B14F-4D97-AF65-F5344CB8AC3E}">
+        <p14:creationId xmlns:p14="http://schemas.microsoft.com/office/powerpoint/2010/main" val="3414494423"/>
+      </p:ext>
+    </p:extLst>
+  </p:cSld>
+  <p:clrMapOvr>
+    <a:masterClrMapping/>
+  </p:clrMapOvr>
+</p:sld>
+</file>
+
+<file path=ppt/slides/slide27.xml><?xml version="1.0" encoding="utf-8"?>
+<p:sld xmlns:a="http://schemas.openxmlformats.org/drawingml/2006/main" xmlns:r="http://schemas.openxmlformats.org/officeDocument/2006/relationships" xmlns:p="http://schemas.openxmlformats.org/presentationml/2006/main">
+  <p:cSld>
+    <p:spTree>
+      <p:nvGrpSpPr>
+        <p:cNvPr id="1" name=""/>
+        <p:cNvGrpSpPr/>
+        <p:nvPr/>
+      </p:nvGrpSpPr>
+      <p:grpSpPr>
+        <a:xfrm>
+          <a:off x="0" y="0"/>
+          <a:ext cx="0" cy="0"/>
+          <a:chOff x="0" y="0"/>
+          <a:chExt cx="0" cy="0"/>
+        </a:xfrm>
+      </p:grpSpPr>
+      <p:sp>
+        <p:nvSpPr>
           <p:cNvPr id="4" name="Rechteck 3">
             <a:extLst>
               <a:ext uri="{FF2B5EF4-FFF2-40B4-BE49-F238E27FC236}">
-                <a16:creationId xmlns:a16="http://schemas.microsoft.com/office/drawing/2014/main" id="{D73FED10-72DC-481B-B3B2-828AF37ADFF7}"/>
+                <a16:creationId xmlns:a16="http://schemas.microsoft.com/office/drawing/2014/main" xmlns="" id="{D73FED10-72DC-481B-B3B2-828AF37ADFF7}"/>
               </a:ext>
             </a:extLst>
           </p:cNvPr>
@@ -11077,7 +11468,7 @@
           <p:cNvPr id="5" name="Rechteck 4">
             <a:extLst>
               <a:ext uri="{FF2B5EF4-FFF2-40B4-BE49-F238E27FC236}">
-                <a16:creationId xmlns:a16="http://schemas.microsoft.com/office/drawing/2014/main" id="{C34D8871-8351-4853-9007-BAF79871654E}"/>
+                <a16:creationId xmlns:a16="http://schemas.microsoft.com/office/drawing/2014/main" xmlns="" id="{C34D8871-8351-4853-9007-BAF79871654E}"/>
               </a:ext>
             </a:extLst>
           </p:cNvPr>
@@ -11126,7 +11517,7 @@
           <p:cNvPr id="9" name="Rechteck 8">
             <a:extLst>
               <a:ext uri="{FF2B5EF4-FFF2-40B4-BE49-F238E27FC236}">
-                <a16:creationId xmlns:a16="http://schemas.microsoft.com/office/drawing/2014/main" id="{D74FEB83-FA0A-4617-994A-6A1964C05A73}"/>
+                <a16:creationId xmlns:a16="http://schemas.microsoft.com/office/drawing/2014/main" xmlns="" id="{D74FEB83-FA0A-4617-994A-6A1964C05A73}"/>
               </a:ext>
             </a:extLst>
           </p:cNvPr>
@@ -11175,7 +11566,7 @@
           <p:cNvPr id="10" name="Ellipse 9">
             <a:extLst>
               <a:ext uri="{FF2B5EF4-FFF2-40B4-BE49-F238E27FC236}">
-                <a16:creationId xmlns:a16="http://schemas.microsoft.com/office/drawing/2014/main" id="{82AE9F3B-D926-41F5-8792-63E9941B6182}"/>
+                <a16:creationId xmlns:a16="http://schemas.microsoft.com/office/drawing/2014/main" xmlns="" id="{82AE9F3B-D926-41F5-8792-63E9941B6182}"/>
               </a:ext>
             </a:extLst>
           </p:cNvPr>
@@ -11224,7 +11615,7 @@
           <p:cNvPr id="11" name="Sechseck 10">
             <a:extLst>
               <a:ext uri="{FF2B5EF4-FFF2-40B4-BE49-F238E27FC236}">
-                <a16:creationId xmlns:a16="http://schemas.microsoft.com/office/drawing/2014/main" id="{99E638A5-59E2-495D-979A-EADA77656E43}"/>
+                <a16:creationId xmlns:a16="http://schemas.microsoft.com/office/drawing/2014/main" xmlns="" id="{99E638A5-59E2-495D-979A-EADA77656E43}"/>
               </a:ext>
             </a:extLst>
           </p:cNvPr>
@@ -11273,7 +11664,7 @@
           <p:cNvPr id="13" name="Gerade Verbindung mit Pfeil 12">
             <a:extLst>
               <a:ext uri="{FF2B5EF4-FFF2-40B4-BE49-F238E27FC236}">
-                <a16:creationId xmlns:a16="http://schemas.microsoft.com/office/drawing/2014/main" id="{160BD4FC-BC5D-48AF-BD55-A0C482D25F5F}"/>
+                <a16:creationId xmlns:a16="http://schemas.microsoft.com/office/drawing/2014/main" xmlns="" id="{160BD4FC-BC5D-48AF-BD55-A0C482D25F5F}"/>
               </a:ext>
             </a:extLst>
           </p:cNvPr>
@@ -11317,7 +11708,7 @@
           <p:cNvPr id="14" name="Gerade Verbindung mit Pfeil 13">
             <a:extLst>
               <a:ext uri="{FF2B5EF4-FFF2-40B4-BE49-F238E27FC236}">
-                <a16:creationId xmlns:a16="http://schemas.microsoft.com/office/drawing/2014/main" id="{0F744E52-1CFC-437A-AEB4-8E3A2DF8EBB7}"/>
+                <a16:creationId xmlns:a16="http://schemas.microsoft.com/office/drawing/2014/main" xmlns="" id="{0F744E52-1CFC-437A-AEB4-8E3A2DF8EBB7}"/>
               </a:ext>
             </a:extLst>
           </p:cNvPr>
@@ -11361,7 +11752,7 @@
           <p:cNvPr id="21" name="Gerade Verbindung mit Pfeil 20">
             <a:extLst>
               <a:ext uri="{FF2B5EF4-FFF2-40B4-BE49-F238E27FC236}">
-                <a16:creationId xmlns:a16="http://schemas.microsoft.com/office/drawing/2014/main" id="{76990AF8-2E77-4B37-B0CA-2B7395D82A9D}"/>
+                <a16:creationId xmlns:a16="http://schemas.microsoft.com/office/drawing/2014/main" xmlns="" id="{76990AF8-2E77-4B37-B0CA-2B7395D82A9D}"/>
               </a:ext>
             </a:extLst>
           </p:cNvPr>
@@ -11405,7 +11796,7 @@
           <p:cNvPr id="24" name="Gerade Verbindung mit Pfeil 23">
             <a:extLst>
               <a:ext uri="{FF2B5EF4-FFF2-40B4-BE49-F238E27FC236}">
-                <a16:creationId xmlns:a16="http://schemas.microsoft.com/office/drawing/2014/main" id="{C22EE68F-968D-4481-82EF-73BE7DEFA2A4}"/>
+                <a16:creationId xmlns:a16="http://schemas.microsoft.com/office/drawing/2014/main" xmlns="" id="{C22EE68F-968D-4481-82EF-73BE7DEFA2A4}"/>
               </a:ext>
             </a:extLst>
           </p:cNvPr>
@@ -11449,7 +11840,7 @@
           <p:cNvPr id="27" name="Gerade Verbindung mit Pfeil 26">
             <a:extLst>
               <a:ext uri="{FF2B5EF4-FFF2-40B4-BE49-F238E27FC236}">
-                <a16:creationId xmlns:a16="http://schemas.microsoft.com/office/drawing/2014/main" id="{B74F0518-0D5B-4835-9FE0-6C05FA3E9AD5}"/>
+                <a16:creationId xmlns:a16="http://schemas.microsoft.com/office/drawing/2014/main" xmlns="" id="{B74F0518-0D5B-4835-9FE0-6C05FA3E9AD5}"/>
               </a:ext>
             </a:extLst>
           </p:cNvPr>
@@ -11493,7 +11884,7 @@
           <p:cNvPr id="30" name="Gerade Verbindung mit Pfeil 29">
             <a:extLst>
               <a:ext uri="{FF2B5EF4-FFF2-40B4-BE49-F238E27FC236}">
-                <a16:creationId xmlns:a16="http://schemas.microsoft.com/office/drawing/2014/main" id="{DB4807CA-CE35-4073-8BB7-645ECE5E9BC3}"/>
+                <a16:creationId xmlns:a16="http://schemas.microsoft.com/office/drawing/2014/main" xmlns="" id="{DB4807CA-CE35-4073-8BB7-645ECE5E9BC3}"/>
               </a:ext>
             </a:extLst>
           </p:cNvPr>
@@ -11537,7 +11928,7 @@
           <p:cNvPr id="33" name="Gerade Verbindung mit Pfeil 32">
             <a:extLst>
               <a:ext uri="{FF2B5EF4-FFF2-40B4-BE49-F238E27FC236}">
-                <a16:creationId xmlns:a16="http://schemas.microsoft.com/office/drawing/2014/main" id="{C6DC9FE2-BD85-40A7-85CD-FAFADF0446F8}"/>
+                <a16:creationId xmlns:a16="http://schemas.microsoft.com/office/drawing/2014/main" xmlns="" id="{C6DC9FE2-BD85-40A7-85CD-FAFADF0446F8}"/>
               </a:ext>
             </a:extLst>
           </p:cNvPr>
@@ -11581,7 +11972,7 @@
           <p:cNvPr id="36" name="Textfeld 35">
             <a:extLst>
               <a:ext uri="{FF2B5EF4-FFF2-40B4-BE49-F238E27FC236}">
-                <a16:creationId xmlns:a16="http://schemas.microsoft.com/office/drawing/2014/main" id="{7DA9A3AE-402A-4836-8EA9-5CF57E1B1A96}"/>
+                <a16:creationId xmlns:a16="http://schemas.microsoft.com/office/drawing/2014/main" xmlns="" id="{7DA9A3AE-402A-4836-8EA9-5CF57E1B1A96}"/>
               </a:ext>
             </a:extLst>
           </p:cNvPr>
@@ -11616,7 +12007,7 @@
           <p:cNvPr id="37" name="Textfeld 36">
             <a:extLst>
               <a:ext uri="{FF2B5EF4-FFF2-40B4-BE49-F238E27FC236}">
-                <a16:creationId xmlns:a16="http://schemas.microsoft.com/office/drawing/2014/main" id="{0570975D-06BD-4403-A5D8-90D29EE44D90}"/>
+                <a16:creationId xmlns:a16="http://schemas.microsoft.com/office/drawing/2014/main" xmlns="" id="{0570975D-06BD-4403-A5D8-90D29EE44D90}"/>
               </a:ext>
             </a:extLst>
           </p:cNvPr>
@@ -11651,7 +12042,7 @@
           <p:cNvPr id="38" name="Textfeld 37">
             <a:extLst>
               <a:ext uri="{FF2B5EF4-FFF2-40B4-BE49-F238E27FC236}">
-                <a16:creationId xmlns:a16="http://schemas.microsoft.com/office/drawing/2014/main" id="{03CDC848-6357-4E1B-A3E8-49F619B9F93C}"/>
+                <a16:creationId xmlns:a16="http://schemas.microsoft.com/office/drawing/2014/main" xmlns="" id="{03CDC848-6357-4E1B-A3E8-49F619B9F93C}"/>
               </a:ext>
             </a:extLst>
           </p:cNvPr>
@@ -11686,7 +12077,7 @@
           <p:cNvPr id="39" name="Textfeld 38">
             <a:extLst>
               <a:ext uri="{FF2B5EF4-FFF2-40B4-BE49-F238E27FC236}">
-                <a16:creationId xmlns:a16="http://schemas.microsoft.com/office/drawing/2014/main" id="{85DE17B8-CA60-4EC9-A6AC-AC080DDE1281}"/>
+                <a16:creationId xmlns:a16="http://schemas.microsoft.com/office/drawing/2014/main" xmlns="" id="{85DE17B8-CA60-4EC9-A6AC-AC080DDE1281}"/>
               </a:ext>
             </a:extLst>
           </p:cNvPr>
@@ -11721,7 +12112,7 @@
           <p:cNvPr id="40" name="Textfeld 39">
             <a:extLst>
               <a:ext uri="{FF2B5EF4-FFF2-40B4-BE49-F238E27FC236}">
-                <a16:creationId xmlns:a16="http://schemas.microsoft.com/office/drawing/2014/main" id="{B5FC16D5-842E-4352-8D37-4752AC951703}"/>
+                <a16:creationId xmlns:a16="http://schemas.microsoft.com/office/drawing/2014/main" xmlns="" id="{B5FC16D5-842E-4352-8D37-4752AC951703}"/>
               </a:ext>
             </a:extLst>
           </p:cNvPr>
@@ -11756,7 +12147,7 @@
           <p:cNvPr id="41" name="Textfeld 40">
             <a:extLst>
               <a:ext uri="{FF2B5EF4-FFF2-40B4-BE49-F238E27FC236}">
-                <a16:creationId xmlns:a16="http://schemas.microsoft.com/office/drawing/2014/main" id="{3B7CF91D-ADC1-4182-9EEA-97DAF86D5624}"/>
+                <a16:creationId xmlns:a16="http://schemas.microsoft.com/office/drawing/2014/main" xmlns="" id="{3B7CF91D-ADC1-4182-9EEA-97DAF86D5624}"/>
               </a:ext>
             </a:extLst>
           </p:cNvPr>
@@ -11791,7 +12182,7 @@
           <p:cNvPr id="42" name="Textfeld 41">
             <a:extLst>
               <a:ext uri="{FF2B5EF4-FFF2-40B4-BE49-F238E27FC236}">
-                <a16:creationId xmlns:a16="http://schemas.microsoft.com/office/drawing/2014/main" id="{1C500370-3E59-476C-9411-543770E261D6}"/>
+                <a16:creationId xmlns:a16="http://schemas.microsoft.com/office/drawing/2014/main" xmlns="" id="{1C500370-3E59-476C-9411-543770E261D6}"/>
               </a:ext>
             </a:extLst>
           </p:cNvPr>
@@ -11826,7 +12217,7 @@
           <p:cNvPr id="43" name="Textfeld 42">
             <a:extLst>
               <a:ext uri="{FF2B5EF4-FFF2-40B4-BE49-F238E27FC236}">
-                <a16:creationId xmlns:a16="http://schemas.microsoft.com/office/drawing/2014/main" id="{BD6B08D4-7E4A-4309-9848-A7A423DE4529}"/>
+                <a16:creationId xmlns:a16="http://schemas.microsoft.com/office/drawing/2014/main" xmlns="" id="{BD6B08D4-7E4A-4309-9848-A7A423DE4529}"/>
               </a:ext>
             </a:extLst>
           </p:cNvPr>
@@ -11861,7 +12252,7 @@
           <p:cNvPr id="44" name="Textfeld 43">
             <a:extLst>
               <a:ext uri="{FF2B5EF4-FFF2-40B4-BE49-F238E27FC236}">
-                <a16:creationId xmlns:a16="http://schemas.microsoft.com/office/drawing/2014/main" id="{56F7D731-EFF7-4318-A1BB-4C228AD80E10}"/>
+                <a16:creationId xmlns:a16="http://schemas.microsoft.com/office/drawing/2014/main" xmlns="" id="{56F7D731-EFF7-4318-A1BB-4C228AD80E10}"/>
               </a:ext>
             </a:extLst>
           </p:cNvPr>
@@ -11896,7 +12287,7 @@
           <p:cNvPr id="45" name="Textfeld 44">
             <a:extLst>
               <a:ext uri="{FF2B5EF4-FFF2-40B4-BE49-F238E27FC236}">
-                <a16:creationId xmlns:a16="http://schemas.microsoft.com/office/drawing/2014/main" id="{78161AAE-EBF4-458C-AF63-F56DE7E40683}"/>
+                <a16:creationId xmlns:a16="http://schemas.microsoft.com/office/drawing/2014/main" xmlns="" id="{78161AAE-EBF4-458C-AF63-F56DE7E40683}"/>
               </a:ext>
             </a:extLst>
           </p:cNvPr>
@@ -11931,7 +12322,7 @@
           <p:cNvPr id="46" name="Foliennummernplatzhalter 45">
             <a:extLst>
               <a:ext uri="{FF2B5EF4-FFF2-40B4-BE49-F238E27FC236}">
-                <a16:creationId xmlns:a16="http://schemas.microsoft.com/office/drawing/2014/main" id="{C8736086-FF43-4F11-B163-935F1CA54CB9}"/>
+                <a16:creationId xmlns:a16="http://schemas.microsoft.com/office/drawing/2014/main" xmlns="" id="{C8736086-FF43-4F11-B163-935F1CA54CB9}"/>
               </a:ext>
             </a:extLst>
           </p:cNvPr>
@@ -11949,7 +12340,7 @@
           <a:p>
             <a:fld id="{24C7E509-D680-4DB8-B87E-B8EC2E347686}" type="slidenum">
               <a:rPr lang="de-DE" smtClean="0"/>
-              <a:t>25</a:t>
+              <a:t>27</a:t>
             </a:fld>
             <a:endParaRPr lang="de-DE"/>
           </a:p>
@@ -11968,7 +12359,7 @@
 </p:sld>
 </file>
 
-<file path=ppt/slides/slide26.xml><?xml version="1.0" encoding="utf-8"?>
+<file path=ppt/slides/slide28.xml><?xml version="1.0" encoding="utf-8"?>
 <p:sld xmlns:a="http://schemas.openxmlformats.org/drawingml/2006/main" xmlns:r="http://schemas.openxmlformats.org/officeDocument/2006/relationships" xmlns:p="http://schemas.openxmlformats.org/presentationml/2006/main">
   <p:cSld>
     <p:spTree>
@@ -11990,7 +12381,7 @@
           <p:cNvPr id="2" name="Titel 1">
             <a:extLst>
               <a:ext uri="{FF2B5EF4-FFF2-40B4-BE49-F238E27FC236}">
-                <a16:creationId xmlns:a16="http://schemas.microsoft.com/office/drawing/2014/main" id="{BC5612AC-6411-4142-AED7-C162557AFFAD}"/>
+                <a16:creationId xmlns:a16="http://schemas.microsoft.com/office/drawing/2014/main" xmlns="" id="{BC5612AC-6411-4142-AED7-C162557AFFAD}"/>
               </a:ext>
             </a:extLst>
           </p:cNvPr>
@@ -12019,7 +12410,7 @@
           <p:cNvPr id="3" name="Inhaltsplatzhalter 2">
             <a:extLst>
               <a:ext uri="{FF2B5EF4-FFF2-40B4-BE49-F238E27FC236}">
-                <a16:creationId xmlns:a16="http://schemas.microsoft.com/office/drawing/2014/main" id="{50710A65-BC45-4F3B-ABA3-CBBBFBBA6513}"/>
+                <a16:creationId xmlns:a16="http://schemas.microsoft.com/office/drawing/2014/main" xmlns="" id="{50710A65-BC45-4F3B-ABA3-CBBBFBBA6513}"/>
               </a:ext>
             </a:extLst>
           </p:cNvPr>
@@ -12035,7 +12426,35 @@
           <a:bodyPr/>
           <a:lstStyle/>
           <a:p>
-            <a:endParaRPr lang="de-DE"/>
+            <a:r>
+              <a:rPr lang="de-DE" dirty="0" smtClean="0"/>
+              <a:t>Spieltheoretische Ma</a:t>
+            </a:r>
+            <a:r>
+              <a:rPr lang="de-DE" dirty="0" smtClean="0"/>
+              <a:t>ßnahmen praktisch für Eingebettete Systeme</a:t>
+            </a:r>
+          </a:p>
+          <a:p>
+            <a:pPr lvl="1"/>
+            <a:r>
+              <a:rPr lang="de-DE" dirty="0" smtClean="0"/>
+              <a:t>Effiziente Berechnung, da alle Szenarien offline im Speicher liegen</a:t>
+            </a:r>
+            <a:endParaRPr lang="de-DE" dirty="0"/>
+          </a:p>
+          <a:p>
+            <a:r>
+              <a:rPr lang="de-DE" dirty="0" smtClean="0"/>
+              <a:t>Graphen werden ab ~6x6 sehr groß</a:t>
+            </a:r>
+          </a:p>
+          <a:p>
+            <a:r>
+              <a:rPr lang="de-DE" dirty="0" smtClean="0"/>
+              <a:t>Demo.</a:t>
+            </a:r>
+            <a:endParaRPr lang="de-DE" dirty="0"/>
           </a:p>
         </p:txBody>
       </p:sp>
@@ -12044,7 +12463,7 @@
           <p:cNvPr id="4" name="Foliennummernplatzhalter 3">
             <a:extLst>
               <a:ext uri="{FF2B5EF4-FFF2-40B4-BE49-F238E27FC236}">
-                <a16:creationId xmlns:a16="http://schemas.microsoft.com/office/drawing/2014/main" id="{19788284-BBE6-4885-96DA-A705A3D1CEE9}"/>
+                <a16:creationId xmlns:a16="http://schemas.microsoft.com/office/drawing/2014/main" xmlns="" id="{19788284-BBE6-4885-96DA-A705A3D1CEE9}"/>
               </a:ext>
             </a:extLst>
           </p:cNvPr>
@@ -12062,7 +12481,7 @@
           <a:p>
             <a:fld id="{24C7E509-D680-4DB8-B87E-B8EC2E347686}" type="slidenum">
               <a:rPr lang="de-DE" smtClean="0"/>
-              <a:t>26</a:t>
+              <a:t>28</a:t>
             </a:fld>
             <a:endParaRPr lang="de-DE"/>
           </a:p>
@@ -12103,7 +12522,7 @@
           <p:cNvPr id="2" name="Titel 1">
             <a:extLst>
               <a:ext uri="{FF2B5EF4-FFF2-40B4-BE49-F238E27FC236}">
-                <a16:creationId xmlns:a16="http://schemas.microsoft.com/office/drawing/2014/main" id="{26825D3A-6CEE-4F9F-81E5-3E804EAA612A}"/>
+                <a16:creationId xmlns:a16="http://schemas.microsoft.com/office/drawing/2014/main" xmlns="" id="{26825D3A-6CEE-4F9F-81E5-3E804EAA612A}"/>
               </a:ext>
             </a:extLst>
           </p:cNvPr>
@@ -12132,7 +12551,7 @@
           <p:cNvPr id="3" name="Inhaltsplatzhalter 2">
             <a:extLst>
               <a:ext uri="{FF2B5EF4-FFF2-40B4-BE49-F238E27FC236}">
-                <a16:creationId xmlns:a16="http://schemas.microsoft.com/office/drawing/2014/main" id="{B8B215CE-79DD-4E8A-9F51-760A69740D50}"/>
+                <a16:creationId xmlns:a16="http://schemas.microsoft.com/office/drawing/2014/main" xmlns="" id="{B8B215CE-79DD-4E8A-9F51-760A69740D50}"/>
               </a:ext>
             </a:extLst>
           </p:cNvPr>
@@ -12219,7 +12638,7 @@
           <p:cNvPr id="4" name="Foliennummernplatzhalter 3">
             <a:extLst>
               <a:ext uri="{FF2B5EF4-FFF2-40B4-BE49-F238E27FC236}">
-                <a16:creationId xmlns:a16="http://schemas.microsoft.com/office/drawing/2014/main" id="{93BF2E14-94DF-403B-969C-E3660F2321D1}"/>
+                <a16:creationId xmlns:a16="http://schemas.microsoft.com/office/drawing/2014/main" xmlns="" id="{93BF2E14-94DF-403B-969C-E3660F2321D1}"/>
               </a:ext>
             </a:extLst>
           </p:cNvPr>
@@ -12278,7 +12697,7 @@
           <p:cNvPr id="2" name="Titel 1">
             <a:extLst>
               <a:ext uri="{FF2B5EF4-FFF2-40B4-BE49-F238E27FC236}">
-                <a16:creationId xmlns:a16="http://schemas.microsoft.com/office/drawing/2014/main" id="{A1F365B5-A939-445F-958E-D0579E7008B7}"/>
+                <a16:creationId xmlns:a16="http://schemas.microsoft.com/office/drawing/2014/main" xmlns="" id="{A1F365B5-A939-445F-958E-D0579E7008B7}"/>
               </a:ext>
             </a:extLst>
           </p:cNvPr>
@@ -12307,7 +12726,7 @@
           <p:cNvPr id="3" name="Inhaltsplatzhalter 2">
             <a:extLst>
               <a:ext uri="{FF2B5EF4-FFF2-40B4-BE49-F238E27FC236}">
-                <a16:creationId xmlns:a16="http://schemas.microsoft.com/office/drawing/2014/main" id="{4664686B-E363-454D-ABAA-3DB2FB5F692D}"/>
+                <a16:creationId xmlns:a16="http://schemas.microsoft.com/office/drawing/2014/main" xmlns="" id="{4664686B-E363-454D-ABAA-3DB2FB5F692D}"/>
               </a:ext>
             </a:extLst>
           </p:cNvPr>
@@ -12370,7 +12789,7 @@
           <p:cNvPr id="4" name="Foliennummernplatzhalter 3">
             <a:extLst>
               <a:ext uri="{FF2B5EF4-FFF2-40B4-BE49-F238E27FC236}">
-                <a16:creationId xmlns:a16="http://schemas.microsoft.com/office/drawing/2014/main" id="{5264A6CD-BC9E-4F42-BBFA-4192D47D444D}"/>
+                <a16:creationId xmlns:a16="http://schemas.microsoft.com/office/drawing/2014/main" xmlns="" id="{5264A6CD-BC9E-4F42-BBFA-4192D47D444D}"/>
               </a:ext>
             </a:extLst>
           </p:cNvPr>
@@ -12429,7 +12848,7 @@
           <p:cNvPr id="2" name="Titel 1">
             <a:extLst>
               <a:ext uri="{FF2B5EF4-FFF2-40B4-BE49-F238E27FC236}">
-                <a16:creationId xmlns:a16="http://schemas.microsoft.com/office/drawing/2014/main" id="{D830302C-DA89-453C-9E9D-624506AE6BA3}"/>
+                <a16:creationId xmlns:a16="http://schemas.microsoft.com/office/drawing/2014/main" xmlns="" id="{D830302C-DA89-453C-9E9D-624506AE6BA3}"/>
               </a:ext>
             </a:extLst>
           </p:cNvPr>
@@ -12458,7 +12877,7 @@
           <p:cNvPr id="3" name="Inhaltsplatzhalter 2">
             <a:extLst>
               <a:ext uri="{FF2B5EF4-FFF2-40B4-BE49-F238E27FC236}">
-                <a16:creationId xmlns:a16="http://schemas.microsoft.com/office/drawing/2014/main" id="{A3E9EB45-91E9-45FF-B312-A8E7636840FB}"/>
+                <a16:creationId xmlns:a16="http://schemas.microsoft.com/office/drawing/2014/main" xmlns="" id="{A3E9EB45-91E9-45FF-B312-A8E7636840FB}"/>
               </a:ext>
             </a:extLst>
           </p:cNvPr>
@@ -12482,7 +12901,23 @@
           <a:p>
             <a:r>
               <a:rPr lang="de-DE" dirty="0"/>
-              <a:t>Roboter und Kind Bewegungsmuster Beispiel Tafel oder Backup Folie</a:t>
+              <a:t>Roboter und Kind Bewegungsmuster Beispiel Tafel oder Backup </a:t>
+            </a:r>
+            <a:r>
+              <a:rPr lang="de-DE" dirty="0" smtClean="0"/>
+              <a:t>Folie</a:t>
+            </a:r>
+          </a:p>
+          <a:p>
+            <a:r>
+              <a:rPr lang="de-DE" dirty="0" smtClean="0"/>
+              <a:t>Roboter fängt an</a:t>
+            </a:r>
+          </a:p>
+          <a:p>
+            <a:r>
+              <a:rPr lang="de-DE" dirty="0" smtClean="0"/>
+              <a:t>In Bild: Kind am Zug.</a:t>
             </a:r>
           </a:p>
         </p:txBody>
@@ -12492,7 +12927,7 @@
           <p:cNvPr id="4" name="Foliennummernplatzhalter 3">
             <a:extLst>
               <a:ext uri="{FF2B5EF4-FFF2-40B4-BE49-F238E27FC236}">
-                <a16:creationId xmlns:a16="http://schemas.microsoft.com/office/drawing/2014/main" id="{6318C5D9-92EB-47E6-BBFE-6FA653933C38}"/>
+                <a16:creationId xmlns:a16="http://schemas.microsoft.com/office/drawing/2014/main" xmlns="" id="{6318C5D9-92EB-47E6-BBFE-6FA653933C38}"/>
               </a:ext>
             </a:extLst>
           </p:cNvPr>
@@ -12526,6 +12961,14 @@
   <p:clrMapOvr>
     <a:masterClrMapping/>
   </p:clrMapOvr>
+  <mc:AlternateContent xmlns:mc="http://schemas.openxmlformats.org/markup-compatibility/2006">
+    <mc:Choice xmlns:p14="http://schemas.microsoft.com/office/powerpoint/2010/main" Requires="p14">
+      <p:transition spd="slow" p14:dur="2000"/>
+    </mc:Choice>
+    <mc:Fallback>
+      <p:transition xmlns:p14="http://schemas.microsoft.com/office/powerpoint/2010/main" spd="slow"/>
+    </mc:Fallback>
+  </mc:AlternateContent>
 </p:sld>
 </file>
 
@@ -12548,13 +12991,7 @@
       </p:grpSpPr>
       <p:sp>
         <p:nvSpPr>
-          <p:cNvPr id="2" name="Titel 1">
-            <a:extLst>
-              <a:ext uri="{FF2B5EF4-FFF2-40B4-BE49-F238E27FC236}">
-                <a16:creationId xmlns:a16="http://schemas.microsoft.com/office/drawing/2014/main" id="{D830302C-DA89-453C-9E9D-624506AE6BA3}"/>
-              </a:ext>
-            </a:extLst>
-          </p:cNvPr>
+          <p:cNvPr id="2" name="Titel 1"/>
           <p:cNvSpPr>
             <a:spLocks noGrp="1"/>
           </p:cNvSpPr>
@@ -12569,50 +13006,16 @@
           <a:p>
             <a:pPr algn="ctr"/>
             <a:r>
-              <a:rPr lang="de-DE" dirty="0"/>
+              <a:rPr lang="de-DE" dirty="0" smtClean="0"/>
               <a:t>Spielfeld</a:t>
             </a:r>
-          </a:p>
-        </p:txBody>
-      </p:sp>
-      <p:sp>
-        <p:nvSpPr>
-          <p:cNvPr id="4" name="Foliennummernplatzhalter 3">
-            <a:extLst>
-              <a:ext uri="{FF2B5EF4-FFF2-40B4-BE49-F238E27FC236}">
-                <a16:creationId xmlns:a16="http://schemas.microsoft.com/office/drawing/2014/main" id="{6318C5D9-92EB-47E6-BBFE-6FA653933C38}"/>
-              </a:ext>
-            </a:extLst>
-          </p:cNvPr>
-          <p:cNvSpPr>
-            <a:spLocks noGrp="1"/>
-          </p:cNvSpPr>
-          <p:nvPr>
-            <p:ph type="sldNum" sz="quarter" idx="12"/>
-          </p:nvPr>
-        </p:nvSpPr>
-        <p:spPr/>
-        <p:txBody>
-          <a:bodyPr/>
-          <a:lstStyle/>
-          <a:p>
-            <a:fld id="{24C7E509-D680-4DB8-B87E-B8EC2E347686}" type="slidenum">
-              <a:rPr lang="de-DE" smtClean="0"/>
-              <a:t>6</a:t>
-            </a:fld>
-            <a:endParaRPr lang="de-DE"/>
+            <a:endParaRPr lang="de-DE" dirty="0"/>
           </a:p>
         </p:txBody>
       </p:sp>
       <p:pic>
         <p:nvPicPr>
-          <p:cNvPr id="7" name="Bild 4">
-            <a:extLst>
-              <a:ext uri="{FF2B5EF4-FFF2-40B4-BE49-F238E27FC236}">
-                <a16:creationId xmlns:a16="http://schemas.microsoft.com/office/drawing/2014/main" id="{E0FAF2E6-9064-48B8-8F4E-D1CFCBBDAECE}"/>
-              </a:ext>
-            </a:extLst>
-          </p:cNvPr>
+          <p:cNvPr id="5" name="Inhaltsplatzhalter 4" descr="Screen Shot 2018-03-26 at 14.09.19.png"/>
           <p:cNvPicPr>
             <a:picLocks noGrp="1" noChangeAspect="1"/>
           </p:cNvPicPr>
@@ -12628,24 +13031,70 @@
               </a:ext>
             </a:extLst>
           </a:blip>
+          <a:srcRect l="-43896" r="-43896"/>
           <a:stretch>
             <a:fillRect/>
           </a:stretch>
         </p:blipFill>
+        <p:spPr/>
+      </p:pic>
+      <p:sp>
+        <p:nvSpPr>
+          <p:cNvPr id="4" name="Foliennummernplatzhalter 3"/>
+          <p:cNvSpPr>
+            <a:spLocks noGrp="1"/>
+          </p:cNvSpPr>
+          <p:nvPr>
+            <p:ph type="sldNum" sz="quarter" idx="12"/>
+          </p:nvPr>
+        </p:nvSpPr>
+        <p:spPr/>
+        <p:txBody>
+          <a:bodyPr/>
+          <a:lstStyle/>
+          <a:p>
+            <a:fld id="{24C7E509-D680-4DB8-B87E-B8EC2E347686}" type="slidenum">
+              <a:rPr lang="de-DE" smtClean="0"/>
+              <a:t>6</a:t>
+            </a:fld>
+            <a:endParaRPr lang="de-DE"/>
+          </a:p>
+        </p:txBody>
+      </p:sp>
+      <p:sp>
+        <p:nvSpPr>
+          <p:cNvPr id="6" name="Textfeld 5"/>
+          <p:cNvSpPr txBox="1"/>
+          <p:nvPr/>
+        </p:nvSpPr>
         <p:spPr>
           <a:xfrm>
-            <a:off x="1138410" y="1246520"/>
-            <a:ext cx="9915180" cy="5947653"/>
+            <a:off x="9203246" y="6413260"/>
+            <a:ext cx="4361184" cy="261610"/>
           </a:xfrm>
           <a:prstGeom prst="rect">
             <a:avLst/>
           </a:prstGeom>
+          <a:noFill/>
         </p:spPr>
-      </p:pic>
+        <p:txBody>
+          <a:bodyPr wrap="square" rtlCol="0">
+            <a:spAutoFit/>
+          </a:bodyPr>
+          <a:lstStyle/>
+          <a:p>
+            <a:r>
+              <a:rPr lang="de-DE" sz="1100" dirty="0" smtClean="0"/>
+              <a:t>Bildquelle: Aufgabenstellung</a:t>
+            </a:r>
+            <a:endParaRPr lang="de-DE" sz="1100" dirty="0"/>
+          </a:p>
+        </p:txBody>
+      </p:sp>
     </p:spTree>
     <p:extLst>
       <p:ext uri="{BB962C8B-B14F-4D97-AF65-F5344CB8AC3E}">
-        <p14:creationId xmlns:p14="http://schemas.microsoft.com/office/powerpoint/2010/main" val="2111025345"/>
+        <p14:creationId xmlns:p14="http://schemas.microsoft.com/office/powerpoint/2010/main" val="3145267629"/>
       </p:ext>
     </p:extLst>
   </p:cSld>
@@ -12677,7 +13126,7 @@
           <p:cNvPr id="2" name="Title 1">
             <a:extLst>
               <a:ext uri="{FF2B5EF4-FFF2-40B4-BE49-F238E27FC236}">
-                <a16:creationId xmlns:a16="http://schemas.microsoft.com/office/drawing/2014/main" id="{EC71ED69-ECE5-4FEA-BAAC-2D3FD4AEF4CF}"/>
+                <a16:creationId xmlns:a16="http://schemas.microsoft.com/office/drawing/2014/main" xmlns="" id="{EC71ED69-ECE5-4FEA-BAAC-2D3FD4AEF4CF}"/>
               </a:ext>
             </a:extLst>
           </p:cNvPr>
@@ -12695,9 +13144,10 @@
           <a:p>
             <a:pPr algn="ctr"/>
             <a:r>
-              <a:rPr lang="de-DE" dirty="0"/>
-              <a:t>Backup Batterie</a:t>
-            </a:r>
+              <a:rPr lang="de-DE" dirty="0" smtClean="0"/>
+              <a:t>Batterie</a:t>
+            </a:r>
+            <a:endParaRPr lang="de-DE" dirty="0"/>
           </a:p>
         </p:txBody>
       </p:sp>
@@ -12706,7 +13156,7 @@
           <p:cNvPr id="5" name="Content Placeholder 4">
             <a:extLst>
               <a:ext uri="{FF2B5EF4-FFF2-40B4-BE49-F238E27FC236}">
-                <a16:creationId xmlns:a16="http://schemas.microsoft.com/office/drawing/2014/main" id="{556F42A2-DCA4-4B1C-A056-51A3547A9BE0}"/>
+                <a16:creationId xmlns:a16="http://schemas.microsoft.com/office/drawing/2014/main" xmlns="" id="{556F42A2-DCA4-4B1C-A056-51A3547A9BE0}"/>
               </a:ext>
             </a:extLst>
           </p:cNvPr>
@@ -12736,56 +13186,56 @@
                 <a:gridCol w="563946">
                   <a:extLst>
                     <a:ext uri="{9D8B030D-6E8A-4147-A177-3AD203B41FA5}">
-                      <a16:colId xmlns:a16="http://schemas.microsoft.com/office/drawing/2014/main" val="3909669187"/>
+                      <a16:colId xmlns:a16="http://schemas.microsoft.com/office/drawing/2014/main" xmlns="" val="3909669187"/>
                     </a:ext>
                   </a:extLst>
                 </a:gridCol>
                 <a:gridCol w="563946">
                   <a:extLst>
                     <a:ext uri="{9D8B030D-6E8A-4147-A177-3AD203B41FA5}">
-                      <a16:colId xmlns:a16="http://schemas.microsoft.com/office/drawing/2014/main" val="2081033052"/>
+                      <a16:colId xmlns:a16="http://schemas.microsoft.com/office/drawing/2014/main" xmlns="" val="2081033052"/>
                     </a:ext>
                   </a:extLst>
                 </a:gridCol>
                 <a:gridCol w="563946">
                   <a:extLst>
                     <a:ext uri="{9D8B030D-6E8A-4147-A177-3AD203B41FA5}">
-                      <a16:colId xmlns:a16="http://schemas.microsoft.com/office/drawing/2014/main" val="2759415750"/>
+                      <a16:colId xmlns:a16="http://schemas.microsoft.com/office/drawing/2014/main" xmlns="" val="2759415750"/>
                     </a:ext>
                   </a:extLst>
                 </a:gridCol>
                 <a:gridCol w="563946">
                   <a:extLst>
                     <a:ext uri="{9D8B030D-6E8A-4147-A177-3AD203B41FA5}">
-                      <a16:colId xmlns:a16="http://schemas.microsoft.com/office/drawing/2014/main" val="1013666482"/>
+                      <a16:colId xmlns:a16="http://schemas.microsoft.com/office/drawing/2014/main" xmlns="" val="1013666482"/>
                     </a:ext>
                   </a:extLst>
                 </a:gridCol>
                 <a:gridCol w="563946">
                   <a:extLst>
                     <a:ext uri="{9D8B030D-6E8A-4147-A177-3AD203B41FA5}">
-                      <a16:colId xmlns:a16="http://schemas.microsoft.com/office/drawing/2014/main" val="4052377547"/>
+                      <a16:colId xmlns:a16="http://schemas.microsoft.com/office/drawing/2014/main" xmlns="" val="4052377547"/>
                     </a:ext>
                   </a:extLst>
                 </a:gridCol>
                 <a:gridCol w="563946">
                   <a:extLst>
                     <a:ext uri="{9D8B030D-6E8A-4147-A177-3AD203B41FA5}">
-                      <a16:colId xmlns:a16="http://schemas.microsoft.com/office/drawing/2014/main" val="86987426"/>
+                      <a16:colId xmlns:a16="http://schemas.microsoft.com/office/drawing/2014/main" xmlns="" val="86987426"/>
                     </a:ext>
                   </a:extLst>
                 </a:gridCol>
                 <a:gridCol w="563946">
                   <a:extLst>
                     <a:ext uri="{9D8B030D-6E8A-4147-A177-3AD203B41FA5}">
-                      <a16:colId xmlns:a16="http://schemas.microsoft.com/office/drawing/2014/main" val="4112314039"/>
+                      <a16:colId xmlns:a16="http://schemas.microsoft.com/office/drawing/2014/main" xmlns="" val="4112314039"/>
                     </a:ext>
                   </a:extLst>
                 </a:gridCol>
                 <a:gridCol w="563946">
                   <a:extLst>
                     <a:ext uri="{9D8B030D-6E8A-4147-A177-3AD203B41FA5}">
-                      <a16:colId xmlns:a16="http://schemas.microsoft.com/office/drawing/2014/main" val="2352200665"/>
+                      <a16:colId xmlns:a16="http://schemas.microsoft.com/office/drawing/2014/main" xmlns="" val="2352200665"/>
                     </a:ext>
                   </a:extLst>
                 </a:gridCol>
@@ -12873,7 +13323,7 @@
                 </a:tc>
                 <a:extLst>
                   <a:ext uri="{0D108BD9-81ED-4DB2-BD59-A6C34878D82A}">
-                    <a16:rowId xmlns:a16="http://schemas.microsoft.com/office/drawing/2014/main" val="3901103587"/>
+                    <a16:rowId xmlns:a16="http://schemas.microsoft.com/office/drawing/2014/main" xmlns="" val="3901103587"/>
                   </a:ext>
                 </a:extLst>
               </a:tr>
@@ -12960,7 +13410,7 @@
                 </a:tc>
                 <a:extLst>
                   <a:ext uri="{0D108BD9-81ED-4DB2-BD59-A6C34878D82A}">
-                    <a16:rowId xmlns:a16="http://schemas.microsoft.com/office/drawing/2014/main" val="810655840"/>
+                    <a16:rowId xmlns:a16="http://schemas.microsoft.com/office/drawing/2014/main" xmlns="" val="810655840"/>
                   </a:ext>
                 </a:extLst>
               </a:tr>
@@ -13047,7 +13497,7 @@
                 </a:tc>
                 <a:extLst>
                   <a:ext uri="{0D108BD9-81ED-4DB2-BD59-A6C34878D82A}">
-                    <a16:rowId xmlns:a16="http://schemas.microsoft.com/office/drawing/2014/main" val="2107368300"/>
+                    <a16:rowId xmlns:a16="http://schemas.microsoft.com/office/drawing/2014/main" xmlns="" val="2107368300"/>
                   </a:ext>
                 </a:extLst>
               </a:tr>
@@ -13134,7 +13584,7 @@
                 </a:tc>
                 <a:extLst>
                   <a:ext uri="{0D108BD9-81ED-4DB2-BD59-A6C34878D82A}">
-                    <a16:rowId xmlns:a16="http://schemas.microsoft.com/office/drawing/2014/main" val="1259991857"/>
+                    <a16:rowId xmlns:a16="http://schemas.microsoft.com/office/drawing/2014/main" xmlns="" val="1259991857"/>
                   </a:ext>
                 </a:extLst>
               </a:tr>
@@ -13233,7 +13683,7 @@
                 </a:tc>
                 <a:extLst>
                   <a:ext uri="{0D108BD9-81ED-4DB2-BD59-A6C34878D82A}">
-                    <a16:rowId xmlns:a16="http://schemas.microsoft.com/office/drawing/2014/main" val="1705778076"/>
+                    <a16:rowId xmlns:a16="http://schemas.microsoft.com/office/drawing/2014/main" xmlns="" val="1705778076"/>
                   </a:ext>
                 </a:extLst>
               </a:tr>
@@ -13332,7 +13782,7 @@
                 </a:tc>
                 <a:extLst>
                   <a:ext uri="{0D108BD9-81ED-4DB2-BD59-A6C34878D82A}">
-                    <a16:rowId xmlns:a16="http://schemas.microsoft.com/office/drawing/2014/main" val="3593844036"/>
+                    <a16:rowId xmlns:a16="http://schemas.microsoft.com/office/drawing/2014/main" xmlns="" val="3593844036"/>
                   </a:ext>
                 </a:extLst>
               </a:tr>
@@ -13431,7 +13881,7 @@
                 </a:tc>
                 <a:extLst>
                   <a:ext uri="{0D108BD9-81ED-4DB2-BD59-A6C34878D82A}">
-                    <a16:rowId xmlns:a16="http://schemas.microsoft.com/office/drawing/2014/main" val="2725860628"/>
+                    <a16:rowId xmlns:a16="http://schemas.microsoft.com/office/drawing/2014/main" xmlns="" val="2725860628"/>
                   </a:ext>
                 </a:extLst>
               </a:tr>
@@ -13518,7 +13968,7 @@
                 </a:tc>
                 <a:extLst>
                   <a:ext uri="{0D108BD9-81ED-4DB2-BD59-A6C34878D82A}">
-                    <a16:rowId xmlns:a16="http://schemas.microsoft.com/office/drawing/2014/main" val="3598242446"/>
+                    <a16:rowId xmlns:a16="http://schemas.microsoft.com/office/drawing/2014/main" xmlns="" val="3598242446"/>
                   </a:ext>
                 </a:extLst>
               </a:tr>
@@ -13531,7 +13981,7 @@
           <p:cNvPr id="4" name="Slide Number Placeholder 3">
             <a:extLst>
               <a:ext uri="{FF2B5EF4-FFF2-40B4-BE49-F238E27FC236}">
-                <a16:creationId xmlns:a16="http://schemas.microsoft.com/office/drawing/2014/main" id="{97D82D7D-618B-4FC6-9B8D-AF076B248E3B}"/>
+                <a16:creationId xmlns:a16="http://schemas.microsoft.com/office/drawing/2014/main" xmlns="" id="{97D82D7D-618B-4FC6-9B8D-AF076B248E3B}"/>
               </a:ext>
             </a:extLst>
           </p:cNvPr>
@@ -13560,7 +14010,7 @@
           <p:cNvPr id="6" name="Multiplication Sign 5">
             <a:extLst>
               <a:ext uri="{FF2B5EF4-FFF2-40B4-BE49-F238E27FC236}">
-                <a16:creationId xmlns:a16="http://schemas.microsoft.com/office/drawing/2014/main" id="{38108A66-6254-422A-831E-1095BB8DE301}"/>
+                <a16:creationId xmlns:a16="http://schemas.microsoft.com/office/drawing/2014/main" xmlns="" id="{38108A66-6254-422A-831E-1095BB8DE301}"/>
               </a:ext>
             </a:extLst>
           </p:cNvPr>
@@ -13614,7 +14064,7 @@
           <p:cNvPr id="12" name="Lightning Bolt 11">
             <a:extLst>
               <a:ext uri="{FF2B5EF4-FFF2-40B4-BE49-F238E27FC236}">
-                <a16:creationId xmlns:a16="http://schemas.microsoft.com/office/drawing/2014/main" id="{5DDA1150-7AEA-4056-B6EE-1F4F6C5D505E}"/>
+                <a16:creationId xmlns:a16="http://schemas.microsoft.com/office/drawing/2014/main" xmlns="" id="{5DDA1150-7AEA-4056-B6EE-1F4F6C5D505E}"/>
               </a:ext>
             </a:extLst>
           </p:cNvPr>
@@ -13690,7 +14140,7 @@
           <p:cNvPr id="2" name="Title 1">
             <a:extLst>
               <a:ext uri="{FF2B5EF4-FFF2-40B4-BE49-F238E27FC236}">
-                <a16:creationId xmlns:a16="http://schemas.microsoft.com/office/drawing/2014/main" id="{EC71ED69-ECE5-4FEA-BAAC-2D3FD4AEF4CF}"/>
+                <a16:creationId xmlns:a16="http://schemas.microsoft.com/office/drawing/2014/main" xmlns="" id="{EC71ED69-ECE5-4FEA-BAAC-2D3FD4AEF4CF}"/>
               </a:ext>
             </a:extLst>
           </p:cNvPr>
@@ -13708,9 +14158,10 @@
           <a:p>
             <a:pPr algn="ctr"/>
             <a:r>
-              <a:rPr lang="de-DE" dirty="0"/>
-              <a:t>Backup Bewegungsmuster</a:t>
-            </a:r>
+              <a:rPr lang="de-DE" dirty="0" smtClean="0"/>
+              <a:t>Bewegungsmuster</a:t>
+            </a:r>
+            <a:endParaRPr lang="de-DE" dirty="0"/>
           </a:p>
         </p:txBody>
       </p:sp>
@@ -13719,7 +14170,7 @@
           <p:cNvPr id="5" name="Content Placeholder 4">
             <a:extLst>
               <a:ext uri="{FF2B5EF4-FFF2-40B4-BE49-F238E27FC236}">
-                <a16:creationId xmlns:a16="http://schemas.microsoft.com/office/drawing/2014/main" id="{556F42A2-DCA4-4B1C-A056-51A3547A9BE0}"/>
+                <a16:creationId xmlns:a16="http://schemas.microsoft.com/office/drawing/2014/main" xmlns="" id="{556F42A2-DCA4-4B1C-A056-51A3547A9BE0}"/>
               </a:ext>
             </a:extLst>
           </p:cNvPr>
@@ -13744,56 +14195,56 @@
                 <a:gridCol w="563946">
                   <a:extLst>
                     <a:ext uri="{9D8B030D-6E8A-4147-A177-3AD203B41FA5}">
-                      <a16:colId xmlns:a16="http://schemas.microsoft.com/office/drawing/2014/main" val="3909669187"/>
+                      <a16:colId xmlns:a16="http://schemas.microsoft.com/office/drawing/2014/main" xmlns="" val="3909669187"/>
                     </a:ext>
                   </a:extLst>
                 </a:gridCol>
                 <a:gridCol w="563946">
                   <a:extLst>
                     <a:ext uri="{9D8B030D-6E8A-4147-A177-3AD203B41FA5}">
-                      <a16:colId xmlns:a16="http://schemas.microsoft.com/office/drawing/2014/main" val="2081033052"/>
+                      <a16:colId xmlns:a16="http://schemas.microsoft.com/office/drawing/2014/main" xmlns="" val="2081033052"/>
                     </a:ext>
                   </a:extLst>
                 </a:gridCol>
                 <a:gridCol w="563946">
                   <a:extLst>
                     <a:ext uri="{9D8B030D-6E8A-4147-A177-3AD203B41FA5}">
-                      <a16:colId xmlns:a16="http://schemas.microsoft.com/office/drawing/2014/main" val="2759415750"/>
+                      <a16:colId xmlns:a16="http://schemas.microsoft.com/office/drawing/2014/main" xmlns="" val="2759415750"/>
                     </a:ext>
                   </a:extLst>
                 </a:gridCol>
                 <a:gridCol w="563946">
                   <a:extLst>
                     <a:ext uri="{9D8B030D-6E8A-4147-A177-3AD203B41FA5}">
-                      <a16:colId xmlns:a16="http://schemas.microsoft.com/office/drawing/2014/main" val="1013666482"/>
+                      <a16:colId xmlns:a16="http://schemas.microsoft.com/office/drawing/2014/main" xmlns="" val="1013666482"/>
                     </a:ext>
                   </a:extLst>
                 </a:gridCol>
                 <a:gridCol w="563946">
                   <a:extLst>
                     <a:ext uri="{9D8B030D-6E8A-4147-A177-3AD203B41FA5}">
-                      <a16:colId xmlns:a16="http://schemas.microsoft.com/office/drawing/2014/main" val="4052377547"/>
+                      <a16:colId xmlns:a16="http://schemas.microsoft.com/office/drawing/2014/main" xmlns="" val="4052377547"/>
                     </a:ext>
                   </a:extLst>
                 </a:gridCol>
                 <a:gridCol w="563946">
                   <a:extLst>
                     <a:ext uri="{9D8B030D-6E8A-4147-A177-3AD203B41FA5}">
-                      <a16:colId xmlns:a16="http://schemas.microsoft.com/office/drawing/2014/main" val="86987426"/>
+                      <a16:colId xmlns:a16="http://schemas.microsoft.com/office/drawing/2014/main" xmlns="" val="86987426"/>
                     </a:ext>
                   </a:extLst>
                 </a:gridCol>
                 <a:gridCol w="563946">
                   <a:extLst>
                     <a:ext uri="{9D8B030D-6E8A-4147-A177-3AD203B41FA5}">
-                      <a16:colId xmlns:a16="http://schemas.microsoft.com/office/drawing/2014/main" val="4112314039"/>
+                      <a16:colId xmlns:a16="http://schemas.microsoft.com/office/drawing/2014/main" xmlns="" val="4112314039"/>
                     </a:ext>
                   </a:extLst>
                 </a:gridCol>
                 <a:gridCol w="563946">
                   <a:extLst>
                     <a:ext uri="{9D8B030D-6E8A-4147-A177-3AD203B41FA5}">
-                      <a16:colId xmlns:a16="http://schemas.microsoft.com/office/drawing/2014/main" val="2352200665"/>
+                      <a16:colId xmlns:a16="http://schemas.microsoft.com/office/drawing/2014/main" xmlns="" val="2352200665"/>
                     </a:ext>
                   </a:extLst>
                 </a:gridCol>
@@ -13881,7 +14332,7 @@
                 </a:tc>
                 <a:extLst>
                   <a:ext uri="{0D108BD9-81ED-4DB2-BD59-A6C34878D82A}">
-                    <a16:rowId xmlns:a16="http://schemas.microsoft.com/office/drawing/2014/main" val="3901103587"/>
+                    <a16:rowId xmlns:a16="http://schemas.microsoft.com/office/drawing/2014/main" xmlns="" val="3901103587"/>
                   </a:ext>
                 </a:extLst>
               </a:tr>
@@ -13968,7 +14419,7 @@
                 </a:tc>
                 <a:extLst>
                   <a:ext uri="{0D108BD9-81ED-4DB2-BD59-A6C34878D82A}">
-                    <a16:rowId xmlns:a16="http://schemas.microsoft.com/office/drawing/2014/main" val="810655840"/>
+                    <a16:rowId xmlns:a16="http://schemas.microsoft.com/office/drawing/2014/main" xmlns="" val="810655840"/>
                   </a:ext>
                 </a:extLst>
               </a:tr>
@@ -14055,7 +14506,7 @@
                 </a:tc>
                 <a:extLst>
                   <a:ext uri="{0D108BD9-81ED-4DB2-BD59-A6C34878D82A}">
-                    <a16:rowId xmlns:a16="http://schemas.microsoft.com/office/drawing/2014/main" val="2107368300"/>
+                    <a16:rowId xmlns:a16="http://schemas.microsoft.com/office/drawing/2014/main" xmlns="" val="2107368300"/>
                   </a:ext>
                 </a:extLst>
               </a:tr>
@@ -14142,7 +14593,7 @@
                 </a:tc>
                 <a:extLst>
                   <a:ext uri="{0D108BD9-81ED-4DB2-BD59-A6C34878D82A}">
-                    <a16:rowId xmlns:a16="http://schemas.microsoft.com/office/drawing/2014/main" val="1259991857"/>
+                    <a16:rowId xmlns:a16="http://schemas.microsoft.com/office/drawing/2014/main" xmlns="" val="1259991857"/>
                   </a:ext>
                 </a:extLst>
               </a:tr>
@@ -14229,7 +14680,7 @@
                 </a:tc>
                 <a:extLst>
                   <a:ext uri="{0D108BD9-81ED-4DB2-BD59-A6C34878D82A}">
-                    <a16:rowId xmlns:a16="http://schemas.microsoft.com/office/drawing/2014/main" val="1705778076"/>
+                    <a16:rowId xmlns:a16="http://schemas.microsoft.com/office/drawing/2014/main" xmlns="" val="1705778076"/>
                   </a:ext>
                 </a:extLst>
               </a:tr>
@@ -14316,7 +14767,7 @@
                 </a:tc>
                 <a:extLst>
                   <a:ext uri="{0D108BD9-81ED-4DB2-BD59-A6C34878D82A}">
-                    <a16:rowId xmlns:a16="http://schemas.microsoft.com/office/drawing/2014/main" val="3593844036"/>
+                    <a16:rowId xmlns:a16="http://schemas.microsoft.com/office/drawing/2014/main" xmlns="" val="3593844036"/>
                   </a:ext>
                 </a:extLst>
               </a:tr>
@@ -14403,7 +14854,7 @@
                 </a:tc>
                 <a:extLst>
                   <a:ext uri="{0D108BD9-81ED-4DB2-BD59-A6C34878D82A}">
-                    <a16:rowId xmlns:a16="http://schemas.microsoft.com/office/drawing/2014/main" val="2725860628"/>
+                    <a16:rowId xmlns:a16="http://schemas.microsoft.com/office/drawing/2014/main" xmlns="" val="2725860628"/>
                   </a:ext>
                 </a:extLst>
               </a:tr>
@@ -14490,7 +14941,7 @@
                 </a:tc>
                 <a:extLst>
                   <a:ext uri="{0D108BD9-81ED-4DB2-BD59-A6C34878D82A}">
-                    <a16:rowId xmlns:a16="http://schemas.microsoft.com/office/drawing/2014/main" val="3598242446"/>
+                    <a16:rowId xmlns:a16="http://schemas.microsoft.com/office/drawing/2014/main" xmlns="" val="3598242446"/>
                   </a:ext>
                 </a:extLst>
               </a:tr>
@@ -14503,7 +14954,7 @@
           <p:cNvPr id="4" name="Slide Number Placeholder 3">
             <a:extLst>
               <a:ext uri="{FF2B5EF4-FFF2-40B4-BE49-F238E27FC236}">
-                <a16:creationId xmlns:a16="http://schemas.microsoft.com/office/drawing/2014/main" id="{97D82D7D-618B-4FC6-9B8D-AF076B248E3B}"/>
+                <a16:creationId xmlns:a16="http://schemas.microsoft.com/office/drawing/2014/main" xmlns="" id="{97D82D7D-618B-4FC6-9B8D-AF076B248E3B}"/>
               </a:ext>
             </a:extLst>
           </p:cNvPr>
@@ -14532,7 +14983,7 @@
           <p:cNvPr id="6" name="Multiplication Sign 5">
             <a:extLst>
               <a:ext uri="{FF2B5EF4-FFF2-40B4-BE49-F238E27FC236}">
-                <a16:creationId xmlns:a16="http://schemas.microsoft.com/office/drawing/2014/main" id="{38108A66-6254-422A-831E-1095BB8DE301}"/>
+                <a16:creationId xmlns:a16="http://schemas.microsoft.com/office/drawing/2014/main" xmlns="" id="{38108A66-6254-422A-831E-1095BB8DE301}"/>
               </a:ext>
             </a:extLst>
           </p:cNvPr>
@@ -14586,7 +15037,7 @@
           <p:cNvPr id="7" name="TextBox 6">
             <a:extLst>
               <a:ext uri="{FF2B5EF4-FFF2-40B4-BE49-F238E27FC236}">
-                <a16:creationId xmlns:a16="http://schemas.microsoft.com/office/drawing/2014/main" id="{AAB138A2-4672-41FA-B1A3-1BCF77A65C1E}"/>
+                <a16:creationId xmlns:a16="http://schemas.microsoft.com/office/drawing/2014/main" xmlns="" id="{AAB138A2-4672-41FA-B1A3-1BCF77A65C1E}"/>
               </a:ext>
             </a:extLst>
           </p:cNvPr>
@@ -14635,7 +15086,7 @@
           <p:cNvPr id="8" name="TextBox 7">
             <a:extLst>
               <a:ext uri="{FF2B5EF4-FFF2-40B4-BE49-F238E27FC236}">
-                <a16:creationId xmlns:a16="http://schemas.microsoft.com/office/drawing/2014/main" id="{834ADA7A-0E97-41A2-AA02-F570FA699361}"/>
+                <a16:creationId xmlns:a16="http://schemas.microsoft.com/office/drawing/2014/main" xmlns="" id="{834ADA7A-0E97-41A2-AA02-F570FA699361}"/>
               </a:ext>
             </a:extLst>
           </p:cNvPr>
@@ -14684,7 +15135,7 @@
           <p:cNvPr id="9" name="Multiplication Sign 8">
             <a:extLst>
               <a:ext uri="{FF2B5EF4-FFF2-40B4-BE49-F238E27FC236}">
-                <a16:creationId xmlns:a16="http://schemas.microsoft.com/office/drawing/2014/main" id="{F7361447-BB27-4ADC-84D0-A4BAC0BC306E}"/>
+                <a16:creationId xmlns:a16="http://schemas.microsoft.com/office/drawing/2014/main" xmlns="" id="{F7361447-BB27-4ADC-84D0-A4BAC0BC306E}"/>
               </a:ext>
             </a:extLst>
           </p:cNvPr>
@@ -14738,7 +15189,7 @@
           <p:cNvPr id="10" name="TextBox 9">
             <a:extLst>
               <a:ext uri="{FF2B5EF4-FFF2-40B4-BE49-F238E27FC236}">
-                <a16:creationId xmlns:a16="http://schemas.microsoft.com/office/drawing/2014/main" id="{641F9E26-7091-49A7-85FD-BE26B7A11674}"/>
+                <a16:creationId xmlns:a16="http://schemas.microsoft.com/office/drawing/2014/main" xmlns="" id="{641F9E26-7091-49A7-85FD-BE26B7A11674}"/>
               </a:ext>
             </a:extLst>
           </p:cNvPr>
@@ -14773,7 +15224,7 @@
           <p:cNvPr id="11" name="Star: 5 Points 10">
             <a:extLst>
               <a:ext uri="{FF2B5EF4-FFF2-40B4-BE49-F238E27FC236}">
-                <a16:creationId xmlns:a16="http://schemas.microsoft.com/office/drawing/2014/main" id="{7A1FC458-B0D5-4718-8044-8530CD4DB6B5}"/>
+                <a16:creationId xmlns:a16="http://schemas.microsoft.com/office/drawing/2014/main" xmlns="" id="{7A1FC458-B0D5-4718-8044-8530CD4DB6B5}"/>
               </a:ext>
             </a:extLst>
           </p:cNvPr>
@@ -14852,7 +15303,7 @@
           <p:cNvPr id="2" name="Title 1">
             <a:extLst>
               <a:ext uri="{FF2B5EF4-FFF2-40B4-BE49-F238E27FC236}">
-                <a16:creationId xmlns:a16="http://schemas.microsoft.com/office/drawing/2014/main" id="{EC71ED69-ECE5-4FEA-BAAC-2D3FD4AEF4CF}"/>
+                <a16:creationId xmlns:a16="http://schemas.microsoft.com/office/drawing/2014/main" xmlns="" id="{EC71ED69-ECE5-4FEA-BAAC-2D3FD4AEF4CF}"/>
               </a:ext>
             </a:extLst>
           </p:cNvPr>
@@ -14870,9 +15321,10 @@
           <a:p>
             <a:pPr algn="ctr"/>
             <a:r>
-              <a:rPr lang="de-DE" dirty="0"/>
-              <a:t>Backup Bewegungsmuster</a:t>
-            </a:r>
+              <a:rPr lang="de-DE" dirty="0" smtClean="0"/>
+              <a:t>Bewegungsmuster</a:t>
+            </a:r>
+            <a:endParaRPr lang="de-DE" dirty="0"/>
           </a:p>
         </p:txBody>
       </p:sp>
@@ -14881,7 +15333,7 @@
           <p:cNvPr id="5" name="Content Placeholder 4">
             <a:extLst>
               <a:ext uri="{FF2B5EF4-FFF2-40B4-BE49-F238E27FC236}">
-                <a16:creationId xmlns:a16="http://schemas.microsoft.com/office/drawing/2014/main" id="{556F42A2-DCA4-4B1C-A056-51A3547A9BE0}"/>
+                <a16:creationId xmlns:a16="http://schemas.microsoft.com/office/drawing/2014/main" xmlns="" id="{556F42A2-DCA4-4B1C-A056-51A3547A9BE0}"/>
               </a:ext>
             </a:extLst>
           </p:cNvPr>
@@ -14906,56 +15358,56 @@
                 <a:gridCol w="563946">
                   <a:extLst>
                     <a:ext uri="{9D8B030D-6E8A-4147-A177-3AD203B41FA5}">
-                      <a16:colId xmlns:a16="http://schemas.microsoft.com/office/drawing/2014/main" val="3909669187"/>
+                      <a16:colId xmlns:a16="http://schemas.microsoft.com/office/drawing/2014/main" xmlns="" val="3909669187"/>
                     </a:ext>
                   </a:extLst>
                 </a:gridCol>
                 <a:gridCol w="563946">
                   <a:extLst>
                     <a:ext uri="{9D8B030D-6E8A-4147-A177-3AD203B41FA5}">
-                      <a16:colId xmlns:a16="http://schemas.microsoft.com/office/drawing/2014/main" val="2081033052"/>
+                      <a16:colId xmlns:a16="http://schemas.microsoft.com/office/drawing/2014/main" xmlns="" val="2081033052"/>
                     </a:ext>
                   </a:extLst>
                 </a:gridCol>
                 <a:gridCol w="563946">
                   <a:extLst>
                     <a:ext uri="{9D8B030D-6E8A-4147-A177-3AD203B41FA5}">
-                      <a16:colId xmlns:a16="http://schemas.microsoft.com/office/drawing/2014/main" val="2759415750"/>
+                      <a16:colId xmlns:a16="http://schemas.microsoft.com/office/drawing/2014/main" xmlns="" val="2759415750"/>
                     </a:ext>
                   </a:extLst>
                 </a:gridCol>
                 <a:gridCol w="563946">
                   <a:extLst>
                     <a:ext uri="{9D8B030D-6E8A-4147-A177-3AD203B41FA5}">
-                      <a16:colId xmlns:a16="http://schemas.microsoft.com/office/drawing/2014/main" val="1013666482"/>
+                      <a16:colId xmlns:a16="http://schemas.microsoft.com/office/drawing/2014/main" xmlns="" val="1013666482"/>
                     </a:ext>
                   </a:extLst>
                 </a:gridCol>
                 <a:gridCol w="563946">
                   <a:extLst>
                     <a:ext uri="{9D8B030D-6E8A-4147-A177-3AD203B41FA5}">
-                      <a16:colId xmlns:a16="http://schemas.microsoft.com/office/drawing/2014/main" val="4052377547"/>
+                      <a16:colId xmlns:a16="http://schemas.microsoft.com/office/drawing/2014/main" xmlns="" val="4052377547"/>
                     </a:ext>
                   </a:extLst>
                 </a:gridCol>
                 <a:gridCol w="563946">
                   <a:extLst>
                     <a:ext uri="{9D8B030D-6E8A-4147-A177-3AD203B41FA5}">
-                      <a16:colId xmlns:a16="http://schemas.microsoft.com/office/drawing/2014/main" val="86987426"/>
+                      <a16:colId xmlns:a16="http://schemas.microsoft.com/office/drawing/2014/main" xmlns="" val="86987426"/>
                     </a:ext>
                   </a:extLst>
                 </a:gridCol>
                 <a:gridCol w="563946">
                   <a:extLst>
                     <a:ext uri="{9D8B030D-6E8A-4147-A177-3AD203B41FA5}">
-                      <a16:colId xmlns:a16="http://schemas.microsoft.com/office/drawing/2014/main" val="4112314039"/>
+                      <a16:colId xmlns:a16="http://schemas.microsoft.com/office/drawing/2014/main" xmlns="" val="4112314039"/>
                     </a:ext>
                   </a:extLst>
                 </a:gridCol>
                 <a:gridCol w="563946">
                   <a:extLst>
                     <a:ext uri="{9D8B030D-6E8A-4147-A177-3AD203B41FA5}">
-                      <a16:colId xmlns:a16="http://schemas.microsoft.com/office/drawing/2014/main" val="2352200665"/>
+                      <a16:colId xmlns:a16="http://schemas.microsoft.com/office/drawing/2014/main" xmlns="" val="2352200665"/>
                     </a:ext>
                   </a:extLst>
                 </a:gridCol>
@@ -15043,7 +15495,7 @@
                 </a:tc>
                 <a:extLst>
                   <a:ext uri="{0D108BD9-81ED-4DB2-BD59-A6C34878D82A}">
-                    <a16:rowId xmlns:a16="http://schemas.microsoft.com/office/drawing/2014/main" val="3901103587"/>
+                    <a16:rowId xmlns:a16="http://schemas.microsoft.com/office/drawing/2014/main" xmlns="" val="3901103587"/>
                   </a:ext>
                 </a:extLst>
               </a:tr>
@@ -15130,7 +15582,7 @@
                 </a:tc>
                 <a:extLst>
                   <a:ext uri="{0D108BD9-81ED-4DB2-BD59-A6C34878D82A}">
-                    <a16:rowId xmlns:a16="http://schemas.microsoft.com/office/drawing/2014/main" val="810655840"/>
+                    <a16:rowId xmlns:a16="http://schemas.microsoft.com/office/drawing/2014/main" xmlns="" val="810655840"/>
                   </a:ext>
                 </a:extLst>
               </a:tr>
@@ -15217,7 +15669,7 @@
                 </a:tc>
                 <a:extLst>
                   <a:ext uri="{0D108BD9-81ED-4DB2-BD59-A6C34878D82A}">
-                    <a16:rowId xmlns:a16="http://schemas.microsoft.com/office/drawing/2014/main" val="2107368300"/>
+                    <a16:rowId xmlns:a16="http://schemas.microsoft.com/office/drawing/2014/main" xmlns="" val="2107368300"/>
                   </a:ext>
                 </a:extLst>
               </a:tr>
@@ -15304,7 +15756,7 @@
                 </a:tc>
                 <a:extLst>
                   <a:ext uri="{0D108BD9-81ED-4DB2-BD59-A6C34878D82A}">
-                    <a16:rowId xmlns:a16="http://schemas.microsoft.com/office/drawing/2014/main" val="1259991857"/>
+                    <a16:rowId xmlns:a16="http://schemas.microsoft.com/office/drawing/2014/main" xmlns="" val="1259991857"/>
                   </a:ext>
                 </a:extLst>
               </a:tr>
@@ -15391,7 +15843,7 @@
                 </a:tc>
                 <a:extLst>
                   <a:ext uri="{0D108BD9-81ED-4DB2-BD59-A6C34878D82A}">
-                    <a16:rowId xmlns:a16="http://schemas.microsoft.com/office/drawing/2014/main" val="1705778076"/>
+                    <a16:rowId xmlns:a16="http://schemas.microsoft.com/office/drawing/2014/main" xmlns="" val="1705778076"/>
                   </a:ext>
                 </a:extLst>
               </a:tr>
@@ -15478,7 +15930,7 @@
                 </a:tc>
                 <a:extLst>
                   <a:ext uri="{0D108BD9-81ED-4DB2-BD59-A6C34878D82A}">
-                    <a16:rowId xmlns:a16="http://schemas.microsoft.com/office/drawing/2014/main" val="3593844036"/>
+                    <a16:rowId xmlns:a16="http://schemas.microsoft.com/office/drawing/2014/main" xmlns="" val="3593844036"/>
                   </a:ext>
                 </a:extLst>
               </a:tr>
@@ -15565,7 +16017,7 @@
                 </a:tc>
                 <a:extLst>
                   <a:ext uri="{0D108BD9-81ED-4DB2-BD59-A6C34878D82A}">
-                    <a16:rowId xmlns:a16="http://schemas.microsoft.com/office/drawing/2014/main" val="2725860628"/>
+                    <a16:rowId xmlns:a16="http://schemas.microsoft.com/office/drawing/2014/main" xmlns="" val="2725860628"/>
                   </a:ext>
                 </a:extLst>
               </a:tr>
@@ -15652,7 +16104,7 @@
                 </a:tc>
                 <a:extLst>
                   <a:ext uri="{0D108BD9-81ED-4DB2-BD59-A6C34878D82A}">
-                    <a16:rowId xmlns:a16="http://schemas.microsoft.com/office/drawing/2014/main" val="3598242446"/>
+                    <a16:rowId xmlns:a16="http://schemas.microsoft.com/office/drawing/2014/main" xmlns="" val="3598242446"/>
                   </a:ext>
                 </a:extLst>
               </a:tr>
@@ -15665,7 +16117,7 @@
           <p:cNvPr id="4" name="Slide Number Placeholder 3">
             <a:extLst>
               <a:ext uri="{FF2B5EF4-FFF2-40B4-BE49-F238E27FC236}">
-                <a16:creationId xmlns:a16="http://schemas.microsoft.com/office/drawing/2014/main" id="{97D82D7D-618B-4FC6-9B8D-AF076B248E3B}"/>
+                <a16:creationId xmlns:a16="http://schemas.microsoft.com/office/drawing/2014/main" xmlns="" id="{97D82D7D-618B-4FC6-9B8D-AF076B248E3B}"/>
               </a:ext>
             </a:extLst>
           </p:cNvPr>
@@ -15694,7 +16146,7 @@
           <p:cNvPr id="6" name="Multiplication Sign 5">
             <a:extLst>
               <a:ext uri="{FF2B5EF4-FFF2-40B4-BE49-F238E27FC236}">
-                <a16:creationId xmlns:a16="http://schemas.microsoft.com/office/drawing/2014/main" id="{38108A66-6254-422A-831E-1095BB8DE301}"/>
+                <a16:creationId xmlns:a16="http://schemas.microsoft.com/office/drawing/2014/main" xmlns="" id="{38108A66-6254-422A-831E-1095BB8DE301}"/>
               </a:ext>
             </a:extLst>
           </p:cNvPr>
@@ -15748,7 +16200,7 @@
           <p:cNvPr id="7" name="TextBox 6">
             <a:extLst>
               <a:ext uri="{FF2B5EF4-FFF2-40B4-BE49-F238E27FC236}">
-                <a16:creationId xmlns:a16="http://schemas.microsoft.com/office/drawing/2014/main" id="{AAB138A2-4672-41FA-B1A3-1BCF77A65C1E}"/>
+                <a16:creationId xmlns:a16="http://schemas.microsoft.com/office/drawing/2014/main" xmlns="" id="{AAB138A2-4672-41FA-B1A3-1BCF77A65C1E}"/>
               </a:ext>
             </a:extLst>
           </p:cNvPr>
@@ -15797,7 +16249,7 @@
           <p:cNvPr id="8" name="TextBox 7">
             <a:extLst>
               <a:ext uri="{FF2B5EF4-FFF2-40B4-BE49-F238E27FC236}">
-                <a16:creationId xmlns:a16="http://schemas.microsoft.com/office/drawing/2014/main" id="{834ADA7A-0E97-41A2-AA02-F570FA699361}"/>
+                <a16:creationId xmlns:a16="http://schemas.microsoft.com/office/drawing/2014/main" xmlns="" id="{834ADA7A-0E97-41A2-AA02-F570FA699361}"/>
               </a:ext>
             </a:extLst>
           </p:cNvPr>
@@ -15854,7 +16306,7 @@
           <p:cNvPr id="9" name="Multiplication Sign 8">
             <a:extLst>
               <a:ext uri="{FF2B5EF4-FFF2-40B4-BE49-F238E27FC236}">
-                <a16:creationId xmlns:a16="http://schemas.microsoft.com/office/drawing/2014/main" id="{F7361447-BB27-4ADC-84D0-A4BAC0BC306E}"/>
+                <a16:creationId xmlns:a16="http://schemas.microsoft.com/office/drawing/2014/main" xmlns="" id="{F7361447-BB27-4ADC-84D0-A4BAC0BC306E}"/>
               </a:ext>
             </a:extLst>
           </p:cNvPr>
@@ -15908,7 +16360,7 @@
           <p:cNvPr id="10" name="TextBox 9">
             <a:extLst>
               <a:ext uri="{FF2B5EF4-FFF2-40B4-BE49-F238E27FC236}">
-                <a16:creationId xmlns:a16="http://schemas.microsoft.com/office/drawing/2014/main" id="{641F9E26-7091-49A7-85FD-BE26B7A11674}"/>
+                <a16:creationId xmlns:a16="http://schemas.microsoft.com/office/drawing/2014/main" xmlns="" id="{641F9E26-7091-49A7-85FD-BE26B7A11674}"/>
               </a:ext>
             </a:extLst>
           </p:cNvPr>
@@ -15943,7 +16395,7 @@
           <p:cNvPr id="11" name="Star: 5 Points 10">
             <a:extLst>
               <a:ext uri="{FF2B5EF4-FFF2-40B4-BE49-F238E27FC236}">
-                <a16:creationId xmlns:a16="http://schemas.microsoft.com/office/drawing/2014/main" id="{7A1FC458-B0D5-4718-8044-8530CD4DB6B5}"/>
+                <a16:creationId xmlns:a16="http://schemas.microsoft.com/office/drawing/2014/main" xmlns="" id="{7A1FC458-B0D5-4718-8044-8530CD4DB6B5}"/>
               </a:ext>
             </a:extLst>
           </p:cNvPr>
@@ -15992,7 +16444,7 @@
           <p:cNvPr id="3" name="Arrow: Right 2">
             <a:extLst>
               <a:ext uri="{FF2B5EF4-FFF2-40B4-BE49-F238E27FC236}">
-                <a16:creationId xmlns:a16="http://schemas.microsoft.com/office/drawing/2014/main" id="{04D8A79F-AD5A-491B-AFE6-0B51E946E952}"/>
+                <a16:creationId xmlns:a16="http://schemas.microsoft.com/office/drawing/2014/main" xmlns="" id="{04D8A79F-AD5A-491B-AFE6-0B51E946E952}"/>
               </a:ext>
             </a:extLst>
           </p:cNvPr>
@@ -16041,7 +16493,7 @@
           <p:cNvPr id="12" name="Arrow: Right 11">
             <a:extLst>
               <a:ext uri="{FF2B5EF4-FFF2-40B4-BE49-F238E27FC236}">
-                <a16:creationId xmlns:a16="http://schemas.microsoft.com/office/drawing/2014/main" id="{0BD7E000-2FE3-4E92-92B1-C7AEDA6C0F73}"/>
+                <a16:creationId xmlns:a16="http://schemas.microsoft.com/office/drawing/2014/main" xmlns="" id="{0BD7E000-2FE3-4E92-92B1-C7AEDA6C0F73}"/>
               </a:ext>
             </a:extLst>
           </p:cNvPr>
@@ -16090,7 +16542,7 @@
           <p:cNvPr id="13" name="Arrow: Right 12">
             <a:extLst>
               <a:ext uri="{FF2B5EF4-FFF2-40B4-BE49-F238E27FC236}">
-                <a16:creationId xmlns:a16="http://schemas.microsoft.com/office/drawing/2014/main" id="{D3FB69AB-C193-404C-842E-FA84A1741A4E}"/>
+                <a16:creationId xmlns:a16="http://schemas.microsoft.com/office/drawing/2014/main" xmlns="" id="{D3FB69AB-C193-404C-842E-FA84A1741A4E}"/>
               </a:ext>
             </a:extLst>
           </p:cNvPr>
@@ -16190,7 +16642,7 @@
     </a:clrScheme>
     <a:fontScheme name="Office">
       <a:majorFont>
-        <a:latin typeface="Calibri Light" panose="020F0302020204030204"/>
+        <a:latin typeface="Calibri Light"/>
         <a:ea typeface=""/>
         <a:cs typeface=""/>
         <a:font script="Jpan" typeface="游ゴシック Light"/>
@@ -16242,7 +16694,7 @@
         <a:font script="Tfng" typeface="Ebrima"/>
       </a:majorFont>
       <a:minorFont>
-        <a:latin typeface="Calibri" panose="020F0502020204030204"/>
+        <a:latin typeface="Calibri"/>
         <a:ea typeface=""/>
         <a:cs typeface=""/>
         <a:font script="Jpan" typeface="游ゴシック"/>
@@ -16436,7 +16888,7 @@
   <a:extraClrSchemeLst/>
   <a:extLst>
     <a:ext uri="{05A4C25C-085E-4340-85A3-A5531E510DB2}">
-      <thm15:themeFamily xmlns:thm15="http://schemas.microsoft.com/office/thememl/2012/main" name="Office Theme" id="{62F939B6-93AF-4DB8-9C6B-D6C7DFDC589F}" vid="{4A3C46E8-61CC-4603-A589-7422A47A8E4A}"/>
+      <thm15:themeFamily xmlns:thm15="http://schemas.microsoft.com/office/thememl/2012/main" xmlns="" name="Office Theme" id="{62F939B6-93AF-4DB8-9C6B-D6C7DFDC589F}" vid="{4A3C46E8-61CC-4603-A589-7422A47A8E4A}"/>
     </a:ext>
   </a:extLst>
 </a:theme>
@@ -16485,7 +16937,7 @@
     </a:clrScheme>
     <a:fontScheme name="Office">
       <a:majorFont>
-        <a:latin typeface="Calibri Light" panose="020F0302020204030204"/>
+        <a:latin typeface="Calibri Light"/>
         <a:ea typeface=""/>
         <a:cs typeface=""/>
         <a:font script="Jpan" typeface="游ゴシック Light"/>
@@ -16537,7 +16989,7 @@
         <a:font script="Tfng" typeface="Ebrima"/>
       </a:majorFont>
       <a:minorFont>
-        <a:latin typeface="Calibri" panose="020F0502020204030204"/>
+        <a:latin typeface="Calibri"/>
         <a:ea typeface=""/>
         <a:cs typeface=""/>
         <a:font script="Jpan" typeface="游ゴシック"/>
@@ -16731,7 +17183,7 @@
   <a:extraClrSchemeLst/>
   <a:extLst>
     <a:ext uri="{05A4C25C-085E-4340-85A3-A5531E510DB2}">
-      <thm15:themeFamily xmlns:thm15="http://schemas.microsoft.com/office/thememl/2012/main" name="Office Theme" id="{62F939B6-93AF-4DB8-9C6B-D6C7DFDC589F}" vid="{4A3C46E8-61CC-4603-A589-7422A47A8E4A}"/>
+      <thm15:themeFamily xmlns:thm15="http://schemas.microsoft.com/office/thememl/2012/main" xmlns="" name="Office Theme" id="{62F939B6-93AF-4DB8-9C6B-D6C7DFDC589F}" vid="{4A3C46E8-61CC-4603-A589-7422A47A8E4A}"/>
     </a:ext>
   </a:extLst>
 </a:theme>

--- a/Dokumentation/Roboter.pptx
+++ b/Dokumentation/Roboter.pptx
@@ -136,7 +136,18 @@
   </p:defaultTextStyle>
   <p:extLst>
     <p:ext uri="{EFAFB233-063F-42B5-8137-9DF3F51BA10A}">
-      <p15:sldGuideLst xmlns:p15="http://schemas.microsoft.com/office/powerpoint/2012/main" xmlns=""/>
+      <p15:sldGuideLst xmlns:p15="http://schemas.microsoft.com/office/powerpoint/2012/main">
+        <p15:guide id="1" orient="horz" pos="2160">
+          <p15:clr>
+            <a:srgbClr val="A4A3A4"/>
+          </p15:clr>
+        </p15:guide>
+        <p15:guide id="2" pos="3840">
+          <p15:clr>
+            <a:srgbClr val="A4A3A4"/>
+          </p15:clr>
+        </p15:guide>
+      </p15:sldGuideLst>
     </p:ext>
   </p:extLst>
 </p:presentation>
@@ -224,7 +235,7 @@
           <a:p>
             <a:fld id="{667D6E9C-FEFA-4AE6-9196-67D489BCC82C}" type="datetimeFigureOut">
               <a:rPr lang="de-DE" smtClean="0"/>
-              <a:t>26.03.18</a:t>
+              <a:t>27.03.2018</a:t>
             </a:fld>
             <a:endParaRPr lang="de-DE"/>
           </a:p>
@@ -513,7 +524,7 @@
           <p:cNvPr id="2" name="Titel 1">
             <a:extLst>
               <a:ext uri="{FF2B5EF4-FFF2-40B4-BE49-F238E27FC236}">
-                <a16:creationId xmlns:a16="http://schemas.microsoft.com/office/drawing/2014/main" xmlns="" id="{8DAA5488-17B1-45FF-81F3-21EFC66F5B3C}"/>
+                <a16:creationId xmlns:a16="http://schemas.microsoft.com/office/drawing/2014/main" id="{8DAA5488-17B1-45FF-81F3-21EFC66F5B3C}"/>
               </a:ext>
             </a:extLst>
           </p:cNvPr>
@@ -550,7 +561,7 @@
           <p:cNvPr id="3" name="Untertitel 2">
             <a:extLst>
               <a:ext uri="{FF2B5EF4-FFF2-40B4-BE49-F238E27FC236}">
-                <a16:creationId xmlns:a16="http://schemas.microsoft.com/office/drawing/2014/main" xmlns="" id="{49EA3FCD-3D43-4ACA-99B4-E4B07D493937}"/>
+                <a16:creationId xmlns:a16="http://schemas.microsoft.com/office/drawing/2014/main" id="{49EA3FCD-3D43-4ACA-99B4-E4B07D493937}"/>
               </a:ext>
             </a:extLst>
           </p:cNvPr>
@@ -620,7 +631,7 @@
           <p:cNvPr id="4" name="Datumsplatzhalter 3">
             <a:extLst>
               <a:ext uri="{FF2B5EF4-FFF2-40B4-BE49-F238E27FC236}">
-                <a16:creationId xmlns:a16="http://schemas.microsoft.com/office/drawing/2014/main" xmlns="" id="{CDADDD12-B82E-4C5A-B3F4-24C4B3B8EC3D}"/>
+                <a16:creationId xmlns:a16="http://schemas.microsoft.com/office/drawing/2014/main" id="{CDADDD12-B82E-4C5A-B3F4-24C4B3B8EC3D}"/>
               </a:ext>
             </a:extLst>
           </p:cNvPr>
@@ -638,7 +649,7 @@
           <a:p>
             <a:fld id="{23EB666B-F6D4-4DC2-BA2B-5CF0827327F0}" type="datetime1">
               <a:rPr lang="de-DE" smtClean="0"/>
-              <a:t>26.03.18</a:t>
+              <a:t>27.03.2018</a:t>
             </a:fld>
             <a:endParaRPr lang="de-DE"/>
           </a:p>
@@ -649,7 +660,7 @@
           <p:cNvPr id="5" name="Fußzeilenplatzhalter 4">
             <a:extLst>
               <a:ext uri="{FF2B5EF4-FFF2-40B4-BE49-F238E27FC236}">
-                <a16:creationId xmlns:a16="http://schemas.microsoft.com/office/drawing/2014/main" xmlns="" id="{002B6804-B339-4589-A7B1-0F2319C47445}"/>
+                <a16:creationId xmlns:a16="http://schemas.microsoft.com/office/drawing/2014/main" id="{002B6804-B339-4589-A7B1-0F2319C47445}"/>
               </a:ext>
             </a:extLst>
           </p:cNvPr>
@@ -674,7 +685,7 @@
           <p:cNvPr id="6" name="Foliennummernplatzhalter 5">
             <a:extLst>
               <a:ext uri="{FF2B5EF4-FFF2-40B4-BE49-F238E27FC236}">
-                <a16:creationId xmlns:a16="http://schemas.microsoft.com/office/drawing/2014/main" xmlns="" id="{74E8F7EA-C9B6-492F-A528-122410219F45}"/>
+                <a16:creationId xmlns:a16="http://schemas.microsoft.com/office/drawing/2014/main" id="{74E8F7EA-C9B6-492F-A528-122410219F45}"/>
               </a:ext>
             </a:extLst>
           </p:cNvPr>
@@ -733,7 +744,7 @@
           <p:cNvPr id="2" name="Titel 1">
             <a:extLst>
               <a:ext uri="{FF2B5EF4-FFF2-40B4-BE49-F238E27FC236}">
-                <a16:creationId xmlns:a16="http://schemas.microsoft.com/office/drawing/2014/main" xmlns="" id="{EC8EB34A-6CA8-4518-B918-0B6FD7FBFD74}"/>
+                <a16:creationId xmlns:a16="http://schemas.microsoft.com/office/drawing/2014/main" id="{EC8EB34A-6CA8-4518-B918-0B6FD7FBFD74}"/>
               </a:ext>
             </a:extLst>
           </p:cNvPr>
@@ -761,7 +772,7 @@
           <p:cNvPr id="3" name="Vertikaler Textplatzhalter 2">
             <a:extLst>
               <a:ext uri="{FF2B5EF4-FFF2-40B4-BE49-F238E27FC236}">
-                <a16:creationId xmlns:a16="http://schemas.microsoft.com/office/drawing/2014/main" xmlns="" id="{09A5460F-5D03-4E09-8AD5-D8FA54A87B9E}"/>
+                <a16:creationId xmlns:a16="http://schemas.microsoft.com/office/drawing/2014/main" id="{09A5460F-5D03-4E09-8AD5-D8FA54A87B9E}"/>
               </a:ext>
             </a:extLst>
           </p:cNvPr>
@@ -818,7 +829,7 @@
           <p:cNvPr id="4" name="Datumsplatzhalter 3">
             <a:extLst>
               <a:ext uri="{FF2B5EF4-FFF2-40B4-BE49-F238E27FC236}">
-                <a16:creationId xmlns:a16="http://schemas.microsoft.com/office/drawing/2014/main" xmlns="" id="{54BF5B18-4CD6-47A7-906B-54B05584FBC3}"/>
+                <a16:creationId xmlns:a16="http://schemas.microsoft.com/office/drawing/2014/main" id="{54BF5B18-4CD6-47A7-906B-54B05584FBC3}"/>
               </a:ext>
             </a:extLst>
           </p:cNvPr>
@@ -836,7 +847,7 @@
           <a:p>
             <a:fld id="{DDC6096B-34AB-48A6-8B0B-AA3C911221CC}" type="datetime1">
               <a:rPr lang="de-DE" smtClean="0"/>
-              <a:t>26.03.18</a:t>
+              <a:t>27.03.2018</a:t>
             </a:fld>
             <a:endParaRPr lang="de-DE"/>
           </a:p>
@@ -847,7 +858,7 @@
           <p:cNvPr id="5" name="Fußzeilenplatzhalter 4">
             <a:extLst>
               <a:ext uri="{FF2B5EF4-FFF2-40B4-BE49-F238E27FC236}">
-                <a16:creationId xmlns:a16="http://schemas.microsoft.com/office/drawing/2014/main" xmlns="" id="{025004E2-97DF-4EF0-88CC-0B9930F3FAC7}"/>
+                <a16:creationId xmlns:a16="http://schemas.microsoft.com/office/drawing/2014/main" id="{025004E2-97DF-4EF0-88CC-0B9930F3FAC7}"/>
               </a:ext>
             </a:extLst>
           </p:cNvPr>
@@ -872,7 +883,7 @@
           <p:cNvPr id="6" name="Foliennummernplatzhalter 5">
             <a:extLst>
               <a:ext uri="{FF2B5EF4-FFF2-40B4-BE49-F238E27FC236}">
-                <a16:creationId xmlns:a16="http://schemas.microsoft.com/office/drawing/2014/main" xmlns="" id="{F78CAB8B-4EE1-4261-9262-994E8D389456}"/>
+                <a16:creationId xmlns:a16="http://schemas.microsoft.com/office/drawing/2014/main" id="{F78CAB8B-4EE1-4261-9262-994E8D389456}"/>
               </a:ext>
             </a:extLst>
           </p:cNvPr>
@@ -931,7 +942,7 @@
           <p:cNvPr id="2" name="Vertikaler Titel 1">
             <a:extLst>
               <a:ext uri="{FF2B5EF4-FFF2-40B4-BE49-F238E27FC236}">
-                <a16:creationId xmlns:a16="http://schemas.microsoft.com/office/drawing/2014/main" xmlns="" id="{B8EF1F10-3DD2-4400-A9ED-FC248A55D9D7}"/>
+                <a16:creationId xmlns:a16="http://schemas.microsoft.com/office/drawing/2014/main" id="{B8EF1F10-3DD2-4400-A9ED-FC248A55D9D7}"/>
               </a:ext>
             </a:extLst>
           </p:cNvPr>
@@ -964,7 +975,7 @@
           <p:cNvPr id="3" name="Vertikaler Textplatzhalter 2">
             <a:extLst>
               <a:ext uri="{FF2B5EF4-FFF2-40B4-BE49-F238E27FC236}">
-                <a16:creationId xmlns:a16="http://schemas.microsoft.com/office/drawing/2014/main" xmlns="" id="{F3444A10-1E2C-4191-B026-84BCCC9D81D4}"/>
+                <a16:creationId xmlns:a16="http://schemas.microsoft.com/office/drawing/2014/main" id="{F3444A10-1E2C-4191-B026-84BCCC9D81D4}"/>
               </a:ext>
             </a:extLst>
           </p:cNvPr>
@@ -1026,7 +1037,7 @@
           <p:cNvPr id="4" name="Datumsplatzhalter 3">
             <a:extLst>
               <a:ext uri="{FF2B5EF4-FFF2-40B4-BE49-F238E27FC236}">
-                <a16:creationId xmlns:a16="http://schemas.microsoft.com/office/drawing/2014/main" xmlns="" id="{1E1E074D-5C0D-48DA-B42D-17BB41F2E87E}"/>
+                <a16:creationId xmlns:a16="http://schemas.microsoft.com/office/drawing/2014/main" id="{1E1E074D-5C0D-48DA-B42D-17BB41F2E87E}"/>
               </a:ext>
             </a:extLst>
           </p:cNvPr>
@@ -1044,7 +1055,7 @@
           <a:p>
             <a:fld id="{407FD86E-BFFD-4661-835C-7D0E258F6D22}" type="datetime1">
               <a:rPr lang="de-DE" smtClean="0"/>
-              <a:t>26.03.18</a:t>
+              <a:t>27.03.2018</a:t>
             </a:fld>
             <a:endParaRPr lang="de-DE"/>
           </a:p>
@@ -1055,7 +1066,7 @@
           <p:cNvPr id="5" name="Fußzeilenplatzhalter 4">
             <a:extLst>
               <a:ext uri="{FF2B5EF4-FFF2-40B4-BE49-F238E27FC236}">
-                <a16:creationId xmlns:a16="http://schemas.microsoft.com/office/drawing/2014/main" xmlns="" id="{A2B4BF41-463C-4311-9EFC-BA708AFAFB0A}"/>
+                <a16:creationId xmlns:a16="http://schemas.microsoft.com/office/drawing/2014/main" id="{A2B4BF41-463C-4311-9EFC-BA708AFAFB0A}"/>
               </a:ext>
             </a:extLst>
           </p:cNvPr>
@@ -1080,7 +1091,7 @@
           <p:cNvPr id="6" name="Foliennummernplatzhalter 5">
             <a:extLst>
               <a:ext uri="{FF2B5EF4-FFF2-40B4-BE49-F238E27FC236}">
-                <a16:creationId xmlns:a16="http://schemas.microsoft.com/office/drawing/2014/main" xmlns="" id="{BBF93051-75E2-4C4C-A973-BD100EC29035}"/>
+                <a16:creationId xmlns:a16="http://schemas.microsoft.com/office/drawing/2014/main" id="{BBF93051-75E2-4C4C-A973-BD100EC29035}"/>
               </a:ext>
             </a:extLst>
           </p:cNvPr>
@@ -1139,7 +1150,7 @@
           <p:cNvPr id="2" name="Titel 1">
             <a:extLst>
               <a:ext uri="{FF2B5EF4-FFF2-40B4-BE49-F238E27FC236}">
-                <a16:creationId xmlns:a16="http://schemas.microsoft.com/office/drawing/2014/main" xmlns="" id="{C4EE41AB-8BD2-4C18-B8AF-7D3A12497695}"/>
+                <a16:creationId xmlns:a16="http://schemas.microsoft.com/office/drawing/2014/main" id="{C4EE41AB-8BD2-4C18-B8AF-7D3A12497695}"/>
               </a:ext>
             </a:extLst>
           </p:cNvPr>
@@ -1167,7 +1178,7 @@
           <p:cNvPr id="3" name="Inhaltsplatzhalter 2">
             <a:extLst>
               <a:ext uri="{FF2B5EF4-FFF2-40B4-BE49-F238E27FC236}">
-                <a16:creationId xmlns:a16="http://schemas.microsoft.com/office/drawing/2014/main" xmlns="" id="{7BB11243-D225-48CD-AFF9-64186D43EC1E}"/>
+                <a16:creationId xmlns:a16="http://schemas.microsoft.com/office/drawing/2014/main" id="{7BB11243-D225-48CD-AFF9-64186D43EC1E}"/>
               </a:ext>
             </a:extLst>
           </p:cNvPr>
@@ -1224,7 +1235,7 @@
           <p:cNvPr id="4" name="Datumsplatzhalter 3">
             <a:extLst>
               <a:ext uri="{FF2B5EF4-FFF2-40B4-BE49-F238E27FC236}">
-                <a16:creationId xmlns:a16="http://schemas.microsoft.com/office/drawing/2014/main" xmlns="" id="{F3CC708E-F96F-425F-867B-53523F205809}"/>
+                <a16:creationId xmlns:a16="http://schemas.microsoft.com/office/drawing/2014/main" id="{F3CC708E-F96F-425F-867B-53523F205809}"/>
               </a:ext>
             </a:extLst>
           </p:cNvPr>
@@ -1242,7 +1253,7 @@
           <a:p>
             <a:fld id="{0060243F-1866-4F8D-A2B2-76D33461B3CF}" type="datetime1">
               <a:rPr lang="de-DE" smtClean="0"/>
-              <a:t>26.03.18</a:t>
+              <a:t>27.03.2018</a:t>
             </a:fld>
             <a:endParaRPr lang="de-DE"/>
           </a:p>
@@ -1253,7 +1264,7 @@
           <p:cNvPr id="5" name="Fußzeilenplatzhalter 4">
             <a:extLst>
               <a:ext uri="{FF2B5EF4-FFF2-40B4-BE49-F238E27FC236}">
-                <a16:creationId xmlns:a16="http://schemas.microsoft.com/office/drawing/2014/main" xmlns="" id="{EC9383E3-AE45-4B1B-9706-67C370C4DE78}"/>
+                <a16:creationId xmlns:a16="http://schemas.microsoft.com/office/drawing/2014/main" id="{EC9383E3-AE45-4B1B-9706-67C370C4DE78}"/>
               </a:ext>
             </a:extLst>
           </p:cNvPr>
@@ -1278,7 +1289,7 @@
           <p:cNvPr id="6" name="Foliennummernplatzhalter 5">
             <a:extLst>
               <a:ext uri="{FF2B5EF4-FFF2-40B4-BE49-F238E27FC236}">
-                <a16:creationId xmlns:a16="http://schemas.microsoft.com/office/drawing/2014/main" xmlns="" id="{82BB7911-EA6D-448A-9055-381FFA87FD15}"/>
+                <a16:creationId xmlns:a16="http://schemas.microsoft.com/office/drawing/2014/main" id="{82BB7911-EA6D-448A-9055-381FFA87FD15}"/>
               </a:ext>
             </a:extLst>
           </p:cNvPr>
@@ -1337,7 +1348,7 @@
           <p:cNvPr id="2" name="Titel 1">
             <a:extLst>
               <a:ext uri="{FF2B5EF4-FFF2-40B4-BE49-F238E27FC236}">
-                <a16:creationId xmlns:a16="http://schemas.microsoft.com/office/drawing/2014/main" xmlns="" id="{F7EB64A0-A73B-4BD6-A5E9-EF5EB171158A}"/>
+                <a16:creationId xmlns:a16="http://schemas.microsoft.com/office/drawing/2014/main" id="{F7EB64A0-A73B-4BD6-A5E9-EF5EB171158A}"/>
               </a:ext>
             </a:extLst>
           </p:cNvPr>
@@ -1374,7 +1385,7 @@
           <p:cNvPr id="3" name="Textplatzhalter 2">
             <a:extLst>
               <a:ext uri="{FF2B5EF4-FFF2-40B4-BE49-F238E27FC236}">
-                <a16:creationId xmlns:a16="http://schemas.microsoft.com/office/drawing/2014/main" xmlns="" id="{6DB1B29C-1182-479E-825E-76F4FF413657}"/>
+                <a16:creationId xmlns:a16="http://schemas.microsoft.com/office/drawing/2014/main" id="{6DB1B29C-1182-479E-825E-76F4FF413657}"/>
               </a:ext>
             </a:extLst>
           </p:cNvPr>
@@ -1499,7 +1510,7 @@
           <p:cNvPr id="4" name="Datumsplatzhalter 3">
             <a:extLst>
               <a:ext uri="{FF2B5EF4-FFF2-40B4-BE49-F238E27FC236}">
-                <a16:creationId xmlns:a16="http://schemas.microsoft.com/office/drawing/2014/main" xmlns="" id="{F6B250BD-425E-4186-B40B-5594FF9C2697}"/>
+                <a16:creationId xmlns:a16="http://schemas.microsoft.com/office/drawing/2014/main" id="{F6B250BD-425E-4186-B40B-5594FF9C2697}"/>
               </a:ext>
             </a:extLst>
           </p:cNvPr>
@@ -1517,7 +1528,7 @@
           <a:p>
             <a:fld id="{30F3688E-8457-4C6B-8C67-700B1B4DC1E7}" type="datetime1">
               <a:rPr lang="de-DE" smtClean="0"/>
-              <a:t>26.03.18</a:t>
+              <a:t>27.03.2018</a:t>
             </a:fld>
             <a:endParaRPr lang="de-DE"/>
           </a:p>
@@ -1528,7 +1539,7 @@
           <p:cNvPr id="5" name="Fußzeilenplatzhalter 4">
             <a:extLst>
               <a:ext uri="{FF2B5EF4-FFF2-40B4-BE49-F238E27FC236}">
-                <a16:creationId xmlns:a16="http://schemas.microsoft.com/office/drawing/2014/main" xmlns="" id="{A64762E0-B1B9-4BCD-8C3D-B6AB09DAFF3E}"/>
+                <a16:creationId xmlns:a16="http://schemas.microsoft.com/office/drawing/2014/main" id="{A64762E0-B1B9-4BCD-8C3D-B6AB09DAFF3E}"/>
               </a:ext>
             </a:extLst>
           </p:cNvPr>
@@ -1553,7 +1564,7 @@
           <p:cNvPr id="6" name="Foliennummernplatzhalter 5">
             <a:extLst>
               <a:ext uri="{FF2B5EF4-FFF2-40B4-BE49-F238E27FC236}">
-                <a16:creationId xmlns:a16="http://schemas.microsoft.com/office/drawing/2014/main" xmlns="" id="{08248617-91F7-4D23-872F-952F226380E4}"/>
+                <a16:creationId xmlns:a16="http://schemas.microsoft.com/office/drawing/2014/main" id="{08248617-91F7-4D23-872F-952F226380E4}"/>
               </a:ext>
             </a:extLst>
           </p:cNvPr>
@@ -1612,7 +1623,7 @@
           <p:cNvPr id="2" name="Titel 1">
             <a:extLst>
               <a:ext uri="{FF2B5EF4-FFF2-40B4-BE49-F238E27FC236}">
-                <a16:creationId xmlns:a16="http://schemas.microsoft.com/office/drawing/2014/main" xmlns="" id="{65A955DD-42A8-4F89-BB48-220A47174945}"/>
+                <a16:creationId xmlns:a16="http://schemas.microsoft.com/office/drawing/2014/main" id="{65A955DD-42A8-4F89-BB48-220A47174945}"/>
               </a:ext>
             </a:extLst>
           </p:cNvPr>
@@ -1640,7 +1651,7 @@
           <p:cNvPr id="3" name="Inhaltsplatzhalter 2">
             <a:extLst>
               <a:ext uri="{FF2B5EF4-FFF2-40B4-BE49-F238E27FC236}">
-                <a16:creationId xmlns:a16="http://schemas.microsoft.com/office/drawing/2014/main" xmlns="" id="{63E73B94-2695-4767-94E6-E546AE2D73A2}"/>
+                <a16:creationId xmlns:a16="http://schemas.microsoft.com/office/drawing/2014/main" id="{63E73B94-2695-4767-94E6-E546AE2D73A2}"/>
               </a:ext>
             </a:extLst>
           </p:cNvPr>
@@ -1702,7 +1713,7 @@
           <p:cNvPr id="4" name="Inhaltsplatzhalter 3">
             <a:extLst>
               <a:ext uri="{FF2B5EF4-FFF2-40B4-BE49-F238E27FC236}">
-                <a16:creationId xmlns:a16="http://schemas.microsoft.com/office/drawing/2014/main" xmlns="" id="{12F70BFE-CDD9-4F3F-95D1-87CD1D696576}"/>
+                <a16:creationId xmlns:a16="http://schemas.microsoft.com/office/drawing/2014/main" id="{12F70BFE-CDD9-4F3F-95D1-87CD1D696576}"/>
               </a:ext>
             </a:extLst>
           </p:cNvPr>
@@ -1764,7 +1775,7 @@
           <p:cNvPr id="5" name="Datumsplatzhalter 4">
             <a:extLst>
               <a:ext uri="{FF2B5EF4-FFF2-40B4-BE49-F238E27FC236}">
-                <a16:creationId xmlns:a16="http://schemas.microsoft.com/office/drawing/2014/main" xmlns="" id="{8A565719-570F-4D90-AB57-9A538F0BDBC6}"/>
+                <a16:creationId xmlns:a16="http://schemas.microsoft.com/office/drawing/2014/main" id="{8A565719-570F-4D90-AB57-9A538F0BDBC6}"/>
               </a:ext>
             </a:extLst>
           </p:cNvPr>
@@ -1782,7 +1793,7 @@
           <a:p>
             <a:fld id="{41230D57-A438-4C3F-9F84-4C5C291E5A5F}" type="datetime1">
               <a:rPr lang="de-DE" smtClean="0"/>
-              <a:t>26.03.18</a:t>
+              <a:t>27.03.2018</a:t>
             </a:fld>
             <a:endParaRPr lang="de-DE"/>
           </a:p>
@@ -1793,7 +1804,7 @@
           <p:cNvPr id="6" name="Fußzeilenplatzhalter 5">
             <a:extLst>
               <a:ext uri="{FF2B5EF4-FFF2-40B4-BE49-F238E27FC236}">
-                <a16:creationId xmlns:a16="http://schemas.microsoft.com/office/drawing/2014/main" xmlns="" id="{72A0590A-8068-4022-B0D6-18311A8E7421}"/>
+                <a16:creationId xmlns:a16="http://schemas.microsoft.com/office/drawing/2014/main" id="{72A0590A-8068-4022-B0D6-18311A8E7421}"/>
               </a:ext>
             </a:extLst>
           </p:cNvPr>
@@ -1818,7 +1829,7 @@
           <p:cNvPr id="7" name="Foliennummernplatzhalter 6">
             <a:extLst>
               <a:ext uri="{FF2B5EF4-FFF2-40B4-BE49-F238E27FC236}">
-                <a16:creationId xmlns:a16="http://schemas.microsoft.com/office/drawing/2014/main" xmlns="" id="{C83166D0-9F64-495C-9E4F-5A65927073B3}"/>
+                <a16:creationId xmlns:a16="http://schemas.microsoft.com/office/drawing/2014/main" id="{C83166D0-9F64-495C-9E4F-5A65927073B3}"/>
               </a:ext>
             </a:extLst>
           </p:cNvPr>
@@ -1877,7 +1888,7 @@
           <p:cNvPr id="2" name="Titel 1">
             <a:extLst>
               <a:ext uri="{FF2B5EF4-FFF2-40B4-BE49-F238E27FC236}">
-                <a16:creationId xmlns:a16="http://schemas.microsoft.com/office/drawing/2014/main" xmlns="" id="{1C417242-0BDC-4FFF-852D-6284D0A90826}"/>
+                <a16:creationId xmlns:a16="http://schemas.microsoft.com/office/drawing/2014/main" id="{1C417242-0BDC-4FFF-852D-6284D0A90826}"/>
               </a:ext>
             </a:extLst>
           </p:cNvPr>
@@ -1910,7 +1921,7 @@
           <p:cNvPr id="3" name="Textplatzhalter 2">
             <a:extLst>
               <a:ext uri="{FF2B5EF4-FFF2-40B4-BE49-F238E27FC236}">
-                <a16:creationId xmlns:a16="http://schemas.microsoft.com/office/drawing/2014/main" xmlns="" id="{1B30064E-271D-47A2-BC0C-925A7546C475}"/>
+                <a16:creationId xmlns:a16="http://schemas.microsoft.com/office/drawing/2014/main" id="{1B30064E-271D-47A2-BC0C-925A7546C475}"/>
               </a:ext>
             </a:extLst>
           </p:cNvPr>
@@ -1981,7 +1992,7 @@
           <p:cNvPr id="4" name="Inhaltsplatzhalter 3">
             <a:extLst>
               <a:ext uri="{FF2B5EF4-FFF2-40B4-BE49-F238E27FC236}">
-                <a16:creationId xmlns:a16="http://schemas.microsoft.com/office/drawing/2014/main" xmlns="" id="{6F27B6C5-5982-4A68-91FD-06F07638CEA6}"/>
+                <a16:creationId xmlns:a16="http://schemas.microsoft.com/office/drawing/2014/main" id="{6F27B6C5-5982-4A68-91FD-06F07638CEA6}"/>
               </a:ext>
             </a:extLst>
           </p:cNvPr>
@@ -2043,7 +2054,7 @@
           <p:cNvPr id="5" name="Textplatzhalter 4">
             <a:extLst>
               <a:ext uri="{FF2B5EF4-FFF2-40B4-BE49-F238E27FC236}">
-                <a16:creationId xmlns:a16="http://schemas.microsoft.com/office/drawing/2014/main" xmlns="" id="{C7604F73-6C89-4198-BB8F-B837C02FC668}"/>
+                <a16:creationId xmlns:a16="http://schemas.microsoft.com/office/drawing/2014/main" id="{C7604F73-6C89-4198-BB8F-B837C02FC668}"/>
               </a:ext>
             </a:extLst>
           </p:cNvPr>
@@ -2114,7 +2125,7 @@
           <p:cNvPr id="6" name="Inhaltsplatzhalter 5">
             <a:extLst>
               <a:ext uri="{FF2B5EF4-FFF2-40B4-BE49-F238E27FC236}">
-                <a16:creationId xmlns:a16="http://schemas.microsoft.com/office/drawing/2014/main" xmlns="" id="{325AA58D-18A1-4DA7-934F-612D75CE806F}"/>
+                <a16:creationId xmlns:a16="http://schemas.microsoft.com/office/drawing/2014/main" id="{325AA58D-18A1-4DA7-934F-612D75CE806F}"/>
               </a:ext>
             </a:extLst>
           </p:cNvPr>
@@ -2176,7 +2187,7 @@
           <p:cNvPr id="7" name="Datumsplatzhalter 6">
             <a:extLst>
               <a:ext uri="{FF2B5EF4-FFF2-40B4-BE49-F238E27FC236}">
-                <a16:creationId xmlns:a16="http://schemas.microsoft.com/office/drawing/2014/main" xmlns="" id="{9F15F3D8-5C2F-417C-B257-549166BA28AE}"/>
+                <a16:creationId xmlns:a16="http://schemas.microsoft.com/office/drawing/2014/main" id="{9F15F3D8-5C2F-417C-B257-549166BA28AE}"/>
               </a:ext>
             </a:extLst>
           </p:cNvPr>
@@ -2194,7 +2205,7 @@
           <a:p>
             <a:fld id="{AF62F608-86F1-40CF-82FC-1C147C3DD224}" type="datetime1">
               <a:rPr lang="de-DE" smtClean="0"/>
-              <a:t>26.03.18</a:t>
+              <a:t>27.03.2018</a:t>
             </a:fld>
             <a:endParaRPr lang="de-DE"/>
           </a:p>
@@ -2205,7 +2216,7 @@
           <p:cNvPr id="8" name="Fußzeilenplatzhalter 7">
             <a:extLst>
               <a:ext uri="{FF2B5EF4-FFF2-40B4-BE49-F238E27FC236}">
-                <a16:creationId xmlns:a16="http://schemas.microsoft.com/office/drawing/2014/main" xmlns="" id="{475FF603-B123-4D53-95C9-BC1941CFEF51}"/>
+                <a16:creationId xmlns:a16="http://schemas.microsoft.com/office/drawing/2014/main" id="{475FF603-B123-4D53-95C9-BC1941CFEF51}"/>
               </a:ext>
             </a:extLst>
           </p:cNvPr>
@@ -2230,7 +2241,7 @@
           <p:cNvPr id="9" name="Foliennummernplatzhalter 8">
             <a:extLst>
               <a:ext uri="{FF2B5EF4-FFF2-40B4-BE49-F238E27FC236}">
-                <a16:creationId xmlns:a16="http://schemas.microsoft.com/office/drawing/2014/main" xmlns="" id="{5DF1DD4F-A8A7-4D67-AD7E-9EF2D2190292}"/>
+                <a16:creationId xmlns:a16="http://schemas.microsoft.com/office/drawing/2014/main" id="{5DF1DD4F-A8A7-4D67-AD7E-9EF2D2190292}"/>
               </a:ext>
             </a:extLst>
           </p:cNvPr>
@@ -2289,7 +2300,7 @@
           <p:cNvPr id="2" name="Titel 1">
             <a:extLst>
               <a:ext uri="{FF2B5EF4-FFF2-40B4-BE49-F238E27FC236}">
-                <a16:creationId xmlns:a16="http://schemas.microsoft.com/office/drawing/2014/main" xmlns="" id="{93F79F45-E779-4E72-89D3-932934929361}"/>
+                <a16:creationId xmlns:a16="http://schemas.microsoft.com/office/drawing/2014/main" id="{93F79F45-E779-4E72-89D3-932934929361}"/>
               </a:ext>
             </a:extLst>
           </p:cNvPr>
@@ -2317,7 +2328,7 @@
           <p:cNvPr id="3" name="Datumsplatzhalter 2">
             <a:extLst>
               <a:ext uri="{FF2B5EF4-FFF2-40B4-BE49-F238E27FC236}">
-                <a16:creationId xmlns:a16="http://schemas.microsoft.com/office/drawing/2014/main" xmlns="" id="{557E0A61-9814-4B3F-ABB5-BA450BD4068D}"/>
+                <a16:creationId xmlns:a16="http://schemas.microsoft.com/office/drawing/2014/main" id="{557E0A61-9814-4B3F-ABB5-BA450BD4068D}"/>
               </a:ext>
             </a:extLst>
           </p:cNvPr>
@@ -2335,7 +2346,7 @@
           <a:p>
             <a:fld id="{A171A553-3517-40AF-B856-21919B4E6188}" type="datetime1">
               <a:rPr lang="de-DE" smtClean="0"/>
-              <a:t>26.03.18</a:t>
+              <a:t>27.03.2018</a:t>
             </a:fld>
             <a:endParaRPr lang="de-DE"/>
           </a:p>
@@ -2346,7 +2357,7 @@
           <p:cNvPr id="4" name="Fußzeilenplatzhalter 3">
             <a:extLst>
               <a:ext uri="{FF2B5EF4-FFF2-40B4-BE49-F238E27FC236}">
-                <a16:creationId xmlns:a16="http://schemas.microsoft.com/office/drawing/2014/main" xmlns="" id="{A87ACCDF-3E97-4BD5-B604-C724D5F158A3}"/>
+                <a16:creationId xmlns:a16="http://schemas.microsoft.com/office/drawing/2014/main" id="{A87ACCDF-3E97-4BD5-B604-C724D5F158A3}"/>
               </a:ext>
             </a:extLst>
           </p:cNvPr>
@@ -2371,7 +2382,7 @@
           <p:cNvPr id="5" name="Foliennummernplatzhalter 4">
             <a:extLst>
               <a:ext uri="{FF2B5EF4-FFF2-40B4-BE49-F238E27FC236}">
-                <a16:creationId xmlns:a16="http://schemas.microsoft.com/office/drawing/2014/main" xmlns="" id="{EF38A0D8-245A-4FB4-AA78-4A88E3E23565}"/>
+                <a16:creationId xmlns:a16="http://schemas.microsoft.com/office/drawing/2014/main" id="{EF38A0D8-245A-4FB4-AA78-4A88E3E23565}"/>
               </a:ext>
             </a:extLst>
           </p:cNvPr>
@@ -2430,7 +2441,7 @@
           <p:cNvPr id="2" name="Datumsplatzhalter 1">
             <a:extLst>
               <a:ext uri="{FF2B5EF4-FFF2-40B4-BE49-F238E27FC236}">
-                <a16:creationId xmlns:a16="http://schemas.microsoft.com/office/drawing/2014/main" xmlns="" id="{F1D8BBAD-C5C8-46E0-9976-5F920E34DD7E}"/>
+                <a16:creationId xmlns:a16="http://schemas.microsoft.com/office/drawing/2014/main" id="{F1D8BBAD-C5C8-46E0-9976-5F920E34DD7E}"/>
               </a:ext>
             </a:extLst>
           </p:cNvPr>
@@ -2448,7 +2459,7 @@
           <a:p>
             <a:fld id="{793C024D-9082-4157-A667-CF73921D3E21}" type="datetime1">
               <a:rPr lang="de-DE" smtClean="0"/>
-              <a:t>26.03.18</a:t>
+              <a:t>27.03.2018</a:t>
             </a:fld>
             <a:endParaRPr lang="de-DE"/>
           </a:p>
@@ -2459,7 +2470,7 @@
           <p:cNvPr id="3" name="Fußzeilenplatzhalter 2">
             <a:extLst>
               <a:ext uri="{FF2B5EF4-FFF2-40B4-BE49-F238E27FC236}">
-                <a16:creationId xmlns:a16="http://schemas.microsoft.com/office/drawing/2014/main" xmlns="" id="{EA926F46-ACF0-410A-8472-6D818E306994}"/>
+                <a16:creationId xmlns:a16="http://schemas.microsoft.com/office/drawing/2014/main" id="{EA926F46-ACF0-410A-8472-6D818E306994}"/>
               </a:ext>
             </a:extLst>
           </p:cNvPr>
@@ -2484,7 +2495,7 @@
           <p:cNvPr id="4" name="Foliennummernplatzhalter 3">
             <a:extLst>
               <a:ext uri="{FF2B5EF4-FFF2-40B4-BE49-F238E27FC236}">
-                <a16:creationId xmlns:a16="http://schemas.microsoft.com/office/drawing/2014/main" xmlns="" id="{E8EE1B76-7EA0-4153-B9B3-C7FAC9E2E38E}"/>
+                <a16:creationId xmlns:a16="http://schemas.microsoft.com/office/drawing/2014/main" id="{E8EE1B76-7EA0-4153-B9B3-C7FAC9E2E38E}"/>
               </a:ext>
             </a:extLst>
           </p:cNvPr>
@@ -2543,7 +2554,7 @@
           <p:cNvPr id="2" name="Titel 1">
             <a:extLst>
               <a:ext uri="{FF2B5EF4-FFF2-40B4-BE49-F238E27FC236}">
-                <a16:creationId xmlns:a16="http://schemas.microsoft.com/office/drawing/2014/main" xmlns="" id="{E7DFF31F-2E58-4CFC-89ED-0CD1719642AB}"/>
+                <a16:creationId xmlns:a16="http://schemas.microsoft.com/office/drawing/2014/main" id="{E7DFF31F-2E58-4CFC-89ED-0CD1719642AB}"/>
               </a:ext>
             </a:extLst>
           </p:cNvPr>
@@ -2580,7 +2591,7 @@
           <p:cNvPr id="3" name="Inhaltsplatzhalter 2">
             <a:extLst>
               <a:ext uri="{FF2B5EF4-FFF2-40B4-BE49-F238E27FC236}">
-                <a16:creationId xmlns:a16="http://schemas.microsoft.com/office/drawing/2014/main" xmlns="" id="{8212DCFE-5A6E-4AB1-B413-7D1A81EC5A5B}"/>
+                <a16:creationId xmlns:a16="http://schemas.microsoft.com/office/drawing/2014/main" id="{8212DCFE-5A6E-4AB1-B413-7D1A81EC5A5B}"/>
               </a:ext>
             </a:extLst>
           </p:cNvPr>
@@ -2670,7 +2681,7 @@
           <p:cNvPr id="4" name="Textplatzhalter 3">
             <a:extLst>
               <a:ext uri="{FF2B5EF4-FFF2-40B4-BE49-F238E27FC236}">
-                <a16:creationId xmlns:a16="http://schemas.microsoft.com/office/drawing/2014/main" xmlns="" id="{D013B7DF-6A86-4B2A-87B0-C088184D3DC9}"/>
+                <a16:creationId xmlns:a16="http://schemas.microsoft.com/office/drawing/2014/main" id="{D013B7DF-6A86-4B2A-87B0-C088184D3DC9}"/>
               </a:ext>
             </a:extLst>
           </p:cNvPr>
@@ -2741,7 +2752,7 @@
           <p:cNvPr id="5" name="Datumsplatzhalter 4">
             <a:extLst>
               <a:ext uri="{FF2B5EF4-FFF2-40B4-BE49-F238E27FC236}">
-                <a16:creationId xmlns:a16="http://schemas.microsoft.com/office/drawing/2014/main" xmlns="" id="{4A933A87-552D-4B49-B6AF-5C3504349897}"/>
+                <a16:creationId xmlns:a16="http://schemas.microsoft.com/office/drawing/2014/main" id="{4A933A87-552D-4B49-B6AF-5C3504349897}"/>
               </a:ext>
             </a:extLst>
           </p:cNvPr>
@@ -2759,7 +2770,7 @@
           <a:p>
             <a:fld id="{CB9F0996-3986-4BD0-AC2D-F5F802D0DF4C}" type="datetime1">
               <a:rPr lang="de-DE" smtClean="0"/>
-              <a:t>26.03.18</a:t>
+              <a:t>27.03.2018</a:t>
             </a:fld>
             <a:endParaRPr lang="de-DE"/>
           </a:p>
@@ -2770,7 +2781,7 @@
           <p:cNvPr id="6" name="Fußzeilenplatzhalter 5">
             <a:extLst>
               <a:ext uri="{FF2B5EF4-FFF2-40B4-BE49-F238E27FC236}">
-                <a16:creationId xmlns:a16="http://schemas.microsoft.com/office/drawing/2014/main" xmlns="" id="{E4837E9A-470C-4E90-B748-2EBC9AF2FBCF}"/>
+                <a16:creationId xmlns:a16="http://schemas.microsoft.com/office/drawing/2014/main" id="{E4837E9A-470C-4E90-B748-2EBC9AF2FBCF}"/>
               </a:ext>
             </a:extLst>
           </p:cNvPr>
@@ -2795,7 +2806,7 @@
           <p:cNvPr id="7" name="Foliennummernplatzhalter 6">
             <a:extLst>
               <a:ext uri="{FF2B5EF4-FFF2-40B4-BE49-F238E27FC236}">
-                <a16:creationId xmlns:a16="http://schemas.microsoft.com/office/drawing/2014/main" xmlns="" id="{1E9F074A-452F-4A0D-9C3C-766560CC2776}"/>
+                <a16:creationId xmlns:a16="http://schemas.microsoft.com/office/drawing/2014/main" id="{1E9F074A-452F-4A0D-9C3C-766560CC2776}"/>
               </a:ext>
             </a:extLst>
           </p:cNvPr>
@@ -2854,7 +2865,7 @@
           <p:cNvPr id="2" name="Titel 1">
             <a:extLst>
               <a:ext uri="{FF2B5EF4-FFF2-40B4-BE49-F238E27FC236}">
-                <a16:creationId xmlns:a16="http://schemas.microsoft.com/office/drawing/2014/main" xmlns="" id="{5759C210-72B7-40E9-BCCE-7F2CD288D111}"/>
+                <a16:creationId xmlns:a16="http://schemas.microsoft.com/office/drawing/2014/main" id="{5759C210-72B7-40E9-BCCE-7F2CD288D111}"/>
               </a:ext>
             </a:extLst>
           </p:cNvPr>
@@ -2891,7 +2902,7 @@
           <p:cNvPr id="3" name="Bildplatzhalter 2">
             <a:extLst>
               <a:ext uri="{FF2B5EF4-FFF2-40B4-BE49-F238E27FC236}">
-                <a16:creationId xmlns:a16="http://schemas.microsoft.com/office/drawing/2014/main" xmlns="" id="{A855A97A-E73E-4799-B44D-4C7542A492D8}"/>
+                <a16:creationId xmlns:a16="http://schemas.microsoft.com/office/drawing/2014/main" id="{A855A97A-E73E-4799-B44D-4C7542A492D8}"/>
               </a:ext>
             </a:extLst>
           </p:cNvPr>
@@ -2958,7 +2969,7 @@
           <p:cNvPr id="4" name="Textplatzhalter 3">
             <a:extLst>
               <a:ext uri="{FF2B5EF4-FFF2-40B4-BE49-F238E27FC236}">
-                <a16:creationId xmlns:a16="http://schemas.microsoft.com/office/drawing/2014/main" xmlns="" id="{7255A853-78E3-4163-B55A-CC8EC226F808}"/>
+                <a16:creationId xmlns:a16="http://schemas.microsoft.com/office/drawing/2014/main" id="{7255A853-78E3-4163-B55A-CC8EC226F808}"/>
               </a:ext>
             </a:extLst>
           </p:cNvPr>
@@ -3029,7 +3040,7 @@
           <p:cNvPr id="5" name="Datumsplatzhalter 4">
             <a:extLst>
               <a:ext uri="{FF2B5EF4-FFF2-40B4-BE49-F238E27FC236}">
-                <a16:creationId xmlns:a16="http://schemas.microsoft.com/office/drawing/2014/main" xmlns="" id="{9D40D17D-F70E-4544-85A0-FCF3746AE954}"/>
+                <a16:creationId xmlns:a16="http://schemas.microsoft.com/office/drawing/2014/main" id="{9D40D17D-F70E-4544-85A0-FCF3746AE954}"/>
               </a:ext>
             </a:extLst>
           </p:cNvPr>
@@ -3047,7 +3058,7 @@
           <a:p>
             <a:fld id="{B53546CB-57F0-403A-9B11-F28CD8787C4F}" type="datetime1">
               <a:rPr lang="de-DE" smtClean="0"/>
-              <a:t>26.03.18</a:t>
+              <a:t>27.03.2018</a:t>
             </a:fld>
             <a:endParaRPr lang="de-DE"/>
           </a:p>
@@ -3058,7 +3069,7 @@
           <p:cNvPr id="6" name="Fußzeilenplatzhalter 5">
             <a:extLst>
               <a:ext uri="{FF2B5EF4-FFF2-40B4-BE49-F238E27FC236}">
-                <a16:creationId xmlns:a16="http://schemas.microsoft.com/office/drawing/2014/main" xmlns="" id="{82D42832-B50B-45A6-BB41-75BA707E4D6D}"/>
+                <a16:creationId xmlns:a16="http://schemas.microsoft.com/office/drawing/2014/main" id="{82D42832-B50B-45A6-BB41-75BA707E4D6D}"/>
               </a:ext>
             </a:extLst>
           </p:cNvPr>
@@ -3083,7 +3094,7 @@
           <p:cNvPr id="7" name="Foliennummernplatzhalter 6">
             <a:extLst>
               <a:ext uri="{FF2B5EF4-FFF2-40B4-BE49-F238E27FC236}">
-                <a16:creationId xmlns:a16="http://schemas.microsoft.com/office/drawing/2014/main" xmlns="" id="{EF370A13-2AD6-42F3-82DD-A8915D68F84F}"/>
+                <a16:creationId xmlns:a16="http://schemas.microsoft.com/office/drawing/2014/main" id="{EF370A13-2AD6-42F3-82DD-A8915D68F84F}"/>
               </a:ext>
             </a:extLst>
           </p:cNvPr>
@@ -3147,7 +3158,7 @@
           <p:cNvPr id="2" name="Titelplatzhalter 1">
             <a:extLst>
               <a:ext uri="{FF2B5EF4-FFF2-40B4-BE49-F238E27FC236}">
-                <a16:creationId xmlns:a16="http://schemas.microsoft.com/office/drawing/2014/main" xmlns="" id="{FF15E65D-7224-4547-A8B7-E018D79D5167}"/>
+                <a16:creationId xmlns:a16="http://schemas.microsoft.com/office/drawing/2014/main" id="{FF15E65D-7224-4547-A8B7-E018D79D5167}"/>
               </a:ext>
             </a:extLst>
           </p:cNvPr>
@@ -3185,7 +3196,7 @@
           <p:cNvPr id="3" name="Textplatzhalter 2">
             <a:extLst>
               <a:ext uri="{FF2B5EF4-FFF2-40B4-BE49-F238E27FC236}">
-                <a16:creationId xmlns:a16="http://schemas.microsoft.com/office/drawing/2014/main" xmlns="" id="{8E2E0B7E-1806-4C10-B430-114E71BCA475}"/>
+                <a16:creationId xmlns:a16="http://schemas.microsoft.com/office/drawing/2014/main" id="{8E2E0B7E-1806-4C10-B430-114E71BCA475}"/>
               </a:ext>
             </a:extLst>
           </p:cNvPr>
@@ -3252,7 +3263,7 @@
           <p:cNvPr id="4" name="Datumsplatzhalter 3">
             <a:extLst>
               <a:ext uri="{FF2B5EF4-FFF2-40B4-BE49-F238E27FC236}">
-                <a16:creationId xmlns:a16="http://schemas.microsoft.com/office/drawing/2014/main" xmlns="" id="{12E9677D-D9AF-4D85-9076-FB6608EF8D05}"/>
+                <a16:creationId xmlns:a16="http://schemas.microsoft.com/office/drawing/2014/main" id="{12E9677D-D9AF-4D85-9076-FB6608EF8D05}"/>
               </a:ext>
             </a:extLst>
           </p:cNvPr>
@@ -3288,7 +3299,7 @@
           <a:p>
             <a:fld id="{1D3C1B12-7E54-4267-9D51-05EAB2BDC53B}" type="datetime1">
               <a:rPr lang="de-DE" smtClean="0"/>
-              <a:t>26.03.18</a:t>
+              <a:t>27.03.2018</a:t>
             </a:fld>
             <a:endParaRPr lang="de-DE"/>
           </a:p>
@@ -3299,7 +3310,7 @@
           <p:cNvPr id="5" name="Fußzeilenplatzhalter 4">
             <a:extLst>
               <a:ext uri="{FF2B5EF4-FFF2-40B4-BE49-F238E27FC236}">
-                <a16:creationId xmlns:a16="http://schemas.microsoft.com/office/drawing/2014/main" xmlns="" id="{DEB9152B-6562-474B-911B-6C7817AC474B}"/>
+                <a16:creationId xmlns:a16="http://schemas.microsoft.com/office/drawing/2014/main" id="{DEB9152B-6562-474B-911B-6C7817AC474B}"/>
               </a:ext>
             </a:extLst>
           </p:cNvPr>
@@ -3342,7 +3353,7 @@
           <p:cNvPr id="6" name="Foliennummernplatzhalter 5">
             <a:extLst>
               <a:ext uri="{FF2B5EF4-FFF2-40B4-BE49-F238E27FC236}">
-                <a16:creationId xmlns:a16="http://schemas.microsoft.com/office/drawing/2014/main" xmlns="" id="{31DE64A8-71CB-4F9B-9C42-378CEF45D891}"/>
+                <a16:creationId xmlns:a16="http://schemas.microsoft.com/office/drawing/2014/main" id="{31DE64A8-71CB-4F9B-9C42-378CEF45D891}"/>
               </a:ext>
             </a:extLst>
           </p:cNvPr>
@@ -3711,7 +3722,7 @@
           <p:cNvPr id="5" name="Title 4">
             <a:extLst>
               <a:ext uri="{FF2B5EF4-FFF2-40B4-BE49-F238E27FC236}">
-                <a16:creationId xmlns:a16="http://schemas.microsoft.com/office/drawing/2014/main" xmlns="" id="{3DB679FE-7AB8-452C-9056-DB9A71D8FBB7}"/>
+                <a16:creationId xmlns:a16="http://schemas.microsoft.com/office/drawing/2014/main" id="{3DB679FE-7AB8-452C-9056-DB9A71D8FBB7}"/>
               </a:ext>
             </a:extLst>
           </p:cNvPr>
@@ -3739,7 +3750,7 @@
           <p:cNvPr id="6" name="Content Placeholder 5">
             <a:extLst>
               <a:ext uri="{FF2B5EF4-FFF2-40B4-BE49-F238E27FC236}">
-                <a16:creationId xmlns:a16="http://schemas.microsoft.com/office/drawing/2014/main" xmlns="" id="{6209D8CB-5E61-484E-9162-79AAB377D1C3}"/>
+                <a16:creationId xmlns:a16="http://schemas.microsoft.com/office/drawing/2014/main" id="{6209D8CB-5E61-484E-9162-79AAB377D1C3}"/>
               </a:ext>
             </a:extLst>
           </p:cNvPr>
@@ -3893,7 +3904,7 @@
           <p:cNvPr id="4" name="Slide Number Placeholder 3">
             <a:extLst>
               <a:ext uri="{FF2B5EF4-FFF2-40B4-BE49-F238E27FC236}">
-                <a16:creationId xmlns:a16="http://schemas.microsoft.com/office/drawing/2014/main" xmlns="" id="{88BB8228-97AC-4492-A356-F36497FBE06E}"/>
+                <a16:creationId xmlns:a16="http://schemas.microsoft.com/office/drawing/2014/main" id="{88BB8228-97AC-4492-A356-F36497FBE06E}"/>
               </a:ext>
             </a:extLst>
           </p:cNvPr>
@@ -3927,14 +3938,6 @@
   <p:clrMapOvr>
     <a:masterClrMapping/>
   </p:clrMapOvr>
-  <mc:AlternateContent xmlns:mc="http://schemas.openxmlformats.org/markup-compatibility/2006">
-    <mc:Choice xmlns:p14="http://schemas.microsoft.com/office/powerpoint/2010/main" Requires="p14">
-      <p:transition spd="slow" p14:dur="2000"/>
-    </mc:Choice>
-    <mc:Fallback>
-      <p:transition xmlns:p14="http://schemas.microsoft.com/office/powerpoint/2010/main" spd="slow"/>
-    </mc:Fallback>
-  </mc:AlternateContent>
 </p:sld>
 </file>
 
@@ -3960,7 +3963,7 @@
           <p:cNvPr id="2" name="Title 1">
             <a:extLst>
               <a:ext uri="{FF2B5EF4-FFF2-40B4-BE49-F238E27FC236}">
-                <a16:creationId xmlns:a16="http://schemas.microsoft.com/office/drawing/2014/main" xmlns="" id="{EC71ED69-ECE5-4FEA-BAAC-2D3FD4AEF4CF}"/>
+                <a16:creationId xmlns:a16="http://schemas.microsoft.com/office/drawing/2014/main" id="{EC71ED69-ECE5-4FEA-BAAC-2D3FD4AEF4CF}"/>
               </a:ext>
             </a:extLst>
           </p:cNvPr>
@@ -3978,10 +3981,9 @@
           <a:p>
             <a:pPr algn="ctr"/>
             <a:r>
-              <a:rPr lang="de-DE" dirty="0" smtClean="0"/>
+              <a:rPr lang="de-DE" dirty="0"/>
               <a:t>Bewegungsmuster</a:t>
             </a:r>
-            <a:endParaRPr lang="de-DE" dirty="0"/>
           </a:p>
         </p:txBody>
       </p:sp>
@@ -3990,7 +3992,7 @@
           <p:cNvPr id="5" name="Content Placeholder 4">
             <a:extLst>
               <a:ext uri="{FF2B5EF4-FFF2-40B4-BE49-F238E27FC236}">
-                <a16:creationId xmlns:a16="http://schemas.microsoft.com/office/drawing/2014/main" xmlns="" id="{556F42A2-DCA4-4B1C-A056-51A3547A9BE0}"/>
+                <a16:creationId xmlns:a16="http://schemas.microsoft.com/office/drawing/2014/main" id="{556F42A2-DCA4-4B1C-A056-51A3547A9BE0}"/>
               </a:ext>
             </a:extLst>
           </p:cNvPr>
@@ -4015,56 +4017,56 @@
                 <a:gridCol w="563946">
                   <a:extLst>
                     <a:ext uri="{9D8B030D-6E8A-4147-A177-3AD203B41FA5}">
-                      <a16:colId xmlns:a16="http://schemas.microsoft.com/office/drawing/2014/main" xmlns="" val="3909669187"/>
+                      <a16:colId xmlns:a16="http://schemas.microsoft.com/office/drawing/2014/main" val="3909669187"/>
                     </a:ext>
                   </a:extLst>
                 </a:gridCol>
                 <a:gridCol w="563946">
                   <a:extLst>
                     <a:ext uri="{9D8B030D-6E8A-4147-A177-3AD203B41FA5}">
-                      <a16:colId xmlns:a16="http://schemas.microsoft.com/office/drawing/2014/main" xmlns="" val="2081033052"/>
+                      <a16:colId xmlns:a16="http://schemas.microsoft.com/office/drawing/2014/main" val="2081033052"/>
                     </a:ext>
                   </a:extLst>
                 </a:gridCol>
                 <a:gridCol w="563946">
                   <a:extLst>
                     <a:ext uri="{9D8B030D-6E8A-4147-A177-3AD203B41FA5}">
-                      <a16:colId xmlns:a16="http://schemas.microsoft.com/office/drawing/2014/main" xmlns="" val="2759415750"/>
+                      <a16:colId xmlns:a16="http://schemas.microsoft.com/office/drawing/2014/main" val="2759415750"/>
                     </a:ext>
                   </a:extLst>
                 </a:gridCol>
                 <a:gridCol w="563946">
                   <a:extLst>
                     <a:ext uri="{9D8B030D-6E8A-4147-A177-3AD203B41FA5}">
-                      <a16:colId xmlns:a16="http://schemas.microsoft.com/office/drawing/2014/main" xmlns="" val="1013666482"/>
+                      <a16:colId xmlns:a16="http://schemas.microsoft.com/office/drawing/2014/main" val="1013666482"/>
                     </a:ext>
                   </a:extLst>
                 </a:gridCol>
                 <a:gridCol w="563946">
                   <a:extLst>
                     <a:ext uri="{9D8B030D-6E8A-4147-A177-3AD203B41FA5}">
-                      <a16:colId xmlns:a16="http://schemas.microsoft.com/office/drawing/2014/main" xmlns="" val="4052377547"/>
+                      <a16:colId xmlns:a16="http://schemas.microsoft.com/office/drawing/2014/main" val="4052377547"/>
                     </a:ext>
                   </a:extLst>
                 </a:gridCol>
                 <a:gridCol w="563946">
                   <a:extLst>
                     <a:ext uri="{9D8B030D-6E8A-4147-A177-3AD203B41FA5}">
-                      <a16:colId xmlns:a16="http://schemas.microsoft.com/office/drawing/2014/main" xmlns="" val="86987426"/>
+                      <a16:colId xmlns:a16="http://schemas.microsoft.com/office/drawing/2014/main" val="86987426"/>
                     </a:ext>
                   </a:extLst>
                 </a:gridCol>
                 <a:gridCol w="563946">
                   <a:extLst>
                     <a:ext uri="{9D8B030D-6E8A-4147-A177-3AD203B41FA5}">
-                      <a16:colId xmlns:a16="http://schemas.microsoft.com/office/drawing/2014/main" xmlns="" val="4112314039"/>
+                      <a16:colId xmlns:a16="http://schemas.microsoft.com/office/drawing/2014/main" val="4112314039"/>
                     </a:ext>
                   </a:extLst>
                 </a:gridCol>
                 <a:gridCol w="563946">
                   <a:extLst>
                     <a:ext uri="{9D8B030D-6E8A-4147-A177-3AD203B41FA5}">
-                      <a16:colId xmlns:a16="http://schemas.microsoft.com/office/drawing/2014/main" xmlns="" val="2352200665"/>
+                      <a16:colId xmlns:a16="http://schemas.microsoft.com/office/drawing/2014/main" val="2352200665"/>
                     </a:ext>
                   </a:extLst>
                 </a:gridCol>
@@ -4152,7 +4154,7 @@
                 </a:tc>
                 <a:extLst>
                   <a:ext uri="{0D108BD9-81ED-4DB2-BD59-A6C34878D82A}">
-                    <a16:rowId xmlns:a16="http://schemas.microsoft.com/office/drawing/2014/main" xmlns="" val="3901103587"/>
+                    <a16:rowId xmlns:a16="http://schemas.microsoft.com/office/drawing/2014/main" val="3901103587"/>
                   </a:ext>
                 </a:extLst>
               </a:tr>
@@ -4239,7 +4241,7 @@
                 </a:tc>
                 <a:extLst>
                   <a:ext uri="{0D108BD9-81ED-4DB2-BD59-A6C34878D82A}">
-                    <a16:rowId xmlns:a16="http://schemas.microsoft.com/office/drawing/2014/main" xmlns="" val="810655840"/>
+                    <a16:rowId xmlns:a16="http://schemas.microsoft.com/office/drawing/2014/main" val="810655840"/>
                   </a:ext>
                 </a:extLst>
               </a:tr>
@@ -4326,7 +4328,7 @@
                 </a:tc>
                 <a:extLst>
                   <a:ext uri="{0D108BD9-81ED-4DB2-BD59-A6C34878D82A}">
-                    <a16:rowId xmlns:a16="http://schemas.microsoft.com/office/drawing/2014/main" xmlns="" val="2107368300"/>
+                    <a16:rowId xmlns:a16="http://schemas.microsoft.com/office/drawing/2014/main" val="2107368300"/>
                   </a:ext>
                 </a:extLst>
               </a:tr>
@@ -4413,7 +4415,7 @@
                 </a:tc>
                 <a:extLst>
                   <a:ext uri="{0D108BD9-81ED-4DB2-BD59-A6C34878D82A}">
-                    <a16:rowId xmlns:a16="http://schemas.microsoft.com/office/drawing/2014/main" xmlns="" val="1259991857"/>
+                    <a16:rowId xmlns:a16="http://schemas.microsoft.com/office/drawing/2014/main" val="1259991857"/>
                   </a:ext>
                 </a:extLst>
               </a:tr>
@@ -4500,7 +4502,7 @@
                 </a:tc>
                 <a:extLst>
                   <a:ext uri="{0D108BD9-81ED-4DB2-BD59-A6C34878D82A}">
-                    <a16:rowId xmlns:a16="http://schemas.microsoft.com/office/drawing/2014/main" xmlns="" val="1705778076"/>
+                    <a16:rowId xmlns:a16="http://schemas.microsoft.com/office/drawing/2014/main" val="1705778076"/>
                   </a:ext>
                 </a:extLst>
               </a:tr>
@@ -4587,7 +4589,7 @@
                 </a:tc>
                 <a:extLst>
                   <a:ext uri="{0D108BD9-81ED-4DB2-BD59-A6C34878D82A}">
-                    <a16:rowId xmlns:a16="http://schemas.microsoft.com/office/drawing/2014/main" xmlns="" val="3593844036"/>
+                    <a16:rowId xmlns:a16="http://schemas.microsoft.com/office/drawing/2014/main" val="3593844036"/>
                   </a:ext>
                 </a:extLst>
               </a:tr>
@@ -4674,7 +4676,7 @@
                 </a:tc>
                 <a:extLst>
                   <a:ext uri="{0D108BD9-81ED-4DB2-BD59-A6C34878D82A}">
-                    <a16:rowId xmlns:a16="http://schemas.microsoft.com/office/drawing/2014/main" xmlns="" val="2725860628"/>
+                    <a16:rowId xmlns:a16="http://schemas.microsoft.com/office/drawing/2014/main" val="2725860628"/>
                   </a:ext>
                 </a:extLst>
               </a:tr>
@@ -4761,7 +4763,7 @@
                 </a:tc>
                 <a:extLst>
                   <a:ext uri="{0D108BD9-81ED-4DB2-BD59-A6C34878D82A}">
-                    <a16:rowId xmlns:a16="http://schemas.microsoft.com/office/drawing/2014/main" xmlns="" val="3598242446"/>
+                    <a16:rowId xmlns:a16="http://schemas.microsoft.com/office/drawing/2014/main" val="3598242446"/>
                   </a:ext>
                 </a:extLst>
               </a:tr>
@@ -4774,7 +4776,7 @@
           <p:cNvPr id="4" name="Slide Number Placeholder 3">
             <a:extLst>
               <a:ext uri="{FF2B5EF4-FFF2-40B4-BE49-F238E27FC236}">
-                <a16:creationId xmlns:a16="http://schemas.microsoft.com/office/drawing/2014/main" xmlns="" id="{97D82D7D-618B-4FC6-9B8D-AF076B248E3B}"/>
+                <a16:creationId xmlns:a16="http://schemas.microsoft.com/office/drawing/2014/main" id="{97D82D7D-618B-4FC6-9B8D-AF076B248E3B}"/>
               </a:ext>
             </a:extLst>
           </p:cNvPr>
@@ -4803,7 +4805,7 @@
           <p:cNvPr id="6" name="Multiplication Sign 5">
             <a:extLst>
               <a:ext uri="{FF2B5EF4-FFF2-40B4-BE49-F238E27FC236}">
-                <a16:creationId xmlns:a16="http://schemas.microsoft.com/office/drawing/2014/main" xmlns="" id="{38108A66-6254-422A-831E-1095BB8DE301}"/>
+                <a16:creationId xmlns:a16="http://schemas.microsoft.com/office/drawing/2014/main" id="{38108A66-6254-422A-831E-1095BB8DE301}"/>
               </a:ext>
             </a:extLst>
           </p:cNvPr>
@@ -4857,7 +4859,7 @@
           <p:cNvPr id="7" name="TextBox 6">
             <a:extLst>
               <a:ext uri="{FF2B5EF4-FFF2-40B4-BE49-F238E27FC236}">
-                <a16:creationId xmlns:a16="http://schemas.microsoft.com/office/drawing/2014/main" xmlns="" id="{AAB138A2-4672-41FA-B1A3-1BCF77A65C1E}"/>
+                <a16:creationId xmlns:a16="http://schemas.microsoft.com/office/drawing/2014/main" id="{AAB138A2-4672-41FA-B1A3-1BCF77A65C1E}"/>
               </a:ext>
             </a:extLst>
           </p:cNvPr>
@@ -4906,7 +4908,7 @@
           <p:cNvPr id="8" name="TextBox 7">
             <a:extLst>
               <a:ext uri="{FF2B5EF4-FFF2-40B4-BE49-F238E27FC236}">
-                <a16:creationId xmlns:a16="http://schemas.microsoft.com/office/drawing/2014/main" xmlns="" id="{834ADA7A-0E97-41A2-AA02-F570FA699361}"/>
+                <a16:creationId xmlns:a16="http://schemas.microsoft.com/office/drawing/2014/main" id="{834ADA7A-0E97-41A2-AA02-F570FA699361}"/>
               </a:ext>
             </a:extLst>
           </p:cNvPr>
@@ -4955,7 +4957,7 @@
           <p:cNvPr id="9" name="Multiplication Sign 8">
             <a:extLst>
               <a:ext uri="{FF2B5EF4-FFF2-40B4-BE49-F238E27FC236}">
-                <a16:creationId xmlns:a16="http://schemas.microsoft.com/office/drawing/2014/main" xmlns="" id="{F7361447-BB27-4ADC-84D0-A4BAC0BC306E}"/>
+                <a16:creationId xmlns:a16="http://schemas.microsoft.com/office/drawing/2014/main" id="{F7361447-BB27-4ADC-84D0-A4BAC0BC306E}"/>
               </a:ext>
             </a:extLst>
           </p:cNvPr>
@@ -5009,7 +5011,7 @@
           <p:cNvPr id="10" name="TextBox 9">
             <a:extLst>
               <a:ext uri="{FF2B5EF4-FFF2-40B4-BE49-F238E27FC236}">
-                <a16:creationId xmlns:a16="http://schemas.microsoft.com/office/drawing/2014/main" xmlns="" id="{641F9E26-7091-49A7-85FD-BE26B7A11674}"/>
+                <a16:creationId xmlns:a16="http://schemas.microsoft.com/office/drawing/2014/main" id="{641F9E26-7091-49A7-85FD-BE26B7A11674}"/>
               </a:ext>
             </a:extLst>
           </p:cNvPr>
@@ -5044,7 +5046,7 @@
           <p:cNvPr id="11" name="Star: 5 Points 10">
             <a:extLst>
               <a:ext uri="{FF2B5EF4-FFF2-40B4-BE49-F238E27FC236}">
-                <a16:creationId xmlns:a16="http://schemas.microsoft.com/office/drawing/2014/main" xmlns="" id="{7A1FC458-B0D5-4718-8044-8530CD4DB6B5}"/>
+                <a16:creationId xmlns:a16="http://schemas.microsoft.com/office/drawing/2014/main" id="{7A1FC458-B0D5-4718-8044-8530CD4DB6B5}"/>
               </a:ext>
             </a:extLst>
           </p:cNvPr>
@@ -5123,7 +5125,7 @@
           <p:cNvPr id="2" name="Title 1">
             <a:extLst>
               <a:ext uri="{FF2B5EF4-FFF2-40B4-BE49-F238E27FC236}">
-                <a16:creationId xmlns:a16="http://schemas.microsoft.com/office/drawing/2014/main" xmlns="" id="{EC71ED69-ECE5-4FEA-BAAC-2D3FD4AEF4CF}"/>
+                <a16:creationId xmlns:a16="http://schemas.microsoft.com/office/drawing/2014/main" id="{EC71ED69-ECE5-4FEA-BAAC-2D3FD4AEF4CF}"/>
               </a:ext>
             </a:extLst>
           </p:cNvPr>
@@ -5141,10 +5143,9 @@
           <a:p>
             <a:pPr algn="ctr"/>
             <a:r>
-              <a:rPr lang="de-DE" dirty="0" smtClean="0"/>
+              <a:rPr lang="de-DE" dirty="0"/>
               <a:t>Bewegungsmuster</a:t>
             </a:r>
-            <a:endParaRPr lang="de-DE" dirty="0"/>
           </a:p>
         </p:txBody>
       </p:sp>
@@ -5153,7 +5154,7 @@
           <p:cNvPr id="5" name="Content Placeholder 4">
             <a:extLst>
               <a:ext uri="{FF2B5EF4-FFF2-40B4-BE49-F238E27FC236}">
-                <a16:creationId xmlns:a16="http://schemas.microsoft.com/office/drawing/2014/main" xmlns="" id="{556F42A2-DCA4-4B1C-A056-51A3547A9BE0}"/>
+                <a16:creationId xmlns:a16="http://schemas.microsoft.com/office/drawing/2014/main" id="{556F42A2-DCA4-4B1C-A056-51A3547A9BE0}"/>
               </a:ext>
             </a:extLst>
           </p:cNvPr>
@@ -5178,56 +5179,56 @@
                 <a:gridCol w="563946">
                   <a:extLst>
                     <a:ext uri="{9D8B030D-6E8A-4147-A177-3AD203B41FA5}">
-                      <a16:colId xmlns:a16="http://schemas.microsoft.com/office/drawing/2014/main" xmlns="" val="3909669187"/>
+                      <a16:colId xmlns:a16="http://schemas.microsoft.com/office/drawing/2014/main" val="3909669187"/>
                     </a:ext>
                   </a:extLst>
                 </a:gridCol>
                 <a:gridCol w="563946">
                   <a:extLst>
                     <a:ext uri="{9D8B030D-6E8A-4147-A177-3AD203B41FA5}">
-                      <a16:colId xmlns:a16="http://schemas.microsoft.com/office/drawing/2014/main" xmlns="" val="2081033052"/>
+                      <a16:colId xmlns:a16="http://schemas.microsoft.com/office/drawing/2014/main" val="2081033052"/>
                     </a:ext>
                   </a:extLst>
                 </a:gridCol>
                 <a:gridCol w="563946">
                   <a:extLst>
                     <a:ext uri="{9D8B030D-6E8A-4147-A177-3AD203B41FA5}">
-                      <a16:colId xmlns:a16="http://schemas.microsoft.com/office/drawing/2014/main" xmlns="" val="2759415750"/>
+                      <a16:colId xmlns:a16="http://schemas.microsoft.com/office/drawing/2014/main" val="2759415750"/>
                     </a:ext>
                   </a:extLst>
                 </a:gridCol>
                 <a:gridCol w="563946">
                   <a:extLst>
                     <a:ext uri="{9D8B030D-6E8A-4147-A177-3AD203B41FA5}">
-                      <a16:colId xmlns:a16="http://schemas.microsoft.com/office/drawing/2014/main" xmlns="" val="1013666482"/>
+                      <a16:colId xmlns:a16="http://schemas.microsoft.com/office/drawing/2014/main" val="1013666482"/>
                     </a:ext>
                   </a:extLst>
                 </a:gridCol>
                 <a:gridCol w="563946">
                   <a:extLst>
                     <a:ext uri="{9D8B030D-6E8A-4147-A177-3AD203B41FA5}">
-                      <a16:colId xmlns:a16="http://schemas.microsoft.com/office/drawing/2014/main" xmlns="" val="4052377547"/>
+                      <a16:colId xmlns:a16="http://schemas.microsoft.com/office/drawing/2014/main" val="4052377547"/>
                     </a:ext>
                   </a:extLst>
                 </a:gridCol>
                 <a:gridCol w="563946">
                   <a:extLst>
                     <a:ext uri="{9D8B030D-6E8A-4147-A177-3AD203B41FA5}">
-                      <a16:colId xmlns:a16="http://schemas.microsoft.com/office/drawing/2014/main" xmlns="" val="86987426"/>
+                      <a16:colId xmlns:a16="http://schemas.microsoft.com/office/drawing/2014/main" val="86987426"/>
                     </a:ext>
                   </a:extLst>
                 </a:gridCol>
                 <a:gridCol w="563946">
                   <a:extLst>
                     <a:ext uri="{9D8B030D-6E8A-4147-A177-3AD203B41FA5}">
-                      <a16:colId xmlns:a16="http://schemas.microsoft.com/office/drawing/2014/main" xmlns="" val="4112314039"/>
+                      <a16:colId xmlns:a16="http://schemas.microsoft.com/office/drawing/2014/main" val="4112314039"/>
                     </a:ext>
                   </a:extLst>
                 </a:gridCol>
                 <a:gridCol w="563946">
                   <a:extLst>
                     <a:ext uri="{9D8B030D-6E8A-4147-A177-3AD203B41FA5}">
-                      <a16:colId xmlns:a16="http://schemas.microsoft.com/office/drawing/2014/main" xmlns="" val="2352200665"/>
+                      <a16:colId xmlns:a16="http://schemas.microsoft.com/office/drawing/2014/main" val="2352200665"/>
                     </a:ext>
                   </a:extLst>
                 </a:gridCol>
@@ -5315,7 +5316,7 @@
                 </a:tc>
                 <a:extLst>
                   <a:ext uri="{0D108BD9-81ED-4DB2-BD59-A6C34878D82A}">
-                    <a16:rowId xmlns:a16="http://schemas.microsoft.com/office/drawing/2014/main" xmlns="" val="3901103587"/>
+                    <a16:rowId xmlns:a16="http://schemas.microsoft.com/office/drawing/2014/main" val="3901103587"/>
                   </a:ext>
                 </a:extLst>
               </a:tr>
@@ -5402,7 +5403,7 @@
                 </a:tc>
                 <a:extLst>
                   <a:ext uri="{0D108BD9-81ED-4DB2-BD59-A6C34878D82A}">
-                    <a16:rowId xmlns:a16="http://schemas.microsoft.com/office/drawing/2014/main" xmlns="" val="810655840"/>
+                    <a16:rowId xmlns:a16="http://schemas.microsoft.com/office/drawing/2014/main" val="810655840"/>
                   </a:ext>
                 </a:extLst>
               </a:tr>
@@ -5489,7 +5490,7 @@
                 </a:tc>
                 <a:extLst>
                   <a:ext uri="{0D108BD9-81ED-4DB2-BD59-A6C34878D82A}">
-                    <a16:rowId xmlns:a16="http://schemas.microsoft.com/office/drawing/2014/main" xmlns="" val="2107368300"/>
+                    <a16:rowId xmlns:a16="http://schemas.microsoft.com/office/drawing/2014/main" val="2107368300"/>
                   </a:ext>
                 </a:extLst>
               </a:tr>
@@ -5576,7 +5577,7 @@
                 </a:tc>
                 <a:extLst>
                   <a:ext uri="{0D108BD9-81ED-4DB2-BD59-A6C34878D82A}">
-                    <a16:rowId xmlns:a16="http://schemas.microsoft.com/office/drawing/2014/main" xmlns="" val="1259991857"/>
+                    <a16:rowId xmlns:a16="http://schemas.microsoft.com/office/drawing/2014/main" val="1259991857"/>
                   </a:ext>
                 </a:extLst>
               </a:tr>
@@ -5663,7 +5664,7 @@
                 </a:tc>
                 <a:extLst>
                   <a:ext uri="{0D108BD9-81ED-4DB2-BD59-A6C34878D82A}">
-                    <a16:rowId xmlns:a16="http://schemas.microsoft.com/office/drawing/2014/main" xmlns="" val="1705778076"/>
+                    <a16:rowId xmlns:a16="http://schemas.microsoft.com/office/drawing/2014/main" val="1705778076"/>
                   </a:ext>
                 </a:extLst>
               </a:tr>
@@ -5750,7 +5751,7 @@
                 </a:tc>
                 <a:extLst>
                   <a:ext uri="{0D108BD9-81ED-4DB2-BD59-A6C34878D82A}">
-                    <a16:rowId xmlns:a16="http://schemas.microsoft.com/office/drawing/2014/main" xmlns="" val="3593844036"/>
+                    <a16:rowId xmlns:a16="http://schemas.microsoft.com/office/drawing/2014/main" val="3593844036"/>
                   </a:ext>
                 </a:extLst>
               </a:tr>
@@ -5837,7 +5838,7 @@
                 </a:tc>
                 <a:extLst>
                   <a:ext uri="{0D108BD9-81ED-4DB2-BD59-A6C34878D82A}">
-                    <a16:rowId xmlns:a16="http://schemas.microsoft.com/office/drawing/2014/main" xmlns="" val="2725860628"/>
+                    <a16:rowId xmlns:a16="http://schemas.microsoft.com/office/drawing/2014/main" val="2725860628"/>
                   </a:ext>
                 </a:extLst>
               </a:tr>
@@ -5924,7 +5925,7 @@
                 </a:tc>
                 <a:extLst>
                   <a:ext uri="{0D108BD9-81ED-4DB2-BD59-A6C34878D82A}">
-                    <a16:rowId xmlns:a16="http://schemas.microsoft.com/office/drawing/2014/main" xmlns="" val="3598242446"/>
+                    <a16:rowId xmlns:a16="http://schemas.microsoft.com/office/drawing/2014/main" val="3598242446"/>
                   </a:ext>
                 </a:extLst>
               </a:tr>
@@ -5937,7 +5938,7 @@
           <p:cNvPr id="4" name="Slide Number Placeholder 3">
             <a:extLst>
               <a:ext uri="{FF2B5EF4-FFF2-40B4-BE49-F238E27FC236}">
-                <a16:creationId xmlns:a16="http://schemas.microsoft.com/office/drawing/2014/main" xmlns="" id="{97D82D7D-618B-4FC6-9B8D-AF076B248E3B}"/>
+                <a16:creationId xmlns:a16="http://schemas.microsoft.com/office/drawing/2014/main" id="{97D82D7D-618B-4FC6-9B8D-AF076B248E3B}"/>
               </a:ext>
             </a:extLst>
           </p:cNvPr>
@@ -5966,7 +5967,7 @@
           <p:cNvPr id="6" name="Multiplication Sign 5">
             <a:extLst>
               <a:ext uri="{FF2B5EF4-FFF2-40B4-BE49-F238E27FC236}">
-                <a16:creationId xmlns:a16="http://schemas.microsoft.com/office/drawing/2014/main" xmlns="" id="{38108A66-6254-422A-831E-1095BB8DE301}"/>
+                <a16:creationId xmlns:a16="http://schemas.microsoft.com/office/drawing/2014/main" id="{38108A66-6254-422A-831E-1095BB8DE301}"/>
               </a:ext>
             </a:extLst>
           </p:cNvPr>
@@ -6020,7 +6021,7 @@
           <p:cNvPr id="7" name="TextBox 6">
             <a:extLst>
               <a:ext uri="{FF2B5EF4-FFF2-40B4-BE49-F238E27FC236}">
-                <a16:creationId xmlns:a16="http://schemas.microsoft.com/office/drawing/2014/main" xmlns="" id="{AAB138A2-4672-41FA-B1A3-1BCF77A65C1E}"/>
+                <a16:creationId xmlns:a16="http://schemas.microsoft.com/office/drawing/2014/main" id="{AAB138A2-4672-41FA-B1A3-1BCF77A65C1E}"/>
               </a:ext>
             </a:extLst>
           </p:cNvPr>
@@ -6077,7 +6078,7 @@
           <p:cNvPr id="8" name="TextBox 7">
             <a:extLst>
               <a:ext uri="{FF2B5EF4-FFF2-40B4-BE49-F238E27FC236}">
-                <a16:creationId xmlns:a16="http://schemas.microsoft.com/office/drawing/2014/main" xmlns="" id="{834ADA7A-0E97-41A2-AA02-F570FA699361}"/>
+                <a16:creationId xmlns:a16="http://schemas.microsoft.com/office/drawing/2014/main" id="{834ADA7A-0E97-41A2-AA02-F570FA699361}"/>
               </a:ext>
             </a:extLst>
           </p:cNvPr>
@@ -6126,7 +6127,7 @@
           <p:cNvPr id="9" name="Multiplication Sign 8">
             <a:extLst>
               <a:ext uri="{FF2B5EF4-FFF2-40B4-BE49-F238E27FC236}">
-                <a16:creationId xmlns:a16="http://schemas.microsoft.com/office/drawing/2014/main" xmlns="" id="{F7361447-BB27-4ADC-84D0-A4BAC0BC306E}"/>
+                <a16:creationId xmlns:a16="http://schemas.microsoft.com/office/drawing/2014/main" id="{F7361447-BB27-4ADC-84D0-A4BAC0BC306E}"/>
               </a:ext>
             </a:extLst>
           </p:cNvPr>
@@ -6180,7 +6181,7 @@
           <p:cNvPr id="10" name="TextBox 9">
             <a:extLst>
               <a:ext uri="{FF2B5EF4-FFF2-40B4-BE49-F238E27FC236}">
-                <a16:creationId xmlns:a16="http://schemas.microsoft.com/office/drawing/2014/main" xmlns="" id="{641F9E26-7091-49A7-85FD-BE26B7A11674}"/>
+                <a16:creationId xmlns:a16="http://schemas.microsoft.com/office/drawing/2014/main" id="{641F9E26-7091-49A7-85FD-BE26B7A11674}"/>
               </a:ext>
             </a:extLst>
           </p:cNvPr>
@@ -6215,7 +6216,7 @@
           <p:cNvPr id="11" name="Star: 5 Points 10">
             <a:extLst>
               <a:ext uri="{FF2B5EF4-FFF2-40B4-BE49-F238E27FC236}">
-                <a16:creationId xmlns:a16="http://schemas.microsoft.com/office/drawing/2014/main" xmlns="" id="{7A1FC458-B0D5-4718-8044-8530CD4DB6B5}"/>
+                <a16:creationId xmlns:a16="http://schemas.microsoft.com/office/drawing/2014/main" id="{7A1FC458-B0D5-4718-8044-8530CD4DB6B5}"/>
               </a:ext>
             </a:extLst>
           </p:cNvPr>
@@ -6264,7 +6265,7 @@
           <p:cNvPr id="12" name="Arrow: Right 11">
             <a:extLst>
               <a:ext uri="{FF2B5EF4-FFF2-40B4-BE49-F238E27FC236}">
-                <a16:creationId xmlns:a16="http://schemas.microsoft.com/office/drawing/2014/main" xmlns="" id="{2756CF90-4297-4F7C-A804-310CEDEE4385}"/>
+                <a16:creationId xmlns:a16="http://schemas.microsoft.com/office/drawing/2014/main" id="{2756CF90-4297-4F7C-A804-310CEDEE4385}"/>
               </a:ext>
             </a:extLst>
           </p:cNvPr>
@@ -6313,7 +6314,7 @@
           <p:cNvPr id="13" name="Arrow: Right 12">
             <a:extLst>
               <a:ext uri="{FF2B5EF4-FFF2-40B4-BE49-F238E27FC236}">
-                <a16:creationId xmlns:a16="http://schemas.microsoft.com/office/drawing/2014/main" xmlns="" id="{45D601F1-0253-471D-A018-983C3D763EB7}"/>
+                <a16:creationId xmlns:a16="http://schemas.microsoft.com/office/drawing/2014/main" id="{45D601F1-0253-471D-A018-983C3D763EB7}"/>
               </a:ext>
             </a:extLst>
           </p:cNvPr>
@@ -6362,7 +6363,7 @@
           <p:cNvPr id="14" name="Arrow: Right 13">
             <a:extLst>
               <a:ext uri="{FF2B5EF4-FFF2-40B4-BE49-F238E27FC236}">
-                <a16:creationId xmlns:a16="http://schemas.microsoft.com/office/drawing/2014/main" xmlns="" id="{D5B7F4CD-F355-4A4C-9FCB-6C9195FEAE6A}"/>
+                <a16:creationId xmlns:a16="http://schemas.microsoft.com/office/drawing/2014/main" id="{D5B7F4CD-F355-4A4C-9FCB-6C9195FEAE6A}"/>
               </a:ext>
             </a:extLst>
           </p:cNvPr>
@@ -6411,7 +6412,7 @@
           <p:cNvPr id="15" name="Arrow: Right 14">
             <a:extLst>
               <a:ext uri="{FF2B5EF4-FFF2-40B4-BE49-F238E27FC236}">
-                <a16:creationId xmlns:a16="http://schemas.microsoft.com/office/drawing/2014/main" xmlns="" id="{50377EFF-BCCA-41AA-8A31-7E840817C265}"/>
+                <a16:creationId xmlns:a16="http://schemas.microsoft.com/office/drawing/2014/main" id="{50377EFF-BCCA-41AA-8A31-7E840817C265}"/>
               </a:ext>
             </a:extLst>
           </p:cNvPr>
@@ -6490,7 +6491,7 @@
           <p:cNvPr id="2" name="Title 1">
             <a:extLst>
               <a:ext uri="{FF2B5EF4-FFF2-40B4-BE49-F238E27FC236}">
-                <a16:creationId xmlns:a16="http://schemas.microsoft.com/office/drawing/2014/main" xmlns="" id="{EC71ED69-ECE5-4FEA-BAAC-2D3FD4AEF4CF}"/>
+                <a16:creationId xmlns:a16="http://schemas.microsoft.com/office/drawing/2014/main" id="{EC71ED69-ECE5-4FEA-BAAC-2D3FD4AEF4CF}"/>
               </a:ext>
             </a:extLst>
           </p:cNvPr>
@@ -6508,10 +6509,9 @@
           <a:p>
             <a:pPr algn="ctr"/>
             <a:r>
-              <a:rPr lang="de-DE" dirty="0" smtClean="0"/>
+              <a:rPr lang="de-DE" dirty="0"/>
               <a:t>Bewegungsmuster</a:t>
             </a:r>
-            <a:endParaRPr lang="de-DE" dirty="0"/>
           </a:p>
         </p:txBody>
       </p:sp>
@@ -6520,7 +6520,7 @@
           <p:cNvPr id="5" name="Content Placeholder 4">
             <a:extLst>
               <a:ext uri="{FF2B5EF4-FFF2-40B4-BE49-F238E27FC236}">
-                <a16:creationId xmlns:a16="http://schemas.microsoft.com/office/drawing/2014/main" xmlns="" id="{556F42A2-DCA4-4B1C-A056-51A3547A9BE0}"/>
+                <a16:creationId xmlns:a16="http://schemas.microsoft.com/office/drawing/2014/main" id="{556F42A2-DCA4-4B1C-A056-51A3547A9BE0}"/>
               </a:ext>
             </a:extLst>
           </p:cNvPr>
@@ -6545,56 +6545,56 @@
                 <a:gridCol w="563946">
                   <a:extLst>
                     <a:ext uri="{9D8B030D-6E8A-4147-A177-3AD203B41FA5}">
-                      <a16:colId xmlns:a16="http://schemas.microsoft.com/office/drawing/2014/main" xmlns="" val="3909669187"/>
+                      <a16:colId xmlns:a16="http://schemas.microsoft.com/office/drawing/2014/main" val="3909669187"/>
                     </a:ext>
                   </a:extLst>
                 </a:gridCol>
                 <a:gridCol w="563946">
                   <a:extLst>
                     <a:ext uri="{9D8B030D-6E8A-4147-A177-3AD203B41FA5}">
-                      <a16:colId xmlns:a16="http://schemas.microsoft.com/office/drawing/2014/main" xmlns="" val="2081033052"/>
+                      <a16:colId xmlns:a16="http://schemas.microsoft.com/office/drawing/2014/main" val="2081033052"/>
                     </a:ext>
                   </a:extLst>
                 </a:gridCol>
                 <a:gridCol w="563946">
                   <a:extLst>
                     <a:ext uri="{9D8B030D-6E8A-4147-A177-3AD203B41FA5}">
-                      <a16:colId xmlns:a16="http://schemas.microsoft.com/office/drawing/2014/main" xmlns="" val="2759415750"/>
+                      <a16:colId xmlns:a16="http://schemas.microsoft.com/office/drawing/2014/main" val="2759415750"/>
                     </a:ext>
                   </a:extLst>
                 </a:gridCol>
                 <a:gridCol w="563946">
                   <a:extLst>
                     <a:ext uri="{9D8B030D-6E8A-4147-A177-3AD203B41FA5}">
-                      <a16:colId xmlns:a16="http://schemas.microsoft.com/office/drawing/2014/main" xmlns="" val="1013666482"/>
+                      <a16:colId xmlns:a16="http://schemas.microsoft.com/office/drawing/2014/main" val="1013666482"/>
                     </a:ext>
                   </a:extLst>
                 </a:gridCol>
                 <a:gridCol w="563946">
                   <a:extLst>
                     <a:ext uri="{9D8B030D-6E8A-4147-A177-3AD203B41FA5}">
-                      <a16:colId xmlns:a16="http://schemas.microsoft.com/office/drawing/2014/main" xmlns="" val="4052377547"/>
+                      <a16:colId xmlns:a16="http://schemas.microsoft.com/office/drawing/2014/main" val="4052377547"/>
                     </a:ext>
                   </a:extLst>
                 </a:gridCol>
                 <a:gridCol w="563946">
                   <a:extLst>
                     <a:ext uri="{9D8B030D-6E8A-4147-A177-3AD203B41FA5}">
-                      <a16:colId xmlns:a16="http://schemas.microsoft.com/office/drawing/2014/main" xmlns="" val="86987426"/>
+                      <a16:colId xmlns:a16="http://schemas.microsoft.com/office/drawing/2014/main" val="86987426"/>
                     </a:ext>
                   </a:extLst>
                 </a:gridCol>
                 <a:gridCol w="563946">
                   <a:extLst>
                     <a:ext uri="{9D8B030D-6E8A-4147-A177-3AD203B41FA5}">
-                      <a16:colId xmlns:a16="http://schemas.microsoft.com/office/drawing/2014/main" xmlns="" val="4112314039"/>
+                      <a16:colId xmlns:a16="http://schemas.microsoft.com/office/drawing/2014/main" val="4112314039"/>
                     </a:ext>
                   </a:extLst>
                 </a:gridCol>
                 <a:gridCol w="563946">
                   <a:extLst>
                     <a:ext uri="{9D8B030D-6E8A-4147-A177-3AD203B41FA5}">
-                      <a16:colId xmlns:a16="http://schemas.microsoft.com/office/drawing/2014/main" xmlns="" val="2352200665"/>
+                      <a16:colId xmlns:a16="http://schemas.microsoft.com/office/drawing/2014/main" val="2352200665"/>
                     </a:ext>
                   </a:extLst>
                 </a:gridCol>
@@ -6682,7 +6682,7 @@
                 </a:tc>
                 <a:extLst>
                   <a:ext uri="{0D108BD9-81ED-4DB2-BD59-A6C34878D82A}">
-                    <a16:rowId xmlns:a16="http://schemas.microsoft.com/office/drawing/2014/main" xmlns="" val="3901103587"/>
+                    <a16:rowId xmlns:a16="http://schemas.microsoft.com/office/drawing/2014/main" val="3901103587"/>
                   </a:ext>
                 </a:extLst>
               </a:tr>
@@ -6769,7 +6769,7 @@
                 </a:tc>
                 <a:extLst>
                   <a:ext uri="{0D108BD9-81ED-4DB2-BD59-A6C34878D82A}">
-                    <a16:rowId xmlns:a16="http://schemas.microsoft.com/office/drawing/2014/main" xmlns="" val="810655840"/>
+                    <a16:rowId xmlns:a16="http://schemas.microsoft.com/office/drawing/2014/main" val="810655840"/>
                   </a:ext>
                 </a:extLst>
               </a:tr>
@@ -6856,7 +6856,7 @@
                 </a:tc>
                 <a:extLst>
                   <a:ext uri="{0D108BD9-81ED-4DB2-BD59-A6C34878D82A}">
-                    <a16:rowId xmlns:a16="http://schemas.microsoft.com/office/drawing/2014/main" xmlns="" val="2107368300"/>
+                    <a16:rowId xmlns:a16="http://schemas.microsoft.com/office/drawing/2014/main" val="2107368300"/>
                   </a:ext>
                 </a:extLst>
               </a:tr>
@@ -6943,7 +6943,7 @@
                 </a:tc>
                 <a:extLst>
                   <a:ext uri="{0D108BD9-81ED-4DB2-BD59-A6C34878D82A}">
-                    <a16:rowId xmlns:a16="http://schemas.microsoft.com/office/drawing/2014/main" xmlns="" val="1259991857"/>
+                    <a16:rowId xmlns:a16="http://schemas.microsoft.com/office/drawing/2014/main" val="1259991857"/>
                   </a:ext>
                 </a:extLst>
               </a:tr>
@@ -7030,7 +7030,7 @@
                 </a:tc>
                 <a:extLst>
                   <a:ext uri="{0D108BD9-81ED-4DB2-BD59-A6C34878D82A}">
-                    <a16:rowId xmlns:a16="http://schemas.microsoft.com/office/drawing/2014/main" xmlns="" val="1705778076"/>
+                    <a16:rowId xmlns:a16="http://schemas.microsoft.com/office/drawing/2014/main" val="1705778076"/>
                   </a:ext>
                 </a:extLst>
               </a:tr>
@@ -7117,7 +7117,7 @@
                 </a:tc>
                 <a:extLst>
                   <a:ext uri="{0D108BD9-81ED-4DB2-BD59-A6C34878D82A}">
-                    <a16:rowId xmlns:a16="http://schemas.microsoft.com/office/drawing/2014/main" xmlns="" val="3593844036"/>
+                    <a16:rowId xmlns:a16="http://schemas.microsoft.com/office/drawing/2014/main" val="3593844036"/>
                   </a:ext>
                 </a:extLst>
               </a:tr>
@@ -7204,7 +7204,7 @@
                 </a:tc>
                 <a:extLst>
                   <a:ext uri="{0D108BD9-81ED-4DB2-BD59-A6C34878D82A}">
-                    <a16:rowId xmlns:a16="http://schemas.microsoft.com/office/drawing/2014/main" xmlns="" val="2725860628"/>
+                    <a16:rowId xmlns:a16="http://schemas.microsoft.com/office/drawing/2014/main" val="2725860628"/>
                   </a:ext>
                 </a:extLst>
               </a:tr>
@@ -7291,7 +7291,7 @@
                 </a:tc>
                 <a:extLst>
                   <a:ext uri="{0D108BD9-81ED-4DB2-BD59-A6C34878D82A}">
-                    <a16:rowId xmlns:a16="http://schemas.microsoft.com/office/drawing/2014/main" xmlns="" val="3598242446"/>
+                    <a16:rowId xmlns:a16="http://schemas.microsoft.com/office/drawing/2014/main" val="3598242446"/>
                   </a:ext>
                 </a:extLst>
               </a:tr>
@@ -7304,7 +7304,7 @@
           <p:cNvPr id="4" name="Slide Number Placeholder 3">
             <a:extLst>
               <a:ext uri="{FF2B5EF4-FFF2-40B4-BE49-F238E27FC236}">
-                <a16:creationId xmlns:a16="http://schemas.microsoft.com/office/drawing/2014/main" xmlns="" id="{97D82D7D-618B-4FC6-9B8D-AF076B248E3B}"/>
+                <a16:creationId xmlns:a16="http://schemas.microsoft.com/office/drawing/2014/main" id="{97D82D7D-618B-4FC6-9B8D-AF076B248E3B}"/>
               </a:ext>
             </a:extLst>
           </p:cNvPr>
@@ -7333,7 +7333,7 @@
           <p:cNvPr id="6" name="Multiplication Sign 5">
             <a:extLst>
               <a:ext uri="{FF2B5EF4-FFF2-40B4-BE49-F238E27FC236}">
-                <a16:creationId xmlns:a16="http://schemas.microsoft.com/office/drawing/2014/main" xmlns="" id="{38108A66-6254-422A-831E-1095BB8DE301}"/>
+                <a16:creationId xmlns:a16="http://schemas.microsoft.com/office/drawing/2014/main" id="{38108A66-6254-422A-831E-1095BB8DE301}"/>
               </a:ext>
             </a:extLst>
           </p:cNvPr>
@@ -7387,7 +7387,7 @@
           <p:cNvPr id="7" name="TextBox 6">
             <a:extLst>
               <a:ext uri="{FF2B5EF4-FFF2-40B4-BE49-F238E27FC236}">
-                <a16:creationId xmlns:a16="http://schemas.microsoft.com/office/drawing/2014/main" xmlns="" id="{AAB138A2-4672-41FA-B1A3-1BCF77A65C1E}"/>
+                <a16:creationId xmlns:a16="http://schemas.microsoft.com/office/drawing/2014/main" id="{AAB138A2-4672-41FA-B1A3-1BCF77A65C1E}"/>
               </a:ext>
             </a:extLst>
           </p:cNvPr>
@@ -7436,7 +7436,7 @@
           <p:cNvPr id="8" name="TextBox 7">
             <a:extLst>
               <a:ext uri="{FF2B5EF4-FFF2-40B4-BE49-F238E27FC236}">
-                <a16:creationId xmlns:a16="http://schemas.microsoft.com/office/drawing/2014/main" xmlns="" id="{834ADA7A-0E97-41A2-AA02-F570FA699361}"/>
+                <a16:creationId xmlns:a16="http://schemas.microsoft.com/office/drawing/2014/main" id="{834ADA7A-0E97-41A2-AA02-F570FA699361}"/>
               </a:ext>
             </a:extLst>
           </p:cNvPr>
@@ -7485,7 +7485,7 @@
           <p:cNvPr id="9" name="Multiplication Sign 8">
             <a:extLst>
               <a:ext uri="{FF2B5EF4-FFF2-40B4-BE49-F238E27FC236}">
-                <a16:creationId xmlns:a16="http://schemas.microsoft.com/office/drawing/2014/main" xmlns="" id="{F7361447-BB27-4ADC-84D0-A4BAC0BC306E}"/>
+                <a16:creationId xmlns:a16="http://schemas.microsoft.com/office/drawing/2014/main" id="{F7361447-BB27-4ADC-84D0-A4BAC0BC306E}"/>
               </a:ext>
             </a:extLst>
           </p:cNvPr>
@@ -7539,7 +7539,7 @@
           <p:cNvPr id="10" name="TextBox 9">
             <a:extLst>
               <a:ext uri="{FF2B5EF4-FFF2-40B4-BE49-F238E27FC236}">
-                <a16:creationId xmlns:a16="http://schemas.microsoft.com/office/drawing/2014/main" xmlns="" id="{641F9E26-7091-49A7-85FD-BE26B7A11674}"/>
+                <a16:creationId xmlns:a16="http://schemas.microsoft.com/office/drawing/2014/main" id="{641F9E26-7091-49A7-85FD-BE26B7A11674}"/>
               </a:ext>
             </a:extLst>
           </p:cNvPr>
@@ -7574,7 +7574,7 @@
           <p:cNvPr id="11" name="Star: 5 Points 10">
             <a:extLst>
               <a:ext uri="{FF2B5EF4-FFF2-40B4-BE49-F238E27FC236}">
-                <a16:creationId xmlns:a16="http://schemas.microsoft.com/office/drawing/2014/main" xmlns="" id="{7A1FC458-B0D5-4718-8044-8530CD4DB6B5}"/>
+                <a16:creationId xmlns:a16="http://schemas.microsoft.com/office/drawing/2014/main" id="{7A1FC458-B0D5-4718-8044-8530CD4DB6B5}"/>
               </a:ext>
             </a:extLst>
           </p:cNvPr>
@@ -7653,7 +7653,7 @@
           <p:cNvPr id="2" name="Title 1">
             <a:extLst>
               <a:ext uri="{FF2B5EF4-FFF2-40B4-BE49-F238E27FC236}">
-                <a16:creationId xmlns:a16="http://schemas.microsoft.com/office/drawing/2014/main" xmlns="" id="{EC71ED69-ECE5-4FEA-BAAC-2D3FD4AEF4CF}"/>
+                <a16:creationId xmlns:a16="http://schemas.microsoft.com/office/drawing/2014/main" id="{EC71ED69-ECE5-4FEA-BAAC-2D3FD4AEF4CF}"/>
               </a:ext>
             </a:extLst>
           </p:cNvPr>
@@ -7671,10 +7671,9 @@
           <a:p>
             <a:pPr algn="ctr"/>
             <a:r>
-              <a:rPr lang="de-DE" dirty="0" smtClean="0"/>
+              <a:rPr lang="de-DE" dirty="0"/>
               <a:t>Bewegungsmuster</a:t>
             </a:r>
-            <a:endParaRPr lang="de-DE" dirty="0"/>
           </a:p>
         </p:txBody>
       </p:sp>
@@ -7683,7 +7682,7 @@
           <p:cNvPr id="5" name="Content Placeholder 4">
             <a:extLst>
               <a:ext uri="{FF2B5EF4-FFF2-40B4-BE49-F238E27FC236}">
-                <a16:creationId xmlns:a16="http://schemas.microsoft.com/office/drawing/2014/main" xmlns="" id="{556F42A2-DCA4-4B1C-A056-51A3547A9BE0}"/>
+                <a16:creationId xmlns:a16="http://schemas.microsoft.com/office/drawing/2014/main" id="{556F42A2-DCA4-4B1C-A056-51A3547A9BE0}"/>
               </a:ext>
             </a:extLst>
           </p:cNvPr>
@@ -7708,56 +7707,56 @@
                 <a:gridCol w="563946">
                   <a:extLst>
                     <a:ext uri="{9D8B030D-6E8A-4147-A177-3AD203B41FA5}">
-                      <a16:colId xmlns:a16="http://schemas.microsoft.com/office/drawing/2014/main" xmlns="" val="3909669187"/>
+                      <a16:colId xmlns:a16="http://schemas.microsoft.com/office/drawing/2014/main" val="3909669187"/>
                     </a:ext>
                   </a:extLst>
                 </a:gridCol>
                 <a:gridCol w="563946">
                   <a:extLst>
                     <a:ext uri="{9D8B030D-6E8A-4147-A177-3AD203B41FA5}">
-                      <a16:colId xmlns:a16="http://schemas.microsoft.com/office/drawing/2014/main" xmlns="" val="2081033052"/>
+                      <a16:colId xmlns:a16="http://schemas.microsoft.com/office/drawing/2014/main" val="2081033052"/>
                     </a:ext>
                   </a:extLst>
                 </a:gridCol>
                 <a:gridCol w="563946">
                   <a:extLst>
                     <a:ext uri="{9D8B030D-6E8A-4147-A177-3AD203B41FA5}">
-                      <a16:colId xmlns:a16="http://schemas.microsoft.com/office/drawing/2014/main" xmlns="" val="2759415750"/>
+                      <a16:colId xmlns:a16="http://schemas.microsoft.com/office/drawing/2014/main" val="2759415750"/>
                     </a:ext>
                   </a:extLst>
                 </a:gridCol>
                 <a:gridCol w="563946">
                   <a:extLst>
                     <a:ext uri="{9D8B030D-6E8A-4147-A177-3AD203B41FA5}">
-                      <a16:colId xmlns:a16="http://schemas.microsoft.com/office/drawing/2014/main" xmlns="" val="1013666482"/>
+                      <a16:colId xmlns:a16="http://schemas.microsoft.com/office/drawing/2014/main" val="1013666482"/>
                     </a:ext>
                   </a:extLst>
                 </a:gridCol>
                 <a:gridCol w="563946">
                   <a:extLst>
                     <a:ext uri="{9D8B030D-6E8A-4147-A177-3AD203B41FA5}">
-                      <a16:colId xmlns:a16="http://schemas.microsoft.com/office/drawing/2014/main" xmlns="" val="4052377547"/>
+                      <a16:colId xmlns:a16="http://schemas.microsoft.com/office/drawing/2014/main" val="4052377547"/>
                     </a:ext>
                   </a:extLst>
                 </a:gridCol>
                 <a:gridCol w="563946">
                   <a:extLst>
                     <a:ext uri="{9D8B030D-6E8A-4147-A177-3AD203B41FA5}">
-                      <a16:colId xmlns:a16="http://schemas.microsoft.com/office/drawing/2014/main" xmlns="" val="86987426"/>
+                      <a16:colId xmlns:a16="http://schemas.microsoft.com/office/drawing/2014/main" val="86987426"/>
                     </a:ext>
                   </a:extLst>
                 </a:gridCol>
                 <a:gridCol w="563946">
                   <a:extLst>
                     <a:ext uri="{9D8B030D-6E8A-4147-A177-3AD203B41FA5}">
-                      <a16:colId xmlns:a16="http://schemas.microsoft.com/office/drawing/2014/main" xmlns="" val="4112314039"/>
+                      <a16:colId xmlns:a16="http://schemas.microsoft.com/office/drawing/2014/main" val="4112314039"/>
                     </a:ext>
                   </a:extLst>
                 </a:gridCol>
                 <a:gridCol w="563946">
                   <a:extLst>
                     <a:ext uri="{9D8B030D-6E8A-4147-A177-3AD203B41FA5}">
-                      <a16:colId xmlns:a16="http://schemas.microsoft.com/office/drawing/2014/main" xmlns="" val="2352200665"/>
+                      <a16:colId xmlns:a16="http://schemas.microsoft.com/office/drawing/2014/main" val="2352200665"/>
                     </a:ext>
                   </a:extLst>
                 </a:gridCol>
@@ -7845,7 +7844,7 @@
                 </a:tc>
                 <a:extLst>
                   <a:ext uri="{0D108BD9-81ED-4DB2-BD59-A6C34878D82A}">
-                    <a16:rowId xmlns:a16="http://schemas.microsoft.com/office/drawing/2014/main" xmlns="" val="3901103587"/>
+                    <a16:rowId xmlns:a16="http://schemas.microsoft.com/office/drawing/2014/main" val="3901103587"/>
                   </a:ext>
                 </a:extLst>
               </a:tr>
@@ -7932,7 +7931,7 @@
                 </a:tc>
                 <a:extLst>
                   <a:ext uri="{0D108BD9-81ED-4DB2-BD59-A6C34878D82A}">
-                    <a16:rowId xmlns:a16="http://schemas.microsoft.com/office/drawing/2014/main" xmlns="" val="810655840"/>
+                    <a16:rowId xmlns:a16="http://schemas.microsoft.com/office/drawing/2014/main" val="810655840"/>
                   </a:ext>
                 </a:extLst>
               </a:tr>
@@ -8019,7 +8018,7 @@
                 </a:tc>
                 <a:extLst>
                   <a:ext uri="{0D108BD9-81ED-4DB2-BD59-A6C34878D82A}">
-                    <a16:rowId xmlns:a16="http://schemas.microsoft.com/office/drawing/2014/main" xmlns="" val="2107368300"/>
+                    <a16:rowId xmlns:a16="http://schemas.microsoft.com/office/drawing/2014/main" val="2107368300"/>
                   </a:ext>
                 </a:extLst>
               </a:tr>
@@ -8106,7 +8105,7 @@
                 </a:tc>
                 <a:extLst>
                   <a:ext uri="{0D108BD9-81ED-4DB2-BD59-A6C34878D82A}">
-                    <a16:rowId xmlns:a16="http://schemas.microsoft.com/office/drawing/2014/main" xmlns="" val="1259991857"/>
+                    <a16:rowId xmlns:a16="http://schemas.microsoft.com/office/drawing/2014/main" val="1259991857"/>
                   </a:ext>
                 </a:extLst>
               </a:tr>
@@ -8193,7 +8192,7 @@
                 </a:tc>
                 <a:extLst>
                   <a:ext uri="{0D108BD9-81ED-4DB2-BD59-A6C34878D82A}">
-                    <a16:rowId xmlns:a16="http://schemas.microsoft.com/office/drawing/2014/main" xmlns="" val="1705778076"/>
+                    <a16:rowId xmlns:a16="http://schemas.microsoft.com/office/drawing/2014/main" val="1705778076"/>
                   </a:ext>
                 </a:extLst>
               </a:tr>
@@ -8280,7 +8279,7 @@
                 </a:tc>
                 <a:extLst>
                   <a:ext uri="{0D108BD9-81ED-4DB2-BD59-A6C34878D82A}">
-                    <a16:rowId xmlns:a16="http://schemas.microsoft.com/office/drawing/2014/main" xmlns="" val="3593844036"/>
+                    <a16:rowId xmlns:a16="http://schemas.microsoft.com/office/drawing/2014/main" val="3593844036"/>
                   </a:ext>
                 </a:extLst>
               </a:tr>
@@ -8367,7 +8366,7 @@
                 </a:tc>
                 <a:extLst>
                   <a:ext uri="{0D108BD9-81ED-4DB2-BD59-A6C34878D82A}">
-                    <a16:rowId xmlns:a16="http://schemas.microsoft.com/office/drawing/2014/main" xmlns="" val="2725860628"/>
+                    <a16:rowId xmlns:a16="http://schemas.microsoft.com/office/drawing/2014/main" val="2725860628"/>
                   </a:ext>
                 </a:extLst>
               </a:tr>
@@ -8454,7 +8453,7 @@
                 </a:tc>
                 <a:extLst>
                   <a:ext uri="{0D108BD9-81ED-4DB2-BD59-A6C34878D82A}">
-                    <a16:rowId xmlns:a16="http://schemas.microsoft.com/office/drawing/2014/main" xmlns="" val="3598242446"/>
+                    <a16:rowId xmlns:a16="http://schemas.microsoft.com/office/drawing/2014/main" val="3598242446"/>
                   </a:ext>
                 </a:extLst>
               </a:tr>
@@ -8467,7 +8466,7 @@
           <p:cNvPr id="4" name="Slide Number Placeholder 3">
             <a:extLst>
               <a:ext uri="{FF2B5EF4-FFF2-40B4-BE49-F238E27FC236}">
-                <a16:creationId xmlns:a16="http://schemas.microsoft.com/office/drawing/2014/main" xmlns="" id="{97D82D7D-618B-4FC6-9B8D-AF076B248E3B}"/>
+                <a16:creationId xmlns:a16="http://schemas.microsoft.com/office/drawing/2014/main" id="{97D82D7D-618B-4FC6-9B8D-AF076B248E3B}"/>
               </a:ext>
             </a:extLst>
           </p:cNvPr>
@@ -8496,7 +8495,7 @@
           <p:cNvPr id="6" name="Multiplication Sign 5">
             <a:extLst>
               <a:ext uri="{FF2B5EF4-FFF2-40B4-BE49-F238E27FC236}">
-                <a16:creationId xmlns:a16="http://schemas.microsoft.com/office/drawing/2014/main" xmlns="" id="{38108A66-6254-422A-831E-1095BB8DE301}"/>
+                <a16:creationId xmlns:a16="http://schemas.microsoft.com/office/drawing/2014/main" id="{38108A66-6254-422A-831E-1095BB8DE301}"/>
               </a:ext>
             </a:extLst>
           </p:cNvPr>
@@ -8550,7 +8549,7 @@
           <p:cNvPr id="7" name="TextBox 6">
             <a:extLst>
               <a:ext uri="{FF2B5EF4-FFF2-40B4-BE49-F238E27FC236}">
-                <a16:creationId xmlns:a16="http://schemas.microsoft.com/office/drawing/2014/main" xmlns="" id="{AAB138A2-4672-41FA-B1A3-1BCF77A65C1E}"/>
+                <a16:creationId xmlns:a16="http://schemas.microsoft.com/office/drawing/2014/main" id="{AAB138A2-4672-41FA-B1A3-1BCF77A65C1E}"/>
               </a:ext>
             </a:extLst>
           </p:cNvPr>
@@ -8599,7 +8598,7 @@
           <p:cNvPr id="8" name="TextBox 7">
             <a:extLst>
               <a:ext uri="{FF2B5EF4-FFF2-40B4-BE49-F238E27FC236}">
-                <a16:creationId xmlns:a16="http://schemas.microsoft.com/office/drawing/2014/main" xmlns="" id="{834ADA7A-0E97-41A2-AA02-F570FA699361}"/>
+                <a16:creationId xmlns:a16="http://schemas.microsoft.com/office/drawing/2014/main" id="{834ADA7A-0E97-41A2-AA02-F570FA699361}"/>
               </a:ext>
             </a:extLst>
           </p:cNvPr>
@@ -8656,7 +8655,7 @@
           <p:cNvPr id="9" name="Multiplication Sign 8">
             <a:extLst>
               <a:ext uri="{FF2B5EF4-FFF2-40B4-BE49-F238E27FC236}">
-                <a16:creationId xmlns:a16="http://schemas.microsoft.com/office/drawing/2014/main" xmlns="" id="{F7361447-BB27-4ADC-84D0-A4BAC0BC306E}"/>
+                <a16:creationId xmlns:a16="http://schemas.microsoft.com/office/drawing/2014/main" id="{F7361447-BB27-4ADC-84D0-A4BAC0BC306E}"/>
               </a:ext>
             </a:extLst>
           </p:cNvPr>
@@ -8710,7 +8709,7 @@
           <p:cNvPr id="10" name="TextBox 9">
             <a:extLst>
               <a:ext uri="{FF2B5EF4-FFF2-40B4-BE49-F238E27FC236}">
-                <a16:creationId xmlns:a16="http://schemas.microsoft.com/office/drawing/2014/main" xmlns="" id="{641F9E26-7091-49A7-85FD-BE26B7A11674}"/>
+                <a16:creationId xmlns:a16="http://schemas.microsoft.com/office/drawing/2014/main" id="{641F9E26-7091-49A7-85FD-BE26B7A11674}"/>
               </a:ext>
             </a:extLst>
           </p:cNvPr>
@@ -8745,7 +8744,7 @@
           <p:cNvPr id="11" name="Star: 5 Points 10">
             <a:extLst>
               <a:ext uri="{FF2B5EF4-FFF2-40B4-BE49-F238E27FC236}">
-                <a16:creationId xmlns:a16="http://schemas.microsoft.com/office/drawing/2014/main" xmlns="" id="{7A1FC458-B0D5-4718-8044-8530CD4DB6B5}"/>
+                <a16:creationId xmlns:a16="http://schemas.microsoft.com/office/drawing/2014/main" id="{7A1FC458-B0D5-4718-8044-8530CD4DB6B5}"/>
               </a:ext>
             </a:extLst>
           </p:cNvPr>
@@ -8794,7 +8793,7 @@
           <p:cNvPr id="12" name="Arrow: Right 11">
             <a:extLst>
               <a:ext uri="{FF2B5EF4-FFF2-40B4-BE49-F238E27FC236}">
-                <a16:creationId xmlns:a16="http://schemas.microsoft.com/office/drawing/2014/main" xmlns="" id="{613088F8-9901-4703-92B1-605E382D41A0}"/>
+                <a16:creationId xmlns:a16="http://schemas.microsoft.com/office/drawing/2014/main" id="{613088F8-9901-4703-92B1-605E382D41A0}"/>
               </a:ext>
             </a:extLst>
           </p:cNvPr>
@@ -8843,7 +8842,7 @@
           <p:cNvPr id="13" name="Arrow: Right 12">
             <a:extLst>
               <a:ext uri="{FF2B5EF4-FFF2-40B4-BE49-F238E27FC236}">
-                <a16:creationId xmlns:a16="http://schemas.microsoft.com/office/drawing/2014/main" xmlns="" id="{DA921B65-C924-4394-964E-0F6CDA3052B6}"/>
+                <a16:creationId xmlns:a16="http://schemas.microsoft.com/office/drawing/2014/main" id="{DA921B65-C924-4394-964E-0F6CDA3052B6}"/>
               </a:ext>
             </a:extLst>
           </p:cNvPr>
@@ -8892,7 +8891,7 @@
           <p:cNvPr id="14" name="Arrow: Right 13">
             <a:extLst>
               <a:ext uri="{FF2B5EF4-FFF2-40B4-BE49-F238E27FC236}">
-                <a16:creationId xmlns:a16="http://schemas.microsoft.com/office/drawing/2014/main" xmlns="" id="{A3769C37-5722-4B99-AAEA-B6E4EFB15057}"/>
+                <a16:creationId xmlns:a16="http://schemas.microsoft.com/office/drawing/2014/main" id="{A3769C37-5722-4B99-AAEA-B6E4EFB15057}"/>
               </a:ext>
             </a:extLst>
           </p:cNvPr>
@@ -8971,7 +8970,7 @@
           <p:cNvPr id="2" name="Titel 1">
             <a:extLst>
               <a:ext uri="{FF2B5EF4-FFF2-40B4-BE49-F238E27FC236}">
-                <a16:creationId xmlns:a16="http://schemas.microsoft.com/office/drawing/2014/main" xmlns="" id="{D830302C-DA89-453C-9E9D-624506AE6BA3}"/>
+                <a16:creationId xmlns:a16="http://schemas.microsoft.com/office/drawing/2014/main" id="{D830302C-DA89-453C-9E9D-624506AE6BA3}"/>
               </a:ext>
             </a:extLst>
           </p:cNvPr>
@@ -8989,10 +8988,9 @@
           <a:p>
             <a:pPr algn="ctr"/>
             <a:r>
-              <a:rPr lang="de-DE" dirty="0" smtClean="0"/>
+              <a:rPr lang="de-DE" dirty="0"/>
               <a:t>EVA</a:t>
             </a:r>
-            <a:endParaRPr lang="de-DE" dirty="0"/>
           </a:p>
         </p:txBody>
       </p:sp>
@@ -9001,7 +8999,7 @@
           <p:cNvPr id="4" name="Foliennummernplatzhalter 3">
             <a:extLst>
               <a:ext uri="{FF2B5EF4-FFF2-40B4-BE49-F238E27FC236}">
-                <a16:creationId xmlns:a16="http://schemas.microsoft.com/office/drawing/2014/main" xmlns="" id="{6318C5D9-92EB-47E6-BBFE-6FA653933C38}"/>
+                <a16:creationId xmlns:a16="http://schemas.microsoft.com/office/drawing/2014/main" id="{6318C5D9-92EB-47E6-BBFE-6FA653933C38}"/>
               </a:ext>
             </a:extLst>
           </p:cNvPr>
@@ -9030,7 +9028,7 @@
           <p:cNvPr id="7" name="Bild 4">
             <a:extLst>
               <a:ext uri="{FF2B5EF4-FFF2-40B4-BE49-F238E27FC236}">
-                <a16:creationId xmlns:a16="http://schemas.microsoft.com/office/drawing/2014/main" xmlns="" id="{E0FAF2E6-9064-48B8-8F4E-D1CFCBBDAECE}"/>
+                <a16:creationId xmlns:a16="http://schemas.microsoft.com/office/drawing/2014/main" id="{E0FAF2E6-9064-48B8-8F4E-D1CFCBBDAECE}"/>
               </a:ext>
             </a:extLst>
           </p:cNvPr>
@@ -9098,7 +9096,7 @@
           <p:cNvPr id="2" name="Title 1">
             <a:extLst>
               <a:ext uri="{FF2B5EF4-FFF2-40B4-BE49-F238E27FC236}">
-                <a16:creationId xmlns:a16="http://schemas.microsoft.com/office/drawing/2014/main" xmlns="" id="{132A757A-169E-4DF2-B061-2F78EA10A643}"/>
+                <a16:creationId xmlns:a16="http://schemas.microsoft.com/office/drawing/2014/main" id="{132A757A-169E-4DF2-B061-2F78EA10A643}"/>
               </a:ext>
             </a:extLst>
           </p:cNvPr>
@@ -9127,7 +9125,7 @@
           <p:cNvPr id="3" name="Content Placeholder 2">
             <a:extLst>
               <a:ext uri="{FF2B5EF4-FFF2-40B4-BE49-F238E27FC236}">
-                <a16:creationId xmlns:a16="http://schemas.microsoft.com/office/drawing/2014/main" xmlns="" id="{2801F26C-FB81-4294-B60C-5467A60EBFF5}"/>
+                <a16:creationId xmlns:a16="http://schemas.microsoft.com/office/drawing/2014/main" id="{2801F26C-FB81-4294-B60C-5467A60EBFF5}"/>
               </a:ext>
             </a:extLst>
           </p:cNvPr>
@@ -9175,7 +9173,7 @@
           <p:cNvPr id="4" name="Slide Number Placeholder 3">
             <a:extLst>
               <a:ext uri="{FF2B5EF4-FFF2-40B4-BE49-F238E27FC236}">
-                <a16:creationId xmlns:a16="http://schemas.microsoft.com/office/drawing/2014/main" xmlns="" id="{D0D74A05-15E2-4D32-B99A-14F9102497F5}"/>
+                <a16:creationId xmlns:a16="http://schemas.microsoft.com/office/drawing/2014/main" id="{D0D74A05-15E2-4D32-B99A-14F9102497F5}"/>
               </a:ext>
             </a:extLst>
           </p:cNvPr>
@@ -9209,14 +9207,6 @@
   <p:clrMapOvr>
     <a:masterClrMapping/>
   </p:clrMapOvr>
-  <mc:AlternateContent xmlns:mc="http://schemas.openxmlformats.org/markup-compatibility/2006">
-    <mc:Choice xmlns:p14="http://schemas.microsoft.com/office/powerpoint/2010/main" Requires="p14">
-      <p:transition spd="slow" p14:dur="2000"/>
-    </mc:Choice>
-    <mc:Fallback>
-      <p:transition xmlns:p14="http://schemas.microsoft.com/office/powerpoint/2010/main" spd="slow"/>
-    </mc:Fallback>
-  </mc:AlternateContent>
 </p:sld>
 </file>
 
@@ -9242,7 +9232,7 @@
           <p:cNvPr id="2" name="Title 1">
             <a:extLst>
               <a:ext uri="{FF2B5EF4-FFF2-40B4-BE49-F238E27FC236}">
-                <a16:creationId xmlns:a16="http://schemas.microsoft.com/office/drawing/2014/main" xmlns="" id="{132A757A-169E-4DF2-B061-2F78EA10A643}"/>
+                <a16:creationId xmlns:a16="http://schemas.microsoft.com/office/drawing/2014/main" id="{132A757A-169E-4DF2-B061-2F78EA10A643}"/>
               </a:ext>
             </a:extLst>
           </p:cNvPr>
@@ -9271,7 +9261,7 @@
           <p:cNvPr id="4" name="Slide Number Placeholder 3">
             <a:extLst>
               <a:ext uri="{FF2B5EF4-FFF2-40B4-BE49-F238E27FC236}">
-                <a16:creationId xmlns:a16="http://schemas.microsoft.com/office/drawing/2014/main" xmlns="" id="{D0D74A05-15E2-4D32-B99A-14F9102497F5}"/>
+                <a16:creationId xmlns:a16="http://schemas.microsoft.com/office/drawing/2014/main" id="{D0D74A05-15E2-4D32-B99A-14F9102497F5}"/>
               </a:ext>
             </a:extLst>
           </p:cNvPr>
@@ -9300,7 +9290,7 @@
           <p:cNvPr id="6" name="Rectangle: Rounded Corners 5">
             <a:extLst>
               <a:ext uri="{FF2B5EF4-FFF2-40B4-BE49-F238E27FC236}">
-                <a16:creationId xmlns:a16="http://schemas.microsoft.com/office/drawing/2014/main" xmlns="" id="{7C70509A-789A-4162-9451-DBAD31EF31EF}"/>
+                <a16:creationId xmlns:a16="http://schemas.microsoft.com/office/drawing/2014/main" id="{7C70509A-789A-4162-9451-DBAD31EF31EF}"/>
               </a:ext>
             </a:extLst>
           </p:cNvPr>
@@ -9361,7 +9351,7 @@
           <p:cNvPr id="7" name="Rectangle: Rounded Corners 6">
             <a:extLst>
               <a:ext uri="{FF2B5EF4-FFF2-40B4-BE49-F238E27FC236}">
-                <a16:creationId xmlns:a16="http://schemas.microsoft.com/office/drawing/2014/main" xmlns="" id="{B13430B5-839B-4BD3-9483-0EEAC9F030F8}"/>
+                <a16:creationId xmlns:a16="http://schemas.microsoft.com/office/drawing/2014/main" id="{B13430B5-839B-4BD3-9483-0EEAC9F030F8}"/>
               </a:ext>
             </a:extLst>
           </p:cNvPr>
@@ -9422,7 +9412,7 @@
           <p:cNvPr id="8" name="TextBox 7">
             <a:extLst>
               <a:ext uri="{FF2B5EF4-FFF2-40B4-BE49-F238E27FC236}">
-                <a16:creationId xmlns:a16="http://schemas.microsoft.com/office/drawing/2014/main" xmlns="" id="{04F897F3-567B-4871-96B4-AE7D59EE860A}"/>
+                <a16:creationId xmlns:a16="http://schemas.microsoft.com/office/drawing/2014/main" id="{04F897F3-567B-4871-96B4-AE7D59EE860A}"/>
               </a:ext>
             </a:extLst>
           </p:cNvPr>
@@ -9458,12 +9448,8 @@
           </a:p>
           <a:p>
             <a:r>
-              <a:rPr lang="de-DE" sz="2800" dirty="0" smtClean="0"/>
-              <a:t>Reihenfolge </a:t>
-            </a:r>
-            <a:r>
               <a:rPr lang="de-DE" sz="2800" dirty="0"/>
-              <a:t>durchlaufen</a:t>
+              <a:t>Reihenfolge durchlaufen</a:t>
             </a:r>
           </a:p>
         </p:txBody>
@@ -9473,7 +9459,7 @@
           <p:cNvPr id="9" name="Arrow: Down 8">
             <a:extLst>
               <a:ext uri="{FF2B5EF4-FFF2-40B4-BE49-F238E27FC236}">
-                <a16:creationId xmlns:a16="http://schemas.microsoft.com/office/drawing/2014/main" xmlns="" id="{1898FDFC-5D86-4051-87C5-8397E6F89BEB}"/>
+                <a16:creationId xmlns:a16="http://schemas.microsoft.com/office/drawing/2014/main" id="{1898FDFC-5D86-4051-87C5-8397E6F89BEB}"/>
               </a:ext>
             </a:extLst>
           </p:cNvPr>
@@ -9527,7 +9513,7 @@
           <p:cNvPr id="11" name="Straight Connector 10">
             <a:extLst>
               <a:ext uri="{FF2B5EF4-FFF2-40B4-BE49-F238E27FC236}">
-                <a16:creationId xmlns:a16="http://schemas.microsoft.com/office/drawing/2014/main" xmlns="" id="{EAD10B8C-23E0-4173-ABA9-2656558830E4}"/>
+                <a16:creationId xmlns:a16="http://schemas.microsoft.com/office/drawing/2014/main" id="{EAD10B8C-23E0-4173-ABA9-2656558830E4}"/>
               </a:ext>
             </a:extLst>
           </p:cNvPr>
@@ -9567,7 +9553,7 @@
           <p:cNvPr id="12" name="TextBox 11">
             <a:extLst>
               <a:ext uri="{FF2B5EF4-FFF2-40B4-BE49-F238E27FC236}">
-                <a16:creationId xmlns:a16="http://schemas.microsoft.com/office/drawing/2014/main" xmlns="" id="{022E76B3-201D-407D-8BCA-BA1A5C48EF71}"/>
+                <a16:creationId xmlns:a16="http://schemas.microsoft.com/office/drawing/2014/main" id="{022E76B3-201D-407D-8BCA-BA1A5C48EF71}"/>
               </a:ext>
             </a:extLst>
           </p:cNvPr>
@@ -9614,7 +9600,7 @@
           <p:cNvPr id="13" name="Straight Connector 12">
             <a:extLst>
               <a:ext uri="{FF2B5EF4-FFF2-40B4-BE49-F238E27FC236}">
-                <a16:creationId xmlns:a16="http://schemas.microsoft.com/office/drawing/2014/main" xmlns="" id="{F6C24DE6-D0C9-4DB6-AA8C-1DA6DCB18C9F}"/>
+                <a16:creationId xmlns:a16="http://schemas.microsoft.com/office/drawing/2014/main" id="{F6C24DE6-D0C9-4DB6-AA8C-1DA6DCB18C9F}"/>
               </a:ext>
             </a:extLst>
           </p:cNvPr>
@@ -9681,7 +9667,7 @@
           <p:cNvPr id="2" name="Title 1">
             <a:extLst>
               <a:ext uri="{FF2B5EF4-FFF2-40B4-BE49-F238E27FC236}">
-                <a16:creationId xmlns:a16="http://schemas.microsoft.com/office/drawing/2014/main" xmlns="" id="{BBFD2BFE-57E4-4A51-B59D-1A6DD4DAF801}"/>
+                <a16:creationId xmlns:a16="http://schemas.microsoft.com/office/drawing/2014/main" id="{BBFD2BFE-57E4-4A51-B59D-1A6DD4DAF801}"/>
               </a:ext>
             </a:extLst>
           </p:cNvPr>
@@ -9704,7 +9690,7 @@
           <a:p>
             <a:pPr algn="ctr"/>
             <a:r>
-              <a:rPr lang="de-DE" dirty="0" err="1" smtClean="0"/>
+              <a:rPr lang="de-DE" dirty="0" err="1"/>
               <a:t>Graphenaufbau</a:t>
             </a:r>
             <a:endParaRPr lang="de-DE" dirty="0"/>
@@ -9716,7 +9702,7 @@
           <p:cNvPr id="3" name="Content Placeholder 2">
             <a:extLst>
               <a:ext uri="{FF2B5EF4-FFF2-40B4-BE49-F238E27FC236}">
-                <a16:creationId xmlns:a16="http://schemas.microsoft.com/office/drawing/2014/main" xmlns="" id="{B992D437-2AD8-4E4B-AA6B-03A5A0A0E9DB}"/>
+                <a16:creationId xmlns:a16="http://schemas.microsoft.com/office/drawing/2014/main" id="{B992D437-2AD8-4E4B-AA6B-03A5A0A0E9DB}"/>
               </a:ext>
             </a:extLst>
           </p:cNvPr>
@@ -9767,13 +9753,8 @@
           <a:p>
             <a:r>
               <a:rPr lang="de-DE" dirty="0"/>
-              <a:t>Übergänge: Spielzüge Roboter/</a:t>
-            </a:r>
-            <a:r>
-              <a:rPr lang="de-DE" dirty="0" smtClean="0"/>
-              <a:t>Kind</a:t>
-            </a:r>
-            <a:endParaRPr lang="de-DE" dirty="0"/>
+              <a:t>Übergänge: Spielzüge Roboter/Kind</a:t>
+            </a:r>
           </a:p>
         </p:txBody>
       </p:sp>
@@ -9782,7 +9763,7 @@
           <p:cNvPr id="4" name="Slide Number Placeholder 3">
             <a:extLst>
               <a:ext uri="{FF2B5EF4-FFF2-40B4-BE49-F238E27FC236}">
-                <a16:creationId xmlns:a16="http://schemas.microsoft.com/office/drawing/2014/main" xmlns="" id="{5E77F37A-6998-484B-B08C-6AF3769D347B}"/>
+                <a16:creationId xmlns:a16="http://schemas.microsoft.com/office/drawing/2014/main" id="{5E77F37A-6998-484B-B08C-6AF3769D347B}"/>
               </a:ext>
             </a:extLst>
           </p:cNvPr>
@@ -9853,7 +9834,7 @@
           <a:p>
             <a:pPr algn="ctr"/>
             <a:r>
-              <a:rPr lang="de-DE" dirty="0" err="1" smtClean="0"/>
+              <a:rPr lang="de-DE" dirty="0" err="1"/>
               <a:t>Graphengenerierung</a:t>
             </a:r>
             <a:endParaRPr lang="de-DE" dirty="0"/>
@@ -9880,15 +9861,15 @@
               <a:buAutoNum type="arabicPeriod"/>
             </a:pPr>
             <a:r>
-              <a:rPr lang="de-DE" dirty="0" smtClean="0"/>
+              <a:rPr lang="de-DE" dirty="0"/>
               <a:t>Startzustand aus </a:t>
             </a:r>
             <a:r>
-              <a:rPr lang="de-DE" dirty="0" err="1" smtClean="0"/>
+              <a:rPr lang="de-DE" dirty="0" err="1"/>
               <a:t>initialen</a:t>
             </a:r>
             <a:r>
-              <a:rPr lang="de-DE" dirty="0" smtClean="0"/>
+              <a:rPr lang="de-DE" dirty="0"/>
               <a:t> Positionen</a:t>
             </a:r>
           </a:p>
@@ -9898,7 +9879,7 @@
               <a:buAutoNum type="arabicPeriod"/>
             </a:pPr>
             <a:r>
-              <a:rPr lang="de-DE" dirty="0" smtClean="0"/>
+              <a:rPr lang="de-DE" dirty="0"/>
               <a:t>Roboterzüge berechnen</a:t>
             </a:r>
           </a:p>
@@ -9908,15 +9889,15 @@
               <a:buAutoNum type="arabicPeriod"/>
             </a:pPr>
             <a:r>
-              <a:rPr lang="de-DE" dirty="0" smtClean="0"/>
+              <a:rPr lang="de-DE" dirty="0"/>
               <a:t>Darauffolgende </a:t>
             </a:r>
             <a:r>
-              <a:rPr lang="de-DE" dirty="0" err="1" smtClean="0"/>
+              <a:rPr lang="de-DE" dirty="0" err="1"/>
               <a:t>Kindzüge</a:t>
             </a:r>
             <a:r>
-              <a:rPr lang="de-DE" dirty="0" smtClean="0"/>
+              <a:rPr lang="de-DE" dirty="0"/>
               <a:t> für alle berechneten Zustände berechnen und schauen ob mindestens ein ungültiger dabei ist</a:t>
             </a:r>
           </a:p>
@@ -9926,7 +9907,7 @@
               <a:buAutoNum type="arabicPeriod"/>
             </a:pPr>
             <a:r>
-              <a:rPr lang="de-DE" dirty="0" smtClean="0"/>
+              <a:rPr lang="de-DE" dirty="0"/>
               <a:t>Wenn ja: Zustand verwerfen</a:t>
             </a:r>
           </a:p>
@@ -9936,7 +9917,7 @@
               <a:buAutoNum type="arabicPeriod"/>
             </a:pPr>
             <a:r>
-              <a:rPr lang="de-DE" dirty="0" smtClean="0"/>
+              <a:rPr lang="de-DE" dirty="0"/>
               <a:t>Alle nicht vorhandenen in Warteschlange einreihen</a:t>
             </a:r>
           </a:p>
@@ -9946,11 +9927,11 @@
               <a:buAutoNum type="arabicPeriod"/>
             </a:pPr>
             <a:r>
-              <a:rPr lang="de-DE" dirty="0" err="1" smtClean="0"/>
+              <a:rPr lang="de-DE" dirty="0" err="1"/>
               <a:t>Kindzüge</a:t>
             </a:r>
             <a:r>
-              <a:rPr lang="de-DE" dirty="0" smtClean="0"/>
+              <a:rPr lang="de-DE" dirty="0"/>
               <a:t> berechnen</a:t>
             </a:r>
           </a:p>
@@ -9961,11 +9942,7 @@
             </a:pPr>
             <a:r>
               <a:rPr lang="de-DE" dirty="0"/>
-              <a:t>Alle nicht vorhandenen in Warteschlange </a:t>
-            </a:r>
-            <a:r>
-              <a:rPr lang="de-DE" dirty="0" smtClean="0"/>
-              <a:t>einreihen</a:t>
+              <a:t>Alle nicht vorhandenen in Warteschlange einreihen</a:t>
             </a:r>
           </a:p>
           <a:p>
@@ -9974,11 +9951,11 @@
               <a:buAutoNum type="arabicPeriod"/>
             </a:pPr>
             <a:r>
-              <a:rPr lang="de-DE" dirty="0" err="1" smtClean="0"/>
+              <a:rPr lang="de-DE" dirty="0" err="1"/>
               <a:t>goto</a:t>
             </a:r>
             <a:r>
-              <a:rPr lang="de-DE" dirty="0" smtClean="0"/>
+              <a:rPr lang="de-DE" dirty="0"/>
               <a:t> 2 bis Warteschlange leer</a:t>
             </a:r>
           </a:p>
@@ -10045,7 +10022,7 @@
           <p:cNvPr id="2" name="Titel 1">
             <a:extLst>
               <a:ext uri="{FF2B5EF4-FFF2-40B4-BE49-F238E27FC236}">
-                <a16:creationId xmlns:a16="http://schemas.microsoft.com/office/drawing/2014/main" xmlns="" id="{270E6DA7-7E9F-416C-8BF7-49DA3B46A7E3}"/>
+                <a16:creationId xmlns:a16="http://schemas.microsoft.com/office/drawing/2014/main" id="{270E6DA7-7E9F-416C-8BF7-49DA3B46A7E3}"/>
               </a:ext>
             </a:extLst>
           </p:cNvPr>
@@ -10074,7 +10051,7 @@
           <p:cNvPr id="3" name="Inhaltsplatzhalter 2">
             <a:extLst>
               <a:ext uri="{FF2B5EF4-FFF2-40B4-BE49-F238E27FC236}">
-                <a16:creationId xmlns:a16="http://schemas.microsoft.com/office/drawing/2014/main" xmlns="" id="{D2EEAE80-11B6-4B94-8FA4-EECF75905D99}"/>
+                <a16:creationId xmlns:a16="http://schemas.microsoft.com/office/drawing/2014/main" id="{D2EEAE80-11B6-4B94-8FA4-EECF75905D99}"/>
               </a:ext>
             </a:extLst>
           </p:cNvPr>
@@ -10107,7 +10084,7 @@
           <p:cNvPr id="4" name="Foliennummernplatzhalter 3">
             <a:extLst>
               <a:ext uri="{FF2B5EF4-FFF2-40B4-BE49-F238E27FC236}">
-                <a16:creationId xmlns:a16="http://schemas.microsoft.com/office/drawing/2014/main" xmlns="" id="{7F69AB07-BCC7-4E3F-8A9E-FE017903336B}"/>
+                <a16:creationId xmlns:a16="http://schemas.microsoft.com/office/drawing/2014/main" id="{7F69AB07-BCC7-4E3F-8A9E-FE017903336B}"/>
               </a:ext>
             </a:extLst>
           </p:cNvPr>
@@ -10133,7 +10110,13 @@
       </p:sp>
       <p:pic>
         <p:nvPicPr>
-          <p:cNvPr id="6" name="Bild 5"/>
+          <p:cNvPr id="8" name="Grafik 7">
+            <a:extLst>
+              <a:ext uri="{FF2B5EF4-FFF2-40B4-BE49-F238E27FC236}">
+                <a16:creationId xmlns:a16="http://schemas.microsoft.com/office/drawing/2014/main" id="{8FF90E1C-542C-4981-ABD3-EB8B50AD31D6}"/>
+              </a:ext>
+            </a:extLst>
+          </p:cNvPr>
           <p:cNvPicPr>
             <a:picLocks noChangeAspect="1"/>
           </p:cNvPicPr>
@@ -10153,8 +10136,8 @@
         </p:blipFill>
         <p:spPr>
           <a:xfrm rot="16200000">
-            <a:off x="2671832" y="-2649637"/>
-            <a:ext cx="6870532" cy="12169803"/>
+            <a:off x="3032126" y="-2562701"/>
+            <a:ext cx="6127751" cy="11983400"/>
           </a:xfrm>
           <a:prstGeom prst="rect">
             <a:avLst/>
@@ -10196,7 +10179,7 @@
           <p:cNvPr id="2" name="Titel 1">
             <a:extLst>
               <a:ext uri="{FF2B5EF4-FFF2-40B4-BE49-F238E27FC236}">
-                <a16:creationId xmlns:a16="http://schemas.microsoft.com/office/drawing/2014/main" xmlns="" id="{AB797468-C3B3-4625-A645-4FF1498D3D36}"/>
+                <a16:creationId xmlns:a16="http://schemas.microsoft.com/office/drawing/2014/main" id="{AB797468-C3B3-4625-A645-4FF1498D3D36}"/>
               </a:ext>
             </a:extLst>
           </p:cNvPr>
@@ -10214,7 +10197,7 @@
           <a:p>
             <a:r>
               <a:rPr lang="de-DE" dirty="0"/>
-              <a:t>Formale Methoden</a:t>
+              <a:t>Formale Methoden Eingebetter Systeme</a:t>
             </a:r>
           </a:p>
         </p:txBody>
@@ -10224,7 +10207,7 @@
           <p:cNvPr id="3" name="Untertitel 2">
             <a:extLst>
               <a:ext uri="{FF2B5EF4-FFF2-40B4-BE49-F238E27FC236}">
-                <a16:creationId xmlns:a16="http://schemas.microsoft.com/office/drawing/2014/main" xmlns="" id="{90F58143-0024-47BA-B87F-224EB2258D41}"/>
+                <a16:creationId xmlns:a16="http://schemas.microsoft.com/office/drawing/2014/main" id="{90F58143-0024-47BA-B87F-224EB2258D41}"/>
               </a:ext>
             </a:extLst>
           </p:cNvPr>
@@ -10266,7 +10249,7 @@
           <p:cNvPr id="4" name="Foliennummernplatzhalter 3">
             <a:extLst>
               <a:ext uri="{FF2B5EF4-FFF2-40B4-BE49-F238E27FC236}">
-                <a16:creationId xmlns:a16="http://schemas.microsoft.com/office/drawing/2014/main" xmlns="" id="{DE1C29E7-48F7-44B2-9F58-68C8DB0777C2}"/>
+                <a16:creationId xmlns:a16="http://schemas.microsoft.com/office/drawing/2014/main" id="{DE1C29E7-48F7-44B2-9F58-68C8DB0777C2}"/>
               </a:ext>
             </a:extLst>
           </p:cNvPr>
@@ -10325,7 +10308,7 @@
           <p:cNvPr id="2" name="Titel 1">
             <a:extLst>
               <a:ext uri="{FF2B5EF4-FFF2-40B4-BE49-F238E27FC236}">
-                <a16:creationId xmlns:a16="http://schemas.microsoft.com/office/drawing/2014/main" xmlns="" id="{95A3FC0A-3806-4A6C-8BAF-49105356BDEB}"/>
+                <a16:creationId xmlns:a16="http://schemas.microsoft.com/office/drawing/2014/main" id="{95A3FC0A-3806-4A6C-8BAF-49105356BDEB}"/>
               </a:ext>
             </a:extLst>
           </p:cNvPr>
@@ -10354,7 +10337,7 @@
           <p:cNvPr id="3" name="Inhaltsplatzhalter 2">
             <a:extLst>
               <a:ext uri="{FF2B5EF4-FFF2-40B4-BE49-F238E27FC236}">
-                <a16:creationId xmlns:a16="http://schemas.microsoft.com/office/drawing/2014/main" xmlns="" id="{ED8FBAF4-21B7-41F9-87E3-AA4F613F4B28}"/>
+                <a16:creationId xmlns:a16="http://schemas.microsoft.com/office/drawing/2014/main" id="{ED8FBAF4-21B7-41F9-87E3-AA4F613F4B28}"/>
               </a:ext>
             </a:extLst>
           </p:cNvPr>
@@ -10415,7 +10398,7 @@
           <p:cNvPr id="4" name="Foliennummernplatzhalter 3">
             <a:extLst>
               <a:ext uri="{FF2B5EF4-FFF2-40B4-BE49-F238E27FC236}">
-                <a16:creationId xmlns:a16="http://schemas.microsoft.com/office/drawing/2014/main" xmlns="" id="{0DD1B6F9-E57D-4F76-917B-E6637BFB2A8E}"/>
+                <a16:creationId xmlns:a16="http://schemas.microsoft.com/office/drawing/2014/main" id="{0DD1B6F9-E57D-4F76-917B-E6637BFB2A8E}"/>
               </a:ext>
             </a:extLst>
           </p:cNvPr>
@@ -10498,7 +10481,7 @@
           <p:cNvPr id="2" name="Title 1">
             <a:extLst>
               <a:ext uri="{FF2B5EF4-FFF2-40B4-BE49-F238E27FC236}">
-                <a16:creationId xmlns:a16="http://schemas.microsoft.com/office/drawing/2014/main" xmlns="" id="{3C939BD4-D9D8-457A-B76C-E3D1F62B16C2}"/>
+                <a16:creationId xmlns:a16="http://schemas.microsoft.com/office/drawing/2014/main" id="{3C939BD4-D9D8-457A-B76C-E3D1F62B16C2}"/>
               </a:ext>
             </a:extLst>
           </p:cNvPr>
@@ -10527,7 +10510,7 @@
           <p:cNvPr id="3" name="Content Placeholder 2">
             <a:extLst>
               <a:ext uri="{FF2B5EF4-FFF2-40B4-BE49-F238E27FC236}">
-                <a16:creationId xmlns:a16="http://schemas.microsoft.com/office/drawing/2014/main" xmlns="" id="{59B6EF6F-C517-4C0C-A4C6-478E82E22FA9}"/>
+                <a16:creationId xmlns:a16="http://schemas.microsoft.com/office/drawing/2014/main" id="{59B6EF6F-C517-4C0C-A4C6-478E82E22FA9}"/>
               </a:ext>
             </a:extLst>
           </p:cNvPr>
@@ -10565,7 +10548,7 @@
           <p:cNvPr id="4" name="Slide Number Placeholder 3">
             <a:extLst>
               <a:ext uri="{FF2B5EF4-FFF2-40B4-BE49-F238E27FC236}">
-                <a16:creationId xmlns:a16="http://schemas.microsoft.com/office/drawing/2014/main" xmlns="" id="{08BF1626-F459-4C91-A2D9-0E0413559529}"/>
+                <a16:creationId xmlns:a16="http://schemas.microsoft.com/office/drawing/2014/main" id="{08BF1626-F459-4C91-A2D9-0E0413559529}"/>
               </a:ext>
             </a:extLst>
           </p:cNvPr>
@@ -10599,14 +10582,6 @@
   <p:clrMapOvr>
     <a:masterClrMapping/>
   </p:clrMapOvr>
-  <mc:AlternateContent xmlns:mc="http://schemas.openxmlformats.org/markup-compatibility/2006">
-    <mc:Choice xmlns:p14="http://schemas.microsoft.com/office/powerpoint/2010/main" Requires="p14">
-      <p:transition spd="slow" p14:dur="2000"/>
-    </mc:Choice>
-    <mc:Fallback>
-      <p:transition xmlns:p14="http://schemas.microsoft.com/office/powerpoint/2010/main" spd="slow"/>
-    </mc:Fallback>
-  </mc:AlternateContent>
 </p:sld>
 </file>
 
@@ -10632,7 +10607,7 @@
           <p:cNvPr id="2" name="Title 1">
             <a:extLst>
               <a:ext uri="{FF2B5EF4-FFF2-40B4-BE49-F238E27FC236}">
-                <a16:creationId xmlns:a16="http://schemas.microsoft.com/office/drawing/2014/main" xmlns="" id="{3C939BD4-D9D8-457A-B76C-E3D1F62B16C2}"/>
+                <a16:creationId xmlns:a16="http://schemas.microsoft.com/office/drawing/2014/main" id="{3C939BD4-D9D8-457A-B76C-E3D1F62B16C2}"/>
               </a:ext>
             </a:extLst>
           </p:cNvPr>
@@ -10661,7 +10636,7 @@
           <p:cNvPr id="4" name="Slide Number Placeholder 3">
             <a:extLst>
               <a:ext uri="{FF2B5EF4-FFF2-40B4-BE49-F238E27FC236}">
-                <a16:creationId xmlns:a16="http://schemas.microsoft.com/office/drawing/2014/main" xmlns="" id="{08BF1626-F459-4C91-A2D9-0E0413559529}"/>
+                <a16:creationId xmlns:a16="http://schemas.microsoft.com/office/drawing/2014/main" id="{08BF1626-F459-4C91-A2D9-0E0413559529}"/>
               </a:ext>
             </a:extLst>
           </p:cNvPr>
@@ -10690,7 +10665,7 @@
           <p:cNvPr id="6" name="Content Placeholder 5">
             <a:extLst>
               <a:ext uri="{FF2B5EF4-FFF2-40B4-BE49-F238E27FC236}">
-                <a16:creationId xmlns:a16="http://schemas.microsoft.com/office/drawing/2014/main" xmlns="" id="{8ABBAD17-D195-4A08-896B-9DCA682344EE}"/>
+                <a16:creationId xmlns:a16="http://schemas.microsoft.com/office/drawing/2014/main" id="{8ABBAD17-D195-4A08-896B-9DCA682344EE}"/>
               </a:ext>
             </a:extLst>
           </p:cNvPr>
@@ -10762,7 +10737,7 @@
           <p:cNvPr id="2" name="Title 1">
             <a:extLst>
               <a:ext uri="{FF2B5EF4-FFF2-40B4-BE49-F238E27FC236}">
-                <a16:creationId xmlns:a16="http://schemas.microsoft.com/office/drawing/2014/main" xmlns="" id="{06BEDA57-7B6A-423A-A767-68DE43BD4B63}"/>
+                <a16:creationId xmlns:a16="http://schemas.microsoft.com/office/drawing/2014/main" id="{06BEDA57-7B6A-423A-A767-68DE43BD4B63}"/>
               </a:ext>
             </a:extLst>
           </p:cNvPr>
@@ -10791,7 +10766,7 @@
           <p:cNvPr id="3" name="Content Placeholder 2">
             <a:extLst>
               <a:ext uri="{FF2B5EF4-FFF2-40B4-BE49-F238E27FC236}">
-                <a16:creationId xmlns:a16="http://schemas.microsoft.com/office/drawing/2014/main" xmlns="" id="{1B228557-58FE-4B16-943F-3E3A18656556}"/>
+                <a16:creationId xmlns:a16="http://schemas.microsoft.com/office/drawing/2014/main" id="{1B228557-58FE-4B16-943F-3E3A18656556}"/>
               </a:ext>
             </a:extLst>
           </p:cNvPr>
@@ -10821,27 +10796,22 @@
           <a:p>
             <a:r>
               <a:rPr lang="de-DE" dirty="0"/>
-              <a:t>Batterie </a:t>
-            </a:r>
-            <a:r>
-              <a:rPr lang="de-DE" dirty="0" smtClean="0"/>
-              <a:t>Lösung</a:t>
-            </a:r>
-          </a:p>
-          <a:p>
-            <a:r>
-              <a:rPr lang="de-DE" dirty="0" smtClean="0"/>
+              <a:t>Batterie Lösung</a:t>
+            </a:r>
+          </a:p>
+          <a:p>
+            <a:r>
+              <a:rPr lang="de-DE" dirty="0"/>
               <a:t>Codeschnipsel einzeln </a:t>
             </a:r>
             <a:r>
-              <a:rPr lang="de-DE" dirty="0" err="1" smtClean="0"/>
+              <a:rPr lang="de-DE" dirty="0" err="1"/>
               <a:t>splitscreen</a:t>
             </a:r>
             <a:r>
-              <a:rPr lang="de-DE" dirty="0" smtClean="0"/>
+              <a:rPr lang="de-DE" dirty="0"/>
               <a:t>.</a:t>
             </a:r>
-            <a:endParaRPr lang="de-DE" dirty="0"/>
           </a:p>
         </p:txBody>
       </p:sp>
@@ -10850,7 +10820,7 @@
           <p:cNvPr id="4" name="Slide Number Placeholder 3">
             <a:extLst>
               <a:ext uri="{FF2B5EF4-FFF2-40B4-BE49-F238E27FC236}">
-                <a16:creationId xmlns:a16="http://schemas.microsoft.com/office/drawing/2014/main" xmlns="" id="{9E4F3BBA-350F-4622-BAC1-BFCAADEF46F0}"/>
+                <a16:creationId xmlns:a16="http://schemas.microsoft.com/office/drawing/2014/main" id="{9E4F3BBA-350F-4622-BAC1-BFCAADEF46F0}"/>
               </a:ext>
             </a:extLst>
           </p:cNvPr>
@@ -10884,14 +10854,6 @@
   <p:clrMapOvr>
     <a:masterClrMapping/>
   </p:clrMapOvr>
-  <mc:AlternateContent xmlns:mc="http://schemas.openxmlformats.org/markup-compatibility/2006">
-    <mc:Choice xmlns:p14="http://schemas.microsoft.com/office/powerpoint/2010/main" Requires="p14">
-      <p:transition spd="slow" p14:dur="2000"/>
-    </mc:Choice>
-    <mc:Fallback>
-      <p:transition xmlns:p14="http://schemas.microsoft.com/office/powerpoint/2010/main" spd="slow"/>
-    </mc:Fallback>
-  </mc:AlternateContent>
 </p:sld>
 </file>
 
@@ -10917,7 +10879,7 @@
           <p:cNvPr id="2" name="Title 1">
             <a:extLst>
               <a:ext uri="{FF2B5EF4-FFF2-40B4-BE49-F238E27FC236}">
-                <a16:creationId xmlns:a16="http://schemas.microsoft.com/office/drawing/2014/main" xmlns="" id="{06BEDA57-7B6A-423A-A767-68DE43BD4B63}"/>
+                <a16:creationId xmlns:a16="http://schemas.microsoft.com/office/drawing/2014/main" id="{06BEDA57-7B6A-423A-A767-68DE43BD4B63}"/>
               </a:ext>
             </a:extLst>
           </p:cNvPr>
@@ -10946,7 +10908,7 @@
           <p:cNvPr id="4" name="Slide Number Placeholder 3">
             <a:extLst>
               <a:ext uri="{FF2B5EF4-FFF2-40B4-BE49-F238E27FC236}">
-                <a16:creationId xmlns:a16="http://schemas.microsoft.com/office/drawing/2014/main" xmlns="" id="{9E4F3BBA-350F-4622-BAC1-BFCAADEF46F0}"/>
+                <a16:creationId xmlns:a16="http://schemas.microsoft.com/office/drawing/2014/main" id="{9E4F3BBA-350F-4622-BAC1-BFCAADEF46F0}"/>
               </a:ext>
             </a:extLst>
           </p:cNvPr>
@@ -10975,7 +10937,7 @@
           <p:cNvPr id="6" name="Content Placeholder 5">
             <a:extLst>
               <a:ext uri="{FF2B5EF4-FFF2-40B4-BE49-F238E27FC236}">
-                <a16:creationId xmlns:a16="http://schemas.microsoft.com/office/drawing/2014/main" xmlns="" id="{F3AAA2AA-570A-42F5-AD34-74BDEA51AD02}"/>
+                <a16:creationId xmlns:a16="http://schemas.microsoft.com/office/drawing/2014/main" id="{F3AAA2AA-570A-42F5-AD34-74BDEA51AD02}"/>
               </a:ext>
             </a:extLst>
           </p:cNvPr>
@@ -11000,7 +10962,7 @@
           <p:cNvPr id="7" name="Picture 6">
             <a:extLst>
               <a:ext uri="{FF2B5EF4-FFF2-40B4-BE49-F238E27FC236}">
-                <a16:creationId xmlns:a16="http://schemas.microsoft.com/office/drawing/2014/main" xmlns="" id="{78208436-60CA-416D-BE2D-4E100756D999}"/>
+                <a16:creationId xmlns:a16="http://schemas.microsoft.com/office/drawing/2014/main" id="{78208436-60CA-416D-BE2D-4E100756D999}"/>
               </a:ext>
             </a:extLst>
           </p:cNvPr>
@@ -11060,7 +11022,7 @@
           <p:cNvPr id="2" name="Titel 1">
             <a:extLst>
               <a:ext uri="{FF2B5EF4-FFF2-40B4-BE49-F238E27FC236}">
-                <a16:creationId xmlns:a16="http://schemas.microsoft.com/office/drawing/2014/main" xmlns="" id="{5D10B3B2-98CE-4A76-8F3B-AC87D7970181}"/>
+                <a16:creationId xmlns:a16="http://schemas.microsoft.com/office/drawing/2014/main" id="{5D10B3B2-98CE-4A76-8F3B-AC87D7970181}"/>
               </a:ext>
             </a:extLst>
           </p:cNvPr>
@@ -11089,7 +11051,7 @@
           <p:cNvPr id="3" name="Inhaltsplatzhalter 2">
             <a:extLst>
               <a:ext uri="{FF2B5EF4-FFF2-40B4-BE49-F238E27FC236}">
-                <a16:creationId xmlns:a16="http://schemas.microsoft.com/office/drawing/2014/main" xmlns="" id="{DF549B9E-E429-455E-9CCB-4C382D186DA1}"/>
+                <a16:creationId xmlns:a16="http://schemas.microsoft.com/office/drawing/2014/main" id="{DF549B9E-E429-455E-9CCB-4C382D186DA1}"/>
               </a:ext>
             </a:extLst>
           </p:cNvPr>
@@ -11151,10 +11113,9 @@
           </a:p>
           <a:p>
             <a:r>
-              <a:rPr lang="de-DE" dirty="0" smtClean="0"/>
+              <a:rPr lang="de-DE" dirty="0"/>
               <a:t>Noch vorhanden: Wenn Batterieladung nicht betrachtet werden soll muss Startladung auf hohen Wert gesetzt werden</a:t>
             </a:r>
-            <a:endParaRPr lang="de-DE" dirty="0"/>
           </a:p>
         </p:txBody>
       </p:sp>
@@ -11163,7 +11124,7 @@
           <p:cNvPr id="4" name="Foliennummernplatzhalter 3">
             <a:extLst>
               <a:ext uri="{FF2B5EF4-FFF2-40B4-BE49-F238E27FC236}">
-                <a16:creationId xmlns:a16="http://schemas.microsoft.com/office/drawing/2014/main" xmlns="" id="{10CA8FA4-8DBF-4853-9008-56DB49403505}"/>
+                <a16:creationId xmlns:a16="http://schemas.microsoft.com/office/drawing/2014/main" id="{10CA8FA4-8DBF-4853-9008-56DB49403505}"/>
               </a:ext>
             </a:extLst>
           </p:cNvPr>
@@ -11222,7 +11183,7 @@
           <p:cNvPr id="2" name="Titel 1">
             <a:extLst>
               <a:ext uri="{FF2B5EF4-FFF2-40B4-BE49-F238E27FC236}">
-                <a16:creationId xmlns:a16="http://schemas.microsoft.com/office/drawing/2014/main" xmlns="" id="{3A7BB2F4-FCC1-4DE5-B708-3CFD0CD6AE2E}"/>
+                <a16:creationId xmlns:a16="http://schemas.microsoft.com/office/drawing/2014/main" id="{3A7BB2F4-FCC1-4DE5-B708-3CFD0CD6AE2E}"/>
               </a:ext>
             </a:extLst>
           </p:cNvPr>
@@ -11251,7 +11212,7 @@
           <p:cNvPr id="3" name="Inhaltsplatzhalter 2">
             <a:extLst>
               <a:ext uri="{FF2B5EF4-FFF2-40B4-BE49-F238E27FC236}">
-                <a16:creationId xmlns:a16="http://schemas.microsoft.com/office/drawing/2014/main" xmlns="" id="{A44C6831-89D7-4EA9-AA4D-054654C37D3B}"/>
+                <a16:creationId xmlns:a16="http://schemas.microsoft.com/office/drawing/2014/main" id="{A44C6831-89D7-4EA9-AA4D-054654C37D3B}"/>
               </a:ext>
             </a:extLst>
           </p:cNvPr>
@@ -11360,7 +11321,7 @@
           <p:cNvPr id="4" name="Foliennummernplatzhalter 3">
             <a:extLst>
               <a:ext uri="{FF2B5EF4-FFF2-40B4-BE49-F238E27FC236}">
-                <a16:creationId xmlns:a16="http://schemas.microsoft.com/office/drawing/2014/main" xmlns="" id="{256B3083-294C-4EB3-A324-509DB8EA66E4}"/>
+                <a16:creationId xmlns:a16="http://schemas.microsoft.com/office/drawing/2014/main" id="{256B3083-294C-4EB3-A324-509DB8EA66E4}"/>
               </a:ext>
             </a:extLst>
           </p:cNvPr>
@@ -11419,7 +11380,7 @@
           <p:cNvPr id="4" name="Rechteck 3">
             <a:extLst>
               <a:ext uri="{FF2B5EF4-FFF2-40B4-BE49-F238E27FC236}">
-                <a16:creationId xmlns:a16="http://schemas.microsoft.com/office/drawing/2014/main" xmlns="" id="{D73FED10-72DC-481B-B3B2-828AF37ADFF7}"/>
+                <a16:creationId xmlns:a16="http://schemas.microsoft.com/office/drawing/2014/main" id="{D73FED10-72DC-481B-B3B2-828AF37ADFF7}"/>
               </a:ext>
             </a:extLst>
           </p:cNvPr>
@@ -11468,7 +11429,7 @@
           <p:cNvPr id="5" name="Rechteck 4">
             <a:extLst>
               <a:ext uri="{FF2B5EF4-FFF2-40B4-BE49-F238E27FC236}">
-                <a16:creationId xmlns:a16="http://schemas.microsoft.com/office/drawing/2014/main" xmlns="" id="{C34D8871-8351-4853-9007-BAF79871654E}"/>
+                <a16:creationId xmlns:a16="http://schemas.microsoft.com/office/drawing/2014/main" id="{C34D8871-8351-4853-9007-BAF79871654E}"/>
               </a:ext>
             </a:extLst>
           </p:cNvPr>
@@ -11517,7 +11478,7 @@
           <p:cNvPr id="9" name="Rechteck 8">
             <a:extLst>
               <a:ext uri="{FF2B5EF4-FFF2-40B4-BE49-F238E27FC236}">
-                <a16:creationId xmlns:a16="http://schemas.microsoft.com/office/drawing/2014/main" xmlns="" id="{D74FEB83-FA0A-4617-994A-6A1964C05A73}"/>
+                <a16:creationId xmlns:a16="http://schemas.microsoft.com/office/drawing/2014/main" id="{D74FEB83-FA0A-4617-994A-6A1964C05A73}"/>
               </a:ext>
             </a:extLst>
           </p:cNvPr>
@@ -11566,7 +11527,7 @@
           <p:cNvPr id="10" name="Ellipse 9">
             <a:extLst>
               <a:ext uri="{FF2B5EF4-FFF2-40B4-BE49-F238E27FC236}">
-                <a16:creationId xmlns:a16="http://schemas.microsoft.com/office/drawing/2014/main" xmlns="" id="{82AE9F3B-D926-41F5-8792-63E9941B6182}"/>
+                <a16:creationId xmlns:a16="http://schemas.microsoft.com/office/drawing/2014/main" id="{82AE9F3B-D926-41F5-8792-63E9941B6182}"/>
               </a:ext>
             </a:extLst>
           </p:cNvPr>
@@ -11615,7 +11576,7 @@
           <p:cNvPr id="11" name="Sechseck 10">
             <a:extLst>
               <a:ext uri="{FF2B5EF4-FFF2-40B4-BE49-F238E27FC236}">
-                <a16:creationId xmlns:a16="http://schemas.microsoft.com/office/drawing/2014/main" xmlns="" id="{99E638A5-59E2-495D-979A-EADA77656E43}"/>
+                <a16:creationId xmlns:a16="http://schemas.microsoft.com/office/drawing/2014/main" id="{99E638A5-59E2-495D-979A-EADA77656E43}"/>
               </a:ext>
             </a:extLst>
           </p:cNvPr>
@@ -11664,7 +11625,7 @@
           <p:cNvPr id="13" name="Gerade Verbindung mit Pfeil 12">
             <a:extLst>
               <a:ext uri="{FF2B5EF4-FFF2-40B4-BE49-F238E27FC236}">
-                <a16:creationId xmlns:a16="http://schemas.microsoft.com/office/drawing/2014/main" xmlns="" id="{160BD4FC-BC5D-48AF-BD55-A0C482D25F5F}"/>
+                <a16:creationId xmlns:a16="http://schemas.microsoft.com/office/drawing/2014/main" id="{160BD4FC-BC5D-48AF-BD55-A0C482D25F5F}"/>
               </a:ext>
             </a:extLst>
           </p:cNvPr>
@@ -11708,7 +11669,7 @@
           <p:cNvPr id="14" name="Gerade Verbindung mit Pfeil 13">
             <a:extLst>
               <a:ext uri="{FF2B5EF4-FFF2-40B4-BE49-F238E27FC236}">
-                <a16:creationId xmlns:a16="http://schemas.microsoft.com/office/drawing/2014/main" xmlns="" id="{0F744E52-1CFC-437A-AEB4-8E3A2DF8EBB7}"/>
+                <a16:creationId xmlns:a16="http://schemas.microsoft.com/office/drawing/2014/main" id="{0F744E52-1CFC-437A-AEB4-8E3A2DF8EBB7}"/>
               </a:ext>
             </a:extLst>
           </p:cNvPr>
@@ -11752,7 +11713,7 @@
           <p:cNvPr id="21" name="Gerade Verbindung mit Pfeil 20">
             <a:extLst>
               <a:ext uri="{FF2B5EF4-FFF2-40B4-BE49-F238E27FC236}">
-                <a16:creationId xmlns:a16="http://schemas.microsoft.com/office/drawing/2014/main" xmlns="" id="{76990AF8-2E77-4B37-B0CA-2B7395D82A9D}"/>
+                <a16:creationId xmlns:a16="http://schemas.microsoft.com/office/drawing/2014/main" id="{76990AF8-2E77-4B37-B0CA-2B7395D82A9D}"/>
               </a:ext>
             </a:extLst>
           </p:cNvPr>
@@ -11796,7 +11757,7 @@
           <p:cNvPr id="24" name="Gerade Verbindung mit Pfeil 23">
             <a:extLst>
               <a:ext uri="{FF2B5EF4-FFF2-40B4-BE49-F238E27FC236}">
-                <a16:creationId xmlns:a16="http://schemas.microsoft.com/office/drawing/2014/main" xmlns="" id="{C22EE68F-968D-4481-82EF-73BE7DEFA2A4}"/>
+                <a16:creationId xmlns:a16="http://schemas.microsoft.com/office/drawing/2014/main" id="{C22EE68F-968D-4481-82EF-73BE7DEFA2A4}"/>
               </a:ext>
             </a:extLst>
           </p:cNvPr>
@@ -11840,7 +11801,7 @@
           <p:cNvPr id="27" name="Gerade Verbindung mit Pfeil 26">
             <a:extLst>
               <a:ext uri="{FF2B5EF4-FFF2-40B4-BE49-F238E27FC236}">
-                <a16:creationId xmlns:a16="http://schemas.microsoft.com/office/drawing/2014/main" xmlns="" id="{B74F0518-0D5B-4835-9FE0-6C05FA3E9AD5}"/>
+                <a16:creationId xmlns:a16="http://schemas.microsoft.com/office/drawing/2014/main" id="{B74F0518-0D5B-4835-9FE0-6C05FA3E9AD5}"/>
               </a:ext>
             </a:extLst>
           </p:cNvPr>
@@ -11884,7 +11845,7 @@
           <p:cNvPr id="30" name="Gerade Verbindung mit Pfeil 29">
             <a:extLst>
               <a:ext uri="{FF2B5EF4-FFF2-40B4-BE49-F238E27FC236}">
-                <a16:creationId xmlns:a16="http://schemas.microsoft.com/office/drawing/2014/main" xmlns="" id="{DB4807CA-CE35-4073-8BB7-645ECE5E9BC3}"/>
+                <a16:creationId xmlns:a16="http://schemas.microsoft.com/office/drawing/2014/main" id="{DB4807CA-CE35-4073-8BB7-645ECE5E9BC3}"/>
               </a:ext>
             </a:extLst>
           </p:cNvPr>
@@ -11928,7 +11889,7 @@
           <p:cNvPr id="33" name="Gerade Verbindung mit Pfeil 32">
             <a:extLst>
               <a:ext uri="{FF2B5EF4-FFF2-40B4-BE49-F238E27FC236}">
-                <a16:creationId xmlns:a16="http://schemas.microsoft.com/office/drawing/2014/main" xmlns="" id="{C6DC9FE2-BD85-40A7-85CD-FAFADF0446F8}"/>
+                <a16:creationId xmlns:a16="http://schemas.microsoft.com/office/drawing/2014/main" id="{C6DC9FE2-BD85-40A7-85CD-FAFADF0446F8}"/>
               </a:ext>
             </a:extLst>
           </p:cNvPr>
@@ -11972,7 +11933,7 @@
           <p:cNvPr id="36" name="Textfeld 35">
             <a:extLst>
               <a:ext uri="{FF2B5EF4-FFF2-40B4-BE49-F238E27FC236}">
-                <a16:creationId xmlns:a16="http://schemas.microsoft.com/office/drawing/2014/main" xmlns="" id="{7DA9A3AE-402A-4836-8EA9-5CF57E1B1A96}"/>
+                <a16:creationId xmlns:a16="http://schemas.microsoft.com/office/drawing/2014/main" id="{7DA9A3AE-402A-4836-8EA9-5CF57E1B1A96}"/>
               </a:ext>
             </a:extLst>
           </p:cNvPr>
@@ -12007,7 +11968,7 @@
           <p:cNvPr id="37" name="Textfeld 36">
             <a:extLst>
               <a:ext uri="{FF2B5EF4-FFF2-40B4-BE49-F238E27FC236}">
-                <a16:creationId xmlns:a16="http://schemas.microsoft.com/office/drawing/2014/main" xmlns="" id="{0570975D-06BD-4403-A5D8-90D29EE44D90}"/>
+                <a16:creationId xmlns:a16="http://schemas.microsoft.com/office/drawing/2014/main" id="{0570975D-06BD-4403-A5D8-90D29EE44D90}"/>
               </a:ext>
             </a:extLst>
           </p:cNvPr>
@@ -12042,7 +12003,7 @@
           <p:cNvPr id="38" name="Textfeld 37">
             <a:extLst>
               <a:ext uri="{FF2B5EF4-FFF2-40B4-BE49-F238E27FC236}">
-                <a16:creationId xmlns:a16="http://schemas.microsoft.com/office/drawing/2014/main" xmlns="" id="{03CDC848-6357-4E1B-A3E8-49F619B9F93C}"/>
+                <a16:creationId xmlns:a16="http://schemas.microsoft.com/office/drawing/2014/main" id="{03CDC848-6357-4E1B-A3E8-49F619B9F93C}"/>
               </a:ext>
             </a:extLst>
           </p:cNvPr>
@@ -12077,7 +12038,7 @@
           <p:cNvPr id="39" name="Textfeld 38">
             <a:extLst>
               <a:ext uri="{FF2B5EF4-FFF2-40B4-BE49-F238E27FC236}">
-                <a16:creationId xmlns:a16="http://schemas.microsoft.com/office/drawing/2014/main" xmlns="" id="{85DE17B8-CA60-4EC9-A6AC-AC080DDE1281}"/>
+                <a16:creationId xmlns:a16="http://schemas.microsoft.com/office/drawing/2014/main" id="{85DE17B8-CA60-4EC9-A6AC-AC080DDE1281}"/>
               </a:ext>
             </a:extLst>
           </p:cNvPr>
@@ -12112,7 +12073,7 @@
           <p:cNvPr id="40" name="Textfeld 39">
             <a:extLst>
               <a:ext uri="{FF2B5EF4-FFF2-40B4-BE49-F238E27FC236}">
-                <a16:creationId xmlns:a16="http://schemas.microsoft.com/office/drawing/2014/main" xmlns="" id="{B5FC16D5-842E-4352-8D37-4752AC951703}"/>
+                <a16:creationId xmlns:a16="http://schemas.microsoft.com/office/drawing/2014/main" id="{B5FC16D5-842E-4352-8D37-4752AC951703}"/>
               </a:ext>
             </a:extLst>
           </p:cNvPr>
@@ -12147,7 +12108,7 @@
           <p:cNvPr id="41" name="Textfeld 40">
             <a:extLst>
               <a:ext uri="{FF2B5EF4-FFF2-40B4-BE49-F238E27FC236}">
-                <a16:creationId xmlns:a16="http://schemas.microsoft.com/office/drawing/2014/main" xmlns="" id="{3B7CF91D-ADC1-4182-9EEA-97DAF86D5624}"/>
+                <a16:creationId xmlns:a16="http://schemas.microsoft.com/office/drawing/2014/main" id="{3B7CF91D-ADC1-4182-9EEA-97DAF86D5624}"/>
               </a:ext>
             </a:extLst>
           </p:cNvPr>
@@ -12182,7 +12143,7 @@
           <p:cNvPr id="42" name="Textfeld 41">
             <a:extLst>
               <a:ext uri="{FF2B5EF4-FFF2-40B4-BE49-F238E27FC236}">
-                <a16:creationId xmlns:a16="http://schemas.microsoft.com/office/drawing/2014/main" xmlns="" id="{1C500370-3E59-476C-9411-543770E261D6}"/>
+                <a16:creationId xmlns:a16="http://schemas.microsoft.com/office/drawing/2014/main" id="{1C500370-3E59-476C-9411-543770E261D6}"/>
               </a:ext>
             </a:extLst>
           </p:cNvPr>
@@ -12217,7 +12178,7 @@
           <p:cNvPr id="43" name="Textfeld 42">
             <a:extLst>
               <a:ext uri="{FF2B5EF4-FFF2-40B4-BE49-F238E27FC236}">
-                <a16:creationId xmlns:a16="http://schemas.microsoft.com/office/drawing/2014/main" xmlns="" id="{BD6B08D4-7E4A-4309-9848-A7A423DE4529}"/>
+                <a16:creationId xmlns:a16="http://schemas.microsoft.com/office/drawing/2014/main" id="{BD6B08D4-7E4A-4309-9848-A7A423DE4529}"/>
               </a:ext>
             </a:extLst>
           </p:cNvPr>
@@ -12252,7 +12213,7 @@
           <p:cNvPr id="44" name="Textfeld 43">
             <a:extLst>
               <a:ext uri="{FF2B5EF4-FFF2-40B4-BE49-F238E27FC236}">
-                <a16:creationId xmlns:a16="http://schemas.microsoft.com/office/drawing/2014/main" xmlns="" id="{56F7D731-EFF7-4318-A1BB-4C228AD80E10}"/>
+                <a16:creationId xmlns:a16="http://schemas.microsoft.com/office/drawing/2014/main" id="{56F7D731-EFF7-4318-A1BB-4C228AD80E10}"/>
               </a:ext>
             </a:extLst>
           </p:cNvPr>
@@ -12287,7 +12248,7 @@
           <p:cNvPr id="45" name="Textfeld 44">
             <a:extLst>
               <a:ext uri="{FF2B5EF4-FFF2-40B4-BE49-F238E27FC236}">
-                <a16:creationId xmlns:a16="http://schemas.microsoft.com/office/drawing/2014/main" xmlns="" id="{78161AAE-EBF4-458C-AF63-F56DE7E40683}"/>
+                <a16:creationId xmlns:a16="http://schemas.microsoft.com/office/drawing/2014/main" id="{78161AAE-EBF4-458C-AF63-F56DE7E40683}"/>
               </a:ext>
             </a:extLst>
           </p:cNvPr>
@@ -12322,7 +12283,7 @@
           <p:cNvPr id="46" name="Foliennummernplatzhalter 45">
             <a:extLst>
               <a:ext uri="{FF2B5EF4-FFF2-40B4-BE49-F238E27FC236}">
-                <a16:creationId xmlns:a16="http://schemas.microsoft.com/office/drawing/2014/main" xmlns="" id="{C8736086-FF43-4F11-B163-935F1CA54CB9}"/>
+                <a16:creationId xmlns:a16="http://schemas.microsoft.com/office/drawing/2014/main" id="{C8736086-FF43-4F11-B163-935F1CA54CB9}"/>
               </a:ext>
             </a:extLst>
           </p:cNvPr>
@@ -12381,7 +12342,7 @@
           <p:cNvPr id="2" name="Titel 1">
             <a:extLst>
               <a:ext uri="{FF2B5EF4-FFF2-40B4-BE49-F238E27FC236}">
-                <a16:creationId xmlns:a16="http://schemas.microsoft.com/office/drawing/2014/main" xmlns="" id="{BC5612AC-6411-4142-AED7-C162557AFFAD}"/>
+                <a16:creationId xmlns:a16="http://schemas.microsoft.com/office/drawing/2014/main" id="{BC5612AC-6411-4142-AED7-C162557AFFAD}"/>
               </a:ext>
             </a:extLst>
           </p:cNvPr>
@@ -12410,7 +12371,7 @@
           <p:cNvPr id="3" name="Inhaltsplatzhalter 2">
             <a:extLst>
               <a:ext uri="{FF2B5EF4-FFF2-40B4-BE49-F238E27FC236}">
-                <a16:creationId xmlns:a16="http://schemas.microsoft.com/office/drawing/2014/main" xmlns="" id="{50710A65-BC45-4F3B-ABA3-CBBBFBBA6513}"/>
+                <a16:creationId xmlns:a16="http://schemas.microsoft.com/office/drawing/2014/main" id="{50710A65-BC45-4F3B-ABA3-CBBBFBBA6513}"/>
               </a:ext>
             </a:extLst>
           </p:cNvPr>
@@ -12427,34 +12388,28 @@
           <a:lstStyle/>
           <a:p>
             <a:r>
-              <a:rPr lang="de-DE" dirty="0" smtClean="0"/>
-              <a:t>Spieltheoretische Ma</a:t>
-            </a:r>
-            <a:r>
-              <a:rPr lang="de-DE" dirty="0" smtClean="0"/>
-              <a:t>ßnahmen praktisch für Eingebettete Systeme</a:t>
+              <a:rPr lang="de-DE" dirty="0"/>
+              <a:t>Spieltheoretische Maßnahmen praktisch für Eingebettete Systeme</a:t>
             </a:r>
           </a:p>
           <a:p>
             <a:pPr lvl="1"/>
             <a:r>
-              <a:rPr lang="de-DE" dirty="0" smtClean="0"/>
+              <a:rPr lang="de-DE" dirty="0"/>
               <a:t>Effiziente Berechnung, da alle Szenarien offline im Speicher liegen</a:t>
             </a:r>
-            <a:endParaRPr lang="de-DE" dirty="0"/>
-          </a:p>
-          <a:p>
-            <a:r>
-              <a:rPr lang="de-DE" dirty="0" smtClean="0"/>
+          </a:p>
+          <a:p>
+            <a:r>
+              <a:rPr lang="de-DE" dirty="0"/>
               <a:t>Graphen werden ab ~6x6 sehr groß</a:t>
             </a:r>
           </a:p>
           <a:p>
             <a:r>
-              <a:rPr lang="de-DE" dirty="0" smtClean="0"/>
+              <a:rPr lang="de-DE" dirty="0"/>
               <a:t>Demo.</a:t>
             </a:r>
-            <a:endParaRPr lang="de-DE" dirty="0"/>
           </a:p>
         </p:txBody>
       </p:sp>
@@ -12463,7 +12418,7 @@
           <p:cNvPr id="4" name="Foliennummernplatzhalter 3">
             <a:extLst>
               <a:ext uri="{FF2B5EF4-FFF2-40B4-BE49-F238E27FC236}">
-                <a16:creationId xmlns:a16="http://schemas.microsoft.com/office/drawing/2014/main" xmlns="" id="{19788284-BBE6-4885-96DA-A705A3D1CEE9}"/>
+                <a16:creationId xmlns:a16="http://schemas.microsoft.com/office/drawing/2014/main" id="{19788284-BBE6-4885-96DA-A705A3D1CEE9}"/>
               </a:ext>
             </a:extLst>
           </p:cNvPr>
@@ -12522,7 +12477,7 @@
           <p:cNvPr id="2" name="Titel 1">
             <a:extLst>
               <a:ext uri="{FF2B5EF4-FFF2-40B4-BE49-F238E27FC236}">
-                <a16:creationId xmlns:a16="http://schemas.microsoft.com/office/drawing/2014/main" xmlns="" id="{26825D3A-6CEE-4F9F-81E5-3E804EAA612A}"/>
+                <a16:creationId xmlns:a16="http://schemas.microsoft.com/office/drawing/2014/main" id="{26825D3A-6CEE-4F9F-81E5-3E804EAA612A}"/>
               </a:ext>
             </a:extLst>
           </p:cNvPr>
@@ -12551,7 +12506,7 @@
           <p:cNvPr id="3" name="Inhaltsplatzhalter 2">
             <a:extLst>
               <a:ext uri="{FF2B5EF4-FFF2-40B4-BE49-F238E27FC236}">
-                <a16:creationId xmlns:a16="http://schemas.microsoft.com/office/drawing/2014/main" xmlns="" id="{B8B215CE-79DD-4E8A-9F51-760A69740D50}"/>
+                <a16:creationId xmlns:a16="http://schemas.microsoft.com/office/drawing/2014/main" id="{B8B215CE-79DD-4E8A-9F51-760A69740D50}"/>
               </a:ext>
             </a:extLst>
           </p:cNvPr>
@@ -12638,7 +12593,7 @@
           <p:cNvPr id="4" name="Foliennummernplatzhalter 3">
             <a:extLst>
               <a:ext uri="{FF2B5EF4-FFF2-40B4-BE49-F238E27FC236}">
-                <a16:creationId xmlns:a16="http://schemas.microsoft.com/office/drawing/2014/main" xmlns="" id="{93BF2E14-94DF-403B-969C-E3660F2321D1}"/>
+                <a16:creationId xmlns:a16="http://schemas.microsoft.com/office/drawing/2014/main" id="{93BF2E14-94DF-403B-969C-E3660F2321D1}"/>
               </a:ext>
             </a:extLst>
           </p:cNvPr>
@@ -12697,7 +12652,7 @@
           <p:cNvPr id="2" name="Titel 1">
             <a:extLst>
               <a:ext uri="{FF2B5EF4-FFF2-40B4-BE49-F238E27FC236}">
-                <a16:creationId xmlns:a16="http://schemas.microsoft.com/office/drawing/2014/main" xmlns="" id="{A1F365B5-A939-445F-958E-D0579E7008B7}"/>
+                <a16:creationId xmlns:a16="http://schemas.microsoft.com/office/drawing/2014/main" id="{A1F365B5-A939-445F-958E-D0579E7008B7}"/>
               </a:ext>
             </a:extLst>
           </p:cNvPr>
@@ -12726,7 +12681,7 @@
           <p:cNvPr id="3" name="Inhaltsplatzhalter 2">
             <a:extLst>
               <a:ext uri="{FF2B5EF4-FFF2-40B4-BE49-F238E27FC236}">
-                <a16:creationId xmlns:a16="http://schemas.microsoft.com/office/drawing/2014/main" xmlns="" id="{4664686B-E363-454D-ABAA-3DB2FB5F692D}"/>
+                <a16:creationId xmlns:a16="http://schemas.microsoft.com/office/drawing/2014/main" id="{4664686B-E363-454D-ABAA-3DB2FB5F692D}"/>
               </a:ext>
             </a:extLst>
           </p:cNvPr>
@@ -12789,7 +12744,7 @@
           <p:cNvPr id="4" name="Foliennummernplatzhalter 3">
             <a:extLst>
               <a:ext uri="{FF2B5EF4-FFF2-40B4-BE49-F238E27FC236}">
-                <a16:creationId xmlns:a16="http://schemas.microsoft.com/office/drawing/2014/main" xmlns="" id="{5264A6CD-BC9E-4F42-BBFA-4192D47D444D}"/>
+                <a16:creationId xmlns:a16="http://schemas.microsoft.com/office/drawing/2014/main" id="{5264A6CD-BC9E-4F42-BBFA-4192D47D444D}"/>
               </a:ext>
             </a:extLst>
           </p:cNvPr>
@@ -12848,7 +12803,7 @@
           <p:cNvPr id="2" name="Titel 1">
             <a:extLst>
               <a:ext uri="{FF2B5EF4-FFF2-40B4-BE49-F238E27FC236}">
-                <a16:creationId xmlns:a16="http://schemas.microsoft.com/office/drawing/2014/main" xmlns="" id="{D830302C-DA89-453C-9E9D-624506AE6BA3}"/>
+                <a16:creationId xmlns:a16="http://schemas.microsoft.com/office/drawing/2014/main" id="{D830302C-DA89-453C-9E9D-624506AE6BA3}"/>
               </a:ext>
             </a:extLst>
           </p:cNvPr>
@@ -12877,7 +12832,7 @@
           <p:cNvPr id="3" name="Inhaltsplatzhalter 2">
             <a:extLst>
               <a:ext uri="{FF2B5EF4-FFF2-40B4-BE49-F238E27FC236}">
-                <a16:creationId xmlns:a16="http://schemas.microsoft.com/office/drawing/2014/main" xmlns="" id="{A3E9EB45-91E9-45FF-B312-A8E7636840FB}"/>
+                <a16:creationId xmlns:a16="http://schemas.microsoft.com/office/drawing/2014/main" id="{A3E9EB45-91E9-45FF-B312-A8E7636840FB}"/>
               </a:ext>
             </a:extLst>
           </p:cNvPr>
@@ -12901,22 +12856,18 @@
           <a:p>
             <a:r>
               <a:rPr lang="de-DE" dirty="0"/>
-              <a:t>Roboter und Kind Bewegungsmuster Beispiel Tafel oder Backup </a:t>
-            </a:r>
-            <a:r>
-              <a:rPr lang="de-DE" dirty="0" smtClean="0"/>
-              <a:t>Folie</a:t>
-            </a:r>
-          </a:p>
-          <a:p>
-            <a:r>
-              <a:rPr lang="de-DE" dirty="0" smtClean="0"/>
+              <a:t>Roboter und Kind Bewegungsmuster Beispiel Tafel oder Backup Folie</a:t>
+            </a:r>
+          </a:p>
+          <a:p>
+            <a:r>
+              <a:rPr lang="de-DE" dirty="0"/>
               <a:t>Roboter fängt an</a:t>
             </a:r>
           </a:p>
           <a:p>
             <a:r>
-              <a:rPr lang="de-DE" dirty="0" smtClean="0"/>
+              <a:rPr lang="de-DE" dirty="0"/>
               <a:t>In Bild: Kind am Zug.</a:t>
             </a:r>
           </a:p>
@@ -12927,7 +12878,7 @@
           <p:cNvPr id="4" name="Foliennummernplatzhalter 3">
             <a:extLst>
               <a:ext uri="{FF2B5EF4-FFF2-40B4-BE49-F238E27FC236}">
-                <a16:creationId xmlns:a16="http://schemas.microsoft.com/office/drawing/2014/main" xmlns="" id="{6318C5D9-92EB-47E6-BBFE-6FA653933C38}"/>
+                <a16:creationId xmlns:a16="http://schemas.microsoft.com/office/drawing/2014/main" id="{6318C5D9-92EB-47E6-BBFE-6FA653933C38}"/>
               </a:ext>
             </a:extLst>
           </p:cNvPr>
@@ -12961,14 +12912,6 @@
   <p:clrMapOvr>
     <a:masterClrMapping/>
   </p:clrMapOvr>
-  <mc:AlternateContent xmlns:mc="http://schemas.openxmlformats.org/markup-compatibility/2006">
-    <mc:Choice xmlns:p14="http://schemas.microsoft.com/office/powerpoint/2010/main" Requires="p14">
-      <p:transition spd="slow" p14:dur="2000"/>
-    </mc:Choice>
-    <mc:Fallback>
-      <p:transition xmlns:p14="http://schemas.microsoft.com/office/powerpoint/2010/main" spd="slow"/>
-    </mc:Fallback>
-  </mc:AlternateContent>
 </p:sld>
 </file>
 
@@ -13006,10 +12949,9 @@
           <a:p>
             <a:pPr algn="ctr"/>
             <a:r>
-              <a:rPr lang="de-DE" dirty="0" smtClean="0"/>
+              <a:rPr lang="de-DE" dirty="0"/>
               <a:t>Spielfeld</a:t>
             </a:r>
-            <a:endParaRPr lang="de-DE" dirty="0"/>
           </a:p>
         </p:txBody>
       </p:sp>
@@ -13084,10 +13026,9 @@
           <a:lstStyle/>
           <a:p>
             <a:r>
-              <a:rPr lang="de-DE" sz="1100" dirty="0" smtClean="0"/>
+              <a:rPr lang="de-DE" sz="1100" dirty="0"/>
               <a:t>Bildquelle: Aufgabenstellung</a:t>
             </a:r>
-            <a:endParaRPr lang="de-DE" sz="1100" dirty="0"/>
           </a:p>
         </p:txBody>
       </p:sp>
@@ -13126,7 +13067,7 @@
           <p:cNvPr id="2" name="Title 1">
             <a:extLst>
               <a:ext uri="{FF2B5EF4-FFF2-40B4-BE49-F238E27FC236}">
-                <a16:creationId xmlns:a16="http://schemas.microsoft.com/office/drawing/2014/main" xmlns="" id="{EC71ED69-ECE5-4FEA-BAAC-2D3FD4AEF4CF}"/>
+                <a16:creationId xmlns:a16="http://schemas.microsoft.com/office/drawing/2014/main" id="{EC71ED69-ECE5-4FEA-BAAC-2D3FD4AEF4CF}"/>
               </a:ext>
             </a:extLst>
           </p:cNvPr>
@@ -13144,10 +13085,9 @@
           <a:p>
             <a:pPr algn="ctr"/>
             <a:r>
-              <a:rPr lang="de-DE" dirty="0" smtClean="0"/>
+              <a:rPr lang="de-DE" dirty="0"/>
               <a:t>Batterie</a:t>
             </a:r>
-            <a:endParaRPr lang="de-DE" dirty="0"/>
           </a:p>
         </p:txBody>
       </p:sp>
@@ -13156,7 +13096,7 @@
           <p:cNvPr id="5" name="Content Placeholder 4">
             <a:extLst>
               <a:ext uri="{FF2B5EF4-FFF2-40B4-BE49-F238E27FC236}">
-                <a16:creationId xmlns:a16="http://schemas.microsoft.com/office/drawing/2014/main" xmlns="" id="{556F42A2-DCA4-4B1C-A056-51A3547A9BE0}"/>
+                <a16:creationId xmlns:a16="http://schemas.microsoft.com/office/drawing/2014/main" id="{556F42A2-DCA4-4B1C-A056-51A3547A9BE0}"/>
               </a:ext>
             </a:extLst>
           </p:cNvPr>
@@ -13186,56 +13126,56 @@
                 <a:gridCol w="563946">
                   <a:extLst>
                     <a:ext uri="{9D8B030D-6E8A-4147-A177-3AD203B41FA5}">
-                      <a16:colId xmlns:a16="http://schemas.microsoft.com/office/drawing/2014/main" xmlns="" val="3909669187"/>
+                      <a16:colId xmlns:a16="http://schemas.microsoft.com/office/drawing/2014/main" val="3909669187"/>
                     </a:ext>
                   </a:extLst>
                 </a:gridCol>
                 <a:gridCol w="563946">
                   <a:extLst>
                     <a:ext uri="{9D8B030D-6E8A-4147-A177-3AD203B41FA5}">
-                      <a16:colId xmlns:a16="http://schemas.microsoft.com/office/drawing/2014/main" xmlns="" val="2081033052"/>
+                      <a16:colId xmlns:a16="http://schemas.microsoft.com/office/drawing/2014/main" val="2081033052"/>
                     </a:ext>
                   </a:extLst>
                 </a:gridCol>
                 <a:gridCol w="563946">
                   <a:extLst>
                     <a:ext uri="{9D8B030D-6E8A-4147-A177-3AD203B41FA5}">
-                      <a16:colId xmlns:a16="http://schemas.microsoft.com/office/drawing/2014/main" xmlns="" val="2759415750"/>
+                      <a16:colId xmlns:a16="http://schemas.microsoft.com/office/drawing/2014/main" val="2759415750"/>
                     </a:ext>
                   </a:extLst>
                 </a:gridCol>
                 <a:gridCol w="563946">
                   <a:extLst>
                     <a:ext uri="{9D8B030D-6E8A-4147-A177-3AD203B41FA5}">
-                      <a16:colId xmlns:a16="http://schemas.microsoft.com/office/drawing/2014/main" xmlns="" val="1013666482"/>
+                      <a16:colId xmlns:a16="http://schemas.microsoft.com/office/drawing/2014/main" val="1013666482"/>
                     </a:ext>
                   </a:extLst>
                 </a:gridCol>
                 <a:gridCol w="563946">
                   <a:extLst>
                     <a:ext uri="{9D8B030D-6E8A-4147-A177-3AD203B41FA5}">
-                      <a16:colId xmlns:a16="http://schemas.microsoft.com/office/drawing/2014/main" xmlns="" val="4052377547"/>
+                      <a16:colId xmlns:a16="http://schemas.microsoft.com/office/drawing/2014/main" val="4052377547"/>
                     </a:ext>
                   </a:extLst>
                 </a:gridCol>
                 <a:gridCol w="563946">
                   <a:extLst>
                     <a:ext uri="{9D8B030D-6E8A-4147-A177-3AD203B41FA5}">
-                      <a16:colId xmlns:a16="http://schemas.microsoft.com/office/drawing/2014/main" xmlns="" val="86987426"/>
+                      <a16:colId xmlns:a16="http://schemas.microsoft.com/office/drawing/2014/main" val="86987426"/>
                     </a:ext>
                   </a:extLst>
                 </a:gridCol>
                 <a:gridCol w="563946">
                   <a:extLst>
                     <a:ext uri="{9D8B030D-6E8A-4147-A177-3AD203B41FA5}">
-                      <a16:colId xmlns:a16="http://schemas.microsoft.com/office/drawing/2014/main" xmlns="" val="4112314039"/>
+                      <a16:colId xmlns:a16="http://schemas.microsoft.com/office/drawing/2014/main" val="4112314039"/>
                     </a:ext>
                   </a:extLst>
                 </a:gridCol>
                 <a:gridCol w="563946">
                   <a:extLst>
                     <a:ext uri="{9D8B030D-6E8A-4147-A177-3AD203B41FA5}">
-                      <a16:colId xmlns:a16="http://schemas.microsoft.com/office/drawing/2014/main" xmlns="" val="2352200665"/>
+                      <a16:colId xmlns:a16="http://schemas.microsoft.com/office/drawing/2014/main" val="2352200665"/>
                     </a:ext>
                   </a:extLst>
                 </a:gridCol>
@@ -13323,7 +13263,7 @@
                 </a:tc>
                 <a:extLst>
                   <a:ext uri="{0D108BD9-81ED-4DB2-BD59-A6C34878D82A}">
-                    <a16:rowId xmlns:a16="http://schemas.microsoft.com/office/drawing/2014/main" xmlns="" val="3901103587"/>
+                    <a16:rowId xmlns:a16="http://schemas.microsoft.com/office/drawing/2014/main" val="3901103587"/>
                   </a:ext>
                 </a:extLst>
               </a:tr>
@@ -13410,7 +13350,7 @@
                 </a:tc>
                 <a:extLst>
                   <a:ext uri="{0D108BD9-81ED-4DB2-BD59-A6C34878D82A}">
-                    <a16:rowId xmlns:a16="http://schemas.microsoft.com/office/drawing/2014/main" xmlns="" val="810655840"/>
+                    <a16:rowId xmlns:a16="http://schemas.microsoft.com/office/drawing/2014/main" val="810655840"/>
                   </a:ext>
                 </a:extLst>
               </a:tr>
@@ -13497,7 +13437,7 @@
                 </a:tc>
                 <a:extLst>
                   <a:ext uri="{0D108BD9-81ED-4DB2-BD59-A6C34878D82A}">
-                    <a16:rowId xmlns:a16="http://schemas.microsoft.com/office/drawing/2014/main" xmlns="" val="2107368300"/>
+                    <a16:rowId xmlns:a16="http://schemas.microsoft.com/office/drawing/2014/main" val="2107368300"/>
                   </a:ext>
                 </a:extLst>
               </a:tr>
@@ -13584,7 +13524,7 @@
                 </a:tc>
                 <a:extLst>
                   <a:ext uri="{0D108BD9-81ED-4DB2-BD59-A6C34878D82A}">
-                    <a16:rowId xmlns:a16="http://schemas.microsoft.com/office/drawing/2014/main" xmlns="" val="1259991857"/>
+                    <a16:rowId xmlns:a16="http://schemas.microsoft.com/office/drawing/2014/main" val="1259991857"/>
                   </a:ext>
                 </a:extLst>
               </a:tr>
@@ -13683,7 +13623,7 @@
                 </a:tc>
                 <a:extLst>
                   <a:ext uri="{0D108BD9-81ED-4DB2-BD59-A6C34878D82A}">
-                    <a16:rowId xmlns:a16="http://schemas.microsoft.com/office/drawing/2014/main" xmlns="" val="1705778076"/>
+                    <a16:rowId xmlns:a16="http://schemas.microsoft.com/office/drawing/2014/main" val="1705778076"/>
                   </a:ext>
                 </a:extLst>
               </a:tr>
@@ -13782,7 +13722,7 @@
                 </a:tc>
                 <a:extLst>
                   <a:ext uri="{0D108BD9-81ED-4DB2-BD59-A6C34878D82A}">
-                    <a16:rowId xmlns:a16="http://schemas.microsoft.com/office/drawing/2014/main" xmlns="" val="3593844036"/>
+                    <a16:rowId xmlns:a16="http://schemas.microsoft.com/office/drawing/2014/main" val="3593844036"/>
                   </a:ext>
                 </a:extLst>
               </a:tr>
@@ -13881,7 +13821,7 @@
                 </a:tc>
                 <a:extLst>
                   <a:ext uri="{0D108BD9-81ED-4DB2-BD59-A6C34878D82A}">
-                    <a16:rowId xmlns:a16="http://schemas.microsoft.com/office/drawing/2014/main" xmlns="" val="2725860628"/>
+                    <a16:rowId xmlns:a16="http://schemas.microsoft.com/office/drawing/2014/main" val="2725860628"/>
                   </a:ext>
                 </a:extLst>
               </a:tr>
@@ -13968,7 +13908,7 @@
                 </a:tc>
                 <a:extLst>
                   <a:ext uri="{0D108BD9-81ED-4DB2-BD59-A6C34878D82A}">
-                    <a16:rowId xmlns:a16="http://schemas.microsoft.com/office/drawing/2014/main" xmlns="" val="3598242446"/>
+                    <a16:rowId xmlns:a16="http://schemas.microsoft.com/office/drawing/2014/main" val="3598242446"/>
                   </a:ext>
                 </a:extLst>
               </a:tr>
@@ -13981,7 +13921,7 @@
           <p:cNvPr id="4" name="Slide Number Placeholder 3">
             <a:extLst>
               <a:ext uri="{FF2B5EF4-FFF2-40B4-BE49-F238E27FC236}">
-                <a16:creationId xmlns:a16="http://schemas.microsoft.com/office/drawing/2014/main" xmlns="" id="{97D82D7D-618B-4FC6-9B8D-AF076B248E3B}"/>
+                <a16:creationId xmlns:a16="http://schemas.microsoft.com/office/drawing/2014/main" id="{97D82D7D-618B-4FC6-9B8D-AF076B248E3B}"/>
               </a:ext>
             </a:extLst>
           </p:cNvPr>
@@ -14010,7 +13950,7 @@
           <p:cNvPr id="6" name="Multiplication Sign 5">
             <a:extLst>
               <a:ext uri="{FF2B5EF4-FFF2-40B4-BE49-F238E27FC236}">
-                <a16:creationId xmlns:a16="http://schemas.microsoft.com/office/drawing/2014/main" xmlns="" id="{38108A66-6254-422A-831E-1095BB8DE301}"/>
+                <a16:creationId xmlns:a16="http://schemas.microsoft.com/office/drawing/2014/main" id="{38108A66-6254-422A-831E-1095BB8DE301}"/>
               </a:ext>
             </a:extLst>
           </p:cNvPr>
@@ -14064,7 +14004,7 @@
           <p:cNvPr id="12" name="Lightning Bolt 11">
             <a:extLst>
               <a:ext uri="{FF2B5EF4-FFF2-40B4-BE49-F238E27FC236}">
-                <a16:creationId xmlns:a16="http://schemas.microsoft.com/office/drawing/2014/main" xmlns="" id="{5DDA1150-7AEA-4056-B6EE-1F4F6C5D505E}"/>
+                <a16:creationId xmlns:a16="http://schemas.microsoft.com/office/drawing/2014/main" id="{5DDA1150-7AEA-4056-B6EE-1F4F6C5D505E}"/>
               </a:ext>
             </a:extLst>
           </p:cNvPr>
@@ -14140,7 +14080,7 @@
           <p:cNvPr id="2" name="Title 1">
             <a:extLst>
               <a:ext uri="{FF2B5EF4-FFF2-40B4-BE49-F238E27FC236}">
-                <a16:creationId xmlns:a16="http://schemas.microsoft.com/office/drawing/2014/main" xmlns="" id="{EC71ED69-ECE5-4FEA-BAAC-2D3FD4AEF4CF}"/>
+                <a16:creationId xmlns:a16="http://schemas.microsoft.com/office/drawing/2014/main" id="{EC71ED69-ECE5-4FEA-BAAC-2D3FD4AEF4CF}"/>
               </a:ext>
             </a:extLst>
           </p:cNvPr>
@@ -14158,10 +14098,9 @@
           <a:p>
             <a:pPr algn="ctr"/>
             <a:r>
-              <a:rPr lang="de-DE" dirty="0" smtClean="0"/>
+              <a:rPr lang="de-DE" dirty="0"/>
               <a:t>Bewegungsmuster</a:t>
             </a:r>
-            <a:endParaRPr lang="de-DE" dirty="0"/>
           </a:p>
         </p:txBody>
       </p:sp>
@@ -14170,7 +14109,7 @@
           <p:cNvPr id="5" name="Content Placeholder 4">
             <a:extLst>
               <a:ext uri="{FF2B5EF4-FFF2-40B4-BE49-F238E27FC236}">
-                <a16:creationId xmlns:a16="http://schemas.microsoft.com/office/drawing/2014/main" xmlns="" id="{556F42A2-DCA4-4B1C-A056-51A3547A9BE0}"/>
+                <a16:creationId xmlns:a16="http://schemas.microsoft.com/office/drawing/2014/main" id="{556F42A2-DCA4-4B1C-A056-51A3547A9BE0}"/>
               </a:ext>
             </a:extLst>
           </p:cNvPr>
@@ -14195,56 +14134,56 @@
                 <a:gridCol w="563946">
                   <a:extLst>
                     <a:ext uri="{9D8B030D-6E8A-4147-A177-3AD203B41FA5}">
-                      <a16:colId xmlns:a16="http://schemas.microsoft.com/office/drawing/2014/main" xmlns="" val="3909669187"/>
+                      <a16:colId xmlns:a16="http://schemas.microsoft.com/office/drawing/2014/main" val="3909669187"/>
                     </a:ext>
                   </a:extLst>
                 </a:gridCol>
                 <a:gridCol w="563946">
                   <a:extLst>
                     <a:ext uri="{9D8B030D-6E8A-4147-A177-3AD203B41FA5}">
-                      <a16:colId xmlns:a16="http://schemas.microsoft.com/office/drawing/2014/main" xmlns="" val="2081033052"/>
+                      <a16:colId xmlns:a16="http://schemas.microsoft.com/office/drawing/2014/main" val="2081033052"/>
                     </a:ext>
                   </a:extLst>
                 </a:gridCol>
                 <a:gridCol w="563946">
                   <a:extLst>
                     <a:ext uri="{9D8B030D-6E8A-4147-A177-3AD203B41FA5}">
-                      <a16:colId xmlns:a16="http://schemas.microsoft.com/office/drawing/2014/main" xmlns="" val="2759415750"/>
+                      <a16:colId xmlns:a16="http://schemas.microsoft.com/office/drawing/2014/main" val="2759415750"/>
                     </a:ext>
                   </a:extLst>
                 </a:gridCol>
                 <a:gridCol w="563946">
                   <a:extLst>
                     <a:ext uri="{9D8B030D-6E8A-4147-A177-3AD203B41FA5}">
-                      <a16:colId xmlns:a16="http://schemas.microsoft.com/office/drawing/2014/main" xmlns="" val="1013666482"/>
+                      <a16:colId xmlns:a16="http://schemas.microsoft.com/office/drawing/2014/main" val="1013666482"/>
                     </a:ext>
                   </a:extLst>
                 </a:gridCol>
                 <a:gridCol w="563946">
                   <a:extLst>
                     <a:ext uri="{9D8B030D-6E8A-4147-A177-3AD203B41FA5}">
-                      <a16:colId xmlns:a16="http://schemas.microsoft.com/office/drawing/2014/main" xmlns="" val="4052377547"/>
+                      <a16:colId xmlns:a16="http://schemas.microsoft.com/office/drawing/2014/main" val="4052377547"/>
                     </a:ext>
                   </a:extLst>
                 </a:gridCol>
                 <a:gridCol w="563946">
                   <a:extLst>
                     <a:ext uri="{9D8B030D-6E8A-4147-A177-3AD203B41FA5}">
-                      <a16:colId xmlns:a16="http://schemas.microsoft.com/office/drawing/2014/main" xmlns="" val="86987426"/>
+                      <a16:colId xmlns:a16="http://schemas.microsoft.com/office/drawing/2014/main" val="86987426"/>
                     </a:ext>
                   </a:extLst>
                 </a:gridCol>
                 <a:gridCol w="563946">
                   <a:extLst>
                     <a:ext uri="{9D8B030D-6E8A-4147-A177-3AD203B41FA5}">
-                      <a16:colId xmlns:a16="http://schemas.microsoft.com/office/drawing/2014/main" xmlns="" val="4112314039"/>
+                      <a16:colId xmlns:a16="http://schemas.microsoft.com/office/drawing/2014/main" val="4112314039"/>
                     </a:ext>
                   </a:extLst>
                 </a:gridCol>
                 <a:gridCol w="563946">
                   <a:extLst>
                     <a:ext uri="{9D8B030D-6E8A-4147-A177-3AD203B41FA5}">
-                      <a16:colId xmlns:a16="http://schemas.microsoft.com/office/drawing/2014/main" xmlns="" val="2352200665"/>
+                      <a16:colId xmlns:a16="http://schemas.microsoft.com/office/drawing/2014/main" val="2352200665"/>
                     </a:ext>
                   </a:extLst>
                 </a:gridCol>
@@ -14332,7 +14271,7 @@
                 </a:tc>
                 <a:extLst>
                   <a:ext uri="{0D108BD9-81ED-4DB2-BD59-A6C34878D82A}">
-                    <a16:rowId xmlns:a16="http://schemas.microsoft.com/office/drawing/2014/main" xmlns="" val="3901103587"/>
+                    <a16:rowId xmlns:a16="http://schemas.microsoft.com/office/drawing/2014/main" val="3901103587"/>
                   </a:ext>
                 </a:extLst>
               </a:tr>
@@ -14419,7 +14358,7 @@
                 </a:tc>
                 <a:extLst>
                   <a:ext uri="{0D108BD9-81ED-4DB2-BD59-A6C34878D82A}">
-                    <a16:rowId xmlns:a16="http://schemas.microsoft.com/office/drawing/2014/main" xmlns="" val="810655840"/>
+                    <a16:rowId xmlns:a16="http://schemas.microsoft.com/office/drawing/2014/main" val="810655840"/>
                   </a:ext>
                 </a:extLst>
               </a:tr>
@@ -14506,7 +14445,7 @@
                 </a:tc>
                 <a:extLst>
                   <a:ext uri="{0D108BD9-81ED-4DB2-BD59-A6C34878D82A}">
-                    <a16:rowId xmlns:a16="http://schemas.microsoft.com/office/drawing/2014/main" xmlns="" val="2107368300"/>
+                    <a16:rowId xmlns:a16="http://schemas.microsoft.com/office/drawing/2014/main" val="2107368300"/>
                   </a:ext>
                 </a:extLst>
               </a:tr>
@@ -14593,7 +14532,7 @@
                 </a:tc>
                 <a:extLst>
                   <a:ext uri="{0D108BD9-81ED-4DB2-BD59-A6C34878D82A}">
-                    <a16:rowId xmlns:a16="http://schemas.microsoft.com/office/drawing/2014/main" xmlns="" val="1259991857"/>
+                    <a16:rowId xmlns:a16="http://schemas.microsoft.com/office/drawing/2014/main" val="1259991857"/>
                   </a:ext>
                 </a:extLst>
               </a:tr>
@@ -14680,7 +14619,7 @@
                 </a:tc>
                 <a:extLst>
                   <a:ext uri="{0D108BD9-81ED-4DB2-BD59-A6C34878D82A}">
-                    <a16:rowId xmlns:a16="http://schemas.microsoft.com/office/drawing/2014/main" xmlns="" val="1705778076"/>
+                    <a16:rowId xmlns:a16="http://schemas.microsoft.com/office/drawing/2014/main" val="1705778076"/>
                   </a:ext>
                 </a:extLst>
               </a:tr>
@@ -14767,7 +14706,7 @@
                 </a:tc>
                 <a:extLst>
                   <a:ext uri="{0D108BD9-81ED-4DB2-BD59-A6C34878D82A}">
-                    <a16:rowId xmlns:a16="http://schemas.microsoft.com/office/drawing/2014/main" xmlns="" val="3593844036"/>
+                    <a16:rowId xmlns:a16="http://schemas.microsoft.com/office/drawing/2014/main" val="3593844036"/>
                   </a:ext>
                 </a:extLst>
               </a:tr>
@@ -14854,7 +14793,7 @@
                 </a:tc>
                 <a:extLst>
                   <a:ext uri="{0D108BD9-81ED-4DB2-BD59-A6C34878D82A}">
-                    <a16:rowId xmlns:a16="http://schemas.microsoft.com/office/drawing/2014/main" xmlns="" val="2725860628"/>
+                    <a16:rowId xmlns:a16="http://schemas.microsoft.com/office/drawing/2014/main" val="2725860628"/>
                   </a:ext>
                 </a:extLst>
               </a:tr>
@@ -14941,7 +14880,7 @@
                 </a:tc>
                 <a:extLst>
                   <a:ext uri="{0D108BD9-81ED-4DB2-BD59-A6C34878D82A}">
-                    <a16:rowId xmlns:a16="http://schemas.microsoft.com/office/drawing/2014/main" xmlns="" val="3598242446"/>
+                    <a16:rowId xmlns:a16="http://schemas.microsoft.com/office/drawing/2014/main" val="3598242446"/>
                   </a:ext>
                 </a:extLst>
               </a:tr>
@@ -14954,7 +14893,7 @@
           <p:cNvPr id="4" name="Slide Number Placeholder 3">
             <a:extLst>
               <a:ext uri="{FF2B5EF4-FFF2-40B4-BE49-F238E27FC236}">
-                <a16:creationId xmlns:a16="http://schemas.microsoft.com/office/drawing/2014/main" xmlns="" id="{97D82D7D-618B-4FC6-9B8D-AF076B248E3B}"/>
+                <a16:creationId xmlns:a16="http://schemas.microsoft.com/office/drawing/2014/main" id="{97D82D7D-618B-4FC6-9B8D-AF076B248E3B}"/>
               </a:ext>
             </a:extLst>
           </p:cNvPr>
@@ -14983,7 +14922,7 @@
           <p:cNvPr id="6" name="Multiplication Sign 5">
             <a:extLst>
               <a:ext uri="{FF2B5EF4-FFF2-40B4-BE49-F238E27FC236}">
-                <a16:creationId xmlns:a16="http://schemas.microsoft.com/office/drawing/2014/main" xmlns="" id="{38108A66-6254-422A-831E-1095BB8DE301}"/>
+                <a16:creationId xmlns:a16="http://schemas.microsoft.com/office/drawing/2014/main" id="{38108A66-6254-422A-831E-1095BB8DE301}"/>
               </a:ext>
             </a:extLst>
           </p:cNvPr>
@@ -15037,7 +14976,7 @@
           <p:cNvPr id="7" name="TextBox 6">
             <a:extLst>
               <a:ext uri="{FF2B5EF4-FFF2-40B4-BE49-F238E27FC236}">
-                <a16:creationId xmlns:a16="http://schemas.microsoft.com/office/drawing/2014/main" xmlns="" id="{AAB138A2-4672-41FA-B1A3-1BCF77A65C1E}"/>
+                <a16:creationId xmlns:a16="http://schemas.microsoft.com/office/drawing/2014/main" id="{AAB138A2-4672-41FA-B1A3-1BCF77A65C1E}"/>
               </a:ext>
             </a:extLst>
           </p:cNvPr>
@@ -15086,7 +15025,7 @@
           <p:cNvPr id="8" name="TextBox 7">
             <a:extLst>
               <a:ext uri="{FF2B5EF4-FFF2-40B4-BE49-F238E27FC236}">
-                <a16:creationId xmlns:a16="http://schemas.microsoft.com/office/drawing/2014/main" xmlns="" id="{834ADA7A-0E97-41A2-AA02-F570FA699361}"/>
+                <a16:creationId xmlns:a16="http://schemas.microsoft.com/office/drawing/2014/main" id="{834ADA7A-0E97-41A2-AA02-F570FA699361}"/>
               </a:ext>
             </a:extLst>
           </p:cNvPr>
@@ -15135,7 +15074,7 @@
           <p:cNvPr id="9" name="Multiplication Sign 8">
             <a:extLst>
               <a:ext uri="{FF2B5EF4-FFF2-40B4-BE49-F238E27FC236}">
-                <a16:creationId xmlns:a16="http://schemas.microsoft.com/office/drawing/2014/main" xmlns="" id="{F7361447-BB27-4ADC-84D0-A4BAC0BC306E}"/>
+                <a16:creationId xmlns:a16="http://schemas.microsoft.com/office/drawing/2014/main" id="{F7361447-BB27-4ADC-84D0-A4BAC0BC306E}"/>
               </a:ext>
             </a:extLst>
           </p:cNvPr>
@@ -15189,7 +15128,7 @@
           <p:cNvPr id="10" name="TextBox 9">
             <a:extLst>
               <a:ext uri="{FF2B5EF4-FFF2-40B4-BE49-F238E27FC236}">
-                <a16:creationId xmlns:a16="http://schemas.microsoft.com/office/drawing/2014/main" xmlns="" id="{641F9E26-7091-49A7-85FD-BE26B7A11674}"/>
+                <a16:creationId xmlns:a16="http://schemas.microsoft.com/office/drawing/2014/main" id="{641F9E26-7091-49A7-85FD-BE26B7A11674}"/>
               </a:ext>
             </a:extLst>
           </p:cNvPr>
@@ -15224,7 +15163,7 @@
           <p:cNvPr id="11" name="Star: 5 Points 10">
             <a:extLst>
               <a:ext uri="{FF2B5EF4-FFF2-40B4-BE49-F238E27FC236}">
-                <a16:creationId xmlns:a16="http://schemas.microsoft.com/office/drawing/2014/main" xmlns="" id="{7A1FC458-B0D5-4718-8044-8530CD4DB6B5}"/>
+                <a16:creationId xmlns:a16="http://schemas.microsoft.com/office/drawing/2014/main" id="{7A1FC458-B0D5-4718-8044-8530CD4DB6B5}"/>
               </a:ext>
             </a:extLst>
           </p:cNvPr>
@@ -15303,7 +15242,7 @@
           <p:cNvPr id="2" name="Title 1">
             <a:extLst>
               <a:ext uri="{FF2B5EF4-FFF2-40B4-BE49-F238E27FC236}">
-                <a16:creationId xmlns:a16="http://schemas.microsoft.com/office/drawing/2014/main" xmlns="" id="{EC71ED69-ECE5-4FEA-BAAC-2D3FD4AEF4CF}"/>
+                <a16:creationId xmlns:a16="http://schemas.microsoft.com/office/drawing/2014/main" id="{EC71ED69-ECE5-4FEA-BAAC-2D3FD4AEF4CF}"/>
               </a:ext>
             </a:extLst>
           </p:cNvPr>
@@ -15321,10 +15260,9 @@
           <a:p>
             <a:pPr algn="ctr"/>
             <a:r>
-              <a:rPr lang="de-DE" dirty="0" smtClean="0"/>
+              <a:rPr lang="de-DE" dirty="0"/>
               <a:t>Bewegungsmuster</a:t>
             </a:r>
-            <a:endParaRPr lang="de-DE" dirty="0"/>
           </a:p>
         </p:txBody>
       </p:sp>
@@ -15333,7 +15271,7 @@
           <p:cNvPr id="5" name="Content Placeholder 4">
             <a:extLst>
               <a:ext uri="{FF2B5EF4-FFF2-40B4-BE49-F238E27FC236}">
-                <a16:creationId xmlns:a16="http://schemas.microsoft.com/office/drawing/2014/main" xmlns="" id="{556F42A2-DCA4-4B1C-A056-51A3547A9BE0}"/>
+                <a16:creationId xmlns:a16="http://schemas.microsoft.com/office/drawing/2014/main" id="{556F42A2-DCA4-4B1C-A056-51A3547A9BE0}"/>
               </a:ext>
             </a:extLst>
           </p:cNvPr>
@@ -15358,56 +15296,56 @@
                 <a:gridCol w="563946">
                   <a:extLst>
                     <a:ext uri="{9D8B030D-6E8A-4147-A177-3AD203B41FA5}">
-                      <a16:colId xmlns:a16="http://schemas.microsoft.com/office/drawing/2014/main" xmlns="" val="3909669187"/>
+                      <a16:colId xmlns:a16="http://schemas.microsoft.com/office/drawing/2014/main" val="3909669187"/>
                     </a:ext>
                   </a:extLst>
                 </a:gridCol>
                 <a:gridCol w="563946">
                   <a:extLst>
                     <a:ext uri="{9D8B030D-6E8A-4147-A177-3AD203B41FA5}">
-                      <a16:colId xmlns:a16="http://schemas.microsoft.com/office/drawing/2014/main" xmlns="" val="2081033052"/>
+                      <a16:colId xmlns:a16="http://schemas.microsoft.com/office/drawing/2014/main" val="2081033052"/>
                     </a:ext>
                   </a:extLst>
                 </a:gridCol>
                 <a:gridCol w="563946">
                   <a:extLst>
                     <a:ext uri="{9D8B030D-6E8A-4147-A177-3AD203B41FA5}">
-                      <a16:colId xmlns:a16="http://schemas.microsoft.com/office/drawing/2014/main" xmlns="" val="2759415750"/>
+                      <a16:colId xmlns:a16="http://schemas.microsoft.com/office/drawing/2014/main" val="2759415750"/>
                     </a:ext>
                   </a:extLst>
                 </a:gridCol>
                 <a:gridCol w="563946">
                   <a:extLst>
                     <a:ext uri="{9D8B030D-6E8A-4147-A177-3AD203B41FA5}">
-                      <a16:colId xmlns:a16="http://schemas.microsoft.com/office/drawing/2014/main" xmlns="" val="1013666482"/>
+                      <a16:colId xmlns:a16="http://schemas.microsoft.com/office/drawing/2014/main" val="1013666482"/>
                     </a:ext>
                   </a:extLst>
                 </a:gridCol>
                 <a:gridCol w="563946">
                   <a:extLst>
                     <a:ext uri="{9D8B030D-6E8A-4147-A177-3AD203B41FA5}">
-                      <a16:colId xmlns:a16="http://schemas.microsoft.com/office/drawing/2014/main" xmlns="" val="4052377547"/>
+                      <a16:colId xmlns:a16="http://schemas.microsoft.com/office/drawing/2014/main" val="4052377547"/>
                     </a:ext>
                   </a:extLst>
                 </a:gridCol>
                 <a:gridCol w="563946">
                   <a:extLst>
                     <a:ext uri="{9D8B030D-6E8A-4147-A177-3AD203B41FA5}">
-                      <a16:colId xmlns:a16="http://schemas.microsoft.com/office/drawing/2014/main" xmlns="" val="86987426"/>
+                      <a16:colId xmlns:a16="http://schemas.microsoft.com/office/drawing/2014/main" val="86987426"/>
                     </a:ext>
                   </a:extLst>
                 </a:gridCol>
                 <a:gridCol w="563946">
                   <a:extLst>
                     <a:ext uri="{9D8B030D-6E8A-4147-A177-3AD203B41FA5}">
-                      <a16:colId xmlns:a16="http://schemas.microsoft.com/office/drawing/2014/main" xmlns="" val="4112314039"/>
+                      <a16:colId xmlns:a16="http://schemas.microsoft.com/office/drawing/2014/main" val="4112314039"/>
                     </a:ext>
                   </a:extLst>
                 </a:gridCol>
                 <a:gridCol w="563946">
                   <a:extLst>
                     <a:ext uri="{9D8B030D-6E8A-4147-A177-3AD203B41FA5}">
-                      <a16:colId xmlns:a16="http://schemas.microsoft.com/office/drawing/2014/main" xmlns="" val="2352200665"/>
+                      <a16:colId xmlns:a16="http://schemas.microsoft.com/office/drawing/2014/main" val="2352200665"/>
                     </a:ext>
                   </a:extLst>
                 </a:gridCol>
@@ -15495,7 +15433,7 @@
                 </a:tc>
                 <a:extLst>
                   <a:ext uri="{0D108BD9-81ED-4DB2-BD59-A6C34878D82A}">
-                    <a16:rowId xmlns:a16="http://schemas.microsoft.com/office/drawing/2014/main" xmlns="" val="3901103587"/>
+                    <a16:rowId xmlns:a16="http://schemas.microsoft.com/office/drawing/2014/main" val="3901103587"/>
                   </a:ext>
                 </a:extLst>
               </a:tr>
@@ -15582,7 +15520,7 @@
                 </a:tc>
                 <a:extLst>
                   <a:ext uri="{0D108BD9-81ED-4DB2-BD59-A6C34878D82A}">
-                    <a16:rowId xmlns:a16="http://schemas.microsoft.com/office/drawing/2014/main" xmlns="" val="810655840"/>
+                    <a16:rowId xmlns:a16="http://schemas.microsoft.com/office/drawing/2014/main" val="810655840"/>
                   </a:ext>
                 </a:extLst>
               </a:tr>
@@ -15669,7 +15607,7 @@
                 </a:tc>
                 <a:extLst>
                   <a:ext uri="{0D108BD9-81ED-4DB2-BD59-A6C34878D82A}">
-                    <a16:rowId xmlns:a16="http://schemas.microsoft.com/office/drawing/2014/main" xmlns="" val="2107368300"/>
+                    <a16:rowId xmlns:a16="http://schemas.microsoft.com/office/drawing/2014/main" val="2107368300"/>
                   </a:ext>
                 </a:extLst>
               </a:tr>
@@ -15756,7 +15694,7 @@
                 </a:tc>
                 <a:extLst>
                   <a:ext uri="{0D108BD9-81ED-4DB2-BD59-A6C34878D82A}">
-                    <a16:rowId xmlns:a16="http://schemas.microsoft.com/office/drawing/2014/main" xmlns="" val="1259991857"/>
+                    <a16:rowId xmlns:a16="http://schemas.microsoft.com/office/drawing/2014/main" val="1259991857"/>
                   </a:ext>
                 </a:extLst>
               </a:tr>
@@ -15843,7 +15781,7 @@
                 </a:tc>
                 <a:extLst>
                   <a:ext uri="{0D108BD9-81ED-4DB2-BD59-A6C34878D82A}">
-                    <a16:rowId xmlns:a16="http://schemas.microsoft.com/office/drawing/2014/main" xmlns="" val="1705778076"/>
+                    <a16:rowId xmlns:a16="http://schemas.microsoft.com/office/drawing/2014/main" val="1705778076"/>
                   </a:ext>
                 </a:extLst>
               </a:tr>
@@ -15930,7 +15868,7 @@
                 </a:tc>
                 <a:extLst>
                   <a:ext uri="{0D108BD9-81ED-4DB2-BD59-A6C34878D82A}">
-                    <a16:rowId xmlns:a16="http://schemas.microsoft.com/office/drawing/2014/main" xmlns="" val="3593844036"/>
+                    <a16:rowId xmlns:a16="http://schemas.microsoft.com/office/drawing/2014/main" val="3593844036"/>
                   </a:ext>
                 </a:extLst>
               </a:tr>
@@ -16017,7 +15955,7 @@
                 </a:tc>
                 <a:extLst>
                   <a:ext uri="{0D108BD9-81ED-4DB2-BD59-A6C34878D82A}">
-                    <a16:rowId xmlns:a16="http://schemas.microsoft.com/office/drawing/2014/main" xmlns="" val="2725860628"/>
+                    <a16:rowId xmlns:a16="http://schemas.microsoft.com/office/drawing/2014/main" val="2725860628"/>
                   </a:ext>
                 </a:extLst>
               </a:tr>
@@ -16104,7 +16042,7 @@
                 </a:tc>
                 <a:extLst>
                   <a:ext uri="{0D108BD9-81ED-4DB2-BD59-A6C34878D82A}">
-                    <a16:rowId xmlns:a16="http://schemas.microsoft.com/office/drawing/2014/main" xmlns="" val="3598242446"/>
+                    <a16:rowId xmlns:a16="http://schemas.microsoft.com/office/drawing/2014/main" val="3598242446"/>
                   </a:ext>
                 </a:extLst>
               </a:tr>
@@ -16117,7 +16055,7 @@
           <p:cNvPr id="4" name="Slide Number Placeholder 3">
             <a:extLst>
               <a:ext uri="{FF2B5EF4-FFF2-40B4-BE49-F238E27FC236}">
-                <a16:creationId xmlns:a16="http://schemas.microsoft.com/office/drawing/2014/main" xmlns="" id="{97D82D7D-618B-4FC6-9B8D-AF076B248E3B}"/>
+                <a16:creationId xmlns:a16="http://schemas.microsoft.com/office/drawing/2014/main" id="{97D82D7D-618B-4FC6-9B8D-AF076B248E3B}"/>
               </a:ext>
             </a:extLst>
           </p:cNvPr>
@@ -16146,7 +16084,7 @@
           <p:cNvPr id="6" name="Multiplication Sign 5">
             <a:extLst>
               <a:ext uri="{FF2B5EF4-FFF2-40B4-BE49-F238E27FC236}">
-                <a16:creationId xmlns:a16="http://schemas.microsoft.com/office/drawing/2014/main" xmlns="" id="{38108A66-6254-422A-831E-1095BB8DE301}"/>
+                <a16:creationId xmlns:a16="http://schemas.microsoft.com/office/drawing/2014/main" id="{38108A66-6254-422A-831E-1095BB8DE301}"/>
               </a:ext>
             </a:extLst>
           </p:cNvPr>
@@ -16200,7 +16138,7 @@
           <p:cNvPr id="7" name="TextBox 6">
             <a:extLst>
               <a:ext uri="{FF2B5EF4-FFF2-40B4-BE49-F238E27FC236}">
-                <a16:creationId xmlns:a16="http://schemas.microsoft.com/office/drawing/2014/main" xmlns="" id="{AAB138A2-4672-41FA-B1A3-1BCF77A65C1E}"/>
+                <a16:creationId xmlns:a16="http://schemas.microsoft.com/office/drawing/2014/main" id="{AAB138A2-4672-41FA-B1A3-1BCF77A65C1E}"/>
               </a:ext>
             </a:extLst>
           </p:cNvPr>
@@ -16249,7 +16187,7 @@
           <p:cNvPr id="8" name="TextBox 7">
             <a:extLst>
               <a:ext uri="{FF2B5EF4-FFF2-40B4-BE49-F238E27FC236}">
-                <a16:creationId xmlns:a16="http://schemas.microsoft.com/office/drawing/2014/main" xmlns="" id="{834ADA7A-0E97-41A2-AA02-F570FA699361}"/>
+                <a16:creationId xmlns:a16="http://schemas.microsoft.com/office/drawing/2014/main" id="{834ADA7A-0E97-41A2-AA02-F570FA699361}"/>
               </a:ext>
             </a:extLst>
           </p:cNvPr>
@@ -16306,7 +16244,7 @@
           <p:cNvPr id="9" name="Multiplication Sign 8">
             <a:extLst>
               <a:ext uri="{FF2B5EF4-FFF2-40B4-BE49-F238E27FC236}">
-                <a16:creationId xmlns:a16="http://schemas.microsoft.com/office/drawing/2014/main" xmlns="" id="{F7361447-BB27-4ADC-84D0-A4BAC0BC306E}"/>
+                <a16:creationId xmlns:a16="http://schemas.microsoft.com/office/drawing/2014/main" id="{F7361447-BB27-4ADC-84D0-A4BAC0BC306E}"/>
               </a:ext>
             </a:extLst>
           </p:cNvPr>
@@ -16360,7 +16298,7 @@
           <p:cNvPr id="10" name="TextBox 9">
             <a:extLst>
               <a:ext uri="{FF2B5EF4-FFF2-40B4-BE49-F238E27FC236}">
-                <a16:creationId xmlns:a16="http://schemas.microsoft.com/office/drawing/2014/main" xmlns="" id="{641F9E26-7091-49A7-85FD-BE26B7A11674}"/>
+                <a16:creationId xmlns:a16="http://schemas.microsoft.com/office/drawing/2014/main" id="{641F9E26-7091-49A7-85FD-BE26B7A11674}"/>
               </a:ext>
             </a:extLst>
           </p:cNvPr>
@@ -16395,7 +16333,7 @@
           <p:cNvPr id="11" name="Star: 5 Points 10">
             <a:extLst>
               <a:ext uri="{FF2B5EF4-FFF2-40B4-BE49-F238E27FC236}">
-                <a16:creationId xmlns:a16="http://schemas.microsoft.com/office/drawing/2014/main" xmlns="" id="{7A1FC458-B0D5-4718-8044-8530CD4DB6B5}"/>
+                <a16:creationId xmlns:a16="http://schemas.microsoft.com/office/drawing/2014/main" id="{7A1FC458-B0D5-4718-8044-8530CD4DB6B5}"/>
               </a:ext>
             </a:extLst>
           </p:cNvPr>
@@ -16444,7 +16382,7 @@
           <p:cNvPr id="3" name="Arrow: Right 2">
             <a:extLst>
               <a:ext uri="{FF2B5EF4-FFF2-40B4-BE49-F238E27FC236}">
-                <a16:creationId xmlns:a16="http://schemas.microsoft.com/office/drawing/2014/main" xmlns="" id="{04D8A79F-AD5A-491B-AFE6-0B51E946E952}"/>
+                <a16:creationId xmlns:a16="http://schemas.microsoft.com/office/drawing/2014/main" id="{04D8A79F-AD5A-491B-AFE6-0B51E946E952}"/>
               </a:ext>
             </a:extLst>
           </p:cNvPr>
@@ -16493,7 +16431,7 @@
           <p:cNvPr id="12" name="Arrow: Right 11">
             <a:extLst>
               <a:ext uri="{FF2B5EF4-FFF2-40B4-BE49-F238E27FC236}">
-                <a16:creationId xmlns:a16="http://schemas.microsoft.com/office/drawing/2014/main" xmlns="" id="{0BD7E000-2FE3-4E92-92B1-C7AEDA6C0F73}"/>
+                <a16:creationId xmlns:a16="http://schemas.microsoft.com/office/drawing/2014/main" id="{0BD7E000-2FE3-4E92-92B1-C7AEDA6C0F73}"/>
               </a:ext>
             </a:extLst>
           </p:cNvPr>
@@ -16542,7 +16480,7 @@
           <p:cNvPr id="13" name="Arrow: Right 12">
             <a:extLst>
               <a:ext uri="{FF2B5EF4-FFF2-40B4-BE49-F238E27FC236}">
-                <a16:creationId xmlns:a16="http://schemas.microsoft.com/office/drawing/2014/main" xmlns="" id="{D3FB69AB-C193-404C-842E-FA84A1741A4E}"/>
+                <a16:creationId xmlns:a16="http://schemas.microsoft.com/office/drawing/2014/main" id="{D3FB69AB-C193-404C-842E-FA84A1741A4E}"/>
               </a:ext>
             </a:extLst>
           </p:cNvPr>
@@ -16888,7 +16826,7 @@
   <a:extraClrSchemeLst/>
   <a:extLst>
     <a:ext uri="{05A4C25C-085E-4340-85A3-A5531E510DB2}">
-      <thm15:themeFamily xmlns:thm15="http://schemas.microsoft.com/office/thememl/2012/main" xmlns="" name="Office Theme" id="{62F939B6-93AF-4DB8-9C6B-D6C7DFDC589F}" vid="{4A3C46E8-61CC-4603-A589-7422A47A8E4A}"/>
+      <thm15:themeFamily xmlns:thm15="http://schemas.microsoft.com/office/thememl/2012/main" name="Office Theme" id="{62F939B6-93AF-4DB8-9C6B-D6C7DFDC589F}" vid="{4A3C46E8-61CC-4603-A589-7422A47A8E4A}"/>
     </a:ext>
   </a:extLst>
 </a:theme>
@@ -17183,7 +17121,7 @@
   <a:extraClrSchemeLst/>
   <a:extLst>
     <a:ext uri="{05A4C25C-085E-4340-85A3-A5531E510DB2}">
-      <thm15:themeFamily xmlns:thm15="http://schemas.microsoft.com/office/thememl/2012/main" xmlns="" name="Office Theme" id="{62F939B6-93AF-4DB8-9C6B-D6C7DFDC589F}" vid="{4A3C46E8-61CC-4603-A589-7422A47A8E4A}"/>
+      <thm15:themeFamily xmlns:thm15="http://schemas.microsoft.com/office/thememl/2012/main" name="Office Theme" id="{62F939B6-93AF-4DB8-9C6B-D6C7DFDC589F}" vid="{4A3C46E8-61CC-4603-A589-7422A47A8E4A}"/>
     </a:ext>
   </a:extLst>
 </a:theme>

--- a/Dokumentation/Roboter.pptx
+++ b/Dokumentation/Roboter.pptx
@@ -5,7 +5,7 @@
     <p:sldMasterId id="2147483648" r:id="rId1"/>
   </p:sldMasterIdLst>
   <p:notesMasterIdLst>
-    <p:notesMasterId r:id="rId30"/>
+    <p:notesMasterId r:id="rId34"/>
   </p:notesMasterIdLst>
   <p:sldIdLst>
     <p:sldId id="278" r:id="rId2"/>
@@ -32,10 +32,14 @@
     <p:sldId id="289" r:id="rId23"/>
     <p:sldId id="276" r:id="rId24"/>
     <p:sldId id="277" r:id="rId25"/>
-    <p:sldId id="272" r:id="rId26"/>
-    <p:sldId id="269" r:id="rId27"/>
-    <p:sldId id="270" r:id="rId28"/>
-    <p:sldId id="268" r:id="rId29"/>
+    <p:sldId id="295" r:id="rId26"/>
+    <p:sldId id="292" r:id="rId27"/>
+    <p:sldId id="293" r:id="rId28"/>
+    <p:sldId id="294" r:id="rId29"/>
+    <p:sldId id="272" r:id="rId30"/>
+    <p:sldId id="269" r:id="rId31"/>
+    <p:sldId id="270" r:id="rId32"/>
+    <p:sldId id="268" r:id="rId33"/>
   </p:sldIdLst>
   <p:sldSz cx="12192000" cy="6858000"/>
   <p:notesSz cx="6858000" cy="9144000"/>
@@ -393,7 +397,7 @@
           <a:p>
             <a:fld id="{30FCFFD0-1C19-40D0-BB6D-B2352B27AFEB}" type="slidenum">
               <a:rPr lang="de-DE" smtClean="0"/>
-              <a:t>‹Nr.›</a:t>
+              <a:t>‹#›</a:t>
             </a:fld>
             <a:endParaRPr lang="de-DE"/>
           </a:p>
@@ -703,7 +707,7 @@
           <a:p>
             <a:fld id="{24C7E509-D680-4DB8-B87E-B8EC2E347686}" type="slidenum">
               <a:rPr lang="de-DE" smtClean="0"/>
-              <a:t>‹Nr.›</a:t>
+              <a:t>‹#›</a:t>
             </a:fld>
             <a:endParaRPr lang="de-DE"/>
           </a:p>
@@ -901,7 +905,7 @@
           <a:p>
             <a:fld id="{24C7E509-D680-4DB8-B87E-B8EC2E347686}" type="slidenum">
               <a:rPr lang="de-DE" smtClean="0"/>
-              <a:t>‹Nr.›</a:t>
+              <a:t>‹#›</a:t>
             </a:fld>
             <a:endParaRPr lang="de-DE"/>
           </a:p>
@@ -1109,7 +1113,7 @@
           <a:p>
             <a:fld id="{24C7E509-D680-4DB8-B87E-B8EC2E347686}" type="slidenum">
               <a:rPr lang="de-DE" smtClean="0"/>
-              <a:t>‹Nr.›</a:t>
+              <a:t>‹#›</a:t>
             </a:fld>
             <a:endParaRPr lang="de-DE"/>
           </a:p>
@@ -1307,7 +1311,7 @@
           <a:p>
             <a:fld id="{24C7E509-D680-4DB8-B87E-B8EC2E347686}" type="slidenum">
               <a:rPr lang="de-DE" smtClean="0"/>
-              <a:t>‹Nr.›</a:t>
+              <a:t>‹#›</a:t>
             </a:fld>
             <a:endParaRPr lang="de-DE"/>
           </a:p>
@@ -1582,7 +1586,7 @@
           <a:p>
             <a:fld id="{24C7E509-D680-4DB8-B87E-B8EC2E347686}" type="slidenum">
               <a:rPr lang="de-DE" smtClean="0"/>
-              <a:t>‹Nr.›</a:t>
+              <a:t>‹#›</a:t>
             </a:fld>
             <a:endParaRPr lang="de-DE"/>
           </a:p>
@@ -1847,7 +1851,7 @@
           <a:p>
             <a:fld id="{24C7E509-D680-4DB8-B87E-B8EC2E347686}" type="slidenum">
               <a:rPr lang="de-DE" smtClean="0"/>
-              <a:t>‹Nr.›</a:t>
+              <a:t>‹#›</a:t>
             </a:fld>
             <a:endParaRPr lang="de-DE"/>
           </a:p>
@@ -2259,7 +2263,7 @@
           <a:p>
             <a:fld id="{24C7E509-D680-4DB8-B87E-B8EC2E347686}" type="slidenum">
               <a:rPr lang="de-DE" smtClean="0"/>
-              <a:t>‹Nr.›</a:t>
+              <a:t>‹#›</a:t>
             </a:fld>
             <a:endParaRPr lang="de-DE"/>
           </a:p>
@@ -2400,7 +2404,7 @@
           <a:p>
             <a:fld id="{24C7E509-D680-4DB8-B87E-B8EC2E347686}" type="slidenum">
               <a:rPr lang="de-DE" smtClean="0"/>
-              <a:t>‹Nr.›</a:t>
+              <a:t>‹#›</a:t>
             </a:fld>
             <a:endParaRPr lang="de-DE"/>
           </a:p>
@@ -2513,7 +2517,7 @@
           <a:p>
             <a:fld id="{24C7E509-D680-4DB8-B87E-B8EC2E347686}" type="slidenum">
               <a:rPr lang="de-DE" smtClean="0"/>
-              <a:t>‹Nr.›</a:t>
+              <a:t>‹#›</a:t>
             </a:fld>
             <a:endParaRPr lang="de-DE"/>
           </a:p>
@@ -2824,7 +2828,7 @@
           <a:p>
             <a:fld id="{24C7E509-D680-4DB8-B87E-B8EC2E347686}" type="slidenum">
               <a:rPr lang="de-DE" smtClean="0"/>
-              <a:t>‹Nr.›</a:t>
+              <a:t>‹#›</a:t>
             </a:fld>
             <a:endParaRPr lang="de-DE"/>
           </a:p>
@@ -3112,7 +3116,7 @@
           <a:p>
             <a:fld id="{24C7E509-D680-4DB8-B87E-B8EC2E347686}" type="slidenum">
               <a:rPr lang="de-DE" smtClean="0"/>
-              <a:t>‹Nr.›</a:t>
+              <a:t>‹#›</a:t>
             </a:fld>
             <a:endParaRPr lang="de-DE"/>
           </a:p>
@@ -3389,7 +3393,7 @@
           <a:p>
             <a:fld id="{24C7E509-D680-4DB8-B87E-B8EC2E347686}" type="slidenum">
               <a:rPr lang="de-DE" smtClean="0"/>
-              <a:t>‹Nr.›</a:t>
+              <a:t>‹#›</a:t>
             </a:fld>
             <a:endParaRPr lang="de-DE"/>
           </a:p>
@@ -9151,20 +9155,6 @@
               <a:rPr lang="de-DE" dirty="0"/>
               <a:t>Batterie/Ladestation erklären </a:t>
             </a:r>
-            <a:r>
-              <a:rPr lang="de-DE" dirty="0">
-                <a:highlight>
-                  <a:srgbClr val="FF0000"/>
-                </a:highlight>
-              </a:rPr>
-              <a:t>?Richtige Stelle?</a:t>
-            </a:r>
-          </a:p>
-          <a:p>
-            <a:pPr marL="0" indent="0">
-              <a:buNone/>
-            </a:pPr>
-            <a:endParaRPr lang="de-DE" dirty="0"/>
           </a:p>
         </p:txBody>
       </p:sp>
@@ -10531,16 +10521,6 @@
               <a:t>Moves aus dem Graphen ermitteln</a:t>
             </a:r>
           </a:p>
-          <a:p>
-            <a:r>
-              <a:rPr lang="de-DE" dirty="0">
-                <a:highlight>
-                  <a:srgbClr val="FF0000"/>
-                </a:highlight>
-              </a:rPr>
-              <a:t>?ZU wenig?</a:t>
-            </a:r>
-          </a:p>
         </p:txBody>
       </p:sp>
       <p:sp>
@@ -10953,7 +10933,7 @@
           <a:bodyPr/>
           <a:lstStyle/>
           <a:p>
-            <a:endParaRPr lang="de-DE"/>
+            <a:endParaRPr lang="de-DE" dirty="0"/>
           </a:p>
         </p:txBody>
       </p:sp>
@@ -10979,7 +10959,7 @@
         </p:blipFill>
         <p:spPr>
           <a:xfrm>
-            <a:off x="3045392" y="1706631"/>
+            <a:off x="3045392" y="1716463"/>
             <a:ext cx="6101216" cy="4832281"/>
           </a:xfrm>
           <a:prstGeom prst="rect">
@@ -11019,10 +10999,10 @@
       </p:grpSpPr>
       <p:sp>
         <p:nvSpPr>
-          <p:cNvPr id="2" name="Titel 1">
-            <a:extLst>
-              <a:ext uri="{FF2B5EF4-FFF2-40B4-BE49-F238E27FC236}">
-                <a16:creationId xmlns:a16="http://schemas.microsoft.com/office/drawing/2014/main" id="{5D10B3B2-98CE-4A76-8F3B-AC87D7970181}"/>
+          <p:cNvPr id="2" name="Title 1">
+            <a:extLst>
+              <a:ext uri="{FF2B5EF4-FFF2-40B4-BE49-F238E27FC236}">
+                <a16:creationId xmlns:a16="http://schemas.microsoft.com/office/drawing/2014/main" id="{06BEDA57-7B6A-423A-A767-68DE43BD4B63}"/>
               </a:ext>
             </a:extLst>
           </p:cNvPr>
@@ -11041,17 +11021,46 @@
             <a:pPr algn="ctr"/>
             <a:r>
               <a:rPr lang="de-DE" dirty="0"/>
-              <a:t>Aufgetretene Fehler</a:t>
-            </a:r>
-          </a:p>
-        </p:txBody>
-      </p:sp>
-      <p:sp>
-        <p:nvSpPr>
-          <p:cNvPr id="3" name="Inhaltsplatzhalter 2">
-            <a:extLst>
-              <a:ext uri="{FF2B5EF4-FFF2-40B4-BE49-F238E27FC236}">
-                <a16:creationId xmlns:a16="http://schemas.microsoft.com/office/drawing/2014/main" id="{DF549B9E-E429-455E-9CCB-4C382D186DA1}"/>
+              <a:t>Robot-Controller</a:t>
+            </a:r>
+          </a:p>
+        </p:txBody>
+      </p:sp>
+      <p:sp>
+        <p:nvSpPr>
+          <p:cNvPr id="4" name="Slide Number Placeholder 3">
+            <a:extLst>
+              <a:ext uri="{FF2B5EF4-FFF2-40B4-BE49-F238E27FC236}">
+                <a16:creationId xmlns:a16="http://schemas.microsoft.com/office/drawing/2014/main" id="{9E4F3BBA-350F-4622-BAC1-BFCAADEF46F0}"/>
+              </a:ext>
+            </a:extLst>
+          </p:cNvPr>
+          <p:cNvSpPr>
+            <a:spLocks noGrp="1"/>
+          </p:cNvSpPr>
+          <p:nvPr>
+            <p:ph type="sldNum" sz="quarter" idx="12"/>
+          </p:nvPr>
+        </p:nvSpPr>
+        <p:spPr/>
+        <p:txBody>
+          <a:bodyPr/>
+          <a:lstStyle/>
+          <a:p>
+            <a:fld id="{24C7E509-D680-4DB8-B87E-B8EC2E347686}" type="slidenum">
+              <a:rPr lang="de-DE" smtClean="0"/>
+              <a:t>25</a:t>
+            </a:fld>
+            <a:endParaRPr lang="de-DE"/>
+          </a:p>
+        </p:txBody>
+      </p:sp>
+      <p:sp>
+        <p:nvSpPr>
+          <p:cNvPr id="6" name="Content Placeholder 5">
+            <a:extLst>
+              <a:ext uri="{FF2B5EF4-FFF2-40B4-BE49-F238E27FC236}">
+                <a16:creationId xmlns:a16="http://schemas.microsoft.com/office/drawing/2014/main" id="{F3AAA2AA-570A-42F5-AD34-74BDEA51AD02}"/>
               </a:ext>
             </a:extLst>
           </p:cNvPr>
@@ -11067,83 +11076,192 @@
           <a:bodyPr/>
           <a:lstStyle/>
           <a:p>
-            <a:r>
-              <a:rPr lang="de-DE" dirty="0"/>
-              <a:t>Graph falsch generiert </a:t>
-            </a:r>
-          </a:p>
-          <a:p>
-            <a:pPr lvl="1"/>
-            <a:r>
-              <a:rPr lang="de-DE" dirty="0"/>
-              <a:t>Kind ist ausgewichen</a:t>
-            </a:r>
-          </a:p>
-          <a:p>
-            <a:pPr lvl="1"/>
-            <a:r>
-              <a:rPr lang="de-DE" dirty="0"/>
-              <a:t>jetzt berechnet die </a:t>
-            </a:r>
-            <a:r>
-              <a:rPr lang="de-DE" dirty="0" err="1"/>
-              <a:t>Graphgenerierung</a:t>
-            </a:r>
-            <a:r>
-              <a:rPr lang="de-DE" dirty="0"/>
-              <a:t> bei jedem Roboterzug die darauf folgenden Kindeszüge und verwirft bei Inkorrektheit den aktuellen Roboterzug</a:t>
-            </a:r>
-          </a:p>
-          <a:p>
-            <a:r>
-              <a:rPr lang="de-DE" dirty="0" err="1"/>
-              <a:t>Enforce</a:t>
-            </a:r>
-            <a:r>
-              <a:rPr lang="de-DE" dirty="0"/>
-              <a:t>-Algorithmus falsch berechnet</a:t>
-            </a:r>
-          </a:p>
-          <a:p>
-            <a:pPr lvl="1"/>
-            <a:r>
-              <a:rPr lang="de-DE" dirty="0"/>
-              <a:t>Implementierung war anfangs falsch</a:t>
-            </a:r>
-          </a:p>
-          <a:p>
-            <a:r>
-              <a:rPr lang="de-DE" dirty="0"/>
-              <a:t>Noch vorhanden: Wenn Batterieladung nicht betrachtet werden soll muss Startladung auf hohen Wert gesetzt werden</a:t>
-            </a:r>
-          </a:p>
-        </p:txBody>
-      </p:sp>
-      <p:sp>
-        <p:nvSpPr>
-          <p:cNvPr id="4" name="Foliennummernplatzhalter 3">
-            <a:extLst>
-              <a:ext uri="{FF2B5EF4-FFF2-40B4-BE49-F238E27FC236}">
-                <a16:creationId xmlns:a16="http://schemas.microsoft.com/office/drawing/2014/main" id="{10CA8FA4-8DBF-4853-9008-56DB49403505}"/>
-              </a:ext>
-            </a:extLst>
-          </p:cNvPr>
-          <p:cNvSpPr>
-            <a:spLocks noGrp="1"/>
-          </p:cNvSpPr>
-          <p:nvPr>
-            <p:ph type="sldNum" sz="quarter" idx="12"/>
-          </p:nvPr>
-        </p:nvSpPr>
-        <p:spPr/>
-        <p:txBody>
-          <a:bodyPr/>
-          <a:lstStyle/>
-          <a:p>
-            <a:fld id="{24C7E509-D680-4DB8-B87E-B8EC2E347686}" type="slidenum">
-              <a:rPr lang="de-DE" smtClean="0"/>
-              <a:t>25</a:t>
-            </a:fld>
+            <a:endParaRPr lang="de-DE" dirty="0"/>
+          </a:p>
+        </p:txBody>
+      </p:sp>
+      <p:pic>
+        <p:nvPicPr>
+          <p:cNvPr id="7" name="Picture 6">
+            <a:extLst>
+              <a:ext uri="{FF2B5EF4-FFF2-40B4-BE49-F238E27FC236}">
+                <a16:creationId xmlns:a16="http://schemas.microsoft.com/office/drawing/2014/main" id="{78208436-60CA-416D-BE2D-4E100756D999}"/>
+              </a:ext>
+            </a:extLst>
+          </p:cNvPr>
+          <p:cNvPicPr>
+            <a:picLocks noChangeAspect="1"/>
+          </p:cNvPicPr>
+          <p:nvPr/>
+        </p:nvPicPr>
+        <p:blipFill>
+          <a:blip r:embed="rId2"/>
+          <a:stretch>
+            <a:fillRect/>
+          </a:stretch>
+        </p:blipFill>
+        <p:spPr>
+          <a:xfrm>
+            <a:off x="3045392" y="1716463"/>
+            <a:ext cx="6101216" cy="4832281"/>
+          </a:xfrm>
+          <a:prstGeom prst="rect">
+            <a:avLst/>
+          </a:prstGeom>
+        </p:spPr>
+      </p:pic>
+      <p:sp>
+        <p:nvSpPr>
+          <p:cNvPr id="3" name="Left Brace 2">
+            <a:extLst>
+              <a:ext uri="{FF2B5EF4-FFF2-40B4-BE49-F238E27FC236}">
+                <a16:creationId xmlns:a16="http://schemas.microsoft.com/office/drawing/2014/main" id="{01B50F09-BAB1-4E42-8350-8C0585406890}"/>
+              </a:ext>
+            </a:extLst>
+          </p:cNvPr>
+          <p:cNvSpPr/>
+          <p:nvPr/>
+        </p:nvSpPr>
+        <p:spPr>
+          <a:xfrm>
+            <a:off x="2428566" y="1690688"/>
+            <a:ext cx="481781" cy="806706"/>
+          </a:xfrm>
+          <a:prstGeom prst="leftBrace">
+            <a:avLst/>
+          </a:prstGeom>
+          <a:solidFill>
+            <a:srgbClr val="FF0000"/>
+          </a:solidFill>
+          <a:ln>
+            <a:solidFill>
+              <a:schemeClr val="tx1"/>
+            </a:solidFill>
+          </a:ln>
+        </p:spPr>
+        <p:style>
+          <a:lnRef idx="1">
+            <a:schemeClr val="accent1"/>
+          </a:lnRef>
+          <a:fillRef idx="0">
+            <a:schemeClr val="accent1"/>
+          </a:fillRef>
+          <a:effectRef idx="0">
+            <a:schemeClr val="accent1"/>
+          </a:effectRef>
+          <a:fontRef idx="minor">
+            <a:schemeClr val="tx1"/>
+          </a:fontRef>
+        </p:style>
+        <p:txBody>
+          <a:bodyPr rtlCol="0" anchor="ctr"/>
+          <a:lstStyle/>
+          <a:p>
+            <a:pPr algn="ctr"/>
+            <a:endParaRPr lang="de-DE"/>
+          </a:p>
+        </p:txBody>
+      </p:sp>
+      <p:sp>
+        <p:nvSpPr>
+          <p:cNvPr id="9" name="Left Brace 8">
+            <a:extLst>
+              <a:ext uri="{FF2B5EF4-FFF2-40B4-BE49-F238E27FC236}">
+                <a16:creationId xmlns:a16="http://schemas.microsoft.com/office/drawing/2014/main" id="{5FB83218-B7CC-468E-B3FD-DB8A314903A1}"/>
+              </a:ext>
+            </a:extLst>
+          </p:cNvPr>
+          <p:cNvSpPr/>
+          <p:nvPr/>
+        </p:nvSpPr>
+        <p:spPr>
+          <a:xfrm>
+            <a:off x="2428565" y="2723765"/>
+            <a:ext cx="481781" cy="1525459"/>
+          </a:xfrm>
+          <a:prstGeom prst="leftBrace">
+            <a:avLst/>
+          </a:prstGeom>
+          <a:solidFill>
+            <a:srgbClr val="FF0000"/>
+          </a:solidFill>
+          <a:ln>
+            <a:solidFill>
+              <a:schemeClr val="tx1"/>
+            </a:solidFill>
+          </a:ln>
+        </p:spPr>
+        <p:style>
+          <a:lnRef idx="1">
+            <a:schemeClr val="accent1"/>
+          </a:lnRef>
+          <a:fillRef idx="0">
+            <a:schemeClr val="accent1"/>
+          </a:fillRef>
+          <a:effectRef idx="0">
+            <a:schemeClr val="accent1"/>
+          </a:effectRef>
+          <a:fontRef idx="minor">
+            <a:schemeClr val="tx1"/>
+          </a:fontRef>
+        </p:style>
+        <p:txBody>
+          <a:bodyPr rtlCol="0" anchor="ctr"/>
+          <a:lstStyle/>
+          <a:p>
+            <a:pPr algn="ctr"/>
+            <a:endParaRPr lang="de-DE"/>
+          </a:p>
+        </p:txBody>
+      </p:sp>
+      <p:sp>
+        <p:nvSpPr>
+          <p:cNvPr id="11" name="Left Brace 10">
+            <a:extLst>
+              <a:ext uri="{FF2B5EF4-FFF2-40B4-BE49-F238E27FC236}">
+                <a16:creationId xmlns:a16="http://schemas.microsoft.com/office/drawing/2014/main" id="{7B123817-3627-40A2-B691-A9F471554D2F}"/>
+              </a:ext>
+            </a:extLst>
+          </p:cNvPr>
+          <p:cNvSpPr/>
+          <p:nvPr/>
+        </p:nvSpPr>
+        <p:spPr>
+          <a:xfrm>
+            <a:off x="2428564" y="4428612"/>
+            <a:ext cx="481781" cy="2120131"/>
+          </a:xfrm>
+          <a:prstGeom prst="leftBrace">
+            <a:avLst/>
+          </a:prstGeom>
+          <a:solidFill>
+            <a:srgbClr val="FF0000"/>
+          </a:solidFill>
+          <a:ln>
+            <a:solidFill>
+              <a:schemeClr val="tx1"/>
+            </a:solidFill>
+          </a:ln>
+        </p:spPr>
+        <p:style>
+          <a:lnRef idx="1">
+            <a:schemeClr val="accent1"/>
+          </a:lnRef>
+          <a:fillRef idx="0">
+            <a:schemeClr val="accent1"/>
+          </a:fillRef>
+          <a:effectRef idx="0">
+            <a:schemeClr val="accent1"/>
+          </a:effectRef>
+          <a:fontRef idx="minor">
+            <a:schemeClr val="tx1"/>
+          </a:fontRef>
+        </p:style>
+        <p:txBody>
+          <a:bodyPr rtlCol="0" anchor="ctr"/>
+          <a:lstStyle/>
+          <a:p>
+            <a:pPr algn="ctr"/>
             <a:endParaRPr lang="de-DE"/>
           </a:p>
         </p:txBody>
@@ -11151,7 +11269,7 @@
     </p:spTree>
     <p:extLst>
       <p:ext uri="{BB962C8B-B14F-4D97-AF65-F5344CB8AC3E}">
-        <p14:creationId xmlns:p14="http://schemas.microsoft.com/office/powerpoint/2010/main" val="3752044732"/>
+        <p14:creationId xmlns:p14="http://schemas.microsoft.com/office/powerpoint/2010/main" val="1874496221"/>
       </p:ext>
     </p:extLst>
   </p:cSld>
@@ -11180,10 +11298,10 @@
       </p:grpSpPr>
       <p:sp>
         <p:nvSpPr>
-          <p:cNvPr id="2" name="Titel 1">
-            <a:extLst>
-              <a:ext uri="{FF2B5EF4-FFF2-40B4-BE49-F238E27FC236}">
-                <a16:creationId xmlns:a16="http://schemas.microsoft.com/office/drawing/2014/main" id="{3A7BB2F4-FCC1-4DE5-B708-3CFD0CD6AE2E}"/>
+          <p:cNvPr id="2" name="Title 1">
+            <a:extLst>
+              <a:ext uri="{FF2B5EF4-FFF2-40B4-BE49-F238E27FC236}">
+                <a16:creationId xmlns:a16="http://schemas.microsoft.com/office/drawing/2014/main" id="{06BEDA57-7B6A-423A-A767-68DE43BD4B63}"/>
               </a:ext>
             </a:extLst>
           </p:cNvPr>
@@ -11202,17 +11320,46 @@
             <a:pPr algn="ctr"/>
             <a:r>
               <a:rPr lang="de-DE" dirty="0"/>
-              <a:t>Optimierung?</a:t>
-            </a:r>
-          </a:p>
-        </p:txBody>
-      </p:sp>
-      <p:sp>
-        <p:nvSpPr>
-          <p:cNvPr id="3" name="Inhaltsplatzhalter 2">
-            <a:extLst>
-              <a:ext uri="{FF2B5EF4-FFF2-40B4-BE49-F238E27FC236}">
-                <a16:creationId xmlns:a16="http://schemas.microsoft.com/office/drawing/2014/main" id="{A44C6831-89D7-4EA9-AA4D-054654C37D3B}"/>
+              <a:t>Robot-Controller</a:t>
+            </a:r>
+          </a:p>
+        </p:txBody>
+      </p:sp>
+      <p:sp>
+        <p:nvSpPr>
+          <p:cNvPr id="4" name="Slide Number Placeholder 3">
+            <a:extLst>
+              <a:ext uri="{FF2B5EF4-FFF2-40B4-BE49-F238E27FC236}">
+                <a16:creationId xmlns:a16="http://schemas.microsoft.com/office/drawing/2014/main" id="{9E4F3BBA-350F-4622-BAC1-BFCAADEF46F0}"/>
+              </a:ext>
+            </a:extLst>
+          </p:cNvPr>
+          <p:cNvSpPr>
+            <a:spLocks noGrp="1"/>
+          </p:cNvSpPr>
+          <p:nvPr>
+            <p:ph type="sldNum" sz="quarter" idx="12"/>
+          </p:nvPr>
+        </p:nvSpPr>
+        <p:spPr/>
+        <p:txBody>
+          <a:bodyPr/>
+          <a:lstStyle/>
+          <a:p>
+            <a:fld id="{24C7E509-D680-4DB8-B87E-B8EC2E347686}" type="slidenum">
+              <a:rPr lang="de-DE" smtClean="0"/>
+              <a:t>26</a:t>
+            </a:fld>
+            <a:endParaRPr lang="de-DE"/>
+          </a:p>
+        </p:txBody>
+      </p:sp>
+      <p:sp>
+        <p:nvSpPr>
+          <p:cNvPr id="6" name="Content Placeholder 5">
+            <a:extLst>
+              <a:ext uri="{FF2B5EF4-FFF2-40B4-BE49-F238E27FC236}">
+                <a16:creationId xmlns:a16="http://schemas.microsoft.com/office/drawing/2014/main" id="{F3AAA2AA-570A-42F5-AD34-74BDEA51AD02}"/>
               </a:ext>
             </a:extLst>
           </p:cNvPr>
@@ -11228,100 +11375,104 @@
           <a:bodyPr/>
           <a:lstStyle/>
           <a:p>
-            <a:pPr marL="0" indent="0">
-              <a:buNone/>
-            </a:pPr>
+            <a:endParaRPr lang="de-DE" dirty="0"/>
+          </a:p>
+        </p:txBody>
+      </p:sp>
+      <p:pic>
+        <p:nvPicPr>
+          <p:cNvPr id="7" name="Picture 6">
+            <a:extLst>
+              <a:ext uri="{FF2B5EF4-FFF2-40B4-BE49-F238E27FC236}">
+                <a16:creationId xmlns:a16="http://schemas.microsoft.com/office/drawing/2014/main" id="{78208436-60CA-416D-BE2D-4E100756D999}"/>
+              </a:ext>
+            </a:extLst>
+          </p:cNvPr>
+          <p:cNvPicPr>
+            <a:picLocks noChangeAspect="1"/>
+          </p:cNvPicPr>
+          <p:nvPr/>
+        </p:nvPicPr>
+        <p:blipFill rotWithShape="1">
+          <a:blip r:embed="rId2"/>
+          <a:srcRect b="81194"/>
+          <a:stretch/>
+        </p:blipFill>
+        <p:spPr>
+          <a:xfrm>
+            <a:off x="947017" y="3156154"/>
+            <a:ext cx="10297966" cy="1533838"/>
+          </a:xfrm>
+          <a:prstGeom prst="rect">
+            <a:avLst/>
+          </a:prstGeom>
+        </p:spPr>
+      </p:pic>
+    </p:spTree>
+    <p:extLst>
+      <p:ext uri="{BB962C8B-B14F-4D97-AF65-F5344CB8AC3E}">
+        <p14:creationId xmlns:p14="http://schemas.microsoft.com/office/powerpoint/2010/main" val="3939745721"/>
+      </p:ext>
+    </p:extLst>
+  </p:cSld>
+  <p:clrMapOvr>
+    <a:masterClrMapping/>
+  </p:clrMapOvr>
+</p:sld>
+</file>
+
+<file path=ppt/slides/slide27.xml><?xml version="1.0" encoding="utf-8"?>
+<p:sld xmlns:a="http://schemas.openxmlformats.org/drawingml/2006/main" xmlns:r="http://schemas.openxmlformats.org/officeDocument/2006/relationships" xmlns:p="http://schemas.openxmlformats.org/presentationml/2006/main">
+  <p:cSld>
+    <p:spTree>
+      <p:nvGrpSpPr>
+        <p:cNvPr id="1" name=""/>
+        <p:cNvGrpSpPr/>
+        <p:nvPr/>
+      </p:nvGrpSpPr>
+      <p:grpSpPr>
+        <a:xfrm>
+          <a:off x="0" y="0"/>
+          <a:ext cx="0" cy="0"/>
+          <a:chOff x="0" y="0"/>
+          <a:chExt cx="0" cy="0"/>
+        </a:xfrm>
+      </p:grpSpPr>
+      <p:sp>
+        <p:nvSpPr>
+          <p:cNvPr id="2" name="Title 1">
+            <a:extLst>
+              <a:ext uri="{FF2B5EF4-FFF2-40B4-BE49-F238E27FC236}">
+                <a16:creationId xmlns:a16="http://schemas.microsoft.com/office/drawing/2014/main" id="{06BEDA57-7B6A-423A-A767-68DE43BD4B63}"/>
+              </a:ext>
+            </a:extLst>
+          </p:cNvPr>
+          <p:cNvSpPr>
+            <a:spLocks noGrp="1"/>
+          </p:cNvSpPr>
+          <p:nvPr>
+            <p:ph type="title"/>
+          </p:nvPr>
+        </p:nvSpPr>
+        <p:spPr/>
+        <p:txBody>
+          <a:bodyPr/>
+          <a:lstStyle/>
+          <a:p>
+            <a:pPr algn="ctr"/>
             <a:r>
               <a:rPr lang="de-DE" dirty="0"/>
-              <a:t>Wenn ( </a:t>
-            </a:r>
-            <a:r>
-              <a:rPr lang="de-DE" dirty="0" err="1"/>
-              <a:t>bisZieleld</a:t>
-            </a:r>
-            <a:r>
-              <a:rPr lang="de-DE" dirty="0"/>
-              <a:t> + </a:t>
-            </a:r>
-            <a:r>
-              <a:rPr lang="de-DE" dirty="0" err="1"/>
-              <a:t>bisBatterie</a:t>
-            </a:r>
-            <a:r>
-              <a:rPr lang="de-DE" dirty="0"/>
-              <a:t> &lt; Tankfüllung ) {</a:t>
-            </a:r>
-          </a:p>
-          <a:p>
-            <a:pPr marL="0" indent="0">
-              <a:buNone/>
-            </a:pPr>
-            <a:r>
-              <a:rPr lang="de-DE" dirty="0"/>
-              <a:t>	gehe zum Zielfeld		&lt;- Optimierbar?</a:t>
-            </a:r>
-          </a:p>
-          <a:p>
-            <a:pPr marL="0" indent="0">
-              <a:buNone/>
-            </a:pPr>
-            <a:r>
-              <a:rPr lang="de-DE" dirty="0"/>
-              <a:t>} Sonst Wenn ( </a:t>
-            </a:r>
-            <a:r>
-              <a:rPr lang="de-DE" dirty="0" err="1"/>
-              <a:t>bisBatterie</a:t>
-            </a:r>
-            <a:r>
-              <a:rPr lang="de-DE" dirty="0"/>
-              <a:t> &lt; Tankfüllung ) {</a:t>
-            </a:r>
-          </a:p>
-          <a:p>
-            <a:pPr marL="0" indent="0">
-              <a:buNone/>
-            </a:pPr>
-            <a:r>
-              <a:rPr lang="de-DE" dirty="0"/>
-              <a:t>	Gehe zur Batterie</a:t>
-            </a:r>
-          </a:p>
-          <a:p>
-            <a:pPr marL="0" indent="0">
-              <a:buNone/>
-            </a:pPr>
-            <a:r>
-              <a:rPr lang="de-DE" dirty="0"/>
-              <a:t>} Sonst {</a:t>
-            </a:r>
-          </a:p>
-          <a:p>
-            <a:pPr marL="0" indent="0">
-              <a:buNone/>
-            </a:pPr>
-            <a:r>
-              <a:rPr lang="de-DE" dirty="0"/>
-              <a:t>	Game Over</a:t>
-            </a:r>
-          </a:p>
-          <a:p>
-            <a:pPr marL="0" indent="0">
-              <a:buNone/>
-            </a:pPr>
-            <a:r>
-              <a:rPr lang="de-DE" dirty="0"/>
-              <a:t>}</a:t>
-            </a:r>
-          </a:p>
-        </p:txBody>
-      </p:sp>
-      <p:sp>
-        <p:nvSpPr>
-          <p:cNvPr id="4" name="Foliennummernplatzhalter 3">
-            <a:extLst>
-              <a:ext uri="{FF2B5EF4-FFF2-40B4-BE49-F238E27FC236}">
-                <a16:creationId xmlns:a16="http://schemas.microsoft.com/office/drawing/2014/main" id="{256B3083-294C-4EB3-A324-509DB8EA66E4}"/>
+              <a:t>Robot-Controller</a:t>
+            </a:r>
+          </a:p>
+        </p:txBody>
+      </p:sp>
+      <p:sp>
+        <p:nvSpPr>
+          <p:cNvPr id="4" name="Slide Number Placeholder 3">
+            <a:extLst>
+              <a:ext uri="{FF2B5EF4-FFF2-40B4-BE49-F238E27FC236}">
+                <a16:creationId xmlns:a16="http://schemas.microsoft.com/office/drawing/2014/main" id="{9E4F3BBA-350F-4622-BAC1-BFCAADEF46F0}"/>
               </a:ext>
             </a:extLst>
           </p:cNvPr>
@@ -11339,7 +11490,736 @@
           <a:p>
             <a:fld id="{24C7E509-D680-4DB8-B87E-B8EC2E347686}" type="slidenum">
               <a:rPr lang="de-DE" smtClean="0"/>
-              <a:t>26</a:t>
+              <a:t>27</a:t>
+            </a:fld>
+            <a:endParaRPr lang="de-DE"/>
+          </a:p>
+        </p:txBody>
+      </p:sp>
+      <p:sp>
+        <p:nvSpPr>
+          <p:cNvPr id="6" name="Content Placeholder 5">
+            <a:extLst>
+              <a:ext uri="{FF2B5EF4-FFF2-40B4-BE49-F238E27FC236}">
+                <a16:creationId xmlns:a16="http://schemas.microsoft.com/office/drawing/2014/main" id="{F3AAA2AA-570A-42F5-AD34-74BDEA51AD02}"/>
+              </a:ext>
+            </a:extLst>
+          </p:cNvPr>
+          <p:cNvSpPr>
+            <a:spLocks noGrp="1"/>
+          </p:cNvSpPr>
+          <p:nvPr>
+            <p:ph idx="1"/>
+          </p:nvPr>
+        </p:nvSpPr>
+        <p:spPr/>
+        <p:txBody>
+          <a:bodyPr/>
+          <a:lstStyle/>
+          <a:p>
+            <a:endParaRPr lang="de-DE" dirty="0"/>
+          </a:p>
+        </p:txBody>
+      </p:sp>
+      <p:pic>
+        <p:nvPicPr>
+          <p:cNvPr id="7" name="Picture 6">
+            <a:extLst>
+              <a:ext uri="{FF2B5EF4-FFF2-40B4-BE49-F238E27FC236}">
+                <a16:creationId xmlns:a16="http://schemas.microsoft.com/office/drawing/2014/main" id="{78208436-60CA-416D-BE2D-4E100756D999}"/>
+              </a:ext>
+            </a:extLst>
+          </p:cNvPr>
+          <p:cNvPicPr>
+            <a:picLocks noChangeAspect="1"/>
+          </p:cNvPicPr>
+          <p:nvPr/>
+        </p:nvPicPr>
+        <p:blipFill rotWithShape="1">
+          <a:blip r:embed="rId2"/>
+          <a:srcRect t="17585" b="44162"/>
+          <a:stretch/>
+        </p:blipFill>
+        <p:spPr>
+          <a:xfrm>
+            <a:off x="3045392" y="2566219"/>
+            <a:ext cx="6101216" cy="1848465"/>
+          </a:xfrm>
+          <a:prstGeom prst="rect">
+            <a:avLst/>
+          </a:prstGeom>
+        </p:spPr>
+      </p:pic>
+    </p:spTree>
+    <p:extLst>
+      <p:ext uri="{BB962C8B-B14F-4D97-AF65-F5344CB8AC3E}">
+        <p14:creationId xmlns:p14="http://schemas.microsoft.com/office/powerpoint/2010/main" val="3505223997"/>
+      </p:ext>
+    </p:extLst>
+  </p:cSld>
+  <p:clrMapOvr>
+    <a:masterClrMapping/>
+  </p:clrMapOvr>
+</p:sld>
+</file>
+
+<file path=ppt/slides/slide28.xml><?xml version="1.0" encoding="utf-8"?>
+<p:sld xmlns:a="http://schemas.openxmlformats.org/drawingml/2006/main" xmlns:r="http://schemas.openxmlformats.org/officeDocument/2006/relationships" xmlns:p="http://schemas.openxmlformats.org/presentationml/2006/main">
+  <p:cSld>
+    <p:spTree>
+      <p:nvGrpSpPr>
+        <p:cNvPr id="1" name=""/>
+        <p:cNvGrpSpPr/>
+        <p:nvPr/>
+      </p:nvGrpSpPr>
+      <p:grpSpPr>
+        <a:xfrm>
+          <a:off x="0" y="0"/>
+          <a:ext cx="0" cy="0"/>
+          <a:chOff x="0" y="0"/>
+          <a:chExt cx="0" cy="0"/>
+        </a:xfrm>
+      </p:grpSpPr>
+      <p:sp>
+        <p:nvSpPr>
+          <p:cNvPr id="2" name="Title 1">
+            <a:extLst>
+              <a:ext uri="{FF2B5EF4-FFF2-40B4-BE49-F238E27FC236}">
+                <a16:creationId xmlns:a16="http://schemas.microsoft.com/office/drawing/2014/main" id="{06BEDA57-7B6A-423A-A767-68DE43BD4B63}"/>
+              </a:ext>
+            </a:extLst>
+          </p:cNvPr>
+          <p:cNvSpPr>
+            <a:spLocks noGrp="1"/>
+          </p:cNvSpPr>
+          <p:nvPr>
+            <p:ph type="title"/>
+          </p:nvPr>
+        </p:nvSpPr>
+        <p:spPr/>
+        <p:txBody>
+          <a:bodyPr/>
+          <a:lstStyle/>
+          <a:p>
+            <a:pPr algn="ctr"/>
+            <a:r>
+              <a:rPr lang="de-DE" dirty="0"/>
+              <a:t>Robot-Controller</a:t>
+            </a:r>
+          </a:p>
+        </p:txBody>
+      </p:sp>
+      <p:sp>
+        <p:nvSpPr>
+          <p:cNvPr id="4" name="Slide Number Placeholder 3">
+            <a:extLst>
+              <a:ext uri="{FF2B5EF4-FFF2-40B4-BE49-F238E27FC236}">
+                <a16:creationId xmlns:a16="http://schemas.microsoft.com/office/drawing/2014/main" id="{9E4F3BBA-350F-4622-BAC1-BFCAADEF46F0}"/>
+              </a:ext>
+            </a:extLst>
+          </p:cNvPr>
+          <p:cNvSpPr>
+            <a:spLocks noGrp="1"/>
+          </p:cNvSpPr>
+          <p:nvPr>
+            <p:ph type="sldNum" sz="quarter" idx="12"/>
+          </p:nvPr>
+        </p:nvSpPr>
+        <p:spPr/>
+        <p:txBody>
+          <a:bodyPr/>
+          <a:lstStyle/>
+          <a:p>
+            <a:fld id="{24C7E509-D680-4DB8-B87E-B8EC2E347686}" type="slidenum">
+              <a:rPr lang="de-DE" smtClean="0"/>
+              <a:t>28</a:t>
+            </a:fld>
+            <a:endParaRPr lang="de-DE"/>
+          </a:p>
+        </p:txBody>
+      </p:sp>
+      <p:sp>
+        <p:nvSpPr>
+          <p:cNvPr id="6" name="Content Placeholder 5">
+            <a:extLst>
+              <a:ext uri="{FF2B5EF4-FFF2-40B4-BE49-F238E27FC236}">
+                <a16:creationId xmlns:a16="http://schemas.microsoft.com/office/drawing/2014/main" id="{F3AAA2AA-570A-42F5-AD34-74BDEA51AD02}"/>
+              </a:ext>
+            </a:extLst>
+          </p:cNvPr>
+          <p:cNvSpPr>
+            <a:spLocks noGrp="1"/>
+          </p:cNvSpPr>
+          <p:nvPr>
+            <p:ph idx="1"/>
+          </p:nvPr>
+        </p:nvSpPr>
+        <p:spPr/>
+        <p:txBody>
+          <a:bodyPr/>
+          <a:lstStyle/>
+          <a:p>
+            <a:endParaRPr lang="de-DE" dirty="0"/>
+          </a:p>
+        </p:txBody>
+      </p:sp>
+      <p:pic>
+        <p:nvPicPr>
+          <p:cNvPr id="7" name="Picture 6">
+            <a:extLst>
+              <a:ext uri="{FF2B5EF4-FFF2-40B4-BE49-F238E27FC236}">
+                <a16:creationId xmlns:a16="http://schemas.microsoft.com/office/drawing/2014/main" id="{78208436-60CA-416D-BE2D-4E100756D999}"/>
+              </a:ext>
+            </a:extLst>
+          </p:cNvPr>
+          <p:cNvPicPr>
+            <a:picLocks noChangeAspect="1"/>
+          </p:cNvPicPr>
+          <p:nvPr/>
+        </p:nvPicPr>
+        <p:blipFill rotWithShape="1">
+          <a:blip r:embed="rId2"/>
+          <a:srcRect t="55023"/>
+          <a:stretch/>
+        </p:blipFill>
+        <p:spPr>
+          <a:xfrm>
+            <a:off x="3045392" y="4375355"/>
+            <a:ext cx="6101216" cy="2173389"/>
+          </a:xfrm>
+          <a:prstGeom prst="rect">
+            <a:avLst/>
+          </a:prstGeom>
+        </p:spPr>
+      </p:pic>
+    </p:spTree>
+    <p:extLst>
+      <p:ext uri="{BB962C8B-B14F-4D97-AF65-F5344CB8AC3E}">
+        <p14:creationId xmlns:p14="http://schemas.microsoft.com/office/powerpoint/2010/main" val="2053178869"/>
+      </p:ext>
+    </p:extLst>
+  </p:cSld>
+  <p:clrMapOvr>
+    <a:masterClrMapping/>
+  </p:clrMapOvr>
+</p:sld>
+</file>
+
+<file path=ppt/slides/slide29.xml><?xml version="1.0" encoding="utf-8"?>
+<p:sld xmlns:a="http://schemas.openxmlformats.org/drawingml/2006/main" xmlns:r="http://schemas.openxmlformats.org/officeDocument/2006/relationships" xmlns:p="http://schemas.openxmlformats.org/presentationml/2006/main">
+  <p:cSld>
+    <p:spTree>
+      <p:nvGrpSpPr>
+        <p:cNvPr id="1" name=""/>
+        <p:cNvGrpSpPr/>
+        <p:nvPr/>
+      </p:nvGrpSpPr>
+      <p:grpSpPr>
+        <a:xfrm>
+          <a:off x="0" y="0"/>
+          <a:ext cx="0" cy="0"/>
+          <a:chOff x="0" y="0"/>
+          <a:chExt cx="0" cy="0"/>
+        </a:xfrm>
+      </p:grpSpPr>
+      <p:sp>
+        <p:nvSpPr>
+          <p:cNvPr id="2" name="Titel 1">
+            <a:extLst>
+              <a:ext uri="{FF2B5EF4-FFF2-40B4-BE49-F238E27FC236}">
+                <a16:creationId xmlns:a16="http://schemas.microsoft.com/office/drawing/2014/main" id="{5D10B3B2-98CE-4A76-8F3B-AC87D7970181}"/>
+              </a:ext>
+            </a:extLst>
+          </p:cNvPr>
+          <p:cNvSpPr>
+            <a:spLocks noGrp="1"/>
+          </p:cNvSpPr>
+          <p:nvPr>
+            <p:ph type="title"/>
+          </p:nvPr>
+        </p:nvSpPr>
+        <p:spPr/>
+        <p:txBody>
+          <a:bodyPr/>
+          <a:lstStyle/>
+          <a:p>
+            <a:pPr algn="ctr"/>
+            <a:r>
+              <a:rPr lang="de-DE" dirty="0"/>
+              <a:t>Aufgetretene Fehler</a:t>
+            </a:r>
+          </a:p>
+        </p:txBody>
+      </p:sp>
+      <p:sp>
+        <p:nvSpPr>
+          <p:cNvPr id="3" name="Inhaltsplatzhalter 2">
+            <a:extLst>
+              <a:ext uri="{FF2B5EF4-FFF2-40B4-BE49-F238E27FC236}">
+                <a16:creationId xmlns:a16="http://schemas.microsoft.com/office/drawing/2014/main" id="{DF549B9E-E429-455E-9CCB-4C382D186DA1}"/>
+              </a:ext>
+            </a:extLst>
+          </p:cNvPr>
+          <p:cNvSpPr>
+            <a:spLocks noGrp="1"/>
+          </p:cNvSpPr>
+          <p:nvPr>
+            <p:ph idx="1"/>
+          </p:nvPr>
+        </p:nvSpPr>
+        <p:spPr/>
+        <p:txBody>
+          <a:bodyPr/>
+          <a:lstStyle/>
+          <a:p>
+            <a:r>
+              <a:rPr lang="de-DE" dirty="0"/>
+              <a:t>Graph falsch generiert </a:t>
+            </a:r>
+          </a:p>
+          <a:p>
+            <a:pPr lvl="1"/>
+            <a:r>
+              <a:rPr lang="de-DE" dirty="0"/>
+              <a:t>Kind ist ausgewichen</a:t>
+            </a:r>
+          </a:p>
+          <a:p>
+            <a:pPr lvl="1"/>
+            <a:r>
+              <a:rPr lang="de-DE" dirty="0"/>
+              <a:t>jetzt berechnet die </a:t>
+            </a:r>
+            <a:r>
+              <a:rPr lang="de-DE" dirty="0" err="1"/>
+              <a:t>Graphgenerierung</a:t>
+            </a:r>
+            <a:r>
+              <a:rPr lang="de-DE" dirty="0"/>
+              <a:t> bei jedem Roboterzug die darauf folgenden Kindeszüge und verwirft bei Inkorrektheit den aktuellen Roboterzug</a:t>
+            </a:r>
+          </a:p>
+          <a:p>
+            <a:r>
+              <a:rPr lang="de-DE" dirty="0" err="1"/>
+              <a:t>Enforce</a:t>
+            </a:r>
+            <a:r>
+              <a:rPr lang="de-DE" dirty="0"/>
+              <a:t>-Algorithmus falsch berechnet</a:t>
+            </a:r>
+          </a:p>
+          <a:p>
+            <a:pPr lvl="1"/>
+            <a:r>
+              <a:rPr lang="de-DE" dirty="0"/>
+              <a:t>Implementierung war anfangs falsch</a:t>
+            </a:r>
+          </a:p>
+          <a:p>
+            <a:r>
+              <a:rPr lang="de-DE" dirty="0"/>
+              <a:t>Noch vorhanden: Wenn Batterieladung nicht betrachtet werden soll muss Startladung auf hohen Wert gesetzt werden</a:t>
+            </a:r>
+          </a:p>
+        </p:txBody>
+      </p:sp>
+      <p:sp>
+        <p:nvSpPr>
+          <p:cNvPr id="4" name="Foliennummernplatzhalter 3">
+            <a:extLst>
+              <a:ext uri="{FF2B5EF4-FFF2-40B4-BE49-F238E27FC236}">
+                <a16:creationId xmlns:a16="http://schemas.microsoft.com/office/drawing/2014/main" id="{10CA8FA4-8DBF-4853-9008-56DB49403505}"/>
+              </a:ext>
+            </a:extLst>
+          </p:cNvPr>
+          <p:cNvSpPr>
+            <a:spLocks noGrp="1"/>
+          </p:cNvSpPr>
+          <p:nvPr>
+            <p:ph type="sldNum" sz="quarter" idx="12"/>
+          </p:nvPr>
+        </p:nvSpPr>
+        <p:spPr/>
+        <p:txBody>
+          <a:bodyPr/>
+          <a:lstStyle/>
+          <a:p>
+            <a:fld id="{24C7E509-D680-4DB8-B87E-B8EC2E347686}" type="slidenum">
+              <a:rPr lang="de-DE" smtClean="0"/>
+              <a:t>29</a:t>
+            </a:fld>
+            <a:endParaRPr lang="de-DE"/>
+          </a:p>
+        </p:txBody>
+      </p:sp>
+    </p:spTree>
+    <p:extLst>
+      <p:ext uri="{BB962C8B-B14F-4D97-AF65-F5344CB8AC3E}">
+        <p14:creationId xmlns:p14="http://schemas.microsoft.com/office/powerpoint/2010/main" val="3752044732"/>
+      </p:ext>
+    </p:extLst>
+  </p:cSld>
+  <p:clrMapOvr>
+    <a:masterClrMapping/>
+  </p:clrMapOvr>
+</p:sld>
+</file>
+
+<file path=ppt/slides/slide3.xml><?xml version="1.0" encoding="utf-8"?>
+<p:sld xmlns:a="http://schemas.openxmlformats.org/drawingml/2006/main" xmlns:r="http://schemas.openxmlformats.org/officeDocument/2006/relationships" xmlns:p="http://schemas.openxmlformats.org/presentationml/2006/main">
+  <p:cSld>
+    <p:spTree>
+      <p:nvGrpSpPr>
+        <p:cNvPr id="1" name=""/>
+        <p:cNvGrpSpPr/>
+        <p:nvPr/>
+      </p:nvGrpSpPr>
+      <p:grpSpPr>
+        <a:xfrm>
+          <a:off x="0" y="0"/>
+          <a:ext cx="0" cy="0"/>
+          <a:chOff x="0" y="0"/>
+          <a:chExt cx="0" cy="0"/>
+        </a:xfrm>
+      </p:grpSpPr>
+      <p:sp>
+        <p:nvSpPr>
+          <p:cNvPr id="2" name="Titel 1">
+            <a:extLst>
+              <a:ext uri="{FF2B5EF4-FFF2-40B4-BE49-F238E27FC236}">
+                <a16:creationId xmlns:a16="http://schemas.microsoft.com/office/drawing/2014/main" id="{26825D3A-6CEE-4F9F-81E5-3E804EAA612A}"/>
+              </a:ext>
+            </a:extLst>
+          </p:cNvPr>
+          <p:cNvSpPr>
+            <a:spLocks noGrp="1"/>
+          </p:cNvSpPr>
+          <p:nvPr>
+            <p:ph type="title"/>
+          </p:nvPr>
+        </p:nvSpPr>
+        <p:spPr/>
+        <p:txBody>
+          <a:bodyPr/>
+          <a:lstStyle/>
+          <a:p>
+            <a:pPr algn="ctr"/>
+            <a:r>
+              <a:rPr lang="de-DE" dirty="0"/>
+              <a:t>Gliederung</a:t>
+            </a:r>
+          </a:p>
+        </p:txBody>
+      </p:sp>
+      <p:sp>
+        <p:nvSpPr>
+          <p:cNvPr id="3" name="Inhaltsplatzhalter 2">
+            <a:extLst>
+              <a:ext uri="{FF2B5EF4-FFF2-40B4-BE49-F238E27FC236}">
+                <a16:creationId xmlns:a16="http://schemas.microsoft.com/office/drawing/2014/main" id="{B8B215CE-79DD-4E8A-9F51-760A69740D50}"/>
+              </a:ext>
+            </a:extLst>
+          </p:cNvPr>
+          <p:cNvSpPr>
+            <a:spLocks noGrp="1"/>
+          </p:cNvSpPr>
+          <p:nvPr>
+            <p:ph idx="1"/>
+          </p:nvPr>
+        </p:nvSpPr>
+        <p:spPr/>
+        <p:txBody>
+          <a:bodyPr>
+            <a:normAutofit lnSpcReduction="10000"/>
+          </a:bodyPr>
+          <a:lstStyle/>
+          <a:p>
+            <a:r>
+              <a:rPr lang="de-DE" dirty="0"/>
+              <a:t>Einleitung</a:t>
+            </a:r>
+          </a:p>
+          <a:p>
+            <a:r>
+              <a:rPr lang="de-DE" dirty="0"/>
+              <a:t>Spielfeld</a:t>
+            </a:r>
+          </a:p>
+          <a:p>
+            <a:r>
+              <a:rPr lang="de-DE" dirty="0"/>
+              <a:t>Herausforderungen</a:t>
+            </a:r>
+          </a:p>
+          <a:p>
+            <a:r>
+              <a:rPr lang="de-DE" dirty="0"/>
+              <a:t>Graphentheorie und –erzeugung</a:t>
+            </a:r>
+          </a:p>
+          <a:p>
+            <a:r>
+              <a:rPr lang="de-DE" dirty="0"/>
+              <a:t>Enforce Algorithmus</a:t>
+            </a:r>
+          </a:p>
+          <a:p>
+            <a:r>
+              <a:rPr lang="de-DE" dirty="0"/>
+              <a:t>Child-Controller</a:t>
+            </a:r>
+          </a:p>
+          <a:p>
+            <a:r>
+              <a:rPr lang="de-DE" dirty="0"/>
+              <a:t>Robot-Controller</a:t>
+            </a:r>
+          </a:p>
+          <a:p>
+            <a:r>
+              <a:rPr lang="de-DE" dirty="0"/>
+              <a:t>Aufgetretene Fehler</a:t>
+            </a:r>
+          </a:p>
+          <a:p>
+            <a:r>
+              <a:rPr lang="de-DE" dirty="0"/>
+              <a:t>Optimierung</a:t>
+            </a:r>
+          </a:p>
+          <a:p>
+            <a:endParaRPr lang="de-DE" dirty="0"/>
+          </a:p>
+          <a:p>
+            <a:endParaRPr lang="de-DE" dirty="0"/>
+          </a:p>
+          <a:p>
+            <a:endParaRPr lang="de-DE" dirty="0"/>
+          </a:p>
+        </p:txBody>
+      </p:sp>
+      <p:sp>
+        <p:nvSpPr>
+          <p:cNvPr id="4" name="Foliennummernplatzhalter 3">
+            <a:extLst>
+              <a:ext uri="{FF2B5EF4-FFF2-40B4-BE49-F238E27FC236}">
+                <a16:creationId xmlns:a16="http://schemas.microsoft.com/office/drawing/2014/main" id="{93BF2E14-94DF-403B-969C-E3660F2321D1}"/>
+              </a:ext>
+            </a:extLst>
+          </p:cNvPr>
+          <p:cNvSpPr>
+            <a:spLocks noGrp="1"/>
+          </p:cNvSpPr>
+          <p:nvPr>
+            <p:ph type="sldNum" sz="quarter" idx="12"/>
+          </p:nvPr>
+        </p:nvSpPr>
+        <p:spPr/>
+        <p:txBody>
+          <a:bodyPr/>
+          <a:lstStyle/>
+          <a:p>
+            <a:fld id="{24C7E509-D680-4DB8-B87E-B8EC2E347686}" type="slidenum">
+              <a:rPr lang="de-DE" smtClean="0"/>
+              <a:t>3</a:t>
+            </a:fld>
+            <a:endParaRPr lang="de-DE"/>
+          </a:p>
+        </p:txBody>
+      </p:sp>
+    </p:spTree>
+    <p:extLst>
+      <p:ext uri="{BB962C8B-B14F-4D97-AF65-F5344CB8AC3E}">
+        <p14:creationId xmlns:p14="http://schemas.microsoft.com/office/powerpoint/2010/main" val="2523838063"/>
+      </p:ext>
+    </p:extLst>
+  </p:cSld>
+  <p:clrMapOvr>
+    <a:masterClrMapping/>
+  </p:clrMapOvr>
+</p:sld>
+</file>
+
+<file path=ppt/slides/slide30.xml><?xml version="1.0" encoding="utf-8"?>
+<p:sld xmlns:a="http://schemas.openxmlformats.org/drawingml/2006/main" xmlns:r="http://schemas.openxmlformats.org/officeDocument/2006/relationships" xmlns:p="http://schemas.openxmlformats.org/presentationml/2006/main">
+  <p:cSld>
+    <p:spTree>
+      <p:nvGrpSpPr>
+        <p:cNvPr id="1" name=""/>
+        <p:cNvGrpSpPr/>
+        <p:nvPr/>
+      </p:nvGrpSpPr>
+      <p:grpSpPr>
+        <a:xfrm>
+          <a:off x="0" y="0"/>
+          <a:ext cx="0" cy="0"/>
+          <a:chOff x="0" y="0"/>
+          <a:chExt cx="0" cy="0"/>
+        </a:xfrm>
+      </p:grpSpPr>
+      <p:sp>
+        <p:nvSpPr>
+          <p:cNvPr id="2" name="Titel 1">
+            <a:extLst>
+              <a:ext uri="{FF2B5EF4-FFF2-40B4-BE49-F238E27FC236}">
+                <a16:creationId xmlns:a16="http://schemas.microsoft.com/office/drawing/2014/main" id="{3A7BB2F4-FCC1-4DE5-B708-3CFD0CD6AE2E}"/>
+              </a:ext>
+            </a:extLst>
+          </p:cNvPr>
+          <p:cNvSpPr>
+            <a:spLocks noGrp="1"/>
+          </p:cNvSpPr>
+          <p:nvPr>
+            <p:ph type="title"/>
+          </p:nvPr>
+        </p:nvSpPr>
+        <p:spPr/>
+        <p:txBody>
+          <a:bodyPr/>
+          <a:lstStyle/>
+          <a:p>
+            <a:pPr algn="ctr"/>
+            <a:r>
+              <a:rPr lang="de-DE" dirty="0"/>
+              <a:t>Optimierung?</a:t>
+            </a:r>
+          </a:p>
+        </p:txBody>
+      </p:sp>
+      <p:sp>
+        <p:nvSpPr>
+          <p:cNvPr id="3" name="Inhaltsplatzhalter 2">
+            <a:extLst>
+              <a:ext uri="{FF2B5EF4-FFF2-40B4-BE49-F238E27FC236}">
+                <a16:creationId xmlns:a16="http://schemas.microsoft.com/office/drawing/2014/main" id="{A44C6831-89D7-4EA9-AA4D-054654C37D3B}"/>
+              </a:ext>
+            </a:extLst>
+          </p:cNvPr>
+          <p:cNvSpPr>
+            <a:spLocks noGrp="1"/>
+          </p:cNvSpPr>
+          <p:nvPr>
+            <p:ph idx="1"/>
+          </p:nvPr>
+        </p:nvSpPr>
+        <p:spPr/>
+        <p:txBody>
+          <a:bodyPr/>
+          <a:lstStyle/>
+          <a:p>
+            <a:pPr marL="0" indent="0">
+              <a:buNone/>
+            </a:pPr>
+            <a:r>
+              <a:rPr lang="de-DE" dirty="0"/>
+              <a:t>Wenn ( </a:t>
+            </a:r>
+            <a:r>
+              <a:rPr lang="de-DE" dirty="0" err="1"/>
+              <a:t>bisZieleld</a:t>
+            </a:r>
+            <a:r>
+              <a:rPr lang="de-DE" dirty="0"/>
+              <a:t> + </a:t>
+            </a:r>
+            <a:r>
+              <a:rPr lang="de-DE" dirty="0" err="1"/>
+              <a:t>bisBatterie</a:t>
+            </a:r>
+            <a:r>
+              <a:rPr lang="de-DE" dirty="0"/>
+              <a:t> &lt; Tankfüllung ) {</a:t>
+            </a:r>
+          </a:p>
+          <a:p>
+            <a:pPr marL="0" indent="0">
+              <a:buNone/>
+            </a:pPr>
+            <a:r>
+              <a:rPr lang="de-DE" dirty="0"/>
+              <a:t>	gehe zum Zielfeld		&lt;- Optimierbar?</a:t>
+            </a:r>
+          </a:p>
+          <a:p>
+            <a:pPr marL="0" indent="0">
+              <a:buNone/>
+            </a:pPr>
+            <a:r>
+              <a:rPr lang="de-DE" dirty="0"/>
+              <a:t>} Sonst Wenn ( </a:t>
+            </a:r>
+            <a:r>
+              <a:rPr lang="de-DE" dirty="0" err="1"/>
+              <a:t>bisBatterie</a:t>
+            </a:r>
+            <a:r>
+              <a:rPr lang="de-DE" dirty="0"/>
+              <a:t> &lt; Tankfüllung ) {</a:t>
+            </a:r>
+          </a:p>
+          <a:p>
+            <a:pPr marL="0" indent="0">
+              <a:buNone/>
+            </a:pPr>
+            <a:r>
+              <a:rPr lang="de-DE" dirty="0"/>
+              <a:t>	Gehe zur Batterie</a:t>
+            </a:r>
+          </a:p>
+          <a:p>
+            <a:pPr marL="0" indent="0">
+              <a:buNone/>
+            </a:pPr>
+            <a:r>
+              <a:rPr lang="de-DE" dirty="0"/>
+              <a:t>} Sonst {</a:t>
+            </a:r>
+          </a:p>
+          <a:p>
+            <a:pPr marL="0" indent="0">
+              <a:buNone/>
+            </a:pPr>
+            <a:r>
+              <a:rPr lang="de-DE" dirty="0"/>
+              <a:t>	Game Over</a:t>
+            </a:r>
+          </a:p>
+          <a:p>
+            <a:pPr marL="0" indent="0">
+              <a:buNone/>
+            </a:pPr>
+            <a:r>
+              <a:rPr lang="de-DE" dirty="0"/>
+              <a:t>}</a:t>
+            </a:r>
+          </a:p>
+        </p:txBody>
+      </p:sp>
+      <p:sp>
+        <p:nvSpPr>
+          <p:cNvPr id="4" name="Foliennummernplatzhalter 3">
+            <a:extLst>
+              <a:ext uri="{FF2B5EF4-FFF2-40B4-BE49-F238E27FC236}">
+                <a16:creationId xmlns:a16="http://schemas.microsoft.com/office/drawing/2014/main" id="{256B3083-294C-4EB3-A324-509DB8EA66E4}"/>
+              </a:ext>
+            </a:extLst>
+          </p:cNvPr>
+          <p:cNvSpPr>
+            <a:spLocks noGrp="1"/>
+          </p:cNvSpPr>
+          <p:nvPr>
+            <p:ph type="sldNum" sz="quarter" idx="12"/>
+          </p:nvPr>
+        </p:nvSpPr>
+        <p:spPr/>
+        <p:txBody>
+          <a:bodyPr/>
+          <a:lstStyle/>
+          <a:p>
+            <a:fld id="{24C7E509-D680-4DB8-B87E-B8EC2E347686}" type="slidenum">
+              <a:rPr lang="de-DE" smtClean="0"/>
+              <a:t>30</a:t>
             </a:fld>
             <a:endParaRPr lang="de-DE"/>
           </a:p>
@@ -11358,7 +12238,7 @@
 </p:sld>
 </file>
 
-<file path=ppt/slides/slide27.xml><?xml version="1.0" encoding="utf-8"?>
+<file path=ppt/slides/slide31.xml><?xml version="1.0" encoding="utf-8"?>
 <p:sld xmlns:a="http://schemas.openxmlformats.org/drawingml/2006/main" xmlns:r="http://schemas.openxmlformats.org/officeDocument/2006/relationships" xmlns:p="http://schemas.openxmlformats.org/presentationml/2006/main">
   <p:cSld>
     <p:spTree>
@@ -12301,7 +13181,7 @@
           <a:p>
             <a:fld id="{24C7E509-D680-4DB8-B87E-B8EC2E347686}" type="slidenum">
               <a:rPr lang="de-DE" smtClean="0"/>
-              <a:t>27</a:t>
+              <a:t>31</a:t>
             </a:fld>
             <a:endParaRPr lang="de-DE"/>
           </a:p>
@@ -12320,7 +13200,7 @@
 </p:sld>
 </file>
 
-<file path=ppt/slides/slide28.xml><?xml version="1.0" encoding="utf-8"?>
+<file path=ppt/slides/slide32.xml><?xml version="1.0" encoding="utf-8"?>
 <p:sld xmlns:a="http://schemas.openxmlformats.org/drawingml/2006/main" xmlns:r="http://schemas.openxmlformats.org/officeDocument/2006/relationships" xmlns:p="http://schemas.openxmlformats.org/presentationml/2006/main">
   <p:cSld>
     <p:spTree>
@@ -12436,7 +13316,7 @@
           <a:p>
             <a:fld id="{24C7E509-D680-4DB8-B87E-B8EC2E347686}" type="slidenum">
               <a:rPr lang="de-DE" smtClean="0"/>
-              <a:t>28</a:t>
+              <a:t>32</a:t>
             </a:fld>
             <a:endParaRPr lang="de-DE"/>
           </a:p>
@@ -12446,181 +13326,6 @@
     <p:extLst>
       <p:ext uri="{BB962C8B-B14F-4D97-AF65-F5344CB8AC3E}">
         <p14:creationId xmlns:p14="http://schemas.microsoft.com/office/powerpoint/2010/main" val="2343307496"/>
-      </p:ext>
-    </p:extLst>
-  </p:cSld>
-  <p:clrMapOvr>
-    <a:masterClrMapping/>
-  </p:clrMapOvr>
-</p:sld>
-</file>
-
-<file path=ppt/slides/slide3.xml><?xml version="1.0" encoding="utf-8"?>
-<p:sld xmlns:a="http://schemas.openxmlformats.org/drawingml/2006/main" xmlns:r="http://schemas.openxmlformats.org/officeDocument/2006/relationships" xmlns:p="http://schemas.openxmlformats.org/presentationml/2006/main">
-  <p:cSld>
-    <p:spTree>
-      <p:nvGrpSpPr>
-        <p:cNvPr id="1" name=""/>
-        <p:cNvGrpSpPr/>
-        <p:nvPr/>
-      </p:nvGrpSpPr>
-      <p:grpSpPr>
-        <a:xfrm>
-          <a:off x="0" y="0"/>
-          <a:ext cx="0" cy="0"/>
-          <a:chOff x="0" y="0"/>
-          <a:chExt cx="0" cy="0"/>
-        </a:xfrm>
-      </p:grpSpPr>
-      <p:sp>
-        <p:nvSpPr>
-          <p:cNvPr id="2" name="Titel 1">
-            <a:extLst>
-              <a:ext uri="{FF2B5EF4-FFF2-40B4-BE49-F238E27FC236}">
-                <a16:creationId xmlns:a16="http://schemas.microsoft.com/office/drawing/2014/main" id="{26825D3A-6CEE-4F9F-81E5-3E804EAA612A}"/>
-              </a:ext>
-            </a:extLst>
-          </p:cNvPr>
-          <p:cNvSpPr>
-            <a:spLocks noGrp="1"/>
-          </p:cNvSpPr>
-          <p:nvPr>
-            <p:ph type="title"/>
-          </p:nvPr>
-        </p:nvSpPr>
-        <p:spPr/>
-        <p:txBody>
-          <a:bodyPr/>
-          <a:lstStyle/>
-          <a:p>
-            <a:pPr algn="ctr"/>
-            <a:r>
-              <a:rPr lang="de-DE" dirty="0"/>
-              <a:t>Gliederung</a:t>
-            </a:r>
-          </a:p>
-        </p:txBody>
-      </p:sp>
-      <p:sp>
-        <p:nvSpPr>
-          <p:cNvPr id="3" name="Inhaltsplatzhalter 2">
-            <a:extLst>
-              <a:ext uri="{FF2B5EF4-FFF2-40B4-BE49-F238E27FC236}">
-                <a16:creationId xmlns:a16="http://schemas.microsoft.com/office/drawing/2014/main" id="{B8B215CE-79DD-4E8A-9F51-760A69740D50}"/>
-              </a:ext>
-            </a:extLst>
-          </p:cNvPr>
-          <p:cNvSpPr>
-            <a:spLocks noGrp="1"/>
-          </p:cNvSpPr>
-          <p:nvPr>
-            <p:ph idx="1"/>
-          </p:nvPr>
-        </p:nvSpPr>
-        <p:spPr/>
-        <p:txBody>
-          <a:bodyPr>
-            <a:normAutofit lnSpcReduction="10000"/>
-          </a:bodyPr>
-          <a:lstStyle/>
-          <a:p>
-            <a:r>
-              <a:rPr lang="de-DE" dirty="0"/>
-              <a:t>Einleitung</a:t>
-            </a:r>
-          </a:p>
-          <a:p>
-            <a:r>
-              <a:rPr lang="de-DE" dirty="0"/>
-              <a:t>Spielfeld</a:t>
-            </a:r>
-          </a:p>
-          <a:p>
-            <a:r>
-              <a:rPr lang="de-DE" dirty="0"/>
-              <a:t>Herausforderungen</a:t>
-            </a:r>
-          </a:p>
-          <a:p>
-            <a:r>
-              <a:rPr lang="de-DE" dirty="0"/>
-              <a:t>Graphentheorie und –erzeugung</a:t>
-            </a:r>
-          </a:p>
-          <a:p>
-            <a:r>
-              <a:rPr lang="de-DE" dirty="0"/>
-              <a:t>Enforce Algorithmus</a:t>
-            </a:r>
-          </a:p>
-          <a:p>
-            <a:r>
-              <a:rPr lang="de-DE" dirty="0"/>
-              <a:t>Child-Controller</a:t>
-            </a:r>
-          </a:p>
-          <a:p>
-            <a:r>
-              <a:rPr lang="de-DE" dirty="0"/>
-              <a:t>Robot-Controller</a:t>
-            </a:r>
-          </a:p>
-          <a:p>
-            <a:r>
-              <a:rPr lang="de-DE" dirty="0"/>
-              <a:t>Aufgetretene Fehler</a:t>
-            </a:r>
-          </a:p>
-          <a:p>
-            <a:r>
-              <a:rPr lang="de-DE" dirty="0"/>
-              <a:t>Optimierung</a:t>
-            </a:r>
-          </a:p>
-          <a:p>
-            <a:endParaRPr lang="de-DE" dirty="0"/>
-          </a:p>
-          <a:p>
-            <a:endParaRPr lang="de-DE" dirty="0"/>
-          </a:p>
-          <a:p>
-            <a:endParaRPr lang="de-DE" dirty="0"/>
-          </a:p>
-        </p:txBody>
-      </p:sp>
-      <p:sp>
-        <p:nvSpPr>
-          <p:cNvPr id="4" name="Foliennummernplatzhalter 3">
-            <a:extLst>
-              <a:ext uri="{FF2B5EF4-FFF2-40B4-BE49-F238E27FC236}">
-                <a16:creationId xmlns:a16="http://schemas.microsoft.com/office/drawing/2014/main" id="{93BF2E14-94DF-403B-969C-E3660F2321D1}"/>
-              </a:ext>
-            </a:extLst>
-          </p:cNvPr>
-          <p:cNvSpPr>
-            <a:spLocks noGrp="1"/>
-          </p:cNvSpPr>
-          <p:nvPr>
-            <p:ph type="sldNum" sz="quarter" idx="12"/>
-          </p:nvPr>
-        </p:nvSpPr>
-        <p:spPr/>
-        <p:txBody>
-          <a:bodyPr/>
-          <a:lstStyle/>
-          <a:p>
-            <a:fld id="{24C7E509-D680-4DB8-B87E-B8EC2E347686}" type="slidenum">
-              <a:rPr lang="de-DE" smtClean="0"/>
-              <a:t>3</a:t>
-            </a:fld>
-            <a:endParaRPr lang="de-DE"/>
-          </a:p>
-        </p:txBody>
-      </p:sp>
-    </p:spTree>
-    <p:extLst>
-      <p:ext uri="{BB962C8B-B14F-4D97-AF65-F5344CB8AC3E}">
-        <p14:creationId xmlns:p14="http://schemas.microsoft.com/office/powerpoint/2010/main" val="2523838063"/>
       </p:ext>
     </p:extLst>
   </p:cSld>

--- a/Dokumentation/Roboter.pptx
+++ b/Dokumentation/Roboter.pptx
@@ -11542,8 +11542,8 @@
         </p:blipFill>
         <p:spPr>
           <a:xfrm>
-            <a:off x="3045392" y="2566219"/>
-            <a:ext cx="6101216" cy="1848465"/>
+            <a:off x="838572" y="2566218"/>
+            <a:ext cx="10612220" cy="3215149"/>
           </a:xfrm>
           <a:prstGeom prst="rect">
             <a:avLst/>
@@ -11684,8 +11684,8 @@
         </p:blipFill>
         <p:spPr>
           <a:xfrm>
-            <a:off x="3045392" y="4375355"/>
-            <a:ext cx="6101216" cy="2173389"/>
+            <a:off x="934065" y="2109961"/>
+            <a:ext cx="10140897" cy="3612413"/>
           </a:xfrm>
           <a:prstGeom prst="rect">
             <a:avLst/>
